--- a/ISDS 7075 Final Presentation.pptx
+++ b/ISDS 7075 Final Presentation.pptx
@@ -114,7 +114,6800 @@
       </a:defRPr>
     </a:lvl9pPr>
   </p:defaultTextStyle>
+  <p:extLst>
+    <p:ext uri="{EFAFB233-063F-42B5-8137-9DF3F51BA10A}">
+      <p15:sldGuideLst xmlns:p15="http://schemas.microsoft.com/office/powerpoint/2012/main"/>
+    </p:ext>
+  </p:extLst>
 </p:presentation>
+</file>
+
+<file path=ppt/revisionInfo.xml><?xml version="1.0" encoding="utf-8"?>
+<p1510:revInfo xmlns:a="http://schemas.openxmlformats.org/drawingml/2006/main" xmlns:r="http://schemas.openxmlformats.org/officeDocument/2006/relationships" xmlns:p1510="http://schemas.microsoft.com/office/powerpoint/2015/10/main">
+  <p1510:revLst>
+    <p1510:client id="{40398309-EE30-411F-BAE6-1D221D1CA75A}" v="4" dt="2025-07-31T00:07:11.852"/>
+  </p1510:revLst>
+</p1510:revInfo>
+</file>
+
+<file path=ppt/changesInfos/changesInfo1.xml><?xml version="1.0" encoding="utf-8"?>
+<pc:chgInfo xmlns:a="http://schemas.openxmlformats.org/drawingml/2006/main" xmlns:r="http://schemas.openxmlformats.org/officeDocument/2006/relationships" xmlns:ac="http://schemas.microsoft.com/office/drawing/2013/main/command" xmlns:pc="http://schemas.microsoft.com/office/powerpoint/2013/main/command">
+  <pc:docChgLst>
+    <pc:chgData name="Taylor Kocher" userId="34fafd0f8ab602e7" providerId="LiveId" clId="{40398309-EE30-411F-BAE6-1D221D1CA75A}"/>
+    <pc:docChg chg="undo redo custSel modSld">
+      <pc:chgData name="Taylor Kocher" userId="34fafd0f8ab602e7" providerId="LiveId" clId="{40398309-EE30-411F-BAE6-1D221D1CA75A}" dt="2025-07-31T00:07:46.295" v="945" actId="404"/>
+      <pc:docMkLst>
+        <pc:docMk/>
+      </pc:docMkLst>
+      <pc:sldChg chg="addSp delSp modSp mod modMedia setBg addAnim delAnim">
+        <pc:chgData name="Taylor Kocher" userId="34fafd0f8ab602e7" providerId="LiveId" clId="{40398309-EE30-411F-BAE6-1D221D1CA75A}" dt="2025-07-30T23:45:28.897" v="131"/>
+        <pc:sldMkLst>
+          <pc:docMk/>
+          <pc:sldMk cId="1089398144" sldId="256"/>
+        </pc:sldMkLst>
+        <pc:spChg chg="mod">
+          <ac:chgData name="Taylor Kocher" userId="34fafd0f8ab602e7" providerId="LiveId" clId="{40398309-EE30-411F-BAE6-1D221D1CA75A}" dt="2025-07-30T23:45:28.896" v="129" actId="26606"/>
+          <ac:spMkLst>
+            <pc:docMk/>
+            <pc:sldMk cId="1089398144" sldId="256"/>
+            <ac:spMk id="2" creationId="{92BE4BA0-985B-3055-6F9B-3D2FEFF263F7}"/>
+          </ac:spMkLst>
+        </pc:spChg>
+        <pc:spChg chg="mod">
+          <ac:chgData name="Taylor Kocher" userId="34fafd0f8ab602e7" providerId="LiveId" clId="{40398309-EE30-411F-BAE6-1D221D1CA75A}" dt="2025-07-30T23:45:28.896" v="129" actId="26606"/>
+          <ac:spMkLst>
+            <pc:docMk/>
+            <pc:sldMk cId="1089398144" sldId="256"/>
+            <ac:spMk id="3" creationId="{A82C405A-E6B4-0F6B-E323-55EF93D0217C}"/>
+          </ac:spMkLst>
+        </pc:spChg>
+        <pc:spChg chg="add">
+          <ac:chgData name="Taylor Kocher" userId="34fafd0f8ab602e7" providerId="LiveId" clId="{40398309-EE30-411F-BAE6-1D221D1CA75A}" dt="2025-07-30T23:45:28.896" v="129" actId="26606"/>
+          <ac:spMkLst>
+            <pc:docMk/>
+            <pc:sldMk cId="1089398144" sldId="256"/>
+            <ac:spMk id="6" creationId="{6F5A5072-7B47-4D32-B52A-4EBBF590B8A5}"/>
+          </ac:spMkLst>
+        </pc:spChg>
+        <pc:spChg chg="add">
+          <ac:chgData name="Taylor Kocher" userId="34fafd0f8ab602e7" providerId="LiveId" clId="{40398309-EE30-411F-BAE6-1D221D1CA75A}" dt="2025-07-30T23:45:28.896" v="129" actId="26606"/>
+          <ac:spMkLst>
+            <pc:docMk/>
+            <pc:sldMk cId="1089398144" sldId="256"/>
+            <ac:spMk id="7" creationId="{9715DAF0-AE1B-46C9-8A6B-DB2AA05AB91D}"/>
+          </ac:spMkLst>
+        </pc:spChg>
+        <pc:spChg chg="add del">
+          <ac:chgData name="Taylor Kocher" userId="34fafd0f8ab602e7" providerId="LiveId" clId="{40398309-EE30-411F-BAE6-1D221D1CA75A}" dt="2025-07-30T23:44:30.291" v="112" actId="26606"/>
+          <ac:spMkLst>
+            <pc:docMk/>
+            <pc:sldMk cId="1089398144" sldId="256"/>
+            <ac:spMk id="8" creationId="{1A3C89F8-0D2F-47FF-B903-151248265F47}"/>
+          </ac:spMkLst>
+        </pc:spChg>
+        <pc:spChg chg="add del">
+          <ac:chgData name="Taylor Kocher" userId="34fafd0f8ab602e7" providerId="LiveId" clId="{40398309-EE30-411F-BAE6-1D221D1CA75A}" dt="2025-07-30T23:44:41.556" v="120" actId="26606"/>
+          <ac:spMkLst>
+            <pc:docMk/>
+            <pc:sldMk cId="1089398144" sldId="256"/>
+            <ac:spMk id="9" creationId="{C1DD1A8A-57D5-4A81-AD04-532B043C5611}"/>
+          </ac:spMkLst>
+        </pc:spChg>
+        <pc:spChg chg="add del">
+          <ac:chgData name="Taylor Kocher" userId="34fafd0f8ab602e7" providerId="LiveId" clId="{40398309-EE30-411F-BAE6-1D221D1CA75A}" dt="2025-07-30T23:44:30.291" v="112" actId="26606"/>
+          <ac:spMkLst>
+            <pc:docMk/>
+            <pc:sldMk cId="1089398144" sldId="256"/>
+            <ac:spMk id="10" creationId="{C5CB530E-515E-412C-9DF1-5F8FFBD6F383}"/>
+          </ac:spMkLst>
+        </pc:spChg>
+        <pc:spChg chg="add del">
+          <ac:chgData name="Taylor Kocher" userId="34fafd0f8ab602e7" providerId="LiveId" clId="{40398309-EE30-411F-BAE6-1D221D1CA75A}" dt="2025-07-30T23:44:41.556" v="120" actId="26606"/>
+          <ac:spMkLst>
+            <pc:docMk/>
+            <pc:sldMk cId="1089398144" sldId="256"/>
+            <ac:spMk id="11" creationId="{007891EC-4501-44ED-A8C8-B11B6DB767AB}"/>
+          </ac:spMkLst>
+        </pc:spChg>
+        <pc:spChg chg="add del">
+          <ac:chgData name="Taylor Kocher" userId="34fafd0f8ab602e7" providerId="LiveId" clId="{40398309-EE30-411F-BAE6-1D221D1CA75A}" dt="2025-07-30T23:44:30.291" v="112" actId="26606"/>
+          <ac:spMkLst>
+            <pc:docMk/>
+            <pc:sldMk cId="1089398144" sldId="256"/>
+            <ac:spMk id="12" creationId="{712D4376-A578-4FF1-94FC-245E7A6A489F}"/>
+          </ac:spMkLst>
+        </pc:spChg>
+        <pc:spChg chg="add del">
+          <ac:chgData name="Taylor Kocher" userId="34fafd0f8ab602e7" providerId="LiveId" clId="{40398309-EE30-411F-BAE6-1D221D1CA75A}" dt="2025-07-30T23:45:09.980" v="128" actId="26606"/>
+          <ac:spMkLst>
+            <pc:docMk/>
+            <pc:sldMk cId="1089398144" sldId="256"/>
+            <ac:spMk id="13" creationId="{6F5A5072-7B47-4D32-B52A-4EBBF590B8A5}"/>
+          </ac:spMkLst>
+        </pc:spChg>
+        <pc:spChg chg="add del">
+          <ac:chgData name="Taylor Kocher" userId="34fafd0f8ab602e7" providerId="LiveId" clId="{40398309-EE30-411F-BAE6-1D221D1CA75A}" dt="2025-07-30T23:44:30.291" v="112" actId="26606"/>
+          <ac:spMkLst>
+            <pc:docMk/>
+            <pc:sldMk cId="1089398144" sldId="256"/>
+            <ac:spMk id="14" creationId="{AEA7509D-F04F-40CB-A0B3-EEF16499CC9F}"/>
+          </ac:spMkLst>
+        </pc:spChg>
+        <pc:spChg chg="add del">
+          <ac:chgData name="Taylor Kocher" userId="34fafd0f8ab602e7" providerId="LiveId" clId="{40398309-EE30-411F-BAE6-1D221D1CA75A}" dt="2025-07-30T23:45:09.980" v="128" actId="26606"/>
+          <ac:spMkLst>
+            <pc:docMk/>
+            <pc:sldMk cId="1089398144" sldId="256"/>
+            <ac:spMk id="15" creationId="{9715DAF0-AE1B-46C9-8A6B-DB2AA05AB91D}"/>
+          </ac:spMkLst>
+        </pc:spChg>
+        <pc:spChg chg="add del">
+          <ac:chgData name="Taylor Kocher" userId="34fafd0f8ab602e7" providerId="LiveId" clId="{40398309-EE30-411F-BAE6-1D221D1CA75A}" dt="2025-07-30T23:45:09.980" v="128" actId="26606"/>
+          <ac:spMkLst>
+            <pc:docMk/>
+            <pc:sldMk cId="1089398144" sldId="256"/>
+            <ac:spMk id="17" creationId="{6016219D-510E-4184-9090-6D5578A87BD1}"/>
+          </ac:spMkLst>
+        </pc:spChg>
+        <pc:spChg chg="add del">
+          <ac:chgData name="Taylor Kocher" userId="34fafd0f8ab602e7" providerId="LiveId" clId="{40398309-EE30-411F-BAE6-1D221D1CA75A}" dt="2025-07-30T23:44:30.291" v="112" actId="26606"/>
+          <ac:spMkLst>
+            <pc:docMk/>
+            <pc:sldMk cId="1089398144" sldId="256"/>
+            <ac:spMk id="18" creationId="{508BEF50-7B1E-49A4-BC19-5F4F1D755E64}"/>
+          </ac:spMkLst>
+        </pc:spChg>
+        <pc:spChg chg="add del">
+          <ac:chgData name="Taylor Kocher" userId="34fafd0f8ab602e7" providerId="LiveId" clId="{40398309-EE30-411F-BAE6-1D221D1CA75A}" dt="2025-07-30T23:45:09.980" v="128" actId="26606"/>
+          <ac:spMkLst>
+            <pc:docMk/>
+            <pc:sldMk cId="1089398144" sldId="256"/>
+            <ac:spMk id="19" creationId="{AFF4A713-7B75-4B21-90D7-5AB19547C728}"/>
+          </ac:spMkLst>
+        </pc:spChg>
+        <pc:spChg chg="add del">
+          <ac:chgData name="Taylor Kocher" userId="34fafd0f8ab602e7" providerId="LiveId" clId="{40398309-EE30-411F-BAE6-1D221D1CA75A}" dt="2025-07-30T23:44:30.291" v="112" actId="26606"/>
+          <ac:spMkLst>
+            <pc:docMk/>
+            <pc:sldMk cId="1089398144" sldId="256"/>
+            <ac:spMk id="20" creationId="{3FBAD350-5664-4811-A208-657FB882D350}"/>
+          </ac:spMkLst>
+        </pc:spChg>
+        <pc:spChg chg="add del">
+          <ac:chgData name="Taylor Kocher" userId="34fafd0f8ab602e7" providerId="LiveId" clId="{40398309-EE30-411F-BAE6-1D221D1CA75A}" dt="2025-07-30T23:45:09.980" v="128" actId="26606"/>
+          <ac:spMkLst>
+            <pc:docMk/>
+            <pc:sldMk cId="1089398144" sldId="256"/>
+            <ac:spMk id="21" creationId="{DC631C0B-6DA6-4E57-8231-CE32B3434A7E}"/>
+          </ac:spMkLst>
+        </pc:spChg>
+        <pc:spChg chg="add del">
+          <ac:chgData name="Taylor Kocher" userId="34fafd0f8ab602e7" providerId="LiveId" clId="{40398309-EE30-411F-BAE6-1D221D1CA75A}" dt="2025-07-30T23:44:30.291" v="112" actId="26606"/>
+          <ac:spMkLst>
+            <pc:docMk/>
+            <pc:sldMk cId="1089398144" sldId="256"/>
+            <ac:spMk id="22" creationId="{C39ADB8F-D187-49D7-BDCF-C1B6DC727068}"/>
+          </ac:spMkLst>
+        </pc:spChg>
+        <pc:spChg chg="add del">
+          <ac:chgData name="Taylor Kocher" userId="34fafd0f8ab602e7" providerId="LiveId" clId="{40398309-EE30-411F-BAE6-1D221D1CA75A}" dt="2025-07-30T23:45:09.980" v="128" actId="26606"/>
+          <ac:spMkLst>
+            <pc:docMk/>
+            <pc:sldMk cId="1089398144" sldId="256"/>
+            <ac:spMk id="23" creationId="{C29501E6-A978-4A61-9689-9085AF97A53A}"/>
+          </ac:spMkLst>
+        </pc:spChg>
+        <pc:spChg chg="add del">
+          <ac:chgData name="Taylor Kocher" userId="34fafd0f8ab602e7" providerId="LiveId" clId="{40398309-EE30-411F-BAE6-1D221D1CA75A}" dt="2025-07-30T23:44:39.440" v="116" actId="26606"/>
+          <ac:spMkLst>
+            <pc:docMk/>
+            <pc:sldMk cId="1089398144" sldId="256"/>
+            <ac:spMk id="24" creationId="{6F5A5072-7B47-4D32-B52A-4EBBF590B8A5}"/>
+          </ac:spMkLst>
+        </pc:spChg>
+        <pc:spChg chg="add del">
+          <ac:chgData name="Taylor Kocher" userId="34fafd0f8ab602e7" providerId="LiveId" clId="{40398309-EE30-411F-BAE6-1D221D1CA75A}" dt="2025-07-30T23:44:39.440" v="116" actId="26606"/>
+          <ac:spMkLst>
+            <pc:docMk/>
+            <pc:sldMk cId="1089398144" sldId="256"/>
+            <ac:spMk id="25" creationId="{9715DAF0-AE1B-46C9-8A6B-DB2AA05AB91D}"/>
+          </ac:spMkLst>
+        </pc:spChg>
+        <pc:spChg chg="add del">
+          <ac:chgData name="Taylor Kocher" userId="34fafd0f8ab602e7" providerId="LiveId" clId="{40398309-EE30-411F-BAE6-1D221D1CA75A}" dt="2025-07-30T23:44:39.440" v="116" actId="26606"/>
+          <ac:spMkLst>
+            <pc:docMk/>
+            <pc:sldMk cId="1089398144" sldId="256"/>
+            <ac:spMk id="26" creationId="{6016219D-510E-4184-9090-6D5578A87BD1}"/>
+          </ac:spMkLst>
+        </pc:spChg>
+        <pc:spChg chg="add del">
+          <ac:chgData name="Taylor Kocher" userId="34fafd0f8ab602e7" providerId="LiveId" clId="{40398309-EE30-411F-BAE6-1D221D1CA75A}" dt="2025-07-30T23:44:39.440" v="116" actId="26606"/>
+          <ac:spMkLst>
+            <pc:docMk/>
+            <pc:sldMk cId="1089398144" sldId="256"/>
+            <ac:spMk id="27" creationId="{AFF4A713-7B75-4B21-90D7-5AB19547C728}"/>
+          </ac:spMkLst>
+        </pc:spChg>
+        <pc:spChg chg="add del">
+          <ac:chgData name="Taylor Kocher" userId="34fafd0f8ab602e7" providerId="LiveId" clId="{40398309-EE30-411F-BAE6-1D221D1CA75A}" dt="2025-07-30T23:44:39.440" v="116" actId="26606"/>
+          <ac:spMkLst>
+            <pc:docMk/>
+            <pc:sldMk cId="1089398144" sldId="256"/>
+            <ac:spMk id="28" creationId="{DC631C0B-6DA6-4E57-8231-CE32B3434A7E}"/>
+          </ac:spMkLst>
+        </pc:spChg>
+        <pc:spChg chg="add del">
+          <ac:chgData name="Taylor Kocher" userId="34fafd0f8ab602e7" providerId="LiveId" clId="{40398309-EE30-411F-BAE6-1D221D1CA75A}" dt="2025-07-30T23:44:39.440" v="116" actId="26606"/>
+          <ac:spMkLst>
+            <pc:docMk/>
+            <pc:sldMk cId="1089398144" sldId="256"/>
+            <ac:spMk id="29" creationId="{C29501E6-A978-4A61-9689-9085AF97A53A}"/>
+          </ac:spMkLst>
+        </pc:spChg>
+        <pc:spChg chg="add del">
+          <ac:chgData name="Taylor Kocher" userId="34fafd0f8ab602e7" providerId="LiveId" clId="{40398309-EE30-411F-BAE6-1D221D1CA75A}" dt="2025-07-30T23:45:06.118" v="125" actId="26606"/>
+          <ac:spMkLst>
+            <pc:docMk/>
+            <pc:sldMk cId="1089398144" sldId="256"/>
+            <ac:spMk id="30" creationId="{9715DAF0-AE1B-46C9-8A6B-DB2AA05AB91D}"/>
+          </ac:spMkLst>
+        </pc:spChg>
+        <pc:spChg chg="add del">
+          <ac:chgData name="Taylor Kocher" userId="34fafd0f8ab602e7" providerId="LiveId" clId="{40398309-EE30-411F-BAE6-1D221D1CA75A}" dt="2025-07-30T23:45:06.118" v="125" actId="26606"/>
+          <ac:spMkLst>
+            <pc:docMk/>
+            <pc:sldMk cId="1089398144" sldId="256"/>
+            <ac:spMk id="32" creationId="{6016219D-510E-4184-9090-6D5578A87BD1}"/>
+          </ac:spMkLst>
+        </pc:spChg>
+        <pc:spChg chg="add">
+          <ac:chgData name="Taylor Kocher" userId="34fafd0f8ab602e7" providerId="LiveId" clId="{40398309-EE30-411F-BAE6-1D221D1CA75A}" dt="2025-07-30T23:45:28.896" v="129" actId="26606"/>
+          <ac:spMkLst>
+            <pc:docMk/>
+            <pc:sldMk cId="1089398144" sldId="256"/>
+            <ac:spMk id="33" creationId="{6016219D-510E-4184-9090-6D5578A87BD1}"/>
+          </ac:spMkLst>
+        </pc:spChg>
+        <pc:spChg chg="add del">
+          <ac:chgData name="Taylor Kocher" userId="34fafd0f8ab602e7" providerId="LiveId" clId="{40398309-EE30-411F-BAE6-1D221D1CA75A}" dt="2025-07-30T23:45:06.118" v="125" actId="26606"/>
+          <ac:spMkLst>
+            <pc:docMk/>
+            <pc:sldMk cId="1089398144" sldId="256"/>
+            <ac:spMk id="34" creationId="{AFF4A713-7B75-4B21-90D7-5AB19547C728}"/>
+          </ac:spMkLst>
+        </pc:spChg>
+        <pc:spChg chg="add">
+          <ac:chgData name="Taylor Kocher" userId="34fafd0f8ab602e7" providerId="LiveId" clId="{40398309-EE30-411F-BAE6-1D221D1CA75A}" dt="2025-07-30T23:45:28.896" v="129" actId="26606"/>
+          <ac:spMkLst>
+            <pc:docMk/>
+            <pc:sldMk cId="1089398144" sldId="256"/>
+            <ac:spMk id="35" creationId="{AFF4A713-7B75-4B21-90D7-5AB19547C728}"/>
+          </ac:spMkLst>
+        </pc:spChg>
+        <pc:spChg chg="add del">
+          <ac:chgData name="Taylor Kocher" userId="34fafd0f8ab602e7" providerId="LiveId" clId="{40398309-EE30-411F-BAE6-1D221D1CA75A}" dt="2025-07-30T23:45:06.118" v="125" actId="26606"/>
+          <ac:spMkLst>
+            <pc:docMk/>
+            <pc:sldMk cId="1089398144" sldId="256"/>
+            <ac:spMk id="36" creationId="{DC631C0B-6DA6-4E57-8231-CE32B3434A7E}"/>
+          </ac:spMkLst>
+        </pc:spChg>
+        <pc:spChg chg="add">
+          <ac:chgData name="Taylor Kocher" userId="34fafd0f8ab602e7" providerId="LiveId" clId="{40398309-EE30-411F-BAE6-1D221D1CA75A}" dt="2025-07-30T23:45:28.896" v="129" actId="26606"/>
+          <ac:spMkLst>
+            <pc:docMk/>
+            <pc:sldMk cId="1089398144" sldId="256"/>
+            <ac:spMk id="37" creationId="{DC631C0B-6DA6-4E57-8231-CE32B3434A7E}"/>
+          </ac:spMkLst>
+        </pc:spChg>
+        <pc:spChg chg="add del">
+          <ac:chgData name="Taylor Kocher" userId="34fafd0f8ab602e7" providerId="LiveId" clId="{40398309-EE30-411F-BAE6-1D221D1CA75A}" dt="2025-07-30T23:45:06.118" v="125" actId="26606"/>
+          <ac:spMkLst>
+            <pc:docMk/>
+            <pc:sldMk cId="1089398144" sldId="256"/>
+            <ac:spMk id="38" creationId="{C29501E6-A978-4A61-9689-9085AF97A53A}"/>
+          </ac:spMkLst>
+        </pc:spChg>
+        <pc:spChg chg="add">
+          <ac:chgData name="Taylor Kocher" userId="34fafd0f8ab602e7" providerId="LiveId" clId="{40398309-EE30-411F-BAE6-1D221D1CA75A}" dt="2025-07-30T23:45:28.896" v="129" actId="26606"/>
+          <ac:spMkLst>
+            <pc:docMk/>
+            <pc:sldMk cId="1089398144" sldId="256"/>
+            <ac:spMk id="39" creationId="{C29501E6-A978-4A61-9689-9085AF97A53A}"/>
+          </ac:spMkLst>
+        </pc:spChg>
+        <pc:picChg chg="add del mod">
+          <ac:chgData name="Taylor Kocher" userId="34fafd0f8ab602e7" providerId="LiveId" clId="{40398309-EE30-411F-BAE6-1D221D1CA75A}" dt="2025-07-30T23:44:41.556" v="120" actId="26606"/>
+          <ac:picMkLst>
+            <pc:docMk/>
+            <pc:sldMk cId="1089398144" sldId="256"/>
+            <ac:picMk id="5" creationId="{B8B7A420-5933-951C-4869-098FB15361AF}"/>
+          </ac:picMkLst>
+        </pc:picChg>
+        <pc:cxnChg chg="add del">
+          <ac:chgData name="Taylor Kocher" userId="34fafd0f8ab602e7" providerId="LiveId" clId="{40398309-EE30-411F-BAE6-1D221D1CA75A}" dt="2025-07-30T23:44:30.291" v="112" actId="26606"/>
+          <ac:cxnSpMkLst>
+            <pc:docMk/>
+            <pc:sldMk cId="1089398144" sldId="256"/>
+            <ac:cxnSpMk id="16" creationId="{56020367-4FD5-4596-8E10-C5F095CD8DBF}"/>
+          </ac:cxnSpMkLst>
+        </pc:cxnChg>
+      </pc:sldChg>
+      <pc:sldChg chg="addSp delSp modSp mod setBg">
+        <pc:chgData name="Taylor Kocher" userId="34fafd0f8ab602e7" providerId="LiveId" clId="{40398309-EE30-411F-BAE6-1D221D1CA75A}" dt="2025-07-31T00:07:46.295" v="945" actId="404"/>
+        <pc:sldMkLst>
+          <pc:docMk/>
+          <pc:sldMk cId="3260822621" sldId="258"/>
+        </pc:sldMkLst>
+        <pc:spChg chg="mod">
+          <ac:chgData name="Taylor Kocher" userId="34fafd0f8ab602e7" providerId="LiveId" clId="{40398309-EE30-411F-BAE6-1D221D1CA75A}" dt="2025-07-31T00:07:46.295" v="945" actId="404"/>
+          <ac:spMkLst>
+            <pc:docMk/>
+            <pc:sldMk cId="3260822621" sldId="258"/>
+            <ac:spMk id="2" creationId="{79ECB100-D254-4CEB-DE77-351FDC07C86A}"/>
+          </ac:spMkLst>
+        </pc:spChg>
+        <pc:spChg chg="add del mod ord">
+          <ac:chgData name="Taylor Kocher" userId="34fafd0f8ab602e7" providerId="LiveId" clId="{40398309-EE30-411F-BAE6-1D221D1CA75A}" dt="2025-07-31T00:06:25.658" v="862" actId="26606"/>
+          <ac:spMkLst>
+            <pc:docMk/>
+            <pc:sldMk cId="3260822621" sldId="258"/>
+            <ac:spMk id="3" creationId="{9A31A276-449B-0BAD-8C87-501E6946D240}"/>
+          </ac:spMkLst>
+        </pc:spChg>
+        <pc:spChg chg="add del">
+          <ac:chgData name="Taylor Kocher" userId="34fafd0f8ab602e7" providerId="LiveId" clId="{40398309-EE30-411F-BAE6-1D221D1CA75A}" dt="2025-07-31T00:03:10.215" v="762" actId="26606"/>
+          <ac:spMkLst>
+            <pc:docMk/>
+            <pc:sldMk cId="3260822621" sldId="258"/>
+            <ac:spMk id="10" creationId="{149FB5C3-7336-4FE0-A30C-CC0A3646D499}"/>
+          </ac:spMkLst>
+        </pc:spChg>
+        <pc:spChg chg="add del">
+          <ac:chgData name="Taylor Kocher" userId="34fafd0f8ab602e7" providerId="LiveId" clId="{40398309-EE30-411F-BAE6-1D221D1CA75A}" dt="2025-07-31T00:06:25.658" v="862" actId="26606"/>
+          <ac:spMkLst>
+            <pc:docMk/>
+            <pc:sldMk cId="3260822621" sldId="258"/>
+            <ac:spMk id="11" creationId="{5EBC18B6-E5C3-4AD1-97A4-E6A3477A0BB9}"/>
+          </ac:spMkLst>
+        </pc:spChg>
+        <pc:spChg chg="add del">
+          <ac:chgData name="Taylor Kocher" userId="34fafd0f8ab602e7" providerId="LiveId" clId="{40398309-EE30-411F-BAE6-1D221D1CA75A}" dt="2025-07-31T00:06:25.658" v="862" actId="26606"/>
+          <ac:spMkLst>
+            <pc:docMk/>
+            <pc:sldMk cId="3260822621" sldId="258"/>
+            <ac:spMk id="13" creationId="{136A4AB6-B72B-4CC6-ADCF-BE807B6C3D71}"/>
+          </ac:spMkLst>
+        </pc:spChg>
+        <pc:spChg chg="add del">
+          <ac:chgData name="Taylor Kocher" userId="34fafd0f8ab602e7" providerId="LiveId" clId="{40398309-EE30-411F-BAE6-1D221D1CA75A}" dt="2025-07-31T00:06:25.658" v="862" actId="26606"/>
+          <ac:spMkLst>
+            <pc:docMk/>
+            <pc:sldMk cId="3260822621" sldId="258"/>
+            <ac:spMk id="15" creationId="{B35D540D-9486-4236-952A-F72DC52D79BF}"/>
+          </ac:spMkLst>
+        </pc:spChg>
+        <pc:spChg chg="add del">
+          <ac:chgData name="Taylor Kocher" userId="34fafd0f8ab602e7" providerId="LiveId" clId="{40398309-EE30-411F-BAE6-1D221D1CA75A}" dt="2025-07-31T00:03:10.215" v="762" actId="26606"/>
+          <ac:spMkLst>
+            <pc:docMk/>
+            <pc:sldMk cId="3260822621" sldId="258"/>
+            <ac:spMk id="16" creationId="{0DA909B4-15FF-46A6-8A7F-7AEF977FE9ED}"/>
+          </ac:spMkLst>
+        </pc:spChg>
+        <pc:spChg chg="add del">
+          <ac:chgData name="Taylor Kocher" userId="34fafd0f8ab602e7" providerId="LiveId" clId="{40398309-EE30-411F-BAE6-1D221D1CA75A}" dt="2025-07-31T00:03:10.215" v="762" actId="26606"/>
+          <ac:spMkLst>
+            <pc:docMk/>
+            <pc:sldMk cId="3260822621" sldId="258"/>
+            <ac:spMk id="18" creationId="{1382A32C-5B0C-4B1C-A074-76C6DBCC9F87}"/>
+          </ac:spMkLst>
+        </pc:spChg>
+        <pc:spChg chg="add del">
+          <ac:chgData name="Taylor Kocher" userId="34fafd0f8ab602e7" providerId="LiveId" clId="{40398309-EE30-411F-BAE6-1D221D1CA75A}" dt="2025-07-31T00:06:15.512" v="853" actId="26606"/>
+          <ac:spMkLst>
+            <pc:docMk/>
+            <pc:sldMk cId="3260822621" sldId="258"/>
+            <ac:spMk id="20" creationId="{68B356B0-9CD4-40F6-9F9D-CBE358C38E9F}"/>
+          </ac:spMkLst>
+        </pc:spChg>
+        <pc:spChg chg="add del">
+          <ac:chgData name="Taylor Kocher" userId="34fafd0f8ab602e7" providerId="LiveId" clId="{40398309-EE30-411F-BAE6-1D221D1CA75A}" dt="2025-07-31T00:06:15.512" v="853" actId="26606"/>
+          <ac:spMkLst>
+            <pc:docMk/>
+            <pc:sldMk cId="3260822621" sldId="258"/>
+            <ac:spMk id="23" creationId="{9A31A276-449B-0BAD-8C87-501E6946D240}"/>
+          </ac:spMkLst>
+        </pc:spChg>
+        <pc:spChg chg="add del">
+          <ac:chgData name="Taylor Kocher" userId="34fafd0f8ab602e7" providerId="LiveId" clId="{40398309-EE30-411F-BAE6-1D221D1CA75A}" dt="2025-07-31T00:06:15.512" v="853" actId="26606"/>
+          <ac:spMkLst>
+            <pc:docMk/>
+            <pc:sldMk cId="3260822621" sldId="258"/>
+            <ac:spMk id="24" creationId="{6068EAC2-2623-4156-A990-D776FF9BF493}"/>
+          </ac:spMkLst>
+        </pc:spChg>
+        <pc:spChg chg="add del">
+          <ac:chgData name="Taylor Kocher" userId="34fafd0f8ab602e7" providerId="LiveId" clId="{40398309-EE30-411F-BAE6-1D221D1CA75A}" dt="2025-07-31T00:06:15.512" v="853" actId="26606"/>
+          <ac:spMkLst>
+            <pc:docMk/>
+            <pc:sldMk cId="3260822621" sldId="258"/>
+            <ac:spMk id="26" creationId="{4C707BC9-731A-490A-AF25-6F349FD9B02F}"/>
+          </ac:spMkLst>
+        </pc:spChg>
+        <pc:spChg chg="add del">
+          <ac:chgData name="Taylor Kocher" userId="34fafd0f8ab602e7" providerId="LiveId" clId="{40398309-EE30-411F-BAE6-1D221D1CA75A}" dt="2025-07-31T00:06:15.512" v="853" actId="26606"/>
+          <ac:spMkLst>
+            <pc:docMk/>
+            <pc:sldMk cId="3260822621" sldId="258"/>
+            <ac:spMk id="28" creationId="{3FD7C480-AC7D-4FEE-BB95-EEE23BB3E693}"/>
+          </ac:spMkLst>
+        </pc:spChg>
+        <pc:spChg chg="add del">
+          <ac:chgData name="Taylor Kocher" userId="34fafd0f8ab602e7" providerId="LiveId" clId="{40398309-EE30-411F-BAE6-1D221D1CA75A}" dt="2025-07-31T00:06:19.502" v="855" actId="26606"/>
+          <ac:spMkLst>
+            <pc:docMk/>
+            <pc:sldMk cId="3260822621" sldId="258"/>
+            <ac:spMk id="31" creationId="{C5278130-DFE0-457B-8698-88DF69019DDE}"/>
+          </ac:spMkLst>
+        </pc:spChg>
+        <pc:spChg chg="add del">
+          <ac:chgData name="Taylor Kocher" userId="34fafd0f8ab602e7" providerId="LiveId" clId="{40398309-EE30-411F-BAE6-1D221D1CA75A}" dt="2025-07-31T00:06:19.502" v="855" actId="26606"/>
+          <ac:spMkLst>
+            <pc:docMk/>
+            <pc:sldMk cId="3260822621" sldId="258"/>
+            <ac:spMk id="32" creationId="{2F99531B-1681-4D6E-BECB-18325B33A618}"/>
+          </ac:spMkLst>
+        </pc:spChg>
+        <pc:spChg chg="add del">
+          <ac:chgData name="Taylor Kocher" userId="34fafd0f8ab602e7" providerId="LiveId" clId="{40398309-EE30-411F-BAE6-1D221D1CA75A}" dt="2025-07-31T00:06:19.502" v="855" actId="26606"/>
+          <ac:spMkLst>
+            <pc:docMk/>
+            <pc:sldMk cId="3260822621" sldId="258"/>
+            <ac:spMk id="33" creationId="{3018F580-E6B0-4F73-9C2F-3CBD1C7A5659}"/>
+          </ac:spMkLst>
+        </pc:spChg>
+        <pc:spChg chg="add del">
+          <ac:chgData name="Taylor Kocher" userId="34fafd0f8ab602e7" providerId="LiveId" clId="{40398309-EE30-411F-BAE6-1D221D1CA75A}" dt="2025-07-31T00:06:19.502" v="855" actId="26606"/>
+          <ac:spMkLst>
+            <pc:docMk/>
+            <pc:sldMk cId="3260822621" sldId="258"/>
+            <ac:spMk id="34" creationId="{9A31A276-449B-0BAD-8C87-501E6946D240}"/>
+          </ac:spMkLst>
+        </pc:spChg>
+        <pc:spChg chg="add del">
+          <ac:chgData name="Taylor Kocher" userId="34fafd0f8ab602e7" providerId="LiveId" clId="{40398309-EE30-411F-BAE6-1D221D1CA75A}" dt="2025-07-31T00:06:19.502" v="855" actId="26606"/>
+          <ac:spMkLst>
+            <pc:docMk/>
+            <pc:sldMk cId="3260822621" sldId="258"/>
+            <ac:spMk id="35" creationId="{4876EE9E-33F0-4062-82D6-E07E8E4DCCD7}"/>
+          </ac:spMkLst>
+        </pc:spChg>
+        <pc:spChg chg="add del">
+          <ac:chgData name="Taylor Kocher" userId="34fafd0f8ab602e7" providerId="LiveId" clId="{40398309-EE30-411F-BAE6-1D221D1CA75A}" dt="2025-07-31T00:06:23.708" v="857" actId="26606"/>
+          <ac:spMkLst>
+            <pc:docMk/>
+            <pc:sldMk cId="3260822621" sldId="258"/>
+            <ac:spMk id="38" creationId="{330C0765-5A38-4A34-880C-9CC4C2E14FBA}"/>
+          </ac:spMkLst>
+        </pc:spChg>
+        <pc:spChg chg="add del">
+          <ac:chgData name="Taylor Kocher" userId="34fafd0f8ab602e7" providerId="LiveId" clId="{40398309-EE30-411F-BAE6-1D221D1CA75A}" dt="2025-07-31T00:06:23.708" v="857" actId="26606"/>
+          <ac:spMkLst>
+            <pc:docMk/>
+            <pc:sldMk cId="3260822621" sldId="258"/>
+            <ac:spMk id="42" creationId="{9A31A276-449B-0BAD-8C87-501E6946D240}"/>
+          </ac:spMkLst>
+        </pc:spChg>
+        <pc:spChg chg="add del">
+          <ac:chgData name="Taylor Kocher" userId="34fafd0f8ab602e7" providerId="LiveId" clId="{40398309-EE30-411F-BAE6-1D221D1CA75A}" dt="2025-07-31T00:06:24.724" v="859" actId="26606"/>
+          <ac:spMkLst>
+            <pc:docMk/>
+            <pc:sldMk cId="3260822621" sldId="258"/>
+            <ac:spMk id="44" creationId="{53B475F8-50AE-46A0-9943-B2B63183D50C}"/>
+          </ac:spMkLst>
+        </pc:spChg>
+        <pc:spChg chg="add del">
+          <ac:chgData name="Taylor Kocher" userId="34fafd0f8ab602e7" providerId="LiveId" clId="{40398309-EE30-411F-BAE6-1D221D1CA75A}" dt="2025-07-31T00:06:24.724" v="859" actId="26606"/>
+          <ac:spMkLst>
+            <pc:docMk/>
+            <pc:sldMk cId="3260822621" sldId="258"/>
+            <ac:spMk id="45" creationId="{75F6FDB4-2351-48C2-A863-2364A02343C0}"/>
+          </ac:spMkLst>
+        </pc:spChg>
+        <pc:spChg chg="add del">
+          <ac:chgData name="Taylor Kocher" userId="34fafd0f8ab602e7" providerId="LiveId" clId="{40398309-EE30-411F-BAE6-1D221D1CA75A}" dt="2025-07-31T00:06:24.724" v="859" actId="26606"/>
+          <ac:spMkLst>
+            <pc:docMk/>
+            <pc:sldMk cId="3260822621" sldId="258"/>
+            <ac:spMk id="46" creationId="{9A31A276-449B-0BAD-8C87-501E6946D240}"/>
+          </ac:spMkLst>
+        </pc:spChg>
+        <pc:spChg chg="add del">
+          <ac:chgData name="Taylor Kocher" userId="34fafd0f8ab602e7" providerId="LiveId" clId="{40398309-EE30-411F-BAE6-1D221D1CA75A}" dt="2025-07-31T00:06:25.651" v="861" actId="26606"/>
+          <ac:spMkLst>
+            <pc:docMk/>
+            <pc:sldMk cId="3260822621" sldId="258"/>
+            <ac:spMk id="48" creationId="{AE6CA01B-0DEB-4E9A-9768-B728DA42C1D4}"/>
+          </ac:spMkLst>
+        </pc:spChg>
+        <pc:spChg chg="add del">
+          <ac:chgData name="Taylor Kocher" userId="34fafd0f8ab602e7" providerId="LiveId" clId="{40398309-EE30-411F-BAE6-1D221D1CA75A}" dt="2025-07-31T00:06:25.651" v="861" actId="26606"/>
+          <ac:spMkLst>
+            <pc:docMk/>
+            <pc:sldMk cId="3260822621" sldId="258"/>
+            <ac:spMk id="53" creationId="{9A31A276-449B-0BAD-8C87-501E6946D240}"/>
+          </ac:spMkLst>
+        </pc:spChg>
+        <pc:spChg chg="add">
+          <ac:chgData name="Taylor Kocher" userId="34fafd0f8ab602e7" providerId="LiveId" clId="{40398309-EE30-411F-BAE6-1D221D1CA75A}" dt="2025-07-31T00:06:25.658" v="862" actId="26606"/>
+          <ac:spMkLst>
+            <pc:docMk/>
+            <pc:sldMk cId="3260822621" sldId="258"/>
+            <ac:spMk id="55" creationId="{53B475F8-50AE-46A0-9943-B2B63183D50C}"/>
+          </ac:spMkLst>
+        </pc:spChg>
+        <pc:spChg chg="add">
+          <ac:chgData name="Taylor Kocher" userId="34fafd0f8ab602e7" providerId="LiveId" clId="{40398309-EE30-411F-BAE6-1D221D1CA75A}" dt="2025-07-31T00:06:25.658" v="862" actId="26606"/>
+          <ac:spMkLst>
+            <pc:docMk/>
+            <pc:sldMk cId="3260822621" sldId="258"/>
+            <ac:spMk id="56" creationId="{75F6FDB4-2351-48C2-A863-2364A02343C0}"/>
+          </ac:spMkLst>
+        </pc:spChg>
+        <pc:spChg chg="add mod">
+          <ac:chgData name="Taylor Kocher" userId="34fafd0f8ab602e7" providerId="LiveId" clId="{40398309-EE30-411F-BAE6-1D221D1CA75A}" dt="2025-07-31T00:07:27.764" v="944" actId="20577"/>
+          <ac:spMkLst>
+            <pc:docMk/>
+            <pc:sldMk cId="3260822621" sldId="258"/>
+            <ac:spMk id="57" creationId="{9A31A276-449B-0BAD-8C87-501E6946D240}"/>
+          </ac:spMkLst>
+        </pc:spChg>
+        <pc:grpChg chg="add del">
+          <ac:chgData name="Taylor Kocher" userId="34fafd0f8ab602e7" providerId="LiveId" clId="{40398309-EE30-411F-BAE6-1D221D1CA75A}" dt="2025-07-31T00:03:10.215" v="762" actId="26606"/>
+          <ac:grpSpMkLst>
+            <pc:docMk/>
+            <pc:sldMk cId="3260822621" sldId="258"/>
+            <ac:grpSpMk id="12" creationId="{19A6B5CE-CB1D-48EE-8B43-E952235C8371}"/>
+          </ac:grpSpMkLst>
+        </pc:grpChg>
+        <pc:graphicFrameChg chg="add del">
+          <ac:chgData name="Taylor Kocher" userId="34fafd0f8ab602e7" providerId="LiveId" clId="{40398309-EE30-411F-BAE6-1D221D1CA75A}" dt="2025-07-31T00:06:09.937" v="847" actId="26606"/>
+          <ac:graphicFrameMkLst>
+            <pc:docMk/>
+            <pc:sldMk cId="3260822621" sldId="258"/>
+            <ac:graphicFrameMk id="17" creationId="{736EE613-4A01-6ED3-5BC5-38991BF1BFB2}"/>
+          </ac:graphicFrameMkLst>
+        </pc:graphicFrameChg>
+        <pc:graphicFrameChg chg="add del">
+          <ac:chgData name="Taylor Kocher" userId="34fafd0f8ab602e7" providerId="LiveId" clId="{40398309-EE30-411F-BAE6-1D221D1CA75A}" dt="2025-07-31T00:06:10.785" v="849" actId="26606"/>
+          <ac:graphicFrameMkLst>
+            <pc:docMk/>
+            <pc:sldMk cId="3260822621" sldId="258"/>
+            <ac:graphicFrameMk id="19" creationId="{DFD039E1-1320-C7C7-79A9-CA6689B97CDC}"/>
+          </ac:graphicFrameMkLst>
+        </pc:graphicFrameChg>
+        <pc:graphicFrameChg chg="add del">
+          <ac:chgData name="Taylor Kocher" userId="34fafd0f8ab602e7" providerId="LiveId" clId="{40398309-EE30-411F-BAE6-1D221D1CA75A}" dt="2025-07-31T00:06:14.605" v="851" actId="26606"/>
+          <ac:graphicFrameMkLst>
+            <pc:docMk/>
+            <pc:sldMk cId="3260822621" sldId="258"/>
+            <ac:graphicFrameMk id="21" creationId="{1224607E-8123-7E3F-3E05-493D49D2C14B}"/>
+          </ac:graphicFrameMkLst>
+        </pc:graphicFrameChg>
+        <pc:picChg chg="add mod ord">
+          <ac:chgData name="Taylor Kocher" userId="34fafd0f8ab602e7" providerId="LiveId" clId="{40398309-EE30-411F-BAE6-1D221D1CA75A}" dt="2025-07-31T00:06:25.651" v="861" actId="26606"/>
+          <ac:picMkLst>
+            <pc:docMk/>
+            <pc:sldMk cId="3260822621" sldId="258"/>
+            <ac:picMk id="4" creationId="{176E61FD-016E-9EB0-5920-0B5B8F123E51}"/>
+          </ac:picMkLst>
+        </pc:picChg>
+        <pc:picChg chg="add mod ord">
+          <ac:chgData name="Taylor Kocher" userId="34fafd0f8ab602e7" providerId="LiveId" clId="{40398309-EE30-411F-BAE6-1D221D1CA75A}" dt="2025-07-31T00:06:25.658" v="862" actId="26606"/>
+          <ac:picMkLst>
+            <pc:docMk/>
+            <pc:sldMk cId="3260822621" sldId="258"/>
+            <ac:picMk id="5" creationId="{55AF7821-601F-DD90-53EA-630FC9AF5086}"/>
+          </ac:picMkLst>
+        </pc:picChg>
+        <pc:picChg chg="add mod">
+          <ac:chgData name="Taylor Kocher" userId="34fafd0f8ab602e7" providerId="LiveId" clId="{40398309-EE30-411F-BAE6-1D221D1CA75A}" dt="2025-07-31T00:06:25.658" v="862" actId="26606"/>
+          <ac:picMkLst>
+            <pc:docMk/>
+            <pc:sldMk cId="3260822621" sldId="258"/>
+            <ac:picMk id="6" creationId="{02FEFF3C-30B1-D980-410B-42CC35118C62}"/>
+          </ac:picMkLst>
+        </pc:picChg>
+      </pc:sldChg>
+      <pc:sldChg chg="addSp delSp modSp mod setBg modNotesTx">
+        <pc:chgData name="Taylor Kocher" userId="34fafd0f8ab602e7" providerId="LiveId" clId="{40398309-EE30-411F-BAE6-1D221D1CA75A}" dt="2025-07-31T00:04:52.744" v="844" actId="404"/>
+        <pc:sldMkLst>
+          <pc:docMk/>
+          <pc:sldMk cId="71939880" sldId="259"/>
+        </pc:sldMkLst>
+        <pc:spChg chg="mod">
+          <ac:chgData name="Taylor Kocher" userId="34fafd0f8ab602e7" providerId="LiveId" clId="{40398309-EE30-411F-BAE6-1D221D1CA75A}" dt="2025-07-31T00:04:52.744" v="844" actId="404"/>
+          <ac:spMkLst>
+            <pc:docMk/>
+            <pc:sldMk cId="71939880" sldId="259"/>
+            <ac:spMk id="2" creationId="{96F4AD10-A900-B1F1-49B2-C16CB5E9A436}"/>
+          </ac:spMkLst>
+        </pc:spChg>
+        <pc:spChg chg="del mod">
+          <ac:chgData name="Taylor Kocher" userId="34fafd0f8ab602e7" providerId="LiveId" clId="{40398309-EE30-411F-BAE6-1D221D1CA75A}" dt="2025-07-30T23:56:00.110" v="340" actId="26606"/>
+          <ac:spMkLst>
+            <pc:docMk/>
+            <pc:sldMk cId="71939880" sldId="259"/>
+            <ac:spMk id="3" creationId="{B89818B3-9750-BA91-9100-854568DAF8F3}"/>
+          </ac:spMkLst>
+        </pc:spChg>
+        <pc:spChg chg="add del">
+          <ac:chgData name="Taylor Kocher" userId="34fafd0f8ab602e7" providerId="LiveId" clId="{40398309-EE30-411F-BAE6-1D221D1CA75A}" dt="2025-07-30T23:56:47.892" v="356" actId="26606"/>
+          <ac:spMkLst>
+            <pc:docMk/>
+            <pc:sldMk cId="71939880" sldId="259"/>
+            <ac:spMk id="10" creationId="{955A2079-FA98-4876-80F0-72364A7D2EA4}"/>
+          </ac:spMkLst>
+        </pc:spChg>
+        <pc:spChg chg="add del">
+          <ac:chgData name="Taylor Kocher" userId="34fafd0f8ab602e7" providerId="LiveId" clId="{40398309-EE30-411F-BAE6-1D221D1CA75A}" dt="2025-07-30T23:56:49.543" v="358" actId="26606"/>
+          <ac:spMkLst>
+            <pc:docMk/>
+            <pc:sldMk cId="71939880" sldId="259"/>
+            <ac:spMk id="12" creationId="{F68B3F68-107C-434F-AA38-110D5EA91B85}"/>
+          </ac:spMkLst>
+        </pc:spChg>
+        <pc:spChg chg="add del">
+          <ac:chgData name="Taylor Kocher" userId="34fafd0f8ab602e7" providerId="LiveId" clId="{40398309-EE30-411F-BAE6-1D221D1CA75A}" dt="2025-07-30T23:56:49.543" v="358" actId="26606"/>
+          <ac:spMkLst>
+            <pc:docMk/>
+            <pc:sldMk cId="71939880" sldId="259"/>
+            <ac:spMk id="13" creationId="{BACC6370-2D7E-4714-9D71-7542949D7D5D}"/>
+          </ac:spMkLst>
+        </pc:spChg>
+        <pc:spChg chg="add del">
+          <ac:chgData name="Taylor Kocher" userId="34fafd0f8ab602e7" providerId="LiveId" clId="{40398309-EE30-411F-BAE6-1D221D1CA75A}" dt="2025-07-30T23:56:49.543" v="358" actId="26606"/>
+          <ac:spMkLst>
+            <pc:docMk/>
+            <pc:sldMk cId="71939880" sldId="259"/>
+            <ac:spMk id="14" creationId="{AAD0DBB9-1A4B-4391-81D4-CB19F9AB918A}"/>
+          </ac:spMkLst>
+        </pc:spChg>
+        <pc:spChg chg="add del">
+          <ac:chgData name="Taylor Kocher" userId="34fafd0f8ab602e7" providerId="LiveId" clId="{40398309-EE30-411F-BAE6-1D221D1CA75A}" dt="2025-07-30T23:56:49.543" v="358" actId="26606"/>
+          <ac:spMkLst>
+            <pc:docMk/>
+            <pc:sldMk cId="71939880" sldId="259"/>
+            <ac:spMk id="16" creationId="{063BBA22-50EA-4C4D-BE05-F1CE4E63AA56}"/>
+          </ac:spMkLst>
+        </pc:spChg>
+        <pc:spChg chg="add">
+          <ac:chgData name="Taylor Kocher" userId="34fafd0f8ab602e7" providerId="LiveId" clId="{40398309-EE30-411F-BAE6-1D221D1CA75A}" dt="2025-07-30T23:56:49.597" v="359" actId="26606"/>
+          <ac:spMkLst>
+            <pc:docMk/>
+            <pc:sldMk cId="71939880" sldId="259"/>
+            <ac:spMk id="18" creationId="{2E442304-DDBD-4F7B-8017-36BCC863FB40}"/>
+          </ac:spMkLst>
+        </pc:spChg>
+        <pc:spChg chg="add">
+          <ac:chgData name="Taylor Kocher" userId="34fafd0f8ab602e7" providerId="LiveId" clId="{40398309-EE30-411F-BAE6-1D221D1CA75A}" dt="2025-07-30T23:56:49.597" v="359" actId="26606"/>
+          <ac:spMkLst>
+            <pc:docMk/>
+            <pc:sldMk cId="71939880" sldId="259"/>
+            <ac:spMk id="19" creationId="{5E107275-3853-46FD-A241-DE4355A42675}"/>
+          </ac:spMkLst>
+        </pc:spChg>
+        <pc:graphicFrameChg chg="add mod modGraphic">
+          <ac:chgData name="Taylor Kocher" userId="34fafd0f8ab602e7" providerId="LiveId" clId="{40398309-EE30-411F-BAE6-1D221D1CA75A}" dt="2025-07-30T23:56:49.597" v="359" actId="26606"/>
+          <ac:graphicFrameMkLst>
+            <pc:docMk/>
+            <pc:sldMk cId="71939880" sldId="259"/>
+            <ac:graphicFrameMk id="5" creationId="{5FFE5B26-3B13-0EFB-C4D8-D8DFCA1E5598}"/>
+          </ac:graphicFrameMkLst>
+        </pc:graphicFrameChg>
+      </pc:sldChg>
+      <pc:sldChg chg="addSp delSp modSp mod setBg">
+        <pc:chgData name="Taylor Kocher" userId="34fafd0f8ab602e7" providerId="LiveId" clId="{40398309-EE30-411F-BAE6-1D221D1CA75A}" dt="2025-07-31T00:00:24.458" v="628" actId="26606"/>
+        <pc:sldMkLst>
+          <pc:docMk/>
+          <pc:sldMk cId="3104374520" sldId="260"/>
+        </pc:sldMkLst>
+        <pc:spChg chg="mod">
+          <ac:chgData name="Taylor Kocher" userId="34fafd0f8ab602e7" providerId="LiveId" clId="{40398309-EE30-411F-BAE6-1D221D1CA75A}" dt="2025-07-31T00:00:24.434" v="627" actId="26606"/>
+          <ac:spMkLst>
+            <pc:docMk/>
+            <pc:sldMk cId="3104374520" sldId="260"/>
+            <ac:spMk id="2" creationId="{2E386831-7B9C-7F88-D3EA-211D39995D7B}"/>
+          </ac:spMkLst>
+        </pc:spChg>
+        <pc:spChg chg="del mod">
+          <ac:chgData name="Taylor Kocher" userId="34fafd0f8ab602e7" providerId="LiveId" clId="{40398309-EE30-411F-BAE6-1D221D1CA75A}" dt="2025-07-30T23:59:31.332" v="623" actId="26606"/>
+          <ac:spMkLst>
+            <pc:docMk/>
+            <pc:sldMk cId="3104374520" sldId="260"/>
+            <ac:spMk id="3" creationId="{089E488F-FE75-245B-9E86-B1977E9416C8}"/>
+          </ac:spMkLst>
+        </pc:spChg>
+        <pc:spChg chg="add del">
+          <ac:chgData name="Taylor Kocher" userId="34fafd0f8ab602e7" providerId="LiveId" clId="{40398309-EE30-411F-BAE6-1D221D1CA75A}" dt="2025-07-31T00:00:24.458" v="628" actId="26606"/>
+          <ac:spMkLst>
+            <pc:docMk/>
+            <pc:sldMk cId="3104374520" sldId="260"/>
+            <ac:spMk id="10" creationId="{B50AB553-2A96-4A92-96F2-93548E096954}"/>
+          </ac:spMkLst>
+        </pc:spChg>
+        <pc:spChg chg="add del">
+          <ac:chgData name="Taylor Kocher" userId="34fafd0f8ab602e7" providerId="LiveId" clId="{40398309-EE30-411F-BAE6-1D221D1CA75A}" dt="2025-07-31T00:00:16.971" v="625" actId="26606"/>
+          <ac:spMkLst>
+            <pc:docMk/>
+            <pc:sldMk cId="3104374520" sldId="260"/>
+            <ac:spMk id="15" creationId="{257363FD-7E77-4145-9483-331A807ADF0E}"/>
+          </ac:spMkLst>
+        </pc:spChg>
+        <pc:spChg chg="add del">
+          <ac:chgData name="Taylor Kocher" userId="34fafd0f8ab602e7" providerId="LiveId" clId="{40398309-EE30-411F-BAE6-1D221D1CA75A}" dt="2025-07-31T00:00:24.434" v="627" actId="26606"/>
+          <ac:spMkLst>
+            <pc:docMk/>
+            <pc:sldMk cId="3104374520" sldId="260"/>
+            <ac:spMk id="17" creationId="{7E2BE7F7-CA89-4002-ACCE-A478AEA24F5E}"/>
+          </ac:spMkLst>
+        </pc:spChg>
+        <pc:spChg chg="add del">
+          <ac:chgData name="Taylor Kocher" userId="34fafd0f8ab602e7" providerId="LiveId" clId="{40398309-EE30-411F-BAE6-1D221D1CA75A}" dt="2025-07-31T00:00:24.434" v="627" actId="26606"/>
+          <ac:spMkLst>
+            <pc:docMk/>
+            <pc:sldMk cId="3104374520" sldId="260"/>
+            <ac:spMk id="18" creationId="{1A9F7B4E-B03D-4F64-BE33-00D074458D45}"/>
+          </ac:spMkLst>
+        </pc:spChg>
+        <pc:spChg chg="add">
+          <ac:chgData name="Taylor Kocher" userId="34fafd0f8ab602e7" providerId="LiveId" clId="{40398309-EE30-411F-BAE6-1D221D1CA75A}" dt="2025-07-31T00:00:24.458" v="628" actId="26606"/>
+          <ac:spMkLst>
+            <pc:docMk/>
+            <pc:sldMk cId="3104374520" sldId="260"/>
+            <ac:spMk id="20" creationId="{257363FD-7E77-4145-9483-331A807ADF0E}"/>
+          </ac:spMkLst>
+        </pc:spChg>
+        <pc:graphicFrameChg chg="add mod modGraphic">
+          <ac:chgData name="Taylor Kocher" userId="34fafd0f8ab602e7" providerId="LiveId" clId="{40398309-EE30-411F-BAE6-1D221D1CA75A}" dt="2025-07-31T00:00:24.458" v="628" actId="26606"/>
+          <ac:graphicFrameMkLst>
+            <pc:docMk/>
+            <pc:sldMk cId="3104374520" sldId="260"/>
+            <ac:graphicFrameMk id="5" creationId="{ACAD0F66-C81F-B772-7222-1CFF22A256C0}"/>
+          </ac:graphicFrameMkLst>
+        </pc:graphicFrameChg>
+        <pc:picChg chg="add mod">
+          <ac:chgData name="Taylor Kocher" userId="34fafd0f8ab602e7" providerId="LiveId" clId="{40398309-EE30-411F-BAE6-1D221D1CA75A}" dt="2025-07-31T00:00:24.458" v="628" actId="26606"/>
+          <ac:picMkLst>
+            <pc:docMk/>
+            <pc:sldMk cId="3104374520" sldId="260"/>
+            <ac:picMk id="6" creationId="{72E9F2BE-CAAA-B010-6373-B2A0CA491E2D}"/>
+          </ac:picMkLst>
+        </pc:picChg>
+      </pc:sldChg>
+      <pc:sldChg chg="addSp delSp modSp mod setBg">
+        <pc:chgData name="Taylor Kocher" userId="34fafd0f8ab602e7" providerId="LiveId" clId="{40398309-EE30-411F-BAE6-1D221D1CA75A}" dt="2025-07-30T23:49:45.779" v="255" actId="20577"/>
+        <pc:sldMkLst>
+          <pc:docMk/>
+          <pc:sldMk cId="2122756396" sldId="261"/>
+        </pc:sldMkLst>
+        <pc:spChg chg="mod">
+          <ac:chgData name="Taylor Kocher" userId="34fafd0f8ab602e7" providerId="LiveId" clId="{40398309-EE30-411F-BAE6-1D221D1CA75A}" dt="2025-07-30T23:49:45.779" v="255" actId="20577"/>
+          <ac:spMkLst>
+            <pc:docMk/>
+            <pc:sldMk cId="2122756396" sldId="261"/>
+            <ac:spMk id="2" creationId="{C91EDBB7-5976-DA66-A65C-08617BF49BF0}"/>
+          </ac:spMkLst>
+        </pc:spChg>
+        <pc:spChg chg="add del mod">
+          <ac:chgData name="Taylor Kocher" userId="34fafd0f8ab602e7" providerId="LiveId" clId="{40398309-EE30-411F-BAE6-1D221D1CA75A}" dt="2025-07-30T23:49:13.359" v="245" actId="26606"/>
+          <ac:spMkLst>
+            <pc:docMk/>
+            <pc:sldMk cId="2122756396" sldId="261"/>
+            <ac:spMk id="3" creationId="{9117B2A2-1CC7-AE36-06DA-DD534EDCB673}"/>
+          </ac:spMkLst>
+        </pc:spChg>
+        <pc:spChg chg="add del">
+          <ac:chgData name="Taylor Kocher" userId="34fafd0f8ab602e7" providerId="LiveId" clId="{40398309-EE30-411F-BAE6-1D221D1CA75A}" dt="2025-07-30T23:49:06.926" v="238" actId="26606"/>
+          <ac:spMkLst>
+            <pc:docMk/>
+            <pc:sldMk cId="2122756396" sldId="261"/>
+            <ac:spMk id="8" creationId="{DEE2AD96-B495-4E06-9291-B71706F728CB}"/>
+          </ac:spMkLst>
+        </pc:spChg>
+        <pc:spChg chg="add del">
+          <ac:chgData name="Taylor Kocher" userId="34fafd0f8ab602e7" providerId="LiveId" clId="{40398309-EE30-411F-BAE6-1D221D1CA75A}" dt="2025-07-30T23:49:02.348" v="232" actId="26606"/>
+          <ac:spMkLst>
+            <pc:docMk/>
+            <pc:sldMk cId="2122756396" sldId="261"/>
+            <ac:spMk id="9" creationId="{C0763A76-9F1C-4FC5-82B7-DD475DA461B2}"/>
+          </ac:spMkLst>
+        </pc:spChg>
+        <pc:spChg chg="add del">
+          <ac:chgData name="Taylor Kocher" userId="34fafd0f8ab602e7" providerId="LiveId" clId="{40398309-EE30-411F-BAE6-1D221D1CA75A}" dt="2025-07-30T23:49:03.397" v="234" actId="26606"/>
+          <ac:spMkLst>
+            <pc:docMk/>
+            <pc:sldMk cId="2122756396" sldId="261"/>
+            <ac:spMk id="10" creationId="{B50AB553-2A96-4A92-96F2-93548E096954}"/>
+          </ac:spMkLst>
+        </pc:spChg>
+        <pc:spChg chg="add del">
+          <ac:chgData name="Taylor Kocher" userId="34fafd0f8ab602e7" providerId="LiveId" clId="{40398309-EE30-411F-BAE6-1D221D1CA75A}" dt="2025-07-30T23:49:02.348" v="232" actId="26606"/>
+          <ac:spMkLst>
+            <pc:docMk/>
+            <pc:sldMk cId="2122756396" sldId="261"/>
+            <ac:spMk id="11" creationId="{E81BF4F6-F2CF-4984-9D14-D6966D92F99F}"/>
+          </ac:spMkLst>
+        </pc:spChg>
+        <pc:spChg chg="add del">
+          <ac:chgData name="Taylor Kocher" userId="34fafd0f8ab602e7" providerId="LiveId" clId="{40398309-EE30-411F-BAE6-1D221D1CA75A}" dt="2025-07-30T23:49:06.926" v="238" actId="26606"/>
+          <ac:spMkLst>
+            <pc:docMk/>
+            <pc:sldMk cId="2122756396" sldId="261"/>
+            <ac:spMk id="12" creationId="{86909FA0-B515-4681-B7A8-FA281D133B94}"/>
+          </ac:spMkLst>
+        </pc:spChg>
+        <pc:spChg chg="add del">
+          <ac:chgData name="Taylor Kocher" userId="34fafd0f8ab602e7" providerId="LiveId" clId="{40398309-EE30-411F-BAE6-1D221D1CA75A}" dt="2025-07-30T23:49:06.926" v="238" actId="26606"/>
+          <ac:spMkLst>
+            <pc:docMk/>
+            <pc:sldMk cId="2122756396" sldId="261"/>
+            <ac:spMk id="14" creationId="{21C9FE86-FCC3-4A31-AA1C-C882262B7FE7}"/>
+          </ac:spMkLst>
+        </pc:spChg>
+        <pc:spChg chg="add del">
+          <ac:chgData name="Taylor Kocher" userId="34fafd0f8ab602e7" providerId="LiveId" clId="{40398309-EE30-411F-BAE6-1D221D1CA75A}" dt="2025-07-30T23:49:04.348" v="236" actId="26606"/>
+          <ac:spMkLst>
+            <pc:docMk/>
+            <pc:sldMk cId="2122756396" sldId="261"/>
+            <ac:spMk id="15" creationId="{063BBA22-50EA-4C4D-BE05-F1CE4E63AA56}"/>
+          </ac:spMkLst>
+        </pc:spChg>
+        <pc:spChg chg="add del">
+          <ac:chgData name="Taylor Kocher" userId="34fafd0f8ab602e7" providerId="LiveId" clId="{40398309-EE30-411F-BAE6-1D221D1CA75A}" dt="2025-07-30T23:49:04.348" v="236" actId="26606"/>
+          <ac:spMkLst>
+            <pc:docMk/>
+            <pc:sldMk cId="2122756396" sldId="261"/>
+            <ac:spMk id="16" creationId="{BACC6370-2D7E-4714-9D71-7542949D7D5D}"/>
+          </ac:spMkLst>
+        </pc:spChg>
+        <pc:spChg chg="add del">
+          <ac:chgData name="Taylor Kocher" userId="34fafd0f8ab602e7" providerId="LiveId" clId="{40398309-EE30-411F-BAE6-1D221D1CA75A}" dt="2025-07-30T23:49:04.348" v="236" actId="26606"/>
+          <ac:spMkLst>
+            <pc:docMk/>
+            <pc:sldMk cId="2122756396" sldId="261"/>
+            <ac:spMk id="17" creationId="{F68B3F68-107C-434F-AA38-110D5EA91B85}"/>
+          </ac:spMkLst>
+        </pc:spChg>
+        <pc:spChg chg="add del">
+          <ac:chgData name="Taylor Kocher" userId="34fafd0f8ab602e7" providerId="LiveId" clId="{40398309-EE30-411F-BAE6-1D221D1CA75A}" dt="2025-07-30T23:49:04.348" v="236" actId="26606"/>
+          <ac:spMkLst>
+            <pc:docMk/>
+            <pc:sldMk cId="2122756396" sldId="261"/>
+            <ac:spMk id="18" creationId="{AAD0DBB9-1A4B-4391-81D4-CB19F9AB918A}"/>
+          </ac:spMkLst>
+        </pc:spChg>
+        <pc:spChg chg="add del">
+          <ac:chgData name="Taylor Kocher" userId="34fafd0f8ab602e7" providerId="LiveId" clId="{40398309-EE30-411F-BAE6-1D221D1CA75A}" dt="2025-07-30T23:49:06.926" v="238" actId="26606"/>
+          <ac:spMkLst>
+            <pc:docMk/>
+            <pc:sldMk cId="2122756396" sldId="261"/>
+            <ac:spMk id="21" creationId="{53CF6D67-C5A8-4ADD-9E8E-1E38CA1D3166}"/>
+          </ac:spMkLst>
+        </pc:spChg>
+        <pc:spChg chg="add del">
+          <ac:chgData name="Taylor Kocher" userId="34fafd0f8ab602e7" providerId="LiveId" clId="{40398309-EE30-411F-BAE6-1D221D1CA75A}" dt="2025-07-30T23:49:06.926" v="238" actId="26606"/>
+          <ac:spMkLst>
+            <pc:docMk/>
+            <pc:sldMk cId="2122756396" sldId="261"/>
+            <ac:spMk id="22" creationId="{7D96243B-ECED-4B71-8E06-AE9A285EAD20}"/>
+          </ac:spMkLst>
+        </pc:spChg>
+        <pc:spChg chg="add del">
+          <ac:chgData name="Taylor Kocher" userId="34fafd0f8ab602e7" providerId="LiveId" clId="{40398309-EE30-411F-BAE6-1D221D1CA75A}" dt="2025-07-30T23:49:06.926" v="238" actId="26606"/>
+          <ac:spMkLst>
+            <pc:docMk/>
+            <pc:sldMk cId="2122756396" sldId="261"/>
+            <ac:spMk id="23" creationId="{A09989E4-EFDC-4A90-A633-E0525FB4139E}"/>
+          </ac:spMkLst>
+        </pc:spChg>
+        <pc:spChg chg="add del">
+          <ac:chgData name="Taylor Kocher" userId="34fafd0f8ab602e7" providerId="LiveId" clId="{40398309-EE30-411F-BAE6-1D221D1CA75A}" dt="2025-07-30T23:49:06.926" v="238" actId="26606"/>
+          <ac:spMkLst>
+            <pc:docMk/>
+            <pc:sldMk cId="2122756396" sldId="261"/>
+            <ac:spMk id="24" creationId="{9117B2A2-1CC7-AE36-06DA-DD534EDCB673}"/>
+          </ac:spMkLst>
+        </pc:spChg>
+        <pc:spChg chg="add del">
+          <ac:chgData name="Taylor Kocher" userId="34fafd0f8ab602e7" providerId="LiveId" clId="{40398309-EE30-411F-BAE6-1D221D1CA75A}" dt="2025-07-30T23:49:09.355" v="240" actId="26606"/>
+          <ac:spMkLst>
+            <pc:docMk/>
+            <pc:sldMk cId="2122756396" sldId="261"/>
+            <ac:spMk id="26" creationId="{BACC6370-2D7E-4714-9D71-7542949D7D5D}"/>
+          </ac:spMkLst>
+        </pc:spChg>
+        <pc:spChg chg="add del">
+          <ac:chgData name="Taylor Kocher" userId="34fafd0f8ab602e7" providerId="LiveId" clId="{40398309-EE30-411F-BAE6-1D221D1CA75A}" dt="2025-07-30T23:49:09.355" v="240" actId="26606"/>
+          <ac:spMkLst>
+            <pc:docMk/>
+            <pc:sldMk cId="2122756396" sldId="261"/>
+            <ac:spMk id="27" creationId="{256B2C21-A230-48C0-8DF1-C46611373C44}"/>
+          </ac:spMkLst>
+        </pc:spChg>
+        <pc:spChg chg="add del">
+          <ac:chgData name="Taylor Kocher" userId="34fafd0f8ab602e7" providerId="LiveId" clId="{40398309-EE30-411F-BAE6-1D221D1CA75A}" dt="2025-07-30T23:49:09.355" v="240" actId="26606"/>
+          <ac:spMkLst>
+            <pc:docMk/>
+            <pc:sldMk cId="2122756396" sldId="261"/>
+            <ac:spMk id="28" creationId="{3847E18C-932D-4C95-AABA-FEC7C9499AD7}"/>
+          </ac:spMkLst>
+        </pc:spChg>
+        <pc:spChg chg="add del">
+          <ac:chgData name="Taylor Kocher" userId="34fafd0f8ab602e7" providerId="LiveId" clId="{40398309-EE30-411F-BAE6-1D221D1CA75A}" dt="2025-07-30T23:49:09.355" v="240" actId="26606"/>
+          <ac:spMkLst>
+            <pc:docMk/>
+            <pc:sldMk cId="2122756396" sldId="261"/>
+            <ac:spMk id="29" creationId="{3150CB11-0C61-439E-910F-5787759E72A0}"/>
+          </ac:spMkLst>
+        </pc:spChg>
+        <pc:spChg chg="add del">
+          <ac:chgData name="Taylor Kocher" userId="34fafd0f8ab602e7" providerId="LiveId" clId="{40398309-EE30-411F-BAE6-1D221D1CA75A}" dt="2025-07-30T23:49:09.355" v="240" actId="26606"/>
+          <ac:spMkLst>
+            <pc:docMk/>
+            <pc:sldMk cId="2122756396" sldId="261"/>
+            <ac:spMk id="30" creationId="{43F8A58B-5155-44CE-A5FF-7647B47D0A7A}"/>
+          </ac:spMkLst>
+        </pc:spChg>
+        <pc:spChg chg="add del">
+          <ac:chgData name="Taylor Kocher" userId="34fafd0f8ab602e7" providerId="LiveId" clId="{40398309-EE30-411F-BAE6-1D221D1CA75A}" dt="2025-07-30T23:49:09.355" v="240" actId="26606"/>
+          <ac:spMkLst>
+            <pc:docMk/>
+            <pc:sldMk cId="2122756396" sldId="261"/>
+            <ac:spMk id="31" creationId="{443F2ACA-E6D6-4028-82DD-F03C262D5DE6}"/>
+          </ac:spMkLst>
+        </pc:spChg>
+        <pc:spChg chg="add del">
+          <ac:chgData name="Taylor Kocher" userId="34fafd0f8ab602e7" providerId="LiveId" clId="{40398309-EE30-411F-BAE6-1D221D1CA75A}" dt="2025-07-30T23:49:11.131" v="242" actId="26606"/>
+          <ac:spMkLst>
+            <pc:docMk/>
+            <pc:sldMk cId="2122756396" sldId="261"/>
+            <ac:spMk id="34" creationId="{BACC6370-2D7E-4714-9D71-7542949D7D5D}"/>
+          </ac:spMkLst>
+        </pc:spChg>
+        <pc:spChg chg="add del">
+          <ac:chgData name="Taylor Kocher" userId="34fafd0f8ab602e7" providerId="LiveId" clId="{40398309-EE30-411F-BAE6-1D221D1CA75A}" dt="2025-07-30T23:49:11.131" v="242" actId="26606"/>
+          <ac:spMkLst>
+            <pc:docMk/>
+            <pc:sldMk cId="2122756396" sldId="261"/>
+            <ac:spMk id="35" creationId="{256B2C21-A230-48C0-8DF1-C46611373C44}"/>
+          </ac:spMkLst>
+        </pc:spChg>
+        <pc:spChg chg="add del">
+          <ac:chgData name="Taylor Kocher" userId="34fafd0f8ab602e7" providerId="LiveId" clId="{40398309-EE30-411F-BAE6-1D221D1CA75A}" dt="2025-07-30T23:49:11.131" v="242" actId="26606"/>
+          <ac:spMkLst>
+            <pc:docMk/>
+            <pc:sldMk cId="2122756396" sldId="261"/>
+            <ac:spMk id="36" creationId="{3847E18C-932D-4C95-AABA-FEC7C9499AD7}"/>
+          </ac:spMkLst>
+        </pc:spChg>
+        <pc:spChg chg="add del">
+          <ac:chgData name="Taylor Kocher" userId="34fafd0f8ab602e7" providerId="LiveId" clId="{40398309-EE30-411F-BAE6-1D221D1CA75A}" dt="2025-07-30T23:49:11.131" v="242" actId="26606"/>
+          <ac:spMkLst>
+            <pc:docMk/>
+            <pc:sldMk cId="2122756396" sldId="261"/>
+            <ac:spMk id="37" creationId="{3150CB11-0C61-439E-910F-5787759E72A0}"/>
+          </ac:spMkLst>
+        </pc:spChg>
+        <pc:spChg chg="add del">
+          <ac:chgData name="Taylor Kocher" userId="34fafd0f8ab602e7" providerId="LiveId" clId="{40398309-EE30-411F-BAE6-1D221D1CA75A}" dt="2025-07-30T23:49:11.131" v="242" actId="26606"/>
+          <ac:spMkLst>
+            <pc:docMk/>
+            <pc:sldMk cId="2122756396" sldId="261"/>
+            <ac:spMk id="38" creationId="{43F8A58B-5155-44CE-A5FF-7647B47D0A7A}"/>
+          </ac:spMkLst>
+        </pc:spChg>
+        <pc:spChg chg="add del">
+          <ac:chgData name="Taylor Kocher" userId="34fafd0f8ab602e7" providerId="LiveId" clId="{40398309-EE30-411F-BAE6-1D221D1CA75A}" dt="2025-07-30T23:49:11.131" v="242" actId="26606"/>
+          <ac:spMkLst>
+            <pc:docMk/>
+            <pc:sldMk cId="2122756396" sldId="261"/>
+            <ac:spMk id="39" creationId="{443F2ACA-E6D6-4028-82DD-F03C262D5DE6}"/>
+          </ac:spMkLst>
+        </pc:spChg>
+        <pc:spChg chg="add del">
+          <ac:chgData name="Taylor Kocher" userId="34fafd0f8ab602e7" providerId="LiveId" clId="{40398309-EE30-411F-BAE6-1D221D1CA75A}" dt="2025-07-30T23:49:13.339" v="244" actId="26606"/>
+          <ac:spMkLst>
+            <pc:docMk/>
+            <pc:sldMk cId="2122756396" sldId="261"/>
+            <ac:spMk id="42" creationId="{1B15ED52-F352-441B-82BF-E0EA34836D08}"/>
+          </ac:spMkLst>
+        </pc:spChg>
+        <pc:spChg chg="add del">
+          <ac:chgData name="Taylor Kocher" userId="34fafd0f8ab602e7" providerId="LiveId" clId="{40398309-EE30-411F-BAE6-1D221D1CA75A}" dt="2025-07-30T23:49:13.339" v="244" actId="26606"/>
+          <ac:spMkLst>
+            <pc:docMk/>
+            <pc:sldMk cId="2122756396" sldId="261"/>
+            <ac:spMk id="43" creationId="{3B2E3793-BFE6-45A2-9B7B-E18844431C99}"/>
+          </ac:spMkLst>
+        </pc:spChg>
+        <pc:spChg chg="add del">
+          <ac:chgData name="Taylor Kocher" userId="34fafd0f8ab602e7" providerId="LiveId" clId="{40398309-EE30-411F-BAE6-1D221D1CA75A}" dt="2025-07-30T23:49:13.339" v="244" actId="26606"/>
+          <ac:spMkLst>
+            <pc:docMk/>
+            <pc:sldMk cId="2122756396" sldId="261"/>
+            <ac:spMk id="44" creationId="{BC4C4868-CB8F-4AF9-9CDB-8108F2C19B67}"/>
+          </ac:spMkLst>
+        </pc:spChg>
+        <pc:spChg chg="add del">
+          <ac:chgData name="Taylor Kocher" userId="34fafd0f8ab602e7" providerId="LiveId" clId="{40398309-EE30-411F-BAE6-1D221D1CA75A}" dt="2025-07-30T23:49:13.339" v="244" actId="26606"/>
+          <ac:spMkLst>
+            <pc:docMk/>
+            <pc:sldMk cId="2122756396" sldId="261"/>
+            <ac:spMk id="45" creationId="{375E0459-6403-40CD-989D-56A4407CA12E}"/>
+          </ac:spMkLst>
+        </pc:spChg>
+        <pc:spChg chg="add del">
+          <ac:chgData name="Taylor Kocher" userId="34fafd0f8ab602e7" providerId="LiveId" clId="{40398309-EE30-411F-BAE6-1D221D1CA75A}" dt="2025-07-30T23:49:13.339" v="244" actId="26606"/>
+          <ac:spMkLst>
+            <pc:docMk/>
+            <pc:sldMk cId="2122756396" sldId="261"/>
+            <ac:spMk id="46" creationId="{53E5B1A8-3AC9-4BD1-9BBC-78CA94F2D1BA}"/>
+          </ac:spMkLst>
+        </pc:spChg>
+        <pc:spChg chg="add del">
+          <ac:chgData name="Taylor Kocher" userId="34fafd0f8ab602e7" providerId="LiveId" clId="{40398309-EE30-411F-BAE6-1D221D1CA75A}" dt="2025-07-30T23:49:13.339" v="244" actId="26606"/>
+          <ac:spMkLst>
+            <pc:docMk/>
+            <pc:sldMk cId="2122756396" sldId="261"/>
+            <ac:spMk id="47" creationId="{9117B2A2-1CC7-AE36-06DA-DD534EDCB673}"/>
+          </ac:spMkLst>
+        </pc:spChg>
+        <pc:spChg chg="add del">
+          <ac:chgData name="Taylor Kocher" userId="34fafd0f8ab602e7" providerId="LiveId" clId="{40398309-EE30-411F-BAE6-1D221D1CA75A}" dt="2025-07-30T23:49:39.009" v="254" actId="26606"/>
+          <ac:spMkLst>
+            <pc:docMk/>
+            <pc:sldMk cId="2122756396" sldId="261"/>
+            <ac:spMk id="49" creationId="{C0763A76-9F1C-4FC5-82B7-DD475DA461B2}"/>
+          </ac:spMkLst>
+        </pc:spChg>
+        <pc:spChg chg="add del">
+          <ac:chgData name="Taylor Kocher" userId="34fafd0f8ab602e7" providerId="LiveId" clId="{40398309-EE30-411F-BAE6-1D221D1CA75A}" dt="2025-07-30T23:49:39.009" v="254" actId="26606"/>
+          <ac:spMkLst>
+            <pc:docMk/>
+            <pc:sldMk cId="2122756396" sldId="261"/>
+            <ac:spMk id="50" creationId="{E81BF4F6-F2CF-4984-9D14-D6966D92F99F}"/>
+          </ac:spMkLst>
+        </pc:spChg>
+        <pc:spChg chg="add mod ord">
+          <ac:chgData name="Taylor Kocher" userId="34fafd0f8ab602e7" providerId="LiveId" clId="{40398309-EE30-411F-BAE6-1D221D1CA75A}" dt="2025-07-30T23:49:39.005" v="253" actId="26606"/>
+          <ac:spMkLst>
+            <pc:docMk/>
+            <pc:sldMk cId="2122756396" sldId="261"/>
+            <ac:spMk id="51" creationId="{9117B2A2-1CC7-AE36-06DA-DD534EDCB673}"/>
+          </ac:spMkLst>
+        </pc:spChg>
+        <pc:spChg chg="add del">
+          <ac:chgData name="Taylor Kocher" userId="34fafd0f8ab602e7" providerId="LiveId" clId="{40398309-EE30-411F-BAE6-1D221D1CA75A}" dt="2025-07-30T23:49:31.579" v="247" actId="26606"/>
+          <ac:spMkLst>
+            <pc:docMk/>
+            <pc:sldMk cId="2122756396" sldId="261"/>
+            <ac:spMk id="57" creationId="{9F7D5CDA-D291-4307-BF55-1381FED29634}"/>
+          </ac:spMkLst>
+        </pc:spChg>
+        <pc:spChg chg="add del">
+          <ac:chgData name="Taylor Kocher" userId="34fafd0f8ab602e7" providerId="LiveId" clId="{40398309-EE30-411F-BAE6-1D221D1CA75A}" dt="2025-07-30T23:49:35.491" v="249" actId="26606"/>
+          <ac:spMkLst>
+            <pc:docMk/>
+            <pc:sldMk cId="2122756396" sldId="261"/>
+            <ac:spMk id="59" creationId="{603A6265-E10C-4B85-9C20-E75FCAF9CC63}"/>
+          </ac:spMkLst>
+        </pc:spChg>
+        <pc:spChg chg="add del">
+          <ac:chgData name="Taylor Kocher" userId="34fafd0f8ab602e7" providerId="LiveId" clId="{40398309-EE30-411F-BAE6-1D221D1CA75A}" dt="2025-07-30T23:49:35.491" v="249" actId="26606"/>
+          <ac:spMkLst>
+            <pc:docMk/>
+            <pc:sldMk cId="2122756396" sldId="261"/>
+            <ac:spMk id="60" creationId="{3ECBE1F1-D69B-4AFA-ABD5-8E41720EF6DE}"/>
+          </ac:spMkLst>
+        </pc:spChg>
+        <pc:spChg chg="add del">
+          <ac:chgData name="Taylor Kocher" userId="34fafd0f8ab602e7" providerId="LiveId" clId="{40398309-EE30-411F-BAE6-1D221D1CA75A}" dt="2025-07-30T23:49:37.946" v="251" actId="26606"/>
+          <ac:spMkLst>
+            <pc:docMk/>
+            <pc:sldMk cId="2122756396" sldId="261"/>
+            <ac:spMk id="62" creationId="{B210AC1D-4063-4C6E-9528-FA9C4C0C18E6}"/>
+          </ac:spMkLst>
+        </pc:spChg>
+        <pc:spChg chg="add del">
+          <ac:chgData name="Taylor Kocher" userId="34fafd0f8ab602e7" providerId="LiveId" clId="{40398309-EE30-411F-BAE6-1D221D1CA75A}" dt="2025-07-30T23:49:37.946" v="251" actId="26606"/>
+          <ac:spMkLst>
+            <pc:docMk/>
+            <pc:sldMk cId="2122756396" sldId="261"/>
+            <ac:spMk id="63" creationId="{02F8C595-E68C-4306-AED8-DC7826A0A506}"/>
+          </ac:spMkLst>
+        </pc:spChg>
+        <pc:spChg chg="add del">
+          <ac:chgData name="Taylor Kocher" userId="34fafd0f8ab602e7" providerId="LiveId" clId="{40398309-EE30-411F-BAE6-1D221D1CA75A}" dt="2025-07-30T23:49:39.005" v="253" actId="26606"/>
+          <ac:spMkLst>
+            <pc:docMk/>
+            <pc:sldMk cId="2122756396" sldId="261"/>
+            <ac:spMk id="65" creationId="{9F7D5CDA-D291-4307-BF55-1381FED29634}"/>
+          </ac:spMkLst>
+        </pc:spChg>
+        <pc:spChg chg="add">
+          <ac:chgData name="Taylor Kocher" userId="34fafd0f8ab602e7" providerId="LiveId" clId="{40398309-EE30-411F-BAE6-1D221D1CA75A}" dt="2025-07-30T23:49:39.009" v="254" actId="26606"/>
+          <ac:spMkLst>
+            <pc:docMk/>
+            <pc:sldMk cId="2122756396" sldId="261"/>
+            <ac:spMk id="67" creationId="{C0763A76-9F1C-4FC5-82B7-DD475DA461B2}"/>
+          </ac:spMkLst>
+        </pc:spChg>
+        <pc:spChg chg="add">
+          <ac:chgData name="Taylor Kocher" userId="34fafd0f8ab602e7" providerId="LiveId" clId="{40398309-EE30-411F-BAE6-1D221D1CA75A}" dt="2025-07-30T23:49:39.009" v="254" actId="26606"/>
+          <ac:spMkLst>
+            <pc:docMk/>
+            <pc:sldMk cId="2122756396" sldId="261"/>
+            <ac:spMk id="68" creationId="{E81BF4F6-F2CF-4984-9D14-D6966D92F99F}"/>
+          </ac:spMkLst>
+        </pc:spChg>
+        <pc:graphicFrameChg chg="add del">
+          <ac:chgData name="Taylor Kocher" userId="34fafd0f8ab602e7" providerId="LiveId" clId="{40398309-EE30-411F-BAE6-1D221D1CA75A}" dt="2025-07-30T23:49:03.397" v="234" actId="26606"/>
+          <ac:graphicFrameMkLst>
+            <pc:docMk/>
+            <pc:sldMk cId="2122756396" sldId="261"/>
+            <ac:graphicFrameMk id="13" creationId="{578BAEEF-BF3F-3DD4-E6FD-8B5FC5D81F1C}"/>
+          </ac:graphicFrameMkLst>
+        </pc:graphicFrameChg>
+        <pc:graphicFrameChg chg="add del">
+          <ac:chgData name="Taylor Kocher" userId="34fafd0f8ab602e7" providerId="LiveId" clId="{40398309-EE30-411F-BAE6-1D221D1CA75A}" dt="2025-07-30T23:49:04.348" v="236" actId="26606"/>
+          <ac:graphicFrameMkLst>
+            <pc:docMk/>
+            <pc:sldMk cId="2122756396" sldId="261"/>
+            <ac:graphicFrameMk id="19" creationId="{A30AA5D1-17E7-0FF1-FCBF-C3E911C69793}"/>
+          </ac:graphicFrameMkLst>
+        </pc:graphicFrameChg>
+        <pc:graphicFrameChg chg="add del">
+          <ac:chgData name="Taylor Kocher" userId="34fafd0f8ab602e7" providerId="LiveId" clId="{40398309-EE30-411F-BAE6-1D221D1CA75A}" dt="2025-07-30T23:49:09.355" v="240" actId="26606"/>
+          <ac:graphicFrameMkLst>
+            <pc:docMk/>
+            <pc:sldMk cId="2122756396" sldId="261"/>
+            <ac:graphicFrameMk id="32" creationId="{03027151-D016-DD44-0D12-16334275B633}"/>
+          </ac:graphicFrameMkLst>
+        </pc:graphicFrameChg>
+        <pc:graphicFrameChg chg="add del">
+          <ac:chgData name="Taylor Kocher" userId="34fafd0f8ab602e7" providerId="LiveId" clId="{40398309-EE30-411F-BAE6-1D221D1CA75A}" dt="2025-07-30T23:49:11.131" v="242" actId="26606"/>
+          <ac:graphicFrameMkLst>
+            <pc:docMk/>
+            <pc:sldMk cId="2122756396" sldId="261"/>
+            <ac:graphicFrameMk id="40" creationId="{A3806A6F-1036-F04A-EA6F-61CAD1C682EA}"/>
+          </ac:graphicFrameMkLst>
+        </pc:graphicFrameChg>
+        <pc:picChg chg="add del">
+          <ac:chgData name="Taylor Kocher" userId="34fafd0f8ab602e7" providerId="LiveId" clId="{40398309-EE30-411F-BAE6-1D221D1CA75A}" dt="2025-07-30T23:49:02.348" v="232" actId="26606"/>
+          <ac:picMkLst>
+            <pc:docMk/>
+            <pc:sldMk cId="2122756396" sldId="261"/>
+            <ac:picMk id="5" creationId="{39791702-937C-CD52-A5BE-72BF368C2AEC}"/>
+          </ac:picMkLst>
+        </pc:picChg>
+        <pc:picChg chg="add del">
+          <ac:chgData name="Taylor Kocher" userId="34fafd0f8ab602e7" providerId="LiveId" clId="{40398309-EE30-411F-BAE6-1D221D1CA75A}" dt="2025-07-30T23:49:03.397" v="234" actId="26606"/>
+          <ac:picMkLst>
+            <pc:docMk/>
+            <pc:sldMk cId="2122756396" sldId="261"/>
+            <ac:picMk id="6" creationId="{164C0E07-ED78-C453-9336-7528278D8848}"/>
+          </ac:picMkLst>
+        </pc:picChg>
+        <pc:picChg chg="add mod ord">
+          <ac:chgData name="Taylor Kocher" userId="34fafd0f8ab602e7" providerId="LiveId" clId="{40398309-EE30-411F-BAE6-1D221D1CA75A}" dt="2025-07-30T23:49:39.009" v="254" actId="26606"/>
+          <ac:picMkLst>
+            <pc:docMk/>
+            <pc:sldMk cId="2122756396" sldId="261"/>
+            <ac:picMk id="52" creationId="{39791702-937C-CD52-A5BE-72BF368C2AEC}"/>
+          </ac:picMkLst>
+        </pc:picChg>
+      </pc:sldChg>
+    </pc:docChg>
+  </pc:docChgLst>
+</pc:chgInfo>
+</file>
+
+<file path=ppt/diagrams/colors1.xml><?xml version="1.0" encoding="utf-8"?>
+<dgm:colorsDef xmlns:dgm="http://schemas.openxmlformats.org/drawingml/2006/diagram" xmlns:a="http://schemas.openxmlformats.org/drawingml/2006/main" uniqueId="urn:microsoft.com/office/officeart/2005/8/colors/colorful2">
+  <dgm:title val=""/>
+  <dgm:desc val=""/>
+  <dgm:catLst>
+    <dgm:cat type="colorful" pri="10200"/>
+  </dgm:catLst>
+  <dgm:styleLbl name="node0">
+    <dgm:fillClrLst meth="repeat">
+      <a:schemeClr val="accent1"/>
+    </dgm:fillClrLst>
+    <dgm:linClrLst meth="repeat">
+      <a:schemeClr val="lt1"/>
+    </dgm:linClrLst>
+    <dgm:effectClrLst/>
+    <dgm:txLinClrLst/>
+    <dgm:txFillClrLst/>
+    <dgm:txEffectClrLst/>
+  </dgm:styleLbl>
+  <dgm:styleLbl name="node1">
+    <dgm:fillClrLst>
+      <a:schemeClr val="accent2"/>
+      <a:schemeClr val="accent3"/>
+    </dgm:fillClrLst>
+    <dgm:linClrLst meth="repeat">
+      <a:schemeClr val="lt1"/>
+    </dgm:linClrLst>
+    <dgm:effectClrLst/>
+    <dgm:txLinClrLst/>
+    <dgm:txFillClrLst/>
+    <dgm:txEffectClrLst/>
+  </dgm:styleLbl>
+  <dgm:styleLbl name="alignNode1">
+    <dgm:fillClrLst>
+      <a:schemeClr val="accent2"/>
+      <a:schemeClr val="accent3"/>
+    </dgm:fillClrLst>
+    <dgm:linClrLst>
+      <a:schemeClr val="accent2"/>
+      <a:schemeClr val="accent3"/>
+    </dgm:linClrLst>
+    <dgm:effectClrLst/>
+    <dgm:txLinClrLst/>
+    <dgm:txFillClrLst/>
+    <dgm:txEffectClrLst/>
+  </dgm:styleLbl>
+  <dgm:styleLbl name="lnNode1">
+    <dgm:fillClrLst>
+      <a:schemeClr val="accent2"/>
+      <a:schemeClr val="accent3"/>
+    </dgm:fillClrLst>
+    <dgm:linClrLst meth="repeat">
+      <a:schemeClr val="lt1"/>
+    </dgm:linClrLst>
+    <dgm:effectClrLst/>
+    <dgm:txLinClrLst/>
+    <dgm:txFillClrLst/>
+    <dgm:txEffectClrLst/>
+  </dgm:styleLbl>
+  <dgm:styleLbl name="vennNode1">
+    <dgm:fillClrLst>
+      <a:schemeClr val="accent2">
+        <a:alpha val="50000"/>
+      </a:schemeClr>
+      <a:schemeClr val="accent3">
+        <a:alpha val="50000"/>
+      </a:schemeClr>
+    </dgm:fillClrLst>
+    <dgm:linClrLst meth="repeat">
+      <a:schemeClr val="lt1"/>
+    </dgm:linClrLst>
+    <dgm:effectClrLst/>
+    <dgm:txLinClrLst/>
+    <dgm:txFillClrLst/>
+    <dgm:txEffectClrLst/>
+  </dgm:styleLbl>
+  <dgm:styleLbl name="node2">
+    <dgm:fillClrLst>
+      <a:schemeClr val="accent3"/>
+    </dgm:fillClrLst>
+    <dgm:linClrLst meth="repeat">
+      <a:schemeClr val="lt1"/>
+    </dgm:linClrLst>
+    <dgm:effectClrLst/>
+    <dgm:txLinClrLst/>
+    <dgm:txFillClrLst/>
+    <dgm:txEffectClrLst/>
+  </dgm:styleLbl>
+  <dgm:styleLbl name="node3">
+    <dgm:fillClrLst>
+      <a:schemeClr val="accent4"/>
+    </dgm:fillClrLst>
+    <dgm:linClrLst meth="repeat">
+      <a:schemeClr val="lt1"/>
+    </dgm:linClrLst>
+    <dgm:effectClrLst/>
+    <dgm:txLinClrLst/>
+    <dgm:txFillClrLst/>
+    <dgm:txEffectClrLst/>
+  </dgm:styleLbl>
+  <dgm:styleLbl name="node4">
+    <dgm:fillClrLst>
+      <a:schemeClr val="accent5"/>
+    </dgm:fillClrLst>
+    <dgm:linClrLst meth="repeat">
+      <a:schemeClr val="lt1"/>
+    </dgm:linClrLst>
+    <dgm:effectClrLst/>
+    <dgm:txLinClrLst/>
+    <dgm:txFillClrLst/>
+    <dgm:txEffectClrLst/>
+  </dgm:styleLbl>
+  <dgm:styleLbl name="fgImgPlace1">
+    <dgm:fillClrLst>
+      <a:schemeClr val="accent2">
+        <a:tint val="50000"/>
+      </a:schemeClr>
+      <a:schemeClr val="accent3">
+        <a:tint val="50000"/>
+      </a:schemeClr>
+    </dgm:fillClrLst>
+    <dgm:linClrLst meth="repeat">
+      <a:schemeClr val="lt1"/>
+    </dgm:linClrLst>
+    <dgm:effectClrLst/>
+    <dgm:txLinClrLst/>
+    <dgm:txFillClrLst meth="repeat">
+      <a:schemeClr val="lt1"/>
+    </dgm:txFillClrLst>
+    <dgm:txEffectClrLst/>
+  </dgm:styleLbl>
+  <dgm:styleLbl name="alignImgPlace1">
+    <dgm:fillClrLst>
+      <a:schemeClr val="accent2">
+        <a:tint val="50000"/>
+      </a:schemeClr>
+      <a:schemeClr val="accent3">
+        <a:tint val="20000"/>
+      </a:schemeClr>
+    </dgm:fillClrLst>
+    <dgm:linClrLst meth="repeat">
+      <a:schemeClr val="lt1"/>
+    </dgm:linClrLst>
+    <dgm:effectClrLst/>
+    <dgm:txLinClrLst/>
+    <dgm:txFillClrLst meth="repeat">
+      <a:schemeClr val="lt1"/>
+    </dgm:txFillClrLst>
+    <dgm:txEffectClrLst/>
+  </dgm:styleLbl>
+  <dgm:styleLbl name="bgImgPlace1">
+    <dgm:fillClrLst>
+      <a:schemeClr val="accent2">
+        <a:tint val="50000"/>
+      </a:schemeClr>
+      <a:schemeClr val="accent3">
+        <a:tint val="20000"/>
+      </a:schemeClr>
+    </dgm:fillClrLst>
+    <dgm:linClrLst meth="repeat">
+      <a:schemeClr val="lt1"/>
+    </dgm:linClrLst>
+    <dgm:effectClrLst/>
+    <dgm:txLinClrLst/>
+    <dgm:txFillClrLst meth="repeat">
+      <a:schemeClr val="lt1"/>
+    </dgm:txFillClrLst>
+    <dgm:txEffectClrLst/>
+  </dgm:styleLbl>
+  <dgm:styleLbl name="sibTrans2D1">
+    <dgm:fillClrLst>
+      <a:schemeClr val="accent2"/>
+      <a:schemeClr val="accent3"/>
+    </dgm:fillClrLst>
+    <dgm:linClrLst meth="repeat">
+      <a:schemeClr val="lt1"/>
+    </dgm:linClrLst>
+    <dgm:effectClrLst/>
+    <dgm:txLinClrLst/>
+    <dgm:txFillClrLst/>
+    <dgm:txEffectClrLst/>
+  </dgm:styleLbl>
+  <dgm:styleLbl name="fgSibTrans2D1">
+    <dgm:fillClrLst>
+      <a:schemeClr val="accent2"/>
+      <a:schemeClr val="accent3"/>
+    </dgm:fillClrLst>
+    <dgm:linClrLst meth="repeat">
+      <a:schemeClr val="lt1"/>
+    </dgm:linClrLst>
+    <dgm:effectClrLst/>
+    <dgm:txLinClrLst/>
+    <dgm:txFillClrLst meth="repeat">
+      <a:schemeClr val="lt1"/>
+    </dgm:txFillClrLst>
+    <dgm:txEffectClrLst/>
+  </dgm:styleLbl>
+  <dgm:styleLbl name="bgSibTrans2D1">
+    <dgm:fillClrLst>
+      <a:schemeClr val="accent2"/>
+      <a:schemeClr val="accent3"/>
+    </dgm:fillClrLst>
+    <dgm:linClrLst meth="repeat">
+      <a:schemeClr val="lt1"/>
+    </dgm:linClrLst>
+    <dgm:effectClrLst/>
+    <dgm:txLinClrLst/>
+    <dgm:txFillClrLst meth="repeat">
+      <a:schemeClr val="lt1"/>
+    </dgm:txFillClrLst>
+    <dgm:txEffectClrLst/>
+  </dgm:styleLbl>
+  <dgm:styleLbl name="sibTrans1D1">
+    <dgm:fillClrLst/>
+    <dgm:linClrLst>
+      <a:schemeClr val="accent2"/>
+      <a:schemeClr val="accent3"/>
+    </dgm:linClrLst>
+    <dgm:effectClrLst/>
+    <dgm:txLinClrLst/>
+    <dgm:txFillClrLst meth="repeat">
+      <a:schemeClr val="tx1"/>
+    </dgm:txFillClrLst>
+    <dgm:txEffectClrLst/>
+  </dgm:styleLbl>
+  <dgm:styleLbl name="callout">
+    <dgm:fillClrLst meth="repeat">
+      <a:schemeClr val="accent2"/>
+    </dgm:fillClrLst>
+    <dgm:linClrLst meth="repeat">
+      <a:schemeClr val="accent2">
+        <a:tint val="50000"/>
+      </a:schemeClr>
+    </dgm:linClrLst>
+    <dgm:effectClrLst/>
+    <dgm:txLinClrLst/>
+    <dgm:txFillClrLst meth="repeat">
+      <a:schemeClr val="tx1"/>
+    </dgm:txFillClrLst>
+    <dgm:txEffectClrLst/>
+  </dgm:styleLbl>
+  <dgm:styleLbl name="asst0">
+    <dgm:fillClrLst meth="repeat">
+      <a:schemeClr val="accent2"/>
+    </dgm:fillClrLst>
+    <dgm:linClrLst meth="repeat">
+      <a:schemeClr val="lt1">
+        <a:shade val="80000"/>
+      </a:schemeClr>
+    </dgm:linClrLst>
+    <dgm:effectClrLst/>
+    <dgm:txLinClrLst/>
+    <dgm:txFillClrLst/>
+    <dgm:txEffectClrLst/>
+  </dgm:styleLbl>
+  <dgm:styleLbl name="asst1">
+    <dgm:fillClrLst meth="repeat">
+      <a:schemeClr val="accent3"/>
+    </dgm:fillClrLst>
+    <dgm:linClrLst meth="repeat">
+      <a:schemeClr val="lt1">
+        <a:shade val="80000"/>
+      </a:schemeClr>
+    </dgm:linClrLst>
+    <dgm:effectClrLst/>
+    <dgm:txLinClrLst/>
+    <dgm:txFillClrLst/>
+    <dgm:txEffectClrLst/>
+  </dgm:styleLbl>
+  <dgm:styleLbl name="asst2">
+    <dgm:fillClrLst>
+      <a:schemeClr val="accent4"/>
+    </dgm:fillClrLst>
+    <dgm:linClrLst meth="repeat">
+      <a:schemeClr val="lt1"/>
+    </dgm:linClrLst>
+    <dgm:effectClrLst/>
+    <dgm:txLinClrLst/>
+    <dgm:txFillClrLst/>
+    <dgm:txEffectClrLst/>
+  </dgm:styleLbl>
+  <dgm:styleLbl name="asst3">
+    <dgm:fillClrLst>
+      <a:schemeClr val="accent5"/>
+    </dgm:fillClrLst>
+    <dgm:linClrLst meth="repeat">
+      <a:schemeClr val="lt1"/>
+    </dgm:linClrLst>
+    <dgm:effectClrLst/>
+    <dgm:txLinClrLst/>
+    <dgm:txFillClrLst/>
+    <dgm:txEffectClrLst/>
+  </dgm:styleLbl>
+  <dgm:styleLbl name="asst4">
+    <dgm:fillClrLst>
+      <a:schemeClr val="accent6"/>
+    </dgm:fillClrLst>
+    <dgm:linClrLst meth="repeat">
+      <a:schemeClr val="lt1"/>
+    </dgm:linClrLst>
+    <dgm:effectClrLst/>
+    <dgm:txLinClrLst/>
+    <dgm:txFillClrLst/>
+    <dgm:txEffectClrLst/>
+  </dgm:styleLbl>
+  <dgm:styleLbl name="parChTrans2D1">
+    <dgm:fillClrLst meth="repeat">
+      <a:schemeClr val="accent2"/>
+    </dgm:fillClrLst>
+    <dgm:linClrLst meth="repeat">
+      <a:schemeClr val="lt1"/>
+    </dgm:linClrLst>
+    <dgm:effectClrLst/>
+    <dgm:txLinClrLst/>
+    <dgm:txFillClrLst meth="repeat">
+      <a:schemeClr val="lt1"/>
+    </dgm:txFillClrLst>
+    <dgm:txEffectClrLst/>
+  </dgm:styleLbl>
+  <dgm:styleLbl name="parChTrans2D2">
+    <dgm:fillClrLst meth="repeat">
+      <a:schemeClr val="accent3"/>
+    </dgm:fillClrLst>
+    <dgm:linClrLst meth="repeat">
+      <a:schemeClr val="lt1"/>
+    </dgm:linClrLst>
+    <dgm:effectClrLst/>
+    <dgm:txLinClrLst/>
+    <dgm:txFillClrLst/>
+    <dgm:txEffectClrLst/>
+  </dgm:styleLbl>
+  <dgm:styleLbl name="parChTrans2D3">
+    <dgm:fillClrLst meth="repeat">
+      <a:schemeClr val="accent4"/>
+    </dgm:fillClrLst>
+    <dgm:linClrLst meth="repeat">
+      <a:schemeClr val="lt1"/>
+    </dgm:linClrLst>
+    <dgm:effectClrLst/>
+    <dgm:txLinClrLst/>
+    <dgm:txFillClrLst/>
+    <dgm:txEffectClrLst/>
+  </dgm:styleLbl>
+  <dgm:styleLbl name="parChTrans2D4">
+    <dgm:fillClrLst meth="repeat">
+      <a:schemeClr val="accent5"/>
+    </dgm:fillClrLst>
+    <dgm:linClrLst meth="repeat">
+      <a:schemeClr val="lt1"/>
+    </dgm:linClrLst>
+    <dgm:effectClrLst/>
+    <dgm:txLinClrLst/>
+    <dgm:txFillClrLst meth="repeat">
+      <a:schemeClr val="lt1"/>
+    </dgm:txFillClrLst>
+    <dgm:txEffectClrLst/>
+  </dgm:styleLbl>
+  <dgm:styleLbl name="parChTrans1D1">
+    <dgm:fillClrLst meth="repeat">
+      <a:schemeClr val="accent2"/>
+    </dgm:fillClrLst>
+    <dgm:linClrLst meth="repeat">
+      <a:schemeClr val="accent2"/>
+    </dgm:linClrLst>
+    <dgm:effectClrLst/>
+    <dgm:txLinClrLst/>
+    <dgm:txFillClrLst meth="repeat">
+      <a:schemeClr val="tx1"/>
+    </dgm:txFillClrLst>
+    <dgm:txEffectClrLst/>
+  </dgm:styleLbl>
+  <dgm:styleLbl name="parChTrans1D2">
+    <dgm:fillClrLst meth="repeat">
+      <a:schemeClr val="accent2">
+        <a:tint val="90000"/>
+      </a:schemeClr>
+    </dgm:fillClrLst>
+    <dgm:linClrLst meth="repeat">
+      <a:schemeClr val="accent3"/>
+    </dgm:linClrLst>
+    <dgm:effectClrLst/>
+    <dgm:txLinClrLst/>
+    <dgm:txFillClrLst meth="repeat">
+      <a:schemeClr val="tx1"/>
+    </dgm:txFillClrLst>
+    <dgm:txEffectClrLst/>
+  </dgm:styleLbl>
+  <dgm:styleLbl name="parChTrans1D3">
+    <dgm:fillClrLst meth="repeat">
+      <a:schemeClr val="accent2">
+        <a:tint val="70000"/>
+      </a:schemeClr>
+    </dgm:fillClrLst>
+    <dgm:linClrLst meth="repeat">
+      <a:schemeClr val="accent4"/>
+    </dgm:linClrLst>
+    <dgm:effectClrLst/>
+    <dgm:txLinClrLst/>
+    <dgm:txFillClrLst meth="repeat">
+      <a:schemeClr val="tx1"/>
+    </dgm:txFillClrLst>
+    <dgm:txEffectClrLst/>
+  </dgm:styleLbl>
+  <dgm:styleLbl name="parChTrans1D4">
+    <dgm:fillClrLst meth="repeat">
+      <a:schemeClr val="accent2">
+        <a:tint val="50000"/>
+      </a:schemeClr>
+    </dgm:fillClrLst>
+    <dgm:linClrLst meth="repeat">
+      <a:schemeClr val="accent5"/>
+    </dgm:linClrLst>
+    <dgm:effectClrLst/>
+    <dgm:txLinClrLst/>
+    <dgm:txFillClrLst meth="repeat">
+      <a:schemeClr val="tx1"/>
+    </dgm:txFillClrLst>
+    <dgm:txEffectClrLst/>
+  </dgm:styleLbl>
+  <dgm:styleLbl name="fgAcc1">
+    <dgm:fillClrLst meth="repeat">
+      <a:schemeClr val="lt1">
+        <a:alpha val="90000"/>
+      </a:schemeClr>
+    </dgm:fillClrLst>
+    <dgm:linClrLst>
+      <a:schemeClr val="accent2"/>
+      <a:schemeClr val="accent3"/>
+    </dgm:linClrLst>
+    <dgm:effectClrLst/>
+    <dgm:txLinClrLst/>
+    <dgm:txFillClrLst meth="repeat">
+      <a:schemeClr val="dk1"/>
+    </dgm:txFillClrLst>
+    <dgm:txEffectClrLst/>
+  </dgm:styleLbl>
+  <dgm:styleLbl name="conFgAcc1">
+    <dgm:fillClrLst meth="repeat">
+      <a:schemeClr val="lt1">
+        <a:alpha val="90000"/>
+      </a:schemeClr>
+    </dgm:fillClrLst>
+    <dgm:linClrLst>
+      <a:schemeClr val="accent2"/>
+      <a:schemeClr val="accent3"/>
+    </dgm:linClrLst>
+    <dgm:effectClrLst/>
+    <dgm:txLinClrLst/>
+    <dgm:txFillClrLst meth="repeat">
+      <a:schemeClr val="dk1"/>
+    </dgm:txFillClrLst>
+    <dgm:txEffectClrLst/>
+  </dgm:styleLbl>
+  <dgm:styleLbl name="alignAcc1">
+    <dgm:fillClrLst meth="repeat">
+      <a:schemeClr val="lt1">
+        <a:alpha val="90000"/>
+      </a:schemeClr>
+    </dgm:fillClrLst>
+    <dgm:linClrLst>
+      <a:schemeClr val="accent2"/>
+      <a:schemeClr val="accent3"/>
+    </dgm:linClrLst>
+    <dgm:effectClrLst/>
+    <dgm:txLinClrLst/>
+    <dgm:txFillClrLst meth="repeat">
+      <a:schemeClr val="dk1"/>
+    </dgm:txFillClrLst>
+    <dgm:txEffectClrLst/>
+  </dgm:styleLbl>
+  <dgm:styleLbl name="trAlignAcc1">
+    <dgm:fillClrLst meth="repeat">
+      <a:schemeClr val="lt1">
+        <a:alpha val="40000"/>
+      </a:schemeClr>
+    </dgm:fillClrLst>
+    <dgm:linClrLst meth="repeat">
+      <a:schemeClr val="accent2"/>
+    </dgm:linClrLst>
+    <dgm:effectClrLst/>
+    <dgm:txLinClrLst/>
+    <dgm:txFillClrLst meth="repeat">
+      <a:schemeClr val="dk1"/>
+    </dgm:txFillClrLst>
+    <dgm:txEffectClrLst/>
+  </dgm:styleLbl>
+  <dgm:styleLbl name="bgAcc1">
+    <dgm:fillClrLst meth="repeat">
+      <a:schemeClr val="lt1">
+        <a:alpha val="90000"/>
+      </a:schemeClr>
+    </dgm:fillClrLst>
+    <dgm:linClrLst>
+      <a:schemeClr val="accent2"/>
+      <a:schemeClr val="accent3"/>
+    </dgm:linClrLst>
+    <dgm:effectClrLst/>
+    <dgm:txLinClrLst/>
+    <dgm:txFillClrLst meth="repeat">
+      <a:schemeClr val="dk1"/>
+    </dgm:txFillClrLst>
+    <dgm:txEffectClrLst/>
+  </dgm:styleLbl>
+  <dgm:styleLbl name="solidFgAcc1">
+    <dgm:fillClrLst meth="repeat">
+      <a:schemeClr val="lt1"/>
+    </dgm:fillClrLst>
+    <dgm:linClrLst>
+      <a:schemeClr val="accent2"/>
+      <a:schemeClr val="accent3"/>
+    </dgm:linClrLst>
+    <dgm:effectClrLst/>
+    <dgm:txLinClrLst/>
+    <dgm:txFillClrLst meth="repeat">
+      <a:schemeClr val="dk1"/>
+    </dgm:txFillClrLst>
+    <dgm:txEffectClrLst/>
+  </dgm:styleLbl>
+  <dgm:styleLbl name="solidAlignAcc1">
+    <dgm:fillClrLst meth="repeat">
+      <a:schemeClr val="lt1"/>
+    </dgm:fillClrLst>
+    <dgm:linClrLst>
+      <a:schemeClr val="accent2"/>
+      <a:schemeClr val="accent3"/>
+    </dgm:linClrLst>
+    <dgm:effectClrLst/>
+    <dgm:txLinClrLst/>
+    <dgm:txFillClrLst meth="repeat">
+      <a:schemeClr val="dk1"/>
+    </dgm:txFillClrLst>
+    <dgm:txEffectClrLst/>
+  </dgm:styleLbl>
+  <dgm:styleLbl name="solidBgAcc1">
+    <dgm:fillClrLst meth="repeat">
+      <a:schemeClr val="lt1"/>
+    </dgm:fillClrLst>
+    <dgm:linClrLst>
+      <a:schemeClr val="accent2"/>
+      <a:schemeClr val="accent3"/>
+    </dgm:linClrLst>
+    <dgm:effectClrLst/>
+    <dgm:txLinClrLst/>
+    <dgm:txFillClrLst meth="repeat">
+      <a:schemeClr val="dk1"/>
+    </dgm:txFillClrLst>
+    <dgm:txEffectClrLst/>
+  </dgm:styleLbl>
+  <dgm:styleLbl name="fgAccFollowNode1">
+    <dgm:fillClrLst>
+      <a:schemeClr val="accent2">
+        <a:tint val="40000"/>
+        <a:alpha val="90000"/>
+      </a:schemeClr>
+      <a:schemeClr val="accent3">
+        <a:tint val="40000"/>
+        <a:alpha val="90000"/>
+      </a:schemeClr>
+    </dgm:fillClrLst>
+    <dgm:linClrLst>
+      <a:schemeClr val="accent2">
+        <a:tint val="40000"/>
+        <a:alpha val="90000"/>
+      </a:schemeClr>
+      <a:schemeClr val="accent3">
+        <a:tint val="40000"/>
+        <a:alpha val="90000"/>
+      </a:schemeClr>
+    </dgm:linClrLst>
+    <dgm:effectClrLst/>
+    <dgm:txLinClrLst/>
+    <dgm:txFillClrLst meth="repeat">
+      <a:schemeClr val="dk1"/>
+    </dgm:txFillClrLst>
+    <dgm:txEffectClrLst/>
+  </dgm:styleLbl>
+  <dgm:styleLbl name="alignAccFollowNode1">
+    <dgm:fillClrLst>
+      <a:schemeClr val="accent2">
+        <a:tint val="40000"/>
+        <a:alpha val="90000"/>
+      </a:schemeClr>
+      <a:schemeClr val="accent3">
+        <a:tint val="40000"/>
+        <a:alpha val="90000"/>
+      </a:schemeClr>
+    </dgm:fillClrLst>
+    <dgm:linClrLst>
+      <a:schemeClr val="accent2">
+        <a:tint val="40000"/>
+        <a:alpha val="90000"/>
+      </a:schemeClr>
+      <a:schemeClr val="accent3">
+        <a:tint val="40000"/>
+        <a:alpha val="90000"/>
+      </a:schemeClr>
+    </dgm:linClrLst>
+    <dgm:effectClrLst/>
+    <dgm:txLinClrLst/>
+    <dgm:txFillClrLst meth="repeat">
+      <a:schemeClr val="dk1"/>
+    </dgm:txFillClrLst>
+    <dgm:txEffectClrLst/>
+  </dgm:styleLbl>
+  <dgm:styleLbl name="bgAccFollowNode1">
+    <dgm:fillClrLst>
+      <a:schemeClr val="accent2">
+        <a:tint val="40000"/>
+        <a:alpha val="90000"/>
+      </a:schemeClr>
+      <a:schemeClr val="accent3">
+        <a:tint val="40000"/>
+        <a:alpha val="90000"/>
+      </a:schemeClr>
+    </dgm:fillClrLst>
+    <dgm:linClrLst>
+      <a:schemeClr val="accent2">
+        <a:tint val="40000"/>
+        <a:alpha val="90000"/>
+      </a:schemeClr>
+      <a:schemeClr val="accent3">
+        <a:tint val="40000"/>
+        <a:alpha val="90000"/>
+      </a:schemeClr>
+    </dgm:linClrLst>
+    <dgm:effectClrLst/>
+    <dgm:txLinClrLst/>
+    <dgm:txFillClrLst meth="repeat">
+      <a:schemeClr val="dk1"/>
+    </dgm:txFillClrLst>
+    <dgm:txEffectClrLst/>
+  </dgm:styleLbl>
+  <dgm:styleLbl name="fgAcc0">
+    <dgm:fillClrLst meth="repeat">
+      <a:schemeClr val="lt1">
+        <a:alpha val="90000"/>
+      </a:schemeClr>
+    </dgm:fillClrLst>
+    <dgm:linClrLst>
+      <a:schemeClr val="accent1"/>
+    </dgm:linClrLst>
+    <dgm:effectClrLst/>
+    <dgm:txLinClrLst/>
+    <dgm:txFillClrLst meth="repeat">
+      <a:schemeClr val="dk1"/>
+    </dgm:txFillClrLst>
+    <dgm:txEffectClrLst/>
+  </dgm:styleLbl>
+  <dgm:styleLbl name="fgAcc2">
+    <dgm:fillClrLst meth="repeat">
+      <a:schemeClr val="lt1">
+        <a:alpha val="90000"/>
+      </a:schemeClr>
+    </dgm:fillClrLst>
+    <dgm:linClrLst>
+      <a:schemeClr val="accent3"/>
+    </dgm:linClrLst>
+    <dgm:effectClrLst/>
+    <dgm:txLinClrLst/>
+    <dgm:txFillClrLst meth="repeat">
+      <a:schemeClr val="dk1"/>
+    </dgm:txFillClrLst>
+    <dgm:txEffectClrLst/>
+  </dgm:styleLbl>
+  <dgm:styleLbl name="fgAcc3">
+    <dgm:fillClrLst meth="repeat">
+      <a:schemeClr val="lt1">
+        <a:alpha val="90000"/>
+      </a:schemeClr>
+    </dgm:fillClrLst>
+    <dgm:linClrLst>
+      <a:schemeClr val="accent4"/>
+    </dgm:linClrLst>
+    <dgm:effectClrLst/>
+    <dgm:txLinClrLst/>
+    <dgm:txFillClrLst meth="repeat">
+      <a:schemeClr val="dk1"/>
+    </dgm:txFillClrLst>
+    <dgm:txEffectClrLst/>
+  </dgm:styleLbl>
+  <dgm:styleLbl name="fgAcc4">
+    <dgm:fillClrLst meth="repeat">
+      <a:schemeClr val="lt1">
+        <a:alpha val="90000"/>
+      </a:schemeClr>
+    </dgm:fillClrLst>
+    <dgm:linClrLst>
+      <a:schemeClr val="accent5"/>
+    </dgm:linClrLst>
+    <dgm:effectClrLst/>
+    <dgm:txLinClrLst/>
+    <dgm:txFillClrLst meth="repeat">
+      <a:schemeClr val="dk1"/>
+    </dgm:txFillClrLst>
+    <dgm:txEffectClrLst/>
+  </dgm:styleLbl>
+  <dgm:styleLbl name="bgShp">
+    <dgm:fillClrLst meth="repeat">
+      <a:schemeClr val="accent2">
+        <a:tint val="40000"/>
+      </a:schemeClr>
+    </dgm:fillClrLst>
+    <dgm:linClrLst meth="repeat">
+      <a:schemeClr val="dk1"/>
+    </dgm:linClrLst>
+    <dgm:effectClrLst/>
+    <dgm:txLinClrLst/>
+    <dgm:txFillClrLst meth="repeat">
+      <a:schemeClr val="dk1"/>
+    </dgm:txFillClrLst>
+    <dgm:txEffectClrLst/>
+  </dgm:styleLbl>
+  <dgm:styleLbl name="dkBgShp">
+    <dgm:fillClrLst meth="repeat">
+      <a:schemeClr val="accent2">
+        <a:shade val="90000"/>
+      </a:schemeClr>
+    </dgm:fillClrLst>
+    <dgm:linClrLst meth="repeat">
+      <a:schemeClr val="dk1"/>
+    </dgm:linClrLst>
+    <dgm:effectClrLst/>
+    <dgm:txLinClrLst/>
+    <dgm:txFillClrLst meth="repeat">
+      <a:schemeClr val="lt1"/>
+    </dgm:txFillClrLst>
+    <dgm:txEffectClrLst/>
+  </dgm:styleLbl>
+  <dgm:styleLbl name="trBgShp">
+    <dgm:fillClrLst meth="repeat">
+      <a:schemeClr val="accent2">
+        <a:tint val="50000"/>
+        <a:alpha val="40000"/>
+      </a:schemeClr>
+    </dgm:fillClrLst>
+    <dgm:linClrLst meth="repeat">
+      <a:schemeClr val="accent2"/>
+    </dgm:linClrLst>
+    <dgm:effectClrLst/>
+    <dgm:txLinClrLst/>
+    <dgm:txFillClrLst meth="repeat">
+      <a:schemeClr val="lt1"/>
+    </dgm:txFillClrLst>
+    <dgm:txEffectClrLst/>
+  </dgm:styleLbl>
+  <dgm:styleLbl name="fgShp">
+    <dgm:fillClrLst meth="repeat">
+      <a:schemeClr val="accent2">
+        <a:tint val="40000"/>
+      </a:schemeClr>
+    </dgm:fillClrLst>
+    <dgm:linClrLst meth="repeat">
+      <a:schemeClr val="lt1"/>
+    </dgm:linClrLst>
+    <dgm:effectClrLst/>
+    <dgm:txLinClrLst/>
+    <dgm:txFillClrLst meth="repeat">
+      <a:schemeClr val="dk1"/>
+    </dgm:txFillClrLst>
+    <dgm:txEffectClrLst/>
+  </dgm:styleLbl>
+  <dgm:styleLbl name="revTx">
+    <dgm:fillClrLst meth="repeat">
+      <a:schemeClr val="lt1">
+        <a:alpha val="0"/>
+      </a:schemeClr>
+    </dgm:fillClrLst>
+    <dgm:linClrLst meth="repeat">
+      <a:schemeClr val="dk1">
+        <a:alpha val="0"/>
+      </a:schemeClr>
+    </dgm:linClrLst>
+    <dgm:effectClrLst/>
+    <dgm:txLinClrLst/>
+    <dgm:txFillClrLst meth="repeat">
+      <a:schemeClr val="tx1"/>
+    </dgm:txFillClrLst>
+    <dgm:txEffectClrLst/>
+  </dgm:styleLbl>
+</dgm:colorsDef>
+</file>
+
+<file path=ppt/diagrams/colors2.xml><?xml version="1.0" encoding="utf-8"?>
+<dgm:colorsDef xmlns:dgm="http://schemas.openxmlformats.org/drawingml/2006/diagram" xmlns:a="http://schemas.openxmlformats.org/drawingml/2006/main" uniqueId="urn:microsoft.com/office/officeart/2005/8/colors/colorful2">
+  <dgm:title val=""/>
+  <dgm:desc val=""/>
+  <dgm:catLst>
+    <dgm:cat type="colorful" pri="10200"/>
+  </dgm:catLst>
+  <dgm:styleLbl name="node0">
+    <dgm:fillClrLst meth="repeat">
+      <a:schemeClr val="accent1"/>
+    </dgm:fillClrLst>
+    <dgm:linClrLst meth="repeat">
+      <a:schemeClr val="lt1"/>
+    </dgm:linClrLst>
+    <dgm:effectClrLst/>
+    <dgm:txLinClrLst/>
+    <dgm:txFillClrLst/>
+    <dgm:txEffectClrLst/>
+  </dgm:styleLbl>
+  <dgm:styleLbl name="node1">
+    <dgm:fillClrLst>
+      <a:schemeClr val="accent2"/>
+      <a:schemeClr val="accent3"/>
+    </dgm:fillClrLst>
+    <dgm:linClrLst meth="repeat">
+      <a:schemeClr val="lt1"/>
+    </dgm:linClrLst>
+    <dgm:effectClrLst/>
+    <dgm:txLinClrLst/>
+    <dgm:txFillClrLst/>
+    <dgm:txEffectClrLst/>
+  </dgm:styleLbl>
+  <dgm:styleLbl name="alignNode1">
+    <dgm:fillClrLst>
+      <a:schemeClr val="accent2"/>
+      <a:schemeClr val="accent3"/>
+    </dgm:fillClrLst>
+    <dgm:linClrLst>
+      <a:schemeClr val="accent2"/>
+      <a:schemeClr val="accent3"/>
+    </dgm:linClrLst>
+    <dgm:effectClrLst/>
+    <dgm:txLinClrLst/>
+    <dgm:txFillClrLst/>
+    <dgm:txEffectClrLst/>
+  </dgm:styleLbl>
+  <dgm:styleLbl name="lnNode1">
+    <dgm:fillClrLst>
+      <a:schemeClr val="accent2"/>
+      <a:schemeClr val="accent3"/>
+    </dgm:fillClrLst>
+    <dgm:linClrLst meth="repeat">
+      <a:schemeClr val="lt1"/>
+    </dgm:linClrLst>
+    <dgm:effectClrLst/>
+    <dgm:txLinClrLst/>
+    <dgm:txFillClrLst/>
+    <dgm:txEffectClrLst/>
+  </dgm:styleLbl>
+  <dgm:styleLbl name="vennNode1">
+    <dgm:fillClrLst>
+      <a:schemeClr val="accent2">
+        <a:alpha val="50000"/>
+      </a:schemeClr>
+      <a:schemeClr val="accent3">
+        <a:alpha val="50000"/>
+      </a:schemeClr>
+    </dgm:fillClrLst>
+    <dgm:linClrLst meth="repeat">
+      <a:schemeClr val="lt1"/>
+    </dgm:linClrLst>
+    <dgm:effectClrLst/>
+    <dgm:txLinClrLst/>
+    <dgm:txFillClrLst/>
+    <dgm:txEffectClrLst/>
+  </dgm:styleLbl>
+  <dgm:styleLbl name="node2">
+    <dgm:fillClrLst>
+      <a:schemeClr val="accent3"/>
+    </dgm:fillClrLst>
+    <dgm:linClrLst meth="repeat">
+      <a:schemeClr val="lt1"/>
+    </dgm:linClrLst>
+    <dgm:effectClrLst/>
+    <dgm:txLinClrLst/>
+    <dgm:txFillClrLst/>
+    <dgm:txEffectClrLst/>
+  </dgm:styleLbl>
+  <dgm:styleLbl name="node3">
+    <dgm:fillClrLst>
+      <a:schemeClr val="accent4"/>
+    </dgm:fillClrLst>
+    <dgm:linClrLst meth="repeat">
+      <a:schemeClr val="lt1"/>
+    </dgm:linClrLst>
+    <dgm:effectClrLst/>
+    <dgm:txLinClrLst/>
+    <dgm:txFillClrLst/>
+    <dgm:txEffectClrLst/>
+  </dgm:styleLbl>
+  <dgm:styleLbl name="node4">
+    <dgm:fillClrLst>
+      <a:schemeClr val="accent5"/>
+    </dgm:fillClrLst>
+    <dgm:linClrLst meth="repeat">
+      <a:schemeClr val="lt1"/>
+    </dgm:linClrLst>
+    <dgm:effectClrLst/>
+    <dgm:txLinClrLst/>
+    <dgm:txFillClrLst/>
+    <dgm:txEffectClrLst/>
+  </dgm:styleLbl>
+  <dgm:styleLbl name="fgImgPlace1">
+    <dgm:fillClrLst>
+      <a:schemeClr val="accent2">
+        <a:tint val="50000"/>
+      </a:schemeClr>
+      <a:schemeClr val="accent3">
+        <a:tint val="50000"/>
+      </a:schemeClr>
+    </dgm:fillClrLst>
+    <dgm:linClrLst meth="repeat">
+      <a:schemeClr val="lt1"/>
+    </dgm:linClrLst>
+    <dgm:effectClrLst/>
+    <dgm:txLinClrLst/>
+    <dgm:txFillClrLst meth="repeat">
+      <a:schemeClr val="lt1"/>
+    </dgm:txFillClrLst>
+    <dgm:txEffectClrLst/>
+  </dgm:styleLbl>
+  <dgm:styleLbl name="alignImgPlace1">
+    <dgm:fillClrLst>
+      <a:schemeClr val="accent2">
+        <a:tint val="50000"/>
+      </a:schemeClr>
+      <a:schemeClr val="accent3">
+        <a:tint val="20000"/>
+      </a:schemeClr>
+    </dgm:fillClrLst>
+    <dgm:linClrLst meth="repeat">
+      <a:schemeClr val="lt1"/>
+    </dgm:linClrLst>
+    <dgm:effectClrLst/>
+    <dgm:txLinClrLst/>
+    <dgm:txFillClrLst meth="repeat">
+      <a:schemeClr val="lt1"/>
+    </dgm:txFillClrLst>
+    <dgm:txEffectClrLst/>
+  </dgm:styleLbl>
+  <dgm:styleLbl name="bgImgPlace1">
+    <dgm:fillClrLst>
+      <a:schemeClr val="accent2">
+        <a:tint val="50000"/>
+      </a:schemeClr>
+      <a:schemeClr val="accent3">
+        <a:tint val="20000"/>
+      </a:schemeClr>
+    </dgm:fillClrLst>
+    <dgm:linClrLst meth="repeat">
+      <a:schemeClr val="lt1"/>
+    </dgm:linClrLst>
+    <dgm:effectClrLst/>
+    <dgm:txLinClrLst/>
+    <dgm:txFillClrLst meth="repeat">
+      <a:schemeClr val="lt1"/>
+    </dgm:txFillClrLst>
+    <dgm:txEffectClrLst/>
+  </dgm:styleLbl>
+  <dgm:styleLbl name="sibTrans2D1">
+    <dgm:fillClrLst>
+      <a:schemeClr val="accent2"/>
+      <a:schemeClr val="accent3"/>
+    </dgm:fillClrLst>
+    <dgm:linClrLst meth="repeat">
+      <a:schemeClr val="lt1"/>
+    </dgm:linClrLst>
+    <dgm:effectClrLst/>
+    <dgm:txLinClrLst/>
+    <dgm:txFillClrLst/>
+    <dgm:txEffectClrLst/>
+  </dgm:styleLbl>
+  <dgm:styleLbl name="fgSibTrans2D1">
+    <dgm:fillClrLst>
+      <a:schemeClr val="accent2"/>
+      <a:schemeClr val="accent3"/>
+    </dgm:fillClrLst>
+    <dgm:linClrLst meth="repeat">
+      <a:schemeClr val="lt1"/>
+    </dgm:linClrLst>
+    <dgm:effectClrLst/>
+    <dgm:txLinClrLst/>
+    <dgm:txFillClrLst meth="repeat">
+      <a:schemeClr val="lt1"/>
+    </dgm:txFillClrLst>
+    <dgm:txEffectClrLst/>
+  </dgm:styleLbl>
+  <dgm:styleLbl name="bgSibTrans2D1">
+    <dgm:fillClrLst>
+      <a:schemeClr val="accent2"/>
+      <a:schemeClr val="accent3"/>
+    </dgm:fillClrLst>
+    <dgm:linClrLst meth="repeat">
+      <a:schemeClr val="lt1"/>
+    </dgm:linClrLst>
+    <dgm:effectClrLst/>
+    <dgm:txLinClrLst/>
+    <dgm:txFillClrLst meth="repeat">
+      <a:schemeClr val="lt1"/>
+    </dgm:txFillClrLst>
+    <dgm:txEffectClrLst/>
+  </dgm:styleLbl>
+  <dgm:styleLbl name="sibTrans1D1">
+    <dgm:fillClrLst/>
+    <dgm:linClrLst>
+      <a:schemeClr val="accent2"/>
+      <a:schemeClr val="accent3"/>
+    </dgm:linClrLst>
+    <dgm:effectClrLst/>
+    <dgm:txLinClrLst/>
+    <dgm:txFillClrLst meth="repeat">
+      <a:schemeClr val="tx1"/>
+    </dgm:txFillClrLst>
+    <dgm:txEffectClrLst/>
+  </dgm:styleLbl>
+  <dgm:styleLbl name="callout">
+    <dgm:fillClrLst meth="repeat">
+      <a:schemeClr val="accent2"/>
+    </dgm:fillClrLst>
+    <dgm:linClrLst meth="repeat">
+      <a:schemeClr val="accent2">
+        <a:tint val="50000"/>
+      </a:schemeClr>
+    </dgm:linClrLst>
+    <dgm:effectClrLst/>
+    <dgm:txLinClrLst/>
+    <dgm:txFillClrLst meth="repeat">
+      <a:schemeClr val="tx1"/>
+    </dgm:txFillClrLst>
+    <dgm:txEffectClrLst/>
+  </dgm:styleLbl>
+  <dgm:styleLbl name="asst0">
+    <dgm:fillClrLst meth="repeat">
+      <a:schemeClr val="accent2"/>
+    </dgm:fillClrLst>
+    <dgm:linClrLst meth="repeat">
+      <a:schemeClr val="lt1">
+        <a:shade val="80000"/>
+      </a:schemeClr>
+    </dgm:linClrLst>
+    <dgm:effectClrLst/>
+    <dgm:txLinClrLst/>
+    <dgm:txFillClrLst/>
+    <dgm:txEffectClrLst/>
+  </dgm:styleLbl>
+  <dgm:styleLbl name="asst1">
+    <dgm:fillClrLst meth="repeat">
+      <a:schemeClr val="accent3"/>
+    </dgm:fillClrLst>
+    <dgm:linClrLst meth="repeat">
+      <a:schemeClr val="lt1">
+        <a:shade val="80000"/>
+      </a:schemeClr>
+    </dgm:linClrLst>
+    <dgm:effectClrLst/>
+    <dgm:txLinClrLst/>
+    <dgm:txFillClrLst/>
+    <dgm:txEffectClrLst/>
+  </dgm:styleLbl>
+  <dgm:styleLbl name="asst2">
+    <dgm:fillClrLst>
+      <a:schemeClr val="accent4"/>
+    </dgm:fillClrLst>
+    <dgm:linClrLst meth="repeat">
+      <a:schemeClr val="lt1"/>
+    </dgm:linClrLst>
+    <dgm:effectClrLst/>
+    <dgm:txLinClrLst/>
+    <dgm:txFillClrLst/>
+    <dgm:txEffectClrLst/>
+  </dgm:styleLbl>
+  <dgm:styleLbl name="asst3">
+    <dgm:fillClrLst>
+      <a:schemeClr val="accent5"/>
+    </dgm:fillClrLst>
+    <dgm:linClrLst meth="repeat">
+      <a:schemeClr val="lt1"/>
+    </dgm:linClrLst>
+    <dgm:effectClrLst/>
+    <dgm:txLinClrLst/>
+    <dgm:txFillClrLst/>
+    <dgm:txEffectClrLst/>
+  </dgm:styleLbl>
+  <dgm:styleLbl name="asst4">
+    <dgm:fillClrLst>
+      <a:schemeClr val="accent6"/>
+    </dgm:fillClrLst>
+    <dgm:linClrLst meth="repeat">
+      <a:schemeClr val="lt1"/>
+    </dgm:linClrLst>
+    <dgm:effectClrLst/>
+    <dgm:txLinClrLst/>
+    <dgm:txFillClrLst/>
+    <dgm:txEffectClrLst/>
+  </dgm:styleLbl>
+  <dgm:styleLbl name="parChTrans2D1">
+    <dgm:fillClrLst meth="repeat">
+      <a:schemeClr val="accent2"/>
+    </dgm:fillClrLst>
+    <dgm:linClrLst meth="repeat">
+      <a:schemeClr val="lt1"/>
+    </dgm:linClrLst>
+    <dgm:effectClrLst/>
+    <dgm:txLinClrLst/>
+    <dgm:txFillClrLst meth="repeat">
+      <a:schemeClr val="lt1"/>
+    </dgm:txFillClrLst>
+    <dgm:txEffectClrLst/>
+  </dgm:styleLbl>
+  <dgm:styleLbl name="parChTrans2D2">
+    <dgm:fillClrLst meth="repeat">
+      <a:schemeClr val="accent3"/>
+    </dgm:fillClrLst>
+    <dgm:linClrLst meth="repeat">
+      <a:schemeClr val="lt1"/>
+    </dgm:linClrLst>
+    <dgm:effectClrLst/>
+    <dgm:txLinClrLst/>
+    <dgm:txFillClrLst/>
+    <dgm:txEffectClrLst/>
+  </dgm:styleLbl>
+  <dgm:styleLbl name="parChTrans2D3">
+    <dgm:fillClrLst meth="repeat">
+      <a:schemeClr val="accent4"/>
+    </dgm:fillClrLst>
+    <dgm:linClrLst meth="repeat">
+      <a:schemeClr val="lt1"/>
+    </dgm:linClrLst>
+    <dgm:effectClrLst/>
+    <dgm:txLinClrLst/>
+    <dgm:txFillClrLst/>
+    <dgm:txEffectClrLst/>
+  </dgm:styleLbl>
+  <dgm:styleLbl name="parChTrans2D4">
+    <dgm:fillClrLst meth="repeat">
+      <a:schemeClr val="accent5"/>
+    </dgm:fillClrLst>
+    <dgm:linClrLst meth="repeat">
+      <a:schemeClr val="lt1"/>
+    </dgm:linClrLst>
+    <dgm:effectClrLst/>
+    <dgm:txLinClrLst/>
+    <dgm:txFillClrLst meth="repeat">
+      <a:schemeClr val="lt1"/>
+    </dgm:txFillClrLst>
+    <dgm:txEffectClrLst/>
+  </dgm:styleLbl>
+  <dgm:styleLbl name="parChTrans1D1">
+    <dgm:fillClrLst meth="repeat">
+      <a:schemeClr val="accent2"/>
+    </dgm:fillClrLst>
+    <dgm:linClrLst meth="repeat">
+      <a:schemeClr val="accent2"/>
+    </dgm:linClrLst>
+    <dgm:effectClrLst/>
+    <dgm:txLinClrLst/>
+    <dgm:txFillClrLst meth="repeat">
+      <a:schemeClr val="tx1"/>
+    </dgm:txFillClrLst>
+    <dgm:txEffectClrLst/>
+  </dgm:styleLbl>
+  <dgm:styleLbl name="parChTrans1D2">
+    <dgm:fillClrLst meth="repeat">
+      <a:schemeClr val="accent2">
+        <a:tint val="90000"/>
+      </a:schemeClr>
+    </dgm:fillClrLst>
+    <dgm:linClrLst meth="repeat">
+      <a:schemeClr val="accent3"/>
+    </dgm:linClrLst>
+    <dgm:effectClrLst/>
+    <dgm:txLinClrLst/>
+    <dgm:txFillClrLst meth="repeat">
+      <a:schemeClr val="tx1"/>
+    </dgm:txFillClrLst>
+    <dgm:txEffectClrLst/>
+  </dgm:styleLbl>
+  <dgm:styleLbl name="parChTrans1D3">
+    <dgm:fillClrLst meth="repeat">
+      <a:schemeClr val="accent2">
+        <a:tint val="70000"/>
+      </a:schemeClr>
+    </dgm:fillClrLst>
+    <dgm:linClrLst meth="repeat">
+      <a:schemeClr val="accent4"/>
+    </dgm:linClrLst>
+    <dgm:effectClrLst/>
+    <dgm:txLinClrLst/>
+    <dgm:txFillClrLst meth="repeat">
+      <a:schemeClr val="tx1"/>
+    </dgm:txFillClrLst>
+    <dgm:txEffectClrLst/>
+  </dgm:styleLbl>
+  <dgm:styleLbl name="parChTrans1D4">
+    <dgm:fillClrLst meth="repeat">
+      <a:schemeClr val="accent2">
+        <a:tint val="50000"/>
+      </a:schemeClr>
+    </dgm:fillClrLst>
+    <dgm:linClrLst meth="repeat">
+      <a:schemeClr val="accent5"/>
+    </dgm:linClrLst>
+    <dgm:effectClrLst/>
+    <dgm:txLinClrLst/>
+    <dgm:txFillClrLst meth="repeat">
+      <a:schemeClr val="tx1"/>
+    </dgm:txFillClrLst>
+    <dgm:txEffectClrLst/>
+  </dgm:styleLbl>
+  <dgm:styleLbl name="fgAcc1">
+    <dgm:fillClrLst meth="repeat">
+      <a:schemeClr val="lt1">
+        <a:alpha val="90000"/>
+      </a:schemeClr>
+    </dgm:fillClrLst>
+    <dgm:linClrLst>
+      <a:schemeClr val="accent2"/>
+      <a:schemeClr val="accent3"/>
+    </dgm:linClrLst>
+    <dgm:effectClrLst/>
+    <dgm:txLinClrLst/>
+    <dgm:txFillClrLst meth="repeat">
+      <a:schemeClr val="dk1"/>
+    </dgm:txFillClrLst>
+    <dgm:txEffectClrLst/>
+  </dgm:styleLbl>
+  <dgm:styleLbl name="conFgAcc1">
+    <dgm:fillClrLst meth="repeat">
+      <a:schemeClr val="lt1">
+        <a:alpha val="90000"/>
+      </a:schemeClr>
+    </dgm:fillClrLst>
+    <dgm:linClrLst>
+      <a:schemeClr val="accent2"/>
+      <a:schemeClr val="accent3"/>
+    </dgm:linClrLst>
+    <dgm:effectClrLst/>
+    <dgm:txLinClrLst/>
+    <dgm:txFillClrLst meth="repeat">
+      <a:schemeClr val="dk1"/>
+    </dgm:txFillClrLst>
+    <dgm:txEffectClrLst/>
+  </dgm:styleLbl>
+  <dgm:styleLbl name="alignAcc1">
+    <dgm:fillClrLst meth="repeat">
+      <a:schemeClr val="lt1">
+        <a:alpha val="90000"/>
+      </a:schemeClr>
+    </dgm:fillClrLst>
+    <dgm:linClrLst>
+      <a:schemeClr val="accent2"/>
+      <a:schemeClr val="accent3"/>
+    </dgm:linClrLst>
+    <dgm:effectClrLst/>
+    <dgm:txLinClrLst/>
+    <dgm:txFillClrLst meth="repeat">
+      <a:schemeClr val="dk1"/>
+    </dgm:txFillClrLst>
+    <dgm:txEffectClrLst/>
+  </dgm:styleLbl>
+  <dgm:styleLbl name="trAlignAcc1">
+    <dgm:fillClrLst meth="repeat">
+      <a:schemeClr val="lt1">
+        <a:alpha val="40000"/>
+      </a:schemeClr>
+    </dgm:fillClrLst>
+    <dgm:linClrLst meth="repeat">
+      <a:schemeClr val="accent2"/>
+    </dgm:linClrLst>
+    <dgm:effectClrLst/>
+    <dgm:txLinClrLst/>
+    <dgm:txFillClrLst meth="repeat">
+      <a:schemeClr val="dk1"/>
+    </dgm:txFillClrLst>
+    <dgm:txEffectClrLst/>
+  </dgm:styleLbl>
+  <dgm:styleLbl name="bgAcc1">
+    <dgm:fillClrLst meth="repeat">
+      <a:schemeClr val="lt1">
+        <a:alpha val="90000"/>
+      </a:schemeClr>
+    </dgm:fillClrLst>
+    <dgm:linClrLst>
+      <a:schemeClr val="accent2"/>
+      <a:schemeClr val="accent3"/>
+    </dgm:linClrLst>
+    <dgm:effectClrLst/>
+    <dgm:txLinClrLst/>
+    <dgm:txFillClrLst meth="repeat">
+      <a:schemeClr val="dk1"/>
+    </dgm:txFillClrLst>
+    <dgm:txEffectClrLst/>
+  </dgm:styleLbl>
+  <dgm:styleLbl name="solidFgAcc1">
+    <dgm:fillClrLst meth="repeat">
+      <a:schemeClr val="lt1"/>
+    </dgm:fillClrLst>
+    <dgm:linClrLst>
+      <a:schemeClr val="accent2"/>
+      <a:schemeClr val="accent3"/>
+    </dgm:linClrLst>
+    <dgm:effectClrLst/>
+    <dgm:txLinClrLst/>
+    <dgm:txFillClrLst meth="repeat">
+      <a:schemeClr val="dk1"/>
+    </dgm:txFillClrLst>
+    <dgm:txEffectClrLst/>
+  </dgm:styleLbl>
+  <dgm:styleLbl name="solidAlignAcc1">
+    <dgm:fillClrLst meth="repeat">
+      <a:schemeClr val="lt1"/>
+    </dgm:fillClrLst>
+    <dgm:linClrLst>
+      <a:schemeClr val="accent2"/>
+      <a:schemeClr val="accent3"/>
+    </dgm:linClrLst>
+    <dgm:effectClrLst/>
+    <dgm:txLinClrLst/>
+    <dgm:txFillClrLst meth="repeat">
+      <a:schemeClr val="dk1"/>
+    </dgm:txFillClrLst>
+    <dgm:txEffectClrLst/>
+  </dgm:styleLbl>
+  <dgm:styleLbl name="solidBgAcc1">
+    <dgm:fillClrLst meth="repeat">
+      <a:schemeClr val="lt1"/>
+    </dgm:fillClrLst>
+    <dgm:linClrLst>
+      <a:schemeClr val="accent2"/>
+      <a:schemeClr val="accent3"/>
+    </dgm:linClrLst>
+    <dgm:effectClrLst/>
+    <dgm:txLinClrLst/>
+    <dgm:txFillClrLst meth="repeat">
+      <a:schemeClr val="dk1"/>
+    </dgm:txFillClrLst>
+    <dgm:txEffectClrLst/>
+  </dgm:styleLbl>
+  <dgm:styleLbl name="fgAccFollowNode1">
+    <dgm:fillClrLst>
+      <a:schemeClr val="accent2">
+        <a:tint val="40000"/>
+        <a:alpha val="90000"/>
+      </a:schemeClr>
+      <a:schemeClr val="accent3">
+        <a:tint val="40000"/>
+        <a:alpha val="90000"/>
+      </a:schemeClr>
+    </dgm:fillClrLst>
+    <dgm:linClrLst>
+      <a:schemeClr val="accent2">
+        <a:tint val="40000"/>
+        <a:alpha val="90000"/>
+      </a:schemeClr>
+      <a:schemeClr val="accent3">
+        <a:tint val="40000"/>
+        <a:alpha val="90000"/>
+      </a:schemeClr>
+    </dgm:linClrLst>
+    <dgm:effectClrLst/>
+    <dgm:txLinClrLst/>
+    <dgm:txFillClrLst meth="repeat">
+      <a:schemeClr val="dk1"/>
+    </dgm:txFillClrLst>
+    <dgm:txEffectClrLst/>
+  </dgm:styleLbl>
+  <dgm:styleLbl name="alignAccFollowNode1">
+    <dgm:fillClrLst>
+      <a:schemeClr val="accent2">
+        <a:tint val="40000"/>
+        <a:alpha val="90000"/>
+      </a:schemeClr>
+      <a:schemeClr val="accent3">
+        <a:tint val="40000"/>
+        <a:alpha val="90000"/>
+      </a:schemeClr>
+    </dgm:fillClrLst>
+    <dgm:linClrLst>
+      <a:schemeClr val="accent2">
+        <a:tint val="40000"/>
+        <a:alpha val="90000"/>
+      </a:schemeClr>
+      <a:schemeClr val="accent3">
+        <a:tint val="40000"/>
+        <a:alpha val="90000"/>
+      </a:schemeClr>
+    </dgm:linClrLst>
+    <dgm:effectClrLst/>
+    <dgm:txLinClrLst/>
+    <dgm:txFillClrLst meth="repeat">
+      <a:schemeClr val="dk1"/>
+    </dgm:txFillClrLst>
+    <dgm:txEffectClrLst/>
+  </dgm:styleLbl>
+  <dgm:styleLbl name="bgAccFollowNode1">
+    <dgm:fillClrLst>
+      <a:schemeClr val="accent2">
+        <a:tint val="40000"/>
+        <a:alpha val="90000"/>
+      </a:schemeClr>
+      <a:schemeClr val="accent3">
+        <a:tint val="40000"/>
+        <a:alpha val="90000"/>
+      </a:schemeClr>
+    </dgm:fillClrLst>
+    <dgm:linClrLst>
+      <a:schemeClr val="accent2">
+        <a:tint val="40000"/>
+        <a:alpha val="90000"/>
+      </a:schemeClr>
+      <a:schemeClr val="accent3">
+        <a:tint val="40000"/>
+        <a:alpha val="90000"/>
+      </a:schemeClr>
+    </dgm:linClrLst>
+    <dgm:effectClrLst/>
+    <dgm:txLinClrLst/>
+    <dgm:txFillClrLst meth="repeat">
+      <a:schemeClr val="dk1"/>
+    </dgm:txFillClrLst>
+    <dgm:txEffectClrLst/>
+  </dgm:styleLbl>
+  <dgm:styleLbl name="fgAcc0">
+    <dgm:fillClrLst meth="repeat">
+      <a:schemeClr val="lt1">
+        <a:alpha val="90000"/>
+      </a:schemeClr>
+    </dgm:fillClrLst>
+    <dgm:linClrLst>
+      <a:schemeClr val="accent1"/>
+    </dgm:linClrLst>
+    <dgm:effectClrLst/>
+    <dgm:txLinClrLst/>
+    <dgm:txFillClrLst meth="repeat">
+      <a:schemeClr val="dk1"/>
+    </dgm:txFillClrLst>
+    <dgm:txEffectClrLst/>
+  </dgm:styleLbl>
+  <dgm:styleLbl name="fgAcc2">
+    <dgm:fillClrLst meth="repeat">
+      <a:schemeClr val="lt1">
+        <a:alpha val="90000"/>
+      </a:schemeClr>
+    </dgm:fillClrLst>
+    <dgm:linClrLst>
+      <a:schemeClr val="accent3"/>
+    </dgm:linClrLst>
+    <dgm:effectClrLst/>
+    <dgm:txLinClrLst/>
+    <dgm:txFillClrLst meth="repeat">
+      <a:schemeClr val="dk1"/>
+    </dgm:txFillClrLst>
+    <dgm:txEffectClrLst/>
+  </dgm:styleLbl>
+  <dgm:styleLbl name="fgAcc3">
+    <dgm:fillClrLst meth="repeat">
+      <a:schemeClr val="lt1">
+        <a:alpha val="90000"/>
+      </a:schemeClr>
+    </dgm:fillClrLst>
+    <dgm:linClrLst>
+      <a:schemeClr val="accent4"/>
+    </dgm:linClrLst>
+    <dgm:effectClrLst/>
+    <dgm:txLinClrLst/>
+    <dgm:txFillClrLst meth="repeat">
+      <a:schemeClr val="dk1"/>
+    </dgm:txFillClrLst>
+    <dgm:txEffectClrLst/>
+  </dgm:styleLbl>
+  <dgm:styleLbl name="fgAcc4">
+    <dgm:fillClrLst meth="repeat">
+      <a:schemeClr val="lt1">
+        <a:alpha val="90000"/>
+      </a:schemeClr>
+    </dgm:fillClrLst>
+    <dgm:linClrLst>
+      <a:schemeClr val="accent5"/>
+    </dgm:linClrLst>
+    <dgm:effectClrLst/>
+    <dgm:txLinClrLst/>
+    <dgm:txFillClrLst meth="repeat">
+      <a:schemeClr val="dk1"/>
+    </dgm:txFillClrLst>
+    <dgm:txEffectClrLst/>
+  </dgm:styleLbl>
+  <dgm:styleLbl name="bgShp">
+    <dgm:fillClrLst meth="repeat">
+      <a:schemeClr val="accent2">
+        <a:tint val="40000"/>
+      </a:schemeClr>
+    </dgm:fillClrLst>
+    <dgm:linClrLst meth="repeat">
+      <a:schemeClr val="dk1"/>
+    </dgm:linClrLst>
+    <dgm:effectClrLst/>
+    <dgm:txLinClrLst/>
+    <dgm:txFillClrLst meth="repeat">
+      <a:schemeClr val="dk1"/>
+    </dgm:txFillClrLst>
+    <dgm:txEffectClrLst/>
+  </dgm:styleLbl>
+  <dgm:styleLbl name="dkBgShp">
+    <dgm:fillClrLst meth="repeat">
+      <a:schemeClr val="accent2">
+        <a:shade val="90000"/>
+      </a:schemeClr>
+    </dgm:fillClrLst>
+    <dgm:linClrLst meth="repeat">
+      <a:schemeClr val="dk1"/>
+    </dgm:linClrLst>
+    <dgm:effectClrLst/>
+    <dgm:txLinClrLst/>
+    <dgm:txFillClrLst meth="repeat">
+      <a:schemeClr val="lt1"/>
+    </dgm:txFillClrLst>
+    <dgm:txEffectClrLst/>
+  </dgm:styleLbl>
+  <dgm:styleLbl name="trBgShp">
+    <dgm:fillClrLst meth="repeat">
+      <a:schemeClr val="accent2">
+        <a:tint val="50000"/>
+        <a:alpha val="40000"/>
+      </a:schemeClr>
+    </dgm:fillClrLst>
+    <dgm:linClrLst meth="repeat">
+      <a:schemeClr val="accent2"/>
+    </dgm:linClrLst>
+    <dgm:effectClrLst/>
+    <dgm:txLinClrLst/>
+    <dgm:txFillClrLst meth="repeat">
+      <a:schemeClr val="lt1"/>
+    </dgm:txFillClrLst>
+    <dgm:txEffectClrLst/>
+  </dgm:styleLbl>
+  <dgm:styleLbl name="fgShp">
+    <dgm:fillClrLst meth="repeat">
+      <a:schemeClr val="accent2">
+        <a:tint val="40000"/>
+      </a:schemeClr>
+    </dgm:fillClrLst>
+    <dgm:linClrLst meth="repeat">
+      <a:schemeClr val="lt1"/>
+    </dgm:linClrLst>
+    <dgm:effectClrLst/>
+    <dgm:txLinClrLst/>
+    <dgm:txFillClrLst meth="repeat">
+      <a:schemeClr val="dk1"/>
+    </dgm:txFillClrLst>
+    <dgm:txEffectClrLst/>
+  </dgm:styleLbl>
+  <dgm:styleLbl name="revTx">
+    <dgm:fillClrLst meth="repeat">
+      <a:schemeClr val="lt1">
+        <a:alpha val="0"/>
+      </a:schemeClr>
+    </dgm:fillClrLst>
+    <dgm:linClrLst meth="repeat">
+      <a:schemeClr val="dk1">
+        <a:alpha val="0"/>
+      </a:schemeClr>
+    </dgm:linClrLst>
+    <dgm:effectClrLst/>
+    <dgm:txLinClrLst/>
+    <dgm:txFillClrLst meth="repeat">
+      <a:schemeClr val="tx1"/>
+    </dgm:txFillClrLst>
+    <dgm:txEffectClrLst/>
+  </dgm:styleLbl>
+</dgm:colorsDef>
+</file>
+
+<file path=ppt/diagrams/data1.xml><?xml version="1.0" encoding="utf-8"?>
+<dgm:dataModel xmlns:dgm="http://schemas.openxmlformats.org/drawingml/2006/diagram" xmlns:a="http://schemas.openxmlformats.org/drawingml/2006/main">
+  <dgm:ptLst>
+    <dgm:pt modelId="{A71AD2E4-66E2-4FB0-9E2C-84B0B05AB339}" type="doc">
+      <dgm:prSet loTypeId="urn:microsoft.com/office/officeart/2005/8/layout/vList2" loCatId="list" qsTypeId="urn:microsoft.com/office/officeart/2005/8/quickstyle/simple1" qsCatId="simple" csTypeId="urn:microsoft.com/office/officeart/2005/8/colors/colorful2" csCatId="colorful"/>
+      <dgm:spPr/>
+      <dgm:t>
+        <a:bodyPr/>
+        <a:lstStyle/>
+        <a:p>
+          <a:endParaRPr lang="en-US"/>
+        </a:p>
+      </dgm:t>
+    </dgm:pt>
+    <dgm:pt modelId="{B8B688B5-633B-4B26-9C84-37A6D1509D1F}">
+      <dgm:prSet/>
+      <dgm:spPr/>
+      <dgm:t>
+        <a:bodyPr/>
+        <a:lstStyle/>
+        <a:p>
+          <a:r>
+            <a:rPr lang="en-US"/>
+            <a:t>Violent crimes to lead to more arrests </a:t>
+          </a:r>
+        </a:p>
+      </dgm:t>
+    </dgm:pt>
+    <dgm:pt modelId="{D3130A64-2A20-41D9-ADBC-07D3A277325D}" type="parTrans" cxnId="{97EBD739-4BBD-4079-A066-685F28943500}">
+      <dgm:prSet/>
+      <dgm:spPr/>
+      <dgm:t>
+        <a:bodyPr/>
+        <a:lstStyle/>
+        <a:p>
+          <a:endParaRPr lang="en-US"/>
+        </a:p>
+      </dgm:t>
+    </dgm:pt>
+    <dgm:pt modelId="{E757BC10-0D58-4993-A536-FA7F81B03E99}" type="sibTrans" cxnId="{97EBD739-4BBD-4079-A066-685F28943500}">
+      <dgm:prSet/>
+      <dgm:spPr/>
+      <dgm:t>
+        <a:bodyPr/>
+        <a:lstStyle/>
+        <a:p>
+          <a:endParaRPr lang="en-US"/>
+        </a:p>
+      </dgm:t>
+    </dgm:pt>
+    <dgm:pt modelId="{B3994D34-1E28-460A-BB42-3DEA5E6B8F25}">
+      <dgm:prSet/>
+      <dgm:spPr/>
+      <dgm:t>
+        <a:bodyPr/>
+        <a:lstStyle/>
+        <a:p>
+          <a:r>
+            <a:rPr lang="en-US"/>
+            <a:t>Drug-related crimes have a high number of arrests </a:t>
+          </a:r>
+        </a:p>
+      </dgm:t>
+    </dgm:pt>
+    <dgm:pt modelId="{E6141277-ED8B-4060-B68C-D8AE9EDE624F}" type="parTrans" cxnId="{1E5F76F6-A9E1-4A29-9103-D78E2AB5A4F9}">
+      <dgm:prSet/>
+      <dgm:spPr/>
+      <dgm:t>
+        <a:bodyPr/>
+        <a:lstStyle/>
+        <a:p>
+          <a:endParaRPr lang="en-US"/>
+        </a:p>
+      </dgm:t>
+    </dgm:pt>
+    <dgm:pt modelId="{B8429008-C306-47CF-9782-F3FFD1DB3C4B}" type="sibTrans" cxnId="{1E5F76F6-A9E1-4A29-9103-D78E2AB5A4F9}">
+      <dgm:prSet/>
+      <dgm:spPr/>
+      <dgm:t>
+        <a:bodyPr/>
+        <a:lstStyle/>
+        <a:p>
+          <a:endParaRPr lang="en-US"/>
+        </a:p>
+      </dgm:t>
+    </dgm:pt>
+    <dgm:pt modelId="{01C62789-9972-44F1-8B26-24913DD8C4DD}">
+      <dgm:prSet/>
+      <dgm:spPr/>
+      <dgm:t>
+        <a:bodyPr/>
+        <a:lstStyle/>
+        <a:p>
+          <a:r>
+            <a:rPr lang="en-US"/>
+            <a:t>Crimes that happen in the summer or during the afternoon result in more </a:t>
+          </a:r>
+        </a:p>
+      </dgm:t>
+    </dgm:pt>
+    <dgm:pt modelId="{DF93EA73-B992-46BE-9FE4-46882539E564}" type="parTrans" cxnId="{3C3B67AB-173E-4D8F-8ADB-2E72B41E6422}">
+      <dgm:prSet/>
+      <dgm:spPr/>
+      <dgm:t>
+        <a:bodyPr/>
+        <a:lstStyle/>
+        <a:p>
+          <a:endParaRPr lang="en-US"/>
+        </a:p>
+      </dgm:t>
+    </dgm:pt>
+    <dgm:pt modelId="{BBD72CA7-D104-4B1F-9A4A-25C1B9198DD0}" type="sibTrans" cxnId="{3C3B67AB-173E-4D8F-8ADB-2E72B41E6422}">
+      <dgm:prSet/>
+      <dgm:spPr/>
+      <dgm:t>
+        <a:bodyPr/>
+        <a:lstStyle/>
+        <a:p>
+          <a:endParaRPr lang="en-US"/>
+        </a:p>
+      </dgm:t>
+    </dgm:pt>
+    <dgm:pt modelId="{8335CB62-A865-4262-9E18-C444F26F5EF1}">
+      <dgm:prSet/>
+      <dgm:spPr/>
+      <dgm:t>
+        <a:bodyPr/>
+        <a:lstStyle/>
+        <a:p>
+          <a:r>
+            <a:rPr lang="en-US"/>
+            <a:t>School grounds would have more violent crimes</a:t>
+          </a:r>
+        </a:p>
+      </dgm:t>
+    </dgm:pt>
+    <dgm:pt modelId="{8482F5CC-C71E-45D5-BDDA-8E28558C86DA}" type="parTrans" cxnId="{EEBB217D-9D1D-4DAE-B3A0-8344DABC80FF}">
+      <dgm:prSet/>
+      <dgm:spPr/>
+      <dgm:t>
+        <a:bodyPr/>
+        <a:lstStyle/>
+        <a:p>
+          <a:endParaRPr lang="en-US"/>
+        </a:p>
+      </dgm:t>
+    </dgm:pt>
+    <dgm:pt modelId="{E29F08E8-A216-4630-8F9D-4D8BB477EA49}" type="sibTrans" cxnId="{EEBB217D-9D1D-4DAE-B3A0-8344DABC80FF}">
+      <dgm:prSet/>
+      <dgm:spPr/>
+      <dgm:t>
+        <a:bodyPr/>
+        <a:lstStyle/>
+        <a:p>
+          <a:endParaRPr lang="en-US"/>
+        </a:p>
+      </dgm:t>
+    </dgm:pt>
+    <dgm:pt modelId="{2F464493-F20C-40AC-AF4A-C3AC2CE5CB1E}">
+      <dgm:prSet/>
+      <dgm:spPr/>
+      <dgm:t>
+        <a:bodyPr/>
+        <a:lstStyle/>
+        <a:p>
+          <a:r>
+            <a:rPr lang="en-US"/>
+            <a:t>Most crimes happen in public places connected to infrastructure, as well as in private homes, along with a higher proportion of violent crimes</a:t>
+          </a:r>
+        </a:p>
+      </dgm:t>
+    </dgm:pt>
+    <dgm:pt modelId="{43AE9C94-2976-48F7-BDDB-1F4BD5D33747}" type="parTrans" cxnId="{1E16461B-BDE1-4C59-B846-893E4CE152F8}">
+      <dgm:prSet/>
+      <dgm:spPr/>
+      <dgm:t>
+        <a:bodyPr/>
+        <a:lstStyle/>
+        <a:p>
+          <a:endParaRPr lang="en-US"/>
+        </a:p>
+      </dgm:t>
+    </dgm:pt>
+    <dgm:pt modelId="{BF2D06FA-2B73-42E9-9A9D-E9B8A6F6FE51}" type="sibTrans" cxnId="{1E16461B-BDE1-4C59-B846-893E4CE152F8}">
+      <dgm:prSet/>
+      <dgm:spPr/>
+      <dgm:t>
+        <a:bodyPr/>
+        <a:lstStyle/>
+        <a:p>
+          <a:endParaRPr lang="en-US"/>
+        </a:p>
+      </dgm:t>
+    </dgm:pt>
+    <dgm:pt modelId="{29FF44E6-5FF3-4496-AF09-5649EFB086E9}" type="pres">
+      <dgm:prSet presAssocID="{A71AD2E4-66E2-4FB0-9E2C-84B0B05AB339}" presName="linear" presStyleCnt="0">
+        <dgm:presLayoutVars>
+          <dgm:animLvl val="lvl"/>
+          <dgm:resizeHandles val="exact"/>
+        </dgm:presLayoutVars>
+      </dgm:prSet>
+      <dgm:spPr/>
+    </dgm:pt>
+    <dgm:pt modelId="{2FADDADE-870E-4B9A-86D8-E7CE04B5FA0E}" type="pres">
+      <dgm:prSet presAssocID="{B8B688B5-633B-4B26-9C84-37A6D1509D1F}" presName="parentText" presStyleLbl="node1" presStyleIdx="0" presStyleCnt="5">
+        <dgm:presLayoutVars>
+          <dgm:chMax val="0"/>
+          <dgm:bulletEnabled val="1"/>
+        </dgm:presLayoutVars>
+      </dgm:prSet>
+      <dgm:spPr/>
+    </dgm:pt>
+    <dgm:pt modelId="{E1FB7643-153C-47D1-8E78-41C12D2EDCEC}" type="pres">
+      <dgm:prSet presAssocID="{E757BC10-0D58-4993-A536-FA7F81B03E99}" presName="spacer" presStyleCnt="0"/>
+      <dgm:spPr/>
+    </dgm:pt>
+    <dgm:pt modelId="{879FFCD0-36BC-4E7D-A1C0-345C165DE20B}" type="pres">
+      <dgm:prSet presAssocID="{B3994D34-1E28-460A-BB42-3DEA5E6B8F25}" presName="parentText" presStyleLbl="node1" presStyleIdx="1" presStyleCnt="5">
+        <dgm:presLayoutVars>
+          <dgm:chMax val="0"/>
+          <dgm:bulletEnabled val="1"/>
+        </dgm:presLayoutVars>
+      </dgm:prSet>
+      <dgm:spPr/>
+    </dgm:pt>
+    <dgm:pt modelId="{377728EE-2335-4548-AC0B-637B456377BD}" type="pres">
+      <dgm:prSet presAssocID="{B8429008-C306-47CF-9782-F3FFD1DB3C4B}" presName="spacer" presStyleCnt="0"/>
+      <dgm:spPr/>
+    </dgm:pt>
+    <dgm:pt modelId="{3E49D754-5157-4DDD-B0AF-0F9CE288C7DD}" type="pres">
+      <dgm:prSet presAssocID="{01C62789-9972-44F1-8B26-24913DD8C4DD}" presName="parentText" presStyleLbl="node1" presStyleIdx="2" presStyleCnt="5">
+        <dgm:presLayoutVars>
+          <dgm:chMax val="0"/>
+          <dgm:bulletEnabled val="1"/>
+        </dgm:presLayoutVars>
+      </dgm:prSet>
+      <dgm:spPr/>
+    </dgm:pt>
+    <dgm:pt modelId="{F052C98A-64E2-4362-9FC5-7925703EE174}" type="pres">
+      <dgm:prSet presAssocID="{BBD72CA7-D104-4B1F-9A4A-25C1B9198DD0}" presName="spacer" presStyleCnt="0"/>
+      <dgm:spPr/>
+    </dgm:pt>
+    <dgm:pt modelId="{09A16A0E-F274-4324-BE65-B6579D629C4B}" type="pres">
+      <dgm:prSet presAssocID="{8335CB62-A865-4262-9E18-C444F26F5EF1}" presName="parentText" presStyleLbl="node1" presStyleIdx="3" presStyleCnt="5">
+        <dgm:presLayoutVars>
+          <dgm:chMax val="0"/>
+          <dgm:bulletEnabled val="1"/>
+        </dgm:presLayoutVars>
+      </dgm:prSet>
+      <dgm:spPr/>
+    </dgm:pt>
+    <dgm:pt modelId="{679022B5-AE96-45B5-9726-ACD543FD44BE}" type="pres">
+      <dgm:prSet presAssocID="{E29F08E8-A216-4630-8F9D-4D8BB477EA49}" presName="spacer" presStyleCnt="0"/>
+      <dgm:spPr/>
+    </dgm:pt>
+    <dgm:pt modelId="{AE14DFE5-179B-4482-8B95-E9688CECFD86}" type="pres">
+      <dgm:prSet presAssocID="{2F464493-F20C-40AC-AF4A-C3AC2CE5CB1E}" presName="parentText" presStyleLbl="node1" presStyleIdx="4" presStyleCnt="5">
+        <dgm:presLayoutVars>
+          <dgm:chMax val="0"/>
+          <dgm:bulletEnabled val="1"/>
+        </dgm:presLayoutVars>
+      </dgm:prSet>
+      <dgm:spPr/>
+    </dgm:pt>
+  </dgm:ptLst>
+  <dgm:cxnLst>
+    <dgm:cxn modelId="{7125C70D-0F56-4448-BB05-9AE7638F4E42}" type="presOf" srcId="{8335CB62-A865-4262-9E18-C444F26F5EF1}" destId="{09A16A0E-F274-4324-BE65-B6579D629C4B}" srcOrd="0" destOrd="0" presId="urn:microsoft.com/office/officeart/2005/8/layout/vList2"/>
+    <dgm:cxn modelId="{1E16461B-BDE1-4C59-B846-893E4CE152F8}" srcId="{A71AD2E4-66E2-4FB0-9E2C-84B0B05AB339}" destId="{2F464493-F20C-40AC-AF4A-C3AC2CE5CB1E}" srcOrd="4" destOrd="0" parTransId="{43AE9C94-2976-48F7-BDDB-1F4BD5D33747}" sibTransId="{BF2D06FA-2B73-42E9-9A9D-E9B8A6F6FE51}"/>
+    <dgm:cxn modelId="{97EBD739-4BBD-4079-A066-685F28943500}" srcId="{A71AD2E4-66E2-4FB0-9E2C-84B0B05AB339}" destId="{B8B688B5-633B-4B26-9C84-37A6D1509D1F}" srcOrd="0" destOrd="0" parTransId="{D3130A64-2A20-41D9-ADBC-07D3A277325D}" sibTransId="{E757BC10-0D58-4993-A536-FA7F81B03E99}"/>
+    <dgm:cxn modelId="{94E0B262-D6F5-431E-9B5F-BD413F977521}" type="presOf" srcId="{01C62789-9972-44F1-8B26-24913DD8C4DD}" destId="{3E49D754-5157-4DDD-B0AF-0F9CE288C7DD}" srcOrd="0" destOrd="0" presId="urn:microsoft.com/office/officeart/2005/8/layout/vList2"/>
+    <dgm:cxn modelId="{434A8D63-34A8-416D-ABA0-B4EF47313F26}" type="presOf" srcId="{A71AD2E4-66E2-4FB0-9E2C-84B0B05AB339}" destId="{29FF44E6-5FF3-4496-AF09-5649EFB086E9}" srcOrd="0" destOrd="0" presId="urn:microsoft.com/office/officeart/2005/8/layout/vList2"/>
+    <dgm:cxn modelId="{15CA1477-AD8C-4454-8112-0631BD8B54C5}" type="presOf" srcId="{2F464493-F20C-40AC-AF4A-C3AC2CE5CB1E}" destId="{AE14DFE5-179B-4482-8B95-E9688CECFD86}" srcOrd="0" destOrd="0" presId="urn:microsoft.com/office/officeart/2005/8/layout/vList2"/>
+    <dgm:cxn modelId="{14C9B377-4AAB-4336-ADE1-1E1092ED5D55}" type="presOf" srcId="{B3994D34-1E28-460A-BB42-3DEA5E6B8F25}" destId="{879FFCD0-36BC-4E7D-A1C0-345C165DE20B}" srcOrd="0" destOrd="0" presId="urn:microsoft.com/office/officeart/2005/8/layout/vList2"/>
+    <dgm:cxn modelId="{EEBB217D-9D1D-4DAE-B3A0-8344DABC80FF}" srcId="{A71AD2E4-66E2-4FB0-9E2C-84B0B05AB339}" destId="{8335CB62-A865-4262-9E18-C444F26F5EF1}" srcOrd="3" destOrd="0" parTransId="{8482F5CC-C71E-45D5-BDDA-8E28558C86DA}" sibTransId="{E29F08E8-A216-4630-8F9D-4D8BB477EA49}"/>
+    <dgm:cxn modelId="{3C3B67AB-173E-4D8F-8ADB-2E72B41E6422}" srcId="{A71AD2E4-66E2-4FB0-9E2C-84B0B05AB339}" destId="{01C62789-9972-44F1-8B26-24913DD8C4DD}" srcOrd="2" destOrd="0" parTransId="{DF93EA73-B992-46BE-9FE4-46882539E564}" sibTransId="{BBD72CA7-D104-4B1F-9A4A-25C1B9198DD0}"/>
+    <dgm:cxn modelId="{1D3DC5D6-97A5-47FE-AE5B-730CD264FFB4}" type="presOf" srcId="{B8B688B5-633B-4B26-9C84-37A6D1509D1F}" destId="{2FADDADE-870E-4B9A-86D8-E7CE04B5FA0E}" srcOrd="0" destOrd="0" presId="urn:microsoft.com/office/officeart/2005/8/layout/vList2"/>
+    <dgm:cxn modelId="{1E5F76F6-A9E1-4A29-9103-D78E2AB5A4F9}" srcId="{A71AD2E4-66E2-4FB0-9E2C-84B0B05AB339}" destId="{B3994D34-1E28-460A-BB42-3DEA5E6B8F25}" srcOrd="1" destOrd="0" parTransId="{E6141277-ED8B-4060-B68C-D8AE9EDE624F}" sibTransId="{B8429008-C306-47CF-9782-F3FFD1DB3C4B}"/>
+    <dgm:cxn modelId="{D65C895E-0303-443D-9051-24936B2201A7}" type="presParOf" srcId="{29FF44E6-5FF3-4496-AF09-5649EFB086E9}" destId="{2FADDADE-870E-4B9A-86D8-E7CE04B5FA0E}" srcOrd="0" destOrd="0" presId="urn:microsoft.com/office/officeart/2005/8/layout/vList2"/>
+    <dgm:cxn modelId="{D6D696EB-F251-4A67-889E-0E58E6A6D40B}" type="presParOf" srcId="{29FF44E6-5FF3-4496-AF09-5649EFB086E9}" destId="{E1FB7643-153C-47D1-8E78-41C12D2EDCEC}" srcOrd="1" destOrd="0" presId="urn:microsoft.com/office/officeart/2005/8/layout/vList2"/>
+    <dgm:cxn modelId="{5651B6A8-CF82-402A-AA94-4510BC082BCD}" type="presParOf" srcId="{29FF44E6-5FF3-4496-AF09-5649EFB086E9}" destId="{879FFCD0-36BC-4E7D-A1C0-345C165DE20B}" srcOrd="2" destOrd="0" presId="urn:microsoft.com/office/officeart/2005/8/layout/vList2"/>
+    <dgm:cxn modelId="{F49BAA69-B23F-489B-B21E-264B141E9955}" type="presParOf" srcId="{29FF44E6-5FF3-4496-AF09-5649EFB086E9}" destId="{377728EE-2335-4548-AC0B-637B456377BD}" srcOrd="3" destOrd="0" presId="urn:microsoft.com/office/officeart/2005/8/layout/vList2"/>
+    <dgm:cxn modelId="{768B5B5A-929E-42C0-ADD8-C60802ABA377}" type="presParOf" srcId="{29FF44E6-5FF3-4496-AF09-5649EFB086E9}" destId="{3E49D754-5157-4DDD-B0AF-0F9CE288C7DD}" srcOrd="4" destOrd="0" presId="urn:microsoft.com/office/officeart/2005/8/layout/vList2"/>
+    <dgm:cxn modelId="{EE8FD497-2D6E-4412-B52B-47253F0BB0FF}" type="presParOf" srcId="{29FF44E6-5FF3-4496-AF09-5649EFB086E9}" destId="{F052C98A-64E2-4362-9FC5-7925703EE174}" srcOrd="5" destOrd="0" presId="urn:microsoft.com/office/officeart/2005/8/layout/vList2"/>
+    <dgm:cxn modelId="{392C1946-2613-4717-879D-F8C8F1A6B48D}" type="presParOf" srcId="{29FF44E6-5FF3-4496-AF09-5649EFB086E9}" destId="{09A16A0E-F274-4324-BE65-B6579D629C4B}" srcOrd="6" destOrd="0" presId="urn:microsoft.com/office/officeart/2005/8/layout/vList2"/>
+    <dgm:cxn modelId="{36D68F36-7147-41AF-9889-E35A60F57218}" type="presParOf" srcId="{29FF44E6-5FF3-4496-AF09-5649EFB086E9}" destId="{679022B5-AE96-45B5-9726-ACD543FD44BE}" srcOrd="7" destOrd="0" presId="urn:microsoft.com/office/officeart/2005/8/layout/vList2"/>
+    <dgm:cxn modelId="{F08A59EE-BFE0-49CC-98BD-F8DB82B4A8DF}" type="presParOf" srcId="{29FF44E6-5FF3-4496-AF09-5649EFB086E9}" destId="{AE14DFE5-179B-4482-8B95-E9688CECFD86}" srcOrd="8" destOrd="0" presId="urn:microsoft.com/office/officeart/2005/8/layout/vList2"/>
+  </dgm:cxnLst>
+  <dgm:bg/>
+  <dgm:whole/>
+  <dgm:extLst>
+    <a:ext uri="http://schemas.microsoft.com/office/drawing/2008/diagram">
+      <dsp:dataModelExt xmlns:dsp="http://schemas.microsoft.com/office/drawing/2008/diagram" relId="rId7" minVer="http://schemas.openxmlformats.org/drawingml/2006/diagram"/>
+    </a:ext>
+  </dgm:extLst>
+</dgm:dataModel>
+</file>
+
+<file path=ppt/diagrams/data2.xml><?xml version="1.0" encoding="utf-8"?>
+<dgm:dataModel xmlns:dgm="http://schemas.openxmlformats.org/drawingml/2006/diagram" xmlns:a="http://schemas.openxmlformats.org/drawingml/2006/main">
+  <dgm:ptLst>
+    <dgm:pt modelId="{033B0E39-D108-4DCB-9AC6-FB1AF1020408}" type="doc">
+      <dgm:prSet loTypeId="urn:microsoft.com/office/officeart/2005/8/layout/default" loCatId="list" qsTypeId="urn:microsoft.com/office/officeart/2005/8/quickstyle/simple4" qsCatId="simple" csTypeId="urn:microsoft.com/office/officeart/2005/8/colors/colorful2" csCatId="colorful"/>
+      <dgm:spPr/>
+      <dgm:t>
+        <a:bodyPr/>
+        <a:lstStyle/>
+        <a:p>
+          <a:endParaRPr lang="en-US"/>
+        </a:p>
+      </dgm:t>
+    </dgm:pt>
+    <dgm:pt modelId="{9E0AE55A-CE4D-449F-A595-D265DFFFC911}">
+      <dgm:prSet/>
+      <dgm:spPr/>
+      <dgm:t>
+        <a:bodyPr/>
+        <a:lstStyle/>
+        <a:p>
+          <a:r>
+            <a:rPr lang="en-US" dirty="0"/>
+            <a:t>Dropped unnecessary columns</a:t>
+          </a:r>
+        </a:p>
+      </dgm:t>
+    </dgm:pt>
+    <dgm:pt modelId="{C77D5AB4-8F69-4401-8C9A-832BD0EF2461}" type="parTrans" cxnId="{7FCBBBDB-4706-4731-91B7-7155C6383521}">
+      <dgm:prSet/>
+      <dgm:spPr/>
+      <dgm:t>
+        <a:bodyPr/>
+        <a:lstStyle/>
+        <a:p>
+          <a:endParaRPr lang="en-US"/>
+        </a:p>
+      </dgm:t>
+    </dgm:pt>
+    <dgm:pt modelId="{76297063-E1FD-4FF8-9EDF-E8DA06AD4EC0}" type="sibTrans" cxnId="{7FCBBBDB-4706-4731-91B7-7155C6383521}">
+      <dgm:prSet/>
+      <dgm:spPr/>
+      <dgm:t>
+        <a:bodyPr/>
+        <a:lstStyle/>
+        <a:p>
+          <a:endParaRPr lang="en-US"/>
+        </a:p>
+      </dgm:t>
+    </dgm:pt>
+    <dgm:pt modelId="{50569DA8-106A-47AD-A1A6-A8D5594F6457}">
+      <dgm:prSet/>
+      <dgm:spPr/>
+      <dgm:t>
+        <a:bodyPr/>
+        <a:lstStyle/>
+        <a:p>
+          <a:r>
+            <a:rPr lang="en-US"/>
+            <a:t>Updated data types</a:t>
+          </a:r>
+        </a:p>
+      </dgm:t>
+    </dgm:pt>
+    <dgm:pt modelId="{AC33922D-2901-48C5-9759-8E5B753C9963}" type="parTrans" cxnId="{38338658-2EE9-4233-8C99-4A0ADB3250A8}">
+      <dgm:prSet/>
+      <dgm:spPr/>
+      <dgm:t>
+        <a:bodyPr/>
+        <a:lstStyle/>
+        <a:p>
+          <a:endParaRPr lang="en-US"/>
+        </a:p>
+      </dgm:t>
+    </dgm:pt>
+    <dgm:pt modelId="{48212666-0C64-4D83-9C6D-B5C397AE3E8B}" type="sibTrans" cxnId="{38338658-2EE9-4233-8C99-4A0ADB3250A8}">
+      <dgm:prSet/>
+      <dgm:spPr/>
+      <dgm:t>
+        <a:bodyPr/>
+        <a:lstStyle/>
+        <a:p>
+          <a:endParaRPr lang="en-US"/>
+        </a:p>
+      </dgm:t>
+    </dgm:pt>
+    <dgm:pt modelId="{A3D9E401-6E60-4DD5-9C07-E90AA43FCD77}">
+      <dgm:prSet/>
+      <dgm:spPr/>
+      <dgm:t>
+        <a:bodyPr/>
+        <a:lstStyle/>
+        <a:p>
+          <a:r>
+            <a:rPr lang="en-US"/>
+            <a:t>Removed rows with missing values</a:t>
+          </a:r>
+        </a:p>
+      </dgm:t>
+    </dgm:pt>
+    <dgm:pt modelId="{7C8ED643-A190-473A-9AB9-19C9B7AC6A67}" type="parTrans" cxnId="{E5021225-474A-4342-A9C8-EC66D0651077}">
+      <dgm:prSet/>
+      <dgm:spPr/>
+      <dgm:t>
+        <a:bodyPr/>
+        <a:lstStyle/>
+        <a:p>
+          <a:endParaRPr lang="en-US"/>
+        </a:p>
+      </dgm:t>
+    </dgm:pt>
+    <dgm:pt modelId="{45A757A3-20EA-4BDC-9C52-1289A1F33366}" type="sibTrans" cxnId="{E5021225-474A-4342-A9C8-EC66D0651077}">
+      <dgm:prSet/>
+      <dgm:spPr/>
+      <dgm:t>
+        <a:bodyPr/>
+        <a:lstStyle/>
+        <a:p>
+          <a:endParaRPr lang="en-US"/>
+        </a:p>
+      </dgm:t>
+    </dgm:pt>
+    <dgm:pt modelId="{C615A2D2-ED95-4B68-B53C-E278A1DE4ABD}">
+      <dgm:prSet/>
+      <dgm:spPr/>
+      <dgm:t>
+        <a:bodyPr/>
+        <a:lstStyle/>
+        <a:p>
+          <a:r>
+            <a:rPr lang="en-US"/>
+            <a:t>Binned data</a:t>
+          </a:r>
+        </a:p>
+      </dgm:t>
+    </dgm:pt>
+    <dgm:pt modelId="{ADA1994A-264B-4886-A952-62BF31D93A30}" type="parTrans" cxnId="{828D4208-1E1A-468C-88AB-47E38EE438AA}">
+      <dgm:prSet/>
+      <dgm:spPr/>
+      <dgm:t>
+        <a:bodyPr/>
+        <a:lstStyle/>
+        <a:p>
+          <a:endParaRPr lang="en-US"/>
+        </a:p>
+      </dgm:t>
+    </dgm:pt>
+    <dgm:pt modelId="{3455D700-6AF4-460C-8644-E35EB255E482}" type="sibTrans" cxnId="{828D4208-1E1A-468C-88AB-47E38EE438AA}">
+      <dgm:prSet/>
+      <dgm:spPr/>
+      <dgm:t>
+        <a:bodyPr/>
+        <a:lstStyle/>
+        <a:p>
+          <a:endParaRPr lang="en-US"/>
+        </a:p>
+      </dgm:t>
+    </dgm:pt>
+    <dgm:pt modelId="{291DD54D-D9EE-44CF-B16B-B116E03C2E5B}">
+      <dgm:prSet/>
+      <dgm:spPr/>
+      <dgm:t>
+        <a:bodyPr/>
+        <a:lstStyle/>
+        <a:p>
+          <a:r>
+            <a:rPr lang="en-US"/>
+            <a:t>Split testing and training data</a:t>
+          </a:r>
+        </a:p>
+      </dgm:t>
+    </dgm:pt>
+    <dgm:pt modelId="{12E48D21-0F01-460C-8DBF-7F07B64DB4D6}" type="parTrans" cxnId="{9F76BBB4-BE96-4A41-8667-E9427CD872BD}">
+      <dgm:prSet/>
+      <dgm:spPr/>
+      <dgm:t>
+        <a:bodyPr/>
+        <a:lstStyle/>
+        <a:p>
+          <a:endParaRPr lang="en-US"/>
+        </a:p>
+      </dgm:t>
+    </dgm:pt>
+    <dgm:pt modelId="{E1C8C68B-22E5-4E3C-8218-A15605CC26F5}" type="sibTrans" cxnId="{9F76BBB4-BE96-4A41-8667-E9427CD872BD}">
+      <dgm:prSet/>
+      <dgm:spPr/>
+      <dgm:t>
+        <a:bodyPr/>
+        <a:lstStyle/>
+        <a:p>
+          <a:endParaRPr lang="en-US"/>
+        </a:p>
+      </dgm:t>
+    </dgm:pt>
+    <dgm:pt modelId="{A60363C0-6E4B-4B6B-B7C3-44C7F4FED7DE}">
+      <dgm:prSet/>
+      <dgm:spPr/>
+      <dgm:t>
+        <a:bodyPr/>
+        <a:lstStyle/>
+        <a:p>
+          <a:r>
+            <a:rPr lang="en-US"/>
+            <a:t>Data visualization</a:t>
+          </a:r>
+        </a:p>
+      </dgm:t>
+    </dgm:pt>
+    <dgm:pt modelId="{B9B50A4C-9FC7-4000-BCB7-C81B55978243}" type="parTrans" cxnId="{E33588BF-60B1-415E-B923-9B9F592AD645}">
+      <dgm:prSet/>
+      <dgm:spPr/>
+      <dgm:t>
+        <a:bodyPr/>
+        <a:lstStyle/>
+        <a:p>
+          <a:endParaRPr lang="en-US"/>
+        </a:p>
+      </dgm:t>
+    </dgm:pt>
+    <dgm:pt modelId="{4D632264-8E3A-4709-9D11-C2BE6E9B6A66}" type="sibTrans" cxnId="{E33588BF-60B1-415E-B923-9B9F592AD645}">
+      <dgm:prSet/>
+      <dgm:spPr/>
+      <dgm:t>
+        <a:bodyPr/>
+        <a:lstStyle/>
+        <a:p>
+          <a:endParaRPr lang="en-US"/>
+        </a:p>
+      </dgm:t>
+    </dgm:pt>
+    <dgm:pt modelId="{30B56038-1095-4E75-A531-D728B547D8EF}" type="pres">
+      <dgm:prSet presAssocID="{033B0E39-D108-4DCB-9AC6-FB1AF1020408}" presName="diagram" presStyleCnt="0">
+        <dgm:presLayoutVars>
+          <dgm:dir/>
+          <dgm:resizeHandles val="exact"/>
+        </dgm:presLayoutVars>
+      </dgm:prSet>
+      <dgm:spPr/>
+    </dgm:pt>
+    <dgm:pt modelId="{ED5B612F-B31A-46EF-9B38-414D597A339B}" type="pres">
+      <dgm:prSet presAssocID="{9E0AE55A-CE4D-449F-A595-D265DFFFC911}" presName="node" presStyleLbl="node1" presStyleIdx="0" presStyleCnt="6">
+        <dgm:presLayoutVars>
+          <dgm:bulletEnabled val="1"/>
+        </dgm:presLayoutVars>
+      </dgm:prSet>
+      <dgm:spPr/>
+    </dgm:pt>
+    <dgm:pt modelId="{0C5B4758-3CB8-46DC-8E39-3E8634A65A70}" type="pres">
+      <dgm:prSet presAssocID="{76297063-E1FD-4FF8-9EDF-E8DA06AD4EC0}" presName="sibTrans" presStyleCnt="0"/>
+      <dgm:spPr/>
+    </dgm:pt>
+    <dgm:pt modelId="{E6B605CF-30CB-4EFF-8A2E-4D232C39039E}" type="pres">
+      <dgm:prSet presAssocID="{50569DA8-106A-47AD-A1A6-A8D5594F6457}" presName="node" presStyleLbl="node1" presStyleIdx="1" presStyleCnt="6">
+        <dgm:presLayoutVars>
+          <dgm:bulletEnabled val="1"/>
+        </dgm:presLayoutVars>
+      </dgm:prSet>
+      <dgm:spPr/>
+    </dgm:pt>
+    <dgm:pt modelId="{306A061F-BE74-4875-B121-9796C38C321E}" type="pres">
+      <dgm:prSet presAssocID="{48212666-0C64-4D83-9C6D-B5C397AE3E8B}" presName="sibTrans" presStyleCnt="0"/>
+      <dgm:spPr/>
+    </dgm:pt>
+    <dgm:pt modelId="{DF0CC4C4-91F3-469B-BAF4-6D054088BD81}" type="pres">
+      <dgm:prSet presAssocID="{A3D9E401-6E60-4DD5-9C07-E90AA43FCD77}" presName="node" presStyleLbl="node1" presStyleIdx="2" presStyleCnt="6">
+        <dgm:presLayoutVars>
+          <dgm:bulletEnabled val="1"/>
+        </dgm:presLayoutVars>
+      </dgm:prSet>
+      <dgm:spPr/>
+    </dgm:pt>
+    <dgm:pt modelId="{51BF1EBD-11CA-4F2E-A923-A23A5916312C}" type="pres">
+      <dgm:prSet presAssocID="{45A757A3-20EA-4BDC-9C52-1289A1F33366}" presName="sibTrans" presStyleCnt="0"/>
+      <dgm:spPr/>
+    </dgm:pt>
+    <dgm:pt modelId="{2A004AC3-098C-4B33-B570-A7232E3ABC4C}" type="pres">
+      <dgm:prSet presAssocID="{C615A2D2-ED95-4B68-B53C-E278A1DE4ABD}" presName="node" presStyleLbl="node1" presStyleIdx="3" presStyleCnt="6">
+        <dgm:presLayoutVars>
+          <dgm:bulletEnabled val="1"/>
+        </dgm:presLayoutVars>
+      </dgm:prSet>
+      <dgm:spPr/>
+    </dgm:pt>
+    <dgm:pt modelId="{AB5891BB-F927-424F-944E-193641BBF64A}" type="pres">
+      <dgm:prSet presAssocID="{3455D700-6AF4-460C-8644-E35EB255E482}" presName="sibTrans" presStyleCnt="0"/>
+      <dgm:spPr/>
+    </dgm:pt>
+    <dgm:pt modelId="{9C747FF8-21CC-422E-BAE6-61F700E22AEB}" type="pres">
+      <dgm:prSet presAssocID="{291DD54D-D9EE-44CF-B16B-B116E03C2E5B}" presName="node" presStyleLbl="node1" presStyleIdx="4" presStyleCnt="6">
+        <dgm:presLayoutVars>
+          <dgm:bulletEnabled val="1"/>
+        </dgm:presLayoutVars>
+      </dgm:prSet>
+      <dgm:spPr/>
+    </dgm:pt>
+    <dgm:pt modelId="{E8FD751B-6C79-4FC5-8707-2FE6D77E9DF1}" type="pres">
+      <dgm:prSet presAssocID="{E1C8C68B-22E5-4E3C-8218-A15605CC26F5}" presName="sibTrans" presStyleCnt="0"/>
+      <dgm:spPr/>
+    </dgm:pt>
+    <dgm:pt modelId="{96DA9FB6-C676-49D2-87F5-28A2D8D6F348}" type="pres">
+      <dgm:prSet presAssocID="{A60363C0-6E4B-4B6B-B7C3-44C7F4FED7DE}" presName="node" presStyleLbl="node1" presStyleIdx="5" presStyleCnt="6">
+        <dgm:presLayoutVars>
+          <dgm:bulletEnabled val="1"/>
+        </dgm:presLayoutVars>
+      </dgm:prSet>
+      <dgm:spPr/>
+    </dgm:pt>
+  </dgm:ptLst>
+  <dgm:cxnLst>
+    <dgm:cxn modelId="{828D4208-1E1A-468C-88AB-47E38EE438AA}" srcId="{033B0E39-D108-4DCB-9AC6-FB1AF1020408}" destId="{C615A2D2-ED95-4B68-B53C-E278A1DE4ABD}" srcOrd="3" destOrd="0" parTransId="{ADA1994A-264B-4886-A952-62BF31D93A30}" sibTransId="{3455D700-6AF4-460C-8644-E35EB255E482}"/>
+    <dgm:cxn modelId="{64BE690D-B468-45FC-B999-CB003A286ABA}" type="presOf" srcId="{A60363C0-6E4B-4B6B-B7C3-44C7F4FED7DE}" destId="{96DA9FB6-C676-49D2-87F5-28A2D8D6F348}" srcOrd="0" destOrd="0" presId="urn:microsoft.com/office/officeart/2005/8/layout/default"/>
+    <dgm:cxn modelId="{E5021225-474A-4342-A9C8-EC66D0651077}" srcId="{033B0E39-D108-4DCB-9AC6-FB1AF1020408}" destId="{A3D9E401-6E60-4DD5-9C07-E90AA43FCD77}" srcOrd="2" destOrd="0" parTransId="{7C8ED643-A190-473A-9AB9-19C9B7AC6A67}" sibTransId="{45A757A3-20EA-4BDC-9C52-1289A1F33366}"/>
+    <dgm:cxn modelId="{991CEB2B-803F-4A2C-A992-2E466E69BDA9}" type="presOf" srcId="{033B0E39-D108-4DCB-9AC6-FB1AF1020408}" destId="{30B56038-1095-4E75-A531-D728B547D8EF}" srcOrd="0" destOrd="0" presId="urn:microsoft.com/office/officeart/2005/8/layout/default"/>
+    <dgm:cxn modelId="{3A94C74C-E5BB-46D3-82BD-292240B887C6}" type="presOf" srcId="{9E0AE55A-CE4D-449F-A595-D265DFFFC911}" destId="{ED5B612F-B31A-46EF-9B38-414D597A339B}" srcOrd="0" destOrd="0" presId="urn:microsoft.com/office/officeart/2005/8/layout/default"/>
+    <dgm:cxn modelId="{38338658-2EE9-4233-8C99-4A0ADB3250A8}" srcId="{033B0E39-D108-4DCB-9AC6-FB1AF1020408}" destId="{50569DA8-106A-47AD-A1A6-A8D5594F6457}" srcOrd="1" destOrd="0" parTransId="{AC33922D-2901-48C5-9759-8E5B753C9963}" sibTransId="{48212666-0C64-4D83-9C6D-B5C397AE3E8B}"/>
+    <dgm:cxn modelId="{CEA11581-7DF1-4611-9CF0-70969006577B}" type="presOf" srcId="{C615A2D2-ED95-4B68-B53C-E278A1DE4ABD}" destId="{2A004AC3-098C-4B33-B570-A7232E3ABC4C}" srcOrd="0" destOrd="0" presId="urn:microsoft.com/office/officeart/2005/8/layout/default"/>
+    <dgm:cxn modelId="{41EBD282-ABBD-4A6F-8936-CE55928C3193}" type="presOf" srcId="{50569DA8-106A-47AD-A1A6-A8D5594F6457}" destId="{E6B605CF-30CB-4EFF-8A2E-4D232C39039E}" srcOrd="0" destOrd="0" presId="urn:microsoft.com/office/officeart/2005/8/layout/default"/>
+    <dgm:cxn modelId="{E3292C83-D6DC-4D2E-B93A-9AE23EE5D825}" type="presOf" srcId="{291DD54D-D9EE-44CF-B16B-B116E03C2E5B}" destId="{9C747FF8-21CC-422E-BAE6-61F700E22AEB}" srcOrd="0" destOrd="0" presId="urn:microsoft.com/office/officeart/2005/8/layout/default"/>
+    <dgm:cxn modelId="{9F76BBB4-BE96-4A41-8667-E9427CD872BD}" srcId="{033B0E39-D108-4DCB-9AC6-FB1AF1020408}" destId="{291DD54D-D9EE-44CF-B16B-B116E03C2E5B}" srcOrd="4" destOrd="0" parTransId="{12E48D21-0F01-460C-8DBF-7F07B64DB4D6}" sibTransId="{E1C8C68B-22E5-4E3C-8218-A15605CC26F5}"/>
+    <dgm:cxn modelId="{E33588BF-60B1-415E-B923-9B9F592AD645}" srcId="{033B0E39-D108-4DCB-9AC6-FB1AF1020408}" destId="{A60363C0-6E4B-4B6B-B7C3-44C7F4FED7DE}" srcOrd="5" destOrd="0" parTransId="{B9B50A4C-9FC7-4000-BCB7-C81B55978243}" sibTransId="{4D632264-8E3A-4709-9D11-C2BE6E9B6A66}"/>
+    <dgm:cxn modelId="{7FCBBBDB-4706-4731-91B7-7155C6383521}" srcId="{033B0E39-D108-4DCB-9AC6-FB1AF1020408}" destId="{9E0AE55A-CE4D-449F-A595-D265DFFFC911}" srcOrd="0" destOrd="0" parTransId="{C77D5AB4-8F69-4401-8C9A-832BD0EF2461}" sibTransId="{76297063-E1FD-4FF8-9EDF-E8DA06AD4EC0}"/>
+    <dgm:cxn modelId="{AF3785F0-90DB-483E-8C1F-E1BC6A6AB17E}" type="presOf" srcId="{A3D9E401-6E60-4DD5-9C07-E90AA43FCD77}" destId="{DF0CC4C4-91F3-469B-BAF4-6D054088BD81}" srcOrd="0" destOrd="0" presId="urn:microsoft.com/office/officeart/2005/8/layout/default"/>
+    <dgm:cxn modelId="{912799D6-8354-485F-ACD9-980473B178FB}" type="presParOf" srcId="{30B56038-1095-4E75-A531-D728B547D8EF}" destId="{ED5B612F-B31A-46EF-9B38-414D597A339B}" srcOrd="0" destOrd="0" presId="urn:microsoft.com/office/officeart/2005/8/layout/default"/>
+    <dgm:cxn modelId="{8BB217BE-EC07-4478-90D9-DB3C3937F2B8}" type="presParOf" srcId="{30B56038-1095-4E75-A531-D728B547D8EF}" destId="{0C5B4758-3CB8-46DC-8E39-3E8634A65A70}" srcOrd="1" destOrd="0" presId="urn:microsoft.com/office/officeart/2005/8/layout/default"/>
+    <dgm:cxn modelId="{1FAA9A69-14A5-4D07-ACEC-643592F3D32D}" type="presParOf" srcId="{30B56038-1095-4E75-A531-D728B547D8EF}" destId="{E6B605CF-30CB-4EFF-8A2E-4D232C39039E}" srcOrd="2" destOrd="0" presId="urn:microsoft.com/office/officeart/2005/8/layout/default"/>
+    <dgm:cxn modelId="{72064C83-BC9F-4D55-8716-FC0C8D11C5B1}" type="presParOf" srcId="{30B56038-1095-4E75-A531-D728B547D8EF}" destId="{306A061F-BE74-4875-B121-9796C38C321E}" srcOrd="3" destOrd="0" presId="urn:microsoft.com/office/officeart/2005/8/layout/default"/>
+    <dgm:cxn modelId="{059E3169-A3AB-496A-A5ED-FD80110628DB}" type="presParOf" srcId="{30B56038-1095-4E75-A531-D728B547D8EF}" destId="{DF0CC4C4-91F3-469B-BAF4-6D054088BD81}" srcOrd="4" destOrd="0" presId="urn:microsoft.com/office/officeart/2005/8/layout/default"/>
+    <dgm:cxn modelId="{FE6C2CAC-D20E-4C0D-8AAC-9A82A5CE3FDD}" type="presParOf" srcId="{30B56038-1095-4E75-A531-D728B547D8EF}" destId="{51BF1EBD-11CA-4F2E-A923-A23A5916312C}" srcOrd="5" destOrd="0" presId="urn:microsoft.com/office/officeart/2005/8/layout/default"/>
+    <dgm:cxn modelId="{533119C7-4CB5-4365-8367-748E2D00D66C}" type="presParOf" srcId="{30B56038-1095-4E75-A531-D728B547D8EF}" destId="{2A004AC3-098C-4B33-B570-A7232E3ABC4C}" srcOrd="6" destOrd="0" presId="urn:microsoft.com/office/officeart/2005/8/layout/default"/>
+    <dgm:cxn modelId="{13445F64-0732-4745-893F-1840682F52E4}" type="presParOf" srcId="{30B56038-1095-4E75-A531-D728B547D8EF}" destId="{AB5891BB-F927-424F-944E-193641BBF64A}" srcOrd="7" destOrd="0" presId="urn:microsoft.com/office/officeart/2005/8/layout/default"/>
+    <dgm:cxn modelId="{B13B1444-8A66-4DC0-B61E-505CFD1DD5FA}" type="presParOf" srcId="{30B56038-1095-4E75-A531-D728B547D8EF}" destId="{9C747FF8-21CC-422E-BAE6-61F700E22AEB}" srcOrd="8" destOrd="0" presId="urn:microsoft.com/office/officeart/2005/8/layout/default"/>
+    <dgm:cxn modelId="{BBE41582-F63C-409F-A9BB-0A94AF54E4DC}" type="presParOf" srcId="{30B56038-1095-4E75-A531-D728B547D8EF}" destId="{E8FD751B-6C79-4FC5-8707-2FE6D77E9DF1}" srcOrd="9" destOrd="0" presId="urn:microsoft.com/office/officeart/2005/8/layout/default"/>
+    <dgm:cxn modelId="{58DCD93F-92B0-40A4-88D9-4428904EDBD8}" type="presParOf" srcId="{30B56038-1095-4E75-A531-D728B547D8EF}" destId="{96DA9FB6-C676-49D2-87F5-28A2D8D6F348}" srcOrd="10" destOrd="0" presId="urn:microsoft.com/office/officeart/2005/8/layout/default"/>
+  </dgm:cxnLst>
+  <dgm:bg/>
+  <dgm:whole/>
+  <dgm:extLst>
+    <a:ext uri="http://schemas.microsoft.com/office/drawing/2008/diagram">
+      <dsp:dataModelExt xmlns:dsp="http://schemas.microsoft.com/office/drawing/2008/diagram" relId="rId8" minVer="http://schemas.openxmlformats.org/drawingml/2006/diagram"/>
+    </a:ext>
+  </dgm:extLst>
+</dgm:dataModel>
+</file>
+
+<file path=ppt/diagrams/drawing1.xml><?xml version="1.0" encoding="utf-8"?>
+<dsp:drawing xmlns:dgm="http://schemas.openxmlformats.org/drawingml/2006/diagram" xmlns:dsp="http://schemas.microsoft.com/office/drawing/2008/diagram" xmlns:a="http://schemas.openxmlformats.org/drawingml/2006/main">
+  <dsp:spTree>
+    <dsp:nvGrpSpPr>
+      <dsp:cNvPr id="0" name=""/>
+      <dsp:cNvGrpSpPr/>
+    </dsp:nvGrpSpPr>
+    <dsp:grpSpPr/>
+    <dsp:sp modelId="{2FADDADE-870E-4B9A-86D8-E7CE04B5FA0E}">
+      <dsp:nvSpPr>
+        <dsp:cNvPr id="0" name=""/>
+        <dsp:cNvSpPr/>
+      </dsp:nvSpPr>
+      <dsp:spPr>
+        <a:xfrm>
+          <a:off x="0" y="137807"/>
+          <a:ext cx="6900512" cy="1010633"/>
+        </a:xfrm>
+        <a:prstGeom prst="roundRect">
+          <a:avLst/>
+        </a:prstGeom>
+        <a:solidFill>
+          <a:schemeClr val="accent2">
+            <a:hueOff val="0"/>
+            <a:satOff val="0"/>
+            <a:lumOff val="0"/>
+            <a:alphaOff val="0"/>
+          </a:schemeClr>
+        </a:solidFill>
+        <a:ln w="19050" cap="flat" cmpd="sng" algn="ctr">
+          <a:solidFill>
+            <a:schemeClr val="lt1">
+              <a:hueOff val="0"/>
+              <a:satOff val="0"/>
+              <a:lumOff val="0"/>
+              <a:alphaOff val="0"/>
+            </a:schemeClr>
+          </a:solidFill>
+          <a:prstDash val="solid"/>
+          <a:miter lim="800000"/>
+        </a:ln>
+        <a:effectLst/>
+      </dsp:spPr>
+      <dsp:style>
+        <a:lnRef idx="2">
+          <a:scrgbClr r="0" g="0" b="0"/>
+        </a:lnRef>
+        <a:fillRef idx="1">
+          <a:scrgbClr r="0" g="0" b="0"/>
+        </a:fillRef>
+        <a:effectRef idx="0">
+          <a:scrgbClr r="0" g="0" b="0"/>
+        </a:effectRef>
+        <a:fontRef idx="minor">
+          <a:schemeClr val="lt1"/>
+        </a:fontRef>
+      </dsp:style>
+      <dsp:txBody>
+        <a:bodyPr spcFirstLastPara="0" vert="horz" wrap="square" lIns="68580" tIns="68580" rIns="68580" bIns="68580" numCol="1" spcCol="1270" anchor="ctr" anchorCtr="0">
+          <a:noAutofit/>
+        </a:bodyPr>
+        <a:lstStyle/>
+        <a:p>
+          <a:pPr marL="0" lvl="0" indent="0" algn="l" defTabSz="800100">
+            <a:lnSpc>
+              <a:spcPct val="90000"/>
+            </a:lnSpc>
+            <a:spcBef>
+              <a:spcPct val="0"/>
+            </a:spcBef>
+            <a:spcAft>
+              <a:spcPct val="35000"/>
+            </a:spcAft>
+            <a:buNone/>
+          </a:pPr>
+          <a:r>
+            <a:rPr lang="en-US" sz="1800" kern="1200"/>
+            <a:t>Violent crimes to lead to more arrests </a:t>
+          </a:r>
+        </a:p>
+      </dsp:txBody>
+      <dsp:txXfrm>
+        <a:off x="49335" y="187142"/>
+        <a:ext cx="6801842" cy="911963"/>
+      </dsp:txXfrm>
+    </dsp:sp>
+    <dsp:sp modelId="{879FFCD0-36BC-4E7D-A1C0-345C165DE20B}">
+      <dsp:nvSpPr>
+        <dsp:cNvPr id="0" name=""/>
+        <dsp:cNvSpPr/>
+      </dsp:nvSpPr>
+      <dsp:spPr>
+        <a:xfrm>
+          <a:off x="0" y="1200280"/>
+          <a:ext cx="6900512" cy="1010633"/>
+        </a:xfrm>
+        <a:prstGeom prst="roundRect">
+          <a:avLst/>
+        </a:prstGeom>
+        <a:solidFill>
+          <a:schemeClr val="accent2">
+            <a:hueOff val="1610903"/>
+            <a:satOff val="-4623"/>
+            <a:lumOff val="-7402"/>
+            <a:alphaOff val="0"/>
+          </a:schemeClr>
+        </a:solidFill>
+        <a:ln w="19050" cap="flat" cmpd="sng" algn="ctr">
+          <a:solidFill>
+            <a:schemeClr val="lt1">
+              <a:hueOff val="0"/>
+              <a:satOff val="0"/>
+              <a:lumOff val="0"/>
+              <a:alphaOff val="0"/>
+            </a:schemeClr>
+          </a:solidFill>
+          <a:prstDash val="solid"/>
+          <a:miter lim="800000"/>
+        </a:ln>
+        <a:effectLst/>
+      </dsp:spPr>
+      <dsp:style>
+        <a:lnRef idx="2">
+          <a:scrgbClr r="0" g="0" b="0"/>
+        </a:lnRef>
+        <a:fillRef idx="1">
+          <a:scrgbClr r="0" g="0" b="0"/>
+        </a:fillRef>
+        <a:effectRef idx="0">
+          <a:scrgbClr r="0" g="0" b="0"/>
+        </a:effectRef>
+        <a:fontRef idx="minor">
+          <a:schemeClr val="lt1"/>
+        </a:fontRef>
+      </dsp:style>
+      <dsp:txBody>
+        <a:bodyPr spcFirstLastPara="0" vert="horz" wrap="square" lIns="68580" tIns="68580" rIns="68580" bIns="68580" numCol="1" spcCol="1270" anchor="ctr" anchorCtr="0">
+          <a:noAutofit/>
+        </a:bodyPr>
+        <a:lstStyle/>
+        <a:p>
+          <a:pPr marL="0" lvl="0" indent="0" algn="l" defTabSz="800100">
+            <a:lnSpc>
+              <a:spcPct val="90000"/>
+            </a:lnSpc>
+            <a:spcBef>
+              <a:spcPct val="0"/>
+            </a:spcBef>
+            <a:spcAft>
+              <a:spcPct val="35000"/>
+            </a:spcAft>
+            <a:buNone/>
+          </a:pPr>
+          <a:r>
+            <a:rPr lang="en-US" sz="1800" kern="1200"/>
+            <a:t>Drug-related crimes have a high number of arrests </a:t>
+          </a:r>
+        </a:p>
+      </dsp:txBody>
+      <dsp:txXfrm>
+        <a:off x="49335" y="1249615"/>
+        <a:ext cx="6801842" cy="911963"/>
+      </dsp:txXfrm>
+    </dsp:sp>
+    <dsp:sp modelId="{3E49D754-5157-4DDD-B0AF-0F9CE288C7DD}">
+      <dsp:nvSpPr>
+        <dsp:cNvPr id="0" name=""/>
+        <dsp:cNvSpPr/>
+      </dsp:nvSpPr>
+      <dsp:spPr>
+        <a:xfrm>
+          <a:off x="0" y="2262753"/>
+          <a:ext cx="6900512" cy="1010633"/>
+        </a:xfrm>
+        <a:prstGeom prst="roundRect">
+          <a:avLst/>
+        </a:prstGeom>
+        <a:solidFill>
+          <a:schemeClr val="accent2">
+            <a:hueOff val="3221807"/>
+            <a:satOff val="-9246"/>
+            <a:lumOff val="-14805"/>
+            <a:alphaOff val="0"/>
+          </a:schemeClr>
+        </a:solidFill>
+        <a:ln w="19050" cap="flat" cmpd="sng" algn="ctr">
+          <a:solidFill>
+            <a:schemeClr val="lt1">
+              <a:hueOff val="0"/>
+              <a:satOff val="0"/>
+              <a:lumOff val="0"/>
+              <a:alphaOff val="0"/>
+            </a:schemeClr>
+          </a:solidFill>
+          <a:prstDash val="solid"/>
+          <a:miter lim="800000"/>
+        </a:ln>
+        <a:effectLst/>
+      </dsp:spPr>
+      <dsp:style>
+        <a:lnRef idx="2">
+          <a:scrgbClr r="0" g="0" b="0"/>
+        </a:lnRef>
+        <a:fillRef idx="1">
+          <a:scrgbClr r="0" g="0" b="0"/>
+        </a:fillRef>
+        <a:effectRef idx="0">
+          <a:scrgbClr r="0" g="0" b="0"/>
+        </a:effectRef>
+        <a:fontRef idx="minor">
+          <a:schemeClr val="lt1"/>
+        </a:fontRef>
+      </dsp:style>
+      <dsp:txBody>
+        <a:bodyPr spcFirstLastPara="0" vert="horz" wrap="square" lIns="68580" tIns="68580" rIns="68580" bIns="68580" numCol="1" spcCol="1270" anchor="ctr" anchorCtr="0">
+          <a:noAutofit/>
+        </a:bodyPr>
+        <a:lstStyle/>
+        <a:p>
+          <a:pPr marL="0" lvl="0" indent="0" algn="l" defTabSz="800100">
+            <a:lnSpc>
+              <a:spcPct val="90000"/>
+            </a:lnSpc>
+            <a:spcBef>
+              <a:spcPct val="0"/>
+            </a:spcBef>
+            <a:spcAft>
+              <a:spcPct val="35000"/>
+            </a:spcAft>
+            <a:buNone/>
+          </a:pPr>
+          <a:r>
+            <a:rPr lang="en-US" sz="1800" kern="1200"/>
+            <a:t>Crimes that happen in the summer or during the afternoon result in more </a:t>
+          </a:r>
+        </a:p>
+      </dsp:txBody>
+      <dsp:txXfrm>
+        <a:off x="49335" y="2312088"/>
+        <a:ext cx="6801842" cy="911963"/>
+      </dsp:txXfrm>
+    </dsp:sp>
+    <dsp:sp modelId="{09A16A0E-F274-4324-BE65-B6579D629C4B}">
+      <dsp:nvSpPr>
+        <dsp:cNvPr id="0" name=""/>
+        <dsp:cNvSpPr/>
+      </dsp:nvSpPr>
+      <dsp:spPr>
+        <a:xfrm>
+          <a:off x="0" y="3325227"/>
+          <a:ext cx="6900512" cy="1010633"/>
+        </a:xfrm>
+        <a:prstGeom prst="roundRect">
+          <a:avLst/>
+        </a:prstGeom>
+        <a:solidFill>
+          <a:schemeClr val="accent2">
+            <a:hueOff val="4832710"/>
+            <a:satOff val="-13870"/>
+            <a:lumOff val="-22207"/>
+            <a:alphaOff val="0"/>
+          </a:schemeClr>
+        </a:solidFill>
+        <a:ln w="19050" cap="flat" cmpd="sng" algn="ctr">
+          <a:solidFill>
+            <a:schemeClr val="lt1">
+              <a:hueOff val="0"/>
+              <a:satOff val="0"/>
+              <a:lumOff val="0"/>
+              <a:alphaOff val="0"/>
+            </a:schemeClr>
+          </a:solidFill>
+          <a:prstDash val="solid"/>
+          <a:miter lim="800000"/>
+        </a:ln>
+        <a:effectLst/>
+      </dsp:spPr>
+      <dsp:style>
+        <a:lnRef idx="2">
+          <a:scrgbClr r="0" g="0" b="0"/>
+        </a:lnRef>
+        <a:fillRef idx="1">
+          <a:scrgbClr r="0" g="0" b="0"/>
+        </a:fillRef>
+        <a:effectRef idx="0">
+          <a:scrgbClr r="0" g="0" b="0"/>
+        </a:effectRef>
+        <a:fontRef idx="minor">
+          <a:schemeClr val="lt1"/>
+        </a:fontRef>
+      </dsp:style>
+      <dsp:txBody>
+        <a:bodyPr spcFirstLastPara="0" vert="horz" wrap="square" lIns="68580" tIns="68580" rIns="68580" bIns="68580" numCol="1" spcCol="1270" anchor="ctr" anchorCtr="0">
+          <a:noAutofit/>
+        </a:bodyPr>
+        <a:lstStyle/>
+        <a:p>
+          <a:pPr marL="0" lvl="0" indent="0" algn="l" defTabSz="800100">
+            <a:lnSpc>
+              <a:spcPct val="90000"/>
+            </a:lnSpc>
+            <a:spcBef>
+              <a:spcPct val="0"/>
+            </a:spcBef>
+            <a:spcAft>
+              <a:spcPct val="35000"/>
+            </a:spcAft>
+            <a:buNone/>
+          </a:pPr>
+          <a:r>
+            <a:rPr lang="en-US" sz="1800" kern="1200"/>
+            <a:t>School grounds would have more violent crimes</a:t>
+          </a:r>
+        </a:p>
+      </dsp:txBody>
+      <dsp:txXfrm>
+        <a:off x="49335" y="3374562"/>
+        <a:ext cx="6801842" cy="911963"/>
+      </dsp:txXfrm>
+    </dsp:sp>
+    <dsp:sp modelId="{AE14DFE5-179B-4482-8B95-E9688CECFD86}">
+      <dsp:nvSpPr>
+        <dsp:cNvPr id="0" name=""/>
+        <dsp:cNvSpPr/>
+      </dsp:nvSpPr>
+      <dsp:spPr>
+        <a:xfrm>
+          <a:off x="0" y="4387700"/>
+          <a:ext cx="6900512" cy="1010633"/>
+        </a:xfrm>
+        <a:prstGeom prst="roundRect">
+          <a:avLst/>
+        </a:prstGeom>
+        <a:solidFill>
+          <a:schemeClr val="accent2">
+            <a:hueOff val="6443614"/>
+            <a:satOff val="-18493"/>
+            <a:lumOff val="-29609"/>
+            <a:alphaOff val="0"/>
+          </a:schemeClr>
+        </a:solidFill>
+        <a:ln w="19050" cap="flat" cmpd="sng" algn="ctr">
+          <a:solidFill>
+            <a:schemeClr val="lt1">
+              <a:hueOff val="0"/>
+              <a:satOff val="0"/>
+              <a:lumOff val="0"/>
+              <a:alphaOff val="0"/>
+            </a:schemeClr>
+          </a:solidFill>
+          <a:prstDash val="solid"/>
+          <a:miter lim="800000"/>
+        </a:ln>
+        <a:effectLst/>
+      </dsp:spPr>
+      <dsp:style>
+        <a:lnRef idx="2">
+          <a:scrgbClr r="0" g="0" b="0"/>
+        </a:lnRef>
+        <a:fillRef idx="1">
+          <a:scrgbClr r="0" g="0" b="0"/>
+        </a:fillRef>
+        <a:effectRef idx="0">
+          <a:scrgbClr r="0" g="0" b="0"/>
+        </a:effectRef>
+        <a:fontRef idx="minor">
+          <a:schemeClr val="lt1"/>
+        </a:fontRef>
+      </dsp:style>
+      <dsp:txBody>
+        <a:bodyPr spcFirstLastPara="0" vert="horz" wrap="square" lIns="68580" tIns="68580" rIns="68580" bIns="68580" numCol="1" spcCol="1270" anchor="ctr" anchorCtr="0">
+          <a:noAutofit/>
+        </a:bodyPr>
+        <a:lstStyle/>
+        <a:p>
+          <a:pPr marL="0" lvl="0" indent="0" algn="l" defTabSz="800100">
+            <a:lnSpc>
+              <a:spcPct val="90000"/>
+            </a:lnSpc>
+            <a:spcBef>
+              <a:spcPct val="0"/>
+            </a:spcBef>
+            <a:spcAft>
+              <a:spcPct val="35000"/>
+            </a:spcAft>
+            <a:buNone/>
+          </a:pPr>
+          <a:r>
+            <a:rPr lang="en-US" sz="1800" kern="1200"/>
+            <a:t>Most crimes happen in public places connected to infrastructure, as well as in private homes, along with a higher proportion of violent crimes</a:t>
+          </a:r>
+        </a:p>
+      </dsp:txBody>
+      <dsp:txXfrm>
+        <a:off x="49335" y="4437035"/>
+        <a:ext cx="6801842" cy="911963"/>
+      </dsp:txXfrm>
+    </dsp:sp>
+  </dsp:spTree>
+</dsp:drawing>
+</file>
+
+<file path=ppt/diagrams/drawing2.xml><?xml version="1.0" encoding="utf-8"?>
+<dsp:drawing xmlns:dgm="http://schemas.openxmlformats.org/drawingml/2006/diagram" xmlns:dsp="http://schemas.microsoft.com/office/drawing/2008/diagram" xmlns:a="http://schemas.openxmlformats.org/drawingml/2006/main">
+  <dsp:spTree>
+    <dsp:nvGrpSpPr>
+      <dsp:cNvPr id="0" name=""/>
+      <dsp:cNvGrpSpPr/>
+    </dsp:nvGrpSpPr>
+    <dsp:grpSpPr/>
+    <dsp:sp modelId="{ED5B612F-B31A-46EF-9B38-414D597A339B}">
+      <dsp:nvSpPr>
+        <dsp:cNvPr id="0" name=""/>
+        <dsp:cNvSpPr/>
+      </dsp:nvSpPr>
+      <dsp:spPr>
+        <a:xfrm>
+          <a:off x="0" y="39687"/>
+          <a:ext cx="3286125" cy="1971675"/>
+        </a:xfrm>
+        <a:prstGeom prst="rect">
+          <a:avLst/>
+        </a:prstGeom>
+        <a:gradFill rotWithShape="0">
+          <a:gsLst>
+            <a:gs pos="0">
+              <a:schemeClr val="accent2">
+                <a:hueOff val="0"/>
+                <a:satOff val="0"/>
+                <a:lumOff val="0"/>
+                <a:alphaOff val="0"/>
+                <a:satMod val="103000"/>
+                <a:lumMod val="102000"/>
+                <a:tint val="94000"/>
+              </a:schemeClr>
+            </a:gs>
+            <a:gs pos="50000">
+              <a:schemeClr val="accent2">
+                <a:hueOff val="0"/>
+                <a:satOff val="0"/>
+                <a:lumOff val="0"/>
+                <a:alphaOff val="0"/>
+                <a:satMod val="110000"/>
+                <a:lumMod val="100000"/>
+                <a:shade val="100000"/>
+              </a:schemeClr>
+            </a:gs>
+            <a:gs pos="100000">
+              <a:schemeClr val="accent2">
+                <a:hueOff val="0"/>
+                <a:satOff val="0"/>
+                <a:lumOff val="0"/>
+                <a:alphaOff val="0"/>
+                <a:lumMod val="99000"/>
+                <a:satMod val="120000"/>
+                <a:shade val="78000"/>
+              </a:schemeClr>
+            </a:gs>
+          </a:gsLst>
+          <a:lin ang="5400000" scaled="0"/>
+        </a:gradFill>
+        <a:ln>
+          <a:noFill/>
+        </a:ln>
+        <a:effectLst/>
+      </dsp:spPr>
+      <dsp:style>
+        <a:lnRef idx="0">
+          <a:scrgbClr r="0" g="0" b="0"/>
+        </a:lnRef>
+        <a:fillRef idx="3">
+          <a:scrgbClr r="0" g="0" b="0"/>
+        </a:fillRef>
+        <a:effectRef idx="2">
+          <a:scrgbClr r="0" g="0" b="0"/>
+        </a:effectRef>
+        <a:fontRef idx="minor">
+          <a:schemeClr val="lt1"/>
+        </a:fontRef>
+      </dsp:style>
+      <dsp:txBody>
+        <a:bodyPr spcFirstLastPara="0" vert="horz" wrap="square" lIns="140970" tIns="140970" rIns="140970" bIns="140970" numCol="1" spcCol="1270" anchor="ctr" anchorCtr="0">
+          <a:noAutofit/>
+        </a:bodyPr>
+        <a:lstStyle/>
+        <a:p>
+          <a:pPr marL="0" lvl="0" indent="0" algn="ctr" defTabSz="1644650">
+            <a:lnSpc>
+              <a:spcPct val="90000"/>
+            </a:lnSpc>
+            <a:spcBef>
+              <a:spcPct val="0"/>
+            </a:spcBef>
+            <a:spcAft>
+              <a:spcPct val="35000"/>
+            </a:spcAft>
+            <a:buNone/>
+          </a:pPr>
+          <a:r>
+            <a:rPr lang="en-US" sz="3700" kern="1200" dirty="0"/>
+            <a:t>Dropped unnecessary columns</a:t>
+          </a:r>
+        </a:p>
+      </dsp:txBody>
+      <dsp:txXfrm>
+        <a:off x="0" y="39687"/>
+        <a:ext cx="3286125" cy="1971675"/>
+      </dsp:txXfrm>
+    </dsp:sp>
+    <dsp:sp modelId="{E6B605CF-30CB-4EFF-8A2E-4D232C39039E}">
+      <dsp:nvSpPr>
+        <dsp:cNvPr id="0" name=""/>
+        <dsp:cNvSpPr/>
+      </dsp:nvSpPr>
+      <dsp:spPr>
+        <a:xfrm>
+          <a:off x="3614737" y="39687"/>
+          <a:ext cx="3286125" cy="1971675"/>
+        </a:xfrm>
+        <a:prstGeom prst="rect">
+          <a:avLst/>
+        </a:prstGeom>
+        <a:gradFill rotWithShape="0">
+          <a:gsLst>
+            <a:gs pos="0">
+              <a:schemeClr val="accent2">
+                <a:hueOff val="1288723"/>
+                <a:satOff val="-3699"/>
+                <a:lumOff val="-5922"/>
+                <a:alphaOff val="0"/>
+                <a:satMod val="103000"/>
+                <a:lumMod val="102000"/>
+                <a:tint val="94000"/>
+              </a:schemeClr>
+            </a:gs>
+            <a:gs pos="50000">
+              <a:schemeClr val="accent2">
+                <a:hueOff val="1288723"/>
+                <a:satOff val="-3699"/>
+                <a:lumOff val="-5922"/>
+                <a:alphaOff val="0"/>
+                <a:satMod val="110000"/>
+                <a:lumMod val="100000"/>
+                <a:shade val="100000"/>
+              </a:schemeClr>
+            </a:gs>
+            <a:gs pos="100000">
+              <a:schemeClr val="accent2">
+                <a:hueOff val="1288723"/>
+                <a:satOff val="-3699"/>
+                <a:lumOff val="-5922"/>
+                <a:alphaOff val="0"/>
+                <a:lumMod val="99000"/>
+                <a:satMod val="120000"/>
+                <a:shade val="78000"/>
+              </a:schemeClr>
+            </a:gs>
+          </a:gsLst>
+          <a:lin ang="5400000" scaled="0"/>
+        </a:gradFill>
+        <a:ln>
+          <a:noFill/>
+        </a:ln>
+        <a:effectLst/>
+      </dsp:spPr>
+      <dsp:style>
+        <a:lnRef idx="0">
+          <a:scrgbClr r="0" g="0" b="0"/>
+        </a:lnRef>
+        <a:fillRef idx="3">
+          <a:scrgbClr r="0" g="0" b="0"/>
+        </a:fillRef>
+        <a:effectRef idx="2">
+          <a:scrgbClr r="0" g="0" b="0"/>
+        </a:effectRef>
+        <a:fontRef idx="minor">
+          <a:schemeClr val="lt1"/>
+        </a:fontRef>
+      </dsp:style>
+      <dsp:txBody>
+        <a:bodyPr spcFirstLastPara="0" vert="horz" wrap="square" lIns="140970" tIns="140970" rIns="140970" bIns="140970" numCol="1" spcCol="1270" anchor="ctr" anchorCtr="0">
+          <a:noAutofit/>
+        </a:bodyPr>
+        <a:lstStyle/>
+        <a:p>
+          <a:pPr marL="0" lvl="0" indent="0" algn="ctr" defTabSz="1644650">
+            <a:lnSpc>
+              <a:spcPct val="90000"/>
+            </a:lnSpc>
+            <a:spcBef>
+              <a:spcPct val="0"/>
+            </a:spcBef>
+            <a:spcAft>
+              <a:spcPct val="35000"/>
+            </a:spcAft>
+            <a:buNone/>
+          </a:pPr>
+          <a:r>
+            <a:rPr lang="en-US" sz="3700" kern="1200"/>
+            <a:t>Updated data types</a:t>
+          </a:r>
+        </a:p>
+      </dsp:txBody>
+      <dsp:txXfrm>
+        <a:off x="3614737" y="39687"/>
+        <a:ext cx="3286125" cy="1971675"/>
+      </dsp:txXfrm>
+    </dsp:sp>
+    <dsp:sp modelId="{DF0CC4C4-91F3-469B-BAF4-6D054088BD81}">
+      <dsp:nvSpPr>
+        <dsp:cNvPr id="0" name=""/>
+        <dsp:cNvSpPr/>
+      </dsp:nvSpPr>
+      <dsp:spPr>
+        <a:xfrm>
+          <a:off x="7229475" y="39687"/>
+          <a:ext cx="3286125" cy="1971675"/>
+        </a:xfrm>
+        <a:prstGeom prst="rect">
+          <a:avLst/>
+        </a:prstGeom>
+        <a:gradFill rotWithShape="0">
+          <a:gsLst>
+            <a:gs pos="0">
+              <a:schemeClr val="accent2">
+                <a:hueOff val="2577445"/>
+                <a:satOff val="-7397"/>
+                <a:lumOff val="-11844"/>
+                <a:alphaOff val="0"/>
+                <a:satMod val="103000"/>
+                <a:lumMod val="102000"/>
+                <a:tint val="94000"/>
+              </a:schemeClr>
+            </a:gs>
+            <a:gs pos="50000">
+              <a:schemeClr val="accent2">
+                <a:hueOff val="2577445"/>
+                <a:satOff val="-7397"/>
+                <a:lumOff val="-11844"/>
+                <a:alphaOff val="0"/>
+                <a:satMod val="110000"/>
+                <a:lumMod val="100000"/>
+                <a:shade val="100000"/>
+              </a:schemeClr>
+            </a:gs>
+            <a:gs pos="100000">
+              <a:schemeClr val="accent2">
+                <a:hueOff val="2577445"/>
+                <a:satOff val="-7397"/>
+                <a:lumOff val="-11844"/>
+                <a:alphaOff val="0"/>
+                <a:lumMod val="99000"/>
+                <a:satMod val="120000"/>
+                <a:shade val="78000"/>
+              </a:schemeClr>
+            </a:gs>
+          </a:gsLst>
+          <a:lin ang="5400000" scaled="0"/>
+        </a:gradFill>
+        <a:ln>
+          <a:noFill/>
+        </a:ln>
+        <a:effectLst/>
+      </dsp:spPr>
+      <dsp:style>
+        <a:lnRef idx="0">
+          <a:scrgbClr r="0" g="0" b="0"/>
+        </a:lnRef>
+        <a:fillRef idx="3">
+          <a:scrgbClr r="0" g="0" b="0"/>
+        </a:fillRef>
+        <a:effectRef idx="2">
+          <a:scrgbClr r="0" g="0" b="0"/>
+        </a:effectRef>
+        <a:fontRef idx="minor">
+          <a:schemeClr val="lt1"/>
+        </a:fontRef>
+      </dsp:style>
+      <dsp:txBody>
+        <a:bodyPr spcFirstLastPara="0" vert="horz" wrap="square" lIns="140970" tIns="140970" rIns="140970" bIns="140970" numCol="1" spcCol="1270" anchor="ctr" anchorCtr="0">
+          <a:noAutofit/>
+        </a:bodyPr>
+        <a:lstStyle/>
+        <a:p>
+          <a:pPr marL="0" lvl="0" indent="0" algn="ctr" defTabSz="1644650">
+            <a:lnSpc>
+              <a:spcPct val="90000"/>
+            </a:lnSpc>
+            <a:spcBef>
+              <a:spcPct val="0"/>
+            </a:spcBef>
+            <a:spcAft>
+              <a:spcPct val="35000"/>
+            </a:spcAft>
+            <a:buNone/>
+          </a:pPr>
+          <a:r>
+            <a:rPr lang="en-US" sz="3700" kern="1200"/>
+            <a:t>Removed rows with missing values</a:t>
+          </a:r>
+        </a:p>
+      </dsp:txBody>
+      <dsp:txXfrm>
+        <a:off x="7229475" y="39687"/>
+        <a:ext cx="3286125" cy="1971675"/>
+      </dsp:txXfrm>
+    </dsp:sp>
+    <dsp:sp modelId="{2A004AC3-098C-4B33-B570-A7232E3ABC4C}">
+      <dsp:nvSpPr>
+        <dsp:cNvPr id="0" name=""/>
+        <dsp:cNvSpPr/>
+      </dsp:nvSpPr>
+      <dsp:spPr>
+        <a:xfrm>
+          <a:off x="0" y="2339975"/>
+          <a:ext cx="3286125" cy="1971675"/>
+        </a:xfrm>
+        <a:prstGeom prst="rect">
+          <a:avLst/>
+        </a:prstGeom>
+        <a:gradFill rotWithShape="0">
+          <a:gsLst>
+            <a:gs pos="0">
+              <a:schemeClr val="accent2">
+                <a:hueOff val="3866169"/>
+                <a:satOff val="-11096"/>
+                <a:lumOff val="-17765"/>
+                <a:alphaOff val="0"/>
+                <a:satMod val="103000"/>
+                <a:lumMod val="102000"/>
+                <a:tint val="94000"/>
+              </a:schemeClr>
+            </a:gs>
+            <a:gs pos="50000">
+              <a:schemeClr val="accent2">
+                <a:hueOff val="3866169"/>
+                <a:satOff val="-11096"/>
+                <a:lumOff val="-17765"/>
+                <a:alphaOff val="0"/>
+                <a:satMod val="110000"/>
+                <a:lumMod val="100000"/>
+                <a:shade val="100000"/>
+              </a:schemeClr>
+            </a:gs>
+            <a:gs pos="100000">
+              <a:schemeClr val="accent2">
+                <a:hueOff val="3866169"/>
+                <a:satOff val="-11096"/>
+                <a:lumOff val="-17765"/>
+                <a:alphaOff val="0"/>
+                <a:lumMod val="99000"/>
+                <a:satMod val="120000"/>
+                <a:shade val="78000"/>
+              </a:schemeClr>
+            </a:gs>
+          </a:gsLst>
+          <a:lin ang="5400000" scaled="0"/>
+        </a:gradFill>
+        <a:ln>
+          <a:noFill/>
+        </a:ln>
+        <a:effectLst/>
+      </dsp:spPr>
+      <dsp:style>
+        <a:lnRef idx="0">
+          <a:scrgbClr r="0" g="0" b="0"/>
+        </a:lnRef>
+        <a:fillRef idx="3">
+          <a:scrgbClr r="0" g="0" b="0"/>
+        </a:fillRef>
+        <a:effectRef idx="2">
+          <a:scrgbClr r="0" g="0" b="0"/>
+        </a:effectRef>
+        <a:fontRef idx="minor">
+          <a:schemeClr val="lt1"/>
+        </a:fontRef>
+      </dsp:style>
+      <dsp:txBody>
+        <a:bodyPr spcFirstLastPara="0" vert="horz" wrap="square" lIns="140970" tIns="140970" rIns="140970" bIns="140970" numCol="1" spcCol="1270" anchor="ctr" anchorCtr="0">
+          <a:noAutofit/>
+        </a:bodyPr>
+        <a:lstStyle/>
+        <a:p>
+          <a:pPr marL="0" lvl="0" indent="0" algn="ctr" defTabSz="1644650">
+            <a:lnSpc>
+              <a:spcPct val="90000"/>
+            </a:lnSpc>
+            <a:spcBef>
+              <a:spcPct val="0"/>
+            </a:spcBef>
+            <a:spcAft>
+              <a:spcPct val="35000"/>
+            </a:spcAft>
+            <a:buNone/>
+          </a:pPr>
+          <a:r>
+            <a:rPr lang="en-US" sz="3700" kern="1200"/>
+            <a:t>Binned data</a:t>
+          </a:r>
+        </a:p>
+      </dsp:txBody>
+      <dsp:txXfrm>
+        <a:off x="0" y="2339975"/>
+        <a:ext cx="3286125" cy="1971675"/>
+      </dsp:txXfrm>
+    </dsp:sp>
+    <dsp:sp modelId="{9C747FF8-21CC-422E-BAE6-61F700E22AEB}">
+      <dsp:nvSpPr>
+        <dsp:cNvPr id="0" name=""/>
+        <dsp:cNvSpPr/>
+      </dsp:nvSpPr>
+      <dsp:spPr>
+        <a:xfrm>
+          <a:off x="3614737" y="2339975"/>
+          <a:ext cx="3286125" cy="1971675"/>
+        </a:xfrm>
+        <a:prstGeom prst="rect">
+          <a:avLst/>
+        </a:prstGeom>
+        <a:gradFill rotWithShape="0">
+          <a:gsLst>
+            <a:gs pos="0">
+              <a:schemeClr val="accent2">
+                <a:hueOff val="5154891"/>
+                <a:satOff val="-14794"/>
+                <a:lumOff val="-23687"/>
+                <a:alphaOff val="0"/>
+                <a:satMod val="103000"/>
+                <a:lumMod val="102000"/>
+                <a:tint val="94000"/>
+              </a:schemeClr>
+            </a:gs>
+            <a:gs pos="50000">
+              <a:schemeClr val="accent2">
+                <a:hueOff val="5154891"/>
+                <a:satOff val="-14794"/>
+                <a:lumOff val="-23687"/>
+                <a:alphaOff val="0"/>
+                <a:satMod val="110000"/>
+                <a:lumMod val="100000"/>
+                <a:shade val="100000"/>
+              </a:schemeClr>
+            </a:gs>
+            <a:gs pos="100000">
+              <a:schemeClr val="accent2">
+                <a:hueOff val="5154891"/>
+                <a:satOff val="-14794"/>
+                <a:lumOff val="-23687"/>
+                <a:alphaOff val="0"/>
+                <a:lumMod val="99000"/>
+                <a:satMod val="120000"/>
+                <a:shade val="78000"/>
+              </a:schemeClr>
+            </a:gs>
+          </a:gsLst>
+          <a:lin ang="5400000" scaled="0"/>
+        </a:gradFill>
+        <a:ln>
+          <a:noFill/>
+        </a:ln>
+        <a:effectLst/>
+      </dsp:spPr>
+      <dsp:style>
+        <a:lnRef idx="0">
+          <a:scrgbClr r="0" g="0" b="0"/>
+        </a:lnRef>
+        <a:fillRef idx="3">
+          <a:scrgbClr r="0" g="0" b="0"/>
+        </a:fillRef>
+        <a:effectRef idx="2">
+          <a:scrgbClr r="0" g="0" b="0"/>
+        </a:effectRef>
+        <a:fontRef idx="minor">
+          <a:schemeClr val="lt1"/>
+        </a:fontRef>
+      </dsp:style>
+      <dsp:txBody>
+        <a:bodyPr spcFirstLastPara="0" vert="horz" wrap="square" lIns="140970" tIns="140970" rIns="140970" bIns="140970" numCol="1" spcCol="1270" anchor="ctr" anchorCtr="0">
+          <a:noAutofit/>
+        </a:bodyPr>
+        <a:lstStyle/>
+        <a:p>
+          <a:pPr marL="0" lvl="0" indent="0" algn="ctr" defTabSz="1644650">
+            <a:lnSpc>
+              <a:spcPct val="90000"/>
+            </a:lnSpc>
+            <a:spcBef>
+              <a:spcPct val="0"/>
+            </a:spcBef>
+            <a:spcAft>
+              <a:spcPct val="35000"/>
+            </a:spcAft>
+            <a:buNone/>
+          </a:pPr>
+          <a:r>
+            <a:rPr lang="en-US" sz="3700" kern="1200"/>
+            <a:t>Split testing and training data</a:t>
+          </a:r>
+        </a:p>
+      </dsp:txBody>
+      <dsp:txXfrm>
+        <a:off x="3614737" y="2339975"/>
+        <a:ext cx="3286125" cy="1971675"/>
+      </dsp:txXfrm>
+    </dsp:sp>
+    <dsp:sp modelId="{96DA9FB6-C676-49D2-87F5-28A2D8D6F348}">
+      <dsp:nvSpPr>
+        <dsp:cNvPr id="0" name=""/>
+        <dsp:cNvSpPr/>
+      </dsp:nvSpPr>
+      <dsp:spPr>
+        <a:xfrm>
+          <a:off x="7229475" y="2339975"/>
+          <a:ext cx="3286125" cy="1971675"/>
+        </a:xfrm>
+        <a:prstGeom prst="rect">
+          <a:avLst/>
+        </a:prstGeom>
+        <a:gradFill rotWithShape="0">
+          <a:gsLst>
+            <a:gs pos="0">
+              <a:schemeClr val="accent2">
+                <a:hueOff val="6443614"/>
+                <a:satOff val="-18493"/>
+                <a:lumOff val="-29609"/>
+                <a:alphaOff val="0"/>
+                <a:satMod val="103000"/>
+                <a:lumMod val="102000"/>
+                <a:tint val="94000"/>
+              </a:schemeClr>
+            </a:gs>
+            <a:gs pos="50000">
+              <a:schemeClr val="accent2">
+                <a:hueOff val="6443614"/>
+                <a:satOff val="-18493"/>
+                <a:lumOff val="-29609"/>
+                <a:alphaOff val="0"/>
+                <a:satMod val="110000"/>
+                <a:lumMod val="100000"/>
+                <a:shade val="100000"/>
+              </a:schemeClr>
+            </a:gs>
+            <a:gs pos="100000">
+              <a:schemeClr val="accent2">
+                <a:hueOff val="6443614"/>
+                <a:satOff val="-18493"/>
+                <a:lumOff val="-29609"/>
+                <a:alphaOff val="0"/>
+                <a:lumMod val="99000"/>
+                <a:satMod val="120000"/>
+                <a:shade val="78000"/>
+              </a:schemeClr>
+            </a:gs>
+          </a:gsLst>
+          <a:lin ang="5400000" scaled="0"/>
+        </a:gradFill>
+        <a:ln>
+          <a:noFill/>
+        </a:ln>
+        <a:effectLst/>
+      </dsp:spPr>
+      <dsp:style>
+        <a:lnRef idx="0">
+          <a:scrgbClr r="0" g="0" b="0"/>
+        </a:lnRef>
+        <a:fillRef idx="3">
+          <a:scrgbClr r="0" g="0" b="0"/>
+        </a:fillRef>
+        <a:effectRef idx="2">
+          <a:scrgbClr r="0" g="0" b="0"/>
+        </a:effectRef>
+        <a:fontRef idx="minor">
+          <a:schemeClr val="lt1"/>
+        </a:fontRef>
+      </dsp:style>
+      <dsp:txBody>
+        <a:bodyPr spcFirstLastPara="0" vert="horz" wrap="square" lIns="140970" tIns="140970" rIns="140970" bIns="140970" numCol="1" spcCol="1270" anchor="ctr" anchorCtr="0">
+          <a:noAutofit/>
+        </a:bodyPr>
+        <a:lstStyle/>
+        <a:p>
+          <a:pPr marL="0" lvl="0" indent="0" algn="ctr" defTabSz="1644650">
+            <a:lnSpc>
+              <a:spcPct val="90000"/>
+            </a:lnSpc>
+            <a:spcBef>
+              <a:spcPct val="0"/>
+            </a:spcBef>
+            <a:spcAft>
+              <a:spcPct val="35000"/>
+            </a:spcAft>
+            <a:buNone/>
+          </a:pPr>
+          <a:r>
+            <a:rPr lang="en-US" sz="3700" kern="1200"/>
+            <a:t>Data visualization</a:t>
+          </a:r>
+        </a:p>
+      </dsp:txBody>
+      <dsp:txXfrm>
+        <a:off x="7229475" y="2339975"/>
+        <a:ext cx="3286125" cy="1971675"/>
+      </dsp:txXfrm>
+    </dsp:sp>
+  </dsp:spTree>
+</dsp:drawing>
+</file>
+
+<file path=ppt/diagrams/layout1.xml><?xml version="1.0" encoding="utf-8"?>
+<dgm:layoutDef xmlns:dgm="http://schemas.openxmlformats.org/drawingml/2006/diagram" xmlns:a="http://schemas.openxmlformats.org/drawingml/2006/main" uniqueId="urn:microsoft.com/office/officeart/2005/8/layout/vList2">
+  <dgm:title val=""/>
+  <dgm:desc val=""/>
+  <dgm:catLst>
+    <dgm:cat type="list" pri="3000"/>
+    <dgm:cat type="convert" pri="1000"/>
+  </dgm:catLst>
+  <dgm:sampData>
+    <dgm:dataModel>
+      <dgm:ptLst>
+        <dgm:pt modelId="0" type="doc"/>
+        <dgm:pt modelId="1">
+          <dgm:prSet phldr="1"/>
+        </dgm:pt>
+        <dgm:pt modelId="11">
+          <dgm:prSet phldr="1"/>
+        </dgm:pt>
+        <dgm:pt modelId="2">
+          <dgm:prSet phldr="1"/>
+        </dgm:pt>
+        <dgm:pt modelId="21">
+          <dgm:prSet phldr="1"/>
+        </dgm:pt>
+      </dgm:ptLst>
+      <dgm:cxnLst>
+        <dgm:cxn modelId="4" srcId="0" destId="1" srcOrd="0" destOrd="0"/>
+        <dgm:cxn modelId="5" srcId="0" destId="2" srcOrd="1" destOrd="0"/>
+        <dgm:cxn modelId="12" srcId="1" destId="11" srcOrd="0" destOrd="0"/>
+        <dgm:cxn modelId="23" srcId="2" destId="21" srcOrd="0" destOrd="0"/>
+      </dgm:cxnLst>
+      <dgm:bg/>
+      <dgm:whole/>
+    </dgm:dataModel>
+  </dgm:sampData>
+  <dgm:styleData>
+    <dgm:dataModel>
+      <dgm:ptLst>
+        <dgm:pt modelId="0" type="doc"/>
+        <dgm:pt modelId="1"/>
+        <dgm:pt modelId="2"/>
+      </dgm:ptLst>
+      <dgm:cxnLst>
+        <dgm:cxn modelId="3" srcId="0" destId="1" srcOrd="0" destOrd="0"/>
+        <dgm:cxn modelId="4" srcId="0" destId="2" srcOrd="1" destOrd="0"/>
+      </dgm:cxnLst>
+      <dgm:bg/>
+      <dgm:whole/>
+    </dgm:dataModel>
+  </dgm:styleData>
+  <dgm:clrData>
+    <dgm:dataModel>
+      <dgm:ptLst>
+        <dgm:pt modelId="0" type="doc"/>
+        <dgm:pt modelId="1"/>
+        <dgm:pt modelId="2"/>
+        <dgm:pt modelId="3"/>
+        <dgm:pt modelId="4"/>
+      </dgm:ptLst>
+      <dgm:cxnLst>
+        <dgm:cxn modelId="5" srcId="0" destId="1" srcOrd="0" destOrd="0"/>
+        <dgm:cxn modelId="6" srcId="0" destId="2" srcOrd="1" destOrd="0"/>
+        <dgm:cxn modelId="7" srcId="0" destId="3" srcOrd="2" destOrd="0"/>
+        <dgm:cxn modelId="8" srcId="0" destId="4" srcOrd="3" destOrd="0"/>
+      </dgm:cxnLst>
+      <dgm:bg/>
+      <dgm:whole/>
+    </dgm:dataModel>
+  </dgm:clrData>
+  <dgm:layoutNode name="linear">
+    <dgm:varLst>
+      <dgm:animLvl val="lvl"/>
+      <dgm:resizeHandles val="exact"/>
+    </dgm:varLst>
+    <dgm:alg type="lin">
+      <dgm:param type="linDir" val="fromT"/>
+      <dgm:param type="vertAlign" val="mid"/>
+    </dgm:alg>
+    <dgm:shape xmlns:r="http://schemas.openxmlformats.org/officeDocument/2006/relationships" r:blip="">
+      <dgm:adjLst/>
+    </dgm:shape>
+    <dgm:presOf/>
+    <dgm:constrLst>
+      <dgm:constr type="w" for="ch" forName="parentText" refType="w"/>
+      <dgm:constr type="h" for="ch" forName="parentText" refType="primFontSz" refFor="ch" refForName="parentText" fact="0.52"/>
+      <dgm:constr type="w" for="ch" forName="childText" refType="w"/>
+      <dgm:constr type="h" for="ch" forName="childText" refType="primFontSz" refFor="ch" refForName="parentText" fact="0.46"/>
+      <dgm:constr type="h" for="ch" forName="parentText" op="equ"/>
+      <dgm:constr type="primFontSz" for="ch" forName="parentText" op="equ" val="65"/>
+      <dgm:constr type="primFontSz" for="ch" forName="childText" refType="primFontSz" refFor="ch" refForName="parentText" op="equ"/>
+      <dgm:constr type="h" for="ch" forName="spacer" refType="primFontSz" refFor="ch" refForName="parentText" fact="0.08"/>
+    </dgm:constrLst>
+    <dgm:ruleLst>
+      <dgm:rule type="primFontSz" for="ch" forName="parentText" val="5" fact="NaN" max="NaN"/>
+    </dgm:ruleLst>
+    <dgm:forEach name="Name0" axis="ch" ptType="node">
+      <dgm:layoutNode name="parentText" styleLbl="node1">
+        <dgm:varLst>
+          <dgm:chMax val="0"/>
+          <dgm:bulletEnabled val="1"/>
+        </dgm:varLst>
+        <dgm:alg type="tx">
+          <dgm:param type="parTxLTRAlign" val="l"/>
+          <dgm:param type="parTxRTLAlign" val="r"/>
+        </dgm:alg>
+        <dgm:shape xmlns:r="http://schemas.openxmlformats.org/officeDocument/2006/relationships" type="roundRect" r:blip="">
+          <dgm:adjLst/>
+        </dgm:shape>
+        <dgm:presOf axis="self"/>
+        <dgm:constrLst>
+          <dgm:constr type="tMarg" refType="primFontSz" fact="0.3"/>
+          <dgm:constr type="bMarg" refType="primFontSz" fact="0.3"/>
+          <dgm:constr type="lMarg" refType="primFontSz" fact="0.3"/>
+          <dgm:constr type="rMarg" refType="primFontSz" fact="0.3"/>
+        </dgm:constrLst>
+        <dgm:ruleLst>
+          <dgm:rule type="h" val="INF" fact="NaN" max="NaN"/>
+        </dgm:ruleLst>
+      </dgm:layoutNode>
+      <dgm:choose name="Name1">
+        <dgm:if name="Name2" axis="ch" ptType="node" func="cnt" op="gte" val="1">
+          <dgm:layoutNode name="childText" styleLbl="revTx">
+            <dgm:varLst>
+              <dgm:bulletEnabled val="1"/>
+            </dgm:varLst>
+            <dgm:alg type="tx">
+              <dgm:param type="stBulletLvl" val="1"/>
+              <dgm:param type="lnSpAfChP" val="20"/>
+            </dgm:alg>
+            <dgm:shape xmlns:r="http://schemas.openxmlformats.org/officeDocument/2006/relationships" type="rect" r:blip="">
+              <dgm:adjLst/>
+            </dgm:shape>
+            <dgm:presOf axis="des" ptType="node"/>
+            <dgm:constrLst>
+              <dgm:constr type="tMarg" refType="primFontSz" fact="0.1"/>
+              <dgm:constr type="bMarg" refType="primFontSz" fact="0.1"/>
+              <dgm:constr type="lMarg" refType="w" fact="0.09"/>
+            </dgm:constrLst>
+            <dgm:ruleLst>
+              <dgm:rule type="h" val="INF" fact="NaN" max="NaN"/>
+            </dgm:ruleLst>
+          </dgm:layoutNode>
+        </dgm:if>
+        <dgm:else name="Name3">
+          <dgm:choose name="Name4">
+            <dgm:if name="Name5" axis="par ch" ptType="doc node" func="cnt" op="gte" val="2">
+              <dgm:forEach name="Name6" axis="followSib" ptType="sibTrans" cnt="1">
+                <dgm:layoutNode name="spacer">
+                  <dgm:alg type="sp"/>
+                  <dgm:shape xmlns:r="http://schemas.openxmlformats.org/officeDocument/2006/relationships" r:blip="">
+                    <dgm:adjLst/>
+                  </dgm:shape>
+                  <dgm:presOf/>
+                  <dgm:constrLst/>
+                  <dgm:ruleLst/>
+                </dgm:layoutNode>
+              </dgm:forEach>
+            </dgm:if>
+            <dgm:else name="Name7"/>
+          </dgm:choose>
+        </dgm:else>
+      </dgm:choose>
+    </dgm:forEach>
+  </dgm:layoutNode>
+</dgm:layoutDef>
+</file>
+
+<file path=ppt/diagrams/layout2.xml><?xml version="1.0" encoding="utf-8"?>
+<dgm:layoutDef xmlns:dgm="http://schemas.openxmlformats.org/drawingml/2006/diagram" xmlns:a="http://schemas.openxmlformats.org/drawingml/2006/main" uniqueId="urn:microsoft.com/office/officeart/2005/8/layout/default">
+  <dgm:title val=""/>
+  <dgm:desc val=""/>
+  <dgm:catLst>
+    <dgm:cat type="list" pri="400"/>
+  </dgm:catLst>
+  <dgm:sampData>
+    <dgm:dataModel>
+      <dgm:ptLst>
+        <dgm:pt modelId="0" type="doc"/>
+        <dgm:pt modelId="1">
+          <dgm:prSet phldr="1"/>
+        </dgm:pt>
+        <dgm:pt modelId="2">
+          <dgm:prSet phldr="1"/>
+        </dgm:pt>
+        <dgm:pt modelId="3">
+          <dgm:prSet phldr="1"/>
+        </dgm:pt>
+        <dgm:pt modelId="4">
+          <dgm:prSet phldr="1"/>
+        </dgm:pt>
+        <dgm:pt modelId="5">
+          <dgm:prSet phldr="1"/>
+        </dgm:pt>
+      </dgm:ptLst>
+      <dgm:cxnLst>
+        <dgm:cxn modelId="6" srcId="0" destId="1" srcOrd="0" destOrd="0"/>
+        <dgm:cxn modelId="7" srcId="0" destId="2" srcOrd="1" destOrd="0"/>
+        <dgm:cxn modelId="8" srcId="0" destId="3" srcOrd="2" destOrd="0"/>
+        <dgm:cxn modelId="9" srcId="0" destId="4" srcOrd="3" destOrd="0"/>
+        <dgm:cxn modelId="10" srcId="0" destId="5" srcOrd="4" destOrd="0"/>
+      </dgm:cxnLst>
+      <dgm:bg/>
+      <dgm:whole/>
+    </dgm:dataModel>
+  </dgm:sampData>
+  <dgm:styleData>
+    <dgm:dataModel>
+      <dgm:ptLst>
+        <dgm:pt modelId="0" type="doc"/>
+        <dgm:pt modelId="1"/>
+        <dgm:pt modelId="2"/>
+      </dgm:ptLst>
+      <dgm:cxnLst>
+        <dgm:cxn modelId="3" srcId="0" destId="1" srcOrd="0" destOrd="0"/>
+        <dgm:cxn modelId="4" srcId="0" destId="2" srcOrd="1" destOrd="0"/>
+      </dgm:cxnLst>
+      <dgm:bg/>
+      <dgm:whole/>
+    </dgm:dataModel>
+  </dgm:styleData>
+  <dgm:clrData>
+    <dgm:dataModel>
+      <dgm:ptLst>
+        <dgm:pt modelId="0" type="doc"/>
+        <dgm:pt modelId="1"/>
+        <dgm:pt modelId="2"/>
+        <dgm:pt modelId="3"/>
+        <dgm:pt modelId="4"/>
+        <dgm:pt modelId="5"/>
+        <dgm:pt modelId="6"/>
+      </dgm:ptLst>
+      <dgm:cxnLst>
+        <dgm:cxn modelId="7" srcId="0" destId="1" srcOrd="0" destOrd="0"/>
+        <dgm:cxn modelId="8" srcId="0" destId="2" srcOrd="1" destOrd="0"/>
+        <dgm:cxn modelId="9" srcId="0" destId="3" srcOrd="2" destOrd="0"/>
+        <dgm:cxn modelId="10" srcId="0" destId="4" srcOrd="3" destOrd="0"/>
+        <dgm:cxn modelId="11" srcId="0" destId="5" srcOrd="4" destOrd="0"/>
+        <dgm:cxn modelId="12" srcId="0" destId="6" srcOrd="5" destOrd="0"/>
+      </dgm:cxnLst>
+      <dgm:bg/>
+      <dgm:whole/>
+    </dgm:dataModel>
+  </dgm:clrData>
+  <dgm:layoutNode name="diagram">
+    <dgm:varLst>
+      <dgm:dir/>
+      <dgm:resizeHandles val="exact"/>
+    </dgm:varLst>
+    <dgm:choose name="Name0">
+      <dgm:if name="Name1" func="var" arg="dir" op="equ" val="norm">
+        <dgm:alg type="snake">
+          <dgm:param type="grDir" val="tL"/>
+          <dgm:param type="flowDir" val="row"/>
+          <dgm:param type="contDir" val="sameDir"/>
+          <dgm:param type="off" val="ctr"/>
+        </dgm:alg>
+      </dgm:if>
+      <dgm:else name="Name2">
+        <dgm:alg type="snake">
+          <dgm:param type="grDir" val="tR"/>
+          <dgm:param type="flowDir" val="row"/>
+          <dgm:param type="contDir" val="sameDir"/>
+          <dgm:param type="off" val="ctr"/>
+        </dgm:alg>
+      </dgm:else>
+    </dgm:choose>
+    <dgm:shape xmlns:r="http://schemas.openxmlformats.org/officeDocument/2006/relationships" r:blip="">
+      <dgm:adjLst/>
+    </dgm:shape>
+    <dgm:presOf/>
+    <dgm:constrLst>
+      <dgm:constr type="w" for="ch" forName="node" refType="w"/>
+      <dgm:constr type="h" for="ch" forName="node" refType="w" refFor="ch" refForName="node" fact="0.6"/>
+      <dgm:constr type="w" for="ch" forName="sibTrans" refType="w" refFor="ch" refForName="node" fact="0.1"/>
+      <dgm:constr type="sp" refType="w" refFor="ch" refForName="sibTrans"/>
+      <dgm:constr type="primFontSz" for="ch" forName="node" op="equ" val="65"/>
+    </dgm:constrLst>
+    <dgm:ruleLst/>
+    <dgm:forEach name="Name3" axis="ch" ptType="node">
+      <dgm:layoutNode name="node">
+        <dgm:varLst>
+          <dgm:bulletEnabled val="1"/>
+        </dgm:varLst>
+        <dgm:alg type="tx"/>
+        <dgm:shape xmlns:r="http://schemas.openxmlformats.org/officeDocument/2006/relationships" type="rect" r:blip="">
+          <dgm:adjLst/>
+        </dgm:shape>
+        <dgm:presOf axis="desOrSelf" ptType="node"/>
+        <dgm:constrLst>
+          <dgm:constr type="lMarg" refType="primFontSz" fact="0.3"/>
+          <dgm:constr type="rMarg" refType="primFontSz" fact="0.3"/>
+          <dgm:constr type="tMarg" refType="primFontSz" fact="0.3"/>
+          <dgm:constr type="bMarg" refType="primFontSz" fact="0.3"/>
+        </dgm:constrLst>
+        <dgm:ruleLst>
+          <dgm:rule type="primFontSz" val="5" fact="NaN" max="NaN"/>
+        </dgm:ruleLst>
+      </dgm:layoutNode>
+      <dgm:forEach name="Name4" axis="followSib" ptType="sibTrans" cnt="1">
+        <dgm:layoutNode name="sibTrans">
+          <dgm:alg type="sp"/>
+          <dgm:shape xmlns:r="http://schemas.openxmlformats.org/officeDocument/2006/relationships" r:blip="">
+            <dgm:adjLst/>
+          </dgm:shape>
+          <dgm:presOf/>
+          <dgm:constrLst/>
+          <dgm:ruleLst/>
+        </dgm:layoutNode>
+      </dgm:forEach>
+    </dgm:forEach>
+  </dgm:layoutNode>
+</dgm:layoutDef>
+</file>
+
+<file path=ppt/diagrams/quickStyle1.xml><?xml version="1.0" encoding="utf-8"?>
+<dgm:styleDef xmlns:dgm="http://schemas.openxmlformats.org/drawingml/2006/diagram" xmlns:a="http://schemas.openxmlformats.org/drawingml/2006/main" uniqueId="urn:microsoft.com/office/officeart/2005/8/quickstyle/simple1">
+  <dgm:title val=""/>
+  <dgm:desc val=""/>
+  <dgm:catLst>
+    <dgm:cat type="simple" pri="10100"/>
+  </dgm:catLst>
+  <dgm:scene3d>
+    <a:camera prst="orthographicFront"/>
+    <a:lightRig rig="threePt" dir="t"/>
+  </dgm:scene3d>
+  <dgm:styleLbl name="node0">
+    <dgm:scene3d>
+      <a:camera prst="orthographicFront"/>
+      <a:lightRig rig="threePt" dir="t"/>
+    </dgm:scene3d>
+    <dgm:sp3d/>
+    <dgm:txPr/>
+    <dgm:style>
+      <a:lnRef idx="2">
+        <a:scrgbClr r="0" g="0" b="0"/>
+      </a:lnRef>
+      <a:fillRef idx="1">
+        <a:scrgbClr r="0" g="0" b="0"/>
+      </a:fillRef>
+      <a:effectRef idx="0">
+        <a:scrgbClr r="0" g="0" b="0"/>
+      </a:effectRef>
+      <a:fontRef idx="minor">
+        <a:schemeClr val="lt1"/>
+      </a:fontRef>
+    </dgm:style>
+  </dgm:styleLbl>
+  <dgm:styleLbl name="lnNode1">
+    <dgm:scene3d>
+      <a:camera prst="orthographicFront"/>
+      <a:lightRig rig="threePt" dir="t"/>
+    </dgm:scene3d>
+    <dgm:sp3d/>
+    <dgm:txPr/>
+    <dgm:style>
+      <a:lnRef idx="2">
+        <a:scrgbClr r="0" g="0" b="0"/>
+      </a:lnRef>
+      <a:fillRef idx="1">
+        <a:scrgbClr r="0" g="0" b="0"/>
+      </a:fillRef>
+      <a:effectRef idx="0">
+        <a:scrgbClr r="0" g="0" b="0"/>
+      </a:effectRef>
+      <a:fontRef idx="minor">
+        <a:schemeClr val="lt1"/>
+      </a:fontRef>
+    </dgm:style>
+  </dgm:styleLbl>
+  <dgm:styleLbl name="vennNode1">
+    <dgm:scene3d>
+      <a:camera prst="orthographicFront"/>
+      <a:lightRig rig="threePt" dir="t"/>
+    </dgm:scene3d>
+    <dgm:sp3d/>
+    <dgm:txPr/>
+    <dgm:style>
+      <a:lnRef idx="2">
+        <a:scrgbClr r="0" g="0" b="0"/>
+      </a:lnRef>
+      <a:fillRef idx="1">
+        <a:scrgbClr r="0" g="0" b="0"/>
+      </a:fillRef>
+      <a:effectRef idx="0">
+        <a:scrgbClr r="0" g="0" b="0"/>
+      </a:effectRef>
+      <a:fontRef idx="minor">
+        <a:schemeClr val="tx1"/>
+      </a:fontRef>
+    </dgm:style>
+  </dgm:styleLbl>
+  <dgm:styleLbl name="alignNode1">
+    <dgm:scene3d>
+      <a:camera prst="orthographicFront"/>
+      <a:lightRig rig="threePt" dir="t"/>
+    </dgm:scene3d>
+    <dgm:sp3d/>
+    <dgm:txPr/>
+    <dgm:style>
+      <a:lnRef idx="2">
+        <a:scrgbClr r="0" g="0" b="0"/>
+      </a:lnRef>
+      <a:fillRef idx="1">
+        <a:scrgbClr r="0" g="0" b="0"/>
+      </a:fillRef>
+      <a:effectRef idx="0">
+        <a:scrgbClr r="0" g="0" b="0"/>
+      </a:effectRef>
+      <a:fontRef idx="minor">
+        <a:schemeClr val="lt1"/>
+      </a:fontRef>
+    </dgm:style>
+  </dgm:styleLbl>
+  <dgm:styleLbl name="node1">
+    <dgm:scene3d>
+      <a:camera prst="orthographicFront"/>
+      <a:lightRig rig="threePt" dir="t"/>
+    </dgm:scene3d>
+    <dgm:sp3d/>
+    <dgm:txPr/>
+    <dgm:style>
+      <a:lnRef idx="2">
+        <a:scrgbClr r="0" g="0" b="0"/>
+      </a:lnRef>
+      <a:fillRef idx="1">
+        <a:scrgbClr r="0" g="0" b="0"/>
+      </a:fillRef>
+      <a:effectRef idx="0">
+        <a:scrgbClr r="0" g="0" b="0"/>
+      </a:effectRef>
+      <a:fontRef idx="minor">
+        <a:schemeClr val="lt1"/>
+      </a:fontRef>
+    </dgm:style>
+  </dgm:styleLbl>
+  <dgm:styleLbl name="node2">
+    <dgm:scene3d>
+      <a:camera prst="orthographicFront"/>
+      <a:lightRig rig="threePt" dir="t"/>
+    </dgm:scene3d>
+    <dgm:sp3d/>
+    <dgm:txPr/>
+    <dgm:style>
+      <a:lnRef idx="2">
+        <a:scrgbClr r="0" g="0" b="0"/>
+      </a:lnRef>
+      <a:fillRef idx="1">
+        <a:scrgbClr r="0" g="0" b="0"/>
+      </a:fillRef>
+      <a:effectRef idx="0">
+        <a:scrgbClr r="0" g="0" b="0"/>
+      </a:effectRef>
+      <a:fontRef idx="minor">
+        <a:schemeClr val="lt1"/>
+      </a:fontRef>
+    </dgm:style>
+  </dgm:styleLbl>
+  <dgm:styleLbl name="node3">
+    <dgm:scene3d>
+      <a:camera prst="orthographicFront"/>
+      <a:lightRig rig="threePt" dir="t"/>
+    </dgm:scene3d>
+    <dgm:sp3d/>
+    <dgm:txPr/>
+    <dgm:style>
+      <a:lnRef idx="2">
+        <a:scrgbClr r="0" g="0" b="0"/>
+      </a:lnRef>
+      <a:fillRef idx="1">
+        <a:scrgbClr r="0" g="0" b="0"/>
+      </a:fillRef>
+      <a:effectRef idx="0">
+        <a:scrgbClr r="0" g="0" b="0"/>
+      </a:effectRef>
+      <a:fontRef idx="minor">
+        <a:schemeClr val="lt1"/>
+      </a:fontRef>
+    </dgm:style>
+  </dgm:styleLbl>
+  <dgm:styleLbl name="node4">
+    <dgm:scene3d>
+      <a:camera prst="orthographicFront"/>
+      <a:lightRig rig="threePt" dir="t"/>
+    </dgm:scene3d>
+    <dgm:sp3d/>
+    <dgm:txPr/>
+    <dgm:style>
+      <a:lnRef idx="2">
+        <a:scrgbClr r="0" g="0" b="0"/>
+      </a:lnRef>
+      <a:fillRef idx="1">
+        <a:scrgbClr r="0" g="0" b="0"/>
+      </a:fillRef>
+      <a:effectRef idx="0">
+        <a:scrgbClr r="0" g="0" b="0"/>
+      </a:effectRef>
+      <a:fontRef idx="minor">
+        <a:schemeClr val="lt1"/>
+      </a:fontRef>
+    </dgm:style>
+  </dgm:styleLbl>
+  <dgm:styleLbl name="fgImgPlace1">
+    <dgm:scene3d>
+      <a:camera prst="orthographicFront"/>
+      <a:lightRig rig="threePt" dir="t"/>
+    </dgm:scene3d>
+    <dgm:sp3d/>
+    <dgm:txPr/>
+    <dgm:style>
+      <a:lnRef idx="2">
+        <a:scrgbClr r="0" g="0" b="0"/>
+      </a:lnRef>
+      <a:fillRef idx="1">
+        <a:scrgbClr r="0" g="0" b="0"/>
+      </a:fillRef>
+      <a:effectRef idx="0">
+        <a:scrgbClr r="0" g="0" b="0"/>
+      </a:effectRef>
+      <a:fontRef idx="minor"/>
+    </dgm:style>
+  </dgm:styleLbl>
+  <dgm:styleLbl name="alignImgPlace1">
+    <dgm:scene3d>
+      <a:camera prst="orthographicFront"/>
+      <a:lightRig rig="threePt" dir="t"/>
+    </dgm:scene3d>
+    <dgm:sp3d/>
+    <dgm:txPr/>
+    <dgm:style>
+      <a:lnRef idx="2">
+        <a:scrgbClr r="0" g="0" b="0"/>
+      </a:lnRef>
+      <a:fillRef idx="1">
+        <a:scrgbClr r="0" g="0" b="0"/>
+      </a:fillRef>
+      <a:effectRef idx="0">
+        <a:scrgbClr r="0" g="0" b="0"/>
+      </a:effectRef>
+      <a:fontRef idx="minor"/>
+    </dgm:style>
+  </dgm:styleLbl>
+  <dgm:styleLbl name="bgImgPlace1">
+    <dgm:scene3d>
+      <a:camera prst="orthographicFront"/>
+      <a:lightRig rig="threePt" dir="t"/>
+    </dgm:scene3d>
+    <dgm:sp3d/>
+    <dgm:txPr/>
+    <dgm:style>
+      <a:lnRef idx="2">
+        <a:scrgbClr r="0" g="0" b="0"/>
+      </a:lnRef>
+      <a:fillRef idx="1">
+        <a:scrgbClr r="0" g="0" b="0"/>
+      </a:fillRef>
+      <a:effectRef idx="0">
+        <a:scrgbClr r="0" g="0" b="0"/>
+      </a:effectRef>
+      <a:fontRef idx="minor"/>
+    </dgm:style>
+  </dgm:styleLbl>
+  <dgm:styleLbl name="sibTrans2D1">
+    <dgm:scene3d>
+      <a:camera prst="orthographicFront"/>
+      <a:lightRig rig="threePt" dir="t"/>
+    </dgm:scene3d>
+    <dgm:sp3d/>
+    <dgm:txPr/>
+    <dgm:style>
+      <a:lnRef idx="0">
+        <a:scrgbClr r="0" g="0" b="0"/>
+      </a:lnRef>
+      <a:fillRef idx="1">
+        <a:scrgbClr r="0" g="0" b="0"/>
+      </a:fillRef>
+      <a:effectRef idx="0">
+        <a:scrgbClr r="0" g="0" b="0"/>
+      </a:effectRef>
+      <a:fontRef idx="minor">
+        <a:schemeClr val="lt1"/>
+      </a:fontRef>
+    </dgm:style>
+  </dgm:styleLbl>
+  <dgm:styleLbl name="fgSibTrans2D1">
+    <dgm:scene3d>
+      <a:camera prst="orthographicFront"/>
+      <a:lightRig rig="threePt" dir="t"/>
+    </dgm:scene3d>
+    <dgm:sp3d/>
+    <dgm:txPr/>
+    <dgm:style>
+      <a:lnRef idx="0">
+        <a:scrgbClr r="0" g="0" b="0"/>
+      </a:lnRef>
+      <a:fillRef idx="1">
+        <a:scrgbClr r="0" g="0" b="0"/>
+      </a:fillRef>
+      <a:effectRef idx="0">
+        <a:scrgbClr r="0" g="0" b="0"/>
+      </a:effectRef>
+      <a:fontRef idx="minor">
+        <a:schemeClr val="lt1"/>
+      </a:fontRef>
+    </dgm:style>
+  </dgm:styleLbl>
+  <dgm:styleLbl name="bgSibTrans2D1">
+    <dgm:scene3d>
+      <a:camera prst="orthographicFront"/>
+      <a:lightRig rig="threePt" dir="t"/>
+    </dgm:scene3d>
+    <dgm:sp3d/>
+    <dgm:txPr/>
+    <dgm:style>
+      <a:lnRef idx="0">
+        <a:scrgbClr r="0" g="0" b="0"/>
+      </a:lnRef>
+      <a:fillRef idx="1">
+        <a:scrgbClr r="0" g="0" b="0"/>
+      </a:fillRef>
+      <a:effectRef idx="0">
+        <a:scrgbClr r="0" g="0" b="0"/>
+      </a:effectRef>
+      <a:fontRef idx="minor">
+        <a:schemeClr val="lt1"/>
+      </a:fontRef>
+    </dgm:style>
+  </dgm:styleLbl>
+  <dgm:styleLbl name="sibTrans1D1">
+    <dgm:scene3d>
+      <a:camera prst="orthographicFront"/>
+      <a:lightRig rig="threePt" dir="t"/>
+    </dgm:scene3d>
+    <dgm:sp3d/>
+    <dgm:txPr/>
+    <dgm:style>
+      <a:lnRef idx="1">
+        <a:scrgbClr r="0" g="0" b="0"/>
+      </a:lnRef>
+      <a:fillRef idx="0">
+        <a:scrgbClr r="0" g="0" b="0"/>
+      </a:fillRef>
+      <a:effectRef idx="0">
+        <a:scrgbClr r="0" g="0" b="0"/>
+      </a:effectRef>
+      <a:fontRef idx="minor"/>
+    </dgm:style>
+  </dgm:styleLbl>
+  <dgm:styleLbl name="callout">
+    <dgm:scene3d>
+      <a:camera prst="orthographicFront"/>
+      <a:lightRig rig="threePt" dir="t"/>
+    </dgm:scene3d>
+    <dgm:sp3d/>
+    <dgm:txPr/>
+    <dgm:style>
+      <a:lnRef idx="2">
+        <a:scrgbClr r="0" g="0" b="0"/>
+      </a:lnRef>
+      <a:fillRef idx="1">
+        <a:scrgbClr r="0" g="0" b="0"/>
+      </a:fillRef>
+      <a:effectRef idx="0">
+        <a:scrgbClr r="0" g="0" b="0"/>
+      </a:effectRef>
+      <a:fontRef idx="minor"/>
+    </dgm:style>
+  </dgm:styleLbl>
+  <dgm:styleLbl name="asst0">
+    <dgm:scene3d>
+      <a:camera prst="orthographicFront"/>
+      <a:lightRig rig="threePt" dir="t"/>
+    </dgm:scene3d>
+    <dgm:sp3d/>
+    <dgm:txPr/>
+    <dgm:style>
+      <a:lnRef idx="2">
+        <a:scrgbClr r="0" g="0" b="0"/>
+      </a:lnRef>
+      <a:fillRef idx="1">
+        <a:scrgbClr r="0" g="0" b="0"/>
+      </a:fillRef>
+      <a:effectRef idx="0">
+        <a:scrgbClr r="0" g="0" b="0"/>
+      </a:effectRef>
+      <a:fontRef idx="minor">
+        <a:schemeClr val="lt1"/>
+      </a:fontRef>
+    </dgm:style>
+  </dgm:styleLbl>
+  <dgm:styleLbl name="asst1">
+    <dgm:scene3d>
+      <a:camera prst="orthographicFront"/>
+      <a:lightRig rig="threePt" dir="t"/>
+    </dgm:scene3d>
+    <dgm:sp3d/>
+    <dgm:txPr/>
+    <dgm:style>
+      <a:lnRef idx="2">
+        <a:scrgbClr r="0" g="0" b="0"/>
+      </a:lnRef>
+      <a:fillRef idx="1">
+        <a:scrgbClr r="0" g="0" b="0"/>
+      </a:fillRef>
+      <a:effectRef idx="0">
+        <a:scrgbClr r="0" g="0" b="0"/>
+      </a:effectRef>
+      <a:fontRef idx="minor">
+        <a:schemeClr val="lt1"/>
+      </a:fontRef>
+    </dgm:style>
+  </dgm:styleLbl>
+  <dgm:styleLbl name="asst2">
+    <dgm:scene3d>
+      <a:camera prst="orthographicFront"/>
+      <a:lightRig rig="threePt" dir="t"/>
+    </dgm:scene3d>
+    <dgm:sp3d/>
+    <dgm:txPr/>
+    <dgm:style>
+      <a:lnRef idx="2">
+        <a:scrgbClr r="0" g="0" b="0"/>
+      </a:lnRef>
+      <a:fillRef idx="1">
+        <a:scrgbClr r="0" g="0" b="0"/>
+      </a:fillRef>
+      <a:effectRef idx="0">
+        <a:scrgbClr r="0" g="0" b="0"/>
+      </a:effectRef>
+      <a:fontRef idx="minor">
+        <a:schemeClr val="lt1"/>
+      </a:fontRef>
+    </dgm:style>
+  </dgm:styleLbl>
+  <dgm:styleLbl name="asst3">
+    <dgm:scene3d>
+      <a:camera prst="orthographicFront"/>
+      <a:lightRig rig="threePt" dir="t"/>
+    </dgm:scene3d>
+    <dgm:sp3d/>
+    <dgm:txPr/>
+    <dgm:style>
+      <a:lnRef idx="2">
+        <a:scrgbClr r="0" g="0" b="0"/>
+      </a:lnRef>
+      <a:fillRef idx="1">
+        <a:scrgbClr r="0" g="0" b="0"/>
+      </a:fillRef>
+      <a:effectRef idx="0">
+        <a:scrgbClr r="0" g="0" b="0"/>
+      </a:effectRef>
+      <a:fontRef idx="minor">
+        <a:schemeClr val="lt1"/>
+      </a:fontRef>
+    </dgm:style>
+  </dgm:styleLbl>
+  <dgm:styleLbl name="asst4">
+    <dgm:scene3d>
+      <a:camera prst="orthographicFront"/>
+      <a:lightRig rig="threePt" dir="t"/>
+    </dgm:scene3d>
+    <dgm:sp3d/>
+    <dgm:txPr/>
+    <dgm:style>
+      <a:lnRef idx="2">
+        <a:scrgbClr r="0" g="0" b="0"/>
+      </a:lnRef>
+      <a:fillRef idx="1">
+        <a:scrgbClr r="0" g="0" b="0"/>
+      </a:fillRef>
+      <a:effectRef idx="0">
+        <a:scrgbClr r="0" g="0" b="0"/>
+      </a:effectRef>
+      <a:fontRef idx="minor">
+        <a:schemeClr val="lt1"/>
+      </a:fontRef>
+    </dgm:style>
+  </dgm:styleLbl>
+  <dgm:styleLbl name="parChTrans2D1">
+    <dgm:scene3d>
+      <a:camera prst="orthographicFront"/>
+      <a:lightRig rig="threePt" dir="t"/>
+    </dgm:scene3d>
+    <dgm:sp3d/>
+    <dgm:txPr/>
+    <dgm:style>
+      <a:lnRef idx="2">
+        <a:scrgbClr r="0" g="0" b="0"/>
+      </a:lnRef>
+      <a:fillRef idx="1">
+        <a:scrgbClr r="0" g="0" b="0"/>
+      </a:fillRef>
+      <a:effectRef idx="0">
+        <a:scrgbClr r="0" g="0" b="0"/>
+      </a:effectRef>
+      <a:fontRef idx="minor">
+        <a:schemeClr val="lt1"/>
+      </a:fontRef>
+    </dgm:style>
+  </dgm:styleLbl>
+  <dgm:styleLbl name="parChTrans2D2">
+    <dgm:scene3d>
+      <a:camera prst="orthographicFront"/>
+      <a:lightRig rig="threePt" dir="t"/>
+    </dgm:scene3d>
+    <dgm:sp3d/>
+    <dgm:txPr/>
+    <dgm:style>
+      <a:lnRef idx="2">
+        <a:scrgbClr r="0" g="0" b="0"/>
+      </a:lnRef>
+      <a:fillRef idx="1">
+        <a:scrgbClr r="0" g="0" b="0"/>
+      </a:fillRef>
+      <a:effectRef idx="0">
+        <a:scrgbClr r="0" g="0" b="0"/>
+      </a:effectRef>
+      <a:fontRef idx="minor">
+        <a:schemeClr val="lt1"/>
+      </a:fontRef>
+    </dgm:style>
+  </dgm:styleLbl>
+  <dgm:styleLbl name="parChTrans2D3">
+    <dgm:scene3d>
+      <a:camera prst="orthographicFront"/>
+      <a:lightRig rig="threePt" dir="t"/>
+    </dgm:scene3d>
+    <dgm:sp3d/>
+    <dgm:txPr/>
+    <dgm:style>
+      <a:lnRef idx="2">
+        <a:scrgbClr r="0" g="0" b="0"/>
+      </a:lnRef>
+      <a:fillRef idx="1">
+        <a:scrgbClr r="0" g="0" b="0"/>
+      </a:fillRef>
+      <a:effectRef idx="0">
+        <a:scrgbClr r="0" g="0" b="0"/>
+      </a:effectRef>
+      <a:fontRef idx="minor">
+        <a:schemeClr val="lt1"/>
+      </a:fontRef>
+    </dgm:style>
+  </dgm:styleLbl>
+  <dgm:styleLbl name="parChTrans2D4">
+    <dgm:scene3d>
+      <a:camera prst="orthographicFront"/>
+      <a:lightRig rig="threePt" dir="t"/>
+    </dgm:scene3d>
+    <dgm:sp3d/>
+    <dgm:txPr/>
+    <dgm:style>
+      <a:lnRef idx="2">
+        <a:scrgbClr r="0" g="0" b="0"/>
+      </a:lnRef>
+      <a:fillRef idx="1">
+        <a:scrgbClr r="0" g="0" b="0"/>
+      </a:fillRef>
+      <a:effectRef idx="0">
+        <a:scrgbClr r="0" g="0" b="0"/>
+      </a:effectRef>
+      <a:fontRef idx="minor">
+        <a:schemeClr val="lt1"/>
+      </a:fontRef>
+    </dgm:style>
+  </dgm:styleLbl>
+  <dgm:styleLbl name="parChTrans1D1">
+    <dgm:scene3d>
+      <a:camera prst="orthographicFront"/>
+      <a:lightRig rig="threePt" dir="t"/>
+    </dgm:scene3d>
+    <dgm:sp3d/>
+    <dgm:txPr/>
+    <dgm:style>
+      <a:lnRef idx="2">
+        <a:scrgbClr r="0" g="0" b="0"/>
+      </a:lnRef>
+      <a:fillRef idx="0">
+        <a:scrgbClr r="0" g="0" b="0"/>
+      </a:fillRef>
+      <a:effectRef idx="0">
+        <a:scrgbClr r="0" g="0" b="0"/>
+      </a:effectRef>
+      <a:fontRef idx="minor"/>
+    </dgm:style>
+  </dgm:styleLbl>
+  <dgm:styleLbl name="parChTrans1D2">
+    <dgm:scene3d>
+      <a:camera prst="orthographicFront"/>
+      <a:lightRig rig="threePt" dir="t"/>
+    </dgm:scene3d>
+    <dgm:sp3d/>
+    <dgm:txPr/>
+    <dgm:style>
+      <a:lnRef idx="2">
+        <a:scrgbClr r="0" g="0" b="0"/>
+      </a:lnRef>
+      <a:fillRef idx="0">
+        <a:scrgbClr r="0" g="0" b="0"/>
+      </a:fillRef>
+      <a:effectRef idx="0">
+        <a:scrgbClr r="0" g="0" b="0"/>
+      </a:effectRef>
+      <a:fontRef idx="minor"/>
+    </dgm:style>
+  </dgm:styleLbl>
+  <dgm:styleLbl name="parChTrans1D3">
+    <dgm:scene3d>
+      <a:camera prst="orthographicFront"/>
+      <a:lightRig rig="threePt" dir="t"/>
+    </dgm:scene3d>
+    <dgm:sp3d/>
+    <dgm:txPr/>
+    <dgm:style>
+      <a:lnRef idx="2">
+        <a:scrgbClr r="0" g="0" b="0"/>
+      </a:lnRef>
+      <a:fillRef idx="0">
+        <a:scrgbClr r="0" g="0" b="0"/>
+      </a:fillRef>
+      <a:effectRef idx="0">
+        <a:scrgbClr r="0" g="0" b="0"/>
+      </a:effectRef>
+      <a:fontRef idx="minor"/>
+    </dgm:style>
+  </dgm:styleLbl>
+  <dgm:styleLbl name="parChTrans1D4">
+    <dgm:scene3d>
+      <a:camera prst="orthographicFront"/>
+      <a:lightRig rig="threePt" dir="t"/>
+    </dgm:scene3d>
+    <dgm:sp3d/>
+    <dgm:txPr/>
+    <dgm:style>
+      <a:lnRef idx="2">
+        <a:scrgbClr r="0" g="0" b="0"/>
+      </a:lnRef>
+      <a:fillRef idx="0">
+        <a:scrgbClr r="0" g="0" b="0"/>
+      </a:fillRef>
+      <a:effectRef idx="0">
+        <a:scrgbClr r="0" g="0" b="0"/>
+      </a:effectRef>
+      <a:fontRef idx="minor"/>
+    </dgm:style>
+  </dgm:styleLbl>
+  <dgm:styleLbl name="fgAcc1">
+    <dgm:scene3d>
+      <a:camera prst="orthographicFront"/>
+      <a:lightRig rig="threePt" dir="t"/>
+    </dgm:scene3d>
+    <dgm:sp3d/>
+    <dgm:txPr/>
+    <dgm:style>
+      <a:lnRef idx="2">
+        <a:scrgbClr r="0" g="0" b="0"/>
+      </a:lnRef>
+      <a:fillRef idx="1">
+        <a:scrgbClr r="0" g="0" b="0"/>
+      </a:fillRef>
+      <a:effectRef idx="0">
+        <a:scrgbClr r="0" g="0" b="0"/>
+      </a:effectRef>
+      <a:fontRef idx="minor"/>
+    </dgm:style>
+  </dgm:styleLbl>
+  <dgm:styleLbl name="conFgAcc1">
+    <dgm:scene3d>
+      <a:camera prst="orthographicFront"/>
+      <a:lightRig rig="threePt" dir="t"/>
+    </dgm:scene3d>
+    <dgm:sp3d/>
+    <dgm:txPr/>
+    <dgm:style>
+      <a:lnRef idx="2">
+        <a:scrgbClr r="0" g="0" b="0"/>
+      </a:lnRef>
+      <a:fillRef idx="1">
+        <a:scrgbClr r="0" g="0" b="0"/>
+      </a:fillRef>
+      <a:effectRef idx="0">
+        <a:scrgbClr r="0" g="0" b="0"/>
+      </a:effectRef>
+      <a:fontRef idx="minor"/>
+    </dgm:style>
+  </dgm:styleLbl>
+  <dgm:styleLbl name="alignAcc1">
+    <dgm:scene3d>
+      <a:camera prst="orthographicFront"/>
+      <a:lightRig rig="threePt" dir="t"/>
+    </dgm:scene3d>
+    <dgm:sp3d/>
+    <dgm:txPr/>
+    <dgm:style>
+      <a:lnRef idx="2">
+        <a:scrgbClr r="0" g="0" b="0"/>
+      </a:lnRef>
+      <a:fillRef idx="1">
+        <a:scrgbClr r="0" g="0" b="0"/>
+      </a:fillRef>
+      <a:effectRef idx="0">
+        <a:scrgbClr r="0" g="0" b="0"/>
+      </a:effectRef>
+      <a:fontRef idx="minor"/>
+    </dgm:style>
+  </dgm:styleLbl>
+  <dgm:styleLbl name="trAlignAcc1">
+    <dgm:scene3d>
+      <a:camera prst="orthographicFront"/>
+      <a:lightRig rig="threePt" dir="t"/>
+    </dgm:scene3d>
+    <dgm:sp3d/>
+    <dgm:txPr/>
+    <dgm:style>
+      <a:lnRef idx="1">
+        <a:scrgbClr r="0" g="0" b="0"/>
+      </a:lnRef>
+      <a:fillRef idx="1">
+        <a:scrgbClr r="0" g="0" b="0"/>
+      </a:fillRef>
+      <a:effectRef idx="0">
+        <a:scrgbClr r="0" g="0" b="0"/>
+      </a:effectRef>
+      <a:fontRef idx="minor"/>
+    </dgm:style>
+  </dgm:styleLbl>
+  <dgm:styleLbl name="bgAcc1">
+    <dgm:scene3d>
+      <a:camera prst="orthographicFront"/>
+      <a:lightRig rig="threePt" dir="t"/>
+    </dgm:scene3d>
+    <dgm:sp3d/>
+    <dgm:txPr/>
+    <dgm:style>
+      <a:lnRef idx="2">
+        <a:scrgbClr r="0" g="0" b="0"/>
+      </a:lnRef>
+      <a:fillRef idx="1">
+        <a:scrgbClr r="0" g="0" b="0"/>
+      </a:fillRef>
+      <a:effectRef idx="0">
+        <a:scrgbClr r="0" g="0" b="0"/>
+      </a:effectRef>
+      <a:fontRef idx="minor"/>
+    </dgm:style>
+  </dgm:styleLbl>
+  <dgm:styleLbl name="solidFgAcc1">
+    <dgm:scene3d>
+      <a:camera prst="orthographicFront"/>
+      <a:lightRig rig="threePt" dir="t"/>
+    </dgm:scene3d>
+    <dgm:sp3d/>
+    <dgm:txPr/>
+    <dgm:style>
+      <a:lnRef idx="2">
+        <a:scrgbClr r="0" g="0" b="0"/>
+      </a:lnRef>
+      <a:fillRef idx="1">
+        <a:scrgbClr r="0" g="0" b="0"/>
+      </a:fillRef>
+      <a:effectRef idx="0">
+        <a:scrgbClr r="0" g="0" b="0"/>
+      </a:effectRef>
+      <a:fontRef idx="minor"/>
+    </dgm:style>
+  </dgm:styleLbl>
+  <dgm:styleLbl name="solidAlignAcc1">
+    <dgm:scene3d>
+      <a:camera prst="orthographicFront"/>
+      <a:lightRig rig="threePt" dir="t"/>
+    </dgm:scene3d>
+    <dgm:sp3d/>
+    <dgm:txPr/>
+    <dgm:style>
+      <a:lnRef idx="2">
+        <a:scrgbClr r="0" g="0" b="0"/>
+      </a:lnRef>
+      <a:fillRef idx="1">
+        <a:scrgbClr r="0" g="0" b="0"/>
+      </a:fillRef>
+      <a:effectRef idx="0">
+        <a:scrgbClr r="0" g="0" b="0"/>
+      </a:effectRef>
+      <a:fontRef idx="minor"/>
+    </dgm:style>
+  </dgm:styleLbl>
+  <dgm:styleLbl name="solidBgAcc1">
+    <dgm:scene3d>
+      <a:camera prst="orthographicFront"/>
+      <a:lightRig rig="threePt" dir="t"/>
+    </dgm:scene3d>
+    <dgm:sp3d/>
+    <dgm:txPr/>
+    <dgm:style>
+      <a:lnRef idx="2">
+        <a:scrgbClr r="0" g="0" b="0"/>
+      </a:lnRef>
+      <a:fillRef idx="1">
+        <a:scrgbClr r="0" g="0" b="0"/>
+      </a:fillRef>
+      <a:effectRef idx="0">
+        <a:scrgbClr r="0" g="0" b="0"/>
+      </a:effectRef>
+      <a:fontRef idx="minor"/>
+    </dgm:style>
+  </dgm:styleLbl>
+  <dgm:styleLbl name="fgAccFollowNode1">
+    <dgm:scene3d>
+      <a:camera prst="orthographicFront"/>
+      <a:lightRig rig="threePt" dir="t"/>
+    </dgm:scene3d>
+    <dgm:sp3d/>
+    <dgm:txPr/>
+    <dgm:style>
+      <a:lnRef idx="2">
+        <a:scrgbClr r="0" g="0" b="0"/>
+      </a:lnRef>
+      <a:fillRef idx="1">
+        <a:scrgbClr r="0" g="0" b="0"/>
+      </a:fillRef>
+      <a:effectRef idx="0">
+        <a:scrgbClr r="0" g="0" b="0"/>
+      </a:effectRef>
+      <a:fontRef idx="minor"/>
+    </dgm:style>
+  </dgm:styleLbl>
+  <dgm:styleLbl name="alignAccFollowNode1">
+    <dgm:scene3d>
+      <a:camera prst="orthographicFront"/>
+      <a:lightRig rig="threePt" dir="t"/>
+    </dgm:scene3d>
+    <dgm:sp3d/>
+    <dgm:txPr/>
+    <dgm:style>
+      <a:lnRef idx="2">
+        <a:scrgbClr r="0" g="0" b="0"/>
+      </a:lnRef>
+      <a:fillRef idx="1">
+        <a:scrgbClr r="0" g="0" b="0"/>
+      </a:fillRef>
+      <a:effectRef idx="0">
+        <a:scrgbClr r="0" g="0" b="0"/>
+      </a:effectRef>
+      <a:fontRef idx="minor"/>
+    </dgm:style>
+  </dgm:styleLbl>
+  <dgm:styleLbl name="bgAccFollowNode1">
+    <dgm:scene3d>
+      <a:camera prst="orthographicFront"/>
+      <a:lightRig rig="threePt" dir="t"/>
+    </dgm:scene3d>
+    <dgm:sp3d/>
+    <dgm:txPr/>
+    <dgm:style>
+      <a:lnRef idx="2">
+        <a:scrgbClr r="0" g="0" b="0"/>
+      </a:lnRef>
+      <a:fillRef idx="1">
+        <a:scrgbClr r="0" g="0" b="0"/>
+      </a:fillRef>
+      <a:effectRef idx="0">
+        <a:scrgbClr r="0" g="0" b="0"/>
+      </a:effectRef>
+      <a:fontRef idx="minor"/>
+    </dgm:style>
+  </dgm:styleLbl>
+  <dgm:styleLbl name="fgAcc0">
+    <dgm:scene3d>
+      <a:camera prst="orthographicFront"/>
+      <a:lightRig rig="threePt" dir="t"/>
+    </dgm:scene3d>
+    <dgm:sp3d/>
+    <dgm:txPr/>
+    <dgm:style>
+      <a:lnRef idx="2">
+        <a:scrgbClr r="0" g="0" b="0"/>
+      </a:lnRef>
+      <a:fillRef idx="1">
+        <a:scrgbClr r="0" g="0" b="0"/>
+      </a:fillRef>
+      <a:effectRef idx="0">
+        <a:scrgbClr r="0" g="0" b="0"/>
+      </a:effectRef>
+      <a:fontRef idx="minor"/>
+    </dgm:style>
+  </dgm:styleLbl>
+  <dgm:styleLbl name="fgAcc2">
+    <dgm:scene3d>
+      <a:camera prst="orthographicFront"/>
+      <a:lightRig rig="threePt" dir="t"/>
+    </dgm:scene3d>
+    <dgm:sp3d/>
+    <dgm:txPr/>
+    <dgm:style>
+      <a:lnRef idx="2">
+        <a:scrgbClr r="0" g="0" b="0"/>
+      </a:lnRef>
+      <a:fillRef idx="1">
+        <a:scrgbClr r="0" g="0" b="0"/>
+      </a:fillRef>
+      <a:effectRef idx="0">
+        <a:scrgbClr r="0" g="0" b="0"/>
+      </a:effectRef>
+      <a:fontRef idx="minor"/>
+    </dgm:style>
+  </dgm:styleLbl>
+  <dgm:styleLbl name="fgAcc3">
+    <dgm:scene3d>
+      <a:camera prst="orthographicFront"/>
+      <a:lightRig rig="threePt" dir="t"/>
+    </dgm:scene3d>
+    <dgm:sp3d/>
+    <dgm:txPr/>
+    <dgm:style>
+      <a:lnRef idx="2">
+        <a:scrgbClr r="0" g="0" b="0"/>
+      </a:lnRef>
+      <a:fillRef idx="1">
+        <a:scrgbClr r="0" g="0" b="0"/>
+      </a:fillRef>
+      <a:effectRef idx="0">
+        <a:scrgbClr r="0" g="0" b="0"/>
+      </a:effectRef>
+      <a:fontRef idx="minor"/>
+    </dgm:style>
+  </dgm:styleLbl>
+  <dgm:styleLbl name="fgAcc4">
+    <dgm:scene3d>
+      <a:camera prst="orthographicFront"/>
+      <a:lightRig rig="threePt" dir="t"/>
+    </dgm:scene3d>
+    <dgm:sp3d/>
+    <dgm:txPr/>
+    <dgm:style>
+      <a:lnRef idx="2">
+        <a:scrgbClr r="0" g="0" b="0"/>
+      </a:lnRef>
+      <a:fillRef idx="1">
+        <a:scrgbClr r="0" g="0" b="0"/>
+      </a:fillRef>
+      <a:effectRef idx="0">
+        <a:scrgbClr r="0" g="0" b="0"/>
+      </a:effectRef>
+      <a:fontRef idx="minor"/>
+    </dgm:style>
+  </dgm:styleLbl>
+  <dgm:styleLbl name="bgShp">
+    <dgm:scene3d>
+      <a:camera prst="orthographicFront"/>
+      <a:lightRig rig="threePt" dir="t"/>
+    </dgm:scene3d>
+    <dgm:sp3d/>
+    <dgm:txPr/>
+    <dgm:style>
+      <a:lnRef idx="0">
+        <a:scrgbClr r="0" g="0" b="0"/>
+      </a:lnRef>
+      <a:fillRef idx="1">
+        <a:scrgbClr r="0" g="0" b="0"/>
+      </a:fillRef>
+      <a:effectRef idx="0">
+        <a:scrgbClr r="0" g="0" b="0"/>
+      </a:effectRef>
+      <a:fontRef idx="minor"/>
+    </dgm:style>
+  </dgm:styleLbl>
+  <dgm:styleLbl name="dkBgShp">
+    <dgm:scene3d>
+      <a:camera prst="orthographicFront"/>
+      <a:lightRig rig="threePt" dir="t"/>
+    </dgm:scene3d>
+    <dgm:sp3d/>
+    <dgm:txPr/>
+    <dgm:style>
+      <a:lnRef idx="0">
+        <a:scrgbClr r="0" g="0" b="0"/>
+      </a:lnRef>
+      <a:fillRef idx="1">
+        <a:scrgbClr r="0" g="0" b="0"/>
+      </a:fillRef>
+      <a:effectRef idx="0">
+        <a:scrgbClr r="0" g="0" b="0"/>
+      </a:effectRef>
+      <a:fontRef idx="minor"/>
+    </dgm:style>
+  </dgm:styleLbl>
+  <dgm:styleLbl name="trBgShp">
+    <dgm:scene3d>
+      <a:camera prst="orthographicFront"/>
+      <a:lightRig rig="threePt" dir="t"/>
+    </dgm:scene3d>
+    <dgm:sp3d/>
+    <dgm:txPr/>
+    <dgm:style>
+      <a:lnRef idx="0">
+        <a:scrgbClr r="0" g="0" b="0"/>
+      </a:lnRef>
+      <a:fillRef idx="1">
+        <a:scrgbClr r="0" g="0" b="0"/>
+      </a:fillRef>
+      <a:effectRef idx="0">
+        <a:scrgbClr r="0" g="0" b="0"/>
+      </a:effectRef>
+      <a:fontRef idx="minor"/>
+    </dgm:style>
+  </dgm:styleLbl>
+  <dgm:styleLbl name="fgShp">
+    <dgm:scene3d>
+      <a:camera prst="orthographicFront"/>
+      <a:lightRig rig="threePt" dir="t"/>
+    </dgm:scene3d>
+    <dgm:sp3d/>
+    <dgm:txPr/>
+    <dgm:style>
+      <a:lnRef idx="2">
+        <a:scrgbClr r="0" g="0" b="0"/>
+      </a:lnRef>
+      <a:fillRef idx="1">
+        <a:scrgbClr r="0" g="0" b="0"/>
+      </a:fillRef>
+      <a:effectRef idx="0">
+        <a:scrgbClr r="0" g="0" b="0"/>
+      </a:effectRef>
+      <a:fontRef idx="minor"/>
+    </dgm:style>
+  </dgm:styleLbl>
+  <dgm:styleLbl name="revTx">
+    <dgm:scene3d>
+      <a:camera prst="orthographicFront"/>
+      <a:lightRig rig="threePt" dir="t"/>
+    </dgm:scene3d>
+    <dgm:sp3d/>
+    <dgm:txPr/>
+    <dgm:style>
+      <a:lnRef idx="0">
+        <a:scrgbClr r="0" g="0" b="0"/>
+      </a:lnRef>
+      <a:fillRef idx="0">
+        <a:scrgbClr r="0" g="0" b="0"/>
+      </a:fillRef>
+      <a:effectRef idx="0">
+        <a:scrgbClr r="0" g="0" b="0"/>
+      </a:effectRef>
+      <a:fontRef idx="minor"/>
+    </dgm:style>
+  </dgm:styleLbl>
+</dgm:styleDef>
+</file>
+
+<file path=ppt/diagrams/quickStyle2.xml><?xml version="1.0" encoding="utf-8"?>
+<dgm:styleDef xmlns:dgm="http://schemas.openxmlformats.org/drawingml/2006/diagram" xmlns:a="http://schemas.openxmlformats.org/drawingml/2006/main" uniqueId="urn:microsoft.com/office/officeart/2005/8/quickstyle/simple4">
+  <dgm:title val=""/>
+  <dgm:desc val=""/>
+  <dgm:catLst>
+    <dgm:cat type="simple" pri="10400"/>
+  </dgm:catLst>
+  <dgm:scene3d>
+    <a:camera prst="orthographicFront"/>
+    <a:lightRig rig="threePt" dir="t"/>
+  </dgm:scene3d>
+  <dgm:styleLbl name="node0">
+    <dgm:scene3d>
+      <a:camera prst="orthographicFront"/>
+      <a:lightRig rig="threePt" dir="t"/>
+    </dgm:scene3d>
+    <dgm:sp3d/>
+    <dgm:txPr/>
+    <dgm:style>
+      <a:lnRef idx="0">
+        <a:scrgbClr r="0" g="0" b="0"/>
+      </a:lnRef>
+      <a:fillRef idx="3">
+        <a:scrgbClr r="0" g="0" b="0"/>
+      </a:fillRef>
+      <a:effectRef idx="2">
+        <a:scrgbClr r="0" g="0" b="0"/>
+      </a:effectRef>
+      <a:fontRef idx="minor">
+        <a:schemeClr val="lt1"/>
+      </a:fontRef>
+    </dgm:style>
+  </dgm:styleLbl>
+  <dgm:styleLbl name="lnNode1">
+    <dgm:scene3d>
+      <a:camera prst="orthographicFront"/>
+      <a:lightRig rig="threePt" dir="t"/>
+    </dgm:scene3d>
+    <dgm:sp3d/>
+    <dgm:txPr/>
+    <dgm:style>
+      <a:lnRef idx="1">
+        <a:scrgbClr r="0" g="0" b="0"/>
+      </a:lnRef>
+      <a:fillRef idx="3">
+        <a:scrgbClr r="0" g="0" b="0"/>
+      </a:fillRef>
+      <a:effectRef idx="2">
+        <a:scrgbClr r="0" g="0" b="0"/>
+      </a:effectRef>
+      <a:fontRef idx="minor">
+        <a:schemeClr val="lt1"/>
+      </a:fontRef>
+    </dgm:style>
+  </dgm:styleLbl>
+  <dgm:styleLbl name="vennNode1">
+    <dgm:scene3d>
+      <a:camera prst="orthographicFront"/>
+      <a:lightRig rig="threePt" dir="t"/>
+    </dgm:scene3d>
+    <dgm:sp3d/>
+    <dgm:txPr/>
+    <dgm:style>
+      <a:lnRef idx="0">
+        <a:scrgbClr r="0" g="0" b="0"/>
+      </a:lnRef>
+      <a:fillRef idx="3">
+        <a:scrgbClr r="0" g="0" b="0"/>
+      </a:fillRef>
+      <a:effectRef idx="0">
+        <a:scrgbClr r="0" g="0" b="0"/>
+      </a:effectRef>
+      <a:fontRef idx="minor">
+        <a:schemeClr val="tx1"/>
+      </a:fontRef>
+    </dgm:style>
+  </dgm:styleLbl>
+  <dgm:styleLbl name="alignNode1">
+    <dgm:scene3d>
+      <a:camera prst="orthographicFront"/>
+      <a:lightRig rig="threePt" dir="t"/>
+    </dgm:scene3d>
+    <dgm:sp3d/>
+    <dgm:txPr/>
+    <dgm:style>
+      <a:lnRef idx="1">
+        <a:scrgbClr r="0" g="0" b="0"/>
+      </a:lnRef>
+      <a:fillRef idx="3">
+        <a:scrgbClr r="0" g="0" b="0"/>
+      </a:fillRef>
+      <a:effectRef idx="2">
+        <a:scrgbClr r="0" g="0" b="0"/>
+      </a:effectRef>
+      <a:fontRef idx="minor">
+        <a:schemeClr val="lt1"/>
+      </a:fontRef>
+    </dgm:style>
+  </dgm:styleLbl>
+  <dgm:styleLbl name="node1">
+    <dgm:scene3d>
+      <a:camera prst="orthographicFront"/>
+      <a:lightRig rig="threePt" dir="t"/>
+    </dgm:scene3d>
+    <dgm:sp3d/>
+    <dgm:txPr/>
+    <dgm:style>
+      <a:lnRef idx="0">
+        <a:scrgbClr r="0" g="0" b="0"/>
+      </a:lnRef>
+      <a:fillRef idx="3">
+        <a:scrgbClr r="0" g="0" b="0"/>
+      </a:fillRef>
+      <a:effectRef idx="2">
+        <a:scrgbClr r="0" g="0" b="0"/>
+      </a:effectRef>
+      <a:fontRef idx="minor">
+        <a:schemeClr val="lt1"/>
+      </a:fontRef>
+    </dgm:style>
+  </dgm:styleLbl>
+  <dgm:styleLbl name="node2">
+    <dgm:scene3d>
+      <a:camera prst="orthographicFront"/>
+      <a:lightRig rig="threePt" dir="t"/>
+    </dgm:scene3d>
+    <dgm:sp3d/>
+    <dgm:txPr/>
+    <dgm:style>
+      <a:lnRef idx="0">
+        <a:scrgbClr r="0" g="0" b="0"/>
+      </a:lnRef>
+      <a:fillRef idx="3">
+        <a:scrgbClr r="0" g="0" b="0"/>
+      </a:fillRef>
+      <a:effectRef idx="2">
+        <a:scrgbClr r="0" g="0" b="0"/>
+      </a:effectRef>
+      <a:fontRef idx="minor">
+        <a:schemeClr val="lt1"/>
+      </a:fontRef>
+    </dgm:style>
+  </dgm:styleLbl>
+  <dgm:styleLbl name="node3">
+    <dgm:scene3d>
+      <a:camera prst="orthographicFront"/>
+      <a:lightRig rig="threePt" dir="t"/>
+    </dgm:scene3d>
+    <dgm:sp3d/>
+    <dgm:txPr/>
+    <dgm:style>
+      <a:lnRef idx="0">
+        <a:scrgbClr r="0" g="0" b="0"/>
+      </a:lnRef>
+      <a:fillRef idx="3">
+        <a:scrgbClr r="0" g="0" b="0"/>
+      </a:fillRef>
+      <a:effectRef idx="2">
+        <a:scrgbClr r="0" g="0" b="0"/>
+      </a:effectRef>
+      <a:fontRef idx="minor">
+        <a:schemeClr val="lt1"/>
+      </a:fontRef>
+    </dgm:style>
+  </dgm:styleLbl>
+  <dgm:styleLbl name="node4">
+    <dgm:scene3d>
+      <a:camera prst="orthographicFront"/>
+      <a:lightRig rig="threePt" dir="t"/>
+    </dgm:scene3d>
+    <dgm:sp3d/>
+    <dgm:txPr/>
+    <dgm:style>
+      <a:lnRef idx="0">
+        <a:scrgbClr r="0" g="0" b="0"/>
+      </a:lnRef>
+      <a:fillRef idx="3">
+        <a:scrgbClr r="0" g="0" b="0"/>
+      </a:fillRef>
+      <a:effectRef idx="2">
+        <a:scrgbClr r="0" g="0" b="0"/>
+      </a:effectRef>
+      <a:fontRef idx="minor">
+        <a:schemeClr val="lt1"/>
+      </a:fontRef>
+    </dgm:style>
+  </dgm:styleLbl>
+  <dgm:styleLbl name="fgImgPlace1">
+    <dgm:scene3d>
+      <a:camera prst="orthographicFront"/>
+      <a:lightRig rig="threePt" dir="t"/>
+    </dgm:scene3d>
+    <dgm:sp3d/>
+    <dgm:txPr/>
+    <dgm:style>
+      <a:lnRef idx="0">
+        <a:scrgbClr r="0" g="0" b="0"/>
+      </a:lnRef>
+      <a:fillRef idx="1">
+        <a:scrgbClr r="0" g="0" b="0"/>
+      </a:fillRef>
+      <a:effectRef idx="2">
+        <a:scrgbClr r="0" g="0" b="0"/>
+      </a:effectRef>
+      <a:fontRef idx="minor"/>
+    </dgm:style>
+  </dgm:styleLbl>
+  <dgm:styleLbl name="alignImgPlace1">
+    <dgm:scene3d>
+      <a:camera prst="orthographicFront"/>
+      <a:lightRig rig="threePt" dir="t"/>
+    </dgm:scene3d>
+    <dgm:sp3d/>
+    <dgm:txPr/>
+    <dgm:style>
+      <a:lnRef idx="0">
+        <a:scrgbClr r="0" g="0" b="0"/>
+      </a:lnRef>
+      <a:fillRef idx="1">
+        <a:scrgbClr r="0" g="0" b="0"/>
+      </a:fillRef>
+      <a:effectRef idx="2">
+        <a:scrgbClr r="0" g="0" b="0"/>
+      </a:effectRef>
+      <a:fontRef idx="minor"/>
+    </dgm:style>
+  </dgm:styleLbl>
+  <dgm:styleLbl name="bgImgPlace1">
+    <dgm:scene3d>
+      <a:camera prst="orthographicFront"/>
+      <a:lightRig rig="threePt" dir="t"/>
+    </dgm:scene3d>
+    <dgm:sp3d/>
+    <dgm:txPr/>
+    <dgm:style>
+      <a:lnRef idx="0">
+        <a:scrgbClr r="0" g="0" b="0"/>
+      </a:lnRef>
+      <a:fillRef idx="1">
+        <a:scrgbClr r="0" g="0" b="0"/>
+      </a:fillRef>
+      <a:effectRef idx="2">
+        <a:scrgbClr r="0" g="0" b="0"/>
+      </a:effectRef>
+      <a:fontRef idx="minor"/>
+    </dgm:style>
+  </dgm:styleLbl>
+  <dgm:styleLbl name="sibTrans2D1">
+    <dgm:scene3d>
+      <a:camera prst="orthographicFront"/>
+      <a:lightRig rig="threePt" dir="t"/>
+    </dgm:scene3d>
+    <dgm:sp3d/>
+    <dgm:txPr/>
+    <dgm:style>
+      <a:lnRef idx="0">
+        <a:scrgbClr r="0" g="0" b="0"/>
+      </a:lnRef>
+      <a:fillRef idx="3">
+        <a:scrgbClr r="0" g="0" b="0"/>
+      </a:fillRef>
+      <a:effectRef idx="2">
+        <a:scrgbClr r="0" g="0" b="0"/>
+      </a:effectRef>
+      <a:fontRef idx="minor">
+        <a:schemeClr val="lt1"/>
+      </a:fontRef>
+    </dgm:style>
+  </dgm:styleLbl>
+  <dgm:styleLbl name="fgSibTrans2D1">
+    <dgm:scene3d>
+      <a:camera prst="orthographicFront"/>
+      <a:lightRig rig="threePt" dir="t"/>
+    </dgm:scene3d>
+    <dgm:sp3d/>
+    <dgm:txPr/>
+    <dgm:style>
+      <a:lnRef idx="0">
+        <a:scrgbClr r="0" g="0" b="0"/>
+      </a:lnRef>
+      <a:fillRef idx="3">
+        <a:scrgbClr r="0" g="0" b="0"/>
+      </a:fillRef>
+      <a:effectRef idx="2">
+        <a:scrgbClr r="0" g="0" b="0"/>
+      </a:effectRef>
+      <a:fontRef idx="minor">
+        <a:schemeClr val="lt1"/>
+      </a:fontRef>
+    </dgm:style>
+  </dgm:styleLbl>
+  <dgm:styleLbl name="bgSibTrans2D1">
+    <dgm:scene3d>
+      <a:camera prst="orthographicFront"/>
+      <a:lightRig rig="threePt" dir="t"/>
+    </dgm:scene3d>
+    <dgm:sp3d/>
+    <dgm:txPr/>
+    <dgm:style>
+      <a:lnRef idx="0">
+        <a:scrgbClr r="0" g="0" b="0"/>
+      </a:lnRef>
+      <a:fillRef idx="3">
+        <a:scrgbClr r="0" g="0" b="0"/>
+      </a:fillRef>
+      <a:effectRef idx="2">
+        <a:scrgbClr r="0" g="0" b="0"/>
+      </a:effectRef>
+      <a:fontRef idx="minor">
+        <a:schemeClr val="lt1"/>
+      </a:fontRef>
+    </dgm:style>
+  </dgm:styleLbl>
+  <dgm:styleLbl name="sibTrans1D1">
+    <dgm:scene3d>
+      <a:camera prst="orthographicFront"/>
+      <a:lightRig rig="threePt" dir="t"/>
+    </dgm:scene3d>
+    <dgm:sp3d/>
+    <dgm:txPr/>
+    <dgm:style>
+      <a:lnRef idx="1">
+        <a:scrgbClr r="0" g="0" b="0"/>
+      </a:lnRef>
+      <a:fillRef idx="0">
+        <a:scrgbClr r="0" g="0" b="0"/>
+      </a:fillRef>
+      <a:effectRef idx="0">
+        <a:scrgbClr r="0" g="0" b="0"/>
+      </a:effectRef>
+      <a:fontRef idx="minor"/>
+    </dgm:style>
+  </dgm:styleLbl>
+  <dgm:styleLbl name="callout">
+    <dgm:scene3d>
+      <a:camera prst="orthographicFront"/>
+      <a:lightRig rig="threePt" dir="t"/>
+    </dgm:scene3d>
+    <dgm:sp3d/>
+    <dgm:txPr/>
+    <dgm:style>
+      <a:lnRef idx="2">
+        <a:scrgbClr r="0" g="0" b="0"/>
+      </a:lnRef>
+      <a:fillRef idx="1">
+        <a:scrgbClr r="0" g="0" b="0"/>
+      </a:fillRef>
+      <a:effectRef idx="1">
+        <a:scrgbClr r="0" g="0" b="0"/>
+      </a:effectRef>
+      <a:fontRef idx="minor"/>
+    </dgm:style>
+  </dgm:styleLbl>
+  <dgm:styleLbl name="asst0">
+    <dgm:scene3d>
+      <a:camera prst="orthographicFront"/>
+      <a:lightRig rig="threePt" dir="t"/>
+    </dgm:scene3d>
+    <dgm:sp3d/>
+    <dgm:txPr/>
+    <dgm:style>
+      <a:lnRef idx="0">
+        <a:scrgbClr r="0" g="0" b="0"/>
+      </a:lnRef>
+      <a:fillRef idx="3">
+        <a:scrgbClr r="0" g="0" b="0"/>
+      </a:fillRef>
+      <a:effectRef idx="2">
+        <a:scrgbClr r="0" g="0" b="0"/>
+      </a:effectRef>
+      <a:fontRef idx="minor">
+        <a:schemeClr val="lt1"/>
+      </a:fontRef>
+    </dgm:style>
+  </dgm:styleLbl>
+  <dgm:styleLbl name="asst1">
+    <dgm:scene3d>
+      <a:camera prst="orthographicFront"/>
+      <a:lightRig rig="threePt" dir="t"/>
+    </dgm:scene3d>
+    <dgm:sp3d/>
+    <dgm:txPr/>
+    <dgm:style>
+      <a:lnRef idx="0">
+        <a:scrgbClr r="0" g="0" b="0"/>
+      </a:lnRef>
+      <a:fillRef idx="3">
+        <a:scrgbClr r="0" g="0" b="0"/>
+      </a:fillRef>
+      <a:effectRef idx="2">
+        <a:scrgbClr r="0" g="0" b="0"/>
+      </a:effectRef>
+      <a:fontRef idx="minor">
+        <a:schemeClr val="lt1"/>
+      </a:fontRef>
+    </dgm:style>
+  </dgm:styleLbl>
+  <dgm:styleLbl name="asst2">
+    <dgm:scene3d>
+      <a:camera prst="orthographicFront"/>
+      <a:lightRig rig="threePt" dir="t"/>
+    </dgm:scene3d>
+    <dgm:sp3d/>
+    <dgm:txPr/>
+    <dgm:style>
+      <a:lnRef idx="0">
+        <a:scrgbClr r="0" g="0" b="0"/>
+      </a:lnRef>
+      <a:fillRef idx="3">
+        <a:scrgbClr r="0" g="0" b="0"/>
+      </a:fillRef>
+      <a:effectRef idx="2">
+        <a:scrgbClr r="0" g="0" b="0"/>
+      </a:effectRef>
+      <a:fontRef idx="minor">
+        <a:schemeClr val="lt1"/>
+      </a:fontRef>
+    </dgm:style>
+  </dgm:styleLbl>
+  <dgm:styleLbl name="asst3">
+    <dgm:scene3d>
+      <a:camera prst="orthographicFront"/>
+      <a:lightRig rig="threePt" dir="t"/>
+    </dgm:scene3d>
+    <dgm:sp3d/>
+    <dgm:txPr/>
+    <dgm:style>
+      <a:lnRef idx="0">
+        <a:scrgbClr r="0" g="0" b="0"/>
+      </a:lnRef>
+      <a:fillRef idx="3">
+        <a:scrgbClr r="0" g="0" b="0"/>
+      </a:fillRef>
+      <a:effectRef idx="2">
+        <a:scrgbClr r="0" g="0" b="0"/>
+      </a:effectRef>
+      <a:fontRef idx="minor">
+        <a:schemeClr val="lt1"/>
+      </a:fontRef>
+    </dgm:style>
+  </dgm:styleLbl>
+  <dgm:styleLbl name="asst4">
+    <dgm:scene3d>
+      <a:camera prst="orthographicFront"/>
+      <a:lightRig rig="threePt" dir="t"/>
+    </dgm:scene3d>
+    <dgm:sp3d/>
+    <dgm:txPr/>
+    <dgm:style>
+      <a:lnRef idx="0">
+        <a:scrgbClr r="0" g="0" b="0"/>
+      </a:lnRef>
+      <a:fillRef idx="3">
+        <a:scrgbClr r="0" g="0" b="0"/>
+      </a:fillRef>
+      <a:effectRef idx="2">
+        <a:scrgbClr r="0" g="0" b="0"/>
+      </a:effectRef>
+      <a:fontRef idx="minor">
+        <a:schemeClr val="lt1"/>
+      </a:fontRef>
+    </dgm:style>
+  </dgm:styleLbl>
+  <dgm:styleLbl name="parChTrans2D1">
+    <dgm:scene3d>
+      <a:camera prst="orthographicFront"/>
+      <a:lightRig rig="threePt" dir="t"/>
+    </dgm:scene3d>
+    <dgm:sp3d/>
+    <dgm:txPr/>
+    <dgm:style>
+      <a:lnRef idx="0">
+        <a:scrgbClr r="0" g="0" b="0"/>
+      </a:lnRef>
+      <a:fillRef idx="3">
+        <a:scrgbClr r="0" g="0" b="0"/>
+      </a:fillRef>
+      <a:effectRef idx="2">
+        <a:scrgbClr r="0" g="0" b="0"/>
+      </a:effectRef>
+      <a:fontRef idx="minor">
+        <a:schemeClr val="lt1"/>
+      </a:fontRef>
+    </dgm:style>
+  </dgm:styleLbl>
+  <dgm:styleLbl name="parChTrans2D2">
+    <dgm:scene3d>
+      <a:camera prst="orthographicFront"/>
+      <a:lightRig rig="threePt" dir="t"/>
+    </dgm:scene3d>
+    <dgm:sp3d/>
+    <dgm:txPr/>
+    <dgm:style>
+      <a:lnRef idx="0">
+        <a:scrgbClr r="0" g="0" b="0"/>
+      </a:lnRef>
+      <a:fillRef idx="3">
+        <a:scrgbClr r="0" g="0" b="0"/>
+      </a:fillRef>
+      <a:effectRef idx="2">
+        <a:scrgbClr r="0" g="0" b="0"/>
+      </a:effectRef>
+      <a:fontRef idx="minor">
+        <a:schemeClr val="lt1"/>
+      </a:fontRef>
+    </dgm:style>
+  </dgm:styleLbl>
+  <dgm:styleLbl name="parChTrans2D3">
+    <dgm:scene3d>
+      <a:camera prst="orthographicFront"/>
+      <a:lightRig rig="threePt" dir="t"/>
+    </dgm:scene3d>
+    <dgm:sp3d/>
+    <dgm:txPr/>
+    <dgm:style>
+      <a:lnRef idx="1">
+        <a:scrgbClr r="0" g="0" b="0"/>
+      </a:lnRef>
+      <a:fillRef idx="3">
+        <a:scrgbClr r="0" g="0" b="0"/>
+      </a:fillRef>
+      <a:effectRef idx="2">
+        <a:scrgbClr r="0" g="0" b="0"/>
+      </a:effectRef>
+      <a:fontRef idx="minor">
+        <a:schemeClr val="lt1"/>
+      </a:fontRef>
+    </dgm:style>
+  </dgm:styleLbl>
+  <dgm:styleLbl name="parChTrans2D4">
+    <dgm:scene3d>
+      <a:camera prst="orthographicFront"/>
+      <a:lightRig rig="threePt" dir="t"/>
+    </dgm:scene3d>
+    <dgm:sp3d/>
+    <dgm:txPr/>
+    <dgm:style>
+      <a:lnRef idx="1">
+        <a:scrgbClr r="0" g="0" b="0"/>
+      </a:lnRef>
+      <a:fillRef idx="3">
+        <a:scrgbClr r="0" g="0" b="0"/>
+      </a:fillRef>
+      <a:effectRef idx="2">
+        <a:scrgbClr r="0" g="0" b="0"/>
+      </a:effectRef>
+      <a:fontRef idx="minor">
+        <a:schemeClr val="lt1"/>
+      </a:fontRef>
+    </dgm:style>
+  </dgm:styleLbl>
+  <dgm:styleLbl name="parChTrans1D1">
+    <dgm:scene3d>
+      <a:camera prst="orthographicFront"/>
+      <a:lightRig rig="threePt" dir="t"/>
+    </dgm:scene3d>
+    <dgm:sp3d/>
+    <dgm:txPr/>
+    <dgm:style>
+      <a:lnRef idx="1">
+        <a:scrgbClr r="0" g="0" b="0"/>
+      </a:lnRef>
+      <a:fillRef idx="0">
+        <a:scrgbClr r="0" g="0" b="0"/>
+      </a:fillRef>
+      <a:effectRef idx="0">
+        <a:scrgbClr r="0" g="0" b="0"/>
+      </a:effectRef>
+      <a:fontRef idx="minor"/>
+    </dgm:style>
+  </dgm:styleLbl>
+  <dgm:styleLbl name="parChTrans1D2">
+    <dgm:scene3d>
+      <a:camera prst="orthographicFront"/>
+      <a:lightRig rig="threePt" dir="t"/>
+    </dgm:scene3d>
+    <dgm:sp3d/>
+    <dgm:txPr/>
+    <dgm:style>
+      <a:lnRef idx="1">
+        <a:scrgbClr r="0" g="0" b="0"/>
+      </a:lnRef>
+      <a:fillRef idx="0">
+        <a:scrgbClr r="0" g="0" b="0"/>
+      </a:fillRef>
+      <a:effectRef idx="0">
+        <a:scrgbClr r="0" g="0" b="0"/>
+      </a:effectRef>
+      <a:fontRef idx="minor"/>
+    </dgm:style>
+  </dgm:styleLbl>
+  <dgm:styleLbl name="parChTrans1D3">
+    <dgm:scene3d>
+      <a:camera prst="orthographicFront"/>
+      <a:lightRig rig="threePt" dir="t"/>
+    </dgm:scene3d>
+    <dgm:sp3d/>
+    <dgm:txPr/>
+    <dgm:style>
+      <a:lnRef idx="1">
+        <a:scrgbClr r="0" g="0" b="0"/>
+      </a:lnRef>
+      <a:fillRef idx="0">
+        <a:scrgbClr r="0" g="0" b="0"/>
+      </a:fillRef>
+      <a:effectRef idx="0">
+        <a:scrgbClr r="0" g="0" b="0"/>
+      </a:effectRef>
+      <a:fontRef idx="minor"/>
+    </dgm:style>
+  </dgm:styleLbl>
+  <dgm:styleLbl name="parChTrans1D4">
+    <dgm:scene3d>
+      <a:camera prst="orthographicFront"/>
+      <a:lightRig rig="threePt" dir="t"/>
+    </dgm:scene3d>
+    <dgm:sp3d/>
+    <dgm:txPr/>
+    <dgm:style>
+      <a:lnRef idx="1">
+        <a:scrgbClr r="0" g="0" b="0"/>
+      </a:lnRef>
+      <a:fillRef idx="0">
+        <a:scrgbClr r="0" g="0" b="0"/>
+      </a:fillRef>
+      <a:effectRef idx="0">
+        <a:scrgbClr r="0" g="0" b="0"/>
+      </a:effectRef>
+      <a:fontRef idx="minor"/>
+    </dgm:style>
+  </dgm:styleLbl>
+  <dgm:styleLbl name="fgAcc1">
+    <dgm:scene3d>
+      <a:camera prst="orthographicFront"/>
+      <a:lightRig rig="threePt" dir="t"/>
+    </dgm:scene3d>
+    <dgm:sp3d/>
+    <dgm:txPr/>
+    <dgm:style>
+      <a:lnRef idx="1">
+        <a:scrgbClr r="0" g="0" b="0"/>
+      </a:lnRef>
+      <a:fillRef idx="1">
+        <a:scrgbClr r="0" g="0" b="0"/>
+      </a:fillRef>
+      <a:effectRef idx="0">
+        <a:scrgbClr r="0" g="0" b="0"/>
+      </a:effectRef>
+      <a:fontRef idx="minor"/>
+    </dgm:style>
+  </dgm:styleLbl>
+  <dgm:styleLbl name="conFgAcc1">
+    <dgm:scene3d>
+      <a:camera prst="orthographicFront"/>
+      <a:lightRig rig="threePt" dir="t"/>
+    </dgm:scene3d>
+    <dgm:sp3d/>
+    <dgm:txPr/>
+    <dgm:style>
+      <a:lnRef idx="1">
+        <a:scrgbClr r="0" g="0" b="0"/>
+      </a:lnRef>
+      <a:fillRef idx="1">
+        <a:scrgbClr r="0" g="0" b="0"/>
+      </a:fillRef>
+      <a:effectRef idx="0">
+        <a:scrgbClr r="0" g="0" b="0"/>
+      </a:effectRef>
+      <a:fontRef idx="minor"/>
+    </dgm:style>
+  </dgm:styleLbl>
+  <dgm:styleLbl name="alignAcc1">
+    <dgm:scene3d>
+      <a:camera prst="orthographicFront"/>
+      <a:lightRig rig="threePt" dir="t"/>
+    </dgm:scene3d>
+    <dgm:sp3d/>
+    <dgm:txPr/>
+    <dgm:style>
+      <a:lnRef idx="1">
+        <a:scrgbClr r="0" g="0" b="0"/>
+      </a:lnRef>
+      <a:fillRef idx="1">
+        <a:scrgbClr r="0" g="0" b="0"/>
+      </a:fillRef>
+      <a:effectRef idx="0">
+        <a:scrgbClr r="0" g="0" b="0"/>
+      </a:effectRef>
+      <a:fontRef idx="minor"/>
+    </dgm:style>
+  </dgm:styleLbl>
+  <dgm:styleLbl name="trAlignAcc1">
+    <dgm:scene3d>
+      <a:camera prst="orthographicFront"/>
+      <a:lightRig rig="threePt" dir="t"/>
+    </dgm:scene3d>
+    <dgm:sp3d/>
+    <dgm:txPr/>
+    <dgm:style>
+      <a:lnRef idx="1">
+        <a:scrgbClr r="0" g="0" b="0"/>
+      </a:lnRef>
+      <a:fillRef idx="1">
+        <a:scrgbClr r="0" g="0" b="0"/>
+      </a:fillRef>
+      <a:effectRef idx="0">
+        <a:scrgbClr r="0" g="0" b="0"/>
+      </a:effectRef>
+      <a:fontRef idx="minor"/>
+    </dgm:style>
+  </dgm:styleLbl>
+  <dgm:styleLbl name="bgAcc1">
+    <dgm:scene3d>
+      <a:camera prst="orthographicFront"/>
+      <a:lightRig rig="threePt" dir="t"/>
+    </dgm:scene3d>
+    <dgm:sp3d/>
+    <dgm:txPr/>
+    <dgm:style>
+      <a:lnRef idx="1">
+        <a:scrgbClr r="0" g="0" b="0"/>
+      </a:lnRef>
+      <a:fillRef idx="1">
+        <a:scrgbClr r="0" g="0" b="0"/>
+      </a:fillRef>
+      <a:effectRef idx="0">
+        <a:scrgbClr r="0" g="0" b="0"/>
+      </a:effectRef>
+      <a:fontRef idx="minor"/>
+    </dgm:style>
+  </dgm:styleLbl>
+  <dgm:styleLbl name="solidFgAcc1">
+    <dgm:scene3d>
+      <a:camera prst="orthographicFront"/>
+      <a:lightRig rig="threePt" dir="t"/>
+    </dgm:scene3d>
+    <dgm:sp3d/>
+    <dgm:txPr/>
+    <dgm:style>
+      <a:lnRef idx="1">
+        <a:scrgbClr r="0" g="0" b="0"/>
+      </a:lnRef>
+      <a:fillRef idx="1">
+        <a:scrgbClr r="0" g="0" b="0"/>
+      </a:fillRef>
+      <a:effectRef idx="0">
+        <a:scrgbClr r="0" g="0" b="0"/>
+      </a:effectRef>
+      <a:fontRef idx="minor"/>
+    </dgm:style>
+  </dgm:styleLbl>
+  <dgm:styleLbl name="solidAlignAcc1">
+    <dgm:scene3d>
+      <a:camera prst="orthographicFront"/>
+      <a:lightRig rig="threePt" dir="t"/>
+    </dgm:scene3d>
+    <dgm:sp3d/>
+    <dgm:txPr/>
+    <dgm:style>
+      <a:lnRef idx="1">
+        <a:scrgbClr r="0" g="0" b="0"/>
+      </a:lnRef>
+      <a:fillRef idx="1">
+        <a:scrgbClr r="0" g="0" b="0"/>
+      </a:fillRef>
+      <a:effectRef idx="0">
+        <a:scrgbClr r="0" g="0" b="0"/>
+      </a:effectRef>
+      <a:fontRef idx="minor"/>
+    </dgm:style>
+  </dgm:styleLbl>
+  <dgm:styleLbl name="solidBgAcc1">
+    <dgm:scene3d>
+      <a:camera prst="orthographicFront"/>
+      <a:lightRig rig="threePt" dir="t"/>
+    </dgm:scene3d>
+    <dgm:sp3d/>
+    <dgm:txPr/>
+    <dgm:style>
+      <a:lnRef idx="1">
+        <a:scrgbClr r="0" g="0" b="0"/>
+      </a:lnRef>
+      <a:fillRef idx="1">
+        <a:scrgbClr r="0" g="0" b="0"/>
+      </a:fillRef>
+      <a:effectRef idx="0">
+        <a:scrgbClr r="0" g="0" b="0"/>
+      </a:effectRef>
+      <a:fontRef idx="minor"/>
+    </dgm:style>
+  </dgm:styleLbl>
+  <dgm:styleLbl name="fgAccFollowNode1">
+    <dgm:scene3d>
+      <a:camera prst="orthographicFront"/>
+      <a:lightRig rig="threePt" dir="t"/>
+    </dgm:scene3d>
+    <dgm:sp3d/>
+    <dgm:txPr/>
+    <dgm:style>
+      <a:lnRef idx="1">
+        <a:scrgbClr r="0" g="0" b="0"/>
+      </a:lnRef>
+      <a:fillRef idx="1">
+        <a:scrgbClr r="0" g="0" b="0"/>
+      </a:fillRef>
+      <a:effectRef idx="0">
+        <a:scrgbClr r="0" g="0" b="0"/>
+      </a:effectRef>
+      <a:fontRef idx="minor"/>
+    </dgm:style>
+  </dgm:styleLbl>
+  <dgm:styleLbl name="alignAccFollowNode1">
+    <dgm:scene3d>
+      <a:camera prst="orthographicFront"/>
+      <a:lightRig rig="threePt" dir="t"/>
+    </dgm:scene3d>
+    <dgm:sp3d/>
+    <dgm:txPr/>
+    <dgm:style>
+      <a:lnRef idx="1">
+        <a:scrgbClr r="0" g="0" b="0"/>
+      </a:lnRef>
+      <a:fillRef idx="1">
+        <a:scrgbClr r="0" g="0" b="0"/>
+      </a:fillRef>
+      <a:effectRef idx="0">
+        <a:scrgbClr r="0" g="0" b="0"/>
+      </a:effectRef>
+      <a:fontRef idx="minor"/>
+    </dgm:style>
+  </dgm:styleLbl>
+  <dgm:styleLbl name="bgAccFollowNode1">
+    <dgm:scene3d>
+      <a:camera prst="orthographicFront"/>
+      <a:lightRig rig="threePt" dir="t"/>
+    </dgm:scene3d>
+    <dgm:sp3d/>
+    <dgm:txPr/>
+    <dgm:style>
+      <a:lnRef idx="1">
+        <a:scrgbClr r="0" g="0" b="0"/>
+      </a:lnRef>
+      <a:fillRef idx="1">
+        <a:scrgbClr r="0" g="0" b="0"/>
+      </a:fillRef>
+      <a:effectRef idx="0">
+        <a:scrgbClr r="0" g="0" b="0"/>
+      </a:effectRef>
+      <a:fontRef idx="minor"/>
+    </dgm:style>
+  </dgm:styleLbl>
+  <dgm:styleLbl name="fgAcc0">
+    <dgm:scene3d>
+      <a:camera prst="orthographicFront"/>
+      <a:lightRig rig="threePt" dir="t"/>
+    </dgm:scene3d>
+    <dgm:sp3d/>
+    <dgm:txPr/>
+    <dgm:style>
+      <a:lnRef idx="1">
+        <a:scrgbClr r="0" g="0" b="0"/>
+      </a:lnRef>
+      <a:fillRef idx="1">
+        <a:scrgbClr r="0" g="0" b="0"/>
+      </a:fillRef>
+      <a:effectRef idx="0">
+        <a:scrgbClr r="0" g="0" b="0"/>
+      </a:effectRef>
+      <a:fontRef idx="minor"/>
+    </dgm:style>
+  </dgm:styleLbl>
+  <dgm:styleLbl name="fgAcc2">
+    <dgm:scene3d>
+      <a:camera prst="orthographicFront"/>
+      <a:lightRig rig="threePt" dir="t"/>
+    </dgm:scene3d>
+    <dgm:sp3d/>
+    <dgm:txPr/>
+    <dgm:style>
+      <a:lnRef idx="1">
+        <a:scrgbClr r="0" g="0" b="0"/>
+      </a:lnRef>
+      <a:fillRef idx="1">
+        <a:scrgbClr r="0" g="0" b="0"/>
+      </a:fillRef>
+      <a:effectRef idx="0">
+        <a:scrgbClr r="0" g="0" b="0"/>
+      </a:effectRef>
+      <a:fontRef idx="minor"/>
+    </dgm:style>
+  </dgm:styleLbl>
+  <dgm:styleLbl name="fgAcc3">
+    <dgm:scene3d>
+      <a:camera prst="orthographicFront"/>
+      <a:lightRig rig="threePt" dir="t"/>
+    </dgm:scene3d>
+    <dgm:sp3d/>
+    <dgm:txPr/>
+    <dgm:style>
+      <a:lnRef idx="1">
+        <a:scrgbClr r="0" g="0" b="0"/>
+      </a:lnRef>
+      <a:fillRef idx="1">
+        <a:scrgbClr r="0" g="0" b="0"/>
+      </a:fillRef>
+      <a:effectRef idx="0">
+        <a:scrgbClr r="0" g="0" b="0"/>
+      </a:effectRef>
+      <a:fontRef idx="minor"/>
+    </dgm:style>
+  </dgm:styleLbl>
+  <dgm:styleLbl name="fgAcc4">
+    <dgm:scene3d>
+      <a:camera prst="orthographicFront"/>
+      <a:lightRig rig="threePt" dir="t"/>
+    </dgm:scene3d>
+    <dgm:sp3d/>
+    <dgm:txPr/>
+    <dgm:style>
+      <a:lnRef idx="1">
+        <a:scrgbClr r="0" g="0" b="0"/>
+      </a:lnRef>
+      <a:fillRef idx="1">
+        <a:scrgbClr r="0" g="0" b="0"/>
+      </a:fillRef>
+      <a:effectRef idx="0">
+        <a:scrgbClr r="0" g="0" b="0"/>
+      </a:effectRef>
+      <a:fontRef idx="minor"/>
+    </dgm:style>
+  </dgm:styleLbl>
+  <dgm:styleLbl name="bgShp">
+    <dgm:scene3d>
+      <a:camera prst="orthographicFront"/>
+      <a:lightRig rig="threePt" dir="t"/>
+    </dgm:scene3d>
+    <dgm:sp3d/>
+    <dgm:txPr/>
+    <dgm:style>
+      <a:lnRef idx="0">
+        <a:scrgbClr r="0" g="0" b="0"/>
+      </a:lnRef>
+      <a:fillRef idx="1">
+        <a:scrgbClr r="0" g="0" b="0"/>
+      </a:fillRef>
+      <a:effectRef idx="2">
+        <a:scrgbClr r="0" g="0" b="0"/>
+      </a:effectRef>
+      <a:fontRef idx="minor"/>
+    </dgm:style>
+  </dgm:styleLbl>
+  <dgm:styleLbl name="dkBgShp">
+    <dgm:scene3d>
+      <a:camera prst="orthographicFront"/>
+      <a:lightRig rig="threePt" dir="t"/>
+    </dgm:scene3d>
+    <dgm:sp3d/>
+    <dgm:txPr/>
+    <dgm:style>
+      <a:lnRef idx="0">
+        <a:scrgbClr r="0" g="0" b="0"/>
+      </a:lnRef>
+      <a:fillRef idx="1">
+        <a:scrgbClr r="0" g="0" b="0"/>
+      </a:fillRef>
+      <a:effectRef idx="2">
+        <a:scrgbClr r="0" g="0" b="0"/>
+      </a:effectRef>
+      <a:fontRef idx="minor"/>
+    </dgm:style>
+  </dgm:styleLbl>
+  <dgm:styleLbl name="trBgShp">
+    <dgm:scene3d>
+      <a:camera prst="orthographicFront"/>
+      <a:lightRig rig="threePt" dir="t"/>
+    </dgm:scene3d>
+    <dgm:sp3d/>
+    <dgm:txPr/>
+    <dgm:style>
+      <a:lnRef idx="0">
+        <a:scrgbClr r="0" g="0" b="0"/>
+      </a:lnRef>
+      <a:fillRef idx="1">
+        <a:scrgbClr r="0" g="0" b="0"/>
+      </a:fillRef>
+      <a:effectRef idx="0">
+        <a:scrgbClr r="0" g="0" b="0"/>
+      </a:effectRef>
+      <a:fontRef idx="minor"/>
+    </dgm:style>
+  </dgm:styleLbl>
+  <dgm:styleLbl name="fgShp">
+    <dgm:scene3d>
+      <a:camera prst="orthographicFront"/>
+      <a:lightRig rig="threePt" dir="t"/>
+    </dgm:scene3d>
+    <dgm:sp3d/>
+    <dgm:txPr/>
+    <dgm:style>
+      <a:lnRef idx="0">
+        <a:scrgbClr r="0" g="0" b="0"/>
+      </a:lnRef>
+      <a:fillRef idx="3">
+        <a:scrgbClr r="0" g="0" b="0"/>
+      </a:fillRef>
+      <a:effectRef idx="2">
+        <a:scrgbClr r="0" g="0" b="0"/>
+      </a:effectRef>
+      <a:fontRef idx="minor"/>
+    </dgm:style>
+  </dgm:styleLbl>
+  <dgm:styleLbl name="revTx">
+    <dgm:scene3d>
+      <a:camera prst="orthographicFront"/>
+      <a:lightRig rig="threePt" dir="t"/>
+    </dgm:scene3d>
+    <dgm:sp3d/>
+    <dgm:txPr/>
+    <dgm:style>
+      <a:lnRef idx="0">
+        <a:scrgbClr r="0" g="0" b="0"/>
+      </a:lnRef>
+      <a:fillRef idx="0">
+        <a:scrgbClr r="0" g="0" b="0"/>
+      </a:fillRef>
+      <a:effectRef idx="0">
+        <a:scrgbClr r="0" g="0" b="0"/>
+      </a:effectRef>
+      <a:fontRef idx="minor"/>
+    </dgm:style>
+  </dgm:styleLbl>
+</dgm:styleDef>
 </file>
 
 <file path=ppt/notesMasters/notesMaster1.xml><?xml version="1.0" encoding="utf-8"?>
@@ -199,7 +6992,7 @@
           <a:p>
             <a:fld id="{F431B212-0EDE-4AA1-8ED7-07378ABC31E6}" type="datetimeFigureOut">
               <a:rPr lang="en-US" smtClean="0"/>
-              <a:t>7/24/2025</a:t>
+              <a:t>7/30/2025</a:t>
             </a:fld>
             <a:endParaRPr lang="en-US"/>
           </a:p>
@@ -510,6 +7303,177 @@
           <a:bodyPr/>
           <a:lstStyle/>
           <a:p>
+            <a:r>
+              <a:rPr lang="en-US" dirty="0"/>
+              <a:t>Before building our model, we made several assumptions based on what we already know about crime and a first look at the data. We expected violent crimes to lead to more arrests because they are more serious and get more police attention. We also thought drug-related crimes would have a high number of arrests since police often target those specifically. Crimes that happen in the summer or during the afternoon were assumed to result in more arrests, since there are usually more people around and more police activity at those times. We believed that school grounds, especially public schools, would have more violent crimes, even if the total number of crimes there is low. Finally, we expected most crimes to happen in public places connected to infrastructure, as well as in private homes, and that these areas would also have a higher proportion of violent crimes compared to non-violent crimes. These ideas helped guide how we prepared the data and what we looked for in our model.</a:t>
+            </a:r>
+          </a:p>
+        </p:txBody>
+      </p:sp>
+      <p:sp>
+        <p:nvSpPr>
+          <p:cNvPr id="4" name="Slide Number Placeholder 3"/>
+          <p:cNvSpPr>
+            <a:spLocks noGrp="1"/>
+          </p:cNvSpPr>
+          <p:nvPr>
+            <p:ph type="sldNum" sz="quarter" idx="5"/>
+          </p:nvPr>
+        </p:nvSpPr>
+        <p:spPr/>
+        <p:txBody>
+          <a:bodyPr/>
+          <a:lstStyle/>
+          <a:p>
+            <a:fld id="{2C89EA2E-ADA5-4051-9BE1-7010ABEF2B1E}" type="slidenum">
+              <a:rPr lang="en-US" smtClean="0"/>
+              <a:t>4</a:t>
+            </a:fld>
+            <a:endParaRPr lang="en-US"/>
+          </a:p>
+        </p:txBody>
+      </p:sp>
+    </p:spTree>
+    <p:extLst>
+      <p:ext uri="{BB962C8B-B14F-4D97-AF65-F5344CB8AC3E}">
+        <p14:creationId xmlns:p14="http://schemas.microsoft.com/office/powerpoint/2010/main" val="3279517128"/>
+      </p:ext>
+    </p:extLst>
+  </p:cSld>
+  <p:clrMapOvr>
+    <a:masterClrMapping/>
+  </p:clrMapOvr>
+</p:notes>
+</file>
+
+<file path=ppt/notesSlides/notesSlide2.xml><?xml version="1.0" encoding="utf-8"?>
+<p:notes xmlns:a="http://schemas.openxmlformats.org/drawingml/2006/main" xmlns:r="http://schemas.openxmlformats.org/officeDocument/2006/relationships" xmlns:p="http://schemas.openxmlformats.org/presentationml/2006/main">
+  <p:cSld>
+    <p:spTree>
+      <p:nvGrpSpPr>
+        <p:cNvPr id="1" name=""/>
+        <p:cNvGrpSpPr/>
+        <p:nvPr/>
+      </p:nvGrpSpPr>
+      <p:grpSpPr>
+        <a:xfrm>
+          <a:off x="0" y="0"/>
+          <a:ext cx="0" cy="0"/>
+          <a:chOff x="0" y="0"/>
+          <a:chExt cx="0" cy="0"/>
+        </a:xfrm>
+      </p:grpSpPr>
+      <p:sp>
+        <p:nvSpPr>
+          <p:cNvPr id="2" name="Slide Image Placeholder 1"/>
+          <p:cNvSpPr>
+            <a:spLocks noGrp="1" noRot="1" noChangeAspect="1"/>
+          </p:cNvSpPr>
+          <p:nvPr>
+            <p:ph type="sldImg"/>
+          </p:nvPr>
+        </p:nvSpPr>
+        <p:spPr/>
+      </p:sp>
+      <p:sp>
+        <p:nvSpPr>
+          <p:cNvPr id="3" name="Notes Placeholder 2"/>
+          <p:cNvSpPr>
+            <a:spLocks noGrp="1"/>
+          </p:cNvSpPr>
+          <p:nvPr>
+            <p:ph type="body" idx="1"/>
+          </p:nvPr>
+        </p:nvSpPr>
+        <p:spPr/>
+        <p:txBody>
+          <a:bodyPr/>
+          <a:lstStyle/>
+          <a:p>
+            <a:endParaRPr lang="en-US" dirty="0"/>
+          </a:p>
+        </p:txBody>
+      </p:sp>
+      <p:sp>
+        <p:nvSpPr>
+          <p:cNvPr id="4" name="Slide Number Placeholder 3"/>
+          <p:cNvSpPr>
+            <a:spLocks noGrp="1"/>
+          </p:cNvSpPr>
+          <p:nvPr>
+            <p:ph type="sldNum" sz="quarter" idx="5"/>
+          </p:nvPr>
+        </p:nvSpPr>
+        <p:spPr/>
+        <p:txBody>
+          <a:bodyPr/>
+          <a:lstStyle/>
+          <a:p>
+            <a:fld id="{2C89EA2E-ADA5-4051-9BE1-7010ABEF2B1E}" type="slidenum">
+              <a:rPr lang="en-US" smtClean="0"/>
+              <a:t>5</a:t>
+            </a:fld>
+            <a:endParaRPr lang="en-US"/>
+          </a:p>
+        </p:txBody>
+      </p:sp>
+    </p:spTree>
+    <p:extLst>
+      <p:ext uri="{BB962C8B-B14F-4D97-AF65-F5344CB8AC3E}">
+        <p14:creationId xmlns:p14="http://schemas.microsoft.com/office/powerpoint/2010/main" val="3642181013"/>
+      </p:ext>
+    </p:extLst>
+  </p:cSld>
+  <p:clrMapOvr>
+    <a:masterClrMapping/>
+  </p:clrMapOvr>
+</p:notes>
+</file>
+
+<file path=ppt/notesSlides/notesSlide3.xml><?xml version="1.0" encoding="utf-8"?>
+<p:notes xmlns:a="http://schemas.openxmlformats.org/drawingml/2006/main" xmlns:r="http://schemas.openxmlformats.org/officeDocument/2006/relationships" xmlns:p="http://schemas.openxmlformats.org/presentationml/2006/main">
+  <p:cSld>
+    <p:spTree>
+      <p:nvGrpSpPr>
+        <p:cNvPr id="1" name=""/>
+        <p:cNvGrpSpPr/>
+        <p:nvPr/>
+      </p:nvGrpSpPr>
+      <p:grpSpPr>
+        <a:xfrm>
+          <a:off x="0" y="0"/>
+          <a:ext cx="0" cy="0"/>
+          <a:chOff x="0" y="0"/>
+          <a:chExt cx="0" cy="0"/>
+        </a:xfrm>
+      </p:grpSpPr>
+      <p:sp>
+        <p:nvSpPr>
+          <p:cNvPr id="2" name="Slide Image Placeholder 1"/>
+          <p:cNvSpPr>
+            <a:spLocks noGrp="1" noRot="1" noChangeAspect="1"/>
+          </p:cNvSpPr>
+          <p:nvPr>
+            <p:ph type="sldImg"/>
+          </p:nvPr>
+        </p:nvSpPr>
+        <p:spPr/>
+      </p:sp>
+      <p:sp>
+        <p:nvSpPr>
+          <p:cNvPr id="3" name="Notes Placeholder 2"/>
+          <p:cNvSpPr>
+            <a:spLocks noGrp="1"/>
+          </p:cNvSpPr>
+          <p:nvPr>
+            <p:ph type="body" idx="1"/>
+          </p:nvPr>
+        </p:nvSpPr>
+        <p:spPr/>
+        <p:txBody>
+          <a:bodyPr/>
+          <a:lstStyle/>
+          <a:p>
             <a:pPr marL="171450" indent="-171450">
               <a:buFont typeface="Arial" panose="020B0604020202020204" pitchFamily="34" charset="0"/>
               <a:buChar char="•"/>
@@ -744,7 +7708,7 @@
           <a:p>
             <a:fld id="{957081E2-E7FF-419A-A8C5-3A16374CC1CB}" type="datetimeFigureOut">
               <a:rPr lang="en-US" smtClean="0"/>
-              <a:t>7/24/2025</a:t>
+              <a:t>7/30/2025</a:t>
             </a:fld>
             <a:endParaRPr lang="en-US"/>
           </a:p>
@@ -942,7 +7906,7 @@
           <a:p>
             <a:fld id="{957081E2-E7FF-419A-A8C5-3A16374CC1CB}" type="datetimeFigureOut">
               <a:rPr lang="en-US" smtClean="0"/>
-              <a:t>7/24/2025</a:t>
+              <a:t>7/30/2025</a:t>
             </a:fld>
             <a:endParaRPr lang="en-US"/>
           </a:p>
@@ -1150,7 +8114,7 @@
           <a:p>
             <a:fld id="{957081E2-E7FF-419A-A8C5-3A16374CC1CB}" type="datetimeFigureOut">
               <a:rPr lang="en-US" smtClean="0"/>
-              <a:t>7/24/2025</a:t>
+              <a:t>7/30/2025</a:t>
             </a:fld>
             <a:endParaRPr lang="en-US"/>
           </a:p>
@@ -1348,7 +8312,7 @@
           <a:p>
             <a:fld id="{957081E2-E7FF-419A-A8C5-3A16374CC1CB}" type="datetimeFigureOut">
               <a:rPr lang="en-US" smtClean="0"/>
-              <a:t>7/24/2025</a:t>
+              <a:t>7/30/2025</a:t>
             </a:fld>
             <a:endParaRPr lang="en-US"/>
           </a:p>
@@ -1623,7 +8587,7 @@
           <a:p>
             <a:fld id="{957081E2-E7FF-419A-A8C5-3A16374CC1CB}" type="datetimeFigureOut">
               <a:rPr lang="en-US" smtClean="0"/>
-              <a:t>7/24/2025</a:t>
+              <a:t>7/30/2025</a:t>
             </a:fld>
             <a:endParaRPr lang="en-US"/>
           </a:p>
@@ -1888,7 +8852,7 @@
           <a:p>
             <a:fld id="{957081E2-E7FF-419A-A8C5-3A16374CC1CB}" type="datetimeFigureOut">
               <a:rPr lang="en-US" smtClean="0"/>
-              <a:t>7/24/2025</a:t>
+              <a:t>7/30/2025</a:t>
             </a:fld>
             <a:endParaRPr lang="en-US"/>
           </a:p>
@@ -2300,7 +9264,7 @@
           <a:p>
             <a:fld id="{957081E2-E7FF-419A-A8C5-3A16374CC1CB}" type="datetimeFigureOut">
               <a:rPr lang="en-US" smtClean="0"/>
-              <a:t>7/24/2025</a:t>
+              <a:t>7/30/2025</a:t>
             </a:fld>
             <a:endParaRPr lang="en-US"/>
           </a:p>
@@ -2441,7 +9405,7 @@
           <a:p>
             <a:fld id="{957081E2-E7FF-419A-A8C5-3A16374CC1CB}" type="datetimeFigureOut">
               <a:rPr lang="en-US" smtClean="0"/>
-              <a:t>7/24/2025</a:t>
+              <a:t>7/30/2025</a:t>
             </a:fld>
             <a:endParaRPr lang="en-US"/>
           </a:p>
@@ -2554,7 +9518,7 @@
           <a:p>
             <a:fld id="{957081E2-E7FF-419A-A8C5-3A16374CC1CB}" type="datetimeFigureOut">
               <a:rPr lang="en-US" smtClean="0"/>
-              <a:t>7/24/2025</a:t>
+              <a:t>7/30/2025</a:t>
             </a:fld>
             <a:endParaRPr lang="en-US"/>
           </a:p>
@@ -2865,7 +9829,7 @@
           <a:p>
             <a:fld id="{957081E2-E7FF-419A-A8C5-3A16374CC1CB}" type="datetimeFigureOut">
               <a:rPr lang="en-US" smtClean="0"/>
-              <a:t>7/24/2025</a:t>
+              <a:t>7/30/2025</a:t>
             </a:fld>
             <a:endParaRPr lang="en-US"/>
           </a:p>
@@ -3153,7 +10117,7 @@
           <a:p>
             <a:fld id="{957081E2-E7FF-419A-A8C5-3A16374CC1CB}" type="datetimeFigureOut">
               <a:rPr lang="en-US" smtClean="0"/>
-              <a:t>7/24/2025</a:t>
+              <a:t>7/30/2025</a:t>
             </a:fld>
             <a:endParaRPr lang="en-US"/>
           </a:p>
@@ -3394,7 +10358,7 @@
           <a:p>
             <a:fld id="{957081E2-E7FF-419A-A8C5-3A16374CC1CB}" type="datetimeFigureOut">
               <a:rPr lang="en-US" smtClean="0"/>
-              <a:t>7/24/2025</a:t>
+              <a:t>7/30/2025</a:t>
             </a:fld>
             <a:endParaRPr lang="en-US"/>
           </a:p>
@@ -3797,6 +10761,14 @@
 <file path=ppt/slides/slide1.xml><?xml version="1.0" encoding="utf-8"?>
 <p:sld xmlns:a="http://schemas.openxmlformats.org/drawingml/2006/main" xmlns:r="http://schemas.openxmlformats.org/officeDocument/2006/relationships" xmlns:p="http://schemas.openxmlformats.org/presentationml/2006/main">
   <p:cSld>
+    <p:bg>
+      <p:bgPr>
+        <a:solidFill>
+          <a:schemeClr val="bg1"/>
+        </a:solidFill>
+        <a:effectLst/>
+      </p:bgPr>
+    </p:bg>
     <p:spTree>
       <p:nvGrpSpPr>
         <p:cNvPr id="1" name=""/>
@@ -3811,6 +10783,526 @@
           <a:chExt cx="0" cy="0"/>
         </a:xfrm>
       </p:grpSpPr>
+      <p:sp useBgFill="1">
+        <p:nvSpPr>
+          <p:cNvPr id="6" name="Rectangle 5">
+            <a:extLst>
+              <a:ext uri="{FF2B5EF4-FFF2-40B4-BE49-F238E27FC236}">
+                <a16:creationId xmlns:a16="http://schemas.microsoft.com/office/drawing/2014/main" id="{6F5A5072-7B47-4D32-B52A-4EBBF590B8A5}"/>
+              </a:ext>
+              <a:ext uri="{C183D7F6-B498-43B3-948B-1728B52AA6E4}">
+                <adec:decorative xmlns:adec="http://schemas.microsoft.com/office/drawing/2017/decorative" val="1"/>
+              </a:ext>
+            </a:extLst>
+          </p:cNvPr>
+          <p:cNvSpPr>
+            <a:spLocks noGrp="1" noRot="1" noChangeAspect="1" noMove="1" noResize="1" noEditPoints="1" noAdjustHandles="1" noChangeArrowheads="1" noChangeShapeType="1" noTextEdit="1"/>
+          </p:cNvSpPr>
+          <p:nvPr>
+            <p:extLst>
+              <p:ext uri="{386F3935-93C4-4BCD-93E2-E3B085C9AB24}">
+                <p16:designElem xmlns:p16="http://schemas.microsoft.com/office/powerpoint/2015/main" val="1"/>
+              </p:ext>
+            </p:extLst>
+          </p:nvPr>
+        </p:nvSpPr>
+        <p:spPr>
+          <a:xfrm>
+            <a:off x="0" y="0"/>
+            <a:ext cx="12192000" cy="6858000"/>
+          </a:xfrm>
+          <a:prstGeom prst="rect">
+            <a:avLst/>
+          </a:prstGeom>
+          <a:ln w="12700" cap="flat" cmpd="sng" algn="ctr">
+            <a:noFill/>
+            <a:prstDash val="solid"/>
+            <a:miter lim="800000"/>
+          </a:ln>
+          <a:effectLst/>
+          <a:extLst>
+            <a:ext uri="{91240B29-F687-4F45-9708-019B960494DF}">
+              <a14:hiddenLine xmlns:a14="http://schemas.microsoft.com/office/drawing/2010/main" w="12700" cap="flat" cmpd="sng" algn="ctr">
+                <a:solidFill>
+                  <a:schemeClr val="accent1">
+                    <a:shade val="50000"/>
+                  </a:schemeClr>
+                </a:solidFill>
+                <a:prstDash val="solid"/>
+                <a:miter lim="800000"/>
+              </a14:hiddenLine>
+            </a:ext>
+          </a:extLst>
+        </p:spPr>
+        <p:style>
+          <a:lnRef idx="2">
+            <a:schemeClr val="accent1">
+              <a:shade val="50000"/>
+            </a:schemeClr>
+          </a:lnRef>
+          <a:fillRef idx="1">
+            <a:schemeClr val="accent1"/>
+          </a:fillRef>
+          <a:effectRef idx="0">
+            <a:schemeClr val="accent1"/>
+          </a:effectRef>
+          <a:fontRef idx="minor">
+            <a:schemeClr val="lt1"/>
+          </a:fontRef>
+        </p:style>
+        <p:txBody>
+          <a:bodyPr rtlCol="0" anchor="ctr"/>
+          <a:lstStyle/>
+          <a:p>
+            <a:pPr algn="ctr"/>
+            <a:endParaRPr lang="en-US"/>
+          </a:p>
+        </p:txBody>
+      </p:sp>
+      <p:sp>
+        <p:nvSpPr>
+          <p:cNvPr id="7" name="Rectangle 6">
+            <a:extLst>
+              <a:ext uri="{FF2B5EF4-FFF2-40B4-BE49-F238E27FC236}">
+                <a16:creationId xmlns:a16="http://schemas.microsoft.com/office/drawing/2014/main" id="{9715DAF0-AE1B-46C9-8A6B-DB2AA05AB91D}"/>
+              </a:ext>
+              <a:ext uri="{C183D7F6-B498-43B3-948B-1728B52AA6E4}">
+                <adec:decorative xmlns:adec="http://schemas.microsoft.com/office/drawing/2017/decorative" val="1"/>
+              </a:ext>
+            </a:extLst>
+          </p:cNvPr>
+          <p:cNvSpPr>
+            <a:spLocks noGrp="1" noRot="1" noChangeAspect="1" noMove="1" noResize="1" noEditPoints="1" noAdjustHandles="1" noChangeArrowheads="1" noChangeShapeType="1" noTextEdit="1"/>
+          </p:cNvSpPr>
+          <p:nvPr>
+            <p:extLst>
+              <p:ext uri="{386F3935-93C4-4BCD-93E2-E3B085C9AB24}">
+                <p16:designElem xmlns:p16="http://schemas.microsoft.com/office/powerpoint/2015/main" val="1"/>
+              </p:ext>
+            </p:extLst>
+          </p:nvPr>
+        </p:nvSpPr>
+        <p:spPr>
+          <a:xfrm rot="10800000">
+            <a:off x="-2" y="-22693"/>
+            <a:ext cx="12191999" cy="4374129"/>
+          </a:xfrm>
+          <a:prstGeom prst="rect">
+            <a:avLst/>
+          </a:prstGeom>
+          <a:gradFill>
+            <a:gsLst>
+              <a:gs pos="0">
+                <a:schemeClr val="accent1">
+                  <a:lumMod val="75000"/>
+                </a:schemeClr>
+              </a:gs>
+              <a:gs pos="100000">
+                <a:srgbClr val="000000"/>
+              </a:gs>
+            </a:gsLst>
+            <a:lin ang="15000000" scaled="0"/>
+          </a:gradFill>
+          <a:ln>
+            <a:noFill/>
+          </a:ln>
+        </p:spPr>
+        <p:style>
+          <a:lnRef idx="2">
+            <a:schemeClr val="accent1">
+              <a:shade val="50000"/>
+            </a:schemeClr>
+          </a:lnRef>
+          <a:fillRef idx="1">
+            <a:schemeClr val="accent1"/>
+          </a:fillRef>
+          <a:effectRef idx="0">
+            <a:schemeClr val="accent1"/>
+          </a:effectRef>
+          <a:fontRef idx="minor">
+            <a:schemeClr val="lt1"/>
+          </a:fontRef>
+        </p:style>
+        <p:txBody>
+          <a:bodyPr rtlCol="0" anchor="ctr"/>
+          <a:lstStyle/>
+          <a:p>
+            <a:pPr algn="ctr"/>
+            <a:endParaRPr lang="en-US"/>
+          </a:p>
+        </p:txBody>
+      </p:sp>
+      <p:sp>
+        <p:nvSpPr>
+          <p:cNvPr id="33" name="Rectangle 32">
+            <a:extLst>
+              <a:ext uri="{FF2B5EF4-FFF2-40B4-BE49-F238E27FC236}">
+                <a16:creationId xmlns:a16="http://schemas.microsoft.com/office/drawing/2014/main" id="{6016219D-510E-4184-9090-6D5578A87BD1}"/>
+              </a:ext>
+              <a:ext uri="{C183D7F6-B498-43B3-948B-1728B52AA6E4}">
+                <adec:decorative xmlns:adec="http://schemas.microsoft.com/office/drawing/2017/decorative" val="1"/>
+              </a:ext>
+            </a:extLst>
+          </p:cNvPr>
+          <p:cNvSpPr>
+            <a:spLocks noGrp="1" noRot="1" noChangeAspect="1" noMove="1" noResize="1" noEditPoints="1" noAdjustHandles="1" noChangeArrowheads="1" noChangeShapeType="1" noTextEdit="1"/>
+          </p:cNvSpPr>
+          <p:nvPr>
+            <p:extLst>
+              <p:ext uri="{386F3935-93C4-4BCD-93E2-E3B085C9AB24}">
+                <p16:designElem xmlns:p16="http://schemas.microsoft.com/office/powerpoint/2015/main" val="1"/>
+              </p:ext>
+            </p:extLst>
+          </p:nvPr>
+        </p:nvSpPr>
+        <p:spPr>
+          <a:xfrm rot="5400000">
+            <a:off x="3908719" y="-3931841"/>
+            <a:ext cx="4374557" cy="12192000"/>
+          </a:xfrm>
+          <a:prstGeom prst="rect">
+            <a:avLst/>
+          </a:prstGeom>
+          <a:gradFill>
+            <a:gsLst>
+              <a:gs pos="40000">
+                <a:schemeClr val="accent1">
+                  <a:alpha val="0"/>
+                </a:schemeClr>
+              </a:gs>
+              <a:gs pos="100000">
+                <a:schemeClr val="accent1">
+                  <a:lumMod val="75000"/>
+                  <a:alpha val="52000"/>
+                </a:schemeClr>
+              </a:gs>
+            </a:gsLst>
+            <a:lin ang="2400000" scaled="0"/>
+          </a:gradFill>
+          <a:ln>
+            <a:noFill/>
+          </a:ln>
+        </p:spPr>
+        <p:style>
+          <a:lnRef idx="2">
+            <a:schemeClr val="accent1">
+              <a:shade val="50000"/>
+            </a:schemeClr>
+          </a:lnRef>
+          <a:fillRef idx="1">
+            <a:schemeClr val="accent1"/>
+          </a:fillRef>
+          <a:effectRef idx="0">
+            <a:schemeClr val="accent1"/>
+          </a:effectRef>
+          <a:fontRef idx="minor">
+            <a:schemeClr val="lt1"/>
+          </a:fontRef>
+        </p:style>
+        <p:txBody>
+          <a:bodyPr rtlCol="0" anchor="ctr"/>
+          <a:lstStyle/>
+          <a:p>
+            <a:pPr algn="ctr"/>
+            <a:endParaRPr lang="en-US"/>
+          </a:p>
+        </p:txBody>
+      </p:sp>
+      <p:sp>
+        <p:nvSpPr>
+          <p:cNvPr id="35" name="Rectangle 34">
+            <a:extLst>
+              <a:ext uri="{FF2B5EF4-FFF2-40B4-BE49-F238E27FC236}">
+                <a16:creationId xmlns:a16="http://schemas.microsoft.com/office/drawing/2014/main" id="{AFF4A713-7B75-4B21-90D7-5AB19547C728}"/>
+              </a:ext>
+              <a:ext uri="{C183D7F6-B498-43B3-948B-1728B52AA6E4}">
+                <adec:decorative xmlns:adec="http://schemas.microsoft.com/office/drawing/2017/decorative" val="1"/>
+              </a:ext>
+            </a:extLst>
+          </p:cNvPr>
+          <p:cNvSpPr>
+            <a:spLocks noGrp="1" noRot="1" noChangeAspect="1" noMove="1" noResize="1" noEditPoints="1" noAdjustHandles="1" noChangeArrowheads="1" noChangeShapeType="1" noTextEdit="1"/>
+          </p:cNvSpPr>
+          <p:nvPr>
+            <p:extLst>
+              <p:ext uri="{386F3935-93C4-4BCD-93E2-E3B085C9AB24}">
+                <p16:designElem xmlns:p16="http://schemas.microsoft.com/office/powerpoint/2015/main" val="1"/>
+              </p:ext>
+            </p:extLst>
+          </p:nvPr>
+        </p:nvSpPr>
+        <p:spPr>
+          <a:xfrm rot="5400000">
+            <a:off x="4136696" y="-3703868"/>
+            <a:ext cx="4374128" cy="11736479"/>
+          </a:xfrm>
+          <a:prstGeom prst="rect">
+            <a:avLst/>
+          </a:prstGeom>
+          <a:gradFill>
+            <a:gsLst>
+              <a:gs pos="17000">
+                <a:schemeClr val="accent1">
+                  <a:alpha val="0"/>
+                </a:schemeClr>
+              </a:gs>
+              <a:gs pos="100000">
+                <a:srgbClr val="000000">
+                  <a:alpha val="37000"/>
+                </a:srgbClr>
+              </a:gs>
+            </a:gsLst>
+            <a:lin ang="7800000" scaled="0"/>
+          </a:gradFill>
+          <a:ln>
+            <a:noFill/>
+          </a:ln>
+        </p:spPr>
+        <p:style>
+          <a:lnRef idx="2">
+            <a:schemeClr val="accent1">
+              <a:shade val="50000"/>
+            </a:schemeClr>
+          </a:lnRef>
+          <a:fillRef idx="1">
+            <a:schemeClr val="accent1"/>
+          </a:fillRef>
+          <a:effectRef idx="0">
+            <a:schemeClr val="accent1"/>
+          </a:effectRef>
+          <a:fontRef idx="minor">
+            <a:schemeClr val="lt1"/>
+          </a:fontRef>
+        </p:style>
+        <p:txBody>
+          <a:bodyPr rtlCol="0" anchor="ctr"/>
+          <a:lstStyle/>
+          <a:p>
+            <a:pPr algn="ctr"/>
+            <a:endParaRPr lang="en-US"/>
+          </a:p>
+        </p:txBody>
+      </p:sp>
+      <p:sp>
+        <p:nvSpPr>
+          <p:cNvPr id="37" name="Rectangle 36">
+            <a:extLst>
+              <a:ext uri="{FF2B5EF4-FFF2-40B4-BE49-F238E27FC236}">
+                <a16:creationId xmlns:a16="http://schemas.microsoft.com/office/drawing/2014/main" id="{DC631C0B-6DA6-4E57-8231-CE32B3434A7E}"/>
+              </a:ext>
+              <a:ext uri="{C183D7F6-B498-43B3-948B-1728B52AA6E4}">
+                <adec:decorative xmlns:adec="http://schemas.microsoft.com/office/drawing/2017/decorative" val="1"/>
+              </a:ext>
+            </a:extLst>
+          </p:cNvPr>
+          <p:cNvSpPr>
+            <a:spLocks noGrp="1" noRot="1" noChangeAspect="1" noMove="1" noResize="1" noEditPoints="1" noAdjustHandles="1" noChangeArrowheads="1" noChangeShapeType="1" noTextEdit="1"/>
+          </p:cNvSpPr>
+          <p:nvPr>
+            <p:extLst>
+              <p:ext uri="{386F3935-93C4-4BCD-93E2-E3B085C9AB24}">
+                <p16:designElem xmlns:p16="http://schemas.microsoft.com/office/powerpoint/2015/main" val="1"/>
+              </p:ext>
+            </p:extLst>
+          </p:nvPr>
+        </p:nvSpPr>
+        <p:spPr>
+          <a:xfrm>
+            <a:off x="-5" y="-22690"/>
+            <a:ext cx="8542485" cy="4374126"/>
+          </a:xfrm>
+          <a:prstGeom prst="rect">
+            <a:avLst/>
+          </a:prstGeom>
+          <a:gradFill>
+            <a:gsLst>
+              <a:gs pos="0">
+                <a:schemeClr val="accent1">
+                  <a:lumMod val="50000"/>
+                  <a:alpha val="0"/>
+                </a:schemeClr>
+              </a:gs>
+              <a:gs pos="100000">
+                <a:srgbClr val="000000">
+                  <a:alpha val="25000"/>
+                </a:srgbClr>
+              </a:gs>
+            </a:gsLst>
+            <a:lin ang="18600000" scaled="0"/>
+          </a:gradFill>
+          <a:ln>
+            <a:noFill/>
+          </a:ln>
+        </p:spPr>
+        <p:style>
+          <a:lnRef idx="2">
+            <a:schemeClr val="accent1">
+              <a:shade val="50000"/>
+            </a:schemeClr>
+          </a:lnRef>
+          <a:fillRef idx="1">
+            <a:schemeClr val="accent1"/>
+          </a:fillRef>
+          <a:effectRef idx="0">
+            <a:schemeClr val="accent1"/>
+          </a:effectRef>
+          <a:fontRef idx="minor">
+            <a:schemeClr val="lt1"/>
+          </a:fontRef>
+        </p:style>
+        <p:txBody>
+          <a:bodyPr rtlCol="0" anchor="ctr"/>
+          <a:lstStyle/>
+          <a:p>
+            <a:pPr algn="ctr"/>
+            <a:endParaRPr lang="en-US"/>
+          </a:p>
+        </p:txBody>
+      </p:sp>
+      <p:sp>
+        <p:nvSpPr>
+          <p:cNvPr id="39" name="Freeform: Shape 38">
+            <a:extLst>
+              <a:ext uri="{FF2B5EF4-FFF2-40B4-BE49-F238E27FC236}">
+                <a16:creationId xmlns:a16="http://schemas.microsoft.com/office/drawing/2014/main" id="{C29501E6-A978-4A61-9689-9085AF97A53A}"/>
+              </a:ext>
+              <a:ext uri="{C183D7F6-B498-43B3-948B-1728B52AA6E4}">
+                <adec:decorative xmlns:adec="http://schemas.microsoft.com/office/drawing/2017/decorative" val="1"/>
+              </a:ext>
+            </a:extLst>
+          </p:cNvPr>
+          <p:cNvSpPr>
+            <a:spLocks noGrp="1" noRot="1" noChangeAspect="1" noMove="1" noResize="1" noEditPoints="1" noAdjustHandles="1" noChangeArrowheads="1" noChangeShapeType="1" noTextEdit="1"/>
+          </p:cNvSpPr>
+          <p:nvPr>
+            <p:extLst>
+              <p:ext uri="{386F3935-93C4-4BCD-93E2-E3B085C9AB24}">
+                <p16:designElem xmlns:p16="http://schemas.microsoft.com/office/powerpoint/2015/main" val="1"/>
+              </p:ext>
+            </p:extLst>
+          </p:nvPr>
+        </p:nvSpPr>
+        <p:spPr>
+          <a:xfrm rot="12508972">
+            <a:off x="5945431" y="-1032053"/>
+            <a:ext cx="4990147" cy="4439131"/>
+          </a:xfrm>
+          <a:custGeom>
+            <a:avLst/>
+            <a:gdLst>
+              <a:gd name="connsiteX0" fmla="*/ 4990147 w 4990147"/>
+              <a:gd name="connsiteY0" fmla="*/ 2229378 h 4439131"/>
+              <a:gd name="connsiteX1" fmla="*/ 917384 w 4990147"/>
+              <a:gd name="connsiteY1" fmla="*/ 4439131 h 4439131"/>
+              <a:gd name="connsiteX2" fmla="*/ 910814 w 4990147"/>
+              <a:gd name="connsiteY2" fmla="*/ 4434219 h 4439131"/>
+              <a:gd name="connsiteX3" fmla="*/ 0 w 4990147"/>
+              <a:gd name="connsiteY3" fmla="*/ 2502877 h 4439131"/>
+              <a:gd name="connsiteX4" fmla="*/ 2502877 w 4990147"/>
+              <a:gd name="connsiteY4" fmla="*/ 0 h 4439131"/>
+              <a:gd name="connsiteX5" fmla="*/ 4954904 w 4990147"/>
+              <a:gd name="connsiteY5" fmla="*/ 1998460 h 4439131"/>
+            </a:gdLst>
+            <a:ahLst/>
+            <a:cxnLst>
+              <a:cxn ang="0">
+                <a:pos x="connsiteX0" y="connsiteY0"/>
+              </a:cxn>
+              <a:cxn ang="0">
+                <a:pos x="connsiteX1" y="connsiteY1"/>
+              </a:cxn>
+              <a:cxn ang="0">
+                <a:pos x="connsiteX2" y="connsiteY2"/>
+              </a:cxn>
+              <a:cxn ang="0">
+                <a:pos x="connsiteX3" y="connsiteY3"/>
+              </a:cxn>
+              <a:cxn ang="0">
+                <a:pos x="connsiteX4" y="connsiteY4"/>
+              </a:cxn>
+              <a:cxn ang="0">
+                <a:pos x="connsiteX5" y="connsiteY5"/>
+              </a:cxn>
+            </a:cxnLst>
+            <a:rect l="l" t="t" r="r" b="b"/>
+            <a:pathLst>
+              <a:path w="4990147" h="4439131">
+                <a:moveTo>
+                  <a:pt x="4990147" y="2229378"/>
+                </a:moveTo>
+                <a:lnTo>
+                  <a:pt x="917384" y="4439131"/>
+                </a:lnTo>
+                <a:lnTo>
+                  <a:pt x="910814" y="4434219"/>
+                </a:lnTo>
+                <a:cubicBezTo>
+                  <a:pt x="354557" y="3975154"/>
+                  <a:pt x="0" y="3280421"/>
+                  <a:pt x="0" y="2502877"/>
+                </a:cubicBezTo>
+                <a:cubicBezTo>
+                  <a:pt x="0" y="1120576"/>
+                  <a:pt x="1120576" y="0"/>
+                  <a:pt x="2502877" y="0"/>
+                </a:cubicBezTo>
+                <a:cubicBezTo>
+                  <a:pt x="3712390" y="0"/>
+                  <a:pt x="4721520" y="857941"/>
+                  <a:pt x="4954904" y="1998460"/>
+                </a:cubicBezTo>
+                <a:close/>
+              </a:path>
+            </a:pathLst>
+          </a:custGeom>
+          <a:gradFill>
+            <a:gsLst>
+              <a:gs pos="0">
+                <a:schemeClr val="accent1">
+                  <a:alpha val="22000"/>
+                </a:schemeClr>
+              </a:gs>
+              <a:gs pos="87000">
+                <a:schemeClr val="accent1">
+                  <a:lumMod val="60000"/>
+                  <a:lumOff val="40000"/>
+                  <a:alpha val="2000"/>
+                </a:schemeClr>
+              </a:gs>
+            </a:gsLst>
+            <a:lin ang="8400000" scaled="0"/>
+          </a:gradFill>
+          <a:ln>
+            <a:noFill/>
+          </a:ln>
+        </p:spPr>
+        <p:style>
+          <a:lnRef idx="2">
+            <a:schemeClr val="accent1">
+              <a:shade val="50000"/>
+            </a:schemeClr>
+          </a:lnRef>
+          <a:fillRef idx="1">
+            <a:schemeClr val="accent1"/>
+          </a:fillRef>
+          <a:effectRef idx="0">
+            <a:schemeClr val="accent1"/>
+          </a:effectRef>
+          <a:fontRef idx="minor">
+            <a:schemeClr val="lt1"/>
+          </a:fontRef>
+        </p:style>
+        <p:txBody>
+          <a:bodyPr wrap="square" rtlCol="0" anchor="ctr">
+            <a:noAutofit/>
+          </a:bodyPr>
+          <a:lstStyle/>
+          <a:p>
+            <a:pPr algn="ctr"/>
+            <a:endParaRPr lang="en-US" dirty="0"/>
+          </a:p>
+        </p:txBody>
+      </p:sp>
       <p:sp>
         <p:nvSpPr>
           <p:cNvPr id="2" name="Title 1">
@@ -3827,14 +11319,26 @@
             <p:ph type="ctrTitle"/>
           </p:nvPr>
         </p:nvSpPr>
-        <p:spPr/>
+        <p:spPr>
+          <a:xfrm>
+            <a:off x="1314824" y="735106"/>
+            <a:ext cx="10053763" cy="2928470"/>
+          </a:xfrm>
+        </p:spPr>
         <p:txBody>
-          <a:bodyPr/>
+          <a:bodyPr anchor="b">
+            <a:normAutofit/>
+          </a:bodyPr>
           <a:lstStyle/>
           <a:p>
+            <a:pPr algn="l"/>
             <a:r>
-              <a:rPr lang="en-US" dirty="0"/>
-              <a:t>[Insert Clever Title]</a:t>
+              <a:rPr lang="en-US" sz="4800">
+                <a:solidFill>
+                  <a:srgbClr val="FFFFFF"/>
+                </a:solidFill>
+              </a:rPr>
+              <a:t>Developing a Machine Learning Model</a:t>
             </a:r>
           </a:p>
         </p:txBody>
@@ -3855,28 +11359,36 @@
             <p:ph type="subTitle" idx="1"/>
           </p:nvPr>
         </p:nvSpPr>
-        <p:spPr/>
+        <p:spPr>
+          <a:xfrm>
+            <a:off x="1350682" y="4870824"/>
+            <a:ext cx="10005951" cy="1458258"/>
+          </a:xfrm>
+        </p:spPr>
         <p:txBody>
-          <a:bodyPr/>
+          <a:bodyPr anchor="ctr">
+            <a:normAutofit/>
+          </a:bodyPr>
           <a:lstStyle/>
           <a:p>
+            <a:pPr algn="l"/>
             <a:r>
-              <a:rPr lang="en-US" dirty="0"/>
+              <a:rPr lang="en-US"/>
               <a:t>ISDS 7075</a:t>
             </a:r>
             <a:br>
-              <a:rPr lang="en-US" dirty="0"/>
+              <a:rPr lang="en-US"/>
             </a:br>
             <a:r>
-              <a:rPr lang="en-US" dirty="0"/>
+              <a:rPr lang="en-US"/>
               <a:t>Summer 2025</a:t>
             </a:r>
             <a:br>
-              <a:rPr lang="en-US" dirty="0"/>
+              <a:rPr lang="en-US"/>
             </a:br>
             <a:r>
-              <a:rPr lang="en-US" dirty="0"/>
-              <a:t>Taylor Kocher, Ryan McGiffin, Eric Lekas</a:t>
+              <a:rPr lang="en-US"/>
+              <a:t>Taylor Kocher, Ryan McGiffin, Eric Lekas, Cameron Slaugh</a:t>
             </a:r>
           </a:p>
         </p:txBody>
@@ -3891,12 +11403,159 @@
   <p:clrMapOvr>
     <a:masterClrMapping/>
   </p:clrMapOvr>
+  <p:timing>
+    <p:tnLst>
+      <p:par>
+        <p:cTn id="1" dur="indefinite" restart="never" nodeType="tmRoot">
+          <p:childTnLst>
+            <p:seq concurrent="1" nextAc="seek">
+              <p:cTn id="2" dur="indefinite" nodeType="mainSeq">
+                <p:childTnLst>
+                  <p:par>
+                    <p:cTn id="3" fill="hold">
+                      <p:stCondLst>
+                        <p:cond delay="indefinite"/>
+                        <p:cond evt="onBegin" delay="0">
+                          <p:tn val="2"/>
+                        </p:cond>
+                      </p:stCondLst>
+                      <p:childTnLst>
+                        <p:par>
+                          <p:cTn id="4" fill="hold">
+                            <p:stCondLst>
+                              <p:cond delay="0"/>
+                            </p:stCondLst>
+                            <p:childTnLst>
+                              <p:par>
+                                <p:cTn id="5" presetID="10" presetClass="entr" presetSubtype="0" fill="hold" grpId="0" nodeType="withEffect">
+                                  <p:stCondLst>
+                                    <p:cond delay="500"/>
+                                  </p:stCondLst>
+                                  <p:iterate>
+                                    <p:tmPct val="10000"/>
+                                  </p:iterate>
+                                  <p:childTnLst>
+                                    <p:set>
+                                      <p:cBhvr>
+                                        <p:cTn id="6" dur="1" fill="hold">
+                                          <p:stCondLst>
+                                            <p:cond delay="0"/>
+                                          </p:stCondLst>
+                                        </p:cTn>
+                                        <p:tgtEl>
+                                          <p:spTgt spid="2"/>
+                                        </p:tgtEl>
+                                        <p:attrNameLst>
+                                          <p:attrName>style.visibility</p:attrName>
+                                        </p:attrNameLst>
+                                      </p:cBhvr>
+                                      <p:to>
+                                        <p:strVal val="visible"/>
+                                      </p:to>
+                                    </p:set>
+                                    <p:animEffect transition="in" filter="fade">
+                                      <p:cBhvr>
+                                        <p:cTn id="7" dur="700"/>
+                                        <p:tgtEl>
+                                          <p:spTgt spid="2"/>
+                                        </p:tgtEl>
+                                      </p:cBhvr>
+                                    </p:animEffect>
+                                  </p:childTnLst>
+                                </p:cTn>
+                              </p:par>
+                              <p:par>
+                                <p:cTn id="8" presetID="10" presetClass="entr" presetSubtype="0" fill="hold" grpId="0" nodeType="withEffect">
+                                  <p:stCondLst>
+                                    <p:cond delay="1000"/>
+                                  </p:stCondLst>
+                                  <p:iterate>
+                                    <p:tmPct val="10000"/>
+                                  </p:iterate>
+                                  <p:childTnLst>
+                                    <p:set>
+                                      <p:cBhvr>
+                                        <p:cTn id="9" dur="1" fill="hold">
+                                          <p:stCondLst>
+                                            <p:cond delay="0"/>
+                                          </p:stCondLst>
+                                        </p:cTn>
+                                        <p:tgtEl>
+                                          <p:spTgt spid="3">
+                                            <p:txEl>
+                                              <p:pRg st="0" end="0"/>
+                                            </p:txEl>
+                                          </p:spTgt>
+                                        </p:tgtEl>
+                                        <p:attrNameLst>
+                                          <p:attrName>style.visibility</p:attrName>
+                                        </p:attrNameLst>
+                                      </p:cBhvr>
+                                      <p:to>
+                                        <p:strVal val="visible"/>
+                                      </p:to>
+                                    </p:set>
+                                    <p:animEffect transition="in" filter="fade">
+                                      <p:cBhvr>
+                                        <p:cTn id="10" dur="700"/>
+                                        <p:tgtEl>
+                                          <p:spTgt spid="3">
+                                            <p:txEl>
+                                              <p:pRg st="0" end="0"/>
+                                            </p:txEl>
+                                          </p:spTgt>
+                                        </p:tgtEl>
+                                      </p:cBhvr>
+                                    </p:animEffect>
+                                  </p:childTnLst>
+                                </p:cTn>
+                              </p:par>
+                            </p:childTnLst>
+                          </p:cTn>
+                        </p:par>
+                      </p:childTnLst>
+                    </p:cTn>
+                  </p:par>
+                </p:childTnLst>
+              </p:cTn>
+              <p:prevCondLst>
+                <p:cond evt="onPrev" delay="0">
+                  <p:tgtEl>
+                    <p:sldTgt/>
+                  </p:tgtEl>
+                </p:cond>
+              </p:prevCondLst>
+              <p:nextCondLst>
+                <p:cond evt="onNext" delay="0">
+                  <p:tgtEl>
+                    <p:sldTgt/>
+                  </p:tgtEl>
+                </p:cond>
+              </p:nextCondLst>
+            </p:seq>
+          </p:childTnLst>
+        </p:cTn>
+      </p:par>
+    </p:tnLst>
+    <p:bldLst>
+      <p:bldP spid="2" grpId="0"/>
+      <p:bldP spid="3" grpId="0" build="p"/>
+    </p:bldLst>
+  </p:timing>
 </p:sld>
 </file>
 
 <file path=ppt/slides/slide2.xml><?xml version="1.0" encoding="utf-8"?>
 <p:sld xmlns:a="http://schemas.openxmlformats.org/drawingml/2006/main" xmlns:r="http://schemas.openxmlformats.org/officeDocument/2006/relationships" xmlns:p="http://schemas.openxmlformats.org/presentationml/2006/main">
   <p:cSld>
+    <p:bg>
+      <p:bgPr>
+        <a:solidFill>
+          <a:schemeClr val="bg1"/>
+        </a:solidFill>
+        <a:effectLst/>
+      </p:bgPr>
+    </p:bg>
     <p:spTree>
       <p:nvGrpSpPr>
         <p:cNvPr id="1" name=""/>
@@ -3911,6 +11570,227 @@
           <a:chExt cx="0" cy="0"/>
         </a:xfrm>
       </p:grpSpPr>
+      <p:sp useBgFill="1">
+        <p:nvSpPr>
+          <p:cNvPr id="67" name="Slide Background">
+            <a:extLst>
+              <a:ext uri="{FF2B5EF4-FFF2-40B4-BE49-F238E27FC236}">
+                <a16:creationId xmlns:a16="http://schemas.microsoft.com/office/drawing/2014/main" id="{C0763A76-9F1C-4FC5-82B7-DD475DA461B2}"/>
+              </a:ext>
+              <a:ext uri="{C183D7F6-B498-43B3-948B-1728B52AA6E4}">
+                <adec:decorative xmlns:adec="http://schemas.microsoft.com/office/drawing/2017/decorative" val="1"/>
+              </a:ext>
+            </a:extLst>
+          </p:cNvPr>
+          <p:cNvSpPr>
+            <a:spLocks noGrp="1" noRot="1" noChangeAspect="1" noMove="1" noResize="1" noEditPoints="1" noAdjustHandles="1" noChangeArrowheads="1" noChangeShapeType="1" noTextEdit="1"/>
+          </p:cNvSpPr>
+          <p:nvPr>
+            <p:extLst>
+              <p:ext uri="{386F3935-93C4-4BCD-93E2-E3B085C9AB24}">
+                <p16:designElem xmlns:p16="http://schemas.microsoft.com/office/powerpoint/2015/main" val="1"/>
+              </p:ext>
+            </p:extLst>
+          </p:nvPr>
+        </p:nvSpPr>
+        <p:spPr bwMode="white">
+          <a:xfrm>
+            <a:off x="-1" y="0"/>
+            <a:ext cx="12191999" cy="6858000"/>
+          </a:xfrm>
+          <a:prstGeom prst="rect">
+            <a:avLst/>
+          </a:prstGeom>
+          <a:ln>
+            <a:noFill/>
+          </a:ln>
+        </p:spPr>
+        <p:style>
+          <a:lnRef idx="2">
+            <a:schemeClr val="accent1">
+              <a:shade val="50000"/>
+            </a:schemeClr>
+          </a:lnRef>
+          <a:fillRef idx="1">
+            <a:schemeClr val="accent1"/>
+          </a:fillRef>
+          <a:effectRef idx="0">
+            <a:schemeClr val="accent1"/>
+          </a:effectRef>
+          <a:fontRef idx="minor">
+            <a:schemeClr val="lt1"/>
+          </a:fontRef>
+        </p:style>
+        <p:txBody>
+          <a:bodyPr rtlCol="0" anchor="ctr"/>
+          <a:lstStyle>
+            <a:defPPr>
+              <a:defRPr lang="en-US"/>
+            </a:defPPr>
+            <a:lvl1pPr marL="0" algn="l" defTabSz="914400" rtl="0" eaLnBrk="1" latinLnBrk="0" hangingPunct="1">
+              <a:defRPr sz="1800" kern="1200">
+                <a:solidFill>
+                  <a:schemeClr val="lt1"/>
+                </a:solidFill>
+                <a:latin typeface="+mn-lt"/>
+                <a:ea typeface="+mn-ea"/>
+                <a:cs typeface="+mn-cs"/>
+              </a:defRPr>
+            </a:lvl1pPr>
+            <a:lvl2pPr marL="457200" algn="l" defTabSz="914400" rtl="0" eaLnBrk="1" latinLnBrk="0" hangingPunct="1">
+              <a:defRPr sz="1800" kern="1200">
+                <a:solidFill>
+                  <a:schemeClr val="lt1"/>
+                </a:solidFill>
+                <a:latin typeface="+mn-lt"/>
+                <a:ea typeface="+mn-ea"/>
+                <a:cs typeface="+mn-cs"/>
+              </a:defRPr>
+            </a:lvl2pPr>
+            <a:lvl3pPr marL="914400" algn="l" defTabSz="914400" rtl="0" eaLnBrk="1" latinLnBrk="0" hangingPunct="1">
+              <a:defRPr sz="1800" kern="1200">
+                <a:solidFill>
+                  <a:schemeClr val="lt1"/>
+                </a:solidFill>
+                <a:latin typeface="+mn-lt"/>
+                <a:ea typeface="+mn-ea"/>
+                <a:cs typeface="+mn-cs"/>
+              </a:defRPr>
+            </a:lvl3pPr>
+            <a:lvl4pPr marL="1371600" algn="l" defTabSz="914400" rtl="0" eaLnBrk="1" latinLnBrk="0" hangingPunct="1">
+              <a:defRPr sz="1800" kern="1200">
+                <a:solidFill>
+                  <a:schemeClr val="lt1"/>
+                </a:solidFill>
+                <a:latin typeface="+mn-lt"/>
+                <a:ea typeface="+mn-ea"/>
+                <a:cs typeface="+mn-cs"/>
+              </a:defRPr>
+            </a:lvl4pPr>
+            <a:lvl5pPr marL="1828800" algn="l" defTabSz="914400" rtl="0" eaLnBrk="1" latinLnBrk="0" hangingPunct="1">
+              <a:defRPr sz="1800" kern="1200">
+                <a:solidFill>
+                  <a:schemeClr val="lt1"/>
+                </a:solidFill>
+                <a:latin typeface="+mn-lt"/>
+                <a:ea typeface="+mn-ea"/>
+                <a:cs typeface="+mn-cs"/>
+              </a:defRPr>
+            </a:lvl5pPr>
+            <a:lvl6pPr marL="2286000" algn="l" defTabSz="914400" rtl="0" eaLnBrk="1" latinLnBrk="0" hangingPunct="1">
+              <a:defRPr sz="1800" kern="1200">
+                <a:solidFill>
+                  <a:schemeClr val="lt1"/>
+                </a:solidFill>
+                <a:latin typeface="+mn-lt"/>
+                <a:ea typeface="+mn-ea"/>
+                <a:cs typeface="+mn-cs"/>
+              </a:defRPr>
+            </a:lvl6pPr>
+            <a:lvl7pPr marL="2743200" algn="l" defTabSz="914400" rtl="0" eaLnBrk="1" latinLnBrk="0" hangingPunct="1">
+              <a:defRPr sz="1800" kern="1200">
+                <a:solidFill>
+                  <a:schemeClr val="lt1"/>
+                </a:solidFill>
+                <a:latin typeface="+mn-lt"/>
+                <a:ea typeface="+mn-ea"/>
+                <a:cs typeface="+mn-cs"/>
+              </a:defRPr>
+            </a:lvl7pPr>
+            <a:lvl8pPr marL="3200400" algn="l" defTabSz="914400" rtl="0" eaLnBrk="1" latinLnBrk="0" hangingPunct="1">
+              <a:defRPr sz="1800" kern="1200">
+                <a:solidFill>
+                  <a:schemeClr val="lt1"/>
+                </a:solidFill>
+                <a:latin typeface="+mn-lt"/>
+                <a:ea typeface="+mn-ea"/>
+                <a:cs typeface="+mn-cs"/>
+              </a:defRPr>
+            </a:lvl8pPr>
+            <a:lvl9pPr marL="3657600" algn="l" defTabSz="914400" rtl="0" eaLnBrk="1" latinLnBrk="0" hangingPunct="1">
+              <a:defRPr sz="1800" kern="1200">
+                <a:solidFill>
+                  <a:schemeClr val="lt1"/>
+                </a:solidFill>
+                <a:latin typeface="+mn-lt"/>
+                <a:ea typeface="+mn-ea"/>
+                <a:cs typeface="+mn-cs"/>
+              </a:defRPr>
+            </a:lvl9pPr>
+          </a:lstStyle>
+          <a:p>
+            <a:pPr algn="ctr"/>
+            <a:endParaRPr lang="en-US"/>
+          </a:p>
+        </p:txBody>
+      </p:sp>
+      <p:sp useBgFill="1">
+        <p:nvSpPr>
+          <p:cNvPr id="68" name="Rectangle 67">
+            <a:extLst>
+              <a:ext uri="{FF2B5EF4-FFF2-40B4-BE49-F238E27FC236}">
+                <a16:creationId xmlns:a16="http://schemas.microsoft.com/office/drawing/2014/main" id="{E81BF4F6-F2CF-4984-9D14-D6966D92F99F}"/>
+              </a:ext>
+              <a:ext uri="{C183D7F6-B498-43B3-948B-1728B52AA6E4}">
+                <adec:decorative xmlns:adec="http://schemas.microsoft.com/office/drawing/2017/decorative" val="1"/>
+              </a:ext>
+            </a:extLst>
+          </p:cNvPr>
+          <p:cNvSpPr>
+            <a:spLocks noGrp="1" noRot="1" noChangeAspect="1" noMove="1" noResize="1" noEditPoints="1" noAdjustHandles="1" noChangeArrowheads="1" noChangeShapeType="1" noTextEdit="1"/>
+          </p:cNvSpPr>
+          <p:nvPr>
+            <p:extLst>
+              <p:ext uri="{386F3935-93C4-4BCD-93E2-E3B085C9AB24}">
+                <p16:designElem xmlns:p16="http://schemas.microsoft.com/office/powerpoint/2015/main" val="1"/>
+              </p:ext>
+            </p:extLst>
+          </p:nvPr>
+        </p:nvSpPr>
+        <p:spPr>
+          <a:xfrm>
+            <a:off x="1" y="0"/>
+            <a:ext cx="8522446" cy="2285999"/>
+          </a:xfrm>
+          <a:prstGeom prst="rect">
+            <a:avLst/>
+          </a:prstGeom>
+          <a:ln>
+            <a:noFill/>
+          </a:ln>
+          <a:effectLst>
+            <a:outerShdw blurRad="596900" dist="304800" dir="7140000" sx="90000" sy="90000" algn="t" rotWithShape="0">
+              <a:srgbClr val="000000">
+                <a:alpha val="15000"/>
+              </a:srgbClr>
+            </a:outerShdw>
+          </a:effectLst>
+        </p:spPr>
+        <p:style>
+          <a:lnRef idx="2">
+            <a:schemeClr val="accent1">
+              <a:shade val="50000"/>
+            </a:schemeClr>
+          </a:lnRef>
+          <a:fillRef idx="1">
+            <a:schemeClr val="accent1"/>
+          </a:fillRef>
+          <a:effectRef idx="0">
+            <a:schemeClr val="accent1"/>
+          </a:effectRef>
+          <a:fontRef idx="minor">
+            <a:schemeClr val="lt1"/>
+          </a:fontRef>
+        </p:style>
+        <p:txBody>
+          <a:bodyPr rtlCol="0" anchor="ctr"/>
+          <a:lstStyle/>
+          <a:p>
+            <a:pPr algn="ctr"/>
+            <a:endParaRPr lang="en-US"/>
+          </a:p>
+        </p:txBody>
+      </p:sp>
       <p:sp>
         <p:nvSpPr>
           <p:cNvPr id="2" name="Title 1">
@@ -3927,21 +11807,28 @@
             <p:ph type="title"/>
           </p:nvPr>
         </p:nvSpPr>
-        <p:spPr/>
+        <p:spPr>
+          <a:xfrm>
+            <a:off x="761803" y="350196"/>
+            <a:ext cx="4646904" cy="1624520"/>
+          </a:xfrm>
+        </p:spPr>
         <p:txBody>
-          <a:bodyPr/>
+          <a:bodyPr anchor="ctr">
+            <a:normAutofit/>
+          </a:bodyPr>
           <a:lstStyle/>
           <a:p>
             <a:r>
-              <a:rPr lang="en-US" dirty="0"/>
-              <a:t>Introduction: About the Dataset</a:t>
+              <a:rPr lang="en-US" sz="4000" dirty="0"/>
+              <a:t>About the Dataset</a:t>
             </a:r>
           </a:p>
         </p:txBody>
       </p:sp>
       <p:sp>
         <p:nvSpPr>
-          <p:cNvPr id="3" name="Content Placeholder 2">
+          <p:cNvPr id="51" name="Content Placeholder 2">
             <a:extLst>
               <a:ext uri="{FF2B5EF4-FFF2-40B4-BE49-F238E27FC236}">
                 <a16:creationId xmlns:a16="http://schemas.microsoft.com/office/drawing/2014/main" id="{9117B2A2-1CC7-AE36-06DA-DD534EDCB673}"/>
@@ -3955,18 +11842,68 @@
             <p:ph idx="1"/>
           </p:nvPr>
         </p:nvSpPr>
-        <p:spPr/>
+        <p:spPr>
+          <a:xfrm>
+            <a:off x="761802" y="2743200"/>
+            <a:ext cx="4646905" cy="3613149"/>
+          </a:xfrm>
+        </p:spPr>
         <p:txBody>
-          <a:bodyPr/>
+          <a:bodyPr anchor="ctr">
+            <a:normAutofit/>
+          </a:bodyPr>
           <a:lstStyle/>
           <a:p>
             <a:r>
-              <a:rPr lang="en-US" dirty="0"/>
-              <a:t>[Where did we get our data?]</a:t>
+              <a:rPr lang="en-US" sz="2000"/>
+              <a:t>Chicago Police Department’s Citizen Law Enforcement Analysis and Reporting (CLEAR) system </a:t>
+            </a:r>
+          </a:p>
+          <a:p>
+            <a:r>
+              <a:rPr lang="en-US" sz="2000"/>
+              <a:t>Contains geographical information, outcome of crime (arrest) and/or whether it was a domestic dispute</a:t>
+            </a:r>
+          </a:p>
+          <a:p>
+            <a:r>
+              <a:rPr lang="en-US" sz="2000"/>
+              <a:t>Utilized 2016 data to create a Machine Learning (ML) model</a:t>
             </a:r>
           </a:p>
         </p:txBody>
       </p:sp>
+      <p:pic>
+        <p:nvPicPr>
+          <p:cNvPr id="52" name="Picture 51" descr="Digital financial graph">
+            <a:extLst>
+              <a:ext uri="{FF2B5EF4-FFF2-40B4-BE49-F238E27FC236}">
+                <a16:creationId xmlns:a16="http://schemas.microsoft.com/office/drawing/2014/main" id="{39791702-937C-CD52-A5BE-72BF368C2AEC}"/>
+              </a:ext>
+            </a:extLst>
+          </p:cNvPr>
+          <p:cNvPicPr>
+            <a:picLocks noChangeAspect="1"/>
+          </p:cNvPicPr>
+          <p:nvPr/>
+        </p:nvPicPr>
+        <p:blipFill>
+          <a:blip r:embed="rId2"/>
+          <a:srcRect l="29444" r="20500"/>
+          <a:stretch>
+            <a:fillRect/>
+          </a:stretch>
+        </p:blipFill>
+        <p:spPr>
+          <a:xfrm>
+            <a:off x="6096000" y="1"/>
+            <a:ext cx="6102825" cy="6858000"/>
+          </a:xfrm>
+          <a:prstGeom prst="rect">
+            <a:avLst/>
+          </a:prstGeom>
+        </p:spPr>
+      </p:pic>
     </p:spTree>
     <p:extLst>
       <p:ext uri="{BB962C8B-B14F-4D97-AF65-F5344CB8AC3E}">
@@ -3983,6 +11920,14 @@
 <file path=ppt/slides/slide3.xml><?xml version="1.0" encoding="utf-8"?>
 <p:sld xmlns:a="http://schemas.openxmlformats.org/drawingml/2006/main" xmlns:r="http://schemas.openxmlformats.org/officeDocument/2006/relationships" xmlns:p="http://schemas.openxmlformats.org/presentationml/2006/main">
   <p:cSld>
+    <p:bg>
+      <p:bgPr>
+        <a:solidFill>
+          <a:schemeClr val="bg1"/>
+        </a:solidFill>
+        <a:effectLst/>
+      </p:bgPr>
+    </p:bg>
     <p:spTree>
       <p:nvGrpSpPr>
         <p:cNvPr id="1" name=""/>
@@ -3997,6 +11942,66 @@
           <a:chExt cx="0" cy="0"/>
         </a:xfrm>
       </p:grpSpPr>
+      <p:sp useBgFill="1">
+        <p:nvSpPr>
+          <p:cNvPr id="55" name="Rectangle 54">
+            <a:extLst>
+              <a:ext uri="{FF2B5EF4-FFF2-40B4-BE49-F238E27FC236}">
+                <a16:creationId xmlns:a16="http://schemas.microsoft.com/office/drawing/2014/main" id="{53B475F8-50AE-46A0-9943-B2B63183D50C}"/>
+              </a:ext>
+              <a:ext uri="{C183D7F6-B498-43B3-948B-1728B52AA6E4}">
+                <adec:decorative xmlns:adec="http://schemas.microsoft.com/office/drawing/2017/decorative" val="1"/>
+              </a:ext>
+            </a:extLst>
+          </p:cNvPr>
+          <p:cNvSpPr>
+            <a:spLocks noGrp="1" noRot="1" noChangeAspect="1" noMove="1" noResize="1" noEditPoints="1" noAdjustHandles="1" noChangeArrowheads="1" noChangeShapeType="1" noTextEdit="1"/>
+          </p:cNvSpPr>
+          <p:nvPr>
+            <p:extLst>
+              <p:ext uri="{386F3935-93C4-4BCD-93E2-E3B085C9AB24}">
+                <p16:designElem xmlns:p16="http://schemas.microsoft.com/office/powerpoint/2015/main" val="1"/>
+              </p:ext>
+            </p:extLst>
+          </p:nvPr>
+        </p:nvSpPr>
+        <p:spPr>
+          <a:xfrm>
+            <a:off x="0" y="0"/>
+            <a:ext cx="12188952" cy="6858000"/>
+          </a:xfrm>
+          <a:prstGeom prst="rect">
+            <a:avLst/>
+          </a:prstGeom>
+          <a:ln>
+            <a:noFill/>
+          </a:ln>
+        </p:spPr>
+        <p:style>
+          <a:lnRef idx="2">
+            <a:schemeClr val="accent1">
+              <a:shade val="50000"/>
+            </a:schemeClr>
+          </a:lnRef>
+          <a:fillRef idx="1">
+            <a:schemeClr val="accent1"/>
+          </a:fillRef>
+          <a:effectRef idx="0">
+            <a:schemeClr val="accent1"/>
+          </a:effectRef>
+          <a:fontRef idx="minor">
+            <a:schemeClr val="lt1"/>
+          </a:fontRef>
+        </p:style>
+        <p:txBody>
+          <a:bodyPr rtlCol="0" anchor="ctr"/>
+          <a:lstStyle/>
+          <a:p>
+            <a:pPr algn="ctr"/>
+            <a:endParaRPr lang="en-US"/>
+          </a:p>
+        </p:txBody>
+      </p:sp>
       <p:sp>
         <p:nvSpPr>
           <p:cNvPr id="2" name="Title 1">
@@ -4013,21 +12018,402 @@
             <p:ph type="title"/>
           </p:nvPr>
         </p:nvSpPr>
-        <p:spPr/>
+        <p:spPr>
+          <a:xfrm>
+            <a:off x="612648" y="365125"/>
+            <a:ext cx="6986015" cy="1776484"/>
+          </a:xfrm>
+        </p:spPr>
         <p:txBody>
-          <a:bodyPr/>
+          <a:bodyPr anchor="b">
+            <a:normAutofit/>
+          </a:bodyPr>
           <a:lstStyle/>
           <a:p>
             <a:r>
-              <a:rPr lang="en-US" dirty="0"/>
-              <a:t>Objective</a:t>
+              <a:rPr lang="en-US" sz="4800" dirty="0"/>
+              <a:t>Frame the Problem</a:t>
             </a:r>
+          </a:p>
+        </p:txBody>
+      </p:sp>
+      <p:pic>
+        <p:nvPicPr>
+          <p:cNvPr id="6" name="Picture 5">
+            <a:extLst>
+              <a:ext uri="{FF2B5EF4-FFF2-40B4-BE49-F238E27FC236}">
+                <a16:creationId xmlns:a16="http://schemas.microsoft.com/office/drawing/2014/main" id="{02FEFF3C-30B1-D980-410B-42CC35118C62}"/>
+              </a:ext>
+            </a:extLst>
+          </p:cNvPr>
+          <p:cNvPicPr>
+            <a:picLocks noChangeAspect="1"/>
+          </p:cNvPicPr>
+          <p:nvPr/>
+        </p:nvPicPr>
+        <p:blipFill>
+          <a:blip r:embed="rId2"/>
+          <a:srcRect l="7077" r="11931" b="2"/>
+          <a:stretch>
+            <a:fillRect/>
+          </a:stretch>
+        </p:blipFill>
+        <p:spPr>
+          <a:xfrm>
+            <a:off x="8379409" y="329474"/>
+            <a:ext cx="3532036" cy="1755253"/>
+          </a:xfrm>
+          <a:prstGeom prst="rect">
+            <a:avLst/>
+          </a:prstGeom>
+        </p:spPr>
+      </p:pic>
+      <p:sp>
+        <p:nvSpPr>
+          <p:cNvPr id="56" name="sketch line">
+            <a:extLst>
+              <a:ext uri="{FF2B5EF4-FFF2-40B4-BE49-F238E27FC236}">
+                <a16:creationId xmlns:a16="http://schemas.microsoft.com/office/drawing/2014/main" id="{75F6FDB4-2351-48C2-A863-2364A02343C0}"/>
+              </a:ext>
+              <a:ext uri="{C183D7F6-B498-43B3-948B-1728B52AA6E4}">
+                <adec:decorative xmlns:adec="http://schemas.microsoft.com/office/drawing/2017/decorative" val="1"/>
+              </a:ext>
+            </a:extLst>
+          </p:cNvPr>
+          <p:cNvSpPr>
+            <a:spLocks noGrp="1" noRot="1" noChangeAspect="1" noMove="1" noResize="1" noEditPoints="1" noAdjustHandles="1" noChangeArrowheads="1" noChangeShapeType="1" noTextEdit="1"/>
+          </p:cNvSpPr>
+          <p:nvPr>
+            <p:extLst>
+              <p:ext uri="{386F3935-93C4-4BCD-93E2-E3B085C9AB24}">
+                <p16:designElem xmlns:p16="http://schemas.microsoft.com/office/powerpoint/2015/main" val="1"/>
+              </p:ext>
+            </p:extLst>
+          </p:nvPr>
+        </p:nvSpPr>
+        <p:spPr>
+          <a:xfrm>
+            <a:off x="838200" y="2315691"/>
+            <a:ext cx="4343400" cy="18288"/>
+          </a:xfrm>
+          <a:custGeom>
+            <a:avLst/>
+            <a:gdLst>
+              <a:gd name="connsiteX0" fmla="*/ 0 w 4343400"/>
+              <a:gd name="connsiteY0" fmla="*/ 0 h 18288"/>
+              <a:gd name="connsiteX1" fmla="*/ 577052 w 4343400"/>
+              <a:gd name="connsiteY1" fmla="*/ 0 h 18288"/>
+              <a:gd name="connsiteX2" fmla="*/ 1067235 w 4343400"/>
+              <a:gd name="connsiteY2" fmla="*/ 0 h 18288"/>
+              <a:gd name="connsiteX3" fmla="*/ 1600853 w 4343400"/>
+              <a:gd name="connsiteY3" fmla="*/ 0 h 18288"/>
+              <a:gd name="connsiteX4" fmla="*/ 2264773 w 4343400"/>
+              <a:gd name="connsiteY4" fmla="*/ 0 h 18288"/>
+              <a:gd name="connsiteX5" fmla="*/ 2841825 w 4343400"/>
+              <a:gd name="connsiteY5" fmla="*/ 0 h 18288"/>
+              <a:gd name="connsiteX6" fmla="*/ 3375442 w 4343400"/>
+              <a:gd name="connsiteY6" fmla="*/ 0 h 18288"/>
+              <a:gd name="connsiteX7" fmla="*/ 4343400 w 4343400"/>
+              <a:gd name="connsiteY7" fmla="*/ 0 h 18288"/>
+              <a:gd name="connsiteX8" fmla="*/ 4343400 w 4343400"/>
+              <a:gd name="connsiteY8" fmla="*/ 18288 h 18288"/>
+              <a:gd name="connsiteX9" fmla="*/ 3722914 w 4343400"/>
+              <a:gd name="connsiteY9" fmla="*/ 18288 h 18288"/>
+              <a:gd name="connsiteX10" fmla="*/ 3189297 w 4343400"/>
+              <a:gd name="connsiteY10" fmla="*/ 18288 h 18288"/>
+              <a:gd name="connsiteX11" fmla="*/ 2481943 w 4343400"/>
+              <a:gd name="connsiteY11" fmla="*/ 18288 h 18288"/>
+              <a:gd name="connsiteX12" fmla="*/ 1904891 w 4343400"/>
+              <a:gd name="connsiteY12" fmla="*/ 18288 h 18288"/>
+              <a:gd name="connsiteX13" fmla="*/ 1414707 w 4343400"/>
+              <a:gd name="connsiteY13" fmla="*/ 18288 h 18288"/>
+              <a:gd name="connsiteX14" fmla="*/ 750788 w 4343400"/>
+              <a:gd name="connsiteY14" fmla="*/ 18288 h 18288"/>
+              <a:gd name="connsiteX15" fmla="*/ 0 w 4343400"/>
+              <a:gd name="connsiteY15" fmla="*/ 18288 h 18288"/>
+              <a:gd name="connsiteX16" fmla="*/ 0 w 4343400"/>
+              <a:gd name="connsiteY16" fmla="*/ 0 h 18288"/>
+            </a:gdLst>
+            <a:ahLst/>
+            <a:cxnLst>
+              <a:cxn ang="0">
+                <a:pos x="connsiteX0" y="connsiteY0"/>
+              </a:cxn>
+              <a:cxn ang="0">
+                <a:pos x="connsiteX1" y="connsiteY1"/>
+              </a:cxn>
+              <a:cxn ang="0">
+                <a:pos x="connsiteX2" y="connsiteY2"/>
+              </a:cxn>
+              <a:cxn ang="0">
+                <a:pos x="connsiteX3" y="connsiteY3"/>
+              </a:cxn>
+              <a:cxn ang="0">
+                <a:pos x="connsiteX4" y="connsiteY4"/>
+              </a:cxn>
+              <a:cxn ang="0">
+                <a:pos x="connsiteX5" y="connsiteY5"/>
+              </a:cxn>
+              <a:cxn ang="0">
+                <a:pos x="connsiteX6" y="connsiteY6"/>
+              </a:cxn>
+              <a:cxn ang="0">
+                <a:pos x="connsiteX7" y="connsiteY7"/>
+              </a:cxn>
+              <a:cxn ang="0">
+                <a:pos x="connsiteX8" y="connsiteY8"/>
+              </a:cxn>
+              <a:cxn ang="0">
+                <a:pos x="connsiteX9" y="connsiteY9"/>
+              </a:cxn>
+              <a:cxn ang="0">
+                <a:pos x="connsiteX10" y="connsiteY10"/>
+              </a:cxn>
+              <a:cxn ang="0">
+                <a:pos x="connsiteX11" y="connsiteY11"/>
+              </a:cxn>
+              <a:cxn ang="0">
+                <a:pos x="connsiteX12" y="connsiteY12"/>
+              </a:cxn>
+              <a:cxn ang="0">
+                <a:pos x="connsiteX13" y="connsiteY13"/>
+              </a:cxn>
+              <a:cxn ang="0">
+                <a:pos x="connsiteX14" y="connsiteY14"/>
+              </a:cxn>
+              <a:cxn ang="0">
+                <a:pos x="connsiteX15" y="connsiteY15"/>
+              </a:cxn>
+              <a:cxn ang="0">
+                <a:pos x="connsiteX16" y="connsiteY16"/>
+              </a:cxn>
+            </a:cxnLst>
+            <a:rect l="l" t="t" r="r" b="b"/>
+            <a:pathLst>
+              <a:path w="4343400" h="18288" fill="none" extrusionOk="0">
+                <a:moveTo>
+                  <a:pt x="0" y="0"/>
+                </a:moveTo>
+                <a:cubicBezTo>
+                  <a:pt x="233209" y="-19550"/>
+                  <a:pt x="330816" y="19068"/>
+                  <a:pt x="577052" y="0"/>
+                </a:cubicBezTo>
+                <a:cubicBezTo>
+                  <a:pt x="823288" y="-19068"/>
+                  <a:pt x="875077" y="10360"/>
+                  <a:pt x="1067235" y="0"/>
+                </a:cubicBezTo>
+                <a:cubicBezTo>
+                  <a:pt x="1259393" y="-10360"/>
+                  <a:pt x="1410699" y="2939"/>
+                  <a:pt x="1600853" y="0"/>
+                </a:cubicBezTo>
+                <a:cubicBezTo>
+                  <a:pt x="1791007" y="-2939"/>
+                  <a:pt x="2101644" y="-26225"/>
+                  <a:pt x="2264773" y="0"/>
+                </a:cubicBezTo>
+                <a:cubicBezTo>
+                  <a:pt x="2427902" y="26225"/>
+                  <a:pt x="2690426" y="-27726"/>
+                  <a:pt x="2841825" y="0"/>
+                </a:cubicBezTo>
+                <a:cubicBezTo>
+                  <a:pt x="2993224" y="27726"/>
+                  <a:pt x="3172320" y="-18569"/>
+                  <a:pt x="3375442" y="0"/>
+                </a:cubicBezTo>
+                <a:cubicBezTo>
+                  <a:pt x="3578564" y="18569"/>
+                  <a:pt x="4003119" y="21909"/>
+                  <a:pt x="4343400" y="0"/>
+                </a:cubicBezTo>
+                <a:cubicBezTo>
+                  <a:pt x="4343798" y="7429"/>
+                  <a:pt x="4343380" y="10822"/>
+                  <a:pt x="4343400" y="18288"/>
+                </a:cubicBezTo>
+                <a:cubicBezTo>
+                  <a:pt x="4109047" y="14709"/>
+                  <a:pt x="3996986" y="7919"/>
+                  <a:pt x="3722914" y="18288"/>
+                </a:cubicBezTo>
+                <a:cubicBezTo>
+                  <a:pt x="3448842" y="28657"/>
+                  <a:pt x="3340973" y="29252"/>
+                  <a:pt x="3189297" y="18288"/>
+                </a:cubicBezTo>
+                <a:cubicBezTo>
+                  <a:pt x="3037621" y="7324"/>
+                  <a:pt x="2636891" y="-9539"/>
+                  <a:pt x="2481943" y="18288"/>
+                </a:cubicBezTo>
+                <a:cubicBezTo>
+                  <a:pt x="2326995" y="46115"/>
+                  <a:pt x="2131632" y="740"/>
+                  <a:pt x="1904891" y="18288"/>
+                </a:cubicBezTo>
+                <a:cubicBezTo>
+                  <a:pt x="1678150" y="35836"/>
+                  <a:pt x="1575362" y="-3381"/>
+                  <a:pt x="1414707" y="18288"/>
+                </a:cubicBezTo>
+                <a:cubicBezTo>
+                  <a:pt x="1254052" y="39957"/>
+                  <a:pt x="1051093" y="-335"/>
+                  <a:pt x="750788" y="18288"/>
+                </a:cubicBezTo>
+                <a:cubicBezTo>
+                  <a:pt x="450483" y="36911"/>
+                  <a:pt x="293781" y="22900"/>
+                  <a:pt x="0" y="18288"/>
+                </a:cubicBezTo>
+                <a:cubicBezTo>
+                  <a:pt x="-591" y="13205"/>
+                  <a:pt x="-663" y="6329"/>
+                  <a:pt x="0" y="0"/>
+                </a:cubicBezTo>
+                <a:close/>
+              </a:path>
+              <a:path w="4343400" h="18288" stroke="0" extrusionOk="0">
+                <a:moveTo>
+                  <a:pt x="0" y="0"/>
+                </a:moveTo>
+                <a:cubicBezTo>
+                  <a:pt x="212719" y="-28531"/>
+                  <a:pt x="340561" y="-1164"/>
+                  <a:pt x="577052" y="0"/>
+                </a:cubicBezTo>
+                <a:cubicBezTo>
+                  <a:pt x="813543" y="1164"/>
+                  <a:pt x="866967" y="-9376"/>
+                  <a:pt x="1067235" y="0"/>
+                </a:cubicBezTo>
+                <a:cubicBezTo>
+                  <a:pt x="1267503" y="9376"/>
+                  <a:pt x="1485778" y="-20470"/>
+                  <a:pt x="1774589" y="0"/>
+                </a:cubicBezTo>
+                <a:cubicBezTo>
+                  <a:pt x="2063400" y="20470"/>
+                  <a:pt x="2090152" y="-14502"/>
+                  <a:pt x="2351641" y="0"/>
+                </a:cubicBezTo>
+                <a:cubicBezTo>
+                  <a:pt x="2613130" y="14502"/>
+                  <a:pt x="2802864" y="19125"/>
+                  <a:pt x="2928693" y="0"/>
+                </a:cubicBezTo>
+                <a:cubicBezTo>
+                  <a:pt x="3054522" y="-19125"/>
+                  <a:pt x="3482611" y="-2038"/>
+                  <a:pt x="3636046" y="0"/>
+                </a:cubicBezTo>
+                <a:cubicBezTo>
+                  <a:pt x="3789481" y="2038"/>
+                  <a:pt x="4012363" y="973"/>
+                  <a:pt x="4343400" y="0"/>
+                </a:cubicBezTo>
+                <a:cubicBezTo>
+                  <a:pt x="4342514" y="5429"/>
+                  <a:pt x="4344221" y="14046"/>
+                  <a:pt x="4343400" y="18288"/>
+                </a:cubicBezTo>
+                <a:cubicBezTo>
+                  <a:pt x="4078870" y="-6138"/>
+                  <a:pt x="4015967" y="29658"/>
+                  <a:pt x="3809782" y="18288"/>
+                </a:cubicBezTo>
+                <a:cubicBezTo>
+                  <a:pt x="3603597" y="6918"/>
+                  <a:pt x="3495552" y="24439"/>
+                  <a:pt x="3189297" y="18288"/>
+                </a:cubicBezTo>
+                <a:cubicBezTo>
+                  <a:pt x="2883042" y="12137"/>
+                  <a:pt x="2850610" y="32583"/>
+                  <a:pt x="2568811" y="18288"/>
+                </a:cubicBezTo>
+                <a:cubicBezTo>
+                  <a:pt x="2287012" y="3993"/>
+                  <a:pt x="2279820" y="23580"/>
+                  <a:pt x="1991759" y="18288"/>
+                </a:cubicBezTo>
+                <a:cubicBezTo>
+                  <a:pt x="1703698" y="12996"/>
+                  <a:pt x="1616455" y="23157"/>
+                  <a:pt x="1284405" y="18288"/>
+                </a:cubicBezTo>
+                <a:cubicBezTo>
+                  <a:pt x="952355" y="13419"/>
+                  <a:pt x="783530" y="16053"/>
+                  <a:pt x="577052" y="18288"/>
+                </a:cubicBezTo>
+                <a:cubicBezTo>
+                  <a:pt x="370574" y="20523"/>
+                  <a:pt x="173929" y="5195"/>
+                  <a:pt x="0" y="18288"/>
+                </a:cubicBezTo>
+                <a:cubicBezTo>
+                  <a:pt x="668" y="13665"/>
+                  <a:pt x="578" y="5675"/>
+                  <a:pt x="0" y="0"/>
+                </a:cubicBezTo>
+                <a:close/>
+              </a:path>
+            </a:pathLst>
+          </a:custGeom>
+          <a:solidFill>
+            <a:schemeClr val="accent2"/>
+          </a:solidFill>
+          <a:ln w="41275" cap="rnd">
+            <a:solidFill>
+              <a:schemeClr val="accent2"/>
+            </a:solidFill>
+            <a:round/>
+            <a:extLst>
+              <a:ext uri="{C807C97D-BFC1-408E-A445-0C87EB9F89A2}">
+                <ask:lineSketchStyleProps xmlns:ask="http://schemas.microsoft.com/office/drawing/2018/sketchyshapes" sd="1219033472">
+                  <a:prstGeom prst="rect">
+                    <a:avLst/>
+                  </a:prstGeom>
+                  <ask:type>
+                    <ask:lineSketchFreehand/>
+                  </ask:type>
+                </ask:lineSketchStyleProps>
+              </a:ext>
+            </a:extLst>
+          </a:ln>
+        </p:spPr>
+        <p:style>
+          <a:lnRef idx="2">
+            <a:schemeClr val="accent1">
+              <a:shade val="50000"/>
+            </a:schemeClr>
+          </a:lnRef>
+          <a:fillRef idx="1">
+            <a:schemeClr val="accent1"/>
+          </a:fillRef>
+          <a:effectRef idx="0">
+            <a:schemeClr val="accent1"/>
+          </a:effectRef>
+          <a:fontRef idx="minor">
+            <a:schemeClr val="lt1"/>
+          </a:fontRef>
+        </p:style>
+        <p:txBody>
+          <a:bodyPr rtlCol="0" anchor="ctr"/>
+          <a:lstStyle/>
+          <a:p>
+            <a:pPr algn="ctr"/>
+            <a:endParaRPr lang="en-US"/>
           </a:p>
         </p:txBody>
       </p:sp>
       <p:sp>
         <p:nvSpPr>
-          <p:cNvPr id="3" name="Content Placeholder 2">
+          <p:cNvPr id="57" name="Content Placeholder 2">
             <a:extLst>
               <a:ext uri="{FF2B5EF4-FFF2-40B4-BE49-F238E27FC236}">
                 <a16:creationId xmlns:a16="http://schemas.microsoft.com/office/drawing/2014/main" id="{9A31A276-449B-0BAD-8C87-501E6946D240}"/>
@@ -4041,24 +12427,124 @@
             <p:ph idx="1"/>
           </p:nvPr>
         </p:nvSpPr>
-        <p:spPr/>
+        <p:spPr>
+          <a:xfrm>
+            <a:off x="612648" y="2504819"/>
+            <a:ext cx="6986016" cy="3672144"/>
+          </a:xfrm>
+        </p:spPr>
         <p:txBody>
-          <a:bodyPr/>
+          <a:bodyPr>
+            <a:normAutofit/>
+          </a:bodyPr>
           <a:lstStyle/>
           <a:p>
             <a:r>
-              <a:rPr lang="en-US" dirty="0"/>
-              <a:t>[What are we trying to solve for?]</a:t>
+              <a:rPr lang="en-US" sz="2200" dirty="0"/>
+              <a:t>Data can be utilized to answer various business objectives</a:t>
             </a:r>
           </a:p>
           <a:p>
+            <a:pPr lvl="1"/>
             <a:r>
-              <a:rPr lang="en-US" dirty="0"/>
-              <a:t>[How will we measure success?]</a:t>
+              <a:rPr lang="en-US" sz="1800" dirty="0"/>
+              <a:t># of Crimes by Location</a:t>
+            </a:r>
+          </a:p>
+          <a:p>
+            <a:pPr lvl="1"/>
+            <a:r>
+              <a:rPr lang="en-US" sz="1800" dirty="0"/>
+              <a:t># of Crimes by District</a:t>
+            </a:r>
+          </a:p>
+          <a:p>
+            <a:pPr lvl="1"/>
+            <a:r>
+              <a:rPr lang="en-US" sz="1800" dirty="0"/>
+              <a:t># of Arrest by Beat</a:t>
+            </a:r>
+          </a:p>
+          <a:p>
+            <a:pPr marL="457200" lvl="1" indent="0">
+              <a:buNone/>
+            </a:pPr>
+            <a:endParaRPr lang="en-US" sz="1800" dirty="0"/>
+          </a:p>
+          <a:p>
+            <a:r>
+              <a:rPr lang="en-US" sz="2200" b="1" dirty="0"/>
+              <a:t>Main Objective of ML Model: </a:t>
+            </a:r>
+            <a:r>
+              <a:rPr lang="en-US" sz="2200" dirty="0"/>
+              <a:t>predict the likelihood of an arrest based on various factors, such as type, location, and time of day</a:t>
             </a:r>
           </a:p>
         </p:txBody>
       </p:sp>
+      <p:pic>
+        <p:nvPicPr>
+          <p:cNvPr id="5" name="Picture 4">
+            <a:extLst>
+              <a:ext uri="{FF2B5EF4-FFF2-40B4-BE49-F238E27FC236}">
+                <a16:creationId xmlns:a16="http://schemas.microsoft.com/office/drawing/2014/main" id="{55AF7821-601F-DD90-53EA-630FC9AF5086}"/>
+              </a:ext>
+            </a:extLst>
+          </p:cNvPr>
+          <p:cNvPicPr>
+            <a:picLocks noChangeAspect="1"/>
+          </p:cNvPicPr>
+          <p:nvPr/>
+        </p:nvPicPr>
+        <p:blipFill>
+          <a:blip r:embed="rId3"/>
+          <a:srcRect l="10481" r="4501" b="-1"/>
+          <a:stretch>
+            <a:fillRect/>
+          </a:stretch>
+        </p:blipFill>
+        <p:spPr>
+          <a:xfrm>
+            <a:off x="8381136" y="2377988"/>
+            <a:ext cx="3530309" cy="1754415"/>
+          </a:xfrm>
+          <a:prstGeom prst="rect">
+            <a:avLst/>
+          </a:prstGeom>
+        </p:spPr>
+      </p:pic>
+      <p:pic>
+        <p:nvPicPr>
+          <p:cNvPr id="4" name="Picture 3">
+            <a:extLst>
+              <a:ext uri="{FF2B5EF4-FFF2-40B4-BE49-F238E27FC236}">
+                <a16:creationId xmlns:a16="http://schemas.microsoft.com/office/drawing/2014/main" id="{176E61FD-016E-9EB0-5920-0B5B8F123E51}"/>
+              </a:ext>
+            </a:extLst>
+          </p:cNvPr>
+          <p:cNvPicPr>
+            <a:picLocks noChangeAspect="1"/>
+          </p:cNvPicPr>
+          <p:nvPr/>
+        </p:nvPicPr>
+        <p:blipFill>
+          <a:blip r:embed="rId4"/>
+          <a:srcRect l="3468" r="12521" b="1"/>
+          <a:stretch>
+            <a:fillRect/>
+          </a:stretch>
+        </p:blipFill>
+        <p:spPr>
+          <a:xfrm>
+            <a:off x="8381136" y="4426091"/>
+            <a:ext cx="3530309" cy="1754399"/>
+          </a:xfrm>
+          <a:prstGeom prst="rect">
+            <a:avLst/>
+          </a:prstGeom>
+        </p:spPr>
+      </p:pic>
     </p:spTree>
     <p:extLst>
       <p:ext uri="{BB962C8B-B14F-4D97-AF65-F5344CB8AC3E}">
@@ -4075,6 +12561,14 @@
 <file path=ppt/slides/slide4.xml><?xml version="1.0" encoding="utf-8"?>
 <p:sld xmlns:a="http://schemas.openxmlformats.org/drawingml/2006/main" xmlns:r="http://schemas.openxmlformats.org/officeDocument/2006/relationships" xmlns:p="http://schemas.openxmlformats.org/presentationml/2006/main">
   <p:cSld>
+    <p:bg>
+      <p:bgPr>
+        <a:solidFill>
+          <a:schemeClr val="bg1"/>
+        </a:solidFill>
+        <a:effectLst/>
+      </p:bgPr>
+    </p:bg>
     <p:spTree>
       <p:nvGrpSpPr>
         <p:cNvPr id="1" name=""/>
@@ -4089,6 +12583,66 @@
           <a:chExt cx="0" cy="0"/>
         </a:xfrm>
       </p:grpSpPr>
+      <p:sp useBgFill="1">
+        <p:nvSpPr>
+          <p:cNvPr id="18" name="Rectangle 17">
+            <a:extLst>
+              <a:ext uri="{FF2B5EF4-FFF2-40B4-BE49-F238E27FC236}">
+                <a16:creationId xmlns:a16="http://schemas.microsoft.com/office/drawing/2014/main" id="{2E442304-DDBD-4F7B-8017-36BCC863FB40}"/>
+              </a:ext>
+              <a:ext uri="{C183D7F6-B498-43B3-948B-1728B52AA6E4}">
+                <adec:decorative xmlns:adec="http://schemas.microsoft.com/office/drawing/2017/decorative" val="1"/>
+              </a:ext>
+            </a:extLst>
+          </p:cNvPr>
+          <p:cNvSpPr>
+            <a:spLocks noGrp="1" noRot="1" noChangeAspect="1" noMove="1" noResize="1" noEditPoints="1" noAdjustHandles="1" noChangeArrowheads="1" noChangeShapeType="1" noTextEdit="1"/>
+          </p:cNvSpPr>
+          <p:nvPr>
+            <p:extLst>
+              <p:ext uri="{386F3935-93C4-4BCD-93E2-E3B085C9AB24}">
+                <p16:designElem xmlns:p16="http://schemas.microsoft.com/office/powerpoint/2015/main" val="1"/>
+              </p:ext>
+            </p:extLst>
+          </p:nvPr>
+        </p:nvSpPr>
+        <p:spPr>
+          <a:xfrm>
+            <a:off x="0" y="0"/>
+            <a:ext cx="12188952" cy="6858000"/>
+          </a:xfrm>
+          <a:prstGeom prst="rect">
+            <a:avLst/>
+          </a:prstGeom>
+          <a:ln>
+            <a:noFill/>
+          </a:ln>
+        </p:spPr>
+        <p:style>
+          <a:lnRef idx="2">
+            <a:schemeClr val="accent1">
+              <a:shade val="50000"/>
+            </a:schemeClr>
+          </a:lnRef>
+          <a:fillRef idx="1">
+            <a:schemeClr val="accent1"/>
+          </a:fillRef>
+          <a:effectRef idx="0">
+            <a:schemeClr val="accent1"/>
+          </a:effectRef>
+          <a:fontRef idx="minor">
+            <a:schemeClr val="lt1"/>
+          </a:fontRef>
+        </p:style>
+        <p:txBody>
+          <a:bodyPr rtlCol="0" anchor="ctr"/>
+          <a:lstStyle/>
+          <a:p>
+            <a:pPr algn="ctr"/>
+            <a:endParaRPr lang="en-US"/>
+          </a:p>
+        </p:txBody>
+      </p:sp>
       <p:sp>
         <p:nvSpPr>
           <p:cNvPr id="2" name="Title 1">
@@ -4105,46 +12659,429 @@
             <p:ph type="title"/>
           </p:nvPr>
         </p:nvSpPr>
-        <p:spPr/>
+        <p:spPr>
+          <a:xfrm>
+            <a:off x="635000" y="640823"/>
+            <a:ext cx="3418659" cy="5583148"/>
+          </a:xfrm>
+        </p:spPr>
         <p:txBody>
-          <a:bodyPr/>
+          <a:bodyPr anchor="ctr">
+            <a:normAutofit/>
+          </a:bodyPr>
           <a:lstStyle/>
           <a:p>
             <a:r>
-              <a:rPr lang="en-US" dirty="0"/>
-              <a:t>Initial Thoughts</a:t>
+              <a:rPr lang="en-US" sz="4000"/>
+              <a:t>Initial Thoughts &amp; Assumptions</a:t>
             </a:r>
           </a:p>
         </p:txBody>
       </p:sp>
       <p:sp>
         <p:nvSpPr>
-          <p:cNvPr id="3" name="Content Placeholder 2">
+          <p:cNvPr id="19" name="sketch line">
             <a:extLst>
               <a:ext uri="{FF2B5EF4-FFF2-40B4-BE49-F238E27FC236}">
-                <a16:creationId xmlns:a16="http://schemas.microsoft.com/office/drawing/2014/main" id="{B89818B3-9750-BA91-9100-854568DAF8F3}"/>
+                <a16:creationId xmlns:a16="http://schemas.microsoft.com/office/drawing/2014/main" id="{5E107275-3853-46FD-A241-DE4355A42675}"/>
+              </a:ext>
+              <a:ext uri="{C183D7F6-B498-43B3-948B-1728B52AA6E4}">
+                <adec:decorative xmlns:adec="http://schemas.microsoft.com/office/drawing/2017/decorative" val="1"/>
               </a:ext>
             </a:extLst>
           </p:cNvPr>
           <p:cNvSpPr>
-            <a:spLocks noGrp="1"/>
+            <a:spLocks noGrp="1" noRot="1" noChangeAspect="1" noMove="1" noResize="1" noEditPoints="1" noAdjustHandles="1" noChangeArrowheads="1" noChangeShapeType="1" noTextEdit="1"/>
           </p:cNvSpPr>
           <p:nvPr>
-            <p:ph idx="1"/>
+            <p:extLst>
+              <p:ext uri="{386F3935-93C4-4BCD-93E2-E3B085C9AB24}">
+                <p16:designElem xmlns:p16="http://schemas.microsoft.com/office/powerpoint/2015/main" val="1"/>
+              </p:ext>
+            </p:extLst>
           </p:nvPr>
         </p:nvSpPr>
-        <p:spPr/>
+        <p:spPr>
+          <a:xfrm rot="5400000">
+            <a:off x="1627450" y="3462719"/>
+            <a:ext cx="5410200" cy="18288"/>
+          </a:xfrm>
+          <a:custGeom>
+            <a:avLst/>
+            <a:gdLst>
+              <a:gd name="connsiteX0" fmla="*/ 0 w 5410200"/>
+              <a:gd name="connsiteY0" fmla="*/ 0 h 18288"/>
+              <a:gd name="connsiteX1" fmla="*/ 568071 w 5410200"/>
+              <a:gd name="connsiteY1" fmla="*/ 0 h 18288"/>
+              <a:gd name="connsiteX2" fmla="*/ 1298448 w 5410200"/>
+              <a:gd name="connsiteY2" fmla="*/ 0 h 18288"/>
+              <a:gd name="connsiteX3" fmla="*/ 1920621 w 5410200"/>
+              <a:gd name="connsiteY3" fmla="*/ 0 h 18288"/>
+              <a:gd name="connsiteX4" fmla="*/ 2488692 w 5410200"/>
+              <a:gd name="connsiteY4" fmla="*/ 0 h 18288"/>
+              <a:gd name="connsiteX5" fmla="*/ 3219069 w 5410200"/>
+              <a:gd name="connsiteY5" fmla="*/ 0 h 18288"/>
+              <a:gd name="connsiteX6" fmla="*/ 3895344 w 5410200"/>
+              <a:gd name="connsiteY6" fmla="*/ 0 h 18288"/>
+              <a:gd name="connsiteX7" fmla="*/ 4571619 w 5410200"/>
+              <a:gd name="connsiteY7" fmla="*/ 0 h 18288"/>
+              <a:gd name="connsiteX8" fmla="*/ 5410200 w 5410200"/>
+              <a:gd name="connsiteY8" fmla="*/ 0 h 18288"/>
+              <a:gd name="connsiteX9" fmla="*/ 5410200 w 5410200"/>
+              <a:gd name="connsiteY9" fmla="*/ 18288 h 18288"/>
+              <a:gd name="connsiteX10" fmla="*/ 4842129 w 5410200"/>
+              <a:gd name="connsiteY10" fmla="*/ 18288 h 18288"/>
+              <a:gd name="connsiteX11" fmla="*/ 4328160 w 5410200"/>
+              <a:gd name="connsiteY11" fmla="*/ 18288 h 18288"/>
+              <a:gd name="connsiteX12" fmla="*/ 3597783 w 5410200"/>
+              <a:gd name="connsiteY12" fmla="*/ 18288 h 18288"/>
+              <a:gd name="connsiteX13" fmla="*/ 3029712 w 5410200"/>
+              <a:gd name="connsiteY13" fmla="*/ 18288 h 18288"/>
+              <a:gd name="connsiteX14" fmla="*/ 2299335 w 5410200"/>
+              <a:gd name="connsiteY14" fmla="*/ 18288 h 18288"/>
+              <a:gd name="connsiteX15" fmla="*/ 1514856 w 5410200"/>
+              <a:gd name="connsiteY15" fmla="*/ 18288 h 18288"/>
+              <a:gd name="connsiteX16" fmla="*/ 892683 w 5410200"/>
+              <a:gd name="connsiteY16" fmla="*/ 18288 h 18288"/>
+              <a:gd name="connsiteX17" fmla="*/ 0 w 5410200"/>
+              <a:gd name="connsiteY17" fmla="*/ 18288 h 18288"/>
+              <a:gd name="connsiteX18" fmla="*/ 0 w 5410200"/>
+              <a:gd name="connsiteY18" fmla="*/ 0 h 18288"/>
+            </a:gdLst>
+            <a:ahLst/>
+            <a:cxnLst>
+              <a:cxn ang="0">
+                <a:pos x="connsiteX0" y="connsiteY0"/>
+              </a:cxn>
+              <a:cxn ang="0">
+                <a:pos x="connsiteX1" y="connsiteY1"/>
+              </a:cxn>
+              <a:cxn ang="0">
+                <a:pos x="connsiteX2" y="connsiteY2"/>
+              </a:cxn>
+              <a:cxn ang="0">
+                <a:pos x="connsiteX3" y="connsiteY3"/>
+              </a:cxn>
+              <a:cxn ang="0">
+                <a:pos x="connsiteX4" y="connsiteY4"/>
+              </a:cxn>
+              <a:cxn ang="0">
+                <a:pos x="connsiteX5" y="connsiteY5"/>
+              </a:cxn>
+              <a:cxn ang="0">
+                <a:pos x="connsiteX6" y="connsiteY6"/>
+              </a:cxn>
+              <a:cxn ang="0">
+                <a:pos x="connsiteX7" y="connsiteY7"/>
+              </a:cxn>
+              <a:cxn ang="0">
+                <a:pos x="connsiteX8" y="connsiteY8"/>
+              </a:cxn>
+              <a:cxn ang="0">
+                <a:pos x="connsiteX9" y="connsiteY9"/>
+              </a:cxn>
+              <a:cxn ang="0">
+                <a:pos x="connsiteX10" y="connsiteY10"/>
+              </a:cxn>
+              <a:cxn ang="0">
+                <a:pos x="connsiteX11" y="connsiteY11"/>
+              </a:cxn>
+              <a:cxn ang="0">
+                <a:pos x="connsiteX12" y="connsiteY12"/>
+              </a:cxn>
+              <a:cxn ang="0">
+                <a:pos x="connsiteX13" y="connsiteY13"/>
+              </a:cxn>
+              <a:cxn ang="0">
+                <a:pos x="connsiteX14" y="connsiteY14"/>
+              </a:cxn>
+              <a:cxn ang="0">
+                <a:pos x="connsiteX15" y="connsiteY15"/>
+              </a:cxn>
+              <a:cxn ang="0">
+                <a:pos x="connsiteX16" y="connsiteY16"/>
+              </a:cxn>
+              <a:cxn ang="0">
+                <a:pos x="connsiteX17" y="connsiteY17"/>
+              </a:cxn>
+              <a:cxn ang="0">
+                <a:pos x="connsiteX18" y="connsiteY18"/>
+              </a:cxn>
+            </a:cxnLst>
+            <a:rect l="l" t="t" r="r" b="b"/>
+            <a:pathLst>
+              <a:path w="5410200" h="18288" fill="none" extrusionOk="0">
+                <a:moveTo>
+                  <a:pt x="0" y="0"/>
+                </a:moveTo>
+                <a:cubicBezTo>
+                  <a:pt x="163050" y="-18707"/>
+                  <a:pt x="319321" y="-16364"/>
+                  <a:pt x="568071" y="0"/>
+                </a:cubicBezTo>
+                <a:cubicBezTo>
+                  <a:pt x="816821" y="16364"/>
+                  <a:pt x="1013224" y="-7268"/>
+                  <a:pt x="1298448" y="0"/>
+                </a:cubicBezTo>
+                <a:cubicBezTo>
+                  <a:pt x="1583672" y="7268"/>
+                  <a:pt x="1631711" y="-3367"/>
+                  <a:pt x="1920621" y="0"/>
+                </a:cubicBezTo>
+                <a:cubicBezTo>
+                  <a:pt x="2209531" y="3367"/>
+                  <a:pt x="2364420" y="-19184"/>
+                  <a:pt x="2488692" y="0"/>
+                </a:cubicBezTo>
+                <a:cubicBezTo>
+                  <a:pt x="2612964" y="19184"/>
+                  <a:pt x="3023298" y="-34627"/>
+                  <a:pt x="3219069" y="0"/>
+                </a:cubicBezTo>
+                <a:cubicBezTo>
+                  <a:pt x="3414840" y="34627"/>
+                  <a:pt x="3656810" y="24043"/>
+                  <a:pt x="3895344" y="0"/>
+                </a:cubicBezTo>
+                <a:cubicBezTo>
+                  <a:pt x="4133879" y="-24043"/>
+                  <a:pt x="4393984" y="-19577"/>
+                  <a:pt x="4571619" y="0"/>
+                </a:cubicBezTo>
+                <a:cubicBezTo>
+                  <a:pt x="4749255" y="19577"/>
+                  <a:pt x="5179928" y="-6281"/>
+                  <a:pt x="5410200" y="0"/>
+                </a:cubicBezTo>
+                <a:cubicBezTo>
+                  <a:pt x="5410730" y="6954"/>
+                  <a:pt x="5410934" y="12839"/>
+                  <a:pt x="5410200" y="18288"/>
+                </a:cubicBezTo>
+                <a:cubicBezTo>
+                  <a:pt x="5139060" y="6751"/>
+                  <a:pt x="5121593" y="31035"/>
+                  <a:pt x="4842129" y="18288"/>
+                </a:cubicBezTo>
+                <a:cubicBezTo>
+                  <a:pt x="4562665" y="5541"/>
+                  <a:pt x="4448273" y="9487"/>
+                  <a:pt x="4328160" y="18288"/>
+                </a:cubicBezTo>
+                <a:cubicBezTo>
+                  <a:pt x="4208047" y="27089"/>
+                  <a:pt x="3760936" y="22567"/>
+                  <a:pt x="3597783" y="18288"/>
+                </a:cubicBezTo>
+                <a:cubicBezTo>
+                  <a:pt x="3434630" y="14009"/>
+                  <a:pt x="3299718" y="33213"/>
+                  <a:pt x="3029712" y="18288"/>
+                </a:cubicBezTo>
+                <a:cubicBezTo>
+                  <a:pt x="2759706" y="3363"/>
+                  <a:pt x="2640159" y="27394"/>
+                  <a:pt x="2299335" y="18288"/>
+                </a:cubicBezTo>
+                <a:cubicBezTo>
+                  <a:pt x="1958511" y="9182"/>
+                  <a:pt x="1801186" y="28985"/>
+                  <a:pt x="1514856" y="18288"/>
+                </a:cubicBezTo>
+                <a:cubicBezTo>
+                  <a:pt x="1228526" y="7591"/>
+                  <a:pt x="1063509" y="-5305"/>
+                  <a:pt x="892683" y="18288"/>
+                </a:cubicBezTo>
+                <a:cubicBezTo>
+                  <a:pt x="721857" y="41881"/>
+                  <a:pt x="186945" y="-20897"/>
+                  <a:pt x="0" y="18288"/>
+                </a:cubicBezTo>
+                <a:cubicBezTo>
+                  <a:pt x="-570" y="9279"/>
+                  <a:pt x="132" y="5100"/>
+                  <a:pt x="0" y="0"/>
+                </a:cubicBezTo>
+                <a:close/>
+              </a:path>
+              <a:path w="5410200" h="18288" stroke="0" extrusionOk="0">
+                <a:moveTo>
+                  <a:pt x="0" y="0"/>
+                </a:moveTo>
+                <a:cubicBezTo>
+                  <a:pt x="285096" y="-4925"/>
+                  <a:pt x="376456" y="22268"/>
+                  <a:pt x="622173" y="0"/>
+                </a:cubicBezTo>
+                <a:cubicBezTo>
+                  <a:pt x="867890" y="-22268"/>
+                  <a:pt x="1031392" y="7228"/>
+                  <a:pt x="1136142" y="0"/>
+                </a:cubicBezTo>
+                <a:cubicBezTo>
+                  <a:pt x="1240892" y="-7228"/>
+                  <a:pt x="1561853" y="9877"/>
+                  <a:pt x="1920621" y="0"/>
+                </a:cubicBezTo>
+                <a:cubicBezTo>
+                  <a:pt x="2279389" y="-9877"/>
+                  <a:pt x="2367255" y="19546"/>
+                  <a:pt x="2542794" y="0"/>
+                </a:cubicBezTo>
+                <a:cubicBezTo>
+                  <a:pt x="2718333" y="-19546"/>
+                  <a:pt x="2866732" y="-22226"/>
+                  <a:pt x="3164967" y="0"/>
+                </a:cubicBezTo>
+                <a:cubicBezTo>
+                  <a:pt x="3463202" y="22226"/>
+                  <a:pt x="3568055" y="-2765"/>
+                  <a:pt x="3949446" y="0"/>
+                </a:cubicBezTo>
+                <a:cubicBezTo>
+                  <a:pt x="4330837" y="2765"/>
+                  <a:pt x="4287895" y="10557"/>
+                  <a:pt x="4517517" y="0"/>
+                </a:cubicBezTo>
+                <a:cubicBezTo>
+                  <a:pt x="4747139" y="-10557"/>
+                  <a:pt x="5149588" y="8716"/>
+                  <a:pt x="5410200" y="0"/>
+                </a:cubicBezTo>
+                <a:cubicBezTo>
+                  <a:pt x="5409517" y="5414"/>
+                  <a:pt x="5409480" y="12510"/>
+                  <a:pt x="5410200" y="18288"/>
+                </a:cubicBezTo>
+                <a:cubicBezTo>
+                  <a:pt x="5163327" y="41494"/>
+                  <a:pt x="5008749" y="10693"/>
+                  <a:pt x="4842129" y="18288"/>
+                </a:cubicBezTo>
+                <a:cubicBezTo>
+                  <a:pt x="4675509" y="25883"/>
+                  <a:pt x="4433401" y="-615"/>
+                  <a:pt x="4165854" y="18288"/>
+                </a:cubicBezTo>
+                <a:cubicBezTo>
+                  <a:pt x="3898308" y="37191"/>
+                  <a:pt x="3809032" y="-8710"/>
+                  <a:pt x="3543681" y="18288"/>
+                </a:cubicBezTo>
+                <a:cubicBezTo>
+                  <a:pt x="3278330" y="45286"/>
+                  <a:pt x="3073876" y="-15917"/>
+                  <a:pt x="2759202" y="18288"/>
+                </a:cubicBezTo>
+                <a:cubicBezTo>
+                  <a:pt x="2444528" y="52493"/>
+                  <a:pt x="2204144" y="3372"/>
+                  <a:pt x="1974723" y="18288"/>
+                </a:cubicBezTo>
+                <a:cubicBezTo>
+                  <a:pt x="1745302" y="33204"/>
+                  <a:pt x="1602335" y="31490"/>
+                  <a:pt x="1406652" y="18288"/>
+                </a:cubicBezTo>
+                <a:cubicBezTo>
+                  <a:pt x="1210969" y="5086"/>
+                  <a:pt x="923948" y="3161"/>
+                  <a:pt x="730377" y="18288"/>
+                </a:cubicBezTo>
+                <a:cubicBezTo>
+                  <a:pt x="536806" y="33415"/>
+                  <a:pt x="336496" y="-141"/>
+                  <a:pt x="0" y="18288"/>
+                </a:cubicBezTo>
+                <a:cubicBezTo>
+                  <a:pt x="-306" y="11061"/>
+                  <a:pt x="-655" y="7751"/>
+                  <a:pt x="0" y="0"/>
+                </a:cubicBezTo>
+                <a:close/>
+              </a:path>
+            </a:pathLst>
+          </a:custGeom>
+          <a:solidFill>
+            <a:schemeClr val="accent2"/>
+          </a:solidFill>
+          <a:ln w="41275" cap="rnd">
+            <a:solidFill>
+              <a:schemeClr val="accent2"/>
+            </a:solidFill>
+            <a:round/>
+            <a:extLst>
+              <a:ext uri="{C807C97D-BFC1-408E-A445-0C87EB9F89A2}">
+                <ask:lineSketchStyleProps xmlns:ask="http://schemas.microsoft.com/office/drawing/2018/sketchyshapes" sd="1219033472">
+                  <a:prstGeom prst="rect">
+                    <a:avLst/>
+                  </a:prstGeom>
+                  <ask:type>
+                    <ask:lineSketchFreehand/>
+                  </ask:type>
+                </ask:lineSketchStyleProps>
+              </a:ext>
+            </a:extLst>
+          </a:ln>
+        </p:spPr>
+        <p:style>
+          <a:lnRef idx="2">
+            <a:schemeClr val="accent1">
+              <a:shade val="50000"/>
+            </a:schemeClr>
+          </a:lnRef>
+          <a:fillRef idx="1">
+            <a:schemeClr val="accent1"/>
+          </a:fillRef>
+          <a:effectRef idx="0">
+            <a:schemeClr val="accent1"/>
+          </a:effectRef>
+          <a:fontRef idx="minor">
+            <a:schemeClr val="lt1"/>
+          </a:fontRef>
+        </p:style>
         <p:txBody>
-          <a:bodyPr/>
+          <a:bodyPr rtlCol="0" anchor="ctr"/>
           <a:lstStyle/>
           <a:p>
-            <a:r>
-              <a:rPr lang="en-US" dirty="0"/>
-              <a:t>[In simply looking at the data, what do we think the outcomes will be?]</a:t>
-            </a:r>
+            <a:pPr algn="ctr"/>
+            <a:endParaRPr lang="en-US"/>
           </a:p>
         </p:txBody>
       </p:sp>
+      <p:graphicFrame>
+        <p:nvGraphicFramePr>
+          <p:cNvPr id="5" name="Content Placeholder 2">
+            <a:extLst>
+              <a:ext uri="{FF2B5EF4-FFF2-40B4-BE49-F238E27FC236}">
+                <a16:creationId xmlns:a16="http://schemas.microsoft.com/office/drawing/2014/main" id="{5FFE5B26-3B13-0EFB-C4D8-D8DFCA1E5598}"/>
+              </a:ext>
+            </a:extLst>
+          </p:cNvPr>
+          <p:cNvGraphicFramePr>
+            <a:graphicFrameLocks noGrp="1"/>
+          </p:cNvGraphicFramePr>
+          <p:nvPr>
+            <p:ph idx="1"/>
+            <p:extLst>
+              <p:ext uri="{D42A27DB-BD31-4B8C-83A1-F6EECF244321}">
+                <p14:modId xmlns:p14="http://schemas.microsoft.com/office/powerpoint/2010/main" val="706990131"/>
+              </p:ext>
+            </p:extLst>
+          </p:nvPr>
+        </p:nvGraphicFramePr>
+        <p:xfrm>
+          <a:off x="4648018" y="640822"/>
+          <a:ext cx="6900512" cy="5536141"/>
+        </p:xfrm>
+        <a:graphic>
+          <a:graphicData uri="http://schemas.openxmlformats.org/drawingml/2006/diagram">
+            <dgm:relIds xmlns:dgm="http://schemas.openxmlformats.org/drawingml/2006/diagram" xmlns:r="http://schemas.openxmlformats.org/officeDocument/2006/relationships" r:dm="rId3" r:lo="rId4" r:qs="rId5" r:cs="rId6"/>
+          </a:graphicData>
+        </a:graphic>
+      </p:graphicFrame>
     </p:spTree>
     <p:extLst>
       <p:ext uri="{BB962C8B-B14F-4D97-AF65-F5344CB8AC3E}">
@@ -4161,6 +13098,14 @@
 <file path=ppt/slides/slide5.xml><?xml version="1.0" encoding="utf-8"?>
 <p:sld xmlns:a="http://schemas.openxmlformats.org/drawingml/2006/main" xmlns:r="http://schemas.openxmlformats.org/officeDocument/2006/relationships" xmlns:p="http://schemas.openxmlformats.org/presentationml/2006/main">
   <p:cSld>
+    <p:bg>
+      <p:bgPr>
+        <a:solidFill>
+          <a:schemeClr val="bg1"/>
+        </a:solidFill>
+        <a:effectLst/>
+      </p:bgPr>
+    </p:bg>
     <p:spTree>
       <p:nvGrpSpPr>
         <p:cNvPr id="1" name=""/>
@@ -4175,6 +13120,142 @@
           <a:chExt cx="0" cy="0"/>
         </a:xfrm>
       </p:grpSpPr>
+      <p:pic>
+        <p:nvPicPr>
+          <p:cNvPr id="6" name="Picture 5">
+            <a:extLst>
+              <a:ext uri="{FF2B5EF4-FFF2-40B4-BE49-F238E27FC236}">
+                <a16:creationId xmlns:a16="http://schemas.microsoft.com/office/drawing/2014/main" id="{72E9F2BE-CAAA-B010-6373-B2A0CA491E2D}"/>
+              </a:ext>
+            </a:extLst>
+          </p:cNvPr>
+          <p:cNvPicPr>
+            <a:picLocks noChangeAspect="1"/>
+          </p:cNvPicPr>
+          <p:nvPr/>
+        </p:nvPicPr>
+        <p:blipFill>
+          <a:blip r:embed="rId3"/>
+          <a:srcRect r="9091" b="23391"/>
+          <a:stretch>
+            <a:fillRect/>
+          </a:stretch>
+        </p:blipFill>
+        <p:spPr>
+          <a:xfrm>
+            <a:off x="20" y="10"/>
+            <a:ext cx="12191980" cy="6857990"/>
+          </a:xfrm>
+          <a:prstGeom prst="rect">
+            <a:avLst/>
+          </a:prstGeom>
+        </p:spPr>
+      </p:pic>
+      <p:sp>
+        <p:nvSpPr>
+          <p:cNvPr id="20" name="Rectangle 19">
+            <a:extLst>
+              <a:ext uri="{FF2B5EF4-FFF2-40B4-BE49-F238E27FC236}">
+                <a16:creationId xmlns:a16="http://schemas.microsoft.com/office/drawing/2014/main" id="{257363FD-7E77-4145-9483-331A807ADF0E}"/>
+              </a:ext>
+              <a:ext uri="{C183D7F6-B498-43B3-948B-1728B52AA6E4}">
+                <adec:decorative xmlns:adec="http://schemas.microsoft.com/office/drawing/2017/decorative" val="1"/>
+              </a:ext>
+            </a:extLst>
+          </p:cNvPr>
+          <p:cNvSpPr>
+            <a:spLocks noGrp="1" noRot="1" noChangeAspect="1" noMove="1" noResize="1" noEditPoints="1" noAdjustHandles="1" noChangeArrowheads="1" noChangeShapeType="1" noTextEdit="1"/>
+          </p:cNvSpPr>
+          <p:nvPr>
+            <p:extLst>
+              <p:ext uri="{386F3935-93C4-4BCD-93E2-E3B085C9AB24}">
+                <p16:designElem xmlns:p16="http://schemas.microsoft.com/office/powerpoint/2015/main" val="1"/>
+              </p:ext>
+            </p:extLst>
+          </p:nvPr>
+        </p:nvSpPr>
+        <p:spPr>
+          <a:xfrm>
+            <a:off x="0" y="0"/>
+            <a:ext cx="12196802" cy="6858000"/>
+          </a:xfrm>
+          <a:prstGeom prst="rect">
+            <a:avLst/>
+          </a:prstGeom>
+          <a:gradFill flip="none" rotWithShape="1">
+            <a:gsLst>
+              <a:gs pos="28000">
+                <a:schemeClr val="bg2">
+                  <a:alpha val="84000"/>
+                </a:schemeClr>
+              </a:gs>
+              <a:gs pos="74000">
+                <a:schemeClr val="bg1"/>
+              </a:gs>
+            </a:gsLst>
+            <a:path path="circle">
+              <a:fillToRect l="100000" t="100000"/>
+            </a:path>
+            <a:tileRect r="-100000" b="-100000"/>
+          </a:gradFill>
+          <a:ln>
+            <a:noFill/>
+          </a:ln>
+        </p:spPr>
+        <p:style>
+          <a:lnRef idx="2">
+            <a:schemeClr val="accent1">
+              <a:shade val="50000"/>
+            </a:schemeClr>
+          </a:lnRef>
+          <a:fillRef idx="1">
+            <a:schemeClr val="accent1"/>
+          </a:fillRef>
+          <a:effectRef idx="0">
+            <a:schemeClr val="accent1"/>
+          </a:effectRef>
+          <a:fontRef idx="minor">
+            <a:schemeClr val="lt1"/>
+          </a:fontRef>
+        </p:style>
+        <p:txBody>
+          <a:bodyPr rtlCol="0" anchor="ctr"/>
+          <a:lstStyle/>
+          <a:p>
+            <a:pPr marL="0" marR="0" lvl="0" indent="0" algn="ctr" defTabSz="914400" rtl="0" eaLnBrk="1" fontAlgn="auto" latinLnBrk="0" hangingPunct="1">
+              <a:lnSpc>
+                <a:spcPct val="100000"/>
+              </a:lnSpc>
+              <a:spcBef>
+                <a:spcPts val="0"/>
+              </a:spcBef>
+              <a:spcAft>
+                <a:spcPts val="0"/>
+              </a:spcAft>
+              <a:buClrTx/>
+              <a:buSzTx/>
+              <a:buFontTx/>
+              <a:buNone/>
+              <a:tabLst/>
+              <a:defRPr/>
+            </a:pPr>
+            <a:endParaRPr kumimoji="0" lang="en-US" sz="1800" b="0" i="0" u="none" strike="noStrike" kern="1200" cap="none" spc="0" normalizeH="0" baseline="0" noProof="0">
+              <a:ln>
+                <a:noFill/>
+              </a:ln>
+              <a:solidFill>
+                <a:prstClr val="white"/>
+              </a:solidFill>
+              <a:effectLst/>
+              <a:uLnTx/>
+              <a:uFillTx/>
+              <a:latin typeface="Calibri" panose="020F0502020204030204"/>
+              <a:ea typeface="+mn-ea"/>
+              <a:cs typeface="+mn-cs"/>
+            </a:endParaRPr>
+          </a:p>
+        </p:txBody>
+      </p:sp>
       <p:sp>
         <p:nvSpPr>
           <p:cNvPr id="2" name="Title 1">
@@ -4191,52 +13272,57 @@
             <p:ph type="title"/>
           </p:nvPr>
         </p:nvSpPr>
-        <p:spPr/>
+        <p:spPr>
+          <a:xfrm>
+            <a:off x="838200" y="365125"/>
+            <a:ext cx="10515600" cy="1325563"/>
+          </a:xfrm>
+        </p:spPr>
         <p:txBody>
-          <a:bodyPr/>
+          <a:bodyPr>
+            <a:normAutofit/>
+          </a:bodyPr>
           <a:lstStyle/>
           <a:p>
             <a:r>
-              <a:rPr lang="en-US" dirty="0"/>
+              <a:rPr lang="en-US"/>
               <a:t>Data Wrangling</a:t>
             </a:r>
+            <a:endParaRPr lang="en-US" dirty="0"/>
           </a:p>
         </p:txBody>
       </p:sp>
-      <p:sp>
-        <p:nvSpPr>
-          <p:cNvPr id="3" name="Content Placeholder 2">
+      <p:graphicFrame>
+        <p:nvGraphicFramePr>
+          <p:cNvPr id="5" name="Content Placeholder 2">
             <a:extLst>
               <a:ext uri="{FF2B5EF4-FFF2-40B4-BE49-F238E27FC236}">
-                <a16:creationId xmlns:a16="http://schemas.microsoft.com/office/drawing/2014/main" id="{089E488F-FE75-245B-9E86-B1977E9416C8}"/>
+                <a16:creationId xmlns:a16="http://schemas.microsoft.com/office/drawing/2014/main" id="{ACAD0F66-C81F-B772-7222-1CFF22A256C0}"/>
               </a:ext>
             </a:extLst>
           </p:cNvPr>
-          <p:cNvSpPr>
-            <a:spLocks noGrp="1"/>
-          </p:cNvSpPr>
+          <p:cNvGraphicFramePr>
+            <a:graphicFrameLocks noGrp="1"/>
+          </p:cNvGraphicFramePr>
           <p:nvPr>
             <p:ph idx="1"/>
+            <p:extLst>
+              <p:ext uri="{D42A27DB-BD31-4B8C-83A1-F6EECF244321}">
+                <p14:modId xmlns:p14="http://schemas.microsoft.com/office/powerpoint/2010/main" val="155060807"/>
+              </p:ext>
+            </p:extLst>
           </p:nvPr>
-        </p:nvSpPr>
-        <p:spPr/>
-        <p:txBody>
-          <a:bodyPr/>
-          <a:lstStyle/>
-          <a:p>
-            <a:r>
-              <a:rPr lang="en-US" dirty="0"/>
-              <a:t>[How did we handle missing data and outliers?]</a:t>
-            </a:r>
-          </a:p>
-          <a:p>
-            <a:r>
-              <a:rPr lang="en-US" dirty="0"/>
-              <a:t>[What steps did we take to standardize/normalize the data?]</a:t>
-            </a:r>
-          </a:p>
-        </p:txBody>
-      </p:sp>
+        </p:nvGraphicFramePr>
+        <p:xfrm>
+          <a:off x="838200" y="1825625"/>
+          <a:ext cx="10515600" cy="4351338"/>
+        </p:xfrm>
+        <a:graphic>
+          <a:graphicData uri="http://schemas.openxmlformats.org/drawingml/2006/diagram">
+            <dgm:relIds xmlns:dgm="http://schemas.openxmlformats.org/drawingml/2006/diagram" xmlns:r="http://schemas.openxmlformats.org/officeDocument/2006/relationships" r:dm="rId4" r:lo="rId5" r:qs="rId6" r:cs="rId7"/>
+          </a:graphicData>
+        </a:graphic>
+      </p:graphicFrame>
     </p:spTree>
     <p:extLst>
       <p:ext uri="{BB962C8B-B14F-4D97-AF65-F5344CB8AC3E}">

--- a/ISDS 7075 Final Presentation.pptx
+++ b/ISDS 7075 Final Presentation.pptx
@@ -133,7 +133,7 @@
 <file path=ppt/revisionInfo.xml><?xml version="1.0" encoding="utf-8"?>
 <p1510:revInfo xmlns:a="http://schemas.openxmlformats.org/drawingml/2006/main" xmlns:r="http://schemas.openxmlformats.org/officeDocument/2006/relationships" xmlns:p1510="http://schemas.microsoft.com/office/powerpoint/2015/10/main">
   <p1510:revLst>
-    <p1510:client id="{C59A2BD2-AE1B-462B-BE46-830C96092FD4}" v="957" dt="2025-08-06T21:33:06.829"/>
+    <p1510:client id="{C59A2BD2-AE1B-462B-BE46-830C96092FD4}" v="958" dt="2025-08-06T23:34:12.953"/>
   </p1510:revLst>
 </p1510:revInfo>
 </file>
@@ -143,7 +143,7 @@
   <pc:docChgLst>
     <pc:chgData name="Ryan McGiffin" userId="3ac51aac0b883ba7" providerId="LiveId" clId="{C59A2BD2-AE1B-462B-BE46-830C96092FD4}"/>
     <pc:docChg chg="undo custSel addSld delSld modSld sldOrd modMainMaster">
-      <pc:chgData name="Ryan McGiffin" userId="3ac51aac0b883ba7" providerId="LiveId" clId="{C59A2BD2-AE1B-462B-BE46-830C96092FD4}" dt="2025-08-06T21:41:37.275" v="5641" actId="20577"/>
+      <pc:chgData name="Ryan McGiffin" userId="3ac51aac0b883ba7" providerId="LiveId" clId="{C59A2BD2-AE1B-462B-BE46-830C96092FD4}" dt="2025-08-06T23:34:16.359" v="5643" actId="167"/>
       <pc:docMkLst>
         <pc:docMk/>
       </pc:docMkLst>
@@ -645,8 +645,8 @@
           </ac:spMkLst>
         </pc:spChg>
       </pc:sldChg>
-      <pc:sldChg chg="delSp modSp add mod setBg delDesignElem modNotesTx">
-        <pc:chgData name="Ryan McGiffin" userId="3ac51aac0b883ba7" providerId="LiveId" clId="{C59A2BD2-AE1B-462B-BE46-830C96092FD4}" dt="2025-08-06T21:34:41.789" v="4388" actId="20577"/>
+      <pc:sldChg chg="addSp delSp modSp add mod setBg delDesignElem modNotesTx">
+        <pc:chgData name="Ryan McGiffin" userId="3ac51aac0b883ba7" providerId="LiveId" clId="{C59A2BD2-AE1B-462B-BE46-830C96092FD4}" dt="2025-08-06T23:34:16.359" v="5643" actId="167"/>
         <pc:sldMkLst>
           <pc:docMk/>
           <pc:sldMk cId="3983789575" sldId="269"/>
@@ -675,6 +675,14 @@
             <ac:graphicFrameMk id="5" creationId="{60FC68B3-ADE4-E279-80AA-305BF4C8BF12}"/>
           </ac:graphicFrameMkLst>
         </pc:graphicFrameChg>
+        <pc:picChg chg="add mod ord">
+          <ac:chgData name="Ryan McGiffin" userId="3ac51aac0b883ba7" providerId="LiveId" clId="{C59A2BD2-AE1B-462B-BE46-830C96092FD4}" dt="2025-08-06T23:34:16.359" v="5643" actId="167"/>
+          <ac:picMkLst>
+            <pc:docMk/>
+            <pc:sldMk cId="3983789575" sldId="269"/>
+            <ac:picMk id="3" creationId="{3536C2C4-4D89-DBD5-0E52-BCA2C6B6B613}"/>
+          </ac:picMkLst>
+        </pc:picChg>
         <pc:picChg chg="del">
           <ac:chgData name="Ryan McGiffin" userId="3ac51aac0b883ba7" providerId="LiveId" clId="{C59A2BD2-AE1B-462B-BE46-830C96092FD4}" dt="2025-08-06T21:10:27.236" v="2413" actId="478"/>
           <ac:picMkLst>
@@ -8994,7 +9002,7 @@
   <dgm:whole/>
   <dgm:extLst>
     <a:ext uri="http://schemas.microsoft.com/office/drawing/2008/diagram">
-      <dsp:dataModelExt xmlns:dsp="http://schemas.microsoft.com/office/drawing/2008/diagram" relId="rId7" minVer="http://schemas.openxmlformats.org/drawingml/2006/diagram"/>
+      <dsp:dataModelExt xmlns:dsp="http://schemas.microsoft.com/office/drawing/2008/diagram" relId="rId8" minVer="http://schemas.openxmlformats.org/drawingml/2006/diagram"/>
     </a:ext>
   </dgm:extLst>
 </dgm:dataModel>
@@ -30751,6 +30759,37 @@
           <a:chExt cx="0" cy="0"/>
         </a:xfrm>
       </p:grpSpPr>
+      <p:pic>
+        <p:nvPicPr>
+          <p:cNvPr id="3" name="Picture 2">
+            <a:extLst>
+              <a:ext uri="{FF2B5EF4-FFF2-40B4-BE49-F238E27FC236}">
+                <a16:creationId xmlns:a16="http://schemas.microsoft.com/office/drawing/2014/main" id="{3536C2C4-4D89-DBD5-0E52-BCA2C6B6B613}"/>
+              </a:ext>
+            </a:extLst>
+          </p:cNvPr>
+          <p:cNvPicPr>
+            <a:picLocks noChangeAspect="1"/>
+          </p:cNvPicPr>
+          <p:nvPr/>
+        </p:nvPicPr>
+        <p:blipFill>
+          <a:blip r:embed="rId3"/>
+          <a:srcRect r="9091" b="23391"/>
+          <a:stretch>
+            <a:fillRect/>
+          </a:stretch>
+        </p:blipFill>
+        <p:spPr>
+          <a:xfrm>
+            <a:off x="20" y="10"/>
+            <a:ext cx="12191980" cy="6857990"/>
+          </a:xfrm>
+          <a:prstGeom prst="rect">
+            <a:avLst/>
+          </a:prstGeom>
+        </p:spPr>
+      </p:pic>
       <p:sp>
         <p:nvSpPr>
           <p:cNvPr id="2" name="Title 1">
@@ -30808,7 +30847,7 @@
         </p:xfrm>
         <a:graphic>
           <a:graphicData uri="http://schemas.openxmlformats.org/drawingml/2006/diagram">
-            <dgm:relIds xmlns:dgm="http://schemas.openxmlformats.org/drawingml/2006/diagram" xmlns:r="http://schemas.openxmlformats.org/officeDocument/2006/relationships" r:dm="rId3" r:lo="rId4" r:qs="rId5" r:cs="rId6"/>
+            <dgm:relIds xmlns:dgm="http://schemas.openxmlformats.org/drawingml/2006/diagram" xmlns:r="http://schemas.openxmlformats.org/officeDocument/2006/relationships" r:dm="rId4" r:lo="rId5" r:qs="rId6" r:cs="rId7"/>
           </a:graphicData>
         </a:graphic>
       </p:graphicFrame>

--- a/ISDS 7075 Final Presentation.pptx
+++ b/ISDS 7075 Final Presentation.pptx
@@ -5,25 +5,28 @@
     <p:sldMasterId id="2147483696" r:id="rId1"/>
   </p:sldMasterIdLst>
   <p:notesMasterIdLst>
-    <p:notesMasterId r:id="rId18"/>
+    <p:notesMasterId r:id="rId21"/>
   </p:notesMasterIdLst>
   <p:sldIdLst>
-    <p:sldId id="256" r:id="rId2"/>
+    <p:sldId id="274" r:id="rId2"/>
     <p:sldId id="261" r:id="rId3"/>
-    <p:sldId id="258" r:id="rId4"/>
-    <p:sldId id="259" r:id="rId5"/>
-    <p:sldId id="260" r:id="rId6"/>
-    <p:sldId id="262" r:id="rId7"/>
-    <p:sldId id="265" r:id="rId8"/>
-    <p:sldId id="269" r:id="rId9"/>
-    <p:sldId id="270" r:id="rId10"/>
-    <p:sldId id="267" r:id="rId11"/>
-    <p:sldId id="268" r:id="rId12"/>
-    <p:sldId id="271" r:id="rId13"/>
-    <p:sldId id="272" r:id="rId14"/>
-    <p:sldId id="273" r:id="rId15"/>
-    <p:sldId id="263" r:id="rId16"/>
-    <p:sldId id="257" r:id="rId17"/>
+    <p:sldId id="275" r:id="rId4"/>
+    <p:sldId id="276" r:id="rId5"/>
+    <p:sldId id="277" r:id="rId6"/>
+    <p:sldId id="264" r:id="rId7"/>
+    <p:sldId id="266" r:id="rId8"/>
+    <p:sldId id="278" r:id="rId9"/>
+    <p:sldId id="279" r:id="rId10"/>
+    <p:sldId id="265" r:id="rId11"/>
+    <p:sldId id="269" r:id="rId12"/>
+    <p:sldId id="270" r:id="rId13"/>
+    <p:sldId id="267" r:id="rId14"/>
+    <p:sldId id="268" r:id="rId15"/>
+    <p:sldId id="271" r:id="rId16"/>
+    <p:sldId id="272" r:id="rId17"/>
+    <p:sldId id="273" r:id="rId18"/>
+    <p:sldId id="263" r:id="rId19"/>
+    <p:sldId id="257" r:id="rId20"/>
   </p:sldIdLst>
   <p:sldSz cx="12192000" cy="6858000"/>
   <p:notesSz cx="6858000" cy="9144000"/>
@@ -133,7 +136,7 @@
 <file path=ppt/revisionInfo.xml><?xml version="1.0" encoding="utf-8"?>
 <p1510:revInfo xmlns:a="http://schemas.openxmlformats.org/drawingml/2006/main" xmlns:r="http://schemas.openxmlformats.org/officeDocument/2006/relationships" xmlns:p1510="http://schemas.microsoft.com/office/powerpoint/2015/10/main">
   <p1510:revLst>
-    <p1510:client id="{C59A2BD2-AE1B-462B-BE46-830C96092FD4}" v="958" dt="2025-08-06T23:34:12.953"/>
+    <p1510:client id="{C59A2BD2-AE1B-462B-BE46-830C96092FD4}" v="965" dt="2025-08-06T23:39:14.540"/>
   </p1510:revLst>
 </p1510:revInfo>
 </file>
@@ -143,12 +146,12 @@
   <pc:docChgLst>
     <pc:chgData name="Ryan McGiffin" userId="3ac51aac0b883ba7" providerId="LiveId" clId="{C59A2BD2-AE1B-462B-BE46-830C96092FD4}"/>
     <pc:docChg chg="undo custSel addSld delSld modSld sldOrd modMainMaster">
-      <pc:chgData name="Ryan McGiffin" userId="3ac51aac0b883ba7" providerId="LiveId" clId="{C59A2BD2-AE1B-462B-BE46-830C96092FD4}" dt="2025-08-06T23:34:16.359" v="5643" actId="167"/>
+      <pc:chgData name="Ryan McGiffin" userId="3ac51aac0b883ba7" providerId="LiveId" clId="{C59A2BD2-AE1B-462B-BE46-830C96092FD4}" dt="2025-08-06T23:40:02.544" v="5657" actId="47"/>
       <pc:docMkLst>
         <pc:docMk/>
       </pc:docMkLst>
-      <pc:sldChg chg="addSp delSp delDesignElem">
-        <pc:chgData name="Ryan McGiffin" userId="3ac51aac0b883ba7" providerId="LiveId" clId="{C59A2BD2-AE1B-462B-BE46-830C96092FD4}" dt="2025-08-06T21:10:02.333" v="2408"/>
+      <pc:sldChg chg="addSp delSp del delDesignElem">
+        <pc:chgData name="Ryan McGiffin" userId="3ac51aac0b883ba7" providerId="LiveId" clId="{C59A2BD2-AE1B-462B-BE46-830C96092FD4}" dt="2025-08-06T23:38:24.155" v="5651" actId="47"/>
         <pc:sldMkLst>
           <pc:docMk/>
           <pc:sldMk cId="1089398144" sldId="256"/>
@@ -225,8 +228,8 @@
           </ac:spMkLst>
         </pc:spChg>
       </pc:sldChg>
-      <pc:sldChg chg="addSp delSp modSp mod delDesignElem">
-        <pc:chgData name="Ryan McGiffin" userId="3ac51aac0b883ba7" providerId="LiveId" clId="{C59A2BD2-AE1B-462B-BE46-830C96092FD4}" dt="2025-08-06T21:10:02.333" v="2408"/>
+      <pc:sldChg chg="addSp delSp modSp del mod delDesignElem">
+        <pc:chgData name="Ryan McGiffin" userId="3ac51aac0b883ba7" providerId="LiveId" clId="{C59A2BD2-AE1B-462B-BE46-830C96092FD4}" dt="2025-08-06T23:38:54.788" v="5653" actId="47"/>
         <pc:sldMkLst>
           <pc:docMk/>
           <pc:sldMk cId="3260822621" sldId="258"/>
@@ -256,8 +259,8 @@
           </ac:spMkLst>
         </pc:spChg>
       </pc:sldChg>
-      <pc:sldChg chg="addSp delSp delDesignElem">
-        <pc:chgData name="Ryan McGiffin" userId="3ac51aac0b883ba7" providerId="LiveId" clId="{C59A2BD2-AE1B-462B-BE46-830C96092FD4}" dt="2025-08-06T21:10:02.333" v="2408"/>
+      <pc:sldChg chg="addSp delSp del delDesignElem">
+        <pc:chgData name="Ryan McGiffin" userId="3ac51aac0b883ba7" providerId="LiveId" clId="{C59A2BD2-AE1B-462B-BE46-830C96092FD4}" dt="2025-08-06T23:40:02.544" v="5657" actId="47"/>
         <pc:sldMkLst>
           <pc:docMk/>
           <pc:sldMk cId="71939880" sldId="259"/>
@@ -279,8 +282,8 @@
           </ac:spMkLst>
         </pc:spChg>
       </pc:sldChg>
-      <pc:sldChg chg="addSp delSp modSp mod delDesignElem">
-        <pc:chgData name="Ryan McGiffin" userId="3ac51aac0b883ba7" providerId="LiveId" clId="{C59A2BD2-AE1B-462B-BE46-830C96092FD4}" dt="2025-08-06T21:10:16.782" v="2412"/>
+      <pc:sldChg chg="addSp delSp modSp del mod delDesignElem">
+        <pc:chgData name="Ryan McGiffin" userId="3ac51aac0b883ba7" providerId="LiveId" clId="{C59A2BD2-AE1B-462B-BE46-830C96092FD4}" dt="2025-08-06T23:39:28.679" v="5655" actId="47"/>
         <pc:sldMkLst>
           <pc:docMk/>
           <pc:sldMk cId="3104374520" sldId="260"/>
@@ -357,8 +360,8 @@
           </ac:spMkLst>
         </pc:spChg>
       </pc:sldChg>
-      <pc:sldChg chg="modSp mod ord">
-        <pc:chgData name="Ryan McGiffin" userId="3ac51aac0b883ba7" providerId="LiveId" clId="{C59A2BD2-AE1B-462B-BE46-830C96092FD4}" dt="2025-08-06T21:10:16.782" v="2412"/>
+      <pc:sldChg chg="modSp del mod ord">
+        <pc:chgData name="Ryan McGiffin" userId="3ac51aac0b883ba7" providerId="LiveId" clId="{C59A2BD2-AE1B-462B-BE46-830C96092FD4}" dt="2025-08-06T23:39:30.173" v="5656" actId="47"/>
         <pc:sldMkLst>
           <pc:docMk/>
           <pc:sldMk cId="2523784728" sldId="262"/>
@@ -425,6 +428,13 @@
             <ac:spMk id="3" creationId="{2A97856E-7917-4909-B158-10B8F8FF0A8D}"/>
           </ac:spMkLst>
         </pc:spChg>
+      </pc:sldChg>
+      <pc:sldChg chg="add">
+        <pc:chgData name="Ryan McGiffin" userId="3ac51aac0b883ba7" providerId="LiveId" clId="{C59A2BD2-AE1B-462B-BE46-830C96092FD4}" dt="2025-08-06T23:39:14.536" v="5654"/>
+        <pc:sldMkLst>
+          <pc:docMk/>
+          <pc:sldMk cId="889652246" sldId="264"/>
+        </pc:sldMkLst>
       </pc:sldChg>
       <pc:sldChg chg="addSp delSp modSp new mod setBg modClrScheme chgLayout">
         <pc:chgData name="Ryan McGiffin" userId="3ac51aac0b883ba7" providerId="LiveId" clId="{C59A2BD2-AE1B-462B-BE46-830C96092FD4}" dt="2025-08-06T21:10:16.782" v="2412"/>
@@ -543,6 +553,13 @@
             <ac:spMk id="2" creationId="{F9F0F0BC-214F-D660-72A9-F2AA1CF5F7BC}"/>
           </ac:spMkLst>
         </pc:spChg>
+      </pc:sldChg>
+      <pc:sldChg chg="add">
+        <pc:chgData name="Ryan McGiffin" userId="3ac51aac0b883ba7" providerId="LiveId" clId="{C59A2BD2-AE1B-462B-BE46-830C96092FD4}" dt="2025-08-06T23:39:14.536" v="5654"/>
+        <pc:sldMkLst>
+          <pc:docMk/>
+          <pc:sldMk cId="2581187831" sldId="266"/>
+        </pc:sldMkLst>
       </pc:sldChg>
       <pc:sldChg chg="delSp modSp add mod setBg delDesignElem modNotesTx">
         <pc:chgData name="Ryan McGiffin" userId="3ac51aac0b883ba7" providerId="LiveId" clId="{C59A2BD2-AE1B-462B-BE46-830C96092FD4}" dt="2025-08-06T21:09:26.260" v="2388" actId="20577"/>
@@ -792,6 +809,158 @@
           </ac:graphicFrameMkLst>
         </pc:graphicFrameChg>
       </pc:sldChg>
+      <pc:sldChg chg="addSp delSp add del setBg delDesignElem">
+        <pc:chgData name="Ryan McGiffin" userId="3ac51aac0b883ba7" providerId="LiveId" clId="{C59A2BD2-AE1B-462B-BE46-830C96092FD4}" dt="2025-08-06T23:38:02.079" v="5646"/>
+        <pc:sldMkLst>
+          <pc:docMk/>
+          <pc:sldMk cId="178320962" sldId="274"/>
+        </pc:sldMkLst>
+        <pc:spChg chg="add del">
+          <ac:chgData name="Ryan McGiffin" userId="3ac51aac0b883ba7" providerId="LiveId" clId="{C59A2BD2-AE1B-462B-BE46-830C96092FD4}" dt="2025-08-06T23:38:02.079" v="5646"/>
+          <ac:spMkLst>
+            <pc:docMk/>
+            <pc:sldMk cId="178320962" sldId="274"/>
+            <ac:spMk id="6" creationId="{6F5A5072-7B47-4D32-B52A-4EBBF590B8A5}"/>
+          </ac:spMkLst>
+        </pc:spChg>
+        <pc:spChg chg="add del">
+          <ac:chgData name="Ryan McGiffin" userId="3ac51aac0b883ba7" providerId="LiveId" clId="{C59A2BD2-AE1B-462B-BE46-830C96092FD4}" dt="2025-08-06T23:38:02.079" v="5646"/>
+          <ac:spMkLst>
+            <pc:docMk/>
+            <pc:sldMk cId="178320962" sldId="274"/>
+            <ac:spMk id="7" creationId="{9715DAF0-AE1B-46C9-8A6B-DB2AA05AB91D}"/>
+          </ac:spMkLst>
+        </pc:spChg>
+        <pc:spChg chg="add del">
+          <ac:chgData name="Ryan McGiffin" userId="3ac51aac0b883ba7" providerId="LiveId" clId="{C59A2BD2-AE1B-462B-BE46-830C96092FD4}" dt="2025-08-06T23:38:02.079" v="5646"/>
+          <ac:spMkLst>
+            <pc:docMk/>
+            <pc:sldMk cId="178320962" sldId="274"/>
+            <ac:spMk id="33" creationId="{6016219D-510E-4184-9090-6D5578A87BD1}"/>
+          </ac:spMkLst>
+        </pc:spChg>
+        <pc:spChg chg="add del">
+          <ac:chgData name="Ryan McGiffin" userId="3ac51aac0b883ba7" providerId="LiveId" clId="{C59A2BD2-AE1B-462B-BE46-830C96092FD4}" dt="2025-08-06T23:38:02.079" v="5646"/>
+          <ac:spMkLst>
+            <pc:docMk/>
+            <pc:sldMk cId="178320962" sldId="274"/>
+            <ac:spMk id="35" creationId="{AFF4A713-7B75-4B21-90D7-5AB19547C728}"/>
+          </ac:spMkLst>
+        </pc:spChg>
+        <pc:spChg chg="add del">
+          <ac:chgData name="Ryan McGiffin" userId="3ac51aac0b883ba7" providerId="LiveId" clId="{C59A2BD2-AE1B-462B-BE46-830C96092FD4}" dt="2025-08-06T23:38:02.079" v="5646"/>
+          <ac:spMkLst>
+            <pc:docMk/>
+            <pc:sldMk cId="178320962" sldId="274"/>
+            <ac:spMk id="37" creationId="{DC631C0B-6DA6-4E57-8231-CE32B3434A7E}"/>
+          </ac:spMkLst>
+        </pc:spChg>
+        <pc:spChg chg="add del">
+          <ac:chgData name="Ryan McGiffin" userId="3ac51aac0b883ba7" providerId="LiveId" clId="{C59A2BD2-AE1B-462B-BE46-830C96092FD4}" dt="2025-08-06T23:38:02.079" v="5646"/>
+          <ac:spMkLst>
+            <pc:docMk/>
+            <pc:sldMk cId="178320962" sldId="274"/>
+            <ac:spMk id="39" creationId="{C29501E6-A978-4A61-9689-9085AF97A53A}"/>
+          </ac:spMkLst>
+        </pc:spChg>
+      </pc:sldChg>
+      <pc:sldChg chg="add">
+        <pc:chgData name="Ryan McGiffin" userId="3ac51aac0b883ba7" providerId="LiveId" clId="{C59A2BD2-AE1B-462B-BE46-830C96092FD4}" dt="2025-08-06T23:38:21.488" v="5650"/>
+        <pc:sldMkLst>
+          <pc:docMk/>
+          <pc:sldMk cId="639062714" sldId="274"/>
+        </pc:sldMkLst>
+      </pc:sldChg>
+      <pc:sldChg chg="addSp delSp add del setBg delDesignElem">
+        <pc:chgData name="Ryan McGiffin" userId="3ac51aac0b883ba7" providerId="LiveId" clId="{C59A2BD2-AE1B-462B-BE46-830C96092FD4}" dt="2025-08-06T23:38:19.319" v="5649"/>
+        <pc:sldMkLst>
+          <pc:docMk/>
+          <pc:sldMk cId="2371614748" sldId="274"/>
+        </pc:sldMkLst>
+        <pc:spChg chg="add del">
+          <ac:chgData name="Ryan McGiffin" userId="3ac51aac0b883ba7" providerId="LiveId" clId="{C59A2BD2-AE1B-462B-BE46-830C96092FD4}" dt="2025-08-06T23:38:19.319" v="5649"/>
+          <ac:spMkLst>
+            <pc:docMk/>
+            <pc:sldMk cId="2371614748" sldId="274"/>
+            <ac:spMk id="6" creationId="{6F5A5072-7B47-4D32-B52A-4EBBF590B8A5}"/>
+          </ac:spMkLst>
+        </pc:spChg>
+        <pc:spChg chg="add del">
+          <ac:chgData name="Ryan McGiffin" userId="3ac51aac0b883ba7" providerId="LiveId" clId="{C59A2BD2-AE1B-462B-BE46-830C96092FD4}" dt="2025-08-06T23:38:19.319" v="5649"/>
+          <ac:spMkLst>
+            <pc:docMk/>
+            <pc:sldMk cId="2371614748" sldId="274"/>
+            <ac:spMk id="7" creationId="{9715DAF0-AE1B-46C9-8A6B-DB2AA05AB91D}"/>
+          </ac:spMkLst>
+        </pc:spChg>
+        <pc:spChg chg="add del">
+          <ac:chgData name="Ryan McGiffin" userId="3ac51aac0b883ba7" providerId="LiveId" clId="{C59A2BD2-AE1B-462B-BE46-830C96092FD4}" dt="2025-08-06T23:38:19.319" v="5649"/>
+          <ac:spMkLst>
+            <pc:docMk/>
+            <pc:sldMk cId="2371614748" sldId="274"/>
+            <ac:spMk id="33" creationId="{6016219D-510E-4184-9090-6D5578A87BD1}"/>
+          </ac:spMkLst>
+        </pc:spChg>
+        <pc:spChg chg="add del">
+          <ac:chgData name="Ryan McGiffin" userId="3ac51aac0b883ba7" providerId="LiveId" clId="{C59A2BD2-AE1B-462B-BE46-830C96092FD4}" dt="2025-08-06T23:38:19.319" v="5649"/>
+          <ac:spMkLst>
+            <pc:docMk/>
+            <pc:sldMk cId="2371614748" sldId="274"/>
+            <ac:spMk id="35" creationId="{AFF4A713-7B75-4B21-90D7-5AB19547C728}"/>
+          </ac:spMkLst>
+        </pc:spChg>
+        <pc:spChg chg="add del">
+          <ac:chgData name="Ryan McGiffin" userId="3ac51aac0b883ba7" providerId="LiveId" clId="{C59A2BD2-AE1B-462B-BE46-830C96092FD4}" dt="2025-08-06T23:38:19.319" v="5649"/>
+          <ac:spMkLst>
+            <pc:docMk/>
+            <pc:sldMk cId="2371614748" sldId="274"/>
+            <ac:spMk id="37" creationId="{DC631C0B-6DA6-4E57-8231-CE32B3434A7E}"/>
+          </ac:spMkLst>
+        </pc:spChg>
+        <pc:spChg chg="add del">
+          <ac:chgData name="Ryan McGiffin" userId="3ac51aac0b883ba7" providerId="LiveId" clId="{C59A2BD2-AE1B-462B-BE46-830C96092FD4}" dt="2025-08-06T23:38:19.319" v="5649"/>
+          <ac:spMkLst>
+            <pc:docMk/>
+            <pc:sldMk cId="2371614748" sldId="274"/>
+            <ac:spMk id="39" creationId="{C29501E6-A978-4A61-9689-9085AF97A53A}"/>
+          </ac:spMkLst>
+        </pc:spChg>
+      </pc:sldChg>
+      <pc:sldChg chg="add">
+        <pc:chgData name="Ryan McGiffin" userId="3ac51aac0b883ba7" providerId="LiveId" clId="{C59A2BD2-AE1B-462B-BE46-830C96092FD4}" dt="2025-08-06T23:38:51.503" v="5652"/>
+        <pc:sldMkLst>
+          <pc:docMk/>
+          <pc:sldMk cId="3107027773" sldId="275"/>
+        </pc:sldMkLst>
+      </pc:sldChg>
+      <pc:sldChg chg="add">
+        <pc:chgData name="Ryan McGiffin" userId="3ac51aac0b883ba7" providerId="LiveId" clId="{C59A2BD2-AE1B-462B-BE46-830C96092FD4}" dt="2025-08-06T23:39:14.536" v="5654"/>
+        <pc:sldMkLst>
+          <pc:docMk/>
+          <pc:sldMk cId="3494989357" sldId="276"/>
+        </pc:sldMkLst>
+      </pc:sldChg>
+      <pc:sldChg chg="add">
+        <pc:chgData name="Ryan McGiffin" userId="3ac51aac0b883ba7" providerId="LiveId" clId="{C59A2BD2-AE1B-462B-BE46-830C96092FD4}" dt="2025-08-06T23:39:14.536" v="5654"/>
+        <pc:sldMkLst>
+          <pc:docMk/>
+          <pc:sldMk cId="2439768364" sldId="277"/>
+        </pc:sldMkLst>
+      </pc:sldChg>
+      <pc:sldChg chg="add">
+        <pc:chgData name="Ryan McGiffin" userId="3ac51aac0b883ba7" providerId="LiveId" clId="{C59A2BD2-AE1B-462B-BE46-830C96092FD4}" dt="2025-08-06T23:39:14.536" v="5654"/>
+        <pc:sldMkLst>
+          <pc:docMk/>
+          <pc:sldMk cId="1094086766" sldId="278"/>
+        </pc:sldMkLst>
+      </pc:sldChg>
+      <pc:sldChg chg="add">
+        <pc:chgData name="Ryan McGiffin" userId="3ac51aac0b883ba7" providerId="LiveId" clId="{C59A2BD2-AE1B-462B-BE46-830C96092FD4}" dt="2025-08-06T23:39:14.536" v="5654"/>
+        <pc:sldMkLst>
+          <pc:docMk/>
+          <pc:sldMk cId="1224087674" sldId="279"/>
+        </pc:sldMkLst>
+      </pc:sldChg>
       <pc:sldMasterChg chg="modSldLayout">
         <pc:chgData name="Ryan McGiffin" userId="3ac51aac0b883ba7" providerId="LiveId" clId="{C59A2BD2-AE1B-462B-BE46-830C96092FD4}" dt="2025-08-06T19:51:15.814" v="155"/>
         <pc:sldMasterMkLst>
@@ -831,22 +1000,6 @@
           <pc:docMk/>
           <pc:sldMk cId="1089398144" sldId="256"/>
         </pc:sldMkLst>
-        <pc:spChg chg="mod">
-          <ac:chgData name="Taylor Kocher" userId="34fafd0f8ab602e7" providerId="LiveId" clId="{40398309-EE30-411F-BAE6-1D221D1CA75A}" dt="2025-07-30T23:45:28.896" v="129" actId="26606"/>
-          <ac:spMkLst>
-            <pc:docMk/>
-            <pc:sldMk cId="1089398144" sldId="256"/>
-            <ac:spMk id="2" creationId="{92BE4BA0-985B-3055-6F9B-3D2FEFF263F7}"/>
-          </ac:spMkLst>
-        </pc:spChg>
-        <pc:spChg chg="mod">
-          <ac:chgData name="Taylor Kocher" userId="34fafd0f8ab602e7" providerId="LiveId" clId="{40398309-EE30-411F-BAE6-1D221D1CA75A}" dt="2025-07-30T23:45:28.896" v="129" actId="26606"/>
-          <ac:spMkLst>
-            <pc:docMk/>
-            <pc:sldMk cId="1089398144" sldId="256"/>
-            <ac:spMk id="3" creationId="{A82C405A-E6B4-0F6B-E323-55EF93D0217C}"/>
-          </ac:spMkLst>
-        </pc:spChg>
       </pc:sldChg>
       <pc:sldChg chg="addSp delSp modSp mod setBg">
         <pc:chgData name="Taylor Kocher" userId="34fafd0f8ab602e7" providerId="LiveId" clId="{40398309-EE30-411F-BAE6-1D221D1CA75A}" dt="2025-07-31T00:07:46.295" v="945" actId="404"/>
@@ -8081,7 +8234,7 @@
         <a:lstStyle/>
         <a:p>
           <a:r>
-            <a:rPr lang="en-US"/>
+            <a:rPr lang="en-US" dirty="0"/>
             <a:t>Drug-related crimes have a high number of arrests </a:t>
           </a:r>
         </a:p>
@@ -8630,29 +8783,29 @@
   </dgm:ptLst>
   <dgm:cxnLst>
     <dgm:cxn modelId="{828D4208-1E1A-468C-88AB-47E38EE438AA}" srcId="{033B0E39-D108-4DCB-9AC6-FB1AF1020408}" destId="{C615A2D2-ED95-4B68-B53C-E278A1DE4ABD}" srcOrd="3" destOrd="0" parTransId="{ADA1994A-264B-4886-A952-62BF31D93A30}" sibTransId="{3455D700-6AF4-460C-8644-E35EB255E482}"/>
-    <dgm:cxn modelId="{47451313-F718-48C2-9DD5-5C344162AE24}" type="presOf" srcId="{50569DA8-106A-47AD-A1A6-A8D5594F6457}" destId="{E6B605CF-30CB-4EFF-8A2E-4D232C39039E}" srcOrd="0" destOrd="0" presId="urn:microsoft.com/office/officeart/2005/8/layout/default"/>
-    <dgm:cxn modelId="{074F7313-1876-45B4-B6B6-300202F77C58}" type="presOf" srcId="{9E0AE55A-CE4D-449F-A595-D265DFFFC911}" destId="{ED5B612F-B31A-46EF-9B38-414D597A339B}" srcOrd="0" destOrd="0" presId="urn:microsoft.com/office/officeart/2005/8/layout/default"/>
-    <dgm:cxn modelId="{519C1A19-3FD9-4282-B2C3-0A2B2312F158}" type="presOf" srcId="{033B0E39-D108-4DCB-9AC6-FB1AF1020408}" destId="{30B56038-1095-4E75-A531-D728B547D8EF}" srcOrd="0" destOrd="0" presId="urn:microsoft.com/office/officeart/2005/8/layout/default"/>
+    <dgm:cxn modelId="{64BE690D-B468-45FC-B999-CB003A286ABA}" type="presOf" srcId="{A60363C0-6E4B-4B6B-B7C3-44C7F4FED7DE}" destId="{96DA9FB6-C676-49D2-87F5-28A2D8D6F348}" srcOrd="0" destOrd="0" presId="urn:microsoft.com/office/officeart/2005/8/layout/default"/>
     <dgm:cxn modelId="{E5021225-474A-4342-A9C8-EC66D0651077}" srcId="{033B0E39-D108-4DCB-9AC6-FB1AF1020408}" destId="{A3D9E401-6E60-4DD5-9C07-E90AA43FCD77}" srcOrd="2" destOrd="0" parTransId="{7C8ED643-A190-473A-9AB9-19C9B7AC6A67}" sibTransId="{45A757A3-20EA-4BDC-9C52-1289A1F33366}"/>
-    <dgm:cxn modelId="{795EF25D-E440-415A-8261-FD8C7B44A316}" type="presOf" srcId="{A3D9E401-6E60-4DD5-9C07-E90AA43FCD77}" destId="{DF0CC4C4-91F3-469B-BAF4-6D054088BD81}" srcOrd="0" destOrd="0" presId="urn:microsoft.com/office/officeart/2005/8/layout/default"/>
+    <dgm:cxn modelId="{991CEB2B-803F-4A2C-A992-2E466E69BDA9}" type="presOf" srcId="{033B0E39-D108-4DCB-9AC6-FB1AF1020408}" destId="{30B56038-1095-4E75-A531-D728B547D8EF}" srcOrd="0" destOrd="0" presId="urn:microsoft.com/office/officeart/2005/8/layout/default"/>
+    <dgm:cxn modelId="{3A94C74C-E5BB-46D3-82BD-292240B887C6}" type="presOf" srcId="{9E0AE55A-CE4D-449F-A595-D265DFFFC911}" destId="{ED5B612F-B31A-46EF-9B38-414D597A339B}" srcOrd="0" destOrd="0" presId="urn:microsoft.com/office/officeart/2005/8/layout/default"/>
     <dgm:cxn modelId="{38338658-2EE9-4233-8C99-4A0ADB3250A8}" srcId="{033B0E39-D108-4DCB-9AC6-FB1AF1020408}" destId="{50569DA8-106A-47AD-A1A6-A8D5594F6457}" srcOrd="1" destOrd="0" parTransId="{AC33922D-2901-48C5-9759-8E5B753C9963}" sibTransId="{48212666-0C64-4D83-9C6D-B5C397AE3E8B}"/>
-    <dgm:cxn modelId="{3278F99E-8601-4855-B610-E776ECFEF6B9}" type="presOf" srcId="{291DD54D-D9EE-44CF-B16B-B116E03C2E5B}" destId="{9C747FF8-21CC-422E-BAE6-61F700E22AEB}" srcOrd="0" destOrd="0" presId="urn:microsoft.com/office/officeart/2005/8/layout/default"/>
-    <dgm:cxn modelId="{8D94749F-F72C-417B-AA76-58B9198A1E53}" type="presOf" srcId="{C615A2D2-ED95-4B68-B53C-E278A1DE4ABD}" destId="{2A004AC3-098C-4B33-B570-A7232E3ABC4C}" srcOrd="0" destOrd="0" presId="urn:microsoft.com/office/officeart/2005/8/layout/default"/>
+    <dgm:cxn modelId="{CEA11581-7DF1-4611-9CF0-70969006577B}" type="presOf" srcId="{C615A2D2-ED95-4B68-B53C-E278A1DE4ABD}" destId="{2A004AC3-098C-4B33-B570-A7232E3ABC4C}" srcOrd="0" destOrd="0" presId="urn:microsoft.com/office/officeart/2005/8/layout/default"/>
+    <dgm:cxn modelId="{41EBD282-ABBD-4A6F-8936-CE55928C3193}" type="presOf" srcId="{50569DA8-106A-47AD-A1A6-A8D5594F6457}" destId="{E6B605CF-30CB-4EFF-8A2E-4D232C39039E}" srcOrd="0" destOrd="0" presId="urn:microsoft.com/office/officeart/2005/8/layout/default"/>
+    <dgm:cxn modelId="{E3292C83-D6DC-4D2E-B93A-9AE23EE5D825}" type="presOf" srcId="{291DD54D-D9EE-44CF-B16B-B116E03C2E5B}" destId="{9C747FF8-21CC-422E-BAE6-61F700E22AEB}" srcOrd="0" destOrd="0" presId="urn:microsoft.com/office/officeart/2005/8/layout/default"/>
     <dgm:cxn modelId="{9F76BBB4-BE96-4A41-8667-E9427CD872BD}" srcId="{033B0E39-D108-4DCB-9AC6-FB1AF1020408}" destId="{291DD54D-D9EE-44CF-B16B-B116E03C2E5B}" srcOrd="4" destOrd="0" parTransId="{12E48D21-0F01-460C-8DBF-7F07B64DB4D6}" sibTransId="{E1C8C68B-22E5-4E3C-8218-A15605CC26F5}"/>
     <dgm:cxn modelId="{E33588BF-60B1-415E-B923-9B9F592AD645}" srcId="{033B0E39-D108-4DCB-9AC6-FB1AF1020408}" destId="{A60363C0-6E4B-4B6B-B7C3-44C7F4FED7DE}" srcOrd="5" destOrd="0" parTransId="{B9B50A4C-9FC7-4000-BCB7-C81B55978243}" sibTransId="{4D632264-8E3A-4709-9D11-C2BE6E9B6A66}"/>
-    <dgm:cxn modelId="{7C6B1BC9-BD57-44A9-B8CE-F628D36AEA67}" type="presOf" srcId="{A60363C0-6E4B-4B6B-B7C3-44C7F4FED7DE}" destId="{96DA9FB6-C676-49D2-87F5-28A2D8D6F348}" srcOrd="0" destOrd="0" presId="urn:microsoft.com/office/officeart/2005/8/layout/default"/>
     <dgm:cxn modelId="{7FCBBBDB-4706-4731-91B7-7155C6383521}" srcId="{033B0E39-D108-4DCB-9AC6-FB1AF1020408}" destId="{9E0AE55A-CE4D-449F-A595-D265DFFFC911}" srcOrd="0" destOrd="0" parTransId="{C77D5AB4-8F69-4401-8C9A-832BD0EF2461}" sibTransId="{76297063-E1FD-4FF8-9EDF-E8DA06AD4EC0}"/>
-    <dgm:cxn modelId="{F482F144-5869-4A4B-8E36-7DE861D7108F}" type="presParOf" srcId="{30B56038-1095-4E75-A531-D728B547D8EF}" destId="{ED5B612F-B31A-46EF-9B38-414D597A339B}" srcOrd="0" destOrd="0" presId="urn:microsoft.com/office/officeart/2005/8/layout/default"/>
-    <dgm:cxn modelId="{BF08199D-DC27-49B5-B142-38A15268F55F}" type="presParOf" srcId="{30B56038-1095-4E75-A531-D728B547D8EF}" destId="{0C5B4758-3CB8-46DC-8E39-3E8634A65A70}" srcOrd="1" destOrd="0" presId="urn:microsoft.com/office/officeart/2005/8/layout/default"/>
-    <dgm:cxn modelId="{A4A898E7-C1BA-4408-AF43-BE63F2969835}" type="presParOf" srcId="{30B56038-1095-4E75-A531-D728B547D8EF}" destId="{E6B605CF-30CB-4EFF-8A2E-4D232C39039E}" srcOrd="2" destOrd="0" presId="urn:microsoft.com/office/officeart/2005/8/layout/default"/>
-    <dgm:cxn modelId="{C1563505-559D-452C-AF04-B5C032F90B59}" type="presParOf" srcId="{30B56038-1095-4E75-A531-D728B547D8EF}" destId="{306A061F-BE74-4875-B121-9796C38C321E}" srcOrd="3" destOrd="0" presId="urn:microsoft.com/office/officeart/2005/8/layout/default"/>
-    <dgm:cxn modelId="{100DEED1-52BE-4BC6-8772-1BBBE067DFB5}" type="presParOf" srcId="{30B56038-1095-4E75-A531-D728B547D8EF}" destId="{DF0CC4C4-91F3-469B-BAF4-6D054088BD81}" srcOrd="4" destOrd="0" presId="urn:microsoft.com/office/officeart/2005/8/layout/default"/>
-    <dgm:cxn modelId="{64E7164F-B4DF-4ED1-A60F-D41AD26FCA0D}" type="presParOf" srcId="{30B56038-1095-4E75-A531-D728B547D8EF}" destId="{51BF1EBD-11CA-4F2E-A923-A23A5916312C}" srcOrd="5" destOrd="0" presId="urn:microsoft.com/office/officeart/2005/8/layout/default"/>
-    <dgm:cxn modelId="{E133CA86-6832-4E49-8CF9-6A6C429F0AE7}" type="presParOf" srcId="{30B56038-1095-4E75-A531-D728B547D8EF}" destId="{2A004AC3-098C-4B33-B570-A7232E3ABC4C}" srcOrd="6" destOrd="0" presId="urn:microsoft.com/office/officeart/2005/8/layout/default"/>
-    <dgm:cxn modelId="{8CEC5FB4-80F6-4599-857A-1DC3AF71D111}" type="presParOf" srcId="{30B56038-1095-4E75-A531-D728B547D8EF}" destId="{AB5891BB-F927-424F-944E-193641BBF64A}" srcOrd="7" destOrd="0" presId="urn:microsoft.com/office/officeart/2005/8/layout/default"/>
-    <dgm:cxn modelId="{50D767A7-D3AF-4CEE-A811-60EBF1B505FF}" type="presParOf" srcId="{30B56038-1095-4E75-A531-D728B547D8EF}" destId="{9C747FF8-21CC-422E-BAE6-61F700E22AEB}" srcOrd="8" destOrd="0" presId="urn:microsoft.com/office/officeart/2005/8/layout/default"/>
-    <dgm:cxn modelId="{0A416206-E4DD-454B-ABEE-EEEAF4A4CA28}" type="presParOf" srcId="{30B56038-1095-4E75-A531-D728B547D8EF}" destId="{E8FD751B-6C79-4FC5-8707-2FE6D77E9DF1}" srcOrd="9" destOrd="0" presId="urn:microsoft.com/office/officeart/2005/8/layout/default"/>
-    <dgm:cxn modelId="{A088A8B5-2B88-412C-B6DD-C239BDF903B8}" type="presParOf" srcId="{30B56038-1095-4E75-A531-D728B547D8EF}" destId="{96DA9FB6-C676-49D2-87F5-28A2D8D6F348}" srcOrd="10" destOrd="0" presId="urn:microsoft.com/office/officeart/2005/8/layout/default"/>
+    <dgm:cxn modelId="{AF3785F0-90DB-483E-8C1F-E1BC6A6AB17E}" type="presOf" srcId="{A3D9E401-6E60-4DD5-9C07-E90AA43FCD77}" destId="{DF0CC4C4-91F3-469B-BAF4-6D054088BD81}" srcOrd="0" destOrd="0" presId="urn:microsoft.com/office/officeart/2005/8/layout/default"/>
+    <dgm:cxn modelId="{912799D6-8354-485F-ACD9-980473B178FB}" type="presParOf" srcId="{30B56038-1095-4E75-A531-D728B547D8EF}" destId="{ED5B612F-B31A-46EF-9B38-414D597A339B}" srcOrd="0" destOrd="0" presId="urn:microsoft.com/office/officeart/2005/8/layout/default"/>
+    <dgm:cxn modelId="{8BB217BE-EC07-4478-90D9-DB3C3937F2B8}" type="presParOf" srcId="{30B56038-1095-4E75-A531-D728B547D8EF}" destId="{0C5B4758-3CB8-46DC-8E39-3E8634A65A70}" srcOrd="1" destOrd="0" presId="urn:microsoft.com/office/officeart/2005/8/layout/default"/>
+    <dgm:cxn modelId="{1FAA9A69-14A5-4D07-ACEC-643592F3D32D}" type="presParOf" srcId="{30B56038-1095-4E75-A531-D728B547D8EF}" destId="{E6B605CF-30CB-4EFF-8A2E-4D232C39039E}" srcOrd="2" destOrd="0" presId="urn:microsoft.com/office/officeart/2005/8/layout/default"/>
+    <dgm:cxn modelId="{72064C83-BC9F-4D55-8716-FC0C8D11C5B1}" type="presParOf" srcId="{30B56038-1095-4E75-A531-D728B547D8EF}" destId="{306A061F-BE74-4875-B121-9796C38C321E}" srcOrd="3" destOrd="0" presId="urn:microsoft.com/office/officeart/2005/8/layout/default"/>
+    <dgm:cxn modelId="{059E3169-A3AB-496A-A5ED-FD80110628DB}" type="presParOf" srcId="{30B56038-1095-4E75-A531-D728B547D8EF}" destId="{DF0CC4C4-91F3-469B-BAF4-6D054088BD81}" srcOrd="4" destOrd="0" presId="urn:microsoft.com/office/officeart/2005/8/layout/default"/>
+    <dgm:cxn modelId="{FE6C2CAC-D20E-4C0D-8AAC-9A82A5CE3FDD}" type="presParOf" srcId="{30B56038-1095-4E75-A531-D728B547D8EF}" destId="{51BF1EBD-11CA-4F2E-A923-A23A5916312C}" srcOrd="5" destOrd="0" presId="urn:microsoft.com/office/officeart/2005/8/layout/default"/>
+    <dgm:cxn modelId="{533119C7-4CB5-4365-8367-748E2D00D66C}" type="presParOf" srcId="{30B56038-1095-4E75-A531-D728B547D8EF}" destId="{2A004AC3-098C-4B33-B570-A7232E3ABC4C}" srcOrd="6" destOrd="0" presId="urn:microsoft.com/office/officeart/2005/8/layout/default"/>
+    <dgm:cxn modelId="{13445F64-0732-4745-893F-1840682F52E4}" type="presParOf" srcId="{30B56038-1095-4E75-A531-D728B547D8EF}" destId="{AB5891BB-F927-424F-944E-193641BBF64A}" srcOrd="7" destOrd="0" presId="urn:microsoft.com/office/officeart/2005/8/layout/default"/>
+    <dgm:cxn modelId="{B13B1444-8A66-4DC0-B61E-505CFD1DD5FA}" type="presParOf" srcId="{30B56038-1095-4E75-A531-D728B547D8EF}" destId="{9C747FF8-21CC-422E-BAE6-61F700E22AEB}" srcOrd="8" destOrd="0" presId="urn:microsoft.com/office/officeart/2005/8/layout/default"/>
+    <dgm:cxn modelId="{BBE41582-F63C-409F-A9BB-0A94AF54E4DC}" type="presParOf" srcId="{30B56038-1095-4E75-A531-D728B547D8EF}" destId="{E8FD751B-6C79-4FC5-8707-2FE6D77E9DF1}" srcOrd="9" destOrd="0" presId="urn:microsoft.com/office/officeart/2005/8/layout/default"/>
+    <dgm:cxn modelId="{58DCD93F-92B0-40A4-88D9-4428904EDBD8}" type="presParOf" srcId="{30B56038-1095-4E75-A531-D728B547D8EF}" destId="{96DA9FB6-C676-49D2-87F5-28A2D8D6F348}" srcOrd="10" destOrd="0" presId="urn:microsoft.com/office/officeart/2005/8/layout/default"/>
   </dgm:cxnLst>
   <dgm:bg/>
   <dgm:whole/>
@@ -10430,7 +10583,7 @@
             <a:buNone/>
           </a:pPr>
           <a:r>
-            <a:rPr lang="en-US" sz="1800" kern="1200"/>
+            <a:rPr lang="en-US" sz="1800" kern="1200" dirty="0"/>
             <a:t>Drug-related crimes have a high number of arrests </a:t>
           </a:r>
         </a:p>
@@ -24789,11 +24942,71 @@
           <a:bodyPr/>
           <a:lstStyle/>
           <a:p>
+            <a:pPr marL="0" marR="0" lvl="0" indent="0" algn="r" defTabSz="914400" rtl="0" eaLnBrk="1" fontAlgn="auto" latinLnBrk="0" hangingPunct="1">
+              <a:lnSpc>
+                <a:spcPct val="100000"/>
+              </a:lnSpc>
+              <a:spcBef>
+                <a:spcPts val="0"/>
+              </a:spcBef>
+              <a:spcAft>
+                <a:spcPts val="0"/>
+              </a:spcAft>
+              <a:buClrTx/>
+              <a:buSzTx/>
+              <a:buFontTx/>
+              <a:buNone/>
+              <a:tabLst/>
+              <a:defRPr/>
+            </a:pPr>
             <a:fld id="{2C89EA2E-ADA5-4051-9BE1-7010ABEF2B1E}" type="slidenum">
-              <a:rPr lang="en-US" smtClean="0"/>
+              <a:rPr kumimoji="0" lang="en-US" sz="1200" b="0" i="0" u="none" strike="noStrike" kern="1200" cap="none" spc="0" normalizeH="0" baseline="0" noProof="0" smtClean="0">
+                <a:ln>
+                  <a:noFill/>
+                </a:ln>
+                <a:solidFill>
+                  <a:prstClr val="black"/>
+                </a:solidFill>
+                <a:effectLst/>
+                <a:uLnTx/>
+                <a:uFillTx/>
+                <a:latin typeface="Aptos" panose="02110004020202020204"/>
+                <a:ea typeface="+mn-ea"/>
+                <a:cs typeface="+mn-cs"/>
+              </a:rPr>
+              <a:pPr marL="0" marR="0" lvl="0" indent="0" algn="r" defTabSz="914400" rtl="0" eaLnBrk="1" fontAlgn="auto" latinLnBrk="0" hangingPunct="1">
+                <a:lnSpc>
+                  <a:spcPct val="100000"/>
+                </a:lnSpc>
+                <a:spcBef>
+                  <a:spcPts val="0"/>
+                </a:spcBef>
+                <a:spcAft>
+                  <a:spcPts val="0"/>
+                </a:spcAft>
+                <a:buClrTx/>
+                <a:buSzTx/>
+                <a:buFontTx/>
+                <a:buNone/>
+                <a:tabLst/>
+                <a:defRPr/>
+              </a:pPr>
               <a:t>4</a:t>
             </a:fld>
-            <a:endParaRPr lang="en-US"/>
+            <a:endParaRPr kumimoji="0" lang="en-US" sz="1200" b="0" i="0" u="none" strike="noStrike" kern="1200" cap="none" spc="0" normalizeH="0" baseline="0" noProof="0">
+              <a:ln>
+                <a:noFill/>
+              </a:ln>
+              <a:solidFill>
+                <a:prstClr val="black"/>
+              </a:solidFill>
+              <a:effectLst/>
+              <a:uLnTx/>
+              <a:uFillTx/>
+              <a:latin typeface="Aptos" panose="02110004020202020204"/>
+              <a:ea typeface="+mn-ea"/>
+              <a:cs typeface="+mn-cs"/>
+            </a:endParaRPr>
           </a:p>
         </p:txBody>
       </p:sp>
@@ -24811,6 +25024,242 @@
 </file>
 
 <file path=ppt/notesSlides/notesSlide10.xml><?xml version="1.0" encoding="utf-8"?>
+<p:notes xmlns:a="http://schemas.openxmlformats.org/drawingml/2006/main" xmlns:r="http://schemas.openxmlformats.org/officeDocument/2006/relationships" xmlns:p="http://schemas.openxmlformats.org/presentationml/2006/main">
+  <p:cSld>
+    <p:spTree>
+      <p:nvGrpSpPr>
+        <p:cNvPr id="1" name="">
+          <a:extLst>
+            <a:ext uri="{FF2B5EF4-FFF2-40B4-BE49-F238E27FC236}">
+              <a16:creationId xmlns:a16="http://schemas.microsoft.com/office/drawing/2014/main" id="{95351705-2E4C-8B51-38B3-A3198C151932}"/>
+            </a:ext>
+          </a:extLst>
+        </p:cNvPr>
+        <p:cNvGrpSpPr/>
+        <p:nvPr/>
+      </p:nvGrpSpPr>
+      <p:grpSpPr>
+        <a:xfrm>
+          <a:off x="0" y="0"/>
+          <a:ext cx="0" cy="0"/>
+          <a:chOff x="0" y="0"/>
+          <a:chExt cx="0" cy="0"/>
+        </a:xfrm>
+      </p:grpSpPr>
+      <p:sp>
+        <p:nvSpPr>
+          <p:cNvPr id="2" name="Slide Image Placeholder 1">
+            <a:extLst>
+              <a:ext uri="{FF2B5EF4-FFF2-40B4-BE49-F238E27FC236}">
+                <a16:creationId xmlns:a16="http://schemas.microsoft.com/office/drawing/2014/main" id="{13C58DB9-5494-FE6F-15C9-38804E8C812A}"/>
+              </a:ext>
+            </a:extLst>
+          </p:cNvPr>
+          <p:cNvSpPr>
+            <a:spLocks noGrp="1" noRot="1" noChangeAspect="1"/>
+          </p:cNvSpPr>
+          <p:nvPr>
+            <p:ph type="sldImg"/>
+          </p:nvPr>
+        </p:nvSpPr>
+        <p:spPr/>
+      </p:sp>
+      <p:sp>
+        <p:nvSpPr>
+          <p:cNvPr id="3" name="Notes Placeholder 2">
+            <a:extLst>
+              <a:ext uri="{FF2B5EF4-FFF2-40B4-BE49-F238E27FC236}">
+                <a16:creationId xmlns:a16="http://schemas.microsoft.com/office/drawing/2014/main" id="{700F5BFA-B3FB-BF41-39F8-DD40372FD91D}"/>
+              </a:ext>
+            </a:extLst>
+          </p:cNvPr>
+          <p:cNvSpPr>
+            <a:spLocks noGrp="1"/>
+          </p:cNvSpPr>
+          <p:nvPr>
+            <p:ph type="body" idx="1"/>
+          </p:nvPr>
+        </p:nvSpPr>
+        <p:spPr/>
+        <p:txBody>
+          <a:bodyPr/>
+          <a:lstStyle/>
+          <a:p>
+            <a:r>
+              <a:rPr lang="en-US" dirty="0" err="1"/>
+              <a:t>RandomizedSearchCV</a:t>
+            </a:r>
+            <a:r>
+              <a:rPr lang="en-US" dirty="0"/>
+              <a:t> from the </a:t>
+            </a:r>
+            <a:r>
+              <a:rPr lang="en-US" dirty="0" err="1"/>
+              <a:t>scikitlearn</a:t>
+            </a:r>
+            <a:r>
+              <a:rPr lang="en-US" dirty="0"/>
+              <a:t> library was used to systematically evaluate the best sets of parameters for the models. We used 15 iterations per model and </a:t>
+            </a:r>
+            <a:r>
+              <a:rPr lang="en-US"/>
+              <a:t>evaluated them based on the ROC_AUC. </a:t>
+            </a:r>
+            <a:endParaRPr lang="en-US" dirty="0"/>
+          </a:p>
+        </p:txBody>
+      </p:sp>
+      <p:sp>
+        <p:nvSpPr>
+          <p:cNvPr id="4" name="Slide Number Placeholder 3">
+            <a:extLst>
+              <a:ext uri="{FF2B5EF4-FFF2-40B4-BE49-F238E27FC236}">
+                <a16:creationId xmlns:a16="http://schemas.microsoft.com/office/drawing/2014/main" id="{50EBF406-3B03-EDAD-0404-9D263494162B}"/>
+              </a:ext>
+            </a:extLst>
+          </p:cNvPr>
+          <p:cNvSpPr>
+            <a:spLocks noGrp="1"/>
+          </p:cNvSpPr>
+          <p:nvPr>
+            <p:ph type="sldNum" sz="quarter" idx="5"/>
+          </p:nvPr>
+        </p:nvSpPr>
+        <p:spPr/>
+        <p:txBody>
+          <a:bodyPr/>
+          <a:lstStyle/>
+          <a:p>
+            <a:fld id="{2C89EA2E-ADA5-4051-9BE1-7010ABEF2B1E}" type="slidenum">
+              <a:rPr lang="en-US" smtClean="0"/>
+              <a:t>16</a:t>
+            </a:fld>
+            <a:endParaRPr lang="en-US"/>
+          </a:p>
+        </p:txBody>
+      </p:sp>
+    </p:spTree>
+    <p:extLst>
+      <p:ext uri="{BB962C8B-B14F-4D97-AF65-F5344CB8AC3E}">
+        <p14:creationId xmlns:p14="http://schemas.microsoft.com/office/powerpoint/2010/main" val="2426387248"/>
+      </p:ext>
+    </p:extLst>
+  </p:cSld>
+  <p:clrMapOvr>
+    <a:masterClrMapping/>
+  </p:clrMapOvr>
+</p:notes>
+</file>
+
+<file path=ppt/notesSlides/notesSlide11.xml><?xml version="1.0" encoding="utf-8"?>
+<p:notes xmlns:a="http://schemas.openxmlformats.org/drawingml/2006/main" xmlns:r="http://schemas.openxmlformats.org/officeDocument/2006/relationships" xmlns:p="http://schemas.openxmlformats.org/presentationml/2006/main">
+  <p:cSld>
+    <p:spTree>
+      <p:nvGrpSpPr>
+        <p:cNvPr id="1" name="">
+          <a:extLst>
+            <a:ext uri="{FF2B5EF4-FFF2-40B4-BE49-F238E27FC236}">
+              <a16:creationId xmlns:a16="http://schemas.microsoft.com/office/drawing/2014/main" id="{1B6EDBC1-16FC-AFB6-F558-1038B59AAB16}"/>
+            </a:ext>
+          </a:extLst>
+        </p:cNvPr>
+        <p:cNvGrpSpPr/>
+        <p:nvPr/>
+      </p:nvGrpSpPr>
+      <p:grpSpPr>
+        <a:xfrm>
+          <a:off x="0" y="0"/>
+          <a:ext cx="0" cy="0"/>
+          <a:chOff x="0" y="0"/>
+          <a:chExt cx="0" cy="0"/>
+        </a:xfrm>
+      </p:grpSpPr>
+      <p:sp>
+        <p:nvSpPr>
+          <p:cNvPr id="2" name="Slide Image Placeholder 1">
+            <a:extLst>
+              <a:ext uri="{FF2B5EF4-FFF2-40B4-BE49-F238E27FC236}">
+                <a16:creationId xmlns:a16="http://schemas.microsoft.com/office/drawing/2014/main" id="{2C30136D-84E8-07EA-CA52-A9CC94098336}"/>
+              </a:ext>
+            </a:extLst>
+          </p:cNvPr>
+          <p:cNvSpPr>
+            <a:spLocks noGrp="1" noRot="1" noChangeAspect="1"/>
+          </p:cNvSpPr>
+          <p:nvPr>
+            <p:ph type="sldImg"/>
+          </p:nvPr>
+        </p:nvSpPr>
+        <p:spPr/>
+      </p:sp>
+      <p:sp>
+        <p:nvSpPr>
+          <p:cNvPr id="3" name="Notes Placeholder 2">
+            <a:extLst>
+              <a:ext uri="{FF2B5EF4-FFF2-40B4-BE49-F238E27FC236}">
+                <a16:creationId xmlns:a16="http://schemas.microsoft.com/office/drawing/2014/main" id="{1352B0B8-8D4F-8E3B-2F43-C6034EE3048D}"/>
+              </a:ext>
+            </a:extLst>
+          </p:cNvPr>
+          <p:cNvSpPr>
+            <a:spLocks noGrp="1"/>
+          </p:cNvSpPr>
+          <p:nvPr>
+            <p:ph type="body" idx="1"/>
+          </p:nvPr>
+        </p:nvSpPr>
+        <p:spPr/>
+        <p:txBody>
+          <a:bodyPr/>
+          <a:lstStyle/>
+          <a:p>
+            <a:endParaRPr lang="en-US" dirty="0"/>
+          </a:p>
+        </p:txBody>
+      </p:sp>
+      <p:sp>
+        <p:nvSpPr>
+          <p:cNvPr id="4" name="Slide Number Placeholder 3">
+            <a:extLst>
+              <a:ext uri="{FF2B5EF4-FFF2-40B4-BE49-F238E27FC236}">
+                <a16:creationId xmlns:a16="http://schemas.microsoft.com/office/drawing/2014/main" id="{4308ADAF-2D04-9ECF-3E0B-3C949A773065}"/>
+              </a:ext>
+            </a:extLst>
+          </p:cNvPr>
+          <p:cNvSpPr>
+            <a:spLocks noGrp="1"/>
+          </p:cNvSpPr>
+          <p:nvPr>
+            <p:ph type="sldNum" sz="quarter" idx="5"/>
+          </p:nvPr>
+        </p:nvSpPr>
+        <p:spPr/>
+        <p:txBody>
+          <a:bodyPr/>
+          <a:lstStyle/>
+          <a:p>
+            <a:fld id="{2C89EA2E-ADA5-4051-9BE1-7010ABEF2B1E}" type="slidenum">
+              <a:rPr lang="en-US" smtClean="0"/>
+              <a:t>17</a:t>
+            </a:fld>
+            <a:endParaRPr lang="en-US"/>
+          </a:p>
+        </p:txBody>
+      </p:sp>
+    </p:spTree>
+    <p:extLst>
+      <p:ext uri="{BB962C8B-B14F-4D97-AF65-F5344CB8AC3E}">
+        <p14:creationId xmlns:p14="http://schemas.microsoft.com/office/powerpoint/2010/main" val="2261776768"/>
+      </p:ext>
+    </p:extLst>
+  </p:cSld>
+  <p:clrMapOvr>
+    <a:masterClrMapping/>
+  </p:clrMapOvr>
+</p:notes>
+</file>
+
+<file path=ppt/notesSlides/notesSlide12.xml><?xml version="1.0" encoding="utf-8"?>
 <p:notes xmlns:a="http://schemas.openxmlformats.org/drawingml/2006/main" xmlns:r="http://schemas.openxmlformats.org/officeDocument/2006/relationships" xmlns:p="http://schemas.openxmlformats.org/presentationml/2006/main">
   <p:cSld>
     <p:spTree>
@@ -24922,7 +25371,7 @@
           <a:p>
             <a:fld id="{2C89EA2E-ADA5-4051-9BE1-7010ABEF2B1E}" type="slidenum">
               <a:rPr lang="en-US" smtClean="0"/>
-              <a:t>16</a:t>
+              <a:t>19</a:t>
             </a:fld>
             <a:endParaRPr lang="en-US"/>
           </a:p>
@@ -25004,11 +25453,71 @@
           <a:bodyPr/>
           <a:lstStyle/>
           <a:p>
+            <a:pPr marL="0" marR="0" lvl="0" indent="0" algn="r" defTabSz="914400" rtl="0" eaLnBrk="1" fontAlgn="auto" latinLnBrk="0" hangingPunct="1">
+              <a:lnSpc>
+                <a:spcPct val="100000"/>
+              </a:lnSpc>
+              <a:spcBef>
+                <a:spcPts val="0"/>
+              </a:spcBef>
+              <a:spcAft>
+                <a:spcPts val="0"/>
+              </a:spcAft>
+              <a:buClrTx/>
+              <a:buSzTx/>
+              <a:buFontTx/>
+              <a:buNone/>
+              <a:tabLst/>
+              <a:defRPr/>
+            </a:pPr>
             <a:fld id="{2C89EA2E-ADA5-4051-9BE1-7010ABEF2B1E}" type="slidenum">
-              <a:rPr lang="en-US" smtClean="0"/>
+              <a:rPr kumimoji="0" lang="en-US" sz="1200" b="0" i="0" u="none" strike="noStrike" kern="1200" cap="none" spc="0" normalizeH="0" baseline="0" noProof="0" smtClean="0">
+                <a:ln>
+                  <a:noFill/>
+                </a:ln>
+                <a:solidFill>
+                  <a:prstClr val="black"/>
+                </a:solidFill>
+                <a:effectLst/>
+                <a:uLnTx/>
+                <a:uFillTx/>
+                <a:latin typeface="Aptos" panose="02110004020202020204"/>
+                <a:ea typeface="+mn-ea"/>
+                <a:cs typeface="+mn-cs"/>
+              </a:rPr>
+              <a:pPr marL="0" marR="0" lvl="0" indent="0" algn="r" defTabSz="914400" rtl="0" eaLnBrk="1" fontAlgn="auto" latinLnBrk="0" hangingPunct="1">
+                <a:lnSpc>
+                  <a:spcPct val="100000"/>
+                </a:lnSpc>
+                <a:spcBef>
+                  <a:spcPts val="0"/>
+                </a:spcBef>
+                <a:spcAft>
+                  <a:spcPts val="0"/>
+                </a:spcAft>
+                <a:buClrTx/>
+                <a:buSzTx/>
+                <a:buFontTx/>
+                <a:buNone/>
+                <a:tabLst/>
+                <a:defRPr/>
+              </a:pPr>
               <a:t>5</a:t>
             </a:fld>
-            <a:endParaRPr lang="en-US"/>
+            <a:endParaRPr kumimoji="0" lang="en-US" sz="1200" b="0" i="0" u="none" strike="noStrike" kern="1200" cap="none" spc="0" normalizeH="0" baseline="0" noProof="0">
+              <a:ln>
+                <a:noFill/>
+              </a:ln>
+              <a:solidFill>
+                <a:prstClr val="black"/>
+              </a:solidFill>
+              <a:effectLst/>
+              <a:uLnTx/>
+              <a:uFillTx/>
+              <a:latin typeface="Aptos" panose="02110004020202020204"/>
+              <a:ea typeface="+mn-ea"/>
+              <a:cs typeface="+mn-cs"/>
+            </a:endParaRPr>
           </a:p>
         </p:txBody>
       </p:sp>
@@ -25026,6 +25535,318 @@
 </file>
 
 <file path=ppt/notesSlides/notesSlide3.xml><?xml version="1.0" encoding="utf-8"?>
+<p:notes xmlns:a="http://schemas.openxmlformats.org/drawingml/2006/main" xmlns:r="http://schemas.openxmlformats.org/officeDocument/2006/relationships" xmlns:p="http://schemas.openxmlformats.org/presentationml/2006/main">
+  <p:cSld>
+    <p:spTree>
+      <p:nvGrpSpPr>
+        <p:cNvPr id="1" name=""/>
+        <p:cNvGrpSpPr/>
+        <p:nvPr/>
+      </p:nvGrpSpPr>
+      <p:grpSpPr>
+        <a:xfrm>
+          <a:off x="0" y="0"/>
+          <a:ext cx="0" cy="0"/>
+          <a:chOff x="0" y="0"/>
+          <a:chExt cx="0" cy="0"/>
+        </a:xfrm>
+      </p:grpSpPr>
+      <p:sp>
+        <p:nvSpPr>
+          <p:cNvPr id="2" name="Slide Image Placeholder 1"/>
+          <p:cNvSpPr>
+            <a:spLocks noGrp="1" noRot="1" noChangeAspect="1"/>
+          </p:cNvSpPr>
+          <p:nvPr>
+            <p:ph type="sldImg"/>
+          </p:nvPr>
+        </p:nvSpPr>
+        <p:spPr/>
+      </p:sp>
+      <p:sp>
+        <p:nvSpPr>
+          <p:cNvPr id="3" name="Notes Placeholder 2"/>
+          <p:cNvSpPr>
+            <a:spLocks noGrp="1"/>
+          </p:cNvSpPr>
+          <p:nvPr>
+            <p:ph type="body" idx="1"/>
+          </p:nvPr>
+        </p:nvSpPr>
+        <p:spPr/>
+        <p:txBody>
+          <a:bodyPr/>
+          <a:lstStyle/>
+          <a:p>
+            <a:endParaRPr lang="en-US" dirty="0"/>
+          </a:p>
+        </p:txBody>
+      </p:sp>
+      <p:sp>
+        <p:nvSpPr>
+          <p:cNvPr id="4" name="Slide Number Placeholder 3"/>
+          <p:cNvSpPr>
+            <a:spLocks noGrp="1"/>
+          </p:cNvSpPr>
+          <p:nvPr>
+            <p:ph type="sldNum" sz="quarter" idx="5"/>
+          </p:nvPr>
+        </p:nvSpPr>
+        <p:spPr/>
+        <p:txBody>
+          <a:bodyPr/>
+          <a:lstStyle/>
+          <a:p>
+            <a:pPr marL="0" marR="0" lvl="0" indent="0" algn="r" defTabSz="914400" rtl="0" eaLnBrk="1" fontAlgn="auto" latinLnBrk="0" hangingPunct="1">
+              <a:lnSpc>
+                <a:spcPct val="100000"/>
+              </a:lnSpc>
+              <a:spcBef>
+                <a:spcPts val="0"/>
+              </a:spcBef>
+              <a:spcAft>
+                <a:spcPts val="0"/>
+              </a:spcAft>
+              <a:buClrTx/>
+              <a:buSzTx/>
+              <a:buFontTx/>
+              <a:buNone/>
+              <a:tabLst/>
+              <a:defRPr/>
+            </a:pPr>
+            <a:fld id="{2C89EA2E-ADA5-4051-9BE1-7010ABEF2B1E}" type="slidenum">
+              <a:rPr kumimoji="0" lang="en-US" sz="1200" b="0" i="0" u="none" strike="noStrike" kern="1200" cap="none" spc="0" normalizeH="0" baseline="0" noProof="0" smtClean="0">
+                <a:ln>
+                  <a:noFill/>
+                </a:ln>
+                <a:solidFill>
+                  <a:prstClr val="black"/>
+                </a:solidFill>
+                <a:effectLst/>
+                <a:uLnTx/>
+                <a:uFillTx/>
+                <a:latin typeface="Aptos" panose="02110004020202020204"/>
+                <a:ea typeface="+mn-ea"/>
+                <a:cs typeface="+mn-cs"/>
+              </a:rPr>
+              <a:pPr marL="0" marR="0" lvl="0" indent="0" algn="r" defTabSz="914400" rtl="0" eaLnBrk="1" fontAlgn="auto" latinLnBrk="0" hangingPunct="1">
+                <a:lnSpc>
+                  <a:spcPct val="100000"/>
+                </a:lnSpc>
+                <a:spcBef>
+                  <a:spcPts val="0"/>
+                </a:spcBef>
+                <a:spcAft>
+                  <a:spcPts val="0"/>
+                </a:spcAft>
+                <a:buClrTx/>
+                <a:buSzTx/>
+                <a:buFontTx/>
+                <a:buNone/>
+                <a:tabLst/>
+                <a:defRPr/>
+              </a:pPr>
+              <a:t>6</a:t>
+            </a:fld>
+            <a:endParaRPr kumimoji="0" lang="en-US" sz="1200" b="0" i="0" u="none" strike="noStrike" kern="1200" cap="none" spc="0" normalizeH="0" baseline="0" noProof="0">
+              <a:ln>
+                <a:noFill/>
+              </a:ln>
+              <a:solidFill>
+                <a:prstClr val="black"/>
+              </a:solidFill>
+              <a:effectLst/>
+              <a:uLnTx/>
+              <a:uFillTx/>
+              <a:latin typeface="Aptos" panose="02110004020202020204"/>
+              <a:ea typeface="+mn-ea"/>
+              <a:cs typeface="+mn-cs"/>
+            </a:endParaRPr>
+          </a:p>
+        </p:txBody>
+      </p:sp>
+    </p:spTree>
+    <p:extLst>
+      <p:ext uri="{BB962C8B-B14F-4D97-AF65-F5344CB8AC3E}">
+        <p14:creationId xmlns:p14="http://schemas.microsoft.com/office/powerpoint/2010/main" val="3549415885"/>
+      </p:ext>
+    </p:extLst>
+  </p:cSld>
+  <p:clrMapOvr>
+    <a:masterClrMapping/>
+  </p:clrMapOvr>
+</p:notes>
+</file>
+
+<file path=ppt/notesSlides/notesSlide4.xml><?xml version="1.0" encoding="utf-8"?>
+<p:notes xmlns:a="http://schemas.openxmlformats.org/drawingml/2006/main" xmlns:r="http://schemas.openxmlformats.org/officeDocument/2006/relationships" xmlns:p="http://schemas.openxmlformats.org/presentationml/2006/main">
+  <p:cSld>
+    <p:spTree>
+      <p:nvGrpSpPr>
+        <p:cNvPr id="1" name="">
+          <a:extLst>
+            <a:ext uri="{FF2B5EF4-FFF2-40B4-BE49-F238E27FC236}">
+              <a16:creationId xmlns:a16="http://schemas.microsoft.com/office/drawing/2014/main" id="{93DE411E-27D0-E15D-B70E-53A9EAD41A5D}"/>
+            </a:ext>
+          </a:extLst>
+        </p:cNvPr>
+        <p:cNvGrpSpPr/>
+        <p:nvPr/>
+      </p:nvGrpSpPr>
+      <p:grpSpPr>
+        <a:xfrm>
+          <a:off x="0" y="0"/>
+          <a:ext cx="0" cy="0"/>
+          <a:chOff x="0" y="0"/>
+          <a:chExt cx="0" cy="0"/>
+        </a:xfrm>
+      </p:grpSpPr>
+      <p:sp>
+        <p:nvSpPr>
+          <p:cNvPr id="2" name="Slide Image Placeholder 1">
+            <a:extLst>
+              <a:ext uri="{FF2B5EF4-FFF2-40B4-BE49-F238E27FC236}">
+                <a16:creationId xmlns:a16="http://schemas.microsoft.com/office/drawing/2014/main" id="{E97E8170-9D18-913C-29EE-1A91CC8B22F8}"/>
+              </a:ext>
+            </a:extLst>
+          </p:cNvPr>
+          <p:cNvSpPr>
+            <a:spLocks noGrp="1" noRot="1" noChangeAspect="1"/>
+          </p:cNvSpPr>
+          <p:nvPr>
+            <p:ph type="sldImg"/>
+          </p:nvPr>
+        </p:nvSpPr>
+        <p:spPr/>
+      </p:sp>
+      <p:sp>
+        <p:nvSpPr>
+          <p:cNvPr id="3" name="Notes Placeholder 2">
+            <a:extLst>
+              <a:ext uri="{FF2B5EF4-FFF2-40B4-BE49-F238E27FC236}">
+                <a16:creationId xmlns:a16="http://schemas.microsoft.com/office/drawing/2014/main" id="{89E1181A-98A4-E2A9-7C47-730ABA7343DC}"/>
+              </a:ext>
+            </a:extLst>
+          </p:cNvPr>
+          <p:cNvSpPr>
+            <a:spLocks noGrp="1"/>
+          </p:cNvSpPr>
+          <p:nvPr>
+            <p:ph type="body" idx="1"/>
+          </p:nvPr>
+        </p:nvSpPr>
+        <p:spPr/>
+        <p:txBody>
+          <a:bodyPr/>
+          <a:lstStyle/>
+          <a:p>
+            <a:endParaRPr lang="en-US" dirty="0"/>
+          </a:p>
+        </p:txBody>
+      </p:sp>
+      <p:sp>
+        <p:nvSpPr>
+          <p:cNvPr id="4" name="Slide Number Placeholder 3">
+            <a:extLst>
+              <a:ext uri="{FF2B5EF4-FFF2-40B4-BE49-F238E27FC236}">
+                <a16:creationId xmlns:a16="http://schemas.microsoft.com/office/drawing/2014/main" id="{281DC4C8-7ACD-8320-9110-6D501FF978A5}"/>
+              </a:ext>
+            </a:extLst>
+          </p:cNvPr>
+          <p:cNvSpPr>
+            <a:spLocks noGrp="1"/>
+          </p:cNvSpPr>
+          <p:nvPr>
+            <p:ph type="sldNum" sz="quarter" idx="5"/>
+          </p:nvPr>
+        </p:nvSpPr>
+        <p:spPr/>
+        <p:txBody>
+          <a:bodyPr/>
+          <a:lstStyle/>
+          <a:p>
+            <a:pPr marL="0" marR="0" lvl="0" indent="0" algn="r" defTabSz="914400" rtl="0" eaLnBrk="1" fontAlgn="auto" latinLnBrk="0" hangingPunct="1">
+              <a:lnSpc>
+                <a:spcPct val="100000"/>
+              </a:lnSpc>
+              <a:spcBef>
+                <a:spcPts val="0"/>
+              </a:spcBef>
+              <a:spcAft>
+                <a:spcPts val="0"/>
+              </a:spcAft>
+              <a:buClrTx/>
+              <a:buSzTx/>
+              <a:buFontTx/>
+              <a:buNone/>
+              <a:tabLst/>
+              <a:defRPr/>
+            </a:pPr>
+            <a:fld id="{2C89EA2E-ADA5-4051-9BE1-7010ABEF2B1E}" type="slidenum">
+              <a:rPr kumimoji="0" lang="en-US" sz="1200" b="0" i="0" u="none" strike="noStrike" kern="1200" cap="none" spc="0" normalizeH="0" baseline="0" noProof="0" smtClean="0">
+                <a:ln>
+                  <a:noFill/>
+                </a:ln>
+                <a:solidFill>
+                  <a:prstClr val="black"/>
+                </a:solidFill>
+                <a:effectLst/>
+                <a:uLnTx/>
+                <a:uFillTx/>
+                <a:latin typeface="Aptos" panose="02110004020202020204"/>
+                <a:ea typeface="+mn-ea"/>
+                <a:cs typeface="+mn-cs"/>
+              </a:rPr>
+              <a:pPr marL="0" marR="0" lvl="0" indent="0" algn="r" defTabSz="914400" rtl="0" eaLnBrk="1" fontAlgn="auto" latinLnBrk="0" hangingPunct="1">
+                <a:lnSpc>
+                  <a:spcPct val="100000"/>
+                </a:lnSpc>
+                <a:spcBef>
+                  <a:spcPts val="0"/>
+                </a:spcBef>
+                <a:spcAft>
+                  <a:spcPts val="0"/>
+                </a:spcAft>
+                <a:buClrTx/>
+                <a:buSzTx/>
+                <a:buFontTx/>
+                <a:buNone/>
+                <a:tabLst/>
+                <a:defRPr/>
+              </a:pPr>
+              <a:t>7</a:t>
+            </a:fld>
+            <a:endParaRPr kumimoji="0" lang="en-US" sz="1200" b="0" i="0" u="none" strike="noStrike" kern="1200" cap="none" spc="0" normalizeH="0" baseline="0" noProof="0">
+              <a:ln>
+                <a:noFill/>
+              </a:ln>
+              <a:solidFill>
+                <a:prstClr val="black"/>
+              </a:solidFill>
+              <a:effectLst/>
+              <a:uLnTx/>
+              <a:uFillTx/>
+              <a:latin typeface="Aptos" panose="02110004020202020204"/>
+              <a:ea typeface="+mn-ea"/>
+              <a:cs typeface="+mn-cs"/>
+            </a:endParaRPr>
+          </a:p>
+        </p:txBody>
+      </p:sp>
+    </p:spTree>
+    <p:extLst>
+      <p:ext uri="{BB962C8B-B14F-4D97-AF65-F5344CB8AC3E}">
+        <p14:creationId xmlns:p14="http://schemas.microsoft.com/office/powerpoint/2010/main" val="4208039005"/>
+      </p:ext>
+    </p:extLst>
+  </p:cSld>
+  <p:clrMapOvr>
+    <a:masterClrMapping/>
+  </p:clrMapOvr>
+</p:notes>
+</file>
+
+<file path=ppt/notesSlides/notesSlide5.xml><?xml version="1.0" encoding="utf-8"?>
 <p:notes xmlns:a="http://schemas.openxmlformats.org/drawingml/2006/main" xmlns:r="http://schemas.openxmlformats.org/officeDocument/2006/relationships" xmlns:p="http://schemas.openxmlformats.org/presentationml/2006/main">
   <p:cSld>
     <p:spTree>
@@ -25117,7 +25938,7 @@
           <a:p>
             <a:fld id="{2C89EA2E-ADA5-4051-9BE1-7010ABEF2B1E}" type="slidenum">
               <a:rPr lang="en-US" smtClean="0"/>
-              <a:t>8</a:t>
+              <a:t>11</a:t>
             </a:fld>
             <a:endParaRPr lang="en-US"/>
           </a:p>
@@ -25136,7 +25957,7 @@
 </p:notes>
 </file>
 
-<file path=ppt/notesSlides/notesSlide4.xml><?xml version="1.0" encoding="utf-8"?>
+<file path=ppt/notesSlides/notesSlide6.xml><?xml version="1.0" encoding="utf-8"?>
 <p:notes xmlns:a="http://schemas.openxmlformats.org/drawingml/2006/main" xmlns:r="http://schemas.openxmlformats.org/officeDocument/2006/relationships" xmlns:p="http://schemas.openxmlformats.org/presentationml/2006/main">
   <p:cSld>
     <p:spTree>
@@ -25228,7 +26049,7 @@
           <a:p>
             <a:fld id="{2C89EA2E-ADA5-4051-9BE1-7010ABEF2B1E}" type="slidenum">
               <a:rPr lang="en-US" smtClean="0"/>
-              <a:t>9</a:t>
+              <a:t>12</a:t>
             </a:fld>
             <a:endParaRPr lang="en-US"/>
           </a:p>
@@ -25247,7 +26068,7 @@
 </p:notes>
 </file>
 
-<file path=ppt/notesSlides/notesSlide5.xml><?xml version="1.0" encoding="utf-8"?>
+<file path=ppt/notesSlides/notesSlide7.xml><?xml version="1.0" encoding="utf-8"?>
 <p:notes xmlns:a="http://schemas.openxmlformats.org/drawingml/2006/main" xmlns:r="http://schemas.openxmlformats.org/officeDocument/2006/relationships" xmlns:p="http://schemas.openxmlformats.org/presentationml/2006/main">
   <p:cSld>
     <p:spTree>
@@ -25339,7 +26160,7 @@
           <a:p>
             <a:fld id="{2C89EA2E-ADA5-4051-9BE1-7010ABEF2B1E}" type="slidenum">
               <a:rPr lang="en-US" smtClean="0"/>
-              <a:t>10</a:t>
+              <a:t>13</a:t>
             </a:fld>
             <a:endParaRPr lang="en-US"/>
           </a:p>
@@ -25358,7 +26179,7 @@
 </p:notes>
 </file>
 
-<file path=ppt/notesSlides/notesSlide6.xml><?xml version="1.0" encoding="utf-8"?>
+<file path=ppt/notesSlides/notesSlide8.xml><?xml version="1.0" encoding="utf-8"?>
 <p:notes xmlns:a="http://schemas.openxmlformats.org/drawingml/2006/main" xmlns:r="http://schemas.openxmlformats.org/officeDocument/2006/relationships" xmlns:p="http://schemas.openxmlformats.org/presentationml/2006/main">
   <p:cSld>
     <p:spTree>
@@ -25450,7 +26271,7 @@
           <a:p>
             <a:fld id="{2C89EA2E-ADA5-4051-9BE1-7010ABEF2B1E}" type="slidenum">
               <a:rPr lang="en-US" smtClean="0"/>
-              <a:t>11</a:t>
+              <a:t>14</a:t>
             </a:fld>
             <a:endParaRPr lang="en-US"/>
           </a:p>
@@ -25469,7 +26290,7 @@
 </p:notes>
 </file>
 
-<file path=ppt/notesSlides/notesSlide7.xml><?xml version="1.0" encoding="utf-8"?>
+<file path=ppt/notesSlides/notesSlide9.xml><?xml version="1.0" encoding="utf-8"?>
 <p:notes xmlns:a="http://schemas.openxmlformats.org/drawingml/2006/main" xmlns:r="http://schemas.openxmlformats.org/officeDocument/2006/relationships" xmlns:p="http://schemas.openxmlformats.org/presentationml/2006/main">
   <p:cSld>
     <p:spTree>
@@ -25561,7 +26382,7 @@
           <a:p>
             <a:fld id="{2C89EA2E-ADA5-4051-9BE1-7010ABEF2B1E}" type="slidenum">
               <a:rPr lang="en-US" smtClean="0"/>
-              <a:t>12</a:t>
+              <a:t>15</a:t>
             </a:fld>
             <a:endParaRPr lang="en-US"/>
           </a:p>
@@ -25571,242 +26392,6 @@
     <p:extLst>
       <p:ext uri="{BB962C8B-B14F-4D97-AF65-F5344CB8AC3E}">
         <p14:creationId xmlns:p14="http://schemas.microsoft.com/office/powerpoint/2010/main" val="2618193902"/>
-      </p:ext>
-    </p:extLst>
-  </p:cSld>
-  <p:clrMapOvr>
-    <a:masterClrMapping/>
-  </p:clrMapOvr>
-</p:notes>
-</file>
-
-<file path=ppt/notesSlides/notesSlide8.xml><?xml version="1.0" encoding="utf-8"?>
-<p:notes xmlns:a="http://schemas.openxmlformats.org/drawingml/2006/main" xmlns:r="http://schemas.openxmlformats.org/officeDocument/2006/relationships" xmlns:p="http://schemas.openxmlformats.org/presentationml/2006/main">
-  <p:cSld>
-    <p:spTree>
-      <p:nvGrpSpPr>
-        <p:cNvPr id="1" name="">
-          <a:extLst>
-            <a:ext uri="{FF2B5EF4-FFF2-40B4-BE49-F238E27FC236}">
-              <a16:creationId xmlns:a16="http://schemas.microsoft.com/office/drawing/2014/main" id="{95351705-2E4C-8B51-38B3-A3198C151932}"/>
-            </a:ext>
-          </a:extLst>
-        </p:cNvPr>
-        <p:cNvGrpSpPr/>
-        <p:nvPr/>
-      </p:nvGrpSpPr>
-      <p:grpSpPr>
-        <a:xfrm>
-          <a:off x="0" y="0"/>
-          <a:ext cx="0" cy="0"/>
-          <a:chOff x="0" y="0"/>
-          <a:chExt cx="0" cy="0"/>
-        </a:xfrm>
-      </p:grpSpPr>
-      <p:sp>
-        <p:nvSpPr>
-          <p:cNvPr id="2" name="Slide Image Placeholder 1">
-            <a:extLst>
-              <a:ext uri="{FF2B5EF4-FFF2-40B4-BE49-F238E27FC236}">
-                <a16:creationId xmlns:a16="http://schemas.microsoft.com/office/drawing/2014/main" id="{13C58DB9-5494-FE6F-15C9-38804E8C812A}"/>
-              </a:ext>
-            </a:extLst>
-          </p:cNvPr>
-          <p:cNvSpPr>
-            <a:spLocks noGrp="1" noRot="1" noChangeAspect="1"/>
-          </p:cNvSpPr>
-          <p:nvPr>
-            <p:ph type="sldImg"/>
-          </p:nvPr>
-        </p:nvSpPr>
-        <p:spPr/>
-      </p:sp>
-      <p:sp>
-        <p:nvSpPr>
-          <p:cNvPr id="3" name="Notes Placeholder 2">
-            <a:extLst>
-              <a:ext uri="{FF2B5EF4-FFF2-40B4-BE49-F238E27FC236}">
-                <a16:creationId xmlns:a16="http://schemas.microsoft.com/office/drawing/2014/main" id="{700F5BFA-B3FB-BF41-39F8-DD40372FD91D}"/>
-              </a:ext>
-            </a:extLst>
-          </p:cNvPr>
-          <p:cNvSpPr>
-            <a:spLocks noGrp="1"/>
-          </p:cNvSpPr>
-          <p:nvPr>
-            <p:ph type="body" idx="1"/>
-          </p:nvPr>
-        </p:nvSpPr>
-        <p:spPr/>
-        <p:txBody>
-          <a:bodyPr/>
-          <a:lstStyle/>
-          <a:p>
-            <a:r>
-              <a:rPr lang="en-US" dirty="0" err="1"/>
-              <a:t>RandomizedSearchCV</a:t>
-            </a:r>
-            <a:r>
-              <a:rPr lang="en-US" dirty="0"/>
-              <a:t> from the </a:t>
-            </a:r>
-            <a:r>
-              <a:rPr lang="en-US" dirty="0" err="1"/>
-              <a:t>scikitlearn</a:t>
-            </a:r>
-            <a:r>
-              <a:rPr lang="en-US" dirty="0"/>
-              <a:t> library was used to systematically evaluate the best sets of parameters for the models. We used 15 iterations per model and </a:t>
-            </a:r>
-            <a:r>
-              <a:rPr lang="en-US"/>
-              <a:t>evaluated them based on the ROC_AUC. </a:t>
-            </a:r>
-            <a:endParaRPr lang="en-US" dirty="0"/>
-          </a:p>
-        </p:txBody>
-      </p:sp>
-      <p:sp>
-        <p:nvSpPr>
-          <p:cNvPr id="4" name="Slide Number Placeholder 3">
-            <a:extLst>
-              <a:ext uri="{FF2B5EF4-FFF2-40B4-BE49-F238E27FC236}">
-                <a16:creationId xmlns:a16="http://schemas.microsoft.com/office/drawing/2014/main" id="{50EBF406-3B03-EDAD-0404-9D263494162B}"/>
-              </a:ext>
-            </a:extLst>
-          </p:cNvPr>
-          <p:cNvSpPr>
-            <a:spLocks noGrp="1"/>
-          </p:cNvSpPr>
-          <p:nvPr>
-            <p:ph type="sldNum" sz="quarter" idx="5"/>
-          </p:nvPr>
-        </p:nvSpPr>
-        <p:spPr/>
-        <p:txBody>
-          <a:bodyPr/>
-          <a:lstStyle/>
-          <a:p>
-            <a:fld id="{2C89EA2E-ADA5-4051-9BE1-7010ABEF2B1E}" type="slidenum">
-              <a:rPr lang="en-US" smtClean="0"/>
-              <a:t>13</a:t>
-            </a:fld>
-            <a:endParaRPr lang="en-US"/>
-          </a:p>
-        </p:txBody>
-      </p:sp>
-    </p:spTree>
-    <p:extLst>
-      <p:ext uri="{BB962C8B-B14F-4D97-AF65-F5344CB8AC3E}">
-        <p14:creationId xmlns:p14="http://schemas.microsoft.com/office/powerpoint/2010/main" val="2426387248"/>
-      </p:ext>
-    </p:extLst>
-  </p:cSld>
-  <p:clrMapOvr>
-    <a:masterClrMapping/>
-  </p:clrMapOvr>
-</p:notes>
-</file>
-
-<file path=ppt/notesSlides/notesSlide9.xml><?xml version="1.0" encoding="utf-8"?>
-<p:notes xmlns:a="http://schemas.openxmlformats.org/drawingml/2006/main" xmlns:r="http://schemas.openxmlformats.org/officeDocument/2006/relationships" xmlns:p="http://schemas.openxmlformats.org/presentationml/2006/main">
-  <p:cSld>
-    <p:spTree>
-      <p:nvGrpSpPr>
-        <p:cNvPr id="1" name="">
-          <a:extLst>
-            <a:ext uri="{FF2B5EF4-FFF2-40B4-BE49-F238E27FC236}">
-              <a16:creationId xmlns:a16="http://schemas.microsoft.com/office/drawing/2014/main" id="{1B6EDBC1-16FC-AFB6-F558-1038B59AAB16}"/>
-            </a:ext>
-          </a:extLst>
-        </p:cNvPr>
-        <p:cNvGrpSpPr/>
-        <p:nvPr/>
-      </p:nvGrpSpPr>
-      <p:grpSpPr>
-        <a:xfrm>
-          <a:off x="0" y="0"/>
-          <a:ext cx="0" cy="0"/>
-          <a:chOff x="0" y="0"/>
-          <a:chExt cx="0" cy="0"/>
-        </a:xfrm>
-      </p:grpSpPr>
-      <p:sp>
-        <p:nvSpPr>
-          <p:cNvPr id="2" name="Slide Image Placeholder 1">
-            <a:extLst>
-              <a:ext uri="{FF2B5EF4-FFF2-40B4-BE49-F238E27FC236}">
-                <a16:creationId xmlns:a16="http://schemas.microsoft.com/office/drawing/2014/main" id="{2C30136D-84E8-07EA-CA52-A9CC94098336}"/>
-              </a:ext>
-            </a:extLst>
-          </p:cNvPr>
-          <p:cNvSpPr>
-            <a:spLocks noGrp="1" noRot="1" noChangeAspect="1"/>
-          </p:cNvSpPr>
-          <p:nvPr>
-            <p:ph type="sldImg"/>
-          </p:nvPr>
-        </p:nvSpPr>
-        <p:spPr/>
-      </p:sp>
-      <p:sp>
-        <p:nvSpPr>
-          <p:cNvPr id="3" name="Notes Placeholder 2">
-            <a:extLst>
-              <a:ext uri="{FF2B5EF4-FFF2-40B4-BE49-F238E27FC236}">
-                <a16:creationId xmlns:a16="http://schemas.microsoft.com/office/drawing/2014/main" id="{1352B0B8-8D4F-8E3B-2F43-C6034EE3048D}"/>
-              </a:ext>
-            </a:extLst>
-          </p:cNvPr>
-          <p:cNvSpPr>
-            <a:spLocks noGrp="1"/>
-          </p:cNvSpPr>
-          <p:nvPr>
-            <p:ph type="body" idx="1"/>
-          </p:nvPr>
-        </p:nvSpPr>
-        <p:spPr/>
-        <p:txBody>
-          <a:bodyPr/>
-          <a:lstStyle/>
-          <a:p>
-            <a:endParaRPr lang="en-US" dirty="0"/>
-          </a:p>
-        </p:txBody>
-      </p:sp>
-      <p:sp>
-        <p:nvSpPr>
-          <p:cNvPr id="4" name="Slide Number Placeholder 3">
-            <a:extLst>
-              <a:ext uri="{FF2B5EF4-FFF2-40B4-BE49-F238E27FC236}">
-                <a16:creationId xmlns:a16="http://schemas.microsoft.com/office/drawing/2014/main" id="{4308ADAF-2D04-9ECF-3E0B-3C949A773065}"/>
-              </a:ext>
-            </a:extLst>
-          </p:cNvPr>
-          <p:cNvSpPr>
-            <a:spLocks noGrp="1"/>
-          </p:cNvSpPr>
-          <p:nvPr>
-            <p:ph type="sldNum" sz="quarter" idx="5"/>
-          </p:nvPr>
-        </p:nvSpPr>
-        <p:spPr/>
-        <p:txBody>
-          <a:bodyPr/>
-          <a:lstStyle/>
-          <a:p>
-            <a:fld id="{2C89EA2E-ADA5-4051-9BE1-7010ABEF2B1E}" type="slidenum">
-              <a:rPr lang="en-US" smtClean="0"/>
-              <a:t>14</a:t>
-            </a:fld>
-            <a:endParaRPr lang="en-US"/>
-          </a:p>
-        </p:txBody>
-      </p:sp>
-    </p:spTree>
-    <p:extLst>
-      <p:ext uri="{BB962C8B-B14F-4D97-AF65-F5344CB8AC3E}">
-        <p14:creationId xmlns:p14="http://schemas.microsoft.com/office/powerpoint/2010/main" val="2261776768"/>
       </p:ext>
     </p:extLst>
   </p:cSld>
@@ -29038,6 +29623,700 @@
           <a:chExt cx="0" cy="0"/>
         </a:xfrm>
       </p:grpSpPr>
+      <p:sp useBgFill="1">
+        <p:nvSpPr>
+          <p:cNvPr id="6" name="Rectangle 5">
+            <a:extLst>
+              <a:ext uri="{FF2B5EF4-FFF2-40B4-BE49-F238E27FC236}">
+                <a16:creationId xmlns:a16="http://schemas.microsoft.com/office/drawing/2014/main" id="{6F5A5072-7B47-4D32-B52A-4EBBF590B8A5}"/>
+              </a:ext>
+              <a:ext uri="{C183D7F6-B498-43B3-948B-1728B52AA6E4}">
+                <adec:decorative xmlns:adec="http://schemas.microsoft.com/office/drawing/2017/decorative" val="1"/>
+              </a:ext>
+            </a:extLst>
+          </p:cNvPr>
+          <p:cNvSpPr>
+            <a:spLocks noGrp="1" noRot="1" noChangeAspect="1" noMove="1" noResize="1" noEditPoints="1" noAdjustHandles="1" noChangeArrowheads="1" noChangeShapeType="1" noTextEdit="1"/>
+          </p:cNvSpPr>
+          <p:nvPr>
+            <p:extLst>
+              <p:ext uri="{386F3935-93C4-4BCD-93E2-E3B085C9AB24}">
+                <p16:designElem xmlns:p16="http://schemas.microsoft.com/office/powerpoint/2015/main" val="1"/>
+              </p:ext>
+            </p:extLst>
+          </p:nvPr>
+        </p:nvSpPr>
+        <p:spPr>
+          <a:xfrm>
+            <a:off x="0" y="0"/>
+            <a:ext cx="12192000" cy="6858000"/>
+          </a:xfrm>
+          <a:prstGeom prst="rect">
+            <a:avLst/>
+          </a:prstGeom>
+          <a:ln w="12700" cap="flat" cmpd="sng" algn="ctr">
+            <a:noFill/>
+            <a:prstDash val="solid"/>
+            <a:miter lim="800000"/>
+          </a:ln>
+          <a:effectLst/>
+          <a:extLst>
+            <a:ext uri="{91240B29-F687-4F45-9708-019B960494DF}">
+              <a14:hiddenLine xmlns:a14="http://schemas.microsoft.com/office/drawing/2010/main" w="12700" cap="flat" cmpd="sng" algn="ctr">
+                <a:solidFill>
+                  <a:schemeClr val="accent1">
+                    <a:shade val="50000"/>
+                  </a:schemeClr>
+                </a:solidFill>
+                <a:prstDash val="solid"/>
+                <a:miter lim="800000"/>
+              </a14:hiddenLine>
+            </a:ext>
+          </a:extLst>
+        </p:spPr>
+        <p:style>
+          <a:lnRef idx="2">
+            <a:schemeClr val="accent1">
+              <a:shade val="50000"/>
+            </a:schemeClr>
+          </a:lnRef>
+          <a:fillRef idx="1">
+            <a:schemeClr val="accent1"/>
+          </a:fillRef>
+          <a:effectRef idx="0">
+            <a:schemeClr val="accent1"/>
+          </a:effectRef>
+          <a:fontRef idx="minor">
+            <a:schemeClr val="lt1"/>
+          </a:fontRef>
+        </p:style>
+        <p:txBody>
+          <a:bodyPr rtlCol="0" anchor="ctr"/>
+          <a:lstStyle/>
+          <a:p>
+            <a:pPr marL="0" marR="0" lvl="0" indent="0" algn="ctr" defTabSz="914400" rtl="0" eaLnBrk="1" fontAlgn="auto" latinLnBrk="0" hangingPunct="1">
+              <a:lnSpc>
+                <a:spcPct val="100000"/>
+              </a:lnSpc>
+              <a:spcBef>
+                <a:spcPts val="0"/>
+              </a:spcBef>
+              <a:spcAft>
+                <a:spcPts val="0"/>
+              </a:spcAft>
+              <a:buClrTx/>
+              <a:buSzTx/>
+              <a:buFontTx/>
+              <a:buNone/>
+              <a:tabLst/>
+              <a:defRPr/>
+            </a:pPr>
+            <a:endParaRPr kumimoji="0" lang="en-US" sz="1800" b="0" i="0" u="none" strike="noStrike" kern="1200" cap="none" spc="0" normalizeH="0" baseline="0" noProof="0">
+              <a:ln>
+                <a:noFill/>
+              </a:ln>
+              <a:solidFill>
+                <a:prstClr val="white"/>
+              </a:solidFill>
+              <a:effectLst/>
+              <a:uLnTx/>
+              <a:uFillTx/>
+              <a:latin typeface="Aptos" panose="02110004020202020204"/>
+              <a:ea typeface="+mn-ea"/>
+              <a:cs typeface="+mn-cs"/>
+            </a:endParaRPr>
+          </a:p>
+        </p:txBody>
+      </p:sp>
+      <p:sp>
+        <p:nvSpPr>
+          <p:cNvPr id="7" name="Rectangle 6">
+            <a:extLst>
+              <a:ext uri="{FF2B5EF4-FFF2-40B4-BE49-F238E27FC236}">
+                <a16:creationId xmlns:a16="http://schemas.microsoft.com/office/drawing/2014/main" id="{9715DAF0-AE1B-46C9-8A6B-DB2AA05AB91D}"/>
+              </a:ext>
+              <a:ext uri="{C183D7F6-B498-43B3-948B-1728B52AA6E4}">
+                <adec:decorative xmlns:adec="http://schemas.microsoft.com/office/drawing/2017/decorative" val="1"/>
+              </a:ext>
+            </a:extLst>
+          </p:cNvPr>
+          <p:cNvSpPr>
+            <a:spLocks noGrp="1" noRot="1" noChangeAspect="1" noMove="1" noResize="1" noEditPoints="1" noAdjustHandles="1" noChangeArrowheads="1" noChangeShapeType="1" noTextEdit="1"/>
+          </p:cNvSpPr>
+          <p:nvPr>
+            <p:extLst>
+              <p:ext uri="{386F3935-93C4-4BCD-93E2-E3B085C9AB24}">
+                <p16:designElem xmlns:p16="http://schemas.microsoft.com/office/powerpoint/2015/main" val="1"/>
+              </p:ext>
+            </p:extLst>
+          </p:nvPr>
+        </p:nvSpPr>
+        <p:spPr>
+          <a:xfrm rot="10800000">
+            <a:off x="-2" y="-22693"/>
+            <a:ext cx="12191999" cy="4374129"/>
+          </a:xfrm>
+          <a:prstGeom prst="rect">
+            <a:avLst/>
+          </a:prstGeom>
+          <a:gradFill>
+            <a:gsLst>
+              <a:gs pos="0">
+                <a:schemeClr val="accent1">
+                  <a:lumMod val="75000"/>
+                </a:schemeClr>
+              </a:gs>
+              <a:gs pos="100000">
+                <a:srgbClr val="000000"/>
+              </a:gs>
+            </a:gsLst>
+            <a:lin ang="15000000" scaled="0"/>
+          </a:gradFill>
+          <a:ln>
+            <a:noFill/>
+          </a:ln>
+        </p:spPr>
+        <p:style>
+          <a:lnRef idx="2">
+            <a:schemeClr val="accent1">
+              <a:shade val="50000"/>
+            </a:schemeClr>
+          </a:lnRef>
+          <a:fillRef idx="1">
+            <a:schemeClr val="accent1"/>
+          </a:fillRef>
+          <a:effectRef idx="0">
+            <a:schemeClr val="accent1"/>
+          </a:effectRef>
+          <a:fontRef idx="minor">
+            <a:schemeClr val="lt1"/>
+          </a:fontRef>
+        </p:style>
+        <p:txBody>
+          <a:bodyPr rtlCol="0" anchor="ctr"/>
+          <a:lstStyle/>
+          <a:p>
+            <a:pPr marL="0" marR="0" lvl="0" indent="0" algn="ctr" defTabSz="914400" rtl="0" eaLnBrk="1" fontAlgn="auto" latinLnBrk="0" hangingPunct="1">
+              <a:lnSpc>
+                <a:spcPct val="100000"/>
+              </a:lnSpc>
+              <a:spcBef>
+                <a:spcPts val="0"/>
+              </a:spcBef>
+              <a:spcAft>
+                <a:spcPts val="0"/>
+              </a:spcAft>
+              <a:buClrTx/>
+              <a:buSzTx/>
+              <a:buFontTx/>
+              <a:buNone/>
+              <a:tabLst/>
+              <a:defRPr/>
+            </a:pPr>
+            <a:endParaRPr kumimoji="0" lang="en-US" sz="1800" b="0" i="0" u="none" strike="noStrike" kern="1200" cap="none" spc="0" normalizeH="0" baseline="0" noProof="0">
+              <a:ln>
+                <a:noFill/>
+              </a:ln>
+              <a:solidFill>
+                <a:prstClr val="white"/>
+              </a:solidFill>
+              <a:effectLst/>
+              <a:uLnTx/>
+              <a:uFillTx/>
+              <a:latin typeface="Aptos" panose="02110004020202020204"/>
+              <a:ea typeface="+mn-ea"/>
+              <a:cs typeface="+mn-cs"/>
+            </a:endParaRPr>
+          </a:p>
+        </p:txBody>
+      </p:sp>
+      <p:sp>
+        <p:nvSpPr>
+          <p:cNvPr id="33" name="Rectangle 32">
+            <a:extLst>
+              <a:ext uri="{FF2B5EF4-FFF2-40B4-BE49-F238E27FC236}">
+                <a16:creationId xmlns:a16="http://schemas.microsoft.com/office/drawing/2014/main" id="{6016219D-510E-4184-9090-6D5578A87BD1}"/>
+              </a:ext>
+              <a:ext uri="{C183D7F6-B498-43B3-948B-1728B52AA6E4}">
+                <adec:decorative xmlns:adec="http://schemas.microsoft.com/office/drawing/2017/decorative" val="1"/>
+              </a:ext>
+            </a:extLst>
+          </p:cNvPr>
+          <p:cNvSpPr>
+            <a:spLocks noGrp="1" noRot="1" noChangeAspect="1" noMove="1" noResize="1" noEditPoints="1" noAdjustHandles="1" noChangeArrowheads="1" noChangeShapeType="1" noTextEdit="1"/>
+          </p:cNvSpPr>
+          <p:nvPr>
+            <p:extLst>
+              <p:ext uri="{386F3935-93C4-4BCD-93E2-E3B085C9AB24}">
+                <p16:designElem xmlns:p16="http://schemas.microsoft.com/office/powerpoint/2015/main" val="1"/>
+              </p:ext>
+            </p:extLst>
+          </p:nvPr>
+        </p:nvSpPr>
+        <p:spPr>
+          <a:xfrm rot="5400000">
+            <a:off x="3908719" y="-3931841"/>
+            <a:ext cx="4374557" cy="12192000"/>
+          </a:xfrm>
+          <a:prstGeom prst="rect">
+            <a:avLst/>
+          </a:prstGeom>
+          <a:gradFill>
+            <a:gsLst>
+              <a:gs pos="40000">
+                <a:schemeClr val="accent1">
+                  <a:alpha val="0"/>
+                </a:schemeClr>
+              </a:gs>
+              <a:gs pos="100000">
+                <a:schemeClr val="accent1">
+                  <a:lumMod val="75000"/>
+                  <a:alpha val="52000"/>
+                </a:schemeClr>
+              </a:gs>
+            </a:gsLst>
+            <a:lin ang="2400000" scaled="0"/>
+          </a:gradFill>
+          <a:ln>
+            <a:noFill/>
+          </a:ln>
+        </p:spPr>
+        <p:style>
+          <a:lnRef idx="2">
+            <a:schemeClr val="accent1">
+              <a:shade val="50000"/>
+            </a:schemeClr>
+          </a:lnRef>
+          <a:fillRef idx="1">
+            <a:schemeClr val="accent1"/>
+          </a:fillRef>
+          <a:effectRef idx="0">
+            <a:schemeClr val="accent1"/>
+          </a:effectRef>
+          <a:fontRef idx="minor">
+            <a:schemeClr val="lt1"/>
+          </a:fontRef>
+        </p:style>
+        <p:txBody>
+          <a:bodyPr rtlCol="0" anchor="ctr"/>
+          <a:lstStyle/>
+          <a:p>
+            <a:pPr marL="0" marR="0" lvl="0" indent="0" algn="ctr" defTabSz="914400" rtl="0" eaLnBrk="1" fontAlgn="auto" latinLnBrk="0" hangingPunct="1">
+              <a:lnSpc>
+                <a:spcPct val="100000"/>
+              </a:lnSpc>
+              <a:spcBef>
+                <a:spcPts val="0"/>
+              </a:spcBef>
+              <a:spcAft>
+                <a:spcPts val="0"/>
+              </a:spcAft>
+              <a:buClrTx/>
+              <a:buSzTx/>
+              <a:buFontTx/>
+              <a:buNone/>
+              <a:tabLst/>
+              <a:defRPr/>
+            </a:pPr>
+            <a:endParaRPr kumimoji="0" lang="en-US" sz="1800" b="0" i="0" u="none" strike="noStrike" kern="1200" cap="none" spc="0" normalizeH="0" baseline="0" noProof="0">
+              <a:ln>
+                <a:noFill/>
+              </a:ln>
+              <a:solidFill>
+                <a:prstClr val="white"/>
+              </a:solidFill>
+              <a:effectLst/>
+              <a:uLnTx/>
+              <a:uFillTx/>
+              <a:latin typeface="Aptos" panose="02110004020202020204"/>
+              <a:ea typeface="+mn-ea"/>
+              <a:cs typeface="+mn-cs"/>
+            </a:endParaRPr>
+          </a:p>
+        </p:txBody>
+      </p:sp>
+      <p:sp>
+        <p:nvSpPr>
+          <p:cNvPr id="35" name="Rectangle 34">
+            <a:extLst>
+              <a:ext uri="{FF2B5EF4-FFF2-40B4-BE49-F238E27FC236}">
+                <a16:creationId xmlns:a16="http://schemas.microsoft.com/office/drawing/2014/main" id="{AFF4A713-7B75-4B21-90D7-5AB19547C728}"/>
+              </a:ext>
+              <a:ext uri="{C183D7F6-B498-43B3-948B-1728B52AA6E4}">
+                <adec:decorative xmlns:adec="http://schemas.microsoft.com/office/drawing/2017/decorative" val="1"/>
+              </a:ext>
+            </a:extLst>
+          </p:cNvPr>
+          <p:cNvSpPr>
+            <a:spLocks noGrp="1" noRot="1" noChangeAspect="1" noMove="1" noResize="1" noEditPoints="1" noAdjustHandles="1" noChangeArrowheads="1" noChangeShapeType="1" noTextEdit="1"/>
+          </p:cNvSpPr>
+          <p:nvPr>
+            <p:extLst>
+              <p:ext uri="{386F3935-93C4-4BCD-93E2-E3B085C9AB24}">
+                <p16:designElem xmlns:p16="http://schemas.microsoft.com/office/powerpoint/2015/main" val="1"/>
+              </p:ext>
+            </p:extLst>
+          </p:nvPr>
+        </p:nvSpPr>
+        <p:spPr>
+          <a:xfrm rot="5400000">
+            <a:off x="4136696" y="-3703868"/>
+            <a:ext cx="4374128" cy="11736479"/>
+          </a:xfrm>
+          <a:prstGeom prst="rect">
+            <a:avLst/>
+          </a:prstGeom>
+          <a:gradFill>
+            <a:gsLst>
+              <a:gs pos="17000">
+                <a:schemeClr val="accent1">
+                  <a:alpha val="0"/>
+                </a:schemeClr>
+              </a:gs>
+              <a:gs pos="100000">
+                <a:srgbClr val="000000">
+                  <a:alpha val="37000"/>
+                </a:srgbClr>
+              </a:gs>
+            </a:gsLst>
+            <a:lin ang="7800000" scaled="0"/>
+          </a:gradFill>
+          <a:ln>
+            <a:noFill/>
+          </a:ln>
+        </p:spPr>
+        <p:style>
+          <a:lnRef idx="2">
+            <a:schemeClr val="accent1">
+              <a:shade val="50000"/>
+            </a:schemeClr>
+          </a:lnRef>
+          <a:fillRef idx="1">
+            <a:schemeClr val="accent1"/>
+          </a:fillRef>
+          <a:effectRef idx="0">
+            <a:schemeClr val="accent1"/>
+          </a:effectRef>
+          <a:fontRef idx="minor">
+            <a:schemeClr val="lt1"/>
+          </a:fontRef>
+        </p:style>
+        <p:txBody>
+          <a:bodyPr rtlCol="0" anchor="ctr"/>
+          <a:lstStyle/>
+          <a:p>
+            <a:pPr marL="0" marR="0" lvl="0" indent="0" algn="ctr" defTabSz="914400" rtl="0" eaLnBrk="1" fontAlgn="auto" latinLnBrk="0" hangingPunct="1">
+              <a:lnSpc>
+                <a:spcPct val="100000"/>
+              </a:lnSpc>
+              <a:spcBef>
+                <a:spcPts val="0"/>
+              </a:spcBef>
+              <a:spcAft>
+                <a:spcPts val="0"/>
+              </a:spcAft>
+              <a:buClrTx/>
+              <a:buSzTx/>
+              <a:buFontTx/>
+              <a:buNone/>
+              <a:tabLst/>
+              <a:defRPr/>
+            </a:pPr>
+            <a:endParaRPr kumimoji="0" lang="en-US" sz="1800" b="0" i="0" u="none" strike="noStrike" kern="1200" cap="none" spc="0" normalizeH="0" baseline="0" noProof="0">
+              <a:ln>
+                <a:noFill/>
+              </a:ln>
+              <a:solidFill>
+                <a:prstClr val="white"/>
+              </a:solidFill>
+              <a:effectLst/>
+              <a:uLnTx/>
+              <a:uFillTx/>
+              <a:latin typeface="Aptos" panose="02110004020202020204"/>
+              <a:ea typeface="+mn-ea"/>
+              <a:cs typeface="+mn-cs"/>
+            </a:endParaRPr>
+          </a:p>
+        </p:txBody>
+      </p:sp>
+      <p:sp>
+        <p:nvSpPr>
+          <p:cNvPr id="37" name="Rectangle 36">
+            <a:extLst>
+              <a:ext uri="{FF2B5EF4-FFF2-40B4-BE49-F238E27FC236}">
+                <a16:creationId xmlns:a16="http://schemas.microsoft.com/office/drawing/2014/main" id="{DC631C0B-6DA6-4E57-8231-CE32B3434A7E}"/>
+              </a:ext>
+              <a:ext uri="{C183D7F6-B498-43B3-948B-1728B52AA6E4}">
+                <adec:decorative xmlns:adec="http://schemas.microsoft.com/office/drawing/2017/decorative" val="1"/>
+              </a:ext>
+            </a:extLst>
+          </p:cNvPr>
+          <p:cNvSpPr>
+            <a:spLocks noGrp="1" noRot="1" noChangeAspect="1" noMove="1" noResize="1" noEditPoints="1" noAdjustHandles="1" noChangeArrowheads="1" noChangeShapeType="1" noTextEdit="1"/>
+          </p:cNvSpPr>
+          <p:nvPr>
+            <p:extLst>
+              <p:ext uri="{386F3935-93C4-4BCD-93E2-E3B085C9AB24}">
+                <p16:designElem xmlns:p16="http://schemas.microsoft.com/office/powerpoint/2015/main" val="1"/>
+              </p:ext>
+            </p:extLst>
+          </p:nvPr>
+        </p:nvSpPr>
+        <p:spPr>
+          <a:xfrm>
+            <a:off x="-5" y="-22690"/>
+            <a:ext cx="8542485" cy="4374126"/>
+          </a:xfrm>
+          <a:prstGeom prst="rect">
+            <a:avLst/>
+          </a:prstGeom>
+          <a:gradFill>
+            <a:gsLst>
+              <a:gs pos="0">
+                <a:schemeClr val="accent1">
+                  <a:lumMod val="50000"/>
+                  <a:alpha val="0"/>
+                </a:schemeClr>
+              </a:gs>
+              <a:gs pos="100000">
+                <a:srgbClr val="000000">
+                  <a:alpha val="25000"/>
+                </a:srgbClr>
+              </a:gs>
+            </a:gsLst>
+            <a:lin ang="18600000" scaled="0"/>
+          </a:gradFill>
+          <a:ln>
+            <a:noFill/>
+          </a:ln>
+        </p:spPr>
+        <p:style>
+          <a:lnRef idx="2">
+            <a:schemeClr val="accent1">
+              <a:shade val="50000"/>
+            </a:schemeClr>
+          </a:lnRef>
+          <a:fillRef idx="1">
+            <a:schemeClr val="accent1"/>
+          </a:fillRef>
+          <a:effectRef idx="0">
+            <a:schemeClr val="accent1"/>
+          </a:effectRef>
+          <a:fontRef idx="minor">
+            <a:schemeClr val="lt1"/>
+          </a:fontRef>
+        </p:style>
+        <p:txBody>
+          <a:bodyPr rtlCol="0" anchor="ctr"/>
+          <a:lstStyle/>
+          <a:p>
+            <a:pPr marL="0" marR="0" lvl="0" indent="0" algn="ctr" defTabSz="914400" rtl="0" eaLnBrk="1" fontAlgn="auto" latinLnBrk="0" hangingPunct="1">
+              <a:lnSpc>
+                <a:spcPct val="100000"/>
+              </a:lnSpc>
+              <a:spcBef>
+                <a:spcPts val="0"/>
+              </a:spcBef>
+              <a:spcAft>
+                <a:spcPts val="0"/>
+              </a:spcAft>
+              <a:buClrTx/>
+              <a:buSzTx/>
+              <a:buFontTx/>
+              <a:buNone/>
+              <a:tabLst/>
+              <a:defRPr/>
+            </a:pPr>
+            <a:endParaRPr kumimoji="0" lang="en-US" sz="1800" b="0" i="0" u="none" strike="noStrike" kern="1200" cap="none" spc="0" normalizeH="0" baseline="0" noProof="0">
+              <a:ln>
+                <a:noFill/>
+              </a:ln>
+              <a:solidFill>
+                <a:prstClr val="white"/>
+              </a:solidFill>
+              <a:effectLst/>
+              <a:uLnTx/>
+              <a:uFillTx/>
+              <a:latin typeface="Aptos" panose="02110004020202020204"/>
+              <a:ea typeface="+mn-ea"/>
+              <a:cs typeface="+mn-cs"/>
+            </a:endParaRPr>
+          </a:p>
+        </p:txBody>
+      </p:sp>
+      <p:sp>
+        <p:nvSpPr>
+          <p:cNvPr id="39" name="Freeform: Shape 38">
+            <a:extLst>
+              <a:ext uri="{FF2B5EF4-FFF2-40B4-BE49-F238E27FC236}">
+                <a16:creationId xmlns:a16="http://schemas.microsoft.com/office/drawing/2014/main" id="{C29501E6-A978-4A61-9689-9085AF97A53A}"/>
+              </a:ext>
+              <a:ext uri="{C183D7F6-B498-43B3-948B-1728B52AA6E4}">
+                <adec:decorative xmlns:adec="http://schemas.microsoft.com/office/drawing/2017/decorative" val="1"/>
+              </a:ext>
+            </a:extLst>
+          </p:cNvPr>
+          <p:cNvSpPr>
+            <a:spLocks noGrp="1" noRot="1" noChangeAspect="1" noMove="1" noResize="1" noEditPoints="1" noAdjustHandles="1" noChangeArrowheads="1" noChangeShapeType="1" noTextEdit="1"/>
+          </p:cNvSpPr>
+          <p:nvPr>
+            <p:extLst>
+              <p:ext uri="{386F3935-93C4-4BCD-93E2-E3B085C9AB24}">
+                <p16:designElem xmlns:p16="http://schemas.microsoft.com/office/powerpoint/2015/main" val="1"/>
+              </p:ext>
+            </p:extLst>
+          </p:nvPr>
+        </p:nvSpPr>
+        <p:spPr>
+          <a:xfrm rot="12508972">
+            <a:off x="5945431" y="-1032053"/>
+            <a:ext cx="4990147" cy="4439131"/>
+          </a:xfrm>
+          <a:custGeom>
+            <a:avLst/>
+            <a:gdLst>
+              <a:gd name="connsiteX0" fmla="*/ 4990147 w 4990147"/>
+              <a:gd name="connsiteY0" fmla="*/ 2229378 h 4439131"/>
+              <a:gd name="connsiteX1" fmla="*/ 917384 w 4990147"/>
+              <a:gd name="connsiteY1" fmla="*/ 4439131 h 4439131"/>
+              <a:gd name="connsiteX2" fmla="*/ 910814 w 4990147"/>
+              <a:gd name="connsiteY2" fmla="*/ 4434219 h 4439131"/>
+              <a:gd name="connsiteX3" fmla="*/ 0 w 4990147"/>
+              <a:gd name="connsiteY3" fmla="*/ 2502877 h 4439131"/>
+              <a:gd name="connsiteX4" fmla="*/ 2502877 w 4990147"/>
+              <a:gd name="connsiteY4" fmla="*/ 0 h 4439131"/>
+              <a:gd name="connsiteX5" fmla="*/ 4954904 w 4990147"/>
+              <a:gd name="connsiteY5" fmla="*/ 1998460 h 4439131"/>
+            </a:gdLst>
+            <a:ahLst/>
+            <a:cxnLst>
+              <a:cxn ang="0">
+                <a:pos x="connsiteX0" y="connsiteY0"/>
+              </a:cxn>
+              <a:cxn ang="0">
+                <a:pos x="connsiteX1" y="connsiteY1"/>
+              </a:cxn>
+              <a:cxn ang="0">
+                <a:pos x="connsiteX2" y="connsiteY2"/>
+              </a:cxn>
+              <a:cxn ang="0">
+                <a:pos x="connsiteX3" y="connsiteY3"/>
+              </a:cxn>
+              <a:cxn ang="0">
+                <a:pos x="connsiteX4" y="connsiteY4"/>
+              </a:cxn>
+              <a:cxn ang="0">
+                <a:pos x="connsiteX5" y="connsiteY5"/>
+              </a:cxn>
+            </a:cxnLst>
+            <a:rect l="l" t="t" r="r" b="b"/>
+            <a:pathLst>
+              <a:path w="4990147" h="4439131">
+                <a:moveTo>
+                  <a:pt x="4990147" y="2229378"/>
+                </a:moveTo>
+                <a:lnTo>
+                  <a:pt x="917384" y="4439131"/>
+                </a:lnTo>
+                <a:lnTo>
+                  <a:pt x="910814" y="4434219"/>
+                </a:lnTo>
+                <a:cubicBezTo>
+                  <a:pt x="354557" y="3975154"/>
+                  <a:pt x="0" y="3280421"/>
+                  <a:pt x="0" y="2502877"/>
+                </a:cubicBezTo>
+                <a:cubicBezTo>
+                  <a:pt x="0" y="1120576"/>
+                  <a:pt x="1120576" y="0"/>
+                  <a:pt x="2502877" y="0"/>
+                </a:cubicBezTo>
+                <a:cubicBezTo>
+                  <a:pt x="3712390" y="0"/>
+                  <a:pt x="4721520" y="857941"/>
+                  <a:pt x="4954904" y="1998460"/>
+                </a:cubicBezTo>
+                <a:close/>
+              </a:path>
+            </a:pathLst>
+          </a:custGeom>
+          <a:gradFill>
+            <a:gsLst>
+              <a:gs pos="0">
+                <a:schemeClr val="accent1">
+                  <a:alpha val="22000"/>
+                </a:schemeClr>
+              </a:gs>
+              <a:gs pos="87000">
+                <a:schemeClr val="accent1">
+                  <a:lumMod val="60000"/>
+                  <a:lumOff val="40000"/>
+                  <a:alpha val="2000"/>
+                </a:schemeClr>
+              </a:gs>
+            </a:gsLst>
+            <a:lin ang="8400000" scaled="0"/>
+          </a:gradFill>
+          <a:ln>
+            <a:noFill/>
+          </a:ln>
+        </p:spPr>
+        <p:style>
+          <a:lnRef idx="2">
+            <a:schemeClr val="accent1">
+              <a:shade val="50000"/>
+            </a:schemeClr>
+          </a:lnRef>
+          <a:fillRef idx="1">
+            <a:schemeClr val="accent1"/>
+          </a:fillRef>
+          <a:effectRef idx="0">
+            <a:schemeClr val="accent1"/>
+          </a:effectRef>
+          <a:fontRef idx="minor">
+            <a:schemeClr val="lt1"/>
+          </a:fontRef>
+        </p:style>
+        <p:txBody>
+          <a:bodyPr wrap="square" rtlCol="0" anchor="ctr">
+            <a:noAutofit/>
+          </a:bodyPr>
+          <a:lstStyle/>
+          <a:p>
+            <a:pPr marL="0" marR="0" lvl="0" indent="0" algn="ctr" defTabSz="914400" rtl="0" eaLnBrk="1" fontAlgn="auto" latinLnBrk="0" hangingPunct="1">
+              <a:lnSpc>
+                <a:spcPct val="100000"/>
+              </a:lnSpc>
+              <a:spcBef>
+                <a:spcPts val="0"/>
+              </a:spcBef>
+              <a:spcAft>
+                <a:spcPts val="0"/>
+              </a:spcAft>
+              <a:buClrTx/>
+              <a:buSzTx/>
+              <a:buFontTx/>
+              <a:buNone/>
+              <a:tabLst/>
+              <a:defRPr/>
+            </a:pPr>
+            <a:endParaRPr kumimoji="0" lang="en-US" sz="1800" b="0" i="0" u="none" strike="noStrike" kern="1200" cap="none" spc="0" normalizeH="0" baseline="0" noProof="0" dirty="0">
+              <a:ln>
+                <a:noFill/>
+              </a:ln>
+              <a:solidFill>
+                <a:prstClr val="white"/>
+              </a:solidFill>
+              <a:effectLst/>
+              <a:uLnTx/>
+              <a:uFillTx/>
+              <a:latin typeface="Aptos" panose="02110004020202020204"/>
+              <a:ea typeface="+mn-ea"/>
+              <a:cs typeface="+mn-cs"/>
+            </a:endParaRPr>
+          </a:p>
+        </p:txBody>
+      </p:sp>
       <p:sp>
         <p:nvSpPr>
           <p:cNvPr id="2" name="Title 1">
@@ -29131,7 +30410,7 @@
     </p:spTree>
     <p:extLst>
       <p:ext uri="{BB962C8B-B14F-4D97-AF65-F5344CB8AC3E}">
-        <p14:creationId xmlns:p14="http://schemas.microsoft.com/office/powerpoint/2010/main" val="1089398144"/>
+        <p14:creationId xmlns:p14="http://schemas.microsoft.com/office/powerpoint/2010/main" val="639062714"/>
       </p:ext>
     </p:extLst>
   </p:cSld>
@@ -29285,6 +30564,294 @@
   <p:cSld>
     <p:spTree>
       <p:nvGrpSpPr>
+        <p:cNvPr id="1" name=""/>
+        <p:cNvGrpSpPr/>
+        <p:nvPr/>
+      </p:nvGrpSpPr>
+      <p:grpSpPr>
+        <a:xfrm>
+          <a:off x="0" y="0"/>
+          <a:ext cx="0" cy="0"/>
+          <a:chOff x="0" y="0"/>
+          <a:chExt cx="0" cy="0"/>
+        </a:xfrm>
+      </p:grpSpPr>
+      <p:sp>
+        <p:nvSpPr>
+          <p:cNvPr id="2" name="Title 1">
+            <a:extLst>
+              <a:ext uri="{FF2B5EF4-FFF2-40B4-BE49-F238E27FC236}">
+                <a16:creationId xmlns:a16="http://schemas.microsoft.com/office/drawing/2014/main" id="{9C0BD8BE-D4DF-0304-16F4-8934A8533A5A}"/>
+              </a:ext>
+            </a:extLst>
+          </p:cNvPr>
+          <p:cNvSpPr>
+            <a:spLocks noGrp="1"/>
+          </p:cNvSpPr>
+          <p:nvPr>
+            <p:ph type="title"/>
+          </p:nvPr>
+        </p:nvSpPr>
+        <p:spPr/>
+        <p:txBody>
+          <a:bodyPr/>
+          <a:lstStyle/>
+          <a:p>
+            <a:r>
+              <a:rPr lang="en-US" dirty="0"/>
+              <a:t>Model Evaluation </a:t>
+            </a:r>
+          </a:p>
+        </p:txBody>
+      </p:sp>
+    </p:spTree>
+    <p:extLst>
+      <p:ext uri="{BB962C8B-B14F-4D97-AF65-F5344CB8AC3E}">
+        <p14:creationId xmlns:p14="http://schemas.microsoft.com/office/powerpoint/2010/main" val="1619498896"/>
+      </p:ext>
+    </p:extLst>
+  </p:cSld>
+  <p:clrMapOvr>
+    <a:masterClrMapping/>
+  </p:clrMapOvr>
+</p:sld>
+</file>
+
+<file path=ppt/slides/slide11.xml><?xml version="1.0" encoding="utf-8"?>
+<p:sld xmlns:a="http://schemas.openxmlformats.org/drawingml/2006/main" xmlns:r="http://schemas.openxmlformats.org/officeDocument/2006/relationships" xmlns:p="http://schemas.openxmlformats.org/presentationml/2006/main">
+  <p:cSld>
+    <p:spTree>
+      <p:nvGrpSpPr>
+        <p:cNvPr id="1" name="">
+          <a:extLst>
+            <a:ext uri="{FF2B5EF4-FFF2-40B4-BE49-F238E27FC236}">
+              <a16:creationId xmlns:a16="http://schemas.microsoft.com/office/drawing/2014/main" id="{C9A8AC02-7B06-88A4-3E9E-6FD9EF387AD8}"/>
+            </a:ext>
+          </a:extLst>
+        </p:cNvPr>
+        <p:cNvGrpSpPr/>
+        <p:nvPr/>
+      </p:nvGrpSpPr>
+      <p:grpSpPr>
+        <a:xfrm>
+          <a:off x="0" y="0"/>
+          <a:ext cx="0" cy="0"/>
+          <a:chOff x="0" y="0"/>
+          <a:chExt cx="0" cy="0"/>
+        </a:xfrm>
+      </p:grpSpPr>
+      <p:pic>
+        <p:nvPicPr>
+          <p:cNvPr id="3" name="Picture 2">
+            <a:extLst>
+              <a:ext uri="{FF2B5EF4-FFF2-40B4-BE49-F238E27FC236}">
+                <a16:creationId xmlns:a16="http://schemas.microsoft.com/office/drawing/2014/main" id="{3536C2C4-4D89-DBD5-0E52-BCA2C6B6B613}"/>
+              </a:ext>
+            </a:extLst>
+          </p:cNvPr>
+          <p:cNvPicPr>
+            <a:picLocks noChangeAspect="1"/>
+          </p:cNvPicPr>
+          <p:nvPr/>
+        </p:nvPicPr>
+        <p:blipFill>
+          <a:blip r:embed="rId3"/>
+          <a:srcRect r="9091" b="23391"/>
+          <a:stretch>
+            <a:fillRect/>
+          </a:stretch>
+        </p:blipFill>
+        <p:spPr>
+          <a:xfrm>
+            <a:off x="20" y="10"/>
+            <a:ext cx="12191980" cy="6857990"/>
+          </a:xfrm>
+          <a:prstGeom prst="rect">
+            <a:avLst/>
+          </a:prstGeom>
+        </p:spPr>
+      </p:pic>
+      <p:sp>
+        <p:nvSpPr>
+          <p:cNvPr id="2" name="Title 1">
+            <a:extLst>
+              <a:ext uri="{FF2B5EF4-FFF2-40B4-BE49-F238E27FC236}">
+                <a16:creationId xmlns:a16="http://schemas.microsoft.com/office/drawing/2014/main" id="{9BD21DE1-7C79-EFF9-BA63-3CF2BBDAF132}"/>
+              </a:ext>
+            </a:extLst>
+          </p:cNvPr>
+          <p:cNvSpPr>
+            <a:spLocks noGrp="1"/>
+          </p:cNvSpPr>
+          <p:nvPr>
+            <p:ph type="title"/>
+          </p:nvPr>
+        </p:nvSpPr>
+        <p:spPr/>
+        <p:txBody>
+          <a:bodyPr>
+            <a:normAutofit/>
+          </a:bodyPr>
+          <a:lstStyle/>
+          <a:p>
+            <a:r>
+              <a:rPr lang="en-US" dirty="0"/>
+              <a:t>Modeling Cycle</a:t>
+            </a:r>
+          </a:p>
+        </p:txBody>
+      </p:sp>
+      <p:graphicFrame>
+        <p:nvGraphicFramePr>
+          <p:cNvPr id="5" name="Content Placeholder 2">
+            <a:extLst>
+              <a:ext uri="{FF2B5EF4-FFF2-40B4-BE49-F238E27FC236}">
+                <a16:creationId xmlns:a16="http://schemas.microsoft.com/office/drawing/2014/main" id="{60FC68B3-ADE4-E279-80AA-305BF4C8BF12}"/>
+              </a:ext>
+            </a:extLst>
+          </p:cNvPr>
+          <p:cNvGraphicFramePr>
+            <a:graphicFrameLocks noGrp="1"/>
+          </p:cNvGraphicFramePr>
+          <p:nvPr>
+            <p:ph idx="1"/>
+            <p:extLst>
+              <p:ext uri="{D42A27DB-BD31-4B8C-83A1-F6EECF244321}">
+                <p14:modId xmlns:p14="http://schemas.microsoft.com/office/powerpoint/2010/main" val="3920484763"/>
+              </p:ext>
+            </p:extLst>
+          </p:nvPr>
+        </p:nvGraphicFramePr>
+        <p:xfrm>
+          <a:off x="838200" y="1825625"/>
+          <a:ext cx="10515600" cy="4351338"/>
+        </p:xfrm>
+        <a:graphic>
+          <a:graphicData uri="http://schemas.openxmlformats.org/drawingml/2006/diagram">
+            <dgm:relIds xmlns:dgm="http://schemas.openxmlformats.org/drawingml/2006/diagram" xmlns:r="http://schemas.openxmlformats.org/officeDocument/2006/relationships" r:dm="rId4" r:lo="rId5" r:qs="rId6" r:cs="rId7"/>
+          </a:graphicData>
+        </a:graphic>
+      </p:graphicFrame>
+    </p:spTree>
+    <p:extLst>
+      <p:ext uri="{BB962C8B-B14F-4D97-AF65-F5344CB8AC3E}">
+        <p14:creationId xmlns:p14="http://schemas.microsoft.com/office/powerpoint/2010/main" val="3983789575"/>
+      </p:ext>
+    </p:extLst>
+  </p:cSld>
+  <p:clrMapOvr>
+    <a:masterClrMapping/>
+  </p:clrMapOvr>
+</p:sld>
+</file>
+
+<file path=ppt/slides/slide12.xml><?xml version="1.0" encoding="utf-8"?>
+<p:sld xmlns:a="http://schemas.openxmlformats.org/drawingml/2006/main" xmlns:r="http://schemas.openxmlformats.org/officeDocument/2006/relationships" xmlns:p="http://schemas.openxmlformats.org/presentationml/2006/main">
+  <p:cSld>
+    <p:spTree>
+      <p:nvGrpSpPr>
+        <p:cNvPr id="1" name="">
+          <a:extLst>
+            <a:ext uri="{FF2B5EF4-FFF2-40B4-BE49-F238E27FC236}">
+              <a16:creationId xmlns:a16="http://schemas.microsoft.com/office/drawing/2014/main" id="{5B2D192F-3B1F-9B3D-51A3-25AFB122D76E}"/>
+            </a:ext>
+          </a:extLst>
+        </p:cNvPr>
+        <p:cNvGrpSpPr/>
+        <p:nvPr/>
+      </p:nvGrpSpPr>
+      <p:grpSpPr>
+        <a:xfrm>
+          <a:off x="0" y="0"/>
+          <a:ext cx="0" cy="0"/>
+          <a:chOff x="0" y="0"/>
+          <a:chExt cx="0" cy="0"/>
+        </a:xfrm>
+      </p:grpSpPr>
+      <p:sp>
+        <p:nvSpPr>
+          <p:cNvPr id="2" name="Title 1">
+            <a:extLst>
+              <a:ext uri="{FF2B5EF4-FFF2-40B4-BE49-F238E27FC236}">
+                <a16:creationId xmlns:a16="http://schemas.microsoft.com/office/drawing/2014/main" id="{27847107-D822-6C21-C208-AC45390C4437}"/>
+              </a:ext>
+            </a:extLst>
+          </p:cNvPr>
+          <p:cNvSpPr>
+            <a:spLocks noGrp="1"/>
+          </p:cNvSpPr>
+          <p:nvPr>
+            <p:ph type="title"/>
+          </p:nvPr>
+        </p:nvSpPr>
+        <p:spPr>
+          <a:xfrm>
+            <a:off x="635000" y="640823"/>
+            <a:ext cx="3418659" cy="5583148"/>
+          </a:xfrm>
+        </p:spPr>
+        <p:txBody>
+          <a:bodyPr anchor="ctr">
+            <a:normAutofit/>
+          </a:bodyPr>
+          <a:lstStyle/>
+          <a:p>
+            <a:r>
+              <a:rPr lang="en-US" sz="4000" dirty="0"/>
+              <a:t>Preprocessing Pipeline</a:t>
+            </a:r>
+          </a:p>
+        </p:txBody>
+      </p:sp>
+      <p:graphicFrame>
+        <p:nvGraphicFramePr>
+          <p:cNvPr id="5" name="Content Placeholder 2">
+            <a:extLst>
+              <a:ext uri="{FF2B5EF4-FFF2-40B4-BE49-F238E27FC236}">
+                <a16:creationId xmlns:a16="http://schemas.microsoft.com/office/drawing/2014/main" id="{C4D6CEDE-F9A5-75AC-1298-7E85E73F87B6}"/>
+              </a:ext>
+            </a:extLst>
+          </p:cNvPr>
+          <p:cNvGraphicFramePr>
+            <a:graphicFrameLocks noGrp="1"/>
+          </p:cNvGraphicFramePr>
+          <p:nvPr>
+            <p:ph idx="1"/>
+            <p:extLst>
+              <p:ext uri="{D42A27DB-BD31-4B8C-83A1-F6EECF244321}">
+                <p14:modId xmlns:p14="http://schemas.microsoft.com/office/powerpoint/2010/main" val="965759438"/>
+              </p:ext>
+            </p:extLst>
+          </p:nvPr>
+        </p:nvGraphicFramePr>
+        <p:xfrm>
+          <a:off x="4648018" y="640822"/>
+          <a:ext cx="6900512" cy="5536141"/>
+        </p:xfrm>
+        <a:graphic>
+          <a:graphicData uri="http://schemas.openxmlformats.org/drawingml/2006/diagram">
+            <dgm:relIds xmlns:dgm="http://schemas.openxmlformats.org/drawingml/2006/diagram" xmlns:r="http://schemas.openxmlformats.org/officeDocument/2006/relationships" r:dm="rId3" r:lo="rId4" r:qs="rId5" r:cs="rId6"/>
+          </a:graphicData>
+        </a:graphic>
+      </p:graphicFrame>
+    </p:spTree>
+    <p:extLst>
+      <p:ext uri="{BB962C8B-B14F-4D97-AF65-F5344CB8AC3E}">
+        <p14:creationId xmlns:p14="http://schemas.microsoft.com/office/powerpoint/2010/main" val="1181019842"/>
+      </p:ext>
+    </p:extLst>
+  </p:cSld>
+  <p:clrMapOvr>
+    <a:masterClrMapping/>
+  </p:clrMapOvr>
+</p:sld>
+</file>
+
+<file path=ppt/slides/slide13.xml><?xml version="1.0" encoding="utf-8"?>
+<p:sld xmlns:a="http://schemas.openxmlformats.org/drawingml/2006/main" xmlns:r="http://schemas.openxmlformats.org/officeDocument/2006/relationships" xmlns:p="http://schemas.openxmlformats.org/presentationml/2006/main">
+  <p:cSld>
+    <p:spTree>
+      <p:nvGrpSpPr>
         <p:cNvPr id="1" name="">
           <a:extLst>
             <a:ext uri="{FF2B5EF4-FFF2-40B4-BE49-F238E27FC236}">
@@ -29382,7 +30949,7 @@
 </p:sld>
 </file>
 
-<file path=ppt/slides/slide11.xml><?xml version="1.0" encoding="utf-8"?>
+<file path=ppt/slides/slide14.xml><?xml version="1.0" encoding="utf-8"?>
 <p:sld xmlns:a="http://schemas.openxmlformats.org/drawingml/2006/main" xmlns:r="http://schemas.openxmlformats.org/officeDocument/2006/relationships" xmlns:p="http://schemas.openxmlformats.org/presentationml/2006/main">
   <p:cSld>
     <p:spTree>
@@ -29484,7 +31051,7 @@
 </p:sld>
 </file>
 
-<file path=ppt/slides/slide12.xml><?xml version="1.0" encoding="utf-8"?>
+<file path=ppt/slides/slide15.xml><?xml version="1.0" encoding="utf-8"?>
 <p:sld xmlns:a="http://schemas.openxmlformats.org/drawingml/2006/main" xmlns:r="http://schemas.openxmlformats.org/officeDocument/2006/relationships" xmlns:p="http://schemas.openxmlformats.org/presentationml/2006/main">
   <p:cSld>
     <p:spTree>
@@ -29586,7 +31153,7 @@
 </p:sld>
 </file>
 
-<file path=ppt/slides/slide13.xml><?xml version="1.0" encoding="utf-8"?>
+<file path=ppt/slides/slide16.xml><?xml version="1.0" encoding="utf-8"?>
 <p:sld xmlns:a="http://schemas.openxmlformats.org/drawingml/2006/main" xmlns:r="http://schemas.openxmlformats.org/officeDocument/2006/relationships" xmlns:p="http://schemas.openxmlformats.org/presentationml/2006/main">
   <p:cSld>
     <p:spTree>
@@ -29688,7 +31255,7 @@
 </p:sld>
 </file>
 
-<file path=ppt/slides/slide14.xml><?xml version="1.0" encoding="utf-8"?>
+<file path=ppt/slides/slide17.xml><?xml version="1.0" encoding="utf-8"?>
 <p:sld xmlns:a="http://schemas.openxmlformats.org/drawingml/2006/main" xmlns:r="http://schemas.openxmlformats.org/officeDocument/2006/relationships" xmlns:p="http://schemas.openxmlformats.org/presentationml/2006/main">
   <p:cSld>
     <p:spTree>
@@ -29790,7 +31357,7 @@
 </p:sld>
 </file>
 
-<file path=ppt/slides/slide15.xml><?xml version="1.0" encoding="utf-8"?>
+<file path=ppt/slides/slide18.xml><?xml version="1.0" encoding="utf-8"?>
 <p:sld xmlns:a="http://schemas.openxmlformats.org/drawingml/2006/main" xmlns:r="http://schemas.openxmlformats.org/officeDocument/2006/relationships" xmlns:p="http://schemas.openxmlformats.org/presentationml/2006/main">
   <p:cSld>
     <p:spTree>
@@ -29876,7 +31443,7 @@
 </p:sld>
 </file>
 
-<file path=ppt/slides/slide16.xml><?xml version="1.0" encoding="utf-8"?>
+<file path=ppt/slides/slide19.xml><?xml version="1.0" encoding="utf-8"?>
 <p:sld xmlns:a="http://schemas.openxmlformats.org/drawingml/2006/main" xmlns:r="http://schemas.openxmlformats.org/officeDocument/2006/relationships" xmlns:p="http://schemas.openxmlformats.org/presentationml/2006/main">
   <p:cSld>
     <p:spTree>
@@ -30138,6 +31705,95 @@
           <a:chExt cx="0" cy="0"/>
         </a:xfrm>
       </p:grpSpPr>
+      <p:sp useBgFill="1">
+        <p:nvSpPr>
+          <p:cNvPr id="55" name="Rectangle 54">
+            <a:extLst>
+              <a:ext uri="{FF2B5EF4-FFF2-40B4-BE49-F238E27FC236}">
+                <a16:creationId xmlns:a16="http://schemas.microsoft.com/office/drawing/2014/main" id="{53B475F8-50AE-46A0-9943-B2B63183D50C}"/>
+              </a:ext>
+              <a:ext uri="{C183D7F6-B498-43B3-948B-1728B52AA6E4}">
+                <adec:decorative xmlns:adec="http://schemas.microsoft.com/office/drawing/2017/decorative" val="1"/>
+              </a:ext>
+            </a:extLst>
+          </p:cNvPr>
+          <p:cNvSpPr>
+            <a:spLocks noGrp="1" noRot="1" noChangeAspect="1" noMove="1" noResize="1" noEditPoints="1" noAdjustHandles="1" noChangeArrowheads="1" noChangeShapeType="1" noTextEdit="1"/>
+          </p:cNvSpPr>
+          <p:nvPr>
+            <p:extLst>
+              <p:ext uri="{386F3935-93C4-4BCD-93E2-E3B085C9AB24}">
+                <p16:designElem xmlns:p16="http://schemas.microsoft.com/office/powerpoint/2015/main" val="1"/>
+              </p:ext>
+            </p:extLst>
+          </p:nvPr>
+        </p:nvSpPr>
+        <p:spPr>
+          <a:xfrm>
+            <a:off x="0" y="0"/>
+            <a:ext cx="12188952" cy="6858000"/>
+          </a:xfrm>
+          <a:prstGeom prst="rect">
+            <a:avLst/>
+          </a:prstGeom>
+          <a:ln>
+            <a:noFill/>
+          </a:ln>
+        </p:spPr>
+        <p:style>
+          <a:lnRef idx="2">
+            <a:schemeClr val="accent1">
+              <a:shade val="50000"/>
+            </a:schemeClr>
+          </a:lnRef>
+          <a:fillRef idx="1">
+            <a:schemeClr val="accent1"/>
+          </a:fillRef>
+          <a:effectRef idx="0">
+            <a:schemeClr val="accent1"/>
+          </a:effectRef>
+          <a:fontRef idx="minor">
+            <a:schemeClr val="lt1"/>
+          </a:fontRef>
+        </p:style>
+        <p:txBody>
+          <a:bodyPr rtlCol="0" anchor="ctr"/>
+          <a:lstStyle/>
+          <a:p>
+            <a:pPr marL="0" marR="0" lvl="0" indent="0" algn="ctr" defTabSz="914400" rtl="0" eaLnBrk="1" fontAlgn="auto" latinLnBrk="0" hangingPunct="1">
+              <a:lnSpc>
+                <a:spcPct val="100000"/>
+              </a:lnSpc>
+              <a:spcBef>
+                <a:spcPts val="0"/>
+              </a:spcBef>
+              <a:spcAft>
+                <a:spcPts val="0"/>
+              </a:spcAft>
+              <a:buClrTx/>
+              <a:buSzTx/>
+              <a:buFontTx/>
+              <a:buNone/>
+              <a:tabLst/>
+              <a:defRPr/>
+            </a:pPr>
+            <a:endParaRPr kumimoji="0" lang="en-US" sz="1800" b="0" i="0" u="none" strike="noStrike" kern="1200" cap="none" spc="0" normalizeH="0" baseline="0" noProof="0">
+              <a:ln>
+                <a:noFill/>
+              </a:ln>
+              <a:solidFill>
+                <a:prstClr val="white"/>
+              </a:solidFill>
+              <a:effectLst/>
+              <a:uLnTx/>
+              <a:uFillTx/>
+              <a:latin typeface="Aptos" panose="02110004020202020204"/>
+              <a:ea typeface="+mn-ea"/>
+              <a:cs typeface="+mn-cs"/>
+            </a:endParaRPr>
+          </a:p>
+        </p:txBody>
+      </p:sp>
       <p:sp>
         <p:nvSpPr>
           <p:cNvPr id="2" name="Title 1">
@@ -30170,6 +31826,409 @@
               <a:rPr lang="en-US" sz="4800" dirty="0"/>
               <a:t>Frame the Problem</a:t>
             </a:r>
+          </a:p>
+        </p:txBody>
+      </p:sp>
+      <p:pic>
+        <p:nvPicPr>
+          <p:cNvPr id="6" name="Picture 5">
+            <a:extLst>
+              <a:ext uri="{FF2B5EF4-FFF2-40B4-BE49-F238E27FC236}">
+                <a16:creationId xmlns:a16="http://schemas.microsoft.com/office/drawing/2014/main" id="{02FEFF3C-30B1-D980-410B-42CC35118C62}"/>
+              </a:ext>
+            </a:extLst>
+          </p:cNvPr>
+          <p:cNvPicPr>
+            <a:picLocks noChangeAspect="1"/>
+          </p:cNvPicPr>
+          <p:nvPr/>
+        </p:nvPicPr>
+        <p:blipFill>
+          <a:blip r:embed="rId2"/>
+          <a:srcRect l="7077" r="11931" b="2"/>
+          <a:stretch>
+            <a:fillRect/>
+          </a:stretch>
+        </p:blipFill>
+        <p:spPr>
+          <a:xfrm>
+            <a:off x="8379409" y="329474"/>
+            <a:ext cx="3532036" cy="1755253"/>
+          </a:xfrm>
+          <a:prstGeom prst="rect">
+            <a:avLst/>
+          </a:prstGeom>
+        </p:spPr>
+      </p:pic>
+      <p:sp>
+        <p:nvSpPr>
+          <p:cNvPr id="56" name="sketch line">
+            <a:extLst>
+              <a:ext uri="{FF2B5EF4-FFF2-40B4-BE49-F238E27FC236}">
+                <a16:creationId xmlns:a16="http://schemas.microsoft.com/office/drawing/2014/main" id="{75F6FDB4-2351-48C2-A863-2364A02343C0}"/>
+              </a:ext>
+              <a:ext uri="{C183D7F6-B498-43B3-948B-1728B52AA6E4}">
+                <adec:decorative xmlns:adec="http://schemas.microsoft.com/office/drawing/2017/decorative" val="1"/>
+              </a:ext>
+            </a:extLst>
+          </p:cNvPr>
+          <p:cNvSpPr>
+            <a:spLocks noGrp="1" noRot="1" noChangeAspect="1" noMove="1" noResize="1" noEditPoints="1" noAdjustHandles="1" noChangeArrowheads="1" noChangeShapeType="1" noTextEdit="1"/>
+          </p:cNvSpPr>
+          <p:nvPr>
+            <p:extLst>
+              <p:ext uri="{386F3935-93C4-4BCD-93E2-E3B085C9AB24}">
+                <p16:designElem xmlns:p16="http://schemas.microsoft.com/office/powerpoint/2015/main" val="1"/>
+              </p:ext>
+            </p:extLst>
+          </p:nvPr>
+        </p:nvSpPr>
+        <p:spPr>
+          <a:xfrm>
+            <a:off x="838200" y="2315691"/>
+            <a:ext cx="4343400" cy="18288"/>
+          </a:xfrm>
+          <a:custGeom>
+            <a:avLst/>
+            <a:gdLst>
+              <a:gd name="connsiteX0" fmla="*/ 0 w 4343400"/>
+              <a:gd name="connsiteY0" fmla="*/ 0 h 18288"/>
+              <a:gd name="connsiteX1" fmla="*/ 577052 w 4343400"/>
+              <a:gd name="connsiteY1" fmla="*/ 0 h 18288"/>
+              <a:gd name="connsiteX2" fmla="*/ 1067235 w 4343400"/>
+              <a:gd name="connsiteY2" fmla="*/ 0 h 18288"/>
+              <a:gd name="connsiteX3" fmla="*/ 1600853 w 4343400"/>
+              <a:gd name="connsiteY3" fmla="*/ 0 h 18288"/>
+              <a:gd name="connsiteX4" fmla="*/ 2264773 w 4343400"/>
+              <a:gd name="connsiteY4" fmla="*/ 0 h 18288"/>
+              <a:gd name="connsiteX5" fmla="*/ 2841825 w 4343400"/>
+              <a:gd name="connsiteY5" fmla="*/ 0 h 18288"/>
+              <a:gd name="connsiteX6" fmla="*/ 3375442 w 4343400"/>
+              <a:gd name="connsiteY6" fmla="*/ 0 h 18288"/>
+              <a:gd name="connsiteX7" fmla="*/ 4343400 w 4343400"/>
+              <a:gd name="connsiteY7" fmla="*/ 0 h 18288"/>
+              <a:gd name="connsiteX8" fmla="*/ 4343400 w 4343400"/>
+              <a:gd name="connsiteY8" fmla="*/ 18288 h 18288"/>
+              <a:gd name="connsiteX9" fmla="*/ 3722914 w 4343400"/>
+              <a:gd name="connsiteY9" fmla="*/ 18288 h 18288"/>
+              <a:gd name="connsiteX10" fmla="*/ 3189297 w 4343400"/>
+              <a:gd name="connsiteY10" fmla="*/ 18288 h 18288"/>
+              <a:gd name="connsiteX11" fmla="*/ 2481943 w 4343400"/>
+              <a:gd name="connsiteY11" fmla="*/ 18288 h 18288"/>
+              <a:gd name="connsiteX12" fmla="*/ 1904891 w 4343400"/>
+              <a:gd name="connsiteY12" fmla="*/ 18288 h 18288"/>
+              <a:gd name="connsiteX13" fmla="*/ 1414707 w 4343400"/>
+              <a:gd name="connsiteY13" fmla="*/ 18288 h 18288"/>
+              <a:gd name="connsiteX14" fmla="*/ 750788 w 4343400"/>
+              <a:gd name="connsiteY14" fmla="*/ 18288 h 18288"/>
+              <a:gd name="connsiteX15" fmla="*/ 0 w 4343400"/>
+              <a:gd name="connsiteY15" fmla="*/ 18288 h 18288"/>
+              <a:gd name="connsiteX16" fmla="*/ 0 w 4343400"/>
+              <a:gd name="connsiteY16" fmla="*/ 0 h 18288"/>
+            </a:gdLst>
+            <a:ahLst/>
+            <a:cxnLst>
+              <a:cxn ang="0">
+                <a:pos x="connsiteX0" y="connsiteY0"/>
+              </a:cxn>
+              <a:cxn ang="0">
+                <a:pos x="connsiteX1" y="connsiteY1"/>
+              </a:cxn>
+              <a:cxn ang="0">
+                <a:pos x="connsiteX2" y="connsiteY2"/>
+              </a:cxn>
+              <a:cxn ang="0">
+                <a:pos x="connsiteX3" y="connsiteY3"/>
+              </a:cxn>
+              <a:cxn ang="0">
+                <a:pos x="connsiteX4" y="connsiteY4"/>
+              </a:cxn>
+              <a:cxn ang="0">
+                <a:pos x="connsiteX5" y="connsiteY5"/>
+              </a:cxn>
+              <a:cxn ang="0">
+                <a:pos x="connsiteX6" y="connsiteY6"/>
+              </a:cxn>
+              <a:cxn ang="0">
+                <a:pos x="connsiteX7" y="connsiteY7"/>
+              </a:cxn>
+              <a:cxn ang="0">
+                <a:pos x="connsiteX8" y="connsiteY8"/>
+              </a:cxn>
+              <a:cxn ang="0">
+                <a:pos x="connsiteX9" y="connsiteY9"/>
+              </a:cxn>
+              <a:cxn ang="0">
+                <a:pos x="connsiteX10" y="connsiteY10"/>
+              </a:cxn>
+              <a:cxn ang="0">
+                <a:pos x="connsiteX11" y="connsiteY11"/>
+              </a:cxn>
+              <a:cxn ang="0">
+                <a:pos x="connsiteX12" y="connsiteY12"/>
+              </a:cxn>
+              <a:cxn ang="0">
+                <a:pos x="connsiteX13" y="connsiteY13"/>
+              </a:cxn>
+              <a:cxn ang="0">
+                <a:pos x="connsiteX14" y="connsiteY14"/>
+              </a:cxn>
+              <a:cxn ang="0">
+                <a:pos x="connsiteX15" y="connsiteY15"/>
+              </a:cxn>
+              <a:cxn ang="0">
+                <a:pos x="connsiteX16" y="connsiteY16"/>
+              </a:cxn>
+            </a:cxnLst>
+            <a:rect l="l" t="t" r="r" b="b"/>
+            <a:pathLst>
+              <a:path w="4343400" h="18288" fill="none" extrusionOk="0">
+                <a:moveTo>
+                  <a:pt x="0" y="0"/>
+                </a:moveTo>
+                <a:cubicBezTo>
+                  <a:pt x="233209" y="-19550"/>
+                  <a:pt x="330816" y="19068"/>
+                  <a:pt x="577052" y="0"/>
+                </a:cubicBezTo>
+                <a:cubicBezTo>
+                  <a:pt x="823288" y="-19068"/>
+                  <a:pt x="875077" y="10360"/>
+                  <a:pt x="1067235" y="0"/>
+                </a:cubicBezTo>
+                <a:cubicBezTo>
+                  <a:pt x="1259393" y="-10360"/>
+                  <a:pt x="1410699" y="2939"/>
+                  <a:pt x="1600853" y="0"/>
+                </a:cubicBezTo>
+                <a:cubicBezTo>
+                  <a:pt x="1791007" y="-2939"/>
+                  <a:pt x="2101644" y="-26225"/>
+                  <a:pt x="2264773" y="0"/>
+                </a:cubicBezTo>
+                <a:cubicBezTo>
+                  <a:pt x="2427902" y="26225"/>
+                  <a:pt x="2690426" y="-27726"/>
+                  <a:pt x="2841825" y="0"/>
+                </a:cubicBezTo>
+                <a:cubicBezTo>
+                  <a:pt x="2993224" y="27726"/>
+                  <a:pt x="3172320" y="-18569"/>
+                  <a:pt x="3375442" y="0"/>
+                </a:cubicBezTo>
+                <a:cubicBezTo>
+                  <a:pt x="3578564" y="18569"/>
+                  <a:pt x="4003119" y="21909"/>
+                  <a:pt x="4343400" y="0"/>
+                </a:cubicBezTo>
+                <a:cubicBezTo>
+                  <a:pt x="4343798" y="7429"/>
+                  <a:pt x="4343380" y="10822"/>
+                  <a:pt x="4343400" y="18288"/>
+                </a:cubicBezTo>
+                <a:cubicBezTo>
+                  <a:pt x="4109047" y="14709"/>
+                  <a:pt x="3996986" y="7919"/>
+                  <a:pt x="3722914" y="18288"/>
+                </a:cubicBezTo>
+                <a:cubicBezTo>
+                  <a:pt x="3448842" y="28657"/>
+                  <a:pt x="3340973" y="29252"/>
+                  <a:pt x="3189297" y="18288"/>
+                </a:cubicBezTo>
+                <a:cubicBezTo>
+                  <a:pt x="3037621" y="7324"/>
+                  <a:pt x="2636891" y="-9539"/>
+                  <a:pt x="2481943" y="18288"/>
+                </a:cubicBezTo>
+                <a:cubicBezTo>
+                  <a:pt x="2326995" y="46115"/>
+                  <a:pt x="2131632" y="740"/>
+                  <a:pt x="1904891" y="18288"/>
+                </a:cubicBezTo>
+                <a:cubicBezTo>
+                  <a:pt x="1678150" y="35836"/>
+                  <a:pt x="1575362" y="-3381"/>
+                  <a:pt x="1414707" y="18288"/>
+                </a:cubicBezTo>
+                <a:cubicBezTo>
+                  <a:pt x="1254052" y="39957"/>
+                  <a:pt x="1051093" y="-335"/>
+                  <a:pt x="750788" y="18288"/>
+                </a:cubicBezTo>
+                <a:cubicBezTo>
+                  <a:pt x="450483" y="36911"/>
+                  <a:pt x="293781" y="22900"/>
+                  <a:pt x="0" y="18288"/>
+                </a:cubicBezTo>
+                <a:cubicBezTo>
+                  <a:pt x="-591" y="13205"/>
+                  <a:pt x="-663" y="6329"/>
+                  <a:pt x="0" y="0"/>
+                </a:cubicBezTo>
+                <a:close/>
+              </a:path>
+              <a:path w="4343400" h="18288" stroke="0" extrusionOk="0">
+                <a:moveTo>
+                  <a:pt x="0" y="0"/>
+                </a:moveTo>
+                <a:cubicBezTo>
+                  <a:pt x="212719" y="-28531"/>
+                  <a:pt x="340561" y="-1164"/>
+                  <a:pt x="577052" y="0"/>
+                </a:cubicBezTo>
+                <a:cubicBezTo>
+                  <a:pt x="813543" y="1164"/>
+                  <a:pt x="866967" y="-9376"/>
+                  <a:pt x="1067235" y="0"/>
+                </a:cubicBezTo>
+                <a:cubicBezTo>
+                  <a:pt x="1267503" y="9376"/>
+                  <a:pt x="1485778" y="-20470"/>
+                  <a:pt x="1774589" y="0"/>
+                </a:cubicBezTo>
+                <a:cubicBezTo>
+                  <a:pt x="2063400" y="20470"/>
+                  <a:pt x="2090152" y="-14502"/>
+                  <a:pt x="2351641" y="0"/>
+                </a:cubicBezTo>
+                <a:cubicBezTo>
+                  <a:pt x="2613130" y="14502"/>
+                  <a:pt x="2802864" y="19125"/>
+                  <a:pt x="2928693" y="0"/>
+                </a:cubicBezTo>
+                <a:cubicBezTo>
+                  <a:pt x="3054522" y="-19125"/>
+                  <a:pt x="3482611" y="-2038"/>
+                  <a:pt x="3636046" y="0"/>
+                </a:cubicBezTo>
+                <a:cubicBezTo>
+                  <a:pt x="3789481" y="2038"/>
+                  <a:pt x="4012363" y="973"/>
+                  <a:pt x="4343400" y="0"/>
+                </a:cubicBezTo>
+                <a:cubicBezTo>
+                  <a:pt x="4342514" y="5429"/>
+                  <a:pt x="4344221" y="14046"/>
+                  <a:pt x="4343400" y="18288"/>
+                </a:cubicBezTo>
+                <a:cubicBezTo>
+                  <a:pt x="4078870" y="-6138"/>
+                  <a:pt x="4015967" y="29658"/>
+                  <a:pt x="3809782" y="18288"/>
+                </a:cubicBezTo>
+                <a:cubicBezTo>
+                  <a:pt x="3603597" y="6918"/>
+                  <a:pt x="3495552" y="24439"/>
+                  <a:pt x="3189297" y="18288"/>
+                </a:cubicBezTo>
+                <a:cubicBezTo>
+                  <a:pt x="2883042" y="12137"/>
+                  <a:pt x="2850610" y="32583"/>
+                  <a:pt x="2568811" y="18288"/>
+                </a:cubicBezTo>
+                <a:cubicBezTo>
+                  <a:pt x="2287012" y="3993"/>
+                  <a:pt x="2279820" y="23580"/>
+                  <a:pt x="1991759" y="18288"/>
+                </a:cubicBezTo>
+                <a:cubicBezTo>
+                  <a:pt x="1703698" y="12996"/>
+                  <a:pt x="1616455" y="23157"/>
+                  <a:pt x="1284405" y="18288"/>
+                </a:cubicBezTo>
+                <a:cubicBezTo>
+                  <a:pt x="952355" y="13419"/>
+                  <a:pt x="783530" y="16053"/>
+                  <a:pt x="577052" y="18288"/>
+                </a:cubicBezTo>
+                <a:cubicBezTo>
+                  <a:pt x="370574" y="20523"/>
+                  <a:pt x="173929" y="5195"/>
+                  <a:pt x="0" y="18288"/>
+                </a:cubicBezTo>
+                <a:cubicBezTo>
+                  <a:pt x="668" y="13665"/>
+                  <a:pt x="578" y="5675"/>
+                  <a:pt x="0" y="0"/>
+                </a:cubicBezTo>
+                <a:close/>
+              </a:path>
+            </a:pathLst>
+          </a:custGeom>
+          <a:solidFill>
+            <a:schemeClr val="accent2"/>
+          </a:solidFill>
+          <a:ln w="41275" cap="rnd">
+            <a:solidFill>
+              <a:schemeClr val="accent2"/>
+            </a:solidFill>
+            <a:round/>
+            <a:extLst>
+              <a:ext uri="{C807C97D-BFC1-408E-A445-0C87EB9F89A2}">
+                <ask:lineSketchStyleProps xmlns:ask="http://schemas.microsoft.com/office/drawing/2018/sketchyshapes" sd="1219033472">
+                  <a:prstGeom prst="rect">
+                    <a:avLst/>
+                  </a:prstGeom>
+                  <ask:type>
+                    <ask:lineSketchFreehand/>
+                  </ask:type>
+                </ask:lineSketchStyleProps>
+              </a:ext>
+            </a:extLst>
+          </a:ln>
+        </p:spPr>
+        <p:style>
+          <a:lnRef idx="2">
+            <a:schemeClr val="accent1">
+              <a:shade val="50000"/>
+            </a:schemeClr>
+          </a:lnRef>
+          <a:fillRef idx="1">
+            <a:schemeClr val="accent1"/>
+          </a:fillRef>
+          <a:effectRef idx="0">
+            <a:schemeClr val="accent1"/>
+          </a:effectRef>
+          <a:fontRef idx="minor">
+            <a:schemeClr val="lt1"/>
+          </a:fontRef>
+        </p:style>
+        <p:txBody>
+          <a:bodyPr rtlCol="0" anchor="ctr"/>
+          <a:lstStyle/>
+          <a:p>
+            <a:pPr marL="0" marR="0" lvl="0" indent="0" algn="ctr" defTabSz="914400" rtl="0" eaLnBrk="1" fontAlgn="auto" latinLnBrk="0" hangingPunct="1">
+              <a:lnSpc>
+                <a:spcPct val="100000"/>
+              </a:lnSpc>
+              <a:spcBef>
+                <a:spcPts val="0"/>
+              </a:spcBef>
+              <a:spcAft>
+                <a:spcPts val="0"/>
+              </a:spcAft>
+              <a:buClrTx/>
+              <a:buSzTx/>
+              <a:buFontTx/>
+              <a:buNone/>
+              <a:tabLst/>
+              <a:defRPr/>
+            </a:pPr>
+            <a:endParaRPr kumimoji="0" lang="en-US" sz="1800" b="0" i="0" u="none" strike="noStrike" kern="1200" cap="none" spc="0" normalizeH="0" baseline="0" noProof="0">
+              <a:ln>
+                <a:noFill/>
+              </a:ln>
+              <a:solidFill>
+                <a:prstClr val="white"/>
+              </a:solidFill>
+              <a:effectLst/>
+              <a:uLnTx/>
+              <a:uFillTx/>
+              <a:latin typeface="Aptos" panose="02110004020202020204"/>
+              <a:ea typeface="+mn-ea"/>
+              <a:cs typeface="+mn-cs"/>
+            </a:endParaRPr>
           </a:p>
         </p:txBody>
       </p:sp>
@@ -30247,37 +32306,6 @@
       </p:sp>
       <p:pic>
         <p:nvPicPr>
-          <p:cNvPr id="6" name="Picture 5">
-            <a:extLst>
-              <a:ext uri="{FF2B5EF4-FFF2-40B4-BE49-F238E27FC236}">
-                <a16:creationId xmlns:a16="http://schemas.microsoft.com/office/drawing/2014/main" id="{02FEFF3C-30B1-D980-410B-42CC35118C62}"/>
-              </a:ext>
-            </a:extLst>
-          </p:cNvPr>
-          <p:cNvPicPr>
-            <a:picLocks noChangeAspect="1"/>
-          </p:cNvPicPr>
-          <p:nvPr/>
-        </p:nvPicPr>
-        <p:blipFill>
-          <a:blip r:embed="rId2"/>
-          <a:srcRect l="7077" r="11931" b="2"/>
-          <a:stretch>
-            <a:fillRect/>
-          </a:stretch>
-        </p:blipFill>
-        <p:spPr>
-          <a:xfrm>
-            <a:off x="8379409" y="329474"/>
-            <a:ext cx="3532036" cy="1755253"/>
-          </a:xfrm>
-          <a:prstGeom prst="rect">
-            <a:avLst/>
-          </a:prstGeom>
-        </p:spPr>
-      </p:pic>
-      <p:pic>
-        <p:nvPicPr>
           <p:cNvPr id="5" name="Picture 4">
             <a:extLst>
               <a:ext uri="{FF2B5EF4-FFF2-40B4-BE49-F238E27FC236}">
@@ -30341,7 +32369,7 @@
     </p:spTree>
     <p:extLst>
       <p:ext uri="{BB962C8B-B14F-4D97-AF65-F5344CB8AC3E}">
-        <p14:creationId xmlns:p14="http://schemas.microsoft.com/office/powerpoint/2010/main" val="3260822621"/>
+        <p14:creationId xmlns:p14="http://schemas.microsoft.com/office/powerpoint/2010/main" val="3107027773"/>
       </p:ext>
     </p:extLst>
   </p:cSld>
@@ -30376,6 +32404,95 @@
           <a:chExt cx="0" cy="0"/>
         </a:xfrm>
       </p:grpSpPr>
+      <p:sp useBgFill="1">
+        <p:nvSpPr>
+          <p:cNvPr id="18" name="Rectangle 17">
+            <a:extLst>
+              <a:ext uri="{FF2B5EF4-FFF2-40B4-BE49-F238E27FC236}">
+                <a16:creationId xmlns:a16="http://schemas.microsoft.com/office/drawing/2014/main" id="{2E442304-DDBD-4F7B-8017-36BCC863FB40}"/>
+              </a:ext>
+              <a:ext uri="{C183D7F6-B498-43B3-948B-1728B52AA6E4}">
+                <adec:decorative xmlns:adec="http://schemas.microsoft.com/office/drawing/2017/decorative" val="1"/>
+              </a:ext>
+            </a:extLst>
+          </p:cNvPr>
+          <p:cNvSpPr>
+            <a:spLocks noGrp="1" noRot="1" noChangeAspect="1" noMove="1" noResize="1" noEditPoints="1" noAdjustHandles="1" noChangeArrowheads="1" noChangeShapeType="1" noTextEdit="1"/>
+          </p:cNvSpPr>
+          <p:nvPr>
+            <p:extLst>
+              <p:ext uri="{386F3935-93C4-4BCD-93E2-E3B085C9AB24}">
+                <p16:designElem xmlns:p16="http://schemas.microsoft.com/office/powerpoint/2015/main" val="1"/>
+              </p:ext>
+            </p:extLst>
+          </p:nvPr>
+        </p:nvSpPr>
+        <p:spPr>
+          <a:xfrm>
+            <a:off x="0" y="0"/>
+            <a:ext cx="12188952" cy="6858000"/>
+          </a:xfrm>
+          <a:prstGeom prst="rect">
+            <a:avLst/>
+          </a:prstGeom>
+          <a:ln>
+            <a:noFill/>
+          </a:ln>
+        </p:spPr>
+        <p:style>
+          <a:lnRef idx="2">
+            <a:schemeClr val="accent1">
+              <a:shade val="50000"/>
+            </a:schemeClr>
+          </a:lnRef>
+          <a:fillRef idx="1">
+            <a:schemeClr val="accent1"/>
+          </a:fillRef>
+          <a:effectRef idx="0">
+            <a:schemeClr val="accent1"/>
+          </a:effectRef>
+          <a:fontRef idx="minor">
+            <a:schemeClr val="lt1"/>
+          </a:fontRef>
+        </p:style>
+        <p:txBody>
+          <a:bodyPr rtlCol="0" anchor="ctr"/>
+          <a:lstStyle/>
+          <a:p>
+            <a:pPr marL="0" marR="0" lvl="0" indent="0" algn="ctr" defTabSz="914400" rtl="0" eaLnBrk="1" fontAlgn="auto" latinLnBrk="0" hangingPunct="1">
+              <a:lnSpc>
+                <a:spcPct val="100000"/>
+              </a:lnSpc>
+              <a:spcBef>
+                <a:spcPts val="0"/>
+              </a:spcBef>
+              <a:spcAft>
+                <a:spcPts val="0"/>
+              </a:spcAft>
+              <a:buClrTx/>
+              <a:buSzTx/>
+              <a:buFontTx/>
+              <a:buNone/>
+              <a:tabLst/>
+              <a:defRPr/>
+            </a:pPr>
+            <a:endParaRPr kumimoji="0" lang="en-US" sz="1800" b="0" i="0" u="none" strike="noStrike" kern="1200" cap="none" spc="0" normalizeH="0" baseline="0" noProof="0">
+              <a:ln>
+                <a:noFill/>
+              </a:ln>
+              <a:solidFill>
+                <a:prstClr val="white"/>
+              </a:solidFill>
+              <a:effectLst/>
+              <a:uLnTx/>
+              <a:uFillTx/>
+              <a:latin typeface="Aptos" panose="02110004020202020204"/>
+              <a:ea typeface="+mn-ea"/>
+              <a:cs typeface="+mn-cs"/>
+            </a:endParaRPr>
+          </a:p>
+        </p:txBody>
+      </p:sp>
       <p:sp>
         <p:nvSpPr>
           <p:cNvPr id="2" name="Title 1">
@@ -30411,6 +32528,408 @@
           </a:p>
         </p:txBody>
       </p:sp>
+      <p:sp>
+        <p:nvSpPr>
+          <p:cNvPr id="19" name="sketch line">
+            <a:extLst>
+              <a:ext uri="{FF2B5EF4-FFF2-40B4-BE49-F238E27FC236}">
+                <a16:creationId xmlns:a16="http://schemas.microsoft.com/office/drawing/2014/main" id="{5E107275-3853-46FD-A241-DE4355A42675}"/>
+              </a:ext>
+              <a:ext uri="{C183D7F6-B498-43B3-948B-1728B52AA6E4}">
+                <adec:decorative xmlns:adec="http://schemas.microsoft.com/office/drawing/2017/decorative" val="1"/>
+              </a:ext>
+            </a:extLst>
+          </p:cNvPr>
+          <p:cNvSpPr>
+            <a:spLocks noGrp="1" noRot="1" noChangeAspect="1" noMove="1" noResize="1" noEditPoints="1" noAdjustHandles="1" noChangeArrowheads="1" noChangeShapeType="1" noTextEdit="1"/>
+          </p:cNvSpPr>
+          <p:nvPr>
+            <p:extLst>
+              <p:ext uri="{386F3935-93C4-4BCD-93E2-E3B085C9AB24}">
+                <p16:designElem xmlns:p16="http://schemas.microsoft.com/office/powerpoint/2015/main" val="1"/>
+              </p:ext>
+            </p:extLst>
+          </p:nvPr>
+        </p:nvSpPr>
+        <p:spPr>
+          <a:xfrm rot="5400000">
+            <a:off x="1627450" y="3462719"/>
+            <a:ext cx="5410200" cy="18288"/>
+          </a:xfrm>
+          <a:custGeom>
+            <a:avLst/>
+            <a:gdLst>
+              <a:gd name="connsiteX0" fmla="*/ 0 w 5410200"/>
+              <a:gd name="connsiteY0" fmla="*/ 0 h 18288"/>
+              <a:gd name="connsiteX1" fmla="*/ 568071 w 5410200"/>
+              <a:gd name="connsiteY1" fmla="*/ 0 h 18288"/>
+              <a:gd name="connsiteX2" fmla="*/ 1298448 w 5410200"/>
+              <a:gd name="connsiteY2" fmla="*/ 0 h 18288"/>
+              <a:gd name="connsiteX3" fmla="*/ 1920621 w 5410200"/>
+              <a:gd name="connsiteY3" fmla="*/ 0 h 18288"/>
+              <a:gd name="connsiteX4" fmla="*/ 2488692 w 5410200"/>
+              <a:gd name="connsiteY4" fmla="*/ 0 h 18288"/>
+              <a:gd name="connsiteX5" fmla="*/ 3219069 w 5410200"/>
+              <a:gd name="connsiteY5" fmla="*/ 0 h 18288"/>
+              <a:gd name="connsiteX6" fmla="*/ 3895344 w 5410200"/>
+              <a:gd name="connsiteY6" fmla="*/ 0 h 18288"/>
+              <a:gd name="connsiteX7" fmla="*/ 4571619 w 5410200"/>
+              <a:gd name="connsiteY7" fmla="*/ 0 h 18288"/>
+              <a:gd name="connsiteX8" fmla="*/ 5410200 w 5410200"/>
+              <a:gd name="connsiteY8" fmla="*/ 0 h 18288"/>
+              <a:gd name="connsiteX9" fmla="*/ 5410200 w 5410200"/>
+              <a:gd name="connsiteY9" fmla="*/ 18288 h 18288"/>
+              <a:gd name="connsiteX10" fmla="*/ 4842129 w 5410200"/>
+              <a:gd name="connsiteY10" fmla="*/ 18288 h 18288"/>
+              <a:gd name="connsiteX11" fmla="*/ 4328160 w 5410200"/>
+              <a:gd name="connsiteY11" fmla="*/ 18288 h 18288"/>
+              <a:gd name="connsiteX12" fmla="*/ 3597783 w 5410200"/>
+              <a:gd name="connsiteY12" fmla="*/ 18288 h 18288"/>
+              <a:gd name="connsiteX13" fmla="*/ 3029712 w 5410200"/>
+              <a:gd name="connsiteY13" fmla="*/ 18288 h 18288"/>
+              <a:gd name="connsiteX14" fmla="*/ 2299335 w 5410200"/>
+              <a:gd name="connsiteY14" fmla="*/ 18288 h 18288"/>
+              <a:gd name="connsiteX15" fmla="*/ 1514856 w 5410200"/>
+              <a:gd name="connsiteY15" fmla="*/ 18288 h 18288"/>
+              <a:gd name="connsiteX16" fmla="*/ 892683 w 5410200"/>
+              <a:gd name="connsiteY16" fmla="*/ 18288 h 18288"/>
+              <a:gd name="connsiteX17" fmla="*/ 0 w 5410200"/>
+              <a:gd name="connsiteY17" fmla="*/ 18288 h 18288"/>
+              <a:gd name="connsiteX18" fmla="*/ 0 w 5410200"/>
+              <a:gd name="connsiteY18" fmla="*/ 0 h 18288"/>
+            </a:gdLst>
+            <a:ahLst/>
+            <a:cxnLst>
+              <a:cxn ang="0">
+                <a:pos x="connsiteX0" y="connsiteY0"/>
+              </a:cxn>
+              <a:cxn ang="0">
+                <a:pos x="connsiteX1" y="connsiteY1"/>
+              </a:cxn>
+              <a:cxn ang="0">
+                <a:pos x="connsiteX2" y="connsiteY2"/>
+              </a:cxn>
+              <a:cxn ang="0">
+                <a:pos x="connsiteX3" y="connsiteY3"/>
+              </a:cxn>
+              <a:cxn ang="0">
+                <a:pos x="connsiteX4" y="connsiteY4"/>
+              </a:cxn>
+              <a:cxn ang="0">
+                <a:pos x="connsiteX5" y="connsiteY5"/>
+              </a:cxn>
+              <a:cxn ang="0">
+                <a:pos x="connsiteX6" y="connsiteY6"/>
+              </a:cxn>
+              <a:cxn ang="0">
+                <a:pos x="connsiteX7" y="connsiteY7"/>
+              </a:cxn>
+              <a:cxn ang="0">
+                <a:pos x="connsiteX8" y="connsiteY8"/>
+              </a:cxn>
+              <a:cxn ang="0">
+                <a:pos x="connsiteX9" y="connsiteY9"/>
+              </a:cxn>
+              <a:cxn ang="0">
+                <a:pos x="connsiteX10" y="connsiteY10"/>
+              </a:cxn>
+              <a:cxn ang="0">
+                <a:pos x="connsiteX11" y="connsiteY11"/>
+              </a:cxn>
+              <a:cxn ang="0">
+                <a:pos x="connsiteX12" y="connsiteY12"/>
+              </a:cxn>
+              <a:cxn ang="0">
+                <a:pos x="connsiteX13" y="connsiteY13"/>
+              </a:cxn>
+              <a:cxn ang="0">
+                <a:pos x="connsiteX14" y="connsiteY14"/>
+              </a:cxn>
+              <a:cxn ang="0">
+                <a:pos x="connsiteX15" y="connsiteY15"/>
+              </a:cxn>
+              <a:cxn ang="0">
+                <a:pos x="connsiteX16" y="connsiteY16"/>
+              </a:cxn>
+              <a:cxn ang="0">
+                <a:pos x="connsiteX17" y="connsiteY17"/>
+              </a:cxn>
+              <a:cxn ang="0">
+                <a:pos x="connsiteX18" y="connsiteY18"/>
+              </a:cxn>
+            </a:cxnLst>
+            <a:rect l="l" t="t" r="r" b="b"/>
+            <a:pathLst>
+              <a:path w="5410200" h="18288" fill="none" extrusionOk="0">
+                <a:moveTo>
+                  <a:pt x="0" y="0"/>
+                </a:moveTo>
+                <a:cubicBezTo>
+                  <a:pt x="163050" y="-18707"/>
+                  <a:pt x="319321" y="-16364"/>
+                  <a:pt x="568071" y="0"/>
+                </a:cubicBezTo>
+                <a:cubicBezTo>
+                  <a:pt x="816821" y="16364"/>
+                  <a:pt x="1013224" y="-7268"/>
+                  <a:pt x="1298448" y="0"/>
+                </a:cubicBezTo>
+                <a:cubicBezTo>
+                  <a:pt x="1583672" y="7268"/>
+                  <a:pt x="1631711" y="-3367"/>
+                  <a:pt x="1920621" y="0"/>
+                </a:cubicBezTo>
+                <a:cubicBezTo>
+                  <a:pt x="2209531" y="3367"/>
+                  <a:pt x="2364420" y="-19184"/>
+                  <a:pt x="2488692" y="0"/>
+                </a:cubicBezTo>
+                <a:cubicBezTo>
+                  <a:pt x="2612964" y="19184"/>
+                  <a:pt x="3023298" y="-34627"/>
+                  <a:pt x="3219069" y="0"/>
+                </a:cubicBezTo>
+                <a:cubicBezTo>
+                  <a:pt x="3414840" y="34627"/>
+                  <a:pt x="3656810" y="24043"/>
+                  <a:pt x="3895344" y="0"/>
+                </a:cubicBezTo>
+                <a:cubicBezTo>
+                  <a:pt x="4133879" y="-24043"/>
+                  <a:pt x="4393984" y="-19577"/>
+                  <a:pt x="4571619" y="0"/>
+                </a:cubicBezTo>
+                <a:cubicBezTo>
+                  <a:pt x="4749255" y="19577"/>
+                  <a:pt x="5179928" y="-6281"/>
+                  <a:pt x="5410200" y="0"/>
+                </a:cubicBezTo>
+                <a:cubicBezTo>
+                  <a:pt x="5410730" y="6954"/>
+                  <a:pt x="5410934" y="12839"/>
+                  <a:pt x="5410200" y="18288"/>
+                </a:cubicBezTo>
+                <a:cubicBezTo>
+                  <a:pt x="5139060" y="6751"/>
+                  <a:pt x="5121593" y="31035"/>
+                  <a:pt x="4842129" y="18288"/>
+                </a:cubicBezTo>
+                <a:cubicBezTo>
+                  <a:pt x="4562665" y="5541"/>
+                  <a:pt x="4448273" y="9487"/>
+                  <a:pt x="4328160" y="18288"/>
+                </a:cubicBezTo>
+                <a:cubicBezTo>
+                  <a:pt x="4208047" y="27089"/>
+                  <a:pt x="3760936" y="22567"/>
+                  <a:pt x="3597783" y="18288"/>
+                </a:cubicBezTo>
+                <a:cubicBezTo>
+                  <a:pt x="3434630" y="14009"/>
+                  <a:pt x="3299718" y="33213"/>
+                  <a:pt x="3029712" y="18288"/>
+                </a:cubicBezTo>
+                <a:cubicBezTo>
+                  <a:pt x="2759706" y="3363"/>
+                  <a:pt x="2640159" y="27394"/>
+                  <a:pt x="2299335" y="18288"/>
+                </a:cubicBezTo>
+                <a:cubicBezTo>
+                  <a:pt x="1958511" y="9182"/>
+                  <a:pt x="1801186" y="28985"/>
+                  <a:pt x="1514856" y="18288"/>
+                </a:cubicBezTo>
+                <a:cubicBezTo>
+                  <a:pt x="1228526" y="7591"/>
+                  <a:pt x="1063509" y="-5305"/>
+                  <a:pt x="892683" y="18288"/>
+                </a:cubicBezTo>
+                <a:cubicBezTo>
+                  <a:pt x="721857" y="41881"/>
+                  <a:pt x="186945" y="-20897"/>
+                  <a:pt x="0" y="18288"/>
+                </a:cubicBezTo>
+                <a:cubicBezTo>
+                  <a:pt x="-570" y="9279"/>
+                  <a:pt x="132" y="5100"/>
+                  <a:pt x="0" y="0"/>
+                </a:cubicBezTo>
+                <a:close/>
+              </a:path>
+              <a:path w="5410200" h="18288" stroke="0" extrusionOk="0">
+                <a:moveTo>
+                  <a:pt x="0" y="0"/>
+                </a:moveTo>
+                <a:cubicBezTo>
+                  <a:pt x="285096" y="-4925"/>
+                  <a:pt x="376456" y="22268"/>
+                  <a:pt x="622173" y="0"/>
+                </a:cubicBezTo>
+                <a:cubicBezTo>
+                  <a:pt x="867890" y="-22268"/>
+                  <a:pt x="1031392" y="7228"/>
+                  <a:pt x="1136142" y="0"/>
+                </a:cubicBezTo>
+                <a:cubicBezTo>
+                  <a:pt x="1240892" y="-7228"/>
+                  <a:pt x="1561853" y="9877"/>
+                  <a:pt x="1920621" y="0"/>
+                </a:cubicBezTo>
+                <a:cubicBezTo>
+                  <a:pt x="2279389" y="-9877"/>
+                  <a:pt x="2367255" y="19546"/>
+                  <a:pt x="2542794" y="0"/>
+                </a:cubicBezTo>
+                <a:cubicBezTo>
+                  <a:pt x="2718333" y="-19546"/>
+                  <a:pt x="2866732" y="-22226"/>
+                  <a:pt x="3164967" y="0"/>
+                </a:cubicBezTo>
+                <a:cubicBezTo>
+                  <a:pt x="3463202" y="22226"/>
+                  <a:pt x="3568055" y="-2765"/>
+                  <a:pt x="3949446" y="0"/>
+                </a:cubicBezTo>
+                <a:cubicBezTo>
+                  <a:pt x="4330837" y="2765"/>
+                  <a:pt x="4287895" y="10557"/>
+                  <a:pt x="4517517" y="0"/>
+                </a:cubicBezTo>
+                <a:cubicBezTo>
+                  <a:pt x="4747139" y="-10557"/>
+                  <a:pt x="5149588" y="8716"/>
+                  <a:pt x="5410200" y="0"/>
+                </a:cubicBezTo>
+                <a:cubicBezTo>
+                  <a:pt x="5409517" y="5414"/>
+                  <a:pt x="5409480" y="12510"/>
+                  <a:pt x="5410200" y="18288"/>
+                </a:cubicBezTo>
+                <a:cubicBezTo>
+                  <a:pt x="5163327" y="41494"/>
+                  <a:pt x="5008749" y="10693"/>
+                  <a:pt x="4842129" y="18288"/>
+                </a:cubicBezTo>
+                <a:cubicBezTo>
+                  <a:pt x="4675509" y="25883"/>
+                  <a:pt x="4433401" y="-615"/>
+                  <a:pt x="4165854" y="18288"/>
+                </a:cubicBezTo>
+                <a:cubicBezTo>
+                  <a:pt x="3898308" y="37191"/>
+                  <a:pt x="3809032" y="-8710"/>
+                  <a:pt x="3543681" y="18288"/>
+                </a:cubicBezTo>
+                <a:cubicBezTo>
+                  <a:pt x="3278330" y="45286"/>
+                  <a:pt x="3073876" y="-15917"/>
+                  <a:pt x="2759202" y="18288"/>
+                </a:cubicBezTo>
+                <a:cubicBezTo>
+                  <a:pt x="2444528" y="52493"/>
+                  <a:pt x="2204144" y="3372"/>
+                  <a:pt x="1974723" y="18288"/>
+                </a:cubicBezTo>
+                <a:cubicBezTo>
+                  <a:pt x="1745302" y="33204"/>
+                  <a:pt x="1602335" y="31490"/>
+                  <a:pt x="1406652" y="18288"/>
+                </a:cubicBezTo>
+                <a:cubicBezTo>
+                  <a:pt x="1210969" y="5086"/>
+                  <a:pt x="923948" y="3161"/>
+                  <a:pt x="730377" y="18288"/>
+                </a:cubicBezTo>
+                <a:cubicBezTo>
+                  <a:pt x="536806" y="33415"/>
+                  <a:pt x="336496" y="-141"/>
+                  <a:pt x="0" y="18288"/>
+                </a:cubicBezTo>
+                <a:cubicBezTo>
+                  <a:pt x="-306" y="11061"/>
+                  <a:pt x="-655" y="7751"/>
+                  <a:pt x="0" y="0"/>
+                </a:cubicBezTo>
+                <a:close/>
+              </a:path>
+            </a:pathLst>
+          </a:custGeom>
+          <a:solidFill>
+            <a:schemeClr val="accent2"/>
+          </a:solidFill>
+          <a:ln w="41275" cap="rnd">
+            <a:solidFill>
+              <a:schemeClr val="accent2"/>
+            </a:solidFill>
+            <a:round/>
+            <a:extLst>
+              <a:ext uri="{C807C97D-BFC1-408E-A445-0C87EB9F89A2}">
+                <ask:lineSketchStyleProps xmlns:ask="http://schemas.microsoft.com/office/drawing/2018/sketchyshapes" sd="1219033472">
+                  <a:prstGeom prst="rect">
+                    <a:avLst/>
+                  </a:prstGeom>
+                  <ask:type>
+                    <ask:lineSketchFreehand/>
+                  </ask:type>
+                </ask:lineSketchStyleProps>
+              </a:ext>
+            </a:extLst>
+          </a:ln>
+        </p:spPr>
+        <p:style>
+          <a:lnRef idx="2">
+            <a:schemeClr val="accent1">
+              <a:shade val="50000"/>
+            </a:schemeClr>
+          </a:lnRef>
+          <a:fillRef idx="1">
+            <a:schemeClr val="accent1"/>
+          </a:fillRef>
+          <a:effectRef idx="0">
+            <a:schemeClr val="accent1"/>
+          </a:effectRef>
+          <a:fontRef idx="minor">
+            <a:schemeClr val="lt1"/>
+          </a:fontRef>
+        </p:style>
+        <p:txBody>
+          <a:bodyPr rtlCol="0" anchor="ctr"/>
+          <a:lstStyle/>
+          <a:p>
+            <a:pPr marL="0" marR="0" lvl="0" indent="0" algn="ctr" defTabSz="914400" rtl="0" eaLnBrk="1" fontAlgn="auto" latinLnBrk="0" hangingPunct="1">
+              <a:lnSpc>
+                <a:spcPct val="100000"/>
+              </a:lnSpc>
+              <a:spcBef>
+                <a:spcPts val="0"/>
+              </a:spcBef>
+              <a:spcAft>
+                <a:spcPts val="0"/>
+              </a:spcAft>
+              <a:buClrTx/>
+              <a:buSzTx/>
+              <a:buFontTx/>
+              <a:buNone/>
+              <a:tabLst/>
+              <a:defRPr/>
+            </a:pPr>
+            <a:endParaRPr kumimoji="0" lang="en-US" sz="1800" b="0" i="0" u="none" strike="noStrike" kern="1200" cap="none" spc="0" normalizeH="0" baseline="0" noProof="0">
+              <a:ln>
+                <a:noFill/>
+              </a:ln>
+              <a:solidFill>
+                <a:prstClr val="white"/>
+              </a:solidFill>
+              <a:effectLst/>
+              <a:uLnTx/>
+              <a:uFillTx/>
+              <a:latin typeface="Aptos" panose="02110004020202020204"/>
+              <a:ea typeface="+mn-ea"/>
+              <a:cs typeface="+mn-cs"/>
+            </a:endParaRPr>
+          </a:p>
+        </p:txBody>
+      </p:sp>
       <p:graphicFrame>
         <p:nvGraphicFramePr>
           <p:cNvPr id="5" name="Content Placeholder 2">
@@ -30425,11 +32944,6 @@
           </p:cNvGraphicFramePr>
           <p:nvPr>
             <p:ph idx="1"/>
-            <p:extLst>
-              <p:ext uri="{D42A27DB-BD31-4B8C-83A1-F6EECF244321}">
-                <p14:modId xmlns:p14="http://schemas.microsoft.com/office/powerpoint/2010/main" val="706990131"/>
-              </p:ext>
-            </p:extLst>
           </p:nvPr>
         </p:nvGraphicFramePr>
         <p:xfrm>
@@ -30445,7 +32959,7 @@
     </p:spTree>
     <p:extLst>
       <p:ext uri="{BB962C8B-B14F-4D97-AF65-F5344CB8AC3E}">
-        <p14:creationId xmlns:p14="http://schemas.microsoft.com/office/powerpoint/2010/main" val="71939880"/>
+        <p14:creationId xmlns:p14="http://schemas.microsoft.com/office/powerpoint/2010/main" val="3494989357"/>
       </p:ext>
     </p:extLst>
   </p:cSld>
@@ -30513,6 +33027,111 @@
       </p:pic>
       <p:sp>
         <p:nvSpPr>
+          <p:cNvPr id="20" name="Rectangle 19">
+            <a:extLst>
+              <a:ext uri="{FF2B5EF4-FFF2-40B4-BE49-F238E27FC236}">
+                <a16:creationId xmlns:a16="http://schemas.microsoft.com/office/drawing/2014/main" id="{257363FD-7E77-4145-9483-331A807ADF0E}"/>
+              </a:ext>
+              <a:ext uri="{C183D7F6-B498-43B3-948B-1728B52AA6E4}">
+                <adec:decorative xmlns:adec="http://schemas.microsoft.com/office/drawing/2017/decorative" val="1"/>
+              </a:ext>
+            </a:extLst>
+          </p:cNvPr>
+          <p:cNvSpPr>
+            <a:spLocks noGrp="1" noRot="1" noChangeAspect="1" noMove="1" noResize="1" noEditPoints="1" noAdjustHandles="1" noChangeArrowheads="1" noChangeShapeType="1" noTextEdit="1"/>
+          </p:cNvSpPr>
+          <p:nvPr>
+            <p:extLst>
+              <p:ext uri="{386F3935-93C4-4BCD-93E2-E3B085C9AB24}">
+                <p16:designElem xmlns:p16="http://schemas.microsoft.com/office/powerpoint/2015/main" val="1"/>
+              </p:ext>
+            </p:extLst>
+          </p:nvPr>
+        </p:nvSpPr>
+        <p:spPr>
+          <a:xfrm>
+            <a:off x="0" y="0"/>
+            <a:ext cx="12196802" cy="6858000"/>
+          </a:xfrm>
+          <a:prstGeom prst="rect">
+            <a:avLst/>
+          </a:prstGeom>
+          <a:gradFill flip="none" rotWithShape="1">
+            <a:gsLst>
+              <a:gs pos="28000">
+                <a:schemeClr val="bg2">
+                  <a:alpha val="84000"/>
+                </a:schemeClr>
+              </a:gs>
+              <a:gs pos="74000">
+                <a:schemeClr val="bg1"/>
+              </a:gs>
+            </a:gsLst>
+            <a:path path="circle">
+              <a:fillToRect l="100000" t="100000"/>
+            </a:path>
+            <a:tileRect r="-100000" b="-100000"/>
+          </a:gradFill>
+          <a:ln>
+            <a:noFill/>
+          </a:ln>
+        </p:spPr>
+        <p:style>
+          <a:lnRef idx="2">
+            <a:schemeClr val="accent1">
+              <a:shade val="50000"/>
+            </a:schemeClr>
+          </a:lnRef>
+          <a:fillRef idx="1">
+            <a:schemeClr val="accent1"/>
+          </a:fillRef>
+          <a:effectRef idx="0">
+            <a:schemeClr val="accent1"/>
+          </a:effectRef>
+          <a:fontRef idx="minor">
+            <a:schemeClr val="lt1"/>
+          </a:fontRef>
+        </p:style>
+        <p:txBody>
+          <a:bodyPr rtlCol="0" anchor="ctr"/>
+          <a:lstStyle/>
+          <a:p>
+            <a:pPr marL="0" marR="0" lvl="0" indent="0" algn="ctr" defTabSz="914400" rtl="0" eaLnBrk="1" fontAlgn="auto" latinLnBrk="0" hangingPunct="1">
+              <a:lnSpc>
+                <a:spcPct val="100000"/>
+              </a:lnSpc>
+              <a:spcBef>
+                <a:spcPts val="0"/>
+              </a:spcBef>
+              <a:spcAft>
+                <a:spcPts val="0"/>
+              </a:spcAft>
+              <a:buClrTx/>
+              <a:buSzTx/>
+              <a:buFontTx/>
+              <a:buNone/>
+              <a:tabLst/>
+              <a:defRPr/>
+            </a:pPr>
+            <a:endParaRPr kumimoji="0" lang="en-US" sz="1800" b="0" i="0" u="none" strike="noStrike" kern="1200" cap="none" spc="0" normalizeH="0" baseline="0" noProof="0">
+              <a:ln>
+                <a:noFill/>
+              </a:ln>
+              <a:solidFill>
+                <a:prstClr val="white"/>
+              </a:solidFill>
+              <a:effectLst/>
+              <a:uLnTx/>
+              <a:uFillTx/>
+              <a:latin typeface="Calibri" panose="020F0502020204030204"/>
+              <a:ea typeface="+mn-ea"/>
+              <a:cs typeface="+mn-cs"/>
+            </a:endParaRPr>
+          </a:p>
+        </p:txBody>
+      </p:sp>
+      <p:sp>
+        <p:nvSpPr>
           <p:cNvPr id="2" name="Title 1">
             <a:extLst>
               <a:ext uri="{FF2B5EF4-FFF2-40B4-BE49-F238E27FC236}">
@@ -30527,7 +33146,12 @@
             <p:ph type="title"/>
           </p:nvPr>
         </p:nvSpPr>
-        <p:spPr/>
+        <p:spPr>
+          <a:xfrm>
+            <a:off x="838200" y="365125"/>
+            <a:ext cx="10515600" cy="1325563"/>
+          </a:xfrm>
+        </p:spPr>
         <p:txBody>
           <a:bodyPr>
             <a:normAutofit/>
@@ -30556,11 +33180,6 @@
           </p:cNvGraphicFramePr>
           <p:nvPr>
             <p:ph idx="1"/>
-            <p:extLst>
-              <p:ext uri="{D42A27DB-BD31-4B8C-83A1-F6EECF244321}">
-                <p14:modId xmlns:p14="http://schemas.microsoft.com/office/powerpoint/2010/main" val="485441641"/>
-              </p:ext>
-            </p:extLst>
           </p:nvPr>
         </p:nvGraphicFramePr>
         <p:xfrm>
@@ -30576,7 +33195,7 @@
     </p:spTree>
     <p:extLst>
       <p:ext uri="{BB962C8B-B14F-4D97-AF65-F5344CB8AC3E}">
-        <p14:creationId xmlns:p14="http://schemas.microsoft.com/office/powerpoint/2010/main" val="3104374520"/>
+        <p14:creationId xmlns:p14="http://schemas.microsoft.com/office/powerpoint/2010/main" val="2439768364"/>
       </p:ext>
     </p:extLst>
   </p:cSld>
@@ -30587,6 +33206,906 @@
 </file>
 
 <file path=ppt/slides/slide6.xml><?xml version="1.0" encoding="utf-8"?>
+<p:sld xmlns:a="http://schemas.openxmlformats.org/drawingml/2006/main" xmlns:r="http://schemas.openxmlformats.org/officeDocument/2006/relationships" xmlns:p="http://schemas.openxmlformats.org/presentationml/2006/main">
+  <p:cSld>
+    <p:bg>
+      <p:bgPr>
+        <a:solidFill>
+          <a:schemeClr val="bg1"/>
+        </a:solidFill>
+        <a:effectLst/>
+      </p:bgPr>
+    </p:bg>
+    <p:spTree>
+      <p:nvGrpSpPr>
+        <p:cNvPr id="1" name=""/>
+        <p:cNvGrpSpPr/>
+        <p:nvPr/>
+      </p:nvGrpSpPr>
+      <p:grpSpPr>
+        <a:xfrm>
+          <a:off x="0" y="0"/>
+          <a:ext cx="0" cy="0"/>
+          <a:chOff x="0" y="0"/>
+          <a:chExt cx="0" cy="0"/>
+        </a:xfrm>
+      </p:grpSpPr>
+      <p:sp useBgFill="1">
+        <p:nvSpPr>
+          <p:cNvPr id="12" name="Rectangle 11">
+            <a:extLst>
+              <a:ext uri="{FF2B5EF4-FFF2-40B4-BE49-F238E27FC236}">
+                <a16:creationId xmlns:a16="http://schemas.microsoft.com/office/drawing/2014/main" id="{352BEC0E-22F8-46D0-9632-375DB541B06C}"/>
+              </a:ext>
+              <a:ext uri="{C183D7F6-B498-43B3-948B-1728B52AA6E4}">
+                <adec:decorative xmlns:adec="http://schemas.microsoft.com/office/drawing/2017/decorative" val="1"/>
+              </a:ext>
+            </a:extLst>
+          </p:cNvPr>
+          <p:cNvSpPr>
+            <a:spLocks noGrp="1" noRot="1" noChangeAspect="1" noMove="1" noResize="1" noEditPoints="1" noAdjustHandles="1" noChangeArrowheads="1" noChangeShapeType="1" noTextEdit="1"/>
+          </p:cNvSpPr>
+          <p:nvPr>
+            <p:extLst>
+              <p:ext uri="{386F3935-93C4-4BCD-93E2-E3B085C9AB24}">
+                <p16:designElem xmlns:p16="http://schemas.microsoft.com/office/powerpoint/2015/main" val="1"/>
+              </p:ext>
+            </p:extLst>
+          </p:nvPr>
+        </p:nvSpPr>
+        <p:spPr>
+          <a:xfrm>
+            <a:off x="0" y="0"/>
+            <a:ext cx="12188952" cy="6858000"/>
+          </a:xfrm>
+          <a:prstGeom prst="rect">
+            <a:avLst/>
+          </a:prstGeom>
+          <a:ln>
+            <a:noFill/>
+          </a:ln>
+        </p:spPr>
+        <p:style>
+          <a:lnRef idx="2">
+            <a:schemeClr val="accent1">
+              <a:shade val="50000"/>
+            </a:schemeClr>
+          </a:lnRef>
+          <a:fillRef idx="1">
+            <a:schemeClr val="accent1"/>
+          </a:fillRef>
+          <a:effectRef idx="0">
+            <a:schemeClr val="accent1"/>
+          </a:effectRef>
+          <a:fontRef idx="minor">
+            <a:schemeClr val="lt1"/>
+          </a:fontRef>
+        </p:style>
+        <p:txBody>
+          <a:bodyPr rtlCol="0" anchor="ctr"/>
+          <a:lstStyle/>
+          <a:p>
+            <a:pPr marL="0" marR="0" lvl="0" indent="0" algn="ctr" defTabSz="914400" rtl="0" eaLnBrk="1" fontAlgn="auto" latinLnBrk="0" hangingPunct="1">
+              <a:lnSpc>
+                <a:spcPct val="100000"/>
+              </a:lnSpc>
+              <a:spcBef>
+                <a:spcPts val="0"/>
+              </a:spcBef>
+              <a:spcAft>
+                <a:spcPts val="0"/>
+              </a:spcAft>
+              <a:buClrTx/>
+              <a:buSzTx/>
+              <a:buFontTx/>
+              <a:buNone/>
+              <a:tabLst/>
+              <a:defRPr/>
+            </a:pPr>
+            <a:endParaRPr kumimoji="0" lang="en-US" sz="1800" b="0" i="0" u="none" strike="noStrike" kern="1200" cap="none" spc="0" normalizeH="0" baseline="0" noProof="0">
+              <a:ln>
+                <a:noFill/>
+              </a:ln>
+              <a:solidFill>
+                <a:prstClr val="white"/>
+              </a:solidFill>
+              <a:effectLst/>
+              <a:uLnTx/>
+              <a:uFillTx/>
+              <a:latin typeface="Aptos" panose="02110004020202020204"/>
+              <a:ea typeface="+mn-ea"/>
+              <a:cs typeface="+mn-cs"/>
+            </a:endParaRPr>
+          </a:p>
+        </p:txBody>
+      </p:sp>
+      <p:sp>
+        <p:nvSpPr>
+          <p:cNvPr id="2" name="Title 1">
+            <a:extLst>
+              <a:ext uri="{FF2B5EF4-FFF2-40B4-BE49-F238E27FC236}">
+                <a16:creationId xmlns:a16="http://schemas.microsoft.com/office/drawing/2014/main" id="{92B85C7F-B33E-559F-0591-D48CB917C2C5}"/>
+              </a:ext>
+            </a:extLst>
+          </p:cNvPr>
+          <p:cNvSpPr>
+            <a:spLocks noGrp="1"/>
+          </p:cNvSpPr>
+          <p:nvPr>
+            <p:ph type="title"/>
+          </p:nvPr>
+        </p:nvSpPr>
+        <p:spPr>
+          <a:xfrm>
+            <a:off x="640080" y="329184"/>
+            <a:ext cx="6894576" cy="1783080"/>
+          </a:xfrm>
+        </p:spPr>
+        <p:txBody>
+          <a:bodyPr anchor="b">
+            <a:normAutofit/>
+          </a:bodyPr>
+          <a:lstStyle/>
+          <a:p>
+            <a:r>
+              <a:rPr lang="en-US" sz="5400" dirty="0"/>
+              <a:t>Exploratory Data Analysis</a:t>
+            </a:r>
+          </a:p>
+        </p:txBody>
+      </p:sp>
+      <p:sp>
+        <p:nvSpPr>
+          <p:cNvPr id="14" name="sketch line">
+            <a:extLst>
+              <a:ext uri="{FF2B5EF4-FFF2-40B4-BE49-F238E27FC236}">
+                <a16:creationId xmlns:a16="http://schemas.microsoft.com/office/drawing/2014/main" id="{3FCFB1DE-0B7E-48CC-BA90-B2AB0889F9D6}"/>
+              </a:ext>
+              <a:ext uri="{C183D7F6-B498-43B3-948B-1728B52AA6E4}">
+                <adec:decorative xmlns:adec="http://schemas.microsoft.com/office/drawing/2017/decorative" val="1"/>
+              </a:ext>
+            </a:extLst>
+          </p:cNvPr>
+          <p:cNvSpPr>
+            <a:spLocks noGrp="1" noRot="1" noChangeAspect="1" noMove="1" noResize="1" noEditPoints="1" noAdjustHandles="1" noChangeArrowheads="1" noChangeShapeType="1" noTextEdit="1"/>
+          </p:cNvSpPr>
+          <p:nvPr>
+            <p:extLst>
+              <p:ext uri="{386F3935-93C4-4BCD-93E2-E3B085C9AB24}">
+                <p16:designElem xmlns:p16="http://schemas.microsoft.com/office/powerpoint/2015/main" val="1"/>
+              </p:ext>
+            </p:extLst>
+          </p:nvPr>
+        </p:nvSpPr>
+        <p:spPr>
+          <a:xfrm>
+            <a:off x="758952" y="2395728"/>
+            <a:ext cx="4243589" cy="18288"/>
+          </a:xfrm>
+          <a:custGeom>
+            <a:avLst/>
+            <a:gdLst>
+              <a:gd name="connsiteX0" fmla="*/ 0 w 4243589"/>
+              <a:gd name="connsiteY0" fmla="*/ 0 h 18288"/>
+              <a:gd name="connsiteX1" fmla="*/ 478919 w 4243589"/>
+              <a:gd name="connsiteY1" fmla="*/ 0 h 18288"/>
+              <a:gd name="connsiteX2" fmla="*/ 957839 w 4243589"/>
+              <a:gd name="connsiteY2" fmla="*/ 0 h 18288"/>
+              <a:gd name="connsiteX3" fmla="*/ 1521630 w 4243589"/>
+              <a:gd name="connsiteY3" fmla="*/ 0 h 18288"/>
+              <a:gd name="connsiteX4" fmla="*/ 2212729 w 4243589"/>
+              <a:gd name="connsiteY4" fmla="*/ 0 h 18288"/>
+              <a:gd name="connsiteX5" fmla="*/ 2734084 w 4243589"/>
+              <a:gd name="connsiteY5" fmla="*/ 0 h 18288"/>
+              <a:gd name="connsiteX6" fmla="*/ 3255439 w 4243589"/>
+              <a:gd name="connsiteY6" fmla="*/ 0 h 18288"/>
+              <a:gd name="connsiteX7" fmla="*/ 4243589 w 4243589"/>
+              <a:gd name="connsiteY7" fmla="*/ 0 h 18288"/>
+              <a:gd name="connsiteX8" fmla="*/ 4243589 w 4243589"/>
+              <a:gd name="connsiteY8" fmla="*/ 18288 h 18288"/>
+              <a:gd name="connsiteX9" fmla="*/ 3594926 w 4243589"/>
+              <a:gd name="connsiteY9" fmla="*/ 18288 h 18288"/>
+              <a:gd name="connsiteX10" fmla="*/ 3073571 w 4243589"/>
+              <a:gd name="connsiteY10" fmla="*/ 18288 h 18288"/>
+              <a:gd name="connsiteX11" fmla="*/ 2552216 w 4243589"/>
+              <a:gd name="connsiteY11" fmla="*/ 18288 h 18288"/>
+              <a:gd name="connsiteX12" fmla="*/ 1903553 w 4243589"/>
+              <a:gd name="connsiteY12" fmla="*/ 18288 h 18288"/>
+              <a:gd name="connsiteX13" fmla="*/ 1212454 w 4243589"/>
+              <a:gd name="connsiteY13" fmla="*/ 18288 h 18288"/>
+              <a:gd name="connsiteX14" fmla="*/ 733535 w 4243589"/>
+              <a:gd name="connsiteY14" fmla="*/ 18288 h 18288"/>
+              <a:gd name="connsiteX15" fmla="*/ 0 w 4243589"/>
+              <a:gd name="connsiteY15" fmla="*/ 18288 h 18288"/>
+              <a:gd name="connsiteX16" fmla="*/ 0 w 4243589"/>
+              <a:gd name="connsiteY16" fmla="*/ 0 h 18288"/>
+            </a:gdLst>
+            <a:ahLst/>
+            <a:cxnLst>
+              <a:cxn ang="0">
+                <a:pos x="connsiteX0" y="connsiteY0"/>
+              </a:cxn>
+              <a:cxn ang="0">
+                <a:pos x="connsiteX1" y="connsiteY1"/>
+              </a:cxn>
+              <a:cxn ang="0">
+                <a:pos x="connsiteX2" y="connsiteY2"/>
+              </a:cxn>
+              <a:cxn ang="0">
+                <a:pos x="connsiteX3" y="connsiteY3"/>
+              </a:cxn>
+              <a:cxn ang="0">
+                <a:pos x="connsiteX4" y="connsiteY4"/>
+              </a:cxn>
+              <a:cxn ang="0">
+                <a:pos x="connsiteX5" y="connsiteY5"/>
+              </a:cxn>
+              <a:cxn ang="0">
+                <a:pos x="connsiteX6" y="connsiteY6"/>
+              </a:cxn>
+              <a:cxn ang="0">
+                <a:pos x="connsiteX7" y="connsiteY7"/>
+              </a:cxn>
+              <a:cxn ang="0">
+                <a:pos x="connsiteX8" y="connsiteY8"/>
+              </a:cxn>
+              <a:cxn ang="0">
+                <a:pos x="connsiteX9" y="connsiteY9"/>
+              </a:cxn>
+              <a:cxn ang="0">
+                <a:pos x="connsiteX10" y="connsiteY10"/>
+              </a:cxn>
+              <a:cxn ang="0">
+                <a:pos x="connsiteX11" y="connsiteY11"/>
+              </a:cxn>
+              <a:cxn ang="0">
+                <a:pos x="connsiteX12" y="connsiteY12"/>
+              </a:cxn>
+              <a:cxn ang="0">
+                <a:pos x="connsiteX13" y="connsiteY13"/>
+              </a:cxn>
+              <a:cxn ang="0">
+                <a:pos x="connsiteX14" y="connsiteY14"/>
+              </a:cxn>
+              <a:cxn ang="0">
+                <a:pos x="connsiteX15" y="connsiteY15"/>
+              </a:cxn>
+              <a:cxn ang="0">
+                <a:pos x="connsiteX16" y="connsiteY16"/>
+              </a:cxn>
+            </a:cxnLst>
+            <a:rect l="l" t="t" r="r" b="b"/>
+            <a:pathLst>
+              <a:path w="4243589" h="18288" fill="none" extrusionOk="0">
+                <a:moveTo>
+                  <a:pt x="0" y="0"/>
+                </a:moveTo>
+                <a:cubicBezTo>
+                  <a:pt x="213395" y="-21006"/>
+                  <a:pt x="307421" y="-18116"/>
+                  <a:pt x="478919" y="0"/>
+                </a:cubicBezTo>
+                <a:cubicBezTo>
+                  <a:pt x="650417" y="18116"/>
+                  <a:pt x="831092" y="-21237"/>
+                  <a:pt x="957839" y="0"/>
+                </a:cubicBezTo>
+                <a:cubicBezTo>
+                  <a:pt x="1084586" y="21237"/>
+                  <a:pt x="1301682" y="25124"/>
+                  <a:pt x="1521630" y="0"/>
+                </a:cubicBezTo>
+                <a:cubicBezTo>
+                  <a:pt x="1741578" y="-25124"/>
+                  <a:pt x="1970269" y="-29139"/>
+                  <a:pt x="2212729" y="0"/>
+                </a:cubicBezTo>
+                <a:cubicBezTo>
+                  <a:pt x="2455189" y="29139"/>
+                  <a:pt x="2558847" y="-4796"/>
+                  <a:pt x="2734084" y="0"/>
+                </a:cubicBezTo>
+                <a:cubicBezTo>
+                  <a:pt x="2909321" y="4796"/>
+                  <a:pt x="3097217" y="-13409"/>
+                  <a:pt x="3255439" y="0"/>
+                </a:cubicBezTo>
+                <a:cubicBezTo>
+                  <a:pt x="3413662" y="13409"/>
+                  <a:pt x="3979999" y="-10121"/>
+                  <a:pt x="4243589" y="0"/>
+                </a:cubicBezTo>
+                <a:cubicBezTo>
+                  <a:pt x="4244484" y="8974"/>
+                  <a:pt x="4243043" y="9359"/>
+                  <a:pt x="4243589" y="18288"/>
+                </a:cubicBezTo>
+                <a:cubicBezTo>
+                  <a:pt x="4058777" y="31246"/>
+                  <a:pt x="3910348" y="3158"/>
+                  <a:pt x="3594926" y="18288"/>
+                </a:cubicBezTo>
+                <a:cubicBezTo>
+                  <a:pt x="3279504" y="33418"/>
+                  <a:pt x="3319955" y="-3977"/>
+                  <a:pt x="3073571" y="18288"/>
+                </a:cubicBezTo>
+                <a:cubicBezTo>
+                  <a:pt x="2827187" y="40553"/>
+                  <a:pt x="2767387" y="1863"/>
+                  <a:pt x="2552216" y="18288"/>
+                </a:cubicBezTo>
+                <a:cubicBezTo>
+                  <a:pt x="2337046" y="34713"/>
+                  <a:pt x="2181871" y="19527"/>
+                  <a:pt x="1903553" y="18288"/>
+                </a:cubicBezTo>
+                <a:cubicBezTo>
+                  <a:pt x="1625235" y="17049"/>
+                  <a:pt x="1557672" y="24174"/>
+                  <a:pt x="1212454" y="18288"/>
+                </a:cubicBezTo>
+                <a:cubicBezTo>
+                  <a:pt x="867236" y="12402"/>
+                  <a:pt x="874382" y="15627"/>
+                  <a:pt x="733535" y="18288"/>
+                </a:cubicBezTo>
+                <a:cubicBezTo>
+                  <a:pt x="592688" y="20949"/>
+                  <a:pt x="183477" y="14753"/>
+                  <a:pt x="0" y="18288"/>
+                </a:cubicBezTo>
+                <a:cubicBezTo>
+                  <a:pt x="-229" y="14222"/>
+                  <a:pt x="509" y="5816"/>
+                  <a:pt x="0" y="0"/>
+                </a:cubicBezTo>
+                <a:close/>
+              </a:path>
+              <a:path w="4243589" h="18288" stroke="0" extrusionOk="0">
+                <a:moveTo>
+                  <a:pt x="0" y="0"/>
+                </a:moveTo>
+                <a:cubicBezTo>
+                  <a:pt x="143690" y="16630"/>
+                  <a:pt x="266667" y="14847"/>
+                  <a:pt x="521355" y="0"/>
+                </a:cubicBezTo>
+                <a:cubicBezTo>
+                  <a:pt x="776043" y="-14847"/>
+                  <a:pt x="814491" y="-17363"/>
+                  <a:pt x="1000275" y="0"/>
+                </a:cubicBezTo>
+                <a:cubicBezTo>
+                  <a:pt x="1186059" y="17363"/>
+                  <a:pt x="1352504" y="-23507"/>
+                  <a:pt x="1521630" y="0"/>
+                </a:cubicBezTo>
+                <a:cubicBezTo>
+                  <a:pt x="1690756" y="23507"/>
+                  <a:pt x="1889525" y="5871"/>
+                  <a:pt x="2127857" y="0"/>
+                </a:cubicBezTo>
+                <a:cubicBezTo>
+                  <a:pt x="2366189" y="-5871"/>
+                  <a:pt x="2620628" y="-27997"/>
+                  <a:pt x="2776520" y="0"/>
+                </a:cubicBezTo>
+                <a:cubicBezTo>
+                  <a:pt x="2932412" y="27997"/>
+                  <a:pt x="3131683" y="-25073"/>
+                  <a:pt x="3467618" y="0"/>
+                </a:cubicBezTo>
+                <a:cubicBezTo>
+                  <a:pt x="3803553" y="25073"/>
+                  <a:pt x="4017371" y="3071"/>
+                  <a:pt x="4243589" y="0"/>
+                </a:cubicBezTo>
+                <a:cubicBezTo>
+                  <a:pt x="4243134" y="6162"/>
+                  <a:pt x="4243492" y="11775"/>
+                  <a:pt x="4243589" y="18288"/>
+                </a:cubicBezTo>
+                <a:cubicBezTo>
+                  <a:pt x="4017834" y="-5779"/>
+                  <a:pt x="3834586" y="13376"/>
+                  <a:pt x="3594926" y="18288"/>
+                </a:cubicBezTo>
+                <a:cubicBezTo>
+                  <a:pt x="3355266" y="23200"/>
+                  <a:pt x="3204179" y="2869"/>
+                  <a:pt x="2903827" y="18288"/>
+                </a:cubicBezTo>
+                <a:cubicBezTo>
+                  <a:pt x="2603475" y="33707"/>
+                  <a:pt x="2526187" y="46187"/>
+                  <a:pt x="2212729" y="18288"/>
+                </a:cubicBezTo>
+                <a:cubicBezTo>
+                  <a:pt x="1899271" y="-9611"/>
+                  <a:pt x="1966289" y="29692"/>
+                  <a:pt x="1733809" y="18288"/>
+                </a:cubicBezTo>
+                <a:cubicBezTo>
+                  <a:pt x="1501329" y="6884"/>
+                  <a:pt x="1343612" y="12492"/>
+                  <a:pt x="1085146" y="18288"/>
+                </a:cubicBezTo>
+                <a:cubicBezTo>
+                  <a:pt x="826680" y="24084"/>
+                  <a:pt x="778184" y="35607"/>
+                  <a:pt x="521355" y="18288"/>
+                </a:cubicBezTo>
+                <a:cubicBezTo>
+                  <a:pt x="264526" y="969"/>
+                  <a:pt x="120277" y="4268"/>
+                  <a:pt x="0" y="18288"/>
+                </a:cubicBezTo>
+                <a:cubicBezTo>
+                  <a:pt x="766" y="10800"/>
+                  <a:pt x="-457" y="8180"/>
+                  <a:pt x="0" y="0"/>
+                </a:cubicBezTo>
+                <a:close/>
+              </a:path>
+            </a:pathLst>
+          </a:custGeom>
+          <a:solidFill>
+            <a:schemeClr val="accent2"/>
+          </a:solidFill>
+          <a:ln w="41275" cap="rnd">
+            <a:solidFill>
+              <a:schemeClr val="accent2"/>
+            </a:solidFill>
+            <a:round/>
+            <a:extLst>
+              <a:ext uri="{C807C97D-BFC1-408E-A445-0C87EB9F89A2}">
+                <ask:lineSketchStyleProps xmlns:ask="http://schemas.microsoft.com/office/drawing/2018/sketchyshapes" sd="2727557108">
+                  <a:prstGeom prst="rect">
+                    <a:avLst/>
+                  </a:prstGeom>
+                  <ask:type>
+                    <ask:lineSketchFreehand/>
+                  </ask:type>
+                </ask:lineSketchStyleProps>
+              </a:ext>
+            </a:extLst>
+          </a:ln>
+        </p:spPr>
+        <p:style>
+          <a:lnRef idx="2">
+            <a:schemeClr val="accent1">
+              <a:shade val="50000"/>
+            </a:schemeClr>
+          </a:lnRef>
+          <a:fillRef idx="1">
+            <a:schemeClr val="accent1"/>
+          </a:fillRef>
+          <a:effectRef idx="0">
+            <a:schemeClr val="accent1"/>
+          </a:effectRef>
+          <a:fontRef idx="minor">
+            <a:schemeClr val="lt1"/>
+          </a:fontRef>
+        </p:style>
+        <p:txBody>
+          <a:bodyPr rtlCol="0" anchor="ctr"/>
+          <a:lstStyle/>
+          <a:p>
+            <a:pPr marL="0" marR="0" lvl="0" indent="0" algn="ctr" defTabSz="914400" rtl="0" eaLnBrk="1" fontAlgn="auto" latinLnBrk="0" hangingPunct="1">
+              <a:lnSpc>
+                <a:spcPct val="100000"/>
+              </a:lnSpc>
+              <a:spcBef>
+                <a:spcPts val="0"/>
+              </a:spcBef>
+              <a:spcAft>
+                <a:spcPts val="0"/>
+              </a:spcAft>
+              <a:buClrTx/>
+              <a:buSzTx/>
+              <a:buFontTx/>
+              <a:buNone/>
+              <a:tabLst/>
+              <a:defRPr/>
+            </a:pPr>
+            <a:endParaRPr kumimoji="0" lang="en-US" sz="1800" b="0" i="0" u="none" strike="noStrike" kern="1200" cap="none" spc="0" normalizeH="0" baseline="0" noProof="0">
+              <a:ln>
+                <a:noFill/>
+              </a:ln>
+              <a:solidFill>
+                <a:prstClr val="white"/>
+              </a:solidFill>
+              <a:effectLst/>
+              <a:uLnTx/>
+              <a:uFillTx/>
+              <a:latin typeface="Aptos" panose="02110004020202020204"/>
+              <a:ea typeface="+mn-ea"/>
+              <a:cs typeface="+mn-cs"/>
+            </a:endParaRPr>
+          </a:p>
+        </p:txBody>
+      </p:sp>
+      <p:sp>
+        <p:nvSpPr>
+          <p:cNvPr id="3" name="Content Placeholder 2">
+            <a:extLst>
+              <a:ext uri="{FF2B5EF4-FFF2-40B4-BE49-F238E27FC236}">
+                <a16:creationId xmlns:a16="http://schemas.microsoft.com/office/drawing/2014/main" id="{0CFAEEE8-5A4A-6A9C-8B59-0C818616AB04}"/>
+              </a:ext>
+            </a:extLst>
+          </p:cNvPr>
+          <p:cNvSpPr>
+            <a:spLocks noGrp="1"/>
+          </p:cNvSpPr>
+          <p:nvPr>
+            <p:ph idx="1"/>
+          </p:nvPr>
+        </p:nvSpPr>
+        <p:spPr>
+          <a:xfrm>
+            <a:off x="640080" y="2706624"/>
+            <a:ext cx="4663440" cy="3483864"/>
+          </a:xfrm>
+        </p:spPr>
+        <p:txBody>
+          <a:bodyPr>
+            <a:normAutofit fontScale="92500" lnSpcReduction="10000"/>
+          </a:bodyPr>
+          <a:lstStyle/>
+          <a:p>
+            <a:r>
+              <a:rPr lang="en-US" sz="2200" dirty="0"/>
+              <a:t>Arrests by Type</a:t>
+            </a:r>
+          </a:p>
+          <a:p>
+            <a:pPr lvl="1"/>
+            <a:r>
+              <a:rPr lang="en-US" sz="2200" dirty="0"/>
+              <a:t>Most crimes do not result in arrests</a:t>
+            </a:r>
+          </a:p>
+          <a:p>
+            <a:pPr lvl="1"/>
+            <a:r>
+              <a:rPr lang="en-US" sz="2200" dirty="0"/>
+              <a:t>Non-violent crimes retain highest frequency</a:t>
+            </a:r>
+          </a:p>
+          <a:p>
+            <a:pPr lvl="1"/>
+            <a:r>
+              <a:rPr lang="en-US" sz="2200" dirty="0"/>
+              <a:t>Violent crimes show the highest arrest rate</a:t>
+            </a:r>
+          </a:p>
+          <a:p>
+            <a:r>
+              <a:rPr lang="en-US" sz="2200" dirty="0"/>
+              <a:t>Frequency of Crime </a:t>
+            </a:r>
+          </a:p>
+          <a:p>
+            <a:pPr lvl="1"/>
+            <a:r>
+              <a:rPr lang="en-US" sz="2200" dirty="0"/>
+              <a:t>Theft is the most frequent crime</a:t>
+            </a:r>
+          </a:p>
+          <a:p>
+            <a:pPr lvl="1"/>
+            <a:r>
+              <a:rPr lang="en-US" sz="2200" dirty="0"/>
+              <a:t>Battery is the most common violent crime (orange)</a:t>
+            </a:r>
+          </a:p>
+        </p:txBody>
+      </p:sp>
+      <p:pic>
+        <p:nvPicPr>
+          <p:cNvPr id="5" name="Picture 4">
+            <a:extLst>
+              <a:ext uri="{FF2B5EF4-FFF2-40B4-BE49-F238E27FC236}">
+                <a16:creationId xmlns:a16="http://schemas.microsoft.com/office/drawing/2014/main" id="{8B55116E-CDB1-B45D-EB16-4F0CFE1D7985}"/>
+              </a:ext>
+            </a:extLst>
+          </p:cNvPr>
+          <p:cNvPicPr>
+            <a:picLocks noChangeAspect="1"/>
+          </p:cNvPicPr>
+          <p:nvPr/>
+        </p:nvPicPr>
+        <p:blipFill>
+          <a:blip r:embed="rId3"/>
+          <a:stretch>
+            <a:fillRect/>
+          </a:stretch>
+        </p:blipFill>
+        <p:spPr>
+          <a:xfrm>
+            <a:off x="7863840" y="563926"/>
+            <a:ext cx="4014216" cy="2960483"/>
+          </a:xfrm>
+          <a:prstGeom prst="rect">
+            <a:avLst/>
+          </a:prstGeom>
+        </p:spPr>
+      </p:pic>
+      <p:pic>
+        <p:nvPicPr>
+          <p:cNvPr id="7" name="Picture 6">
+            <a:extLst>
+              <a:ext uri="{FF2B5EF4-FFF2-40B4-BE49-F238E27FC236}">
+                <a16:creationId xmlns:a16="http://schemas.microsoft.com/office/drawing/2014/main" id="{38FA49F6-31E7-BAF5-1BDD-9A3B7A265C01}"/>
+              </a:ext>
+            </a:extLst>
+          </p:cNvPr>
+          <p:cNvPicPr>
+            <a:picLocks noChangeAspect="1"/>
+          </p:cNvPicPr>
+          <p:nvPr/>
+        </p:nvPicPr>
+        <p:blipFill>
+          <a:blip r:embed="rId4"/>
+          <a:stretch>
+            <a:fillRect/>
+          </a:stretch>
+        </p:blipFill>
+        <p:spPr>
+          <a:xfrm>
+            <a:off x="5772986" y="3656884"/>
+            <a:ext cx="6105070" cy="2533604"/>
+          </a:xfrm>
+          <a:prstGeom prst="rect">
+            <a:avLst/>
+          </a:prstGeom>
+        </p:spPr>
+      </p:pic>
+    </p:spTree>
+    <p:extLst>
+      <p:ext uri="{BB962C8B-B14F-4D97-AF65-F5344CB8AC3E}">
+        <p14:creationId xmlns:p14="http://schemas.microsoft.com/office/powerpoint/2010/main" val="889652246"/>
+      </p:ext>
+    </p:extLst>
+  </p:cSld>
+  <p:clrMapOvr>
+    <a:masterClrMapping/>
+  </p:clrMapOvr>
+</p:sld>
+</file>
+
+<file path=ppt/slides/slide7.xml><?xml version="1.0" encoding="utf-8"?>
+<p:sld xmlns:a="http://schemas.openxmlformats.org/drawingml/2006/main" xmlns:r="http://schemas.openxmlformats.org/officeDocument/2006/relationships" xmlns:p="http://schemas.openxmlformats.org/presentationml/2006/main">
+  <p:cSld>
+    <p:spTree>
+      <p:nvGrpSpPr>
+        <p:cNvPr id="1" name="">
+          <a:extLst>
+            <a:ext uri="{FF2B5EF4-FFF2-40B4-BE49-F238E27FC236}">
+              <a16:creationId xmlns:a16="http://schemas.microsoft.com/office/drawing/2014/main" id="{944A02E1-C308-D024-8BF9-7D71A19B8609}"/>
+            </a:ext>
+          </a:extLst>
+        </p:cNvPr>
+        <p:cNvGrpSpPr/>
+        <p:nvPr/>
+      </p:nvGrpSpPr>
+      <p:grpSpPr>
+        <a:xfrm>
+          <a:off x="0" y="0"/>
+          <a:ext cx="0" cy="0"/>
+          <a:chOff x="0" y="0"/>
+          <a:chExt cx="0" cy="0"/>
+        </a:xfrm>
+      </p:grpSpPr>
+      <p:sp>
+        <p:nvSpPr>
+          <p:cNvPr id="2" name="Title 1">
+            <a:extLst>
+              <a:ext uri="{FF2B5EF4-FFF2-40B4-BE49-F238E27FC236}">
+                <a16:creationId xmlns:a16="http://schemas.microsoft.com/office/drawing/2014/main" id="{3BB949D0-9775-28AF-7E2D-8D3FE4C0A3E1}"/>
+              </a:ext>
+            </a:extLst>
+          </p:cNvPr>
+          <p:cNvSpPr>
+            <a:spLocks noGrp="1"/>
+          </p:cNvSpPr>
+          <p:nvPr>
+            <p:ph type="title"/>
+          </p:nvPr>
+        </p:nvSpPr>
+        <p:spPr>
+          <a:xfrm>
+            <a:off x="838200" y="365125"/>
+            <a:ext cx="4579619" cy="709295"/>
+          </a:xfrm>
+        </p:spPr>
+        <p:txBody>
+          <a:bodyPr>
+            <a:normAutofit fontScale="90000"/>
+          </a:bodyPr>
+          <a:lstStyle/>
+          <a:p>
+            <a:r>
+              <a:rPr lang="en-US" dirty="0"/>
+              <a:t>Exploratory Data Analysis</a:t>
+            </a:r>
+          </a:p>
+        </p:txBody>
+      </p:sp>
+      <p:sp>
+        <p:nvSpPr>
+          <p:cNvPr id="3" name="Content Placeholder 2">
+            <a:extLst>
+              <a:ext uri="{FF2B5EF4-FFF2-40B4-BE49-F238E27FC236}">
+                <a16:creationId xmlns:a16="http://schemas.microsoft.com/office/drawing/2014/main" id="{4E3037BA-5543-9E5E-DC61-3AF11BDEB22B}"/>
+              </a:ext>
+            </a:extLst>
+          </p:cNvPr>
+          <p:cNvSpPr>
+            <a:spLocks noGrp="1"/>
+          </p:cNvSpPr>
+          <p:nvPr>
+            <p:ph idx="1"/>
+          </p:nvPr>
+        </p:nvSpPr>
+        <p:spPr>
+          <a:xfrm>
+            <a:off x="586843" y="1485766"/>
+            <a:ext cx="4186808" cy="5007109"/>
+          </a:xfrm>
+        </p:spPr>
+        <p:txBody>
+          <a:bodyPr>
+            <a:normAutofit lnSpcReduction="10000"/>
+          </a:bodyPr>
+          <a:lstStyle/>
+          <a:p>
+            <a:r>
+              <a:rPr lang="en-US" sz="1800" dirty="0"/>
+              <a:t>Crime vs. Arrest Count</a:t>
+            </a:r>
+          </a:p>
+          <a:p>
+            <a:pPr lvl="1"/>
+            <a:r>
+              <a:rPr lang="en-US" sz="1800" dirty="0"/>
+              <a:t>Districts 6, 8, 11 each have crime counts greater than or equal to 1500</a:t>
+            </a:r>
+          </a:p>
+          <a:p>
+            <a:pPr lvl="1"/>
+            <a:r>
+              <a:rPr lang="en-US" sz="1800" dirty="0"/>
+              <a:t>Districts 20 and 31 have the lowest volume of crime</a:t>
+            </a:r>
+          </a:p>
+          <a:p>
+            <a:r>
+              <a:rPr lang="en-US" sz="1800" dirty="0"/>
+              <a:t>Arrest Rate by District</a:t>
+            </a:r>
+          </a:p>
+          <a:p>
+            <a:pPr lvl="1"/>
+            <a:r>
+              <a:rPr lang="en-US" sz="1800" dirty="0"/>
+              <a:t>Green bars indicate a “safe” district based on the median measure of arrest count / crime count</a:t>
+            </a:r>
+          </a:p>
+          <a:p>
+            <a:r>
+              <a:rPr lang="en-US" sz="1800" dirty="0"/>
+              <a:t>Overview of District and Crime graphs</a:t>
+            </a:r>
+          </a:p>
+          <a:p>
+            <a:pPr lvl="1"/>
+            <a:r>
+              <a:rPr lang="en-US" sz="1800" dirty="0"/>
+              <a:t>District 11 has the highest arrest and crime count</a:t>
+            </a:r>
+          </a:p>
+          <a:p>
+            <a:pPr lvl="1"/>
+            <a:r>
+              <a:rPr lang="en-US" sz="1800" dirty="0"/>
+              <a:t>High crime does not always mean high arrest rates</a:t>
+            </a:r>
+          </a:p>
+          <a:p>
+            <a:pPr lvl="1"/>
+            <a:r>
+              <a:rPr lang="en-US" sz="1800" dirty="0"/>
+              <a:t>Helpful benchmarks for experimentation and model prep </a:t>
+            </a:r>
+          </a:p>
+        </p:txBody>
+      </p:sp>
+      <p:pic>
+        <p:nvPicPr>
+          <p:cNvPr id="7" name="Picture 6">
+            <a:extLst>
+              <a:ext uri="{FF2B5EF4-FFF2-40B4-BE49-F238E27FC236}">
+                <a16:creationId xmlns:a16="http://schemas.microsoft.com/office/drawing/2014/main" id="{4C230784-745D-B9FC-8FE0-137732519ED5}"/>
+              </a:ext>
+            </a:extLst>
+          </p:cNvPr>
+          <p:cNvPicPr>
+            <a:picLocks noChangeAspect="1"/>
+          </p:cNvPicPr>
+          <p:nvPr/>
+        </p:nvPicPr>
+        <p:blipFill>
+          <a:blip r:embed="rId3">
+            <a:extLst>
+              <a:ext uri="{28A0092B-C50C-407E-A947-70E740481C1C}">
+                <a14:useLocalDpi xmlns:a14="http://schemas.microsoft.com/office/drawing/2010/main" val="0"/>
+              </a:ext>
+            </a:extLst>
+          </a:blip>
+          <a:srcRect/>
+          <a:stretch/>
+        </p:blipFill>
+        <p:spPr>
+          <a:xfrm>
+            <a:off x="4773651" y="3429000"/>
+            <a:ext cx="7312271" cy="3063875"/>
+          </a:xfrm>
+          <a:prstGeom prst="rect">
+            <a:avLst/>
+          </a:prstGeom>
+        </p:spPr>
+      </p:pic>
+      <p:pic>
+        <p:nvPicPr>
+          <p:cNvPr id="4" name="Picture 3">
+            <a:extLst>
+              <a:ext uri="{FF2B5EF4-FFF2-40B4-BE49-F238E27FC236}">
+                <a16:creationId xmlns:a16="http://schemas.microsoft.com/office/drawing/2014/main" id="{62B1AC84-4528-F9BC-50D4-8708F9EFB649}"/>
+              </a:ext>
+            </a:extLst>
+          </p:cNvPr>
+          <p:cNvPicPr>
+            <a:picLocks noChangeAspect="1"/>
+          </p:cNvPicPr>
+          <p:nvPr/>
+        </p:nvPicPr>
+        <p:blipFill>
+          <a:blip r:embed="rId4">
+            <a:extLst>
+              <a:ext uri="{28A0092B-C50C-407E-A947-70E740481C1C}">
+                <a14:useLocalDpi xmlns:a14="http://schemas.microsoft.com/office/drawing/2010/main" val="0"/>
+              </a:ext>
+            </a:extLst>
+          </a:blip>
+          <a:srcRect/>
+          <a:stretch/>
+        </p:blipFill>
+        <p:spPr>
+          <a:xfrm>
+            <a:off x="4773651" y="365125"/>
+            <a:ext cx="7238897" cy="3063875"/>
+          </a:xfrm>
+          <a:prstGeom prst="rect">
+            <a:avLst/>
+          </a:prstGeom>
+        </p:spPr>
+      </p:pic>
+    </p:spTree>
+    <p:extLst>
+      <p:ext uri="{BB962C8B-B14F-4D97-AF65-F5344CB8AC3E}">
+        <p14:creationId xmlns:p14="http://schemas.microsoft.com/office/powerpoint/2010/main" val="2581187831"/>
+      </p:ext>
+    </p:extLst>
+  </p:cSld>
+  <p:clrMapOvr>
+    <a:masterClrMapping/>
+  </p:clrMapOvr>
+</p:sld>
+</file>
+
+<file path=ppt/slides/slide8.xml><?xml version="1.0" encoding="utf-8"?>
 <p:sld xmlns:a="http://schemas.openxmlformats.org/drawingml/2006/main" xmlns:r="http://schemas.openxmlformats.org/officeDocument/2006/relationships" xmlns:p="http://schemas.openxmlformats.org/presentationml/2006/main">
   <p:cSld>
     <p:spTree>
@@ -30608,7 +34127,7 @@
           <p:cNvPr id="2" name="Title 1">
             <a:extLst>
               <a:ext uri="{FF2B5EF4-FFF2-40B4-BE49-F238E27FC236}">
-                <a16:creationId xmlns:a16="http://schemas.microsoft.com/office/drawing/2014/main" id="{E9858037-F0BD-55DA-5F43-31803B992F94}"/>
+                <a16:creationId xmlns:a16="http://schemas.microsoft.com/office/drawing/2014/main" id="{963346F3-0F2F-556F-7969-FFD398285445}"/>
               </a:ext>
             </a:extLst>
           </p:cNvPr>
@@ -30619,13 +34138,20 @@
             <p:ph type="title"/>
           </p:nvPr>
         </p:nvSpPr>
-        <p:spPr/>
+        <p:spPr>
+          <a:xfrm>
+            <a:off x="321253" y="377507"/>
+            <a:ext cx="1817370" cy="571183"/>
+          </a:xfrm>
+        </p:spPr>
         <p:txBody>
-          <a:bodyPr/>
+          <a:bodyPr>
+            <a:normAutofit/>
+          </a:bodyPr>
           <a:lstStyle/>
           <a:p>
             <a:r>
-              <a:rPr lang="en-US" dirty="0"/>
+              <a:rPr lang="en-US" sz="3200" dirty="0"/>
               <a:t>Modeling</a:t>
             </a:r>
           </a:p>
@@ -30633,138 +34159,629 @@
       </p:sp>
       <p:sp>
         <p:nvSpPr>
-          <p:cNvPr id="3" name="Content Placeholder 2">
+          <p:cNvPr id="7" name="TextBox 6">
             <a:extLst>
               <a:ext uri="{FF2B5EF4-FFF2-40B4-BE49-F238E27FC236}">
-                <a16:creationId xmlns:a16="http://schemas.microsoft.com/office/drawing/2014/main" id="{88CB4EFC-24F4-D72D-D81D-439865D29679}"/>
+                <a16:creationId xmlns:a16="http://schemas.microsoft.com/office/drawing/2014/main" id="{34DB630B-E4EB-4342-CBF1-5C5439F13818}"/>
               </a:ext>
             </a:extLst>
           </p:cNvPr>
-          <p:cNvSpPr>
-            <a:spLocks noGrp="1"/>
-          </p:cNvSpPr>
-          <p:nvPr>
-            <p:ph idx="1"/>
-          </p:nvPr>
+          <p:cNvSpPr txBox="1"/>
+          <p:nvPr/>
         </p:nvSpPr>
-        <p:spPr/>
+        <p:spPr>
+          <a:xfrm>
+            <a:off x="321253" y="948690"/>
+            <a:ext cx="4766310" cy="5909310"/>
+          </a:xfrm>
+          <a:prstGeom prst="rect">
+            <a:avLst/>
+          </a:prstGeom>
+          <a:noFill/>
+        </p:spPr>
         <p:txBody>
-          <a:bodyPr/>
+          <a:bodyPr wrap="square" rtlCol="0">
+            <a:spAutoFit/>
+          </a:bodyPr>
           <a:lstStyle/>
           <a:p>
+            <a:pPr marL="285750" marR="0" lvl="0" indent="-285750" algn="l" defTabSz="914400" rtl="0" eaLnBrk="1" fontAlgn="auto" latinLnBrk="0" hangingPunct="1">
+              <a:lnSpc>
+                <a:spcPct val="100000"/>
+              </a:lnSpc>
+              <a:spcBef>
+                <a:spcPts val="0"/>
+              </a:spcBef>
+              <a:spcAft>
+                <a:spcPts val="0"/>
+              </a:spcAft>
+              <a:buClrTx/>
+              <a:buSzTx/>
+              <a:buFont typeface="Arial" panose="020B0604020202020204" pitchFamily="34" charset="0"/>
+              <a:buChar char="•"/>
+              <a:tabLst/>
+              <a:defRPr/>
+            </a:pPr>
             <a:r>
-              <a:rPr lang="en-US" dirty="0"/>
-              <a:t>[Which models did we try and why?]</a:t>
+              <a:rPr kumimoji="0" lang="en-US" sz="1800" b="0" i="0" u="none" strike="noStrike" kern="1200" cap="none" spc="0" normalizeH="0" baseline="0" noProof="0" dirty="0">
+                <a:ln>
+                  <a:noFill/>
+                </a:ln>
+                <a:solidFill>
+                  <a:prstClr val="black"/>
+                </a:solidFill>
+                <a:effectLst/>
+                <a:uLnTx/>
+                <a:uFillTx/>
+                <a:latin typeface="Aptos" panose="02110004020202020204"/>
+                <a:ea typeface="+mn-ea"/>
+                <a:cs typeface="+mn-cs"/>
+              </a:rPr>
+              <a:t>Feature Selection</a:t>
             </a:r>
           </a:p>
           <a:p>
+            <a:pPr marL="742950" marR="0" lvl="1" indent="-285750" algn="l" defTabSz="914400" rtl="0" eaLnBrk="1" fontAlgn="auto" latinLnBrk="0" hangingPunct="1">
+              <a:lnSpc>
+                <a:spcPct val="100000"/>
+              </a:lnSpc>
+              <a:spcBef>
+                <a:spcPts val="0"/>
+              </a:spcBef>
+              <a:spcAft>
+                <a:spcPts val="0"/>
+              </a:spcAft>
+              <a:buClrTx/>
+              <a:buSzTx/>
+              <a:buFont typeface="Arial" panose="020B0604020202020204" pitchFamily="34" charset="0"/>
+              <a:buChar char="•"/>
+              <a:tabLst/>
+              <a:defRPr/>
+            </a:pPr>
             <a:r>
-              <a:rPr lang="en-US" dirty="0"/>
-              <a:t>[Which is the preferred model?]</a:t>
+              <a:rPr kumimoji="0" lang="en-US" sz="1800" b="0" i="0" u="none" strike="noStrike" kern="1200" cap="none" spc="0" normalizeH="0" baseline="0" noProof="0" dirty="0">
+                <a:ln>
+                  <a:noFill/>
+                </a:ln>
+                <a:solidFill>
+                  <a:prstClr val="black"/>
+                </a:solidFill>
+                <a:effectLst/>
+                <a:uLnTx/>
+                <a:uFillTx/>
+                <a:latin typeface="Aptos" panose="02110004020202020204"/>
+                <a:ea typeface="+mn-ea"/>
+                <a:cs typeface="+mn-cs"/>
+              </a:rPr>
+              <a:t>Dropped columns with low predictive value</a:t>
             </a:r>
+          </a:p>
+          <a:p>
+            <a:pPr marL="742950" marR="0" lvl="1" indent="-285750" algn="l" defTabSz="914400" rtl="0" eaLnBrk="1" fontAlgn="auto" latinLnBrk="0" hangingPunct="1">
+              <a:lnSpc>
+                <a:spcPct val="100000"/>
+              </a:lnSpc>
+              <a:spcBef>
+                <a:spcPts val="0"/>
+              </a:spcBef>
+              <a:spcAft>
+                <a:spcPts val="0"/>
+              </a:spcAft>
+              <a:buClrTx/>
+              <a:buSzTx/>
+              <a:buFont typeface="Arial" panose="020B0604020202020204" pitchFamily="34" charset="0"/>
+              <a:buChar char="•"/>
+              <a:tabLst/>
+              <a:defRPr/>
+            </a:pPr>
+            <a:r>
+              <a:rPr kumimoji="0" lang="en-US" sz="1800" b="0" i="0" u="none" strike="noStrike" kern="1200" cap="none" spc="0" normalizeH="0" baseline="0" noProof="0" dirty="0">
+                <a:ln>
+                  <a:noFill/>
+                </a:ln>
+                <a:solidFill>
+                  <a:prstClr val="black"/>
+                </a:solidFill>
+                <a:effectLst/>
+                <a:uLnTx/>
+                <a:uFillTx/>
+                <a:latin typeface="Aptos" panose="02110004020202020204"/>
+                <a:ea typeface="+mn-ea"/>
+                <a:cs typeface="+mn-cs"/>
+              </a:rPr>
+              <a:t>Defined arrest as target variable</a:t>
+            </a:r>
+          </a:p>
+          <a:p>
+            <a:pPr marL="285750" marR="0" lvl="0" indent="-285750" algn="l" defTabSz="914400" rtl="0" eaLnBrk="1" fontAlgn="auto" latinLnBrk="0" hangingPunct="1">
+              <a:lnSpc>
+                <a:spcPct val="100000"/>
+              </a:lnSpc>
+              <a:spcBef>
+                <a:spcPts val="0"/>
+              </a:spcBef>
+              <a:spcAft>
+                <a:spcPts val="0"/>
+              </a:spcAft>
+              <a:buClrTx/>
+              <a:buSzTx/>
+              <a:buFont typeface="Arial" panose="020B0604020202020204" pitchFamily="34" charset="0"/>
+              <a:buChar char="•"/>
+              <a:tabLst/>
+              <a:defRPr/>
+            </a:pPr>
+            <a:r>
+              <a:rPr kumimoji="0" lang="en-US" sz="1800" b="0" i="0" u="none" strike="noStrike" kern="1200" cap="none" spc="0" normalizeH="0" baseline="0" noProof="0" dirty="0">
+                <a:ln>
+                  <a:noFill/>
+                </a:ln>
+                <a:solidFill>
+                  <a:prstClr val="black"/>
+                </a:solidFill>
+                <a:effectLst/>
+                <a:uLnTx/>
+                <a:uFillTx/>
+                <a:latin typeface="Aptos" panose="02110004020202020204"/>
+                <a:ea typeface="+mn-ea"/>
+                <a:cs typeface="+mn-cs"/>
+              </a:rPr>
+              <a:t>Train Test Split</a:t>
+            </a:r>
+          </a:p>
+          <a:p>
+            <a:pPr marL="742950" marR="0" lvl="1" indent="-285750" algn="l" defTabSz="914400" rtl="0" eaLnBrk="1" fontAlgn="auto" latinLnBrk="0" hangingPunct="1">
+              <a:lnSpc>
+                <a:spcPct val="100000"/>
+              </a:lnSpc>
+              <a:spcBef>
+                <a:spcPts val="0"/>
+              </a:spcBef>
+              <a:spcAft>
+                <a:spcPts val="0"/>
+              </a:spcAft>
+              <a:buClrTx/>
+              <a:buSzTx/>
+              <a:buFont typeface="Arial" panose="020B0604020202020204" pitchFamily="34" charset="0"/>
+              <a:buChar char="•"/>
+              <a:tabLst/>
+              <a:defRPr/>
+            </a:pPr>
+            <a:r>
+              <a:rPr kumimoji="0" lang="en-US" sz="1800" b="0" i="0" u="none" strike="noStrike" kern="1200" cap="none" spc="0" normalizeH="0" baseline="0" noProof="0" dirty="0">
+                <a:ln>
+                  <a:noFill/>
+                </a:ln>
+                <a:solidFill>
+                  <a:prstClr val="black"/>
+                </a:solidFill>
+                <a:effectLst/>
+                <a:uLnTx/>
+                <a:uFillTx/>
+                <a:latin typeface="Aptos" panose="02110004020202020204"/>
+                <a:ea typeface="+mn-ea"/>
+                <a:cs typeface="+mn-cs"/>
+              </a:rPr>
+              <a:t>Used 25% of the data for testing </a:t>
+            </a:r>
+          </a:p>
+          <a:p>
+            <a:pPr marL="742950" marR="0" lvl="1" indent="-285750" algn="l" defTabSz="914400" rtl="0" eaLnBrk="1" fontAlgn="auto" latinLnBrk="0" hangingPunct="1">
+              <a:lnSpc>
+                <a:spcPct val="100000"/>
+              </a:lnSpc>
+              <a:spcBef>
+                <a:spcPts val="0"/>
+              </a:spcBef>
+              <a:spcAft>
+                <a:spcPts val="0"/>
+              </a:spcAft>
+              <a:buClrTx/>
+              <a:buSzTx/>
+              <a:buFont typeface="Arial" panose="020B0604020202020204" pitchFamily="34" charset="0"/>
+              <a:buChar char="•"/>
+              <a:tabLst/>
+              <a:defRPr/>
+            </a:pPr>
+            <a:r>
+              <a:rPr kumimoji="0" lang="en-US" sz="1800" b="0" i="0" u="none" strike="noStrike" kern="1200" cap="none" spc="0" normalizeH="0" baseline="0" noProof="0" dirty="0">
+                <a:ln>
+                  <a:noFill/>
+                </a:ln>
+                <a:solidFill>
+                  <a:prstClr val="black"/>
+                </a:solidFill>
+                <a:effectLst/>
+                <a:uLnTx/>
+                <a:uFillTx/>
+                <a:latin typeface="Aptos" panose="02110004020202020204"/>
+                <a:ea typeface="+mn-ea"/>
+                <a:cs typeface="+mn-cs"/>
+              </a:rPr>
+              <a:t>Set random seed = 42 for reproducibility</a:t>
+            </a:r>
+          </a:p>
+          <a:p>
+            <a:pPr marL="285750" marR="0" lvl="0" indent="-285750" algn="l" defTabSz="914400" rtl="0" eaLnBrk="1" fontAlgn="auto" latinLnBrk="0" hangingPunct="1">
+              <a:lnSpc>
+                <a:spcPct val="100000"/>
+              </a:lnSpc>
+              <a:spcBef>
+                <a:spcPts val="0"/>
+              </a:spcBef>
+              <a:spcAft>
+                <a:spcPts val="0"/>
+              </a:spcAft>
+              <a:buClrTx/>
+              <a:buSzTx/>
+              <a:buFont typeface="Arial" panose="020B0604020202020204" pitchFamily="34" charset="0"/>
+              <a:buChar char="•"/>
+              <a:tabLst/>
+              <a:defRPr/>
+            </a:pPr>
+            <a:r>
+              <a:rPr kumimoji="0" lang="en-US" sz="1800" b="0" i="0" u="none" strike="noStrike" kern="1200" cap="none" spc="0" normalizeH="0" baseline="0" noProof="0" dirty="0">
+                <a:ln>
+                  <a:noFill/>
+                </a:ln>
+                <a:solidFill>
+                  <a:prstClr val="black"/>
+                </a:solidFill>
+                <a:effectLst/>
+                <a:uLnTx/>
+                <a:uFillTx/>
+                <a:latin typeface="Aptos" panose="02110004020202020204"/>
+                <a:ea typeface="+mn-ea"/>
+                <a:cs typeface="+mn-cs"/>
+              </a:rPr>
+              <a:t>Preprocessing Pipeline</a:t>
+            </a:r>
+          </a:p>
+          <a:p>
+            <a:pPr marL="742950" marR="0" lvl="1" indent="-285750" algn="l" defTabSz="914400" rtl="0" eaLnBrk="1" fontAlgn="auto" latinLnBrk="0" hangingPunct="1">
+              <a:lnSpc>
+                <a:spcPct val="100000"/>
+              </a:lnSpc>
+              <a:spcBef>
+                <a:spcPts val="0"/>
+              </a:spcBef>
+              <a:spcAft>
+                <a:spcPts val="0"/>
+              </a:spcAft>
+              <a:buClrTx/>
+              <a:buSzTx/>
+              <a:buFont typeface="Arial" panose="020B0604020202020204" pitchFamily="34" charset="0"/>
+              <a:buChar char="•"/>
+              <a:tabLst/>
+              <a:defRPr/>
+            </a:pPr>
+            <a:r>
+              <a:rPr kumimoji="0" lang="en-US" sz="1800" b="0" i="0" u="none" strike="noStrike" kern="1200" cap="none" spc="0" normalizeH="0" baseline="0" noProof="0" dirty="0">
+                <a:ln>
+                  <a:noFill/>
+                </a:ln>
+                <a:solidFill>
+                  <a:prstClr val="black"/>
+                </a:solidFill>
+                <a:effectLst/>
+                <a:uLnTx/>
+                <a:uFillTx/>
+                <a:latin typeface="Aptos" panose="02110004020202020204"/>
+                <a:ea typeface="+mn-ea"/>
+                <a:cs typeface="+mn-cs"/>
+              </a:rPr>
+              <a:t>Ensures data preservation</a:t>
+            </a:r>
+          </a:p>
+          <a:p>
+            <a:pPr marL="742950" marR="0" lvl="1" indent="-285750" algn="l" defTabSz="914400" rtl="0" eaLnBrk="1" fontAlgn="auto" latinLnBrk="0" hangingPunct="1">
+              <a:lnSpc>
+                <a:spcPct val="100000"/>
+              </a:lnSpc>
+              <a:spcBef>
+                <a:spcPts val="0"/>
+              </a:spcBef>
+              <a:spcAft>
+                <a:spcPts val="0"/>
+              </a:spcAft>
+              <a:buClrTx/>
+              <a:buSzTx/>
+              <a:buFont typeface="Arial" panose="020B0604020202020204" pitchFamily="34" charset="0"/>
+              <a:buChar char="•"/>
+              <a:tabLst/>
+              <a:defRPr/>
+            </a:pPr>
+            <a:r>
+              <a:rPr kumimoji="0" lang="en-US" sz="1800" b="0" i="0" u="none" strike="noStrike" kern="1200" cap="none" spc="0" normalizeH="0" baseline="0" noProof="0" dirty="0">
+                <a:ln>
+                  <a:noFill/>
+                </a:ln>
+                <a:solidFill>
+                  <a:prstClr val="black"/>
+                </a:solidFill>
+                <a:effectLst/>
+                <a:uLnTx/>
+                <a:uFillTx/>
+                <a:latin typeface="Aptos" panose="02110004020202020204"/>
+                <a:ea typeface="+mn-ea"/>
+                <a:cs typeface="+mn-cs"/>
+              </a:rPr>
+              <a:t>Converts features to machine readable format</a:t>
+            </a:r>
+          </a:p>
+          <a:p>
+            <a:pPr marL="285750" marR="0" lvl="0" indent="-285750" algn="l" defTabSz="914400" rtl="0" eaLnBrk="1" fontAlgn="auto" latinLnBrk="0" hangingPunct="1">
+              <a:lnSpc>
+                <a:spcPct val="100000"/>
+              </a:lnSpc>
+              <a:spcBef>
+                <a:spcPts val="0"/>
+              </a:spcBef>
+              <a:spcAft>
+                <a:spcPts val="0"/>
+              </a:spcAft>
+              <a:buClrTx/>
+              <a:buSzTx/>
+              <a:buFont typeface="Arial" panose="020B0604020202020204" pitchFamily="34" charset="0"/>
+              <a:buChar char="•"/>
+              <a:tabLst/>
+              <a:defRPr/>
+            </a:pPr>
+            <a:r>
+              <a:rPr kumimoji="0" lang="en-US" sz="1800" b="0" i="0" u="none" strike="noStrike" kern="1200" cap="none" spc="0" normalizeH="0" baseline="0" noProof="0" dirty="0">
+                <a:ln>
+                  <a:noFill/>
+                </a:ln>
+                <a:solidFill>
+                  <a:prstClr val="black"/>
+                </a:solidFill>
+                <a:effectLst/>
+                <a:uLnTx/>
+                <a:uFillTx/>
+                <a:latin typeface="Aptos" panose="02110004020202020204"/>
+                <a:ea typeface="+mn-ea"/>
+                <a:cs typeface="+mn-cs"/>
+              </a:rPr>
+              <a:t>Model  Pipeline</a:t>
+            </a:r>
+          </a:p>
+          <a:p>
+            <a:pPr marL="742950" marR="0" lvl="1" indent="-285750" algn="l" defTabSz="914400" rtl="0" eaLnBrk="1" fontAlgn="auto" latinLnBrk="0" hangingPunct="1">
+              <a:lnSpc>
+                <a:spcPct val="100000"/>
+              </a:lnSpc>
+              <a:spcBef>
+                <a:spcPts val="0"/>
+              </a:spcBef>
+              <a:spcAft>
+                <a:spcPts val="0"/>
+              </a:spcAft>
+              <a:buClrTx/>
+              <a:buSzTx/>
+              <a:buFont typeface="Arial" panose="020B0604020202020204" pitchFamily="34" charset="0"/>
+              <a:buChar char="•"/>
+              <a:tabLst/>
+              <a:defRPr/>
+            </a:pPr>
+            <a:r>
+              <a:rPr kumimoji="0" lang="en-US" sz="1800" b="0" i="0" u="none" strike="noStrike" kern="1200" cap="none" spc="0" normalizeH="0" baseline="0" noProof="0" dirty="0">
+                <a:ln>
+                  <a:noFill/>
+                </a:ln>
+                <a:solidFill>
+                  <a:prstClr val="black"/>
+                </a:solidFill>
+                <a:effectLst/>
+                <a:uLnTx/>
+                <a:uFillTx/>
+                <a:latin typeface="Aptos" panose="02110004020202020204"/>
+                <a:ea typeface="+mn-ea"/>
+                <a:cs typeface="+mn-cs"/>
+              </a:rPr>
+              <a:t>Evaluates baseline model performers before tuning</a:t>
+            </a:r>
+          </a:p>
+          <a:p>
+            <a:pPr marL="742950" marR="0" lvl="1" indent="-285750" algn="l" defTabSz="914400" rtl="0" eaLnBrk="1" fontAlgn="auto" latinLnBrk="0" hangingPunct="1">
+              <a:lnSpc>
+                <a:spcPct val="100000"/>
+              </a:lnSpc>
+              <a:spcBef>
+                <a:spcPts val="0"/>
+              </a:spcBef>
+              <a:spcAft>
+                <a:spcPts val="0"/>
+              </a:spcAft>
+              <a:buClrTx/>
+              <a:buSzTx/>
+              <a:buFont typeface="Arial" panose="020B0604020202020204" pitchFamily="34" charset="0"/>
+              <a:buChar char="•"/>
+              <a:tabLst/>
+              <a:defRPr/>
+            </a:pPr>
+            <a:r>
+              <a:rPr kumimoji="0" lang="en-US" sz="1800" b="0" i="0" u="none" strike="noStrike" kern="1200" cap="none" spc="0" normalizeH="0" baseline="0" noProof="0" dirty="0">
+                <a:ln>
+                  <a:noFill/>
+                </a:ln>
+                <a:solidFill>
+                  <a:prstClr val="black"/>
+                </a:solidFill>
+                <a:effectLst/>
+                <a:uLnTx/>
+                <a:uFillTx/>
+                <a:latin typeface="Aptos" panose="02110004020202020204"/>
+                <a:ea typeface="+mn-ea"/>
+                <a:cs typeface="+mn-cs"/>
+              </a:rPr>
+              <a:t>Data guides selection of model </a:t>
+            </a:r>
+          </a:p>
+          <a:p>
+            <a:pPr marL="285750" marR="0" lvl="0" indent="-285750" algn="l" defTabSz="914400" rtl="0" eaLnBrk="1" fontAlgn="auto" latinLnBrk="0" hangingPunct="1">
+              <a:lnSpc>
+                <a:spcPct val="100000"/>
+              </a:lnSpc>
+              <a:spcBef>
+                <a:spcPts val="0"/>
+              </a:spcBef>
+              <a:spcAft>
+                <a:spcPts val="0"/>
+              </a:spcAft>
+              <a:buClrTx/>
+              <a:buSzTx/>
+              <a:buFont typeface="Arial" panose="020B0604020202020204" pitchFamily="34" charset="0"/>
+              <a:buChar char="•"/>
+              <a:tabLst/>
+              <a:defRPr/>
+            </a:pPr>
+            <a:r>
+              <a:rPr kumimoji="0" lang="en-US" sz="1800" b="0" i="0" u="none" strike="noStrike" kern="1200" cap="none" spc="0" normalizeH="0" baseline="0" noProof="0" dirty="0">
+                <a:ln>
+                  <a:noFill/>
+                </a:ln>
+                <a:solidFill>
+                  <a:prstClr val="black"/>
+                </a:solidFill>
+                <a:effectLst/>
+                <a:uLnTx/>
+                <a:uFillTx/>
+                <a:latin typeface="Aptos" panose="02110004020202020204"/>
+                <a:ea typeface="+mn-ea"/>
+                <a:cs typeface="+mn-cs"/>
+              </a:rPr>
+              <a:t>Initial Results</a:t>
+            </a:r>
+          </a:p>
+          <a:p>
+            <a:pPr marL="742950" marR="0" lvl="1" indent="-285750" algn="l" defTabSz="914400" rtl="0" eaLnBrk="1" fontAlgn="auto" latinLnBrk="0" hangingPunct="1">
+              <a:lnSpc>
+                <a:spcPct val="100000"/>
+              </a:lnSpc>
+              <a:spcBef>
+                <a:spcPts val="0"/>
+              </a:spcBef>
+              <a:spcAft>
+                <a:spcPts val="0"/>
+              </a:spcAft>
+              <a:buClrTx/>
+              <a:buSzTx/>
+              <a:buFont typeface="Arial" panose="020B0604020202020204" pitchFamily="34" charset="0"/>
+              <a:buChar char="•"/>
+              <a:tabLst/>
+              <a:defRPr/>
+            </a:pPr>
+            <a:r>
+              <a:rPr kumimoji="0" lang="en-US" sz="1800" b="1" i="0" u="none" strike="noStrike" kern="1200" cap="none" spc="0" normalizeH="0" baseline="0" noProof="0" dirty="0">
+                <a:ln>
+                  <a:noFill/>
+                </a:ln>
+                <a:solidFill>
+                  <a:prstClr val="black"/>
+                </a:solidFill>
+                <a:effectLst/>
+                <a:uLnTx/>
+                <a:uFillTx/>
+                <a:latin typeface="Aptos" panose="02110004020202020204"/>
+                <a:ea typeface="+mn-ea"/>
+                <a:cs typeface="+mn-cs"/>
+              </a:rPr>
+              <a:t>Logistic Regression </a:t>
+            </a:r>
+            <a:r>
+              <a:rPr kumimoji="0" lang="en-US" sz="1800" b="0" i="0" u="none" strike="noStrike" kern="1200" cap="none" spc="0" normalizeH="0" baseline="0" noProof="0" dirty="0">
+                <a:ln>
+                  <a:noFill/>
+                </a:ln>
+                <a:solidFill>
+                  <a:prstClr val="black"/>
+                </a:solidFill>
+                <a:effectLst/>
+                <a:uLnTx/>
+                <a:uFillTx/>
+                <a:latin typeface="Aptos" panose="02110004020202020204"/>
+                <a:ea typeface="+mn-ea"/>
+                <a:cs typeface="+mn-cs"/>
+              </a:rPr>
+              <a:t>performed best</a:t>
+            </a:r>
+          </a:p>
+          <a:p>
+            <a:pPr marL="742950" marR="0" lvl="1" indent="-285750" algn="l" defTabSz="914400" rtl="0" eaLnBrk="1" fontAlgn="auto" latinLnBrk="0" hangingPunct="1">
+              <a:lnSpc>
+                <a:spcPct val="100000"/>
+              </a:lnSpc>
+              <a:spcBef>
+                <a:spcPts val="0"/>
+              </a:spcBef>
+              <a:spcAft>
+                <a:spcPts val="0"/>
+              </a:spcAft>
+              <a:buClrTx/>
+              <a:buSzTx/>
+              <a:buFont typeface="Arial" panose="020B0604020202020204" pitchFamily="34" charset="0"/>
+              <a:buChar char="•"/>
+              <a:tabLst/>
+              <a:defRPr/>
+            </a:pPr>
+            <a:r>
+              <a:rPr kumimoji="0" lang="en-US" sz="1800" b="0" i="0" u="none" strike="noStrike" kern="1200" cap="none" spc="0" normalizeH="0" baseline="0" noProof="0" dirty="0">
+                <a:ln>
+                  <a:noFill/>
+                </a:ln>
+                <a:solidFill>
+                  <a:prstClr val="black"/>
+                </a:solidFill>
+                <a:effectLst/>
+                <a:uLnTx/>
+                <a:uFillTx/>
+                <a:latin typeface="Aptos" panose="02110004020202020204"/>
+                <a:ea typeface="+mn-ea"/>
+                <a:cs typeface="+mn-cs"/>
+              </a:rPr>
+              <a:t>Final model selection pending—no hyperparameter tuning yet</a:t>
+            </a:r>
+          </a:p>
+          <a:p>
+            <a:pPr marL="0" marR="0" lvl="0" indent="0" algn="l" defTabSz="914400" rtl="0" eaLnBrk="1" fontAlgn="auto" latinLnBrk="0" hangingPunct="1">
+              <a:lnSpc>
+                <a:spcPct val="100000"/>
+              </a:lnSpc>
+              <a:spcBef>
+                <a:spcPts val="0"/>
+              </a:spcBef>
+              <a:spcAft>
+                <a:spcPts val="0"/>
+              </a:spcAft>
+              <a:buClrTx/>
+              <a:buSzTx/>
+              <a:buFontTx/>
+              <a:buNone/>
+              <a:tabLst/>
+              <a:defRPr/>
+            </a:pPr>
+            <a:endParaRPr kumimoji="0" lang="en-US" sz="1800" b="0" i="0" u="none" strike="noStrike" kern="1200" cap="none" spc="0" normalizeH="0" baseline="0" noProof="0" dirty="0">
+              <a:ln>
+                <a:noFill/>
+              </a:ln>
+              <a:solidFill>
+                <a:prstClr val="black"/>
+              </a:solidFill>
+              <a:effectLst/>
+              <a:uLnTx/>
+              <a:uFillTx/>
+              <a:latin typeface="Aptos" panose="02110004020202020204"/>
+              <a:ea typeface="+mn-ea"/>
+              <a:cs typeface="+mn-cs"/>
+            </a:endParaRPr>
           </a:p>
         </p:txBody>
       </p:sp>
-    </p:spTree>
-    <p:extLst>
-      <p:ext uri="{BB962C8B-B14F-4D97-AF65-F5344CB8AC3E}">
-        <p14:creationId xmlns:p14="http://schemas.microsoft.com/office/powerpoint/2010/main" val="2523784728"/>
-      </p:ext>
-    </p:extLst>
-  </p:cSld>
-  <p:clrMapOvr>
-    <a:masterClrMapping/>
-  </p:clrMapOvr>
-</p:sld>
-</file>
-
-<file path=ppt/slides/slide7.xml><?xml version="1.0" encoding="utf-8"?>
-<p:sld xmlns:a="http://schemas.openxmlformats.org/drawingml/2006/main" xmlns:r="http://schemas.openxmlformats.org/officeDocument/2006/relationships" xmlns:p="http://schemas.openxmlformats.org/presentationml/2006/main">
-  <p:cSld>
-    <p:spTree>
-      <p:nvGrpSpPr>
-        <p:cNvPr id="1" name=""/>
-        <p:cNvGrpSpPr/>
-        <p:nvPr/>
-      </p:nvGrpSpPr>
-      <p:grpSpPr>
-        <a:xfrm>
-          <a:off x="0" y="0"/>
-          <a:ext cx="0" cy="0"/>
-          <a:chOff x="0" y="0"/>
-          <a:chExt cx="0" cy="0"/>
-        </a:xfrm>
-      </p:grpSpPr>
-      <p:sp>
-        <p:nvSpPr>
-          <p:cNvPr id="2" name="Title 1">
+      <p:pic>
+        <p:nvPicPr>
+          <p:cNvPr id="14" name="Picture 13">
             <a:extLst>
               <a:ext uri="{FF2B5EF4-FFF2-40B4-BE49-F238E27FC236}">
-                <a16:creationId xmlns:a16="http://schemas.microsoft.com/office/drawing/2014/main" id="{9C0BD8BE-D4DF-0304-16F4-8934A8533A5A}"/>
-              </a:ext>
-            </a:extLst>
-          </p:cNvPr>
-          <p:cNvSpPr>
-            <a:spLocks noGrp="1"/>
-          </p:cNvSpPr>
-          <p:nvPr>
-            <p:ph type="title"/>
-          </p:nvPr>
-        </p:nvSpPr>
-        <p:spPr/>
-        <p:txBody>
-          <a:bodyPr/>
-          <a:lstStyle/>
-          <a:p>
-            <a:r>
-              <a:rPr lang="en-US" dirty="0"/>
-              <a:t>Model Evaluation </a:t>
-            </a:r>
-          </a:p>
-        </p:txBody>
-      </p:sp>
-    </p:spTree>
-    <p:extLst>
-      <p:ext uri="{BB962C8B-B14F-4D97-AF65-F5344CB8AC3E}">
-        <p14:creationId xmlns:p14="http://schemas.microsoft.com/office/powerpoint/2010/main" val="1619498896"/>
-      </p:ext>
-    </p:extLst>
-  </p:cSld>
-  <p:clrMapOvr>
-    <a:masterClrMapping/>
-  </p:clrMapOvr>
-</p:sld>
-</file>
-
-<file path=ppt/slides/slide8.xml><?xml version="1.0" encoding="utf-8"?>
-<p:sld xmlns:a="http://schemas.openxmlformats.org/drawingml/2006/main" xmlns:r="http://schemas.openxmlformats.org/officeDocument/2006/relationships" xmlns:p="http://schemas.openxmlformats.org/presentationml/2006/main">
-  <p:cSld>
-    <p:spTree>
-      <p:nvGrpSpPr>
-        <p:cNvPr id="1" name="">
-          <a:extLst>
-            <a:ext uri="{FF2B5EF4-FFF2-40B4-BE49-F238E27FC236}">
-              <a16:creationId xmlns:a16="http://schemas.microsoft.com/office/drawing/2014/main" id="{C9A8AC02-7B06-88A4-3E9E-6FD9EF387AD8}"/>
-            </a:ext>
-          </a:extLst>
-        </p:cNvPr>
-        <p:cNvGrpSpPr/>
-        <p:nvPr/>
-      </p:nvGrpSpPr>
-      <p:grpSpPr>
-        <a:xfrm>
-          <a:off x="0" y="0"/>
-          <a:ext cx="0" cy="0"/>
-          <a:chOff x="0" y="0"/>
-          <a:chExt cx="0" cy="0"/>
-        </a:xfrm>
-      </p:grpSpPr>
-      <p:pic>
-        <p:nvPicPr>
-          <p:cNvPr id="3" name="Picture 2">
-            <a:extLst>
-              <a:ext uri="{FF2B5EF4-FFF2-40B4-BE49-F238E27FC236}">
-                <a16:creationId xmlns:a16="http://schemas.microsoft.com/office/drawing/2014/main" id="{3536C2C4-4D89-DBD5-0E52-BCA2C6B6B613}"/>
+                <a16:creationId xmlns:a16="http://schemas.microsoft.com/office/drawing/2014/main" id="{99942C47-C656-9F31-3BD0-7123DA99B9C3}"/>
               </a:ext>
             </a:extLst>
           </p:cNvPr>
@@ -30774,87 +34791,134 @@
           <p:nvPr/>
         </p:nvPicPr>
         <p:blipFill>
-          <a:blip r:embed="rId3"/>
-          <a:srcRect r="9091" b="23391"/>
-          <a:stretch>
-            <a:fillRect/>
-          </a:stretch>
+          <a:blip r:embed="rId2">
+            <a:extLst>
+              <a:ext uri="{28A0092B-C50C-407E-A947-70E740481C1C}">
+                <a14:useLocalDpi xmlns:a14="http://schemas.microsoft.com/office/drawing/2010/main" val="0"/>
+              </a:ext>
+            </a:extLst>
+          </a:blip>
+          <a:srcRect/>
+          <a:stretch/>
         </p:blipFill>
         <p:spPr>
           <a:xfrm>
-            <a:off x="20" y="10"/>
-            <a:ext cx="12191980" cy="6857990"/>
+            <a:off x="8790883" y="1076684"/>
+            <a:ext cx="3191108" cy="1915714"/>
           </a:xfrm>
           <a:prstGeom prst="rect">
             <a:avLst/>
           </a:prstGeom>
         </p:spPr>
       </p:pic>
-      <p:sp>
-        <p:nvSpPr>
-          <p:cNvPr id="2" name="Title 1">
+      <p:pic>
+        <p:nvPicPr>
+          <p:cNvPr id="15" name="Picture 14" descr="A screenshot of a computer code&#10;&#10;AI-generated content may be incorrect.">
             <a:extLst>
               <a:ext uri="{FF2B5EF4-FFF2-40B4-BE49-F238E27FC236}">
-                <a16:creationId xmlns:a16="http://schemas.microsoft.com/office/drawing/2014/main" id="{9BD21DE1-7C79-EFF9-BA63-3CF2BBDAF132}"/>
+                <a16:creationId xmlns:a16="http://schemas.microsoft.com/office/drawing/2014/main" id="{A9C6D12C-08C8-3C6D-4CB0-0C2730126D6A}"/>
               </a:ext>
             </a:extLst>
           </p:cNvPr>
-          <p:cNvSpPr>
-            <a:spLocks noGrp="1"/>
-          </p:cNvSpPr>
-          <p:nvPr>
-            <p:ph type="title"/>
-          </p:nvPr>
-        </p:nvSpPr>
-        <p:spPr/>
-        <p:txBody>
-          <a:bodyPr>
-            <a:normAutofit/>
-          </a:bodyPr>
-          <a:lstStyle/>
-          <a:p>
-            <a:r>
-              <a:rPr lang="en-US" dirty="0"/>
-              <a:t>Modeling Cycle</a:t>
-            </a:r>
-          </a:p>
-        </p:txBody>
-      </p:sp>
-      <p:graphicFrame>
-        <p:nvGraphicFramePr>
-          <p:cNvPr id="5" name="Content Placeholder 2">
+          <p:cNvPicPr>
+            <a:picLocks noChangeAspect="1"/>
+          </p:cNvPicPr>
+          <p:nvPr/>
+        </p:nvPicPr>
+        <p:blipFill>
+          <a:blip r:embed="rId3">
+            <a:extLst>
+              <a:ext uri="{28A0092B-C50C-407E-A947-70E740481C1C}">
+                <a14:useLocalDpi xmlns:a14="http://schemas.microsoft.com/office/drawing/2010/main" val="0"/>
+              </a:ext>
+            </a:extLst>
+          </a:blip>
+          <a:stretch/>
+        </p:blipFill>
+        <p:spPr>
+          <a:xfrm>
+            <a:off x="5343669" y="1076684"/>
+            <a:ext cx="3191108" cy="1943100"/>
+          </a:xfrm>
+          <a:prstGeom prst="rect">
+            <a:avLst/>
+          </a:prstGeom>
+        </p:spPr>
+      </p:pic>
+      <p:pic>
+        <p:nvPicPr>
+          <p:cNvPr id="16" name="Picture 15">
             <a:extLst>
               <a:ext uri="{FF2B5EF4-FFF2-40B4-BE49-F238E27FC236}">
-                <a16:creationId xmlns:a16="http://schemas.microsoft.com/office/drawing/2014/main" id="{60FC68B3-ADE4-E279-80AA-305BF4C8BF12}"/>
+                <a16:creationId xmlns:a16="http://schemas.microsoft.com/office/drawing/2014/main" id="{667FAA6D-A560-D256-CF8A-602BD1501A9F}"/>
               </a:ext>
             </a:extLst>
           </p:cNvPr>
-          <p:cNvGraphicFramePr>
-            <a:graphicFrameLocks noGrp="1"/>
-          </p:cNvGraphicFramePr>
-          <p:nvPr>
-            <p:ph idx="1"/>
-            <p:extLst>
-              <p:ext uri="{D42A27DB-BD31-4B8C-83A1-F6EECF244321}">
-                <p14:modId xmlns:p14="http://schemas.microsoft.com/office/powerpoint/2010/main" val="3920484763"/>
-              </p:ext>
-            </p:extLst>
-          </p:nvPr>
-        </p:nvGraphicFramePr>
-        <p:xfrm>
-          <a:off x="838200" y="1825625"/>
-          <a:ext cx="10515600" cy="4351338"/>
-        </p:xfrm>
-        <a:graphic>
-          <a:graphicData uri="http://schemas.openxmlformats.org/drawingml/2006/diagram">
-            <dgm:relIds xmlns:dgm="http://schemas.openxmlformats.org/drawingml/2006/diagram" xmlns:r="http://schemas.openxmlformats.org/officeDocument/2006/relationships" r:dm="rId4" r:lo="rId5" r:qs="rId6" r:cs="rId7"/>
-          </a:graphicData>
-        </a:graphic>
-      </p:graphicFrame>
+          <p:cNvPicPr>
+            <a:picLocks noChangeAspect="1"/>
+          </p:cNvPicPr>
+          <p:nvPr/>
+        </p:nvPicPr>
+        <p:blipFill>
+          <a:blip r:embed="rId4">
+            <a:extLst>
+              <a:ext uri="{28A0092B-C50C-407E-A947-70E740481C1C}">
+                <a14:useLocalDpi xmlns:a14="http://schemas.microsoft.com/office/drawing/2010/main" val="0"/>
+              </a:ext>
+            </a:extLst>
+          </a:blip>
+          <a:srcRect/>
+          <a:stretch/>
+        </p:blipFill>
+        <p:spPr>
+          <a:xfrm>
+            <a:off x="5343669" y="3455814"/>
+            <a:ext cx="3191108" cy="1889471"/>
+          </a:xfrm>
+          <a:prstGeom prst="rect">
+            <a:avLst/>
+          </a:prstGeom>
+        </p:spPr>
+      </p:pic>
+      <p:pic>
+        <p:nvPicPr>
+          <p:cNvPr id="17" name="Picture 16">
+            <a:extLst>
+              <a:ext uri="{FF2B5EF4-FFF2-40B4-BE49-F238E27FC236}">
+                <a16:creationId xmlns:a16="http://schemas.microsoft.com/office/drawing/2014/main" id="{E69ECF00-66D7-0608-EBD2-D3AB65D25C3C}"/>
+              </a:ext>
+            </a:extLst>
+          </p:cNvPr>
+          <p:cNvPicPr>
+            <a:picLocks noChangeAspect="1"/>
+          </p:cNvPicPr>
+          <p:nvPr/>
+        </p:nvPicPr>
+        <p:blipFill>
+          <a:blip r:embed="rId5">
+            <a:extLst>
+              <a:ext uri="{28A0092B-C50C-407E-A947-70E740481C1C}">
+                <a14:useLocalDpi xmlns:a14="http://schemas.microsoft.com/office/drawing/2010/main" val="0"/>
+              </a:ext>
+            </a:extLst>
+          </a:blip>
+          <a:srcRect/>
+          <a:stretch/>
+        </p:blipFill>
+        <p:spPr>
+          <a:xfrm>
+            <a:off x="8790883" y="3466311"/>
+            <a:ext cx="3191108" cy="1868477"/>
+          </a:xfrm>
+          <a:prstGeom prst="rect">
+            <a:avLst/>
+          </a:prstGeom>
+        </p:spPr>
+      </p:pic>
     </p:spTree>
     <p:extLst>
       <p:ext uri="{BB962C8B-B14F-4D97-AF65-F5344CB8AC3E}">
-        <p14:creationId xmlns:p14="http://schemas.microsoft.com/office/powerpoint/2010/main" val="3983789575"/>
+        <p14:creationId xmlns:p14="http://schemas.microsoft.com/office/powerpoint/2010/main" val="1094086766"/>
       </p:ext>
     </p:extLst>
   </p:cSld>
@@ -30867,12 +34931,20 @@
 <file path=ppt/slides/slide9.xml><?xml version="1.0" encoding="utf-8"?>
 <p:sld xmlns:a="http://schemas.openxmlformats.org/drawingml/2006/main" xmlns:r="http://schemas.openxmlformats.org/officeDocument/2006/relationships" xmlns:p="http://schemas.openxmlformats.org/presentationml/2006/main">
   <p:cSld>
+    <p:bg>
+      <p:bgPr>
+        <a:solidFill>
+          <a:schemeClr val="bg1"/>
+        </a:solidFill>
+        <a:effectLst/>
+      </p:bgPr>
+    </p:bg>
     <p:spTree>
       <p:nvGrpSpPr>
         <p:cNvPr id="1" name="">
           <a:extLst>
             <a:ext uri="{FF2B5EF4-FFF2-40B4-BE49-F238E27FC236}">
-              <a16:creationId xmlns:a16="http://schemas.microsoft.com/office/drawing/2014/main" id="{5B2D192F-3B1F-9B3D-51A3-25AFB122D76E}"/>
+              <a16:creationId xmlns:a16="http://schemas.microsoft.com/office/drawing/2014/main" id="{7A9148EA-B331-906E-7DE4-E1C976777B8C}"/>
             </a:ext>
           </a:extLst>
         </p:cNvPr>
@@ -30889,10 +34961,102 @@
       </p:grpSpPr>
       <p:sp>
         <p:nvSpPr>
+          <p:cNvPr id="19" name="Rectangle 18">
+            <a:extLst>
+              <a:ext uri="{FF2B5EF4-FFF2-40B4-BE49-F238E27FC236}">
+                <a16:creationId xmlns:a16="http://schemas.microsoft.com/office/drawing/2014/main" id="{A2679492-7988-4050-9056-542444452411}"/>
+              </a:ext>
+              <a:ext uri="{C183D7F6-B498-43B3-948B-1728B52AA6E4}">
+                <adec:decorative xmlns:adec="http://schemas.microsoft.com/office/drawing/2017/decorative" val="1"/>
+              </a:ext>
+            </a:extLst>
+          </p:cNvPr>
+          <p:cNvSpPr>
+            <a:spLocks noGrp="1" noRot="1" noChangeAspect="1" noMove="1" noResize="1" noEditPoints="1" noAdjustHandles="1" noChangeArrowheads="1" noChangeShapeType="1" noTextEdit="1"/>
+          </p:cNvSpPr>
+          <p:nvPr>
+            <p:extLst>
+              <p:ext uri="{386F3935-93C4-4BCD-93E2-E3B085C9AB24}">
+                <p16:designElem xmlns:p16="http://schemas.microsoft.com/office/powerpoint/2015/main" val="1"/>
+              </p:ext>
+            </p:extLst>
+          </p:nvPr>
+        </p:nvSpPr>
+        <p:spPr>
+          <a:xfrm>
+            <a:off x="0" y="0"/>
+            <a:ext cx="12192000" cy="6858000"/>
+          </a:xfrm>
+          <a:prstGeom prst="rect">
+            <a:avLst/>
+          </a:prstGeom>
+          <a:solidFill>
+            <a:schemeClr val="bg1"/>
+          </a:solidFill>
+          <a:ln>
+            <a:noFill/>
+          </a:ln>
+        </p:spPr>
+        <p:style>
+          <a:lnRef idx="2">
+            <a:schemeClr val="accent1">
+              <a:shade val="50000"/>
+            </a:schemeClr>
+          </a:lnRef>
+          <a:fillRef idx="1">
+            <a:schemeClr val="accent1"/>
+          </a:fillRef>
+          <a:effectRef idx="0">
+            <a:schemeClr val="accent1"/>
+          </a:effectRef>
+          <a:fontRef idx="minor">
+            <a:schemeClr val="lt1"/>
+          </a:fontRef>
+        </p:style>
+        <p:txBody>
+          <a:bodyPr rtlCol="0" anchor="ctr"/>
+          <a:lstStyle/>
+          <a:p>
+            <a:pPr marL="0" marR="0" lvl="0" indent="0" algn="ctr" defTabSz="914400" rtl="0" eaLnBrk="1" fontAlgn="auto" latinLnBrk="0" hangingPunct="1">
+              <a:lnSpc>
+                <a:spcPct val="100000"/>
+              </a:lnSpc>
+              <a:spcBef>
+                <a:spcPts val="0"/>
+              </a:spcBef>
+              <a:spcAft>
+                <a:spcPts val="0"/>
+              </a:spcAft>
+              <a:buClrTx/>
+              <a:buSzTx/>
+              <a:buFontTx/>
+              <a:buNone/>
+              <a:tabLst/>
+              <a:defRPr/>
+            </a:pPr>
+            <a:endParaRPr kumimoji="0" lang="en-US" sz="1800" b="0" i="0" u="none" strike="noStrike" kern="1200" cap="none" spc="0" normalizeH="0" baseline="0" noProof="0">
+              <a:ln>
+                <a:noFill/>
+              </a:ln>
+              <a:solidFill>
+                <a:prstClr val="black"/>
+              </a:solidFill>
+              <a:effectLst/>
+              <a:uLnTx/>
+              <a:uFillTx/>
+              <a:latin typeface="Aptos" panose="02110004020202020204"/>
+              <a:ea typeface="+mn-ea"/>
+              <a:cs typeface="+mn-cs"/>
+            </a:endParaRPr>
+          </a:p>
+        </p:txBody>
+      </p:sp>
+      <p:sp>
+        <p:nvSpPr>
           <p:cNvPr id="2" name="Title 1">
             <a:extLst>
               <a:ext uri="{FF2B5EF4-FFF2-40B4-BE49-F238E27FC236}">
-                <a16:creationId xmlns:a16="http://schemas.microsoft.com/office/drawing/2014/main" id="{27847107-D822-6C21-C208-AC45390C4437}"/>
+                <a16:creationId xmlns:a16="http://schemas.microsoft.com/office/drawing/2014/main" id="{F85106E2-840C-98AB-D117-C7F279C7EA52}"/>
               </a:ext>
             </a:extLst>
           </p:cNvPr>
@@ -30905,58 +35069,741 @@
         </p:nvSpPr>
         <p:spPr>
           <a:xfrm>
-            <a:off x="635000" y="640823"/>
-            <a:ext cx="3418659" cy="5583148"/>
+            <a:off x="6329376" y="71539"/>
+            <a:ext cx="4434720" cy="1716255"/>
           </a:xfrm>
         </p:spPr>
         <p:txBody>
-          <a:bodyPr anchor="ctr">
+          <a:bodyPr vert="horz" lIns="91440" tIns="45720" rIns="91440" bIns="45720" rtlCol="0" anchor="b">
             <a:normAutofit/>
           </a:bodyPr>
           <a:lstStyle/>
           <a:p>
             <a:r>
-              <a:rPr lang="en-US" sz="4000" dirty="0"/>
-              <a:t>Preprocessing Pipeline</a:t>
+              <a:rPr lang="en-US" sz="5600" dirty="0"/>
+              <a:t>Modeling</a:t>
             </a:r>
           </a:p>
         </p:txBody>
       </p:sp>
-      <p:graphicFrame>
-        <p:nvGraphicFramePr>
-          <p:cNvPr id="5" name="Content Placeholder 2">
+      <p:sp>
+        <p:nvSpPr>
+          <p:cNvPr id="20" name="Rectangle 19">
             <a:extLst>
               <a:ext uri="{FF2B5EF4-FFF2-40B4-BE49-F238E27FC236}">
-                <a16:creationId xmlns:a16="http://schemas.microsoft.com/office/drawing/2014/main" id="{C4D6CEDE-F9A5-75AC-1298-7E85E73F87B6}"/>
+                <a16:creationId xmlns:a16="http://schemas.microsoft.com/office/drawing/2014/main" id="{B5ABDEAA-B248-4182-B67C-A925338E772D}"/>
+              </a:ext>
+              <a:ext uri="{C183D7F6-B498-43B3-948B-1728B52AA6E4}">
+                <adec:decorative xmlns:adec="http://schemas.microsoft.com/office/drawing/2017/decorative" val="1"/>
               </a:ext>
             </a:extLst>
           </p:cNvPr>
-          <p:cNvGraphicFramePr>
-            <a:graphicFrameLocks noGrp="1"/>
-          </p:cNvGraphicFramePr>
+          <p:cNvSpPr>
+            <a:spLocks noGrp="1" noRot="1" noChangeAspect="1" noMove="1" noResize="1" noEditPoints="1" noAdjustHandles="1" noChangeArrowheads="1" noChangeShapeType="1" noTextEdit="1"/>
+          </p:cNvSpPr>
           <p:nvPr>
-            <p:ph idx="1"/>
             <p:extLst>
-              <p:ext uri="{D42A27DB-BD31-4B8C-83A1-F6EECF244321}">
-                <p14:modId xmlns:p14="http://schemas.microsoft.com/office/powerpoint/2010/main" val="965759438"/>
+              <p:ext uri="{386F3935-93C4-4BCD-93E2-E3B085C9AB24}">
+                <p16:designElem xmlns:p16="http://schemas.microsoft.com/office/powerpoint/2015/main" val="1"/>
               </p:ext>
             </p:extLst>
           </p:nvPr>
-        </p:nvGraphicFramePr>
-        <p:xfrm>
-          <a:off x="4648018" y="640822"/>
-          <a:ext cx="6900512" cy="5536141"/>
-        </p:xfrm>
-        <a:graphic>
-          <a:graphicData uri="http://schemas.openxmlformats.org/drawingml/2006/diagram">
-            <dgm:relIds xmlns:dgm="http://schemas.openxmlformats.org/drawingml/2006/diagram" xmlns:r="http://schemas.openxmlformats.org/officeDocument/2006/relationships" r:dm="rId3" r:lo="rId4" r:qs="rId5" r:cs="rId6"/>
-          </a:graphicData>
-        </a:graphic>
-      </p:graphicFrame>
+        </p:nvSpPr>
+        <p:spPr>
+          <a:xfrm>
+            <a:off x="1123008" y="252743"/>
+            <a:ext cx="4739619" cy="3042610"/>
+          </a:xfrm>
+          <a:prstGeom prst="rect">
+            <a:avLst/>
+          </a:prstGeom>
+          <a:gradFill flip="none" rotWithShape="1">
+            <a:gsLst>
+              <a:gs pos="0">
+                <a:schemeClr val="accent1"/>
+              </a:gs>
+              <a:gs pos="100000">
+                <a:schemeClr val="accent2"/>
+              </a:gs>
+            </a:gsLst>
+            <a:lin ang="2700000" scaled="1"/>
+            <a:tileRect/>
+          </a:gradFill>
+          <a:ln>
+            <a:noFill/>
+          </a:ln>
+        </p:spPr>
+        <p:style>
+          <a:lnRef idx="2">
+            <a:schemeClr val="accent1">
+              <a:shade val="50000"/>
+            </a:schemeClr>
+          </a:lnRef>
+          <a:fillRef idx="1">
+            <a:schemeClr val="accent1"/>
+          </a:fillRef>
+          <a:effectRef idx="0">
+            <a:schemeClr val="accent1"/>
+          </a:effectRef>
+          <a:fontRef idx="minor">
+            <a:schemeClr val="lt1"/>
+          </a:fontRef>
+        </p:style>
+        <p:txBody>
+          <a:bodyPr rtlCol="0" anchor="ctr"/>
+          <a:lstStyle/>
+          <a:p>
+            <a:pPr marL="0" marR="0" lvl="0" indent="0" algn="ctr" defTabSz="914400" rtl="0" eaLnBrk="1" fontAlgn="auto" latinLnBrk="0" hangingPunct="1">
+              <a:lnSpc>
+                <a:spcPct val="100000"/>
+              </a:lnSpc>
+              <a:spcBef>
+                <a:spcPts val="0"/>
+              </a:spcBef>
+              <a:spcAft>
+                <a:spcPts val="0"/>
+              </a:spcAft>
+              <a:buClrTx/>
+              <a:buSzTx/>
+              <a:buFontTx/>
+              <a:buNone/>
+              <a:tabLst/>
+              <a:defRPr/>
+            </a:pPr>
+            <a:endParaRPr kumimoji="0" lang="en-US" sz="1800" b="0" i="0" u="none" strike="noStrike" kern="1200" cap="none" spc="0" normalizeH="0" baseline="0" noProof="0">
+              <a:ln>
+                <a:noFill/>
+              </a:ln>
+              <a:solidFill>
+                <a:prstClr val="black"/>
+              </a:solidFill>
+              <a:effectLst/>
+              <a:uLnTx/>
+              <a:uFillTx/>
+              <a:latin typeface="Aptos" panose="02110004020202020204"/>
+              <a:ea typeface="+mn-ea"/>
+              <a:cs typeface="+mn-cs"/>
+            </a:endParaRPr>
+          </a:p>
+        </p:txBody>
+      </p:sp>
+      <p:sp>
+        <p:nvSpPr>
+          <p:cNvPr id="21" name="Rectangle 20">
+            <a:extLst>
+              <a:ext uri="{FF2B5EF4-FFF2-40B4-BE49-F238E27FC236}">
+                <a16:creationId xmlns:a16="http://schemas.microsoft.com/office/drawing/2014/main" id="{B091B163-7D61-4891-ABCF-5C13D9C418D0}"/>
+              </a:ext>
+              <a:ext uri="{C183D7F6-B498-43B3-948B-1728B52AA6E4}">
+                <adec:decorative xmlns:adec="http://schemas.microsoft.com/office/drawing/2017/decorative" val="1"/>
+              </a:ext>
+            </a:extLst>
+          </p:cNvPr>
+          <p:cNvSpPr>
+            <a:spLocks noGrp="1" noRot="1" noChangeAspect="1" noMove="1" noResize="1" noEditPoints="1" noAdjustHandles="1" noChangeArrowheads="1" noChangeShapeType="1" noTextEdit="1"/>
+          </p:cNvSpPr>
+          <p:nvPr>
+            <p:extLst>
+              <p:ext uri="{386F3935-93C4-4BCD-93E2-E3B085C9AB24}">
+                <p16:designElem xmlns:p16="http://schemas.microsoft.com/office/powerpoint/2015/main" val="1"/>
+              </p:ext>
+            </p:extLst>
+          </p:nvPr>
+        </p:nvSpPr>
+        <p:spPr>
+          <a:xfrm>
+            <a:off x="425449" y="3548095"/>
+            <a:ext cx="4739619" cy="3042610"/>
+          </a:xfrm>
+          <a:prstGeom prst="rect">
+            <a:avLst/>
+          </a:prstGeom>
+          <a:gradFill flip="none" rotWithShape="1">
+            <a:gsLst>
+              <a:gs pos="0">
+                <a:schemeClr val="accent1"/>
+              </a:gs>
+              <a:gs pos="100000">
+                <a:schemeClr val="accent2"/>
+              </a:gs>
+            </a:gsLst>
+            <a:lin ang="2700000" scaled="1"/>
+            <a:tileRect/>
+          </a:gradFill>
+          <a:ln>
+            <a:noFill/>
+          </a:ln>
+        </p:spPr>
+        <p:style>
+          <a:lnRef idx="2">
+            <a:schemeClr val="accent1">
+              <a:shade val="50000"/>
+            </a:schemeClr>
+          </a:lnRef>
+          <a:fillRef idx="1">
+            <a:schemeClr val="accent1"/>
+          </a:fillRef>
+          <a:effectRef idx="0">
+            <a:schemeClr val="accent1"/>
+          </a:effectRef>
+          <a:fontRef idx="minor">
+            <a:schemeClr val="lt1"/>
+          </a:fontRef>
+        </p:style>
+        <p:txBody>
+          <a:bodyPr rtlCol="0" anchor="ctr"/>
+          <a:lstStyle/>
+          <a:p>
+            <a:pPr marL="0" marR="0" lvl="0" indent="0" algn="ctr" defTabSz="914400" rtl="0" eaLnBrk="1" fontAlgn="auto" latinLnBrk="0" hangingPunct="1">
+              <a:lnSpc>
+                <a:spcPct val="100000"/>
+              </a:lnSpc>
+              <a:spcBef>
+                <a:spcPts val="0"/>
+              </a:spcBef>
+              <a:spcAft>
+                <a:spcPts val="0"/>
+              </a:spcAft>
+              <a:buClrTx/>
+              <a:buSzTx/>
+              <a:buFontTx/>
+              <a:buNone/>
+              <a:tabLst/>
+              <a:defRPr/>
+            </a:pPr>
+            <a:endParaRPr kumimoji="0" lang="en-US" sz="1800" b="0" i="0" u="none" strike="noStrike" kern="1200" cap="none" spc="0" normalizeH="0" baseline="0" noProof="0">
+              <a:ln>
+                <a:noFill/>
+              </a:ln>
+              <a:solidFill>
+                <a:prstClr val="black"/>
+              </a:solidFill>
+              <a:effectLst/>
+              <a:uLnTx/>
+              <a:uFillTx/>
+              <a:latin typeface="Aptos" panose="02110004020202020204"/>
+              <a:ea typeface="+mn-ea"/>
+              <a:cs typeface="+mn-cs"/>
+            </a:endParaRPr>
+          </a:p>
+        </p:txBody>
+      </p:sp>
+      <p:sp>
+        <p:nvSpPr>
+          <p:cNvPr id="7" name="TextBox 6">
+            <a:extLst>
+              <a:ext uri="{FF2B5EF4-FFF2-40B4-BE49-F238E27FC236}">
+                <a16:creationId xmlns:a16="http://schemas.microsoft.com/office/drawing/2014/main" id="{8C172B66-4507-7AF8-97E3-BF1AC997970E}"/>
+              </a:ext>
+            </a:extLst>
+          </p:cNvPr>
+          <p:cNvSpPr txBox="1"/>
+          <p:nvPr/>
+        </p:nvSpPr>
+        <p:spPr>
+          <a:xfrm>
+            <a:off x="6329375" y="2217906"/>
+            <a:ext cx="4434721" cy="3710427"/>
+          </a:xfrm>
+          <a:prstGeom prst="rect">
+            <a:avLst/>
+          </a:prstGeom>
+        </p:spPr>
+        <p:txBody>
+          <a:bodyPr vert="horz" lIns="91440" tIns="45720" rIns="91440" bIns="45720" rtlCol="0" anchor="t">
+            <a:noAutofit/>
+          </a:bodyPr>
+          <a:lstStyle/>
+          <a:p>
+            <a:pPr marL="285750" marR="0" lvl="0" indent="-228600" algn="l" defTabSz="914400" rtl="0" eaLnBrk="1" fontAlgn="auto" latinLnBrk="0" hangingPunct="1">
+              <a:lnSpc>
+                <a:spcPct val="90000"/>
+              </a:lnSpc>
+              <a:spcBef>
+                <a:spcPts val="0"/>
+              </a:spcBef>
+              <a:spcAft>
+                <a:spcPts val="600"/>
+              </a:spcAft>
+              <a:buClrTx/>
+              <a:buSzTx/>
+              <a:buFont typeface="Arial" panose="020B0604020202020204" pitchFamily="34" charset="0"/>
+              <a:buChar char="•"/>
+              <a:tabLst/>
+              <a:defRPr/>
+            </a:pPr>
+            <a:r>
+              <a:rPr kumimoji="0" lang="en-US" sz="1800" b="0" i="0" u="none" strike="noStrike" kern="1200" cap="none" spc="0" normalizeH="0" baseline="0" noProof="0" dirty="0">
+                <a:ln>
+                  <a:noFill/>
+                </a:ln>
+                <a:solidFill>
+                  <a:prstClr val="black"/>
+                </a:solidFill>
+                <a:effectLst/>
+                <a:uLnTx/>
+                <a:uFillTx/>
+                <a:latin typeface="Aptos" panose="02110004020202020204"/>
+                <a:ea typeface="+mn-ea"/>
+                <a:cs typeface="+mn-cs"/>
+              </a:rPr>
+              <a:t>Tuning Phase Structure</a:t>
+            </a:r>
+          </a:p>
+          <a:p>
+            <a:pPr marL="742950" marR="0" lvl="1" indent="-228600" algn="l" defTabSz="914400" rtl="0" eaLnBrk="1" fontAlgn="auto" latinLnBrk="0" hangingPunct="1">
+              <a:lnSpc>
+                <a:spcPct val="90000"/>
+              </a:lnSpc>
+              <a:spcBef>
+                <a:spcPts val="0"/>
+              </a:spcBef>
+              <a:spcAft>
+                <a:spcPts val="600"/>
+              </a:spcAft>
+              <a:buClrTx/>
+              <a:buSzTx/>
+              <a:buFont typeface="Arial" panose="020B0604020202020204" pitchFamily="34" charset="0"/>
+              <a:buChar char="•"/>
+              <a:tabLst/>
+              <a:defRPr/>
+            </a:pPr>
+            <a:r>
+              <a:rPr kumimoji="0" lang="en-US" sz="1800" b="0" i="0" u="none" strike="noStrike" kern="1200" cap="none" spc="0" normalizeH="0" baseline="0" noProof="0" dirty="0">
+                <a:ln>
+                  <a:noFill/>
+                </a:ln>
+                <a:solidFill>
+                  <a:prstClr val="black"/>
+                </a:solidFill>
+                <a:effectLst/>
+                <a:uLnTx/>
+                <a:uFillTx/>
+                <a:latin typeface="Aptos" panose="02110004020202020204"/>
+                <a:ea typeface="+mn-ea"/>
+                <a:cs typeface="+mn-cs"/>
+              </a:rPr>
+              <a:t>Design and implement parameter grid</a:t>
+            </a:r>
+          </a:p>
+          <a:p>
+            <a:pPr marL="742950" marR="0" lvl="1" indent="-228600" algn="l" defTabSz="914400" rtl="0" eaLnBrk="1" fontAlgn="auto" latinLnBrk="0" hangingPunct="1">
+              <a:lnSpc>
+                <a:spcPct val="90000"/>
+              </a:lnSpc>
+              <a:spcBef>
+                <a:spcPts val="0"/>
+              </a:spcBef>
+              <a:spcAft>
+                <a:spcPts val="600"/>
+              </a:spcAft>
+              <a:buClrTx/>
+              <a:buSzTx/>
+              <a:buFont typeface="Arial" panose="020B0604020202020204" pitchFamily="34" charset="0"/>
+              <a:buChar char="•"/>
+              <a:tabLst/>
+              <a:defRPr/>
+            </a:pPr>
+            <a:r>
+              <a:rPr kumimoji="0" lang="en-US" sz="1800" b="0" i="0" u="none" strike="noStrike" kern="1200" cap="none" spc="0" normalizeH="0" baseline="0" noProof="0" dirty="0">
+                <a:ln>
+                  <a:noFill/>
+                </a:ln>
+                <a:solidFill>
+                  <a:prstClr val="black"/>
+                </a:solidFill>
+                <a:effectLst/>
+                <a:uLnTx/>
+                <a:uFillTx/>
+                <a:latin typeface="Aptos" panose="02110004020202020204"/>
+                <a:ea typeface="+mn-ea"/>
+                <a:cs typeface="+mn-cs"/>
+              </a:rPr>
+              <a:t>Allows flexible hyperparameter optimization</a:t>
+            </a:r>
+          </a:p>
+          <a:p>
+            <a:pPr marL="285750" marR="0" lvl="0" indent="-228600" algn="l" defTabSz="914400" rtl="0" eaLnBrk="1" fontAlgn="auto" latinLnBrk="0" hangingPunct="1">
+              <a:lnSpc>
+                <a:spcPct val="90000"/>
+              </a:lnSpc>
+              <a:spcBef>
+                <a:spcPts val="0"/>
+              </a:spcBef>
+              <a:spcAft>
+                <a:spcPts val="600"/>
+              </a:spcAft>
+              <a:buClrTx/>
+              <a:buSzTx/>
+              <a:buFont typeface="Arial" panose="020B0604020202020204" pitchFamily="34" charset="0"/>
+              <a:buChar char="•"/>
+              <a:tabLst/>
+              <a:defRPr/>
+            </a:pPr>
+            <a:r>
+              <a:rPr kumimoji="0" lang="en-US" sz="1800" b="0" i="0" u="none" strike="noStrike" kern="1200" cap="none" spc="0" normalizeH="0" baseline="0" noProof="0" dirty="0">
+                <a:ln>
+                  <a:noFill/>
+                </a:ln>
+                <a:solidFill>
+                  <a:prstClr val="black"/>
+                </a:solidFill>
+                <a:effectLst/>
+                <a:uLnTx/>
+                <a:uFillTx/>
+                <a:latin typeface="Aptos" panose="02110004020202020204"/>
+                <a:ea typeface="+mn-ea"/>
+                <a:cs typeface="+mn-cs"/>
+              </a:rPr>
+              <a:t>Model Selection</a:t>
+            </a:r>
+          </a:p>
+          <a:p>
+            <a:pPr marL="742950" marR="0" lvl="1" indent="-228600" algn="l" defTabSz="914400" rtl="0" eaLnBrk="1" fontAlgn="auto" latinLnBrk="0" hangingPunct="1">
+              <a:lnSpc>
+                <a:spcPct val="90000"/>
+              </a:lnSpc>
+              <a:spcBef>
+                <a:spcPts val="0"/>
+              </a:spcBef>
+              <a:spcAft>
+                <a:spcPts val="600"/>
+              </a:spcAft>
+              <a:buClrTx/>
+              <a:buSzTx/>
+              <a:buFont typeface="Arial" panose="020B0604020202020204" pitchFamily="34" charset="0"/>
+              <a:buChar char="•"/>
+              <a:tabLst/>
+              <a:defRPr/>
+            </a:pPr>
+            <a:r>
+              <a:rPr kumimoji="0" lang="en-US" sz="1800" b="0" i="0" u="none" strike="noStrike" kern="1200" cap="none" spc="0" normalizeH="0" baseline="0" noProof="0" dirty="0">
+                <a:ln>
+                  <a:noFill/>
+                </a:ln>
+                <a:solidFill>
+                  <a:prstClr val="black"/>
+                </a:solidFill>
+                <a:effectLst/>
+                <a:uLnTx/>
+                <a:uFillTx/>
+                <a:latin typeface="Aptos" panose="02110004020202020204"/>
+                <a:ea typeface="+mn-ea"/>
+                <a:cs typeface="+mn-cs"/>
+              </a:rPr>
+              <a:t>Best model automatically selected during tuning evaluation</a:t>
+            </a:r>
+          </a:p>
+          <a:p>
+            <a:pPr marL="742950" marR="0" lvl="1" indent="-228600" algn="l" defTabSz="914400" rtl="0" eaLnBrk="1" fontAlgn="auto" latinLnBrk="0" hangingPunct="1">
+              <a:lnSpc>
+                <a:spcPct val="90000"/>
+              </a:lnSpc>
+              <a:spcBef>
+                <a:spcPts val="0"/>
+              </a:spcBef>
+              <a:spcAft>
+                <a:spcPts val="600"/>
+              </a:spcAft>
+              <a:buClrTx/>
+              <a:buSzTx/>
+              <a:buFont typeface="Arial" panose="020B0604020202020204" pitchFamily="34" charset="0"/>
+              <a:buChar char="•"/>
+              <a:tabLst/>
+              <a:defRPr/>
+            </a:pPr>
+            <a:r>
+              <a:rPr kumimoji="0" lang="en-US" sz="1800" b="0" i="0" u="none" strike="noStrike" kern="1200" cap="none" spc="0" normalizeH="0" baseline="0" noProof="0" dirty="0">
+                <a:ln>
+                  <a:noFill/>
+                </a:ln>
+                <a:solidFill>
+                  <a:prstClr val="black"/>
+                </a:solidFill>
+                <a:effectLst/>
+                <a:uLnTx/>
+                <a:uFillTx/>
+                <a:latin typeface="Aptos" panose="02110004020202020204"/>
+                <a:ea typeface="+mn-ea"/>
+                <a:cs typeface="+mn-cs"/>
+              </a:rPr>
+              <a:t>Tuned configurations </a:t>
+            </a:r>
+            <a:r>
+              <a:rPr kumimoji="0" lang="en-US" sz="1800" b="1" i="0" u="none" strike="noStrike" kern="1200" cap="none" spc="0" normalizeH="0" baseline="0" noProof="0" dirty="0">
+                <a:ln>
+                  <a:noFill/>
+                </a:ln>
+                <a:solidFill>
+                  <a:prstClr val="black"/>
+                </a:solidFill>
+                <a:effectLst/>
+                <a:uLnTx/>
+                <a:uFillTx/>
+                <a:latin typeface="Aptos" panose="02110004020202020204"/>
+                <a:ea typeface="+mn-ea"/>
+                <a:cs typeface="+mn-cs"/>
+              </a:rPr>
+              <a:t>did not </a:t>
+            </a:r>
+            <a:r>
+              <a:rPr kumimoji="0" lang="en-US" sz="1800" b="0" i="0" u="none" strike="noStrike" kern="1200" cap="none" spc="0" normalizeH="0" baseline="0" noProof="0" dirty="0">
+                <a:ln>
+                  <a:noFill/>
+                </a:ln>
+                <a:solidFill>
+                  <a:prstClr val="black"/>
+                </a:solidFill>
+                <a:effectLst/>
+                <a:uLnTx/>
+                <a:uFillTx/>
+                <a:latin typeface="Aptos" panose="02110004020202020204"/>
+                <a:ea typeface="+mn-ea"/>
+                <a:cs typeface="+mn-cs"/>
+              </a:rPr>
+              <a:t>outperform standard algorithms</a:t>
+            </a:r>
+          </a:p>
+          <a:p>
+            <a:pPr marL="285750" marR="0" lvl="0" indent="-228600" algn="l" defTabSz="914400" rtl="0" eaLnBrk="1" fontAlgn="auto" latinLnBrk="0" hangingPunct="1">
+              <a:lnSpc>
+                <a:spcPct val="90000"/>
+              </a:lnSpc>
+              <a:spcBef>
+                <a:spcPts val="0"/>
+              </a:spcBef>
+              <a:spcAft>
+                <a:spcPts val="600"/>
+              </a:spcAft>
+              <a:buClrTx/>
+              <a:buSzTx/>
+              <a:buFont typeface="Arial" panose="020B0604020202020204" pitchFamily="34" charset="0"/>
+              <a:buChar char="•"/>
+              <a:tabLst/>
+              <a:defRPr/>
+            </a:pPr>
+            <a:r>
+              <a:rPr kumimoji="0" lang="en-US" sz="1800" b="0" i="0" u="none" strike="noStrike" kern="1200" cap="none" spc="0" normalizeH="0" baseline="0" noProof="0" dirty="0">
+                <a:ln>
+                  <a:noFill/>
+                </a:ln>
+                <a:solidFill>
+                  <a:prstClr val="black"/>
+                </a:solidFill>
+                <a:effectLst/>
+                <a:uLnTx/>
+                <a:uFillTx/>
+                <a:latin typeface="Aptos" panose="02110004020202020204"/>
+                <a:ea typeface="+mn-ea"/>
+                <a:cs typeface="+mn-cs"/>
+              </a:rPr>
+              <a:t>Key Insights</a:t>
+            </a:r>
+          </a:p>
+          <a:p>
+            <a:pPr marL="742950" marR="0" lvl="1" indent="-228600" algn="l" defTabSz="914400" rtl="0" eaLnBrk="1" fontAlgn="auto" latinLnBrk="0" hangingPunct="1">
+              <a:lnSpc>
+                <a:spcPct val="90000"/>
+              </a:lnSpc>
+              <a:spcBef>
+                <a:spcPts val="0"/>
+              </a:spcBef>
+              <a:spcAft>
+                <a:spcPts val="600"/>
+              </a:spcAft>
+              <a:buClrTx/>
+              <a:buSzTx/>
+              <a:buFont typeface="Arial" panose="020B0604020202020204" pitchFamily="34" charset="0"/>
+              <a:buChar char="•"/>
+              <a:tabLst/>
+              <a:defRPr/>
+            </a:pPr>
+            <a:r>
+              <a:rPr kumimoji="0" lang="en-US" sz="1800" b="0" i="0" u="none" strike="noStrike" kern="1200" cap="none" spc="0" normalizeH="0" baseline="0" noProof="0" dirty="0">
+                <a:ln>
+                  <a:noFill/>
+                </a:ln>
+                <a:solidFill>
+                  <a:prstClr val="black"/>
+                </a:solidFill>
+                <a:effectLst/>
+                <a:uLnTx/>
+                <a:uFillTx/>
+                <a:latin typeface="Aptos" panose="02110004020202020204"/>
+                <a:ea typeface="+mn-ea"/>
+                <a:cs typeface="+mn-cs"/>
+              </a:rPr>
+              <a:t>Logistic Regression remains most promising model</a:t>
+            </a:r>
+          </a:p>
+          <a:p>
+            <a:pPr marL="742950" marR="0" lvl="1" indent="-228600" algn="l" defTabSz="914400" rtl="0" eaLnBrk="1" fontAlgn="auto" latinLnBrk="0" hangingPunct="1">
+              <a:lnSpc>
+                <a:spcPct val="90000"/>
+              </a:lnSpc>
+              <a:spcBef>
+                <a:spcPts val="0"/>
+              </a:spcBef>
+              <a:spcAft>
+                <a:spcPts val="600"/>
+              </a:spcAft>
+              <a:buClrTx/>
+              <a:buSzTx/>
+              <a:buFont typeface="Arial" panose="020B0604020202020204" pitchFamily="34" charset="0"/>
+              <a:buChar char="•"/>
+              <a:tabLst/>
+              <a:defRPr/>
+            </a:pPr>
+            <a:r>
+              <a:rPr kumimoji="0" lang="en-US" sz="1800" b="0" i="0" u="none" strike="noStrike" kern="1200" cap="none" spc="0" normalizeH="0" baseline="0" noProof="0" dirty="0">
+                <a:ln>
+                  <a:noFill/>
+                </a:ln>
+                <a:solidFill>
+                  <a:prstClr val="black"/>
+                </a:solidFill>
+                <a:effectLst/>
+                <a:uLnTx/>
+                <a:uFillTx/>
+                <a:latin typeface="Aptos" panose="02110004020202020204"/>
+                <a:ea typeface="+mn-ea"/>
+                <a:cs typeface="+mn-cs"/>
+              </a:rPr>
+              <a:t>Final Model selection pending additional tuning efforts</a:t>
+            </a:r>
+          </a:p>
+        </p:txBody>
+      </p:sp>
+      <p:cxnSp>
+        <p:nvCxnSpPr>
+          <p:cNvPr id="18" name="Straight Connector 17">
+            <a:extLst>
+              <a:ext uri="{FF2B5EF4-FFF2-40B4-BE49-F238E27FC236}">
+                <a16:creationId xmlns:a16="http://schemas.microsoft.com/office/drawing/2014/main" id="{C49DA8F6-BCC1-4447-B54C-57856834B94B}"/>
+              </a:ext>
+              <a:ext uri="{C183D7F6-B498-43B3-948B-1728B52AA6E4}">
+                <adec:decorative xmlns:adec="http://schemas.microsoft.com/office/drawing/2017/decorative" val="1"/>
+              </a:ext>
+            </a:extLst>
+          </p:cNvPr>
+          <p:cNvCxnSpPr>
+            <a:cxnSpLocks noGrp="1" noRot="1" noChangeAspect="1" noMove="1" noResize="1" noEditPoints="1" noAdjustHandles="1" noChangeArrowheads="1" noChangeShapeType="1"/>
+          </p:cNvCxnSpPr>
+          <p:nvPr>
+            <p:extLst>
+              <p:ext uri="{386F3935-93C4-4BCD-93E2-E3B085C9AB24}">
+                <p16:designElem xmlns:p16="http://schemas.microsoft.com/office/powerpoint/2015/main" val="1"/>
+              </p:ext>
+            </p:extLst>
+          </p:nvPr>
+        </p:nvCxnSpPr>
+        <p:spPr>
+          <a:xfrm>
+            <a:off x="11586162" y="3610394"/>
+            <a:ext cx="0" cy="3238728"/>
+          </a:xfrm>
+          <a:prstGeom prst="line">
+            <a:avLst/>
+          </a:prstGeom>
+          <a:ln w="25400" cap="sq">
+            <a:gradFill flip="none" rotWithShape="1">
+              <a:gsLst>
+                <a:gs pos="0">
+                  <a:schemeClr val="accent1"/>
+                </a:gs>
+                <a:gs pos="100000">
+                  <a:schemeClr val="accent2"/>
+                </a:gs>
+              </a:gsLst>
+              <a:lin ang="16200000" scaled="1"/>
+              <a:tileRect/>
+            </a:gradFill>
+            <a:bevel/>
+          </a:ln>
+        </p:spPr>
+        <p:style>
+          <a:lnRef idx="1">
+            <a:schemeClr val="accent1"/>
+          </a:lnRef>
+          <a:fillRef idx="0">
+            <a:schemeClr val="accent1"/>
+          </a:fillRef>
+          <a:effectRef idx="0">
+            <a:schemeClr val="accent1"/>
+          </a:effectRef>
+          <a:fontRef idx="minor">
+            <a:schemeClr val="tx1"/>
+          </a:fontRef>
+        </p:style>
+      </p:cxnSp>
+      <p:pic>
+        <p:nvPicPr>
+          <p:cNvPr id="6" name="Picture 5">
+            <a:extLst>
+              <a:ext uri="{FF2B5EF4-FFF2-40B4-BE49-F238E27FC236}">
+                <a16:creationId xmlns:a16="http://schemas.microsoft.com/office/drawing/2014/main" id="{33F2F7B3-5654-1443-5C6C-4E13E63B4FC4}"/>
+              </a:ext>
+            </a:extLst>
+          </p:cNvPr>
+          <p:cNvPicPr>
+            <a:picLocks noChangeAspect="1"/>
+          </p:cNvPicPr>
+          <p:nvPr/>
+        </p:nvPicPr>
+        <p:blipFill>
+          <a:blip r:embed="rId2"/>
+          <a:stretch>
+            <a:fillRect/>
+          </a:stretch>
+        </p:blipFill>
+        <p:spPr>
+          <a:xfrm>
+            <a:off x="1461934" y="539761"/>
+            <a:ext cx="4061765" cy="2468573"/>
+          </a:xfrm>
+          <a:prstGeom prst="rect">
+            <a:avLst/>
+          </a:prstGeom>
+        </p:spPr>
+      </p:pic>
+      <p:pic>
+        <p:nvPicPr>
+          <p:cNvPr id="8" name="Picture 7" descr="A screenshot of a computer code&#10;&#10;AI-generated content may be incorrect.">
+            <a:extLst>
+              <a:ext uri="{FF2B5EF4-FFF2-40B4-BE49-F238E27FC236}">
+                <a16:creationId xmlns:a16="http://schemas.microsoft.com/office/drawing/2014/main" id="{929A6592-7D7A-566B-8E8D-0AB93FD540AC}"/>
+              </a:ext>
+            </a:extLst>
+          </p:cNvPr>
+          <p:cNvPicPr>
+            <a:picLocks noChangeAspect="1"/>
+          </p:cNvPicPr>
+          <p:nvPr/>
+        </p:nvPicPr>
+        <p:blipFill>
+          <a:blip r:embed="rId3">
+            <a:extLst>
+              <a:ext uri="{28A0092B-C50C-407E-A947-70E740481C1C}">
+                <a14:useLocalDpi xmlns:a14="http://schemas.microsoft.com/office/drawing/2010/main" val="0"/>
+              </a:ext>
+            </a:extLst>
+          </a:blip>
+          <a:stretch/>
+        </p:blipFill>
+        <p:spPr>
+          <a:xfrm>
+            <a:off x="768218" y="3835113"/>
+            <a:ext cx="4054079" cy="2468573"/>
+          </a:xfrm>
+          <a:prstGeom prst="rect">
+            <a:avLst/>
+          </a:prstGeom>
+        </p:spPr>
+      </p:pic>
     </p:spTree>
     <p:extLst>
       <p:ext uri="{BB962C8B-B14F-4D97-AF65-F5344CB8AC3E}">
-        <p14:creationId xmlns:p14="http://schemas.microsoft.com/office/powerpoint/2010/main" val="1181019842"/>
+        <p14:creationId xmlns:p14="http://schemas.microsoft.com/office/powerpoint/2010/main" val="1224087674"/>
       </p:ext>
     </p:extLst>
   </p:cSld>

--- a/ISDS 7075 Final Presentation.pptx
+++ b/ISDS 7075 Final Presentation.pptx
@@ -24,7 +24,7 @@
     <p:sldId id="271" r:id="rId15"/>
     <p:sldId id="279" r:id="rId16"/>
     <p:sldId id="263" r:id="rId17"/>
-    <p:sldId id="257" r:id="rId18"/>
+    <p:sldId id="281" r:id="rId18"/>
   </p:sldIdLst>
   <p:sldSz cx="12192000" cy="6858000"/>
   <p:notesSz cx="6858000" cy="9144000"/>
@@ -7883,6 +7883,753 @@
 </dgm:colorsDef>
 </file>
 
+<file path=ppt/diagrams/colors7.xml><?xml version="1.0" encoding="utf-8"?>
+<dgm:colorsDef xmlns:dgm="http://schemas.openxmlformats.org/drawingml/2006/diagram" xmlns:a="http://schemas.openxmlformats.org/drawingml/2006/main" uniqueId="urn:microsoft.com/office/officeart/2005/8/colors/accent1_2">
+  <dgm:title val=""/>
+  <dgm:desc val=""/>
+  <dgm:catLst>
+    <dgm:cat type="accent1" pri="11200"/>
+  </dgm:catLst>
+  <dgm:styleLbl name="node0">
+    <dgm:fillClrLst meth="repeat">
+      <a:schemeClr val="accent1"/>
+    </dgm:fillClrLst>
+    <dgm:linClrLst meth="repeat">
+      <a:schemeClr val="lt1"/>
+    </dgm:linClrLst>
+    <dgm:effectClrLst/>
+    <dgm:txLinClrLst/>
+    <dgm:txFillClrLst/>
+    <dgm:txEffectClrLst/>
+  </dgm:styleLbl>
+  <dgm:styleLbl name="alignNode1">
+    <dgm:fillClrLst meth="repeat">
+      <a:schemeClr val="accent1"/>
+    </dgm:fillClrLst>
+    <dgm:linClrLst meth="repeat">
+      <a:schemeClr val="accent1"/>
+    </dgm:linClrLst>
+    <dgm:effectClrLst/>
+    <dgm:txLinClrLst/>
+    <dgm:txFillClrLst/>
+    <dgm:txEffectClrLst/>
+  </dgm:styleLbl>
+  <dgm:styleLbl name="node1">
+    <dgm:fillClrLst meth="repeat">
+      <a:schemeClr val="accent1"/>
+    </dgm:fillClrLst>
+    <dgm:linClrLst meth="repeat">
+      <a:schemeClr val="lt1"/>
+    </dgm:linClrLst>
+    <dgm:effectClrLst/>
+    <dgm:txLinClrLst/>
+    <dgm:txFillClrLst/>
+    <dgm:txEffectClrLst/>
+  </dgm:styleLbl>
+  <dgm:styleLbl name="lnNode1">
+    <dgm:fillClrLst meth="repeat">
+      <a:schemeClr val="accent1"/>
+    </dgm:fillClrLst>
+    <dgm:linClrLst meth="repeat">
+      <a:schemeClr val="lt1"/>
+    </dgm:linClrLst>
+    <dgm:effectClrLst/>
+    <dgm:txLinClrLst/>
+    <dgm:txFillClrLst/>
+    <dgm:txEffectClrLst/>
+  </dgm:styleLbl>
+  <dgm:styleLbl name="vennNode1">
+    <dgm:fillClrLst meth="repeat">
+      <a:schemeClr val="accent1">
+        <a:alpha val="50000"/>
+      </a:schemeClr>
+    </dgm:fillClrLst>
+    <dgm:linClrLst meth="repeat">
+      <a:schemeClr val="lt1"/>
+    </dgm:linClrLst>
+    <dgm:effectClrLst/>
+    <dgm:txLinClrLst/>
+    <dgm:txFillClrLst/>
+    <dgm:txEffectClrLst/>
+  </dgm:styleLbl>
+  <dgm:styleLbl name="node2">
+    <dgm:fillClrLst meth="repeat">
+      <a:schemeClr val="accent1"/>
+    </dgm:fillClrLst>
+    <dgm:linClrLst meth="repeat">
+      <a:schemeClr val="lt1"/>
+    </dgm:linClrLst>
+    <dgm:effectClrLst/>
+    <dgm:txLinClrLst/>
+    <dgm:txFillClrLst/>
+    <dgm:txEffectClrLst/>
+  </dgm:styleLbl>
+  <dgm:styleLbl name="node3">
+    <dgm:fillClrLst meth="repeat">
+      <a:schemeClr val="accent1"/>
+    </dgm:fillClrLst>
+    <dgm:linClrLst meth="repeat">
+      <a:schemeClr val="lt1"/>
+    </dgm:linClrLst>
+    <dgm:effectClrLst/>
+    <dgm:txLinClrLst/>
+    <dgm:txFillClrLst/>
+    <dgm:txEffectClrLst/>
+  </dgm:styleLbl>
+  <dgm:styleLbl name="node4">
+    <dgm:fillClrLst meth="repeat">
+      <a:schemeClr val="accent1"/>
+    </dgm:fillClrLst>
+    <dgm:linClrLst meth="repeat">
+      <a:schemeClr val="lt1"/>
+    </dgm:linClrLst>
+    <dgm:effectClrLst/>
+    <dgm:txLinClrLst/>
+    <dgm:txFillClrLst/>
+    <dgm:txEffectClrLst/>
+  </dgm:styleLbl>
+  <dgm:styleLbl name="fgImgPlace1">
+    <dgm:fillClrLst meth="repeat">
+      <a:schemeClr val="accent1">
+        <a:tint val="50000"/>
+      </a:schemeClr>
+    </dgm:fillClrLst>
+    <dgm:linClrLst meth="repeat">
+      <a:schemeClr val="lt1"/>
+    </dgm:linClrLst>
+    <dgm:effectClrLst/>
+    <dgm:txLinClrLst/>
+    <dgm:txFillClrLst meth="repeat">
+      <a:schemeClr val="lt1"/>
+    </dgm:txFillClrLst>
+    <dgm:txEffectClrLst/>
+  </dgm:styleLbl>
+  <dgm:styleLbl name="alignImgPlace1">
+    <dgm:fillClrLst meth="repeat">
+      <a:schemeClr val="accent1">
+        <a:tint val="50000"/>
+      </a:schemeClr>
+    </dgm:fillClrLst>
+    <dgm:linClrLst meth="repeat">
+      <a:schemeClr val="lt1"/>
+    </dgm:linClrLst>
+    <dgm:effectClrLst/>
+    <dgm:txLinClrLst/>
+    <dgm:txFillClrLst meth="repeat">
+      <a:schemeClr val="lt1"/>
+    </dgm:txFillClrLst>
+    <dgm:txEffectClrLst/>
+  </dgm:styleLbl>
+  <dgm:styleLbl name="bgImgPlace1">
+    <dgm:fillClrLst meth="repeat">
+      <a:schemeClr val="accent1">
+        <a:tint val="50000"/>
+      </a:schemeClr>
+    </dgm:fillClrLst>
+    <dgm:linClrLst meth="repeat">
+      <a:schemeClr val="lt1"/>
+    </dgm:linClrLst>
+    <dgm:effectClrLst/>
+    <dgm:txLinClrLst/>
+    <dgm:txFillClrLst meth="repeat">
+      <a:schemeClr val="lt1"/>
+    </dgm:txFillClrLst>
+    <dgm:txEffectClrLst/>
+  </dgm:styleLbl>
+  <dgm:styleLbl name="sibTrans2D1">
+    <dgm:fillClrLst meth="repeat">
+      <a:schemeClr val="accent1">
+        <a:tint val="60000"/>
+      </a:schemeClr>
+    </dgm:fillClrLst>
+    <dgm:linClrLst meth="repeat">
+      <a:schemeClr val="accent1">
+        <a:tint val="60000"/>
+      </a:schemeClr>
+    </dgm:linClrLst>
+    <dgm:effectClrLst/>
+    <dgm:txLinClrLst/>
+    <dgm:txFillClrLst/>
+    <dgm:txEffectClrLst/>
+  </dgm:styleLbl>
+  <dgm:styleLbl name="fgSibTrans2D1">
+    <dgm:fillClrLst meth="repeat">
+      <a:schemeClr val="accent1">
+        <a:tint val="60000"/>
+      </a:schemeClr>
+    </dgm:fillClrLst>
+    <dgm:linClrLst meth="repeat">
+      <a:schemeClr val="accent1">
+        <a:tint val="60000"/>
+      </a:schemeClr>
+    </dgm:linClrLst>
+    <dgm:effectClrLst/>
+    <dgm:txLinClrLst/>
+    <dgm:txFillClrLst/>
+    <dgm:txEffectClrLst/>
+  </dgm:styleLbl>
+  <dgm:styleLbl name="bgSibTrans2D1">
+    <dgm:fillClrLst meth="repeat">
+      <a:schemeClr val="accent1">
+        <a:tint val="60000"/>
+      </a:schemeClr>
+    </dgm:fillClrLst>
+    <dgm:linClrLst meth="repeat">
+      <a:schemeClr val="accent1">
+        <a:tint val="60000"/>
+      </a:schemeClr>
+    </dgm:linClrLst>
+    <dgm:effectClrLst/>
+    <dgm:txLinClrLst/>
+    <dgm:txFillClrLst/>
+    <dgm:txEffectClrLst/>
+  </dgm:styleLbl>
+  <dgm:styleLbl name="sibTrans1D1">
+    <dgm:fillClrLst meth="repeat">
+      <a:schemeClr val="accent1"/>
+    </dgm:fillClrLst>
+    <dgm:linClrLst meth="repeat">
+      <a:schemeClr val="accent1"/>
+    </dgm:linClrLst>
+    <dgm:effectClrLst/>
+    <dgm:txLinClrLst/>
+    <dgm:txFillClrLst meth="repeat">
+      <a:schemeClr val="tx1"/>
+    </dgm:txFillClrLst>
+    <dgm:txEffectClrLst/>
+  </dgm:styleLbl>
+  <dgm:styleLbl name="callout">
+    <dgm:fillClrLst meth="repeat">
+      <a:schemeClr val="accent1"/>
+    </dgm:fillClrLst>
+    <dgm:linClrLst meth="repeat">
+      <a:schemeClr val="accent1">
+        <a:tint val="50000"/>
+      </a:schemeClr>
+    </dgm:linClrLst>
+    <dgm:effectClrLst/>
+    <dgm:txLinClrLst/>
+    <dgm:txFillClrLst meth="repeat">
+      <a:schemeClr val="tx1"/>
+    </dgm:txFillClrLst>
+    <dgm:txEffectClrLst/>
+  </dgm:styleLbl>
+  <dgm:styleLbl name="asst0">
+    <dgm:fillClrLst meth="repeat">
+      <a:schemeClr val="accent1"/>
+    </dgm:fillClrLst>
+    <dgm:linClrLst meth="repeat">
+      <a:schemeClr val="lt1"/>
+    </dgm:linClrLst>
+    <dgm:effectClrLst/>
+    <dgm:txLinClrLst/>
+    <dgm:txFillClrLst/>
+    <dgm:txEffectClrLst/>
+  </dgm:styleLbl>
+  <dgm:styleLbl name="asst1">
+    <dgm:fillClrLst meth="repeat">
+      <a:schemeClr val="accent1"/>
+    </dgm:fillClrLst>
+    <dgm:linClrLst meth="repeat">
+      <a:schemeClr val="lt1"/>
+    </dgm:linClrLst>
+    <dgm:effectClrLst/>
+    <dgm:txLinClrLst/>
+    <dgm:txFillClrLst/>
+    <dgm:txEffectClrLst/>
+  </dgm:styleLbl>
+  <dgm:styleLbl name="asst2">
+    <dgm:fillClrLst meth="repeat">
+      <a:schemeClr val="accent1"/>
+    </dgm:fillClrLst>
+    <dgm:linClrLst meth="repeat">
+      <a:schemeClr val="lt1"/>
+    </dgm:linClrLst>
+    <dgm:effectClrLst/>
+    <dgm:txLinClrLst/>
+    <dgm:txFillClrLst/>
+    <dgm:txEffectClrLst/>
+  </dgm:styleLbl>
+  <dgm:styleLbl name="asst3">
+    <dgm:fillClrLst meth="repeat">
+      <a:schemeClr val="accent1"/>
+    </dgm:fillClrLst>
+    <dgm:linClrLst meth="repeat">
+      <a:schemeClr val="lt1"/>
+    </dgm:linClrLst>
+    <dgm:effectClrLst/>
+    <dgm:txLinClrLst/>
+    <dgm:txFillClrLst/>
+    <dgm:txEffectClrLst/>
+  </dgm:styleLbl>
+  <dgm:styleLbl name="asst4">
+    <dgm:fillClrLst meth="repeat">
+      <a:schemeClr val="accent1"/>
+    </dgm:fillClrLst>
+    <dgm:linClrLst meth="repeat">
+      <a:schemeClr val="lt1"/>
+    </dgm:linClrLst>
+    <dgm:effectClrLst/>
+    <dgm:txLinClrLst/>
+    <dgm:txFillClrLst/>
+    <dgm:txEffectClrLst/>
+  </dgm:styleLbl>
+  <dgm:styleLbl name="parChTrans2D1">
+    <dgm:fillClrLst meth="repeat">
+      <a:schemeClr val="accent1">
+        <a:tint val="60000"/>
+      </a:schemeClr>
+    </dgm:fillClrLst>
+    <dgm:linClrLst meth="repeat">
+      <a:schemeClr val="accent1">
+        <a:tint val="60000"/>
+      </a:schemeClr>
+    </dgm:linClrLst>
+    <dgm:effectClrLst/>
+    <dgm:txLinClrLst/>
+    <dgm:txFillClrLst meth="repeat">
+      <a:schemeClr val="lt1"/>
+    </dgm:txFillClrLst>
+    <dgm:txEffectClrLst/>
+  </dgm:styleLbl>
+  <dgm:styleLbl name="parChTrans2D2">
+    <dgm:fillClrLst meth="repeat">
+      <a:schemeClr val="accent1"/>
+    </dgm:fillClrLst>
+    <dgm:linClrLst meth="repeat">
+      <a:schemeClr val="accent1"/>
+    </dgm:linClrLst>
+    <dgm:effectClrLst/>
+    <dgm:txLinClrLst/>
+    <dgm:txFillClrLst meth="repeat">
+      <a:schemeClr val="lt1"/>
+    </dgm:txFillClrLst>
+    <dgm:txEffectClrLst/>
+  </dgm:styleLbl>
+  <dgm:styleLbl name="parChTrans2D3">
+    <dgm:fillClrLst meth="repeat">
+      <a:schemeClr val="accent1"/>
+    </dgm:fillClrLst>
+    <dgm:linClrLst meth="repeat">
+      <a:schemeClr val="accent1"/>
+    </dgm:linClrLst>
+    <dgm:effectClrLst/>
+    <dgm:txLinClrLst/>
+    <dgm:txFillClrLst meth="repeat">
+      <a:schemeClr val="lt1"/>
+    </dgm:txFillClrLst>
+    <dgm:txEffectClrLst/>
+  </dgm:styleLbl>
+  <dgm:styleLbl name="parChTrans2D4">
+    <dgm:fillClrLst meth="repeat">
+      <a:schemeClr val="accent1"/>
+    </dgm:fillClrLst>
+    <dgm:linClrLst meth="repeat">
+      <a:schemeClr val="accent1"/>
+    </dgm:linClrLst>
+    <dgm:effectClrLst/>
+    <dgm:txLinClrLst/>
+    <dgm:txFillClrLst meth="repeat">
+      <a:schemeClr val="lt1"/>
+    </dgm:txFillClrLst>
+    <dgm:txEffectClrLst/>
+  </dgm:styleLbl>
+  <dgm:styleLbl name="parChTrans1D1">
+    <dgm:fillClrLst meth="repeat">
+      <a:schemeClr val="accent1"/>
+    </dgm:fillClrLst>
+    <dgm:linClrLst meth="repeat">
+      <a:schemeClr val="accent1">
+        <a:shade val="60000"/>
+      </a:schemeClr>
+    </dgm:linClrLst>
+    <dgm:effectClrLst/>
+    <dgm:txLinClrLst/>
+    <dgm:txFillClrLst meth="repeat">
+      <a:schemeClr val="tx1"/>
+    </dgm:txFillClrLst>
+    <dgm:txEffectClrLst/>
+  </dgm:styleLbl>
+  <dgm:styleLbl name="parChTrans1D2">
+    <dgm:fillClrLst meth="repeat">
+      <a:schemeClr val="accent1"/>
+    </dgm:fillClrLst>
+    <dgm:linClrLst meth="repeat">
+      <a:schemeClr val="accent1">
+        <a:shade val="60000"/>
+      </a:schemeClr>
+    </dgm:linClrLst>
+    <dgm:effectClrLst/>
+    <dgm:txLinClrLst/>
+    <dgm:txFillClrLst meth="repeat">
+      <a:schemeClr val="tx1"/>
+    </dgm:txFillClrLst>
+    <dgm:txEffectClrLst/>
+  </dgm:styleLbl>
+  <dgm:styleLbl name="parChTrans1D3">
+    <dgm:fillClrLst meth="repeat">
+      <a:schemeClr val="accent1"/>
+    </dgm:fillClrLst>
+    <dgm:linClrLst meth="repeat">
+      <a:schemeClr val="accent1">
+        <a:shade val="80000"/>
+      </a:schemeClr>
+    </dgm:linClrLst>
+    <dgm:effectClrLst/>
+    <dgm:txLinClrLst/>
+    <dgm:txFillClrLst meth="repeat">
+      <a:schemeClr val="tx1"/>
+    </dgm:txFillClrLst>
+    <dgm:txEffectClrLst/>
+  </dgm:styleLbl>
+  <dgm:styleLbl name="parChTrans1D4">
+    <dgm:fillClrLst meth="repeat">
+      <a:schemeClr val="accent1"/>
+    </dgm:fillClrLst>
+    <dgm:linClrLst meth="repeat">
+      <a:schemeClr val="accent1">
+        <a:shade val="80000"/>
+      </a:schemeClr>
+    </dgm:linClrLst>
+    <dgm:effectClrLst/>
+    <dgm:txLinClrLst/>
+    <dgm:txFillClrLst meth="repeat">
+      <a:schemeClr val="tx1"/>
+    </dgm:txFillClrLst>
+    <dgm:txEffectClrLst/>
+  </dgm:styleLbl>
+  <dgm:styleLbl name="fgAcc1">
+    <dgm:fillClrLst meth="repeat">
+      <a:schemeClr val="lt1">
+        <a:alpha val="90000"/>
+      </a:schemeClr>
+    </dgm:fillClrLst>
+    <dgm:linClrLst meth="repeat">
+      <a:schemeClr val="accent1"/>
+    </dgm:linClrLst>
+    <dgm:effectClrLst/>
+    <dgm:txLinClrLst/>
+    <dgm:txFillClrLst meth="repeat">
+      <a:schemeClr val="dk1"/>
+    </dgm:txFillClrLst>
+    <dgm:txEffectClrLst/>
+  </dgm:styleLbl>
+  <dgm:styleLbl name="conFgAcc1">
+    <dgm:fillClrLst meth="repeat">
+      <a:schemeClr val="lt1">
+        <a:alpha val="90000"/>
+      </a:schemeClr>
+    </dgm:fillClrLst>
+    <dgm:linClrLst meth="repeat">
+      <a:schemeClr val="accent1"/>
+    </dgm:linClrLst>
+    <dgm:effectClrLst/>
+    <dgm:txLinClrLst/>
+    <dgm:txFillClrLst meth="repeat">
+      <a:schemeClr val="dk1"/>
+    </dgm:txFillClrLst>
+    <dgm:txEffectClrLst/>
+  </dgm:styleLbl>
+  <dgm:styleLbl name="alignAcc1">
+    <dgm:fillClrLst meth="repeat">
+      <a:schemeClr val="lt1">
+        <a:alpha val="90000"/>
+      </a:schemeClr>
+    </dgm:fillClrLst>
+    <dgm:linClrLst meth="repeat">
+      <a:schemeClr val="accent1"/>
+    </dgm:linClrLst>
+    <dgm:effectClrLst/>
+    <dgm:txLinClrLst/>
+    <dgm:txFillClrLst meth="repeat">
+      <a:schemeClr val="dk1"/>
+    </dgm:txFillClrLst>
+    <dgm:txEffectClrLst/>
+  </dgm:styleLbl>
+  <dgm:styleLbl name="trAlignAcc1">
+    <dgm:fillClrLst meth="repeat">
+      <a:schemeClr val="lt1">
+        <a:alpha val="40000"/>
+      </a:schemeClr>
+    </dgm:fillClrLst>
+    <dgm:linClrLst meth="repeat">
+      <a:schemeClr val="accent1"/>
+    </dgm:linClrLst>
+    <dgm:effectClrLst/>
+    <dgm:txLinClrLst/>
+    <dgm:txFillClrLst meth="repeat">
+      <a:schemeClr val="dk1"/>
+    </dgm:txFillClrLst>
+    <dgm:txEffectClrLst/>
+  </dgm:styleLbl>
+  <dgm:styleLbl name="bgAcc1">
+    <dgm:fillClrLst meth="repeat">
+      <a:schemeClr val="lt1">
+        <a:alpha val="90000"/>
+      </a:schemeClr>
+    </dgm:fillClrLst>
+    <dgm:linClrLst meth="repeat">
+      <a:schemeClr val="accent1"/>
+    </dgm:linClrLst>
+    <dgm:effectClrLst/>
+    <dgm:txLinClrLst/>
+    <dgm:txFillClrLst meth="repeat">
+      <a:schemeClr val="dk1"/>
+    </dgm:txFillClrLst>
+    <dgm:txEffectClrLst/>
+  </dgm:styleLbl>
+  <dgm:styleLbl name="solidFgAcc1">
+    <dgm:fillClrLst meth="repeat">
+      <a:schemeClr val="lt1"/>
+    </dgm:fillClrLst>
+    <dgm:linClrLst meth="repeat">
+      <a:schemeClr val="accent1"/>
+    </dgm:linClrLst>
+    <dgm:effectClrLst/>
+    <dgm:txLinClrLst/>
+    <dgm:txFillClrLst meth="repeat">
+      <a:schemeClr val="dk1"/>
+    </dgm:txFillClrLst>
+    <dgm:txEffectClrLst/>
+  </dgm:styleLbl>
+  <dgm:styleLbl name="solidAlignAcc1">
+    <dgm:fillClrLst meth="repeat">
+      <a:schemeClr val="lt1"/>
+    </dgm:fillClrLst>
+    <dgm:linClrLst meth="repeat">
+      <a:schemeClr val="accent1"/>
+    </dgm:linClrLst>
+    <dgm:effectClrLst/>
+    <dgm:txLinClrLst/>
+    <dgm:txFillClrLst meth="repeat">
+      <a:schemeClr val="dk1"/>
+    </dgm:txFillClrLst>
+    <dgm:txEffectClrLst/>
+  </dgm:styleLbl>
+  <dgm:styleLbl name="solidBgAcc1">
+    <dgm:fillClrLst meth="repeat">
+      <a:schemeClr val="lt1"/>
+    </dgm:fillClrLst>
+    <dgm:linClrLst meth="repeat">
+      <a:schemeClr val="accent1"/>
+    </dgm:linClrLst>
+    <dgm:effectClrLst/>
+    <dgm:txLinClrLst/>
+    <dgm:txFillClrLst meth="repeat">
+      <a:schemeClr val="dk1"/>
+    </dgm:txFillClrLst>
+    <dgm:txEffectClrLst/>
+  </dgm:styleLbl>
+  <dgm:styleLbl name="fgAccFollowNode1">
+    <dgm:fillClrLst meth="repeat">
+      <a:schemeClr val="accent1">
+        <a:alpha val="90000"/>
+        <a:tint val="40000"/>
+      </a:schemeClr>
+    </dgm:fillClrLst>
+    <dgm:linClrLst meth="repeat">
+      <a:schemeClr val="accent1">
+        <a:alpha val="90000"/>
+        <a:tint val="40000"/>
+      </a:schemeClr>
+    </dgm:linClrLst>
+    <dgm:effectClrLst/>
+    <dgm:txLinClrLst/>
+    <dgm:txFillClrLst meth="repeat">
+      <a:schemeClr val="dk1"/>
+    </dgm:txFillClrLst>
+    <dgm:txEffectClrLst/>
+  </dgm:styleLbl>
+  <dgm:styleLbl name="alignAccFollowNode1">
+    <dgm:fillClrLst meth="repeat">
+      <a:schemeClr val="accent1">
+        <a:alpha val="90000"/>
+        <a:tint val="40000"/>
+      </a:schemeClr>
+    </dgm:fillClrLst>
+    <dgm:linClrLst meth="repeat">
+      <a:schemeClr val="accent1">
+        <a:alpha val="90000"/>
+        <a:tint val="40000"/>
+      </a:schemeClr>
+    </dgm:linClrLst>
+    <dgm:effectClrLst/>
+    <dgm:txLinClrLst/>
+    <dgm:txFillClrLst meth="repeat">
+      <a:schemeClr val="dk1"/>
+    </dgm:txFillClrLst>
+    <dgm:txEffectClrLst/>
+  </dgm:styleLbl>
+  <dgm:styleLbl name="bgAccFollowNode1">
+    <dgm:fillClrLst meth="repeat">
+      <a:schemeClr val="accent1">
+        <a:alpha val="90000"/>
+        <a:tint val="40000"/>
+      </a:schemeClr>
+    </dgm:fillClrLst>
+    <dgm:linClrLst meth="repeat">
+      <a:schemeClr val="accent1">
+        <a:alpha val="90000"/>
+        <a:tint val="40000"/>
+      </a:schemeClr>
+    </dgm:linClrLst>
+    <dgm:effectClrLst/>
+    <dgm:txLinClrLst/>
+    <dgm:txFillClrLst meth="repeat">
+      <a:schemeClr val="dk1"/>
+    </dgm:txFillClrLst>
+    <dgm:txEffectClrLst/>
+  </dgm:styleLbl>
+  <dgm:styleLbl name="fgAcc0">
+    <dgm:fillClrLst meth="repeat">
+      <a:schemeClr val="lt1">
+        <a:alpha val="90000"/>
+      </a:schemeClr>
+    </dgm:fillClrLst>
+    <dgm:linClrLst meth="repeat">
+      <a:schemeClr val="accent1"/>
+    </dgm:linClrLst>
+    <dgm:effectClrLst/>
+    <dgm:txLinClrLst/>
+    <dgm:txFillClrLst meth="repeat">
+      <a:schemeClr val="dk1"/>
+    </dgm:txFillClrLst>
+    <dgm:txEffectClrLst/>
+  </dgm:styleLbl>
+  <dgm:styleLbl name="fgAcc2">
+    <dgm:fillClrLst meth="repeat">
+      <a:schemeClr val="lt1">
+        <a:alpha val="90000"/>
+      </a:schemeClr>
+    </dgm:fillClrLst>
+    <dgm:linClrLst meth="repeat">
+      <a:schemeClr val="accent1"/>
+    </dgm:linClrLst>
+    <dgm:effectClrLst/>
+    <dgm:txLinClrLst/>
+    <dgm:txFillClrLst meth="repeat">
+      <a:schemeClr val="dk1"/>
+    </dgm:txFillClrLst>
+    <dgm:txEffectClrLst/>
+  </dgm:styleLbl>
+  <dgm:styleLbl name="fgAcc3">
+    <dgm:fillClrLst meth="repeat">
+      <a:schemeClr val="lt1">
+        <a:alpha val="90000"/>
+      </a:schemeClr>
+    </dgm:fillClrLst>
+    <dgm:linClrLst meth="repeat">
+      <a:schemeClr val="accent1"/>
+    </dgm:linClrLst>
+    <dgm:effectClrLst/>
+    <dgm:txLinClrLst/>
+    <dgm:txFillClrLst meth="repeat">
+      <a:schemeClr val="dk1"/>
+    </dgm:txFillClrLst>
+    <dgm:txEffectClrLst/>
+  </dgm:styleLbl>
+  <dgm:styleLbl name="fgAcc4">
+    <dgm:fillClrLst meth="repeat">
+      <a:schemeClr val="lt1">
+        <a:alpha val="90000"/>
+      </a:schemeClr>
+    </dgm:fillClrLst>
+    <dgm:linClrLst meth="repeat">
+      <a:schemeClr val="accent1"/>
+    </dgm:linClrLst>
+    <dgm:effectClrLst/>
+    <dgm:txLinClrLst/>
+    <dgm:txFillClrLst meth="repeat">
+      <a:schemeClr val="dk1"/>
+    </dgm:txFillClrLst>
+    <dgm:txEffectClrLst/>
+  </dgm:styleLbl>
+  <dgm:styleLbl name="bgShp">
+    <dgm:fillClrLst meth="repeat">
+      <a:schemeClr val="accent1">
+        <a:tint val="40000"/>
+      </a:schemeClr>
+    </dgm:fillClrLst>
+    <dgm:linClrLst meth="repeat">
+      <a:schemeClr val="accent1"/>
+    </dgm:linClrLst>
+    <dgm:effectClrLst/>
+    <dgm:txLinClrLst/>
+    <dgm:txFillClrLst meth="repeat">
+      <a:schemeClr val="dk1"/>
+    </dgm:txFillClrLst>
+    <dgm:txEffectClrLst/>
+  </dgm:styleLbl>
+  <dgm:styleLbl name="dkBgShp">
+    <dgm:fillClrLst meth="repeat">
+      <a:schemeClr val="accent1">
+        <a:shade val="80000"/>
+      </a:schemeClr>
+    </dgm:fillClrLst>
+    <dgm:linClrLst meth="repeat">
+      <a:schemeClr val="accent1"/>
+    </dgm:linClrLst>
+    <dgm:effectClrLst/>
+    <dgm:txLinClrLst/>
+    <dgm:txFillClrLst meth="repeat">
+      <a:schemeClr val="lt1"/>
+    </dgm:txFillClrLst>
+    <dgm:txEffectClrLst/>
+  </dgm:styleLbl>
+  <dgm:styleLbl name="trBgShp">
+    <dgm:fillClrLst meth="repeat">
+      <a:schemeClr val="accent1">
+        <a:tint val="50000"/>
+        <a:alpha val="40000"/>
+      </a:schemeClr>
+    </dgm:fillClrLst>
+    <dgm:linClrLst meth="repeat">
+      <a:schemeClr val="accent1"/>
+    </dgm:linClrLst>
+    <dgm:effectClrLst/>
+    <dgm:txLinClrLst/>
+    <dgm:txFillClrLst meth="repeat">
+      <a:schemeClr val="lt1"/>
+    </dgm:txFillClrLst>
+    <dgm:txEffectClrLst/>
+  </dgm:styleLbl>
+  <dgm:styleLbl name="fgShp">
+    <dgm:fillClrLst meth="repeat">
+      <a:schemeClr val="accent1">
+        <a:tint val="60000"/>
+      </a:schemeClr>
+    </dgm:fillClrLst>
+    <dgm:linClrLst meth="repeat">
+      <a:schemeClr val="lt1"/>
+    </dgm:linClrLst>
+    <dgm:effectClrLst/>
+    <dgm:txLinClrLst/>
+    <dgm:txFillClrLst meth="repeat">
+      <a:schemeClr val="dk1"/>
+    </dgm:txFillClrLst>
+    <dgm:txEffectClrLst/>
+  </dgm:styleLbl>
+  <dgm:styleLbl name="revTx">
+    <dgm:fillClrLst meth="repeat">
+      <a:schemeClr val="lt1">
+        <a:alpha val="0"/>
+      </a:schemeClr>
+    </dgm:fillClrLst>
+    <dgm:linClrLst meth="repeat">
+      <a:schemeClr val="dk1">
+        <a:alpha val="0"/>
+      </a:schemeClr>
+    </dgm:linClrLst>
+    <dgm:effectClrLst/>
+    <dgm:txLinClrLst/>
+    <dgm:txFillClrLst meth="repeat">
+      <a:schemeClr val="tx1"/>
+    </dgm:txFillClrLst>
+    <dgm:txEffectClrLst/>
+  </dgm:styleLbl>
+</dgm:colorsDef>
+</file>
+
 <file path=ppt/diagrams/data1.xml><?xml version="1.0" encoding="utf-8"?>
 <dgm:dataModel xmlns:dgm="http://schemas.openxmlformats.org/drawingml/2006/diagram" xmlns:a="http://schemas.openxmlformats.org/drawingml/2006/main">
   <dgm:ptLst>
@@ -10173,6 +10920,468 @@
     <dgm:cxn modelId="{C275A44A-5C5D-4BF9-B4C7-AAE398D229A1}" type="presParOf" srcId="{7EC76208-A27F-4A5F-90F6-7510A1BCD6E8}" destId="{2A3E2850-58B5-496D-A09E-A867D45B20C2}" srcOrd="1" destOrd="0" presId="urn:microsoft.com/office/officeart/2018/5/layout/IconCircleLabelList"/>
     <dgm:cxn modelId="{5028F0B4-DC85-424B-9DCC-404885ED1E9E}" type="presParOf" srcId="{7EC76208-A27F-4A5F-90F6-7510A1BCD6E8}" destId="{736BBF35-E12F-4F45-AA3E-634BDE26AF1E}" srcOrd="2" destOrd="0" presId="urn:microsoft.com/office/officeart/2018/5/layout/IconCircleLabelList"/>
     <dgm:cxn modelId="{B03936C6-4D36-49D7-973B-9F685D700008}" type="presParOf" srcId="{7EC76208-A27F-4A5F-90F6-7510A1BCD6E8}" destId="{05BF21F7-0276-4483-B8D5-8C0687977AFD}" srcOrd="3" destOrd="0" presId="urn:microsoft.com/office/officeart/2018/5/layout/IconCircleLabelList"/>
+  </dgm:cxnLst>
+  <dgm:bg/>
+  <dgm:whole/>
+  <dgm:extLst>
+    <a:ext uri="http://schemas.microsoft.com/office/drawing/2008/diagram">
+      <dsp:dataModelExt xmlns:dsp="http://schemas.microsoft.com/office/drawing/2008/diagram" relId="rId7" minVer="http://schemas.openxmlformats.org/drawingml/2006/diagram"/>
+    </a:ext>
+  </dgm:extLst>
+</dgm:dataModel>
+</file>
+
+<file path=ppt/diagrams/data7.xml><?xml version="1.0" encoding="utf-8"?>
+<dgm:dataModel xmlns:dgm="http://schemas.openxmlformats.org/drawingml/2006/diagram" xmlns:a="http://schemas.openxmlformats.org/drawingml/2006/main">
+  <dgm:ptLst>
+    <dgm:pt modelId="{A2208D2C-2D8E-497E-AAA8-ABD8F7CA768D}" type="doc">
+      <dgm:prSet loTypeId="urn:microsoft.com/office/officeart/2005/8/layout/vList5" loCatId="list" qsTypeId="urn:microsoft.com/office/officeart/2005/8/quickstyle/simple1" qsCatId="simple" csTypeId="urn:microsoft.com/office/officeart/2005/8/colors/accent1_2" csCatId="accent1"/>
+      <dgm:spPr/>
+      <dgm:t>
+        <a:bodyPr/>
+        <a:lstStyle/>
+        <a:p>
+          <a:endParaRPr lang="en-US"/>
+        </a:p>
+      </dgm:t>
+    </dgm:pt>
+    <dgm:pt modelId="{365436B6-C168-4B1D-B502-EF8A7B5DD922}">
+      <dgm:prSet/>
+      <dgm:spPr/>
+      <dgm:t>
+        <a:bodyPr/>
+        <a:lstStyle/>
+        <a:p>
+          <a:r>
+            <a:rPr lang="en-US"/>
+            <a:t>Understanding Arrest Patterns</a:t>
+          </a:r>
+        </a:p>
+      </dgm:t>
+    </dgm:pt>
+    <dgm:pt modelId="{4ADBE0E3-5159-421E-8599-6C5749D2CEFF}" type="parTrans" cxnId="{D2AE8E8C-C214-401A-A135-01CE1F23D5DA}">
+      <dgm:prSet/>
+      <dgm:spPr/>
+      <dgm:t>
+        <a:bodyPr/>
+        <a:lstStyle/>
+        <a:p>
+          <a:endParaRPr lang="en-US"/>
+        </a:p>
+      </dgm:t>
+    </dgm:pt>
+    <dgm:pt modelId="{FA551379-CC87-4E52-8454-638CB0C7C7C1}" type="sibTrans" cxnId="{D2AE8E8C-C214-401A-A135-01CE1F23D5DA}">
+      <dgm:prSet/>
+      <dgm:spPr/>
+      <dgm:t>
+        <a:bodyPr/>
+        <a:lstStyle/>
+        <a:p>
+          <a:endParaRPr lang="en-US"/>
+        </a:p>
+      </dgm:t>
+    </dgm:pt>
+    <dgm:pt modelId="{68E828C0-C583-4CE8-A6C8-19C4E1C6D43C}">
+      <dgm:prSet/>
+      <dgm:spPr/>
+      <dgm:t>
+        <a:bodyPr/>
+        <a:lstStyle/>
+        <a:p>
+          <a:r>
+            <a:rPr lang="en-US"/>
+            <a:t>Identifying arrest causes and patterns is a complex challenge</a:t>
+          </a:r>
+        </a:p>
+      </dgm:t>
+    </dgm:pt>
+    <dgm:pt modelId="{358098EA-F927-4525-B2F2-A041A28C386F}" type="parTrans" cxnId="{1D1EB228-9539-40C1-8763-598EC6962B92}">
+      <dgm:prSet/>
+      <dgm:spPr/>
+      <dgm:t>
+        <a:bodyPr/>
+        <a:lstStyle/>
+        <a:p>
+          <a:endParaRPr lang="en-US"/>
+        </a:p>
+      </dgm:t>
+    </dgm:pt>
+    <dgm:pt modelId="{4B2BCF01-A154-48C5-AF8B-A88ADC80329B}" type="sibTrans" cxnId="{1D1EB228-9539-40C1-8763-598EC6962B92}">
+      <dgm:prSet/>
+      <dgm:spPr/>
+      <dgm:t>
+        <a:bodyPr/>
+        <a:lstStyle/>
+        <a:p>
+          <a:endParaRPr lang="en-US"/>
+        </a:p>
+      </dgm:t>
+    </dgm:pt>
+    <dgm:pt modelId="{45D652D4-67FF-44D9-A4DE-E864C50CE646}">
+      <dgm:prSet/>
+      <dgm:spPr/>
+      <dgm:t>
+        <a:bodyPr/>
+        <a:lstStyle/>
+        <a:p>
+          <a:r>
+            <a:rPr lang="en-US"/>
+            <a:t>Predictive modeling is well-suited to generate insights</a:t>
+          </a:r>
+        </a:p>
+      </dgm:t>
+    </dgm:pt>
+    <dgm:pt modelId="{8738E5C7-3097-4664-BF76-38D08C0B4466}" type="parTrans" cxnId="{2921887F-BECB-40CB-ADDD-E9C5BF673EF5}">
+      <dgm:prSet/>
+      <dgm:spPr/>
+      <dgm:t>
+        <a:bodyPr/>
+        <a:lstStyle/>
+        <a:p>
+          <a:endParaRPr lang="en-US"/>
+        </a:p>
+      </dgm:t>
+    </dgm:pt>
+    <dgm:pt modelId="{C1815BD4-F040-43FD-A36F-B975F7819854}" type="sibTrans" cxnId="{2921887F-BECB-40CB-ADDD-E9C5BF673EF5}">
+      <dgm:prSet/>
+      <dgm:spPr/>
+      <dgm:t>
+        <a:bodyPr/>
+        <a:lstStyle/>
+        <a:p>
+          <a:endParaRPr lang="en-US"/>
+        </a:p>
+      </dgm:t>
+    </dgm:pt>
+    <dgm:pt modelId="{1E43337A-EBAB-4D07-893A-2DF148655A89}">
+      <dgm:prSet/>
+      <dgm:spPr/>
+      <dgm:t>
+        <a:bodyPr/>
+        <a:lstStyle/>
+        <a:p>
+          <a:r>
+            <a:rPr lang="en-US"/>
+            <a:t>Real-World Impact</a:t>
+          </a:r>
+        </a:p>
+      </dgm:t>
+    </dgm:pt>
+    <dgm:pt modelId="{A981F8A6-5854-4A28-85DF-9753BF529416}" type="parTrans" cxnId="{FC313546-3235-4157-B15D-85E5FD9EEC00}">
+      <dgm:prSet/>
+      <dgm:spPr/>
+      <dgm:t>
+        <a:bodyPr/>
+        <a:lstStyle/>
+        <a:p>
+          <a:endParaRPr lang="en-US"/>
+        </a:p>
+      </dgm:t>
+    </dgm:pt>
+    <dgm:pt modelId="{3D32AAB6-D892-4C1B-B4EE-A758F3C27D02}" type="sibTrans" cxnId="{FC313546-3235-4157-B15D-85E5FD9EEC00}">
+      <dgm:prSet/>
+      <dgm:spPr/>
+      <dgm:t>
+        <a:bodyPr/>
+        <a:lstStyle/>
+        <a:p>
+          <a:endParaRPr lang="en-US"/>
+        </a:p>
+      </dgm:t>
+    </dgm:pt>
+    <dgm:pt modelId="{B8D3A74C-E97B-4ADA-B53B-AC0CCB9AB49C}">
+      <dgm:prSet/>
+      <dgm:spPr/>
+      <dgm:t>
+        <a:bodyPr/>
+        <a:lstStyle/>
+        <a:p>
+          <a:r>
+            <a:rPr lang="en-US"/>
+            <a:t>Supports data-driven safety strategies</a:t>
+          </a:r>
+        </a:p>
+      </dgm:t>
+    </dgm:pt>
+    <dgm:pt modelId="{F9F435DE-FA5D-431F-B1DB-3F5A14272997}" type="parTrans" cxnId="{BF238BD9-8A7C-4CC7-AD4B-A5910F1E3C6B}">
+      <dgm:prSet/>
+      <dgm:spPr/>
+      <dgm:t>
+        <a:bodyPr/>
+        <a:lstStyle/>
+        <a:p>
+          <a:endParaRPr lang="en-US"/>
+        </a:p>
+      </dgm:t>
+    </dgm:pt>
+    <dgm:pt modelId="{F49D2F5F-DDB7-4691-B178-B7152DFEDCD2}" type="sibTrans" cxnId="{BF238BD9-8A7C-4CC7-AD4B-A5910F1E3C6B}">
+      <dgm:prSet/>
+      <dgm:spPr/>
+      <dgm:t>
+        <a:bodyPr/>
+        <a:lstStyle/>
+        <a:p>
+          <a:endParaRPr lang="en-US"/>
+        </a:p>
+      </dgm:t>
+    </dgm:pt>
+    <dgm:pt modelId="{8F2CC47B-B33C-4531-BF79-E1B40096C95F}">
+      <dgm:prSet/>
+      <dgm:spPr/>
+      <dgm:t>
+        <a:bodyPr/>
+        <a:lstStyle/>
+        <a:p>
+          <a:r>
+            <a:rPr lang="en-US"/>
+            <a:t>Potential for more effective police resource allocation</a:t>
+          </a:r>
+        </a:p>
+      </dgm:t>
+    </dgm:pt>
+    <dgm:pt modelId="{BAD99138-F04C-4872-9E20-6230F5B00B31}" type="parTrans" cxnId="{074EA02C-B298-4452-B463-C8FE98163A3A}">
+      <dgm:prSet/>
+      <dgm:spPr/>
+      <dgm:t>
+        <a:bodyPr/>
+        <a:lstStyle/>
+        <a:p>
+          <a:endParaRPr lang="en-US"/>
+        </a:p>
+      </dgm:t>
+    </dgm:pt>
+    <dgm:pt modelId="{6E08F0EF-393D-41A7-9361-3096AFC14ECD}" type="sibTrans" cxnId="{074EA02C-B298-4452-B463-C8FE98163A3A}">
+      <dgm:prSet/>
+      <dgm:spPr/>
+      <dgm:t>
+        <a:bodyPr/>
+        <a:lstStyle/>
+        <a:p>
+          <a:endParaRPr lang="en-US"/>
+        </a:p>
+      </dgm:t>
+    </dgm:pt>
+    <dgm:pt modelId="{62E15250-F620-4D08-8DA1-C67FF6707479}">
+      <dgm:prSet/>
+      <dgm:spPr/>
+      <dgm:t>
+        <a:bodyPr/>
+        <a:lstStyle/>
+        <a:p>
+          <a:r>
+            <a:rPr lang="en-US"/>
+            <a:t>Broader Implications</a:t>
+          </a:r>
+        </a:p>
+      </dgm:t>
+    </dgm:pt>
+    <dgm:pt modelId="{B5C5E3B3-D01D-4D9A-9853-73EC00A9122B}" type="parTrans" cxnId="{9666A4A5-2FE2-4887-981E-AE66F7F3EDE3}">
+      <dgm:prSet/>
+      <dgm:spPr/>
+      <dgm:t>
+        <a:bodyPr/>
+        <a:lstStyle/>
+        <a:p>
+          <a:endParaRPr lang="en-US"/>
+        </a:p>
+      </dgm:t>
+    </dgm:pt>
+    <dgm:pt modelId="{9B6C86C0-B912-49DE-BB10-72AE34750A37}" type="sibTrans" cxnId="{9666A4A5-2FE2-4887-981E-AE66F7F3EDE3}">
+      <dgm:prSet/>
+      <dgm:spPr/>
+      <dgm:t>
+        <a:bodyPr/>
+        <a:lstStyle/>
+        <a:p>
+          <a:endParaRPr lang="en-US"/>
+        </a:p>
+      </dgm:t>
+    </dgm:pt>
+    <dgm:pt modelId="{AF9EBE5D-7450-40D8-8B9A-262C8C391851}">
+      <dgm:prSet/>
+      <dgm:spPr/>
+      <dgm:t>
+        <a:bodyPr/>
+        <a:lstStyle/>
+        <a:p>
+          <a:r>
+            <a:rPr lang="en-US"/>
+            <a:t>Classification is just the surface level—proactive crime prevention is the ultimate goal</a:t>
+          </a:r>
+        </a:p>
+      </dgm:t>
+    </dgm:pt>
+    <dgm:pt modelId="{F0443263-C838-4D34-A471-FD77EDC87D1A}" type="parTrans" cxnId="{905FA385-7461-48F8-9630-240873FB9243}">
+      <dgm:prSet/>
+      <dgm:spPr/>
+      <dgm:t>
+        <a:bodyPr/>
+        <a:lstStyle/>
+        <a:p>
+          <a:endParaRPr lang="en-US"/>
+        </a:p>
+      </dgm:t>
+    </dgm:pt>
+    <dgm:pt modelId="{E5F13F4A-EF64-4D83-BB6A-3CBAB128E7B3}" type="sibTrans" cxnId="{905FA385-7461-48F8-9630-240873FB9243}">
+      <dgm:prSet/>
+      <dgm:spPr/>
+      <dgm:t>
+        <a:bodyPr/>
+        <a:lstStyle/>
+        <a:p>
+          <a:endParaRPr lang="en-US"/>
+        </a:p>
+      </dgm:t>
+    </dgm:pt>
+    <dgm:pt modelId="{A630D40E-E2A4-44C7-A6F8-B0E026780E7D}">
+      <dgm:prSet/>
+      <dgm:spPr/>
+      <dgm:t>
+        <a:bodyPr/>
+        <a:lstStyle/>
+        <a:p>
+          <a:r>
+            <a:rPr lang="en-US"/>
+            <a:t>Data science is very applicable to many real-world societal issues</a:t>
+          </a:r>
+        </a:p>
+      </dgm:t>
+    </dgm:pt>
+    <dgm:pt modelId="{A0096532-0DE2-4DC9-8414-92613326062B}" type="parTrans" cxnId="{E726CF84-E728-4FF9-9429-D161AF59E3C7}">
+      <dgm:prSet/>
+      <dgm:spPr/>
+      <dgm:t>
+        <a:bodyPr/>
+        <a:lstStyle/>
+        <a:p>
+          <a:endParaRPr lang="en-US"/>
+        </a:p>
+      </dgm:t>
+    </dgm:pt>
+    <dgm:pt modelId="{CA59A33E-2A3E-4CF5-B5B2-764563126185}" type="sibTrans" cxnId="{E726CF84-E728-4FF9-9429-D161AF59E3C7}">
+      <dgm:prSet/>
+      <dgm:spPr/>
+      <dgm:t>
+        <a:bodyPr/>
+        <a:lstStyle/>
+        <a:p>
+          <a:endParaRPr lang="en-US"/>
+        </a:p>
+      </dgm:t>
+    </dgm:pt>
+    <dgm:pt modelId="{150AD9B8-7707-43C7-BDE9-7CE793F17E26}" type="pres">
+      <dgm:prSet presAssocID="{A2208D2C-2D8E-497E-AAA8-ABD8F7CA768D}" presName="Name0" presStyleCnt="0">
+        <dgm:presLayoutVars>
+          <dgm:dir/>
+          <dgm:animLvl val="lvl"/>
+          <dgm:resizeHandles val="exact"/>
+        </dgm:presLayoutVars>
+      </dgm:prSet>
+      <dgm:spPr/>
+    </dgm:pt>
+    <dgm:pt modelId="{9513674C-AEA2-4847-931E-01A1D8F6BA8F}" type="pres">
+      <dgm:prSet presAssocID="{365436B6-C168-4B1D-B502-EF8A7B5DD922}" presName="linNode" presStyleCnt="0"/>
+      <dgm:spPr/>
+    </dgm:pt>
+    <dgm:pt modelId="{BCD0504D-C3DE-42F6-8080-D37ACAFD6143}" type="pres">
+      <dgm:prSet presAssocID="{365436B6-C168-4B1D-B502-EF8A7B5DD922}" presName="parentText" presStyleLbl="node1" presStyleIdx="0" presStyleCnt="3">
+        <dgm:presLayoutVars>
+          <dgm:chMax val="1"/>
+          <dgm:bulletEnabled val="1"/>
+        </dgm:presLayoutVars>
+      </dgm:prSet>
+      <dgm:spPr/>
+    </dgm:pt>
+    <dgm:pt modelId="{1D753664-E28A-414C-A8F3-84ECB19FBCBD}" type="pres">
+      <dgm:prSet presAssocID="{365436B6-C168-4B1D-B502-EF8A7B5DD922}" presName="descendantText" presStyleLbl="alignAccFollowNode1" presStyleIdx="0" presStyleCnt="3">
+        <dgm:presLayoutVars>
+          <dgm:bulletEnabled val="1"/>
+        </dgm:presLayoutVars>
+      </dgm:prSet>
+      <dgm:spPr/>
+    </dgm:pt>
+    <dgm:pt modelId="{EDDCDE13-D88A-4409-9F52-33F38922A61A}" type="pres">
+      <dgm:prSet presAssocID="{FA551379-CC87-4E52-8454-638CB0C7C7C1}" presName="sp" presStyleCnt="0"/>
+      <dgm:spPr/>
+    </dgm:pt>
+    <dgm:pt modelId="{55D96509-749C-423A-BD01-509704EA4312}" type="pres">
+      <dgm:prSet presAssocID="{1E43337A-EBAB-4D07-893A-2DF148655A89}" presName="linNode" presStyleCnt="0"/>
+      <dgm:spPr/>
+    </dgm:pt>
+    <dgm:pt modelId="{8921706E-77A1-446F-8A73-63442EC15A0D}" type="pres">
+      <dgm:prSet presAssocID="{1E43337A-EBAB-4D07-893A-2DF148655A89}" presName="parentText" presStyleLbl="node1" presStyleIdx="1" presStyleCnt="3">
+        <dgm:presLayoutVars>
+          <dgm:chMax val="1"/>
+          <dgm:bulletEnabled val="1"/>
+        </dgm:presLayoutVars>
+      </dgm:prSet>
+      <dgm:spPr/>
+    </dgm:pt>
+    <dgm:pt modelId="{457A1AD1-0509-4553-9AB1-74D7909A2999}" type="pres">
+      <dgm:prSet presAssocID="{1E43337A-EBAB-4D07-893A-2DF148655A89}" presName="descendantText" presStyleLbl="alignAccFollowNode1" presStyleIdx="1" presStyleCnt="3">
+        <dgm:presLayoutVars>
+          <dgm:bulletEnabled val="1"/>
+        </dgm:presLayoutVars>
+      </dgm:prSet>
+      <dgm:spPr/>
+    </dgm:pt>
+    <dgm:pt modelId="{4E285138-1944-40CC-9CD2-FA47C37A9349}" type="pres">
+      <dgm:prSet presAssocID="{3D32AAB6-D892-4C1B-B4EE-A758F3C27D02}" presName="sp" presStyleCnt="0"/>
+      <dgm:spPr/>
+    </dgm:pt>
+    <dgm:pt modelId="{353BED5C-9974-468A-9E70-ADD9D2FADCD4}" type="pres">
+      <dgm:prSet presAssocID="{62E15250-F620-4D08-8DA1-C67FF6707479}" presName="linNode" presStyleCnt="0"/>
+      <dgm:spPr/>
+    </dgm:pt>
+    <dgm:pt modelId="{4AEE90B3-497A-4A51-9FF4-424FDBDE4267}" type="pres">
+      <dgm:prSet presAssocID="{62E15250-F620-4D08-8DA1-C67FF6707479}" presName="parentText" presStyleLbl="node1" presStyleIdx="2" presStyleCnt="3">
+        <dgm:presLayoutVars>
+          <dgm:chMax val="1"/>
+          <dgm:bulletEnabled val="1"/>
+        </dgm:presLayoutVars>
+      </dgm:prSet>
+      <dgm:spPr/>
+    </dgm:pt>
+    <dgm:pt modelId="{A978F154-D45F-49FC-A8C1-ACD0797C9F9E}" type="pres">
+      <dgm:prSet presAssocID="{62E15250-F620-4D08-8DA1-C67FF6707479}" presName="descendantText" presStyleLbl="alignAccFollowNode1" presStyleIdx="2" presStyleCnt="3">
+        <dgm:presLayoutVars>
+          <dgm:bulletEnabled val="1"/>
+        </dgm:presLayoutVars>
+      </dgm:prSet>
+      <dgm:spPr/>
+    </dgm:pt>
+  </dgm:ptLst>
+  <dgm:cxnLst>
+    <dgm:cxn modelId="{AD3EE013-CF27-460D-849B-7AEAE07CFFBE}" type="presOf" srcId="{B8D3A74C-E97B-4ADA-B53B-AC0CCB9AB49C}" destId="{457A1AD1-0509-4553-9AB1-74D7909A2999}" srcOrd="0" destOrd="0" presId="urn:microsoft.com/office/officeart/2005/8/layout/vList5"/>
+    <dgm:cxn modelId="{1D1EB228-9539-40C1-8763-598EC6962B92}" srcId="{365436B6-C168-4B1D-B502-EF8A7B5DD922}" destId="{68E828C0-C583-4CE8-A6C8-19C4E1C6D43C}" srcOrd="0" destOrd="0" parTransId="{358098EA-F927-4525-B2F2-A041A28C386F}" sibTransId="{4B2BCF01-A154-48C5-AF8B-A88ADC80329B}"/>
+    <dgm:cxn modelId="{074EA02C-B298-4452-B463-C8FE98163A3A}" srcId="{1E43337A-EBAB-4D07-893A-2DF148655A89}" destId="{8F2CC47B-B33C-4531-BF79-E1B40096C95F}" srcOrd="1" destOrd="0" parTransId="{BAD99138-F04C-4872-9E20-6230F5B00B31}" sibTransId="{6E08F0EF-393D-41A7-9361-3096AFC14ECD}"/>
+    <dgm:cxn modelId="{91C1882E-5F61-4A14-97E6-15A221455EB3}" type="presOf" srcId="{365436B6-C168-4B1D-B502-EF8A7B5DD922}" destId="{BCD0504D-C3DE-42F6-8080-D37ACAFD6143}" srcOrd="0" destOrd="0" presId="urn:microsoft.com/office/officeart/2005/8/layout/vList5"/>
+    <dgm:cxn modelId="{FC313546-3235-4157-B15D-85E5FD9EEC00}" srcId="{A2208D2C-2D8E-497E-AAA8-ABD8F7CA768D}" destId="{1E43337A-EBAB-4D07-893A-2DF148655A89}" srcOrd="1" destOrd="0" parTransId="{A981F8A6-5854-4A28-85DF-9753BF529416}" sibTransId="{3D32AAB6-D892-4C1B-B4EE-A758F3C27D02}"/>
+    <dgm:cxn modelId="{F1AEF667-F36F-4D75-8139-C473434BD6DB}" type="presOf" srcId="{68E828C0-C583-4CE8-A6C8-19C4E1C6D43C}" destId="{1D753664-E28A-414C-A8F3-84ECB19FBCBD}" srcOrd="0" destOrd="0" presId="urn:microsoft.com/office/officeart/2005/8/layout/vList5"/>
+    <dgm:cxn modelId="{79DE954E-83CB-4505-A5D0-86142A57BE86}" type="presOf" srcId="{AF9EBE5D-7450-40D8-8B9A-262C8C391851}" destId="{A978F154-D45F-49FC-A8C1-ACD0797C9F9E}" srcOrd="0" destOrd="0" presId="urn:microsoft.com/office/officeart/2005/8/layout/vList5"/>
+    <dgm:cxn modelId="{60651976-5CEF-4B7D-B0CA-B5E665FA71F8}" type="presOf" srcId="{45D652D4-67FF-44D9-A4DE-E864C50CE646}" destId="{1D753664-E28A-414C-A8F3-84ECB19FBCBD}" srcOrd="0" destOrd="1" presId="urn:microsoft.com/office/officeart/2005/8/layout/vList5"/>
+    <dgm:cxn modelId="{2CDAE376-AE57-414A-ADBC-FFF2B86BFFE6}" type="presOf" srcId="{8F2CC47B-B33C-4531-BF79-E1B40096C95F}" destId="{457A1AD1-0509-4553-9AB1-74D7909A2999}" srcOrd="0" destOrd="1" presId="urn:microsoft.com/office/officeart/2005/8/layout/vList5"/>
+    <dgm:cxn modelId="{2921887F-BECB-40CB-ADDD-E9C5BF673EF5}" srcId="{365436B6-C168-4B1D-B502-EF8A7B5DD922}" destId="{45D652D4-67FF-44D9-A4DE-E864C50CE646}" srcOrd="1" destOrd="0" parTransId="{8738E5C7-3097-4664-BF76-38D08C0B4466}" sibTransId="{C1815BD4-F040-43FD-A36F-B975F7819854}"/>
+    <dgm:cxn modelId="{D9AF6C84-3E7F-43D5-AF39-FD0471E85A4A}" type="presOf" srcId="{A630D40E-E2A4-44C7-A6F8-B0E026780E7D}" destId="{A978F154-D45F-49FC-A8C1-ACD0797C9F9E}" srcOrd="0" destOrd="1" presId="urn:microsoft.com/office/officeart/2005/8/layout/vList5"/>
+    <dgm:cxn modelId="{E726CF84-E728-4FF9-9429-D161AF59E3C7}" srcId="{62E15250-F620-4D08-8DA1-C67FF6707479}" destId="{A630D40E-E2A4-44C7-A6F8-B0E026780E7D}" srcOrd="1" destOrd="0" parTransId="{A0096532-0DE2-4DC9-8414-92613326062B}" sibTransId="{CA59A33E-2A3E-4CF5-B5B2-764563126185}"/>
+    <dgm:cxn modelId="{905FA385-7461-48F8-9630-240873FB9243}" srcId="{62E15250-F620-4D08-8DA1-C67FF6707479}" destId="{AF9EBE5D-7450-40D8-8B9A-262C8C391851}" srcOrd="0" destOrd="0" parTransId="{F0443263-C838-4D34-A471-FD77EDC87D1A}" sibTransId="{E5F13F4A-EF64-4D83-BB6A-3CBAB128E7B3}"/>
+    <dgm:cxn modelId="{D2AE8E8C-C214-401A-A135-01CE1F23D5DA}" srcId="{A2208D2C-2D8E-497E-AAA8-ABD8F7CA768D}" destId="{365436B6-C168-4B1D-B502-EF8A7B5DD922}" srcOrd="0" destOrd="0" parTransId="{4ADBE0E3-5159-421E-8599-6C5749D2CEFF}" sibTransId="{FA551379-CC87-4E52-8454-638CB0C7C7C1}"/>
+    <dgm:cxn modelId="{9666A4A5-2FE2-4887-981E-AE66F7F3EDE3}" srcId="{A2208D2C-2D8E-497E-AAA8-ABD8F7CA768D}" destId="{62E15250-F620-4D08-8DA1-C67FF6707479}" srcOrd="2" destOrd="0" parTransId="{B5C5E3B3-D01D-4D9A-9853-73EC00A9122B}" sibTransId="{9B6C86C0-B912-49DE-BB10-72AE34750A37}"/>
+    <dgm:cxn modelId="{501A5EAB-9AEE-43A7-AC97-836726BF3953}" type="presOf" srcId="{A2208D2C-2D8E-497E-AAA8-ABD8F7CA768D}" destId="{150AD9B8-7707-43C7-BDE9-7CE793F17E26}" srcOrd="0" destOrd="0" presId="urn:microsoft.com/office/officeart/2005/8/layout/vList5"/>
+    <dgm:cxn modelId="{B937D2B8-85A0-404B-8D8C-09D646ADC335}" type="presOf" srcId="{1E43337A-EBAB-4D07-893A-2DF148655A89}" destId="{8921706E-77A1-446F-8A73-63442EC15A0D}" srcOrd="0" destOrd="0" presId="urn:microsoft.com/office/officeart/2005/8/layout/vList5"/>
+    <dgm:cxn modelId="{8777D3D3-1ECE-4E8E-BFA8-824282278A8B}" type="presOf" srcId="{62E15250-F620-4D08-8DA1-C67FF6707479}" destId="{4AEE90B3-497A-4A51-9FF4-424FDBDE4267}" srcOrd="0" destOrd="0" presId="urn:microsoft.com/office/officeart/2005/8/layout/vList5"/>
+    <dgm:cxn modelId="{BF238BD9-8A7C-4CC7-AD4B-A5910F1E3C6B}" srcId="{1E43337A-EBAB-4D07-893A-2DF148655A89}" destId="{B8D3A74C-E97B-4ADA-B53B-AC0CCB9AB49C}" srcOrd="0" destOrd="0" parTransId="{F9F435DE-FA5D-431F-B1DB-3F5A14272997}" sibTransId="{F49D2F5F-DDB7-4691-B178-B7152DFEDCD2}"/>
+    <dgm:cxn modelId="{09060C7C-6B51-4DC7-8B32-3E14AA0574C2}" type="presParOf" srcId="{150AD9B8-7707-43C7-BDE9-7CE793F17E26}" destId="{9513674C-AEA2-4847-931E-01A1D8F6BA8F}" srcOrd="0" destOrd="0" presId="urn:microsoft.com/office/officeart/2005/8/layout/vList5"/>
+    <dgm:cxn modelId="{FC028998-1167-4455-99FC-60BD43CC176A}" type="presParOf" srcId="{9513674C-AEA2-4847-931E-01A1D8F6BA8F}" destId="{BCD0504D-C3DE-42F6-8080-D37ACAFD6143}" srcOrd="0" destOrd="0" presId="urn:microsoft.com/office/officeart/2005/8/layout/vList5"/>
+    <dgm:cxn modelId="{EBD17141-10C9-4DF5-9653-D0260B0BF35F}" type="presParOf" srcId="{9513674C-AEA2-4847-931E-01A1D8F6BA8F}" destId="{1D753664-E28A-414C-A8F3-84ECB19FBCBD}" srcOrd="1" destOrd="0" presId="urn:microsoft.com/office/officeart/2005/8/layout/vList5"/>
+    <dgm:cxn modelId="{3D78D5C0-6ABC-434F-8627-8BEF2B659952}" type="presParOf" srcId="{150AD9B8-7707-43C7-BDE9-7CE793F17E26}" destId="{EDDCDE13-D88A-4409-9F52-33F38922A61A}" srcOrd="1" destOrd="0" presId="urn:microsoft.com/office/officeart/2005/8/layout/vList5"/>
+    <dgm:cxn modelId="{6105FF47-0795-40FB-AAB3-5A05151A26F3}" type="presParOf" srcId="{150AD9B8-7707-43C7-BDE9-7CE793F17E26}" destId="{55D96509-749C-423A-BD01-509704EA4312}" srcOrd="2" destOrd="0" presId="urn:microsoft.com/office/officeart/2005/8/layout/vList5"/>
+    <dgm:cxn modelId="{1FB9F098-6FE5-49B0-992C-C3CC17558156}" type="presParOf" srcId="{55D96509-749C-423A-BD01-509704EA4312}" destId="{8921706E-77A1-446F-8A73-63442EC15A0D}" srcOrd="0" destOrd="0" presId="urn:microsoft.com/office/officeart/2005/8/layout/vList5"/>
+    <dgm:cxn modelId="{FCE527C4-A0AE-470B-B097-CE7AAFDDC2A2}" type="presParOf" srcId="{55D96509-749C-423A-BD01-509704EA4312}" destId="{457A1AD1-0509-4553-9AB1-74D7909A2999}" srcOrd="1" destOrd="0" presId="urn:microsoft.com/office/officeart/2005/8/layout/vList5"/>
+    <dgm:cxn modelId="{EB7B5983-A452-4223-82A6-778B040777AD}" type="presParOf" srcId="{150AD9B8-7707-43C7-BDE9-7CE793F17E26}" destId="{4E285138-1944-40CC-9CD2-FA47C37A9349}" srcOrd="3" destOrd="0" presId="urn:microsoft.com/office/officeart/2005/8/layout/vList5"/>
+    <dgm:cxn modelId="{708E595E-579E-4650-BD5B-7CC6AF654ED8}" type="presParOf" srcId="{150AD9B8-7707-43C7-BDE9-7CE793F17E26}" destId="{353BED5C-9974-468A-9E70-ADD9D2FADCD4}" srcOrd="4" destOrd="0" presId="urn:microsoft.com/office/officeart/2005/8/layout/vList5"/>
+    <dgm:cxn modelId="{90A918E4-81CA-41ED-BA5C-9D8666CB4792}" type="presParOf" srcId="{353BED5C-9974-468A-9E70-ADD9D2FADCD4}" destId="{4AEE90B3-497A-4A51-9FF4-424FDBDE4267}" srcOrd="0" destOrd="0" presId="urn:microsoft.com/office/officeart/2005/8/layout/vList5"/>
+    <dgm:cxn modelId="{57A8A076-0640-443A-BF78-E35602F0C17F}" type="presParOf" srcId="{353BED5C-9974-468A-9E70-ADD9D2FADCD4}" destId="{A978F154-D45F-49FC-A8C1-ACD0797C9F9E}" srcOrd="1" destOrd="0" presId="urn:microsoft.com/office/officeart/2005/8/layout/vList5"/>
   </dgm:cxnLst>
   <dgm:bg/>
   <dgm:whole/>
@@ -13764,6 +14973,546 @@
 </dsp:drawing>
 </file>
 
+<file path=ppt/diagrams/drawing7.xml><?xml version="1.0" encoding="utf-8"?>
+<dsp:drawing xmlns:dgm="http://schemas.openxmlformats.org/drawingml/2006/diagram" xmlns:dsp="http://schemas.microsoft.com/office/drawing/2008/diagram" xmlns:a="http://schemas.openxmlformats.org/drawingml/2006/main">
+  <dsp:spTree>
+    <dsp:nvGrpSpPr>
+      <dsp:cNvPr id="0" name=""/>
+      <dsp:cNvGrpSpPr/>
+    </dsp:nvGrpSpPr>
+    <dsp:grpSpPr/>
+    <dsp:sp modelId="{1D753664-E28A-414C-A8F3-84ECB19FBCBD}">
+      <dsp:nvSpPr>
+        <dsp:cNvPr id="0" name=""/>
+        <dsp:cNvSpPr/>
+      </dsp:nvSpPr>
+      <dsp:spPr>
+        <a:xfrm rot="5400000">
+          <a:off x="6137533" y="-2516381"/>
+          <a:ext cx="949615" cy="6223379"/>
+        </a:xfrm>
+        <a:prstGeom prst="round2SameRect">
+          <a:avLst/>
+        </a:prstGeom>
+        <a:solidFill>
+          <a:schemeClr val="accent1">
+            <a:alpha val="90000"/>
+            <a:tint val="40000"/>
+            <a:hueOff val="0"/>
+            <a:satOff val="0"/>
+            <a:lumOff val="0"/>
+            <a:alphaOff val="0"/>
+          </a:schemeClr>
+        </a:solidFill>
+        <a:ln w="19050" cap="flat" cmpd="sng" algn="ctr">
+          <a:solidFill>
+            <a:schemeClr val="accent1">
+              <a:alpha val="90000"/>
+              <a:tint val="40000"/>
+              <a:hueOff val="0"/>
+              <a:satOff val="0"/>
+              <a:lumOff val="0"/>
+              <a:alphaOff val="0"/>
+            </a:schemeClr>
+          </a:solidFill>
+          <a:prstDash val="solid"/>
+          <a:miter lim="800000"/>
+        </a:ln>
+        <a:effectLst/>
+      </dsp:spPr>
+      <dsp:style>
+        <a:lnRef idx="2">
+          <a:scrgbClr r="0" g="0" b="0"/>
+        </a:lnRef>
+        <a:fillRef idx="1">
+          <a:scrgbClr r="0" g="0" b="0"/>
+        </a:fillRef>
+        <a:effectRef idx="0">
+          <a:scrgbClr r="0" g="0" b="0"/>
+        </a:effectRef>
+        <a:fontRef idx="minor"/>
+      </dsp:style>
+      <dsp:txBody>
+        <a:bodyPr spcFirstLastPara="0" vert="horz" wrap="square" lIns="60960" tIns="30480" rIns="60960" bIns="30480" numCol="1" spcCol="1270" anchor="ctr" anchorCtr="0">
+          <a:noAutofit/>
+        </a:bodyPr>
+        <a:lstStyle/>
+        <a:p>
+          <a:pPr marL="171450" lvl="1" indent="-171450" algn="l" defTabSz="711200">
+            <a:lnSpc>
+              <a:spcPct val="90000"/>
+            </a:lnSpc>
+            <a:spcBef>
+              <a:spcPct val="0"/>
+            </a:spcBef>
+            <a:spcAft>
+              <a:spcPct val="15000"/>
+            </a:spcAft>
+            <a:buChar char="•"/>
+          </a:pPr>
+          <a:r>
+            <a:rPr lang="en-US" sz="1600" kern="1200"/>
+            <a:t>Identifying arrest causes and patterns is a complex challenge</a:t>
+          </a:r>
+        </a:p>
+        <a:p>
+          <a:pPr marL="171450" lvl="1" indent="-171450" algn="l" defTabSz="711200">
+            <a:lnSpc>
+              <a:spcPct val="90000"/>
+            </a:lnSpc>
+            <a:spcBef>
+              <a:spcPct val="0"/>
+            </a:spcBef>
+            <a:spcAft>
+              <a:spcPct val="15000"/>
+            </a:spcAft>
+            <a:buChar char="•"/>
+          </a:pPr>
+          <a:r>
+            <a:rPr lang="en-US" sz="1600" kern="1200"/>
+            <a:t>Predictive modeling is well-suited to generate insights</a:t>
+          </a:r>
+        </a:p>
+      </dsp:txBody>
+      <dsp:txXfrm rot="-5400000">
+        <a:off x="3500651" y="166857"/>
+        <a:ext cx="6177023" cy="856903"/>
+      </dsp:txXfrm>
+    </dsp:sp>
+    <dsp:sp modelId="{BCD0504D-C3DE-42F6-8080-D37ACAFD6143}">
+      <dsp:nvSpPr>
+        <dsp:cNvPr id="0" name=""/>
+        <dsp:cNvSpPr/>
+      </dsp:nvSpPr>
+      <dsp:spPr>
+        <a:xfrm>
+          <a:off x="0" y="1798"/>
+          <a:ext cx="3500651" cy="1187019"/>
+        </a:xfrm>
+        <a:prstGeom prst="roundRect">
+          <a:avLst/>
+        </a:prstGeom>
+        <a:solidFill>
+          <a:schemeClr val="accent1">
+            <a:hueOff val="0"/>
+            <a:satOff val="0"/>
+            <a:lumOff val="0"/>
+            <a:alphaOff val="0"/>
+          </a:schemeClr>
+        </a:solidFill>
+        <a:ln w="19050" cap="flat" cmpd="sng" algn="ctr">
+          <a:solidFill>
+            <a:schemeClr val="lt1">
+              <a:hueOff val="0"/>
+              <a:satOff val="0"/>
+              <a:lumOff val="0"/>
+              <a:alphaOff val="0"/>
+            </a:schemeClr>
+          </a:solidFill>
+          <a:prstDash val="solid"/>
+          <a:miter lim="800000"/>
+        </a:ln>
+        <a:effectLst/>
+      </dsp:spPr>
+      <dsp:style>
+        <a:lnRef idx="2">
+          <a:scrgbClr r="0" g="0" b="0"/>
+        </a:lnRef>
+        <a:fillRef idx="1">
+          <a:scrgbClr r="0" g="0" b="0"/>
+        </a:fillRef>
+        <a:effectRef idx="0">
+          <a:scrgbClr r="0" g="0" b="0"/>
+        </a:effectRef>
+        <a:fontRef idx="minor">
+          <a:schemeClr val="lt1"/>
+        </a:fontRef>
+      </dsp:style>
+      <dsp:txBody>
+        <a:bodyPr spcFirstLastPara="0" vert="horz" wrap="square" lIns="125730" tIns="62865" rIns="125730" bIns="62865" numCol="1" spcCol="1270" anchor="ctr" anchorCtr="0">
+          <a:noAutofit/>
+        </a:bodyPr>
+        <a:lstStyle/>
+        <a:p>
+          <a:pPr marL="0" lvl="0" indent="0" algn="ctr" defTabSz="1466850">
+            <a:lnSpc>
+              <a:spcPct val="90000"/>
+            </a:lnSpc>
+            <a:spcBef>
+              <a:spcPct val="0"/>
+            </a:spcBef>
+            <a:spcAft>
+              <a:spcPct val="35000"/>
+            </a:spcAft>
+            <a:buNone/>
+          </a:pPr>
+          <a:r>
+            <a:rPr lang="en-US" sz="3300" kern="1200"/>
+            <a:t>Understanding Arrest Patterns</a:t>
+          </a:r>
+        </a:p>
+      </dsp:txBody>
+      <dsp:txXfrm>
+        <a:off x="57945" y="59743"/>
+        <a:ext cx="3384761" cy="1071129"/>
+      </dsp:txXfrm>
+    </dsp:sp>
+    <dsp:sp modelId="{457A1AD1-0509-4553-9AB1-74D7909A2999}">
+      <dsp:nvSpPr>
+        <dsp:cNvPr id="0" name=""/>
+        <dsp:cNvSpPr/>
+      </dsp:nvSpPr>
+      <dsp:spPr>
+        <a:xfrm rot="5400000">
+          <a:off x="6137533" y="-1270010"/>
+          <a:ext cx="949615" cy="6223379"/>
+        </a:xfrm>
+        <a:prstGeom prst="round2SameRect">
+          <a:avLst/>
+        </a:prstGeom>
+        <a:solidFill>
+          <a:schemeClr val="accent1">
+            <a:alpha val="90000"/>
+            <a:tint val="40000"/>
+            <a:hueOff val="0"/>
+            <a:satOff val="0"/>
+            <a:lumOff val="0"/>
+            <a:alphaOff val="0"/>
+          </a:schemeClr>
+        </a:solidFill>
+        <a:ln w="19050" cap="flat" cmpd="sng" algn="ctr">
+          <a:solidFill>
+            <a:schemeClr val="accent1">
+              <a:alpha val="90000"/>
+              <a:tint val="40000"/>
+              <a:hueOff val="0"/>
+              <a:satOff val="0"/>
+              <a:lumOff val="0"/>
+              <a:alphaOff val="0"/>
+            </a:schemeClr>
+          </a:solidFill>
+          <a:prstDash val="solid"/>
+          <a:miter lim="800000"/>
+        </a:ln>
+        <a:effectLst/>
+      </dsp:spPr>
+      <dsp:style>
+        <a:lnRef idx="2">
+          <a:scrgbClr r="0" g="0" b="0"/>
+        </a:lnRef>
+        <a:fillRef idx="1">
+          <a:scrgbClr r="0" g="0" b="0"/>
+        </a:fillRef>
+        <a:effectRef idx="0">
+          <a:scrgbClr r="0" g="0" b="0"/>
+        </a:effectRef>
+        <a:fontRef idx="minor"/>
+      </dsp:style>
+      <dsp:txBody>
+        <a:bodyPr spcFirstLastPara="0" vert="horz" wrap="square" lIns="60960" tIns="30480" rIns="60960" bIns="30480" numCol="1" spcCol="1270" anchor="ctr" anchorCtr="0">
+          <a:noAutofit/>
+        </a:bodyPr>
+        <a:lstStyle/>
+        <a:p>
+          <a:pPr marL="171450" lvl="1" indent="-171450" algn="l" defTabSz="711200">
+            <a:lnSpc>
+              <a:spcPct val="90000"/>
+            </a:lnSpc>
+            <a:spcBef>
+              <a:spcPct val="0"/>
+            </a:spcBef>
+            <a:spcAft>
+              <a:spcPct val="15000"/>
+            </a:spcAft>
+            <a:buChar char="•"/>
+          </a:pPr>
+          <a:r>
+            <a:rPr lang="en-US" sz="1600" kern="1200"/>
+            <a:t>Supports data-driven safety strategies</a:t>
+          </a:r>
+        </a:p>
+        <a:p>
+          <a:pPr marL="171450" lvl="1" indent="-171450" algn="l" defTabSz="711200">
+            <a:lnSpc>
+              <a:spcPct val="90000"/>
+            </a:lnSpc>
+            <a:spcBef>
+              <a:spcPct val="0"/>
+            </a:spcBef>
+            <a:spcAft>
+              <a:spcPct val="15000"/>
+            </a:spcAft>
+            <a:buChar char="•"/>
+          </a:pPr>
+          <a:r>
+            <a:rPr lang="en-US" sz="1600" kern="1200"/>
+            <a:t>Potential for more effective police resource allocation</a:t>
+          </a:r>
+        </a:p>
+      </dsp:txBody>
+      <dsp:txXfrm rot="-5400000">
+        <a:off x="3500651" y="1413228"/>
+        <a:ext cx="6177023" cy="856903"/>
+      </dsp:txXfrm>
+    </dsp:sp>
+    <dsp:sp modelId="{8921706E-77A1-446F-8A73-63442EC15A0D}">
+      <dsp:nvSpPr>
+        <dsp:cNvPr id="0" name=""/>
+        <dsp:cNvSpPr/>
+      </dsp:nvSpPr>
+      <dsp:spPr>
+        <a:xfrm>
+          <a:off x="0" y="1248169"/>
+          <a:ext cx="3500651" cy="1187019"/>
+        </a:xfrm>
+        <a:prstGeom prst="roundRect">
+          <a:avLst/>
+        </a:prstGeom>
+        <a:solidFill>
+          <a:schemeClr val="accent1">
+            <a:hueOff val="0"/>
+            <a:satOff val="0"/>
+            <a:lumOff val="0"/>
+            <a:alphaOff val="0"/>
+          </a:schemeClr>
+        </a:solidFill>
+        <a:ln w="19050" cap="flat" cmpd="sng" algn="ctr">
+          <a:solidFill>
+            <a:schemeClr val="lt1">
+              <a:hueOff val="0"/>
+              <a:satOff val="0"/>
+              <a:lumOff val="0"/>
+              <a:alphaOff val="0"/>
+            </a:schemeClr>
+          </a:solidFill>
+          <a:prstDash val="solid"/>
+          <a:miter lim="800000"/>
+        </a:ln>
+        <a:effectLst/>
+      </dsp:spPr>
+      <dsp:style>
+        <a:lnRef idx="2">
+          <a:scrgbClr r="0" g="0" b="0"/>
+        </a:lnRef>
+        <a:fillRef idx="1">
+          <a:scrgbClr r="0" g="0" b="0"/>
+        </a:fillRef>
+        <a:effectRef idx="0">
+          <a:scrgbClr r="0" g="0" b="0"/>
+        </a:effectRef>
+        <a:fontRef idx="minor">
+          <a:schemeClr val="lt1"/>
+        </a:fontRef>
+      </dsp:style>
+      <dsp:txBody>
+        <a:bodyPr spcFirstLastPara="0" vert="horz" wrap="square" lIns="125730" tIns="62865" rIns="125730" bIns="62865" numCol="1" spcCol="1270" anchor="ctr" anchorCtr="0">
+          <a:noAutofit/>
+        </a:bodyPr>
+        <a:lstStyle/>
+        <a:p>
+          <a:pPr marL="0" lvl="0" indent="0" algn="ctr" defTabSz="1466850">
+            <a:lnSpc>
+              <a:spcPct val="90000"/>
+            </a:lnSpc>
+            <a:spcBef>
+              <a:spcPct val="0"/>
+            </a:spcBef>
+            <a:spcAft>
+              <a:spcPct val="35000"/>
+            </a:spcAft>
+            <a:buNone/>
+          </a:pPr>
+          <a:r>
+            <a:rPr lang="en-US" sz="3300" kern="1200"/>
+            <a:t>Real-World Impact</a:t>
+          </a:r>
+        </a:p>
+      </dsp:txBody>
+      <dsp:txXfrm>
+        <a:off x="57945" y="1306114"/>
+        <a:ext cx="3384761" cy="1071129"/>
+      </dsp:txXfrm>
+    </dsp:sp>
+    <dsp:sp modelId="{A978F154-D45F-49FC-A8C1-ACD0797C9F9E}">
+      <dsp:nvSpPr>
+        <dsp:cNvPr id="0" name=""/>
+        <dsp:cNvSpPr/>
+      </dsp:nvSpPr>
+      <dsp:spPr>
+        <a:xfrm rot="5400000">
+          <a:off x="6137533" y="-23640"/>
+          <a:ext cx="949615" cy="6223379"/>
+        </a:xfrm>
+        <a:prstGeom prst="round2SameRect">
+          <a:avLst/>
+        </a:prstGeom>
+        <a:solidFill>
+          <a:schemeClr val="accent1">
+            <a:alpha val="90000"/>
+            <a:tint val="40000"/>
+            <a:hueOff val="0"/>
+            <a:satOff val="0"/>
+            <a:lumOff val="0"/>
+            <a:alphaOff val="0"/>
+          </a:schemeClr>
+        </a:solidFill>
+        <a:ln w="19050" cap="flat" cmpd="sng" algn="ctr">
+          <a:solidFill>
+            <a:schemeClr val="accent1">
+              <a:alpha val="90000"/>
+              <a:tint val="40000"/>
+              <a:hueOff val="0"/>
+              <a:satOff val="0"/>
+              <a:lumOff val="0"/>
+              <a:alphaOff val="0"/>
+            </a:schemeClr>
+          </a:solidFill>
+          <a:prstDash val="solid"/>
+          <a:miter lim="800000"/>
+        </a:ln>
+        <a:effectLst/>
+      </dsp:spPr>
+      <dsp:style>
+        <a:lnRef idx="2">
+          <a:scrgbClr r="0" g="0" b="0"/>
+        </a:lnRef>
+        <a:fillRef idx="1">
+          <a:scrgbClr r="0" g="0" b="0"/>
+        </a:fillRef>
+        <a:effectRef idx="0">
+          <a:scrgbClr r="0" g="0" b="0"/>
+        </a:effectRef>
+        <a:fontRef idx="minor"/>
+      </dsp:style>
+      <dsp:txBody>
+        <a:bodyPr spcFirstLastPara="0" vert="horz" wrap="square" lIns="60960" tIns="30480" rIns="60960" bIns="30480" numCol="1" spcCol="1270" anchor="ctr" anchorCtr="0">
+          <a:noAutofit/>
+        </a:bodyPr>
+        <a:lstStyle/>
+        <a:p>
+          <a:pPr marL="171450" lvl="1" indent="-171450" algn="l" defTabSz="711200">
+            <a:lnSpc>
+              <a:spcPct val="90000"/>
+            </a:lnSpc>
+            <a:spcBef>
+              <a:spcPct val="0"/>
+            </a:spcBef>
+            <a:spcAft>
+              <a:spcPct val="15000"/>
+            </a:spcAft>
+            <a:buChar char="•"/>
+          </a:pPr>
+          <a:r>
+            <a:rPr lang="en-US" sz="1600" kern="1200"/>
+            <a:t>Classification is just the surface level—proactive crime prevention is the ultimate goal</a:t>
+          </a:r>
+        </a:p>
+        <a:p>
+          <a:pPr marL="171450" lvl="1" indent="-171450" algn="l" defTabSz="711200">
+            <a:lnSpc>
+              <a:spcPct val="90000"/>
+            </a:lnSpc>
+            <a:spcBef>
+              <a:spcPct val="0"/>
+            </a:spcBef>
+            <a:spcAft>
+              <a:spcPct val="15000"/>
+            </a:spcAft>
+            <a:buChar char="•"/>
+          </a:pPr>
+          <a:r>
+            <a:rPr lang="en-US" sz="1600" kern="1200"/>
+            <a:t>Data science is very applicable to many real-world societal issues</a:t>
+          </a:r>
+        </a:p>
+      </dsp:txBody>
+      <dsp:txXfrm rot="-5400000">
+        <a:off x="3500651" y="2659598"/>
+        <a:ext cx="6177023" cy="856903"/>
+      </dsp:txXfrm>
+    </dsp:sp>
+    <dsp:sp modelId="{4AEE90B3-497A-4A51-9FF4-424FDBDE4267}">
+      <dsp:nvSpPr>
+        <dsp:cNvPr id="0" name=""/>
+        <dsp:cNvSpPr/>
+      </dsp:nvSpPr>
+      <dsp:spPr>
+        <a:xfrm>
+          <a:off x="0" y="2494539"/>
+          <a:ext cx="3500651" cy="1187019"/>
+        </a:xfrm>
+        <a:prstGeom prst="roundRect">
+          <a:avLst/>
+        </a:prstGeom>
+        <a:solidFill>
+          <a:schemeClr val="accent1">
+            <a:hueOff val="0"/>
+            <a:satOff val="0"/>
+            <a:lumOff val="0"/>
+            <a:alphaOff val="0"/>
+          </a:schemeClr>
+        </a:solidFill>
+        <a:ln w="19050" cap="flat" cmpd="sng" algn="ctr">
+          <a:solidFill>
+            <a:schemeClr val="lt1">
+              <a:hueOff val="0"/>
+              <a:satOff val="0"/>
+              <a:lumOff val="0"/>
+              <a:alphaOff val="0"/>
+            </a:schemeClr>
+          </a:solidFill>
+          <a:prstDash val="solid"/>
+          <a:miter lim="800000"/>
+        </a:ln>
+        <a:effectLst/>
+      </dsp:spPr>
+      <dsp:style>
+        <a:lnRef idx="2">
+          <a:scrgbClr r="0" g="0" b="0"/>
+        </a:lnRef>
+        <a:fillRef idx="1">
+          <a:scrgbClr r="0" g="0" b="0"/>
+        </a:fillRef>
+        <a:effectRef idx="0">
+          <a:scrgbClr r="0" g="0" b="0"/>
+        </a:effectRef>
+        <a:fontRef idx="minor">
+          <a:schemeClr val="lt1"/>
+        </a:fontRef>
+      </dsp:style>
+      <dsp:txBody>
+        <a:bodyPr spcFirstLastPara="0" vert="horz" wrap="square" lIns="125730" tIns="62865" rIns="125730" bIns="62865" numCol="1" spcCol="1270" anchor="ctr" anchorCtr="0">
+          <a:noAutofit/>
+        </a:bodyPr>
+        <a:lstStyle/>
+        <a:p>
+          <a:pPr marL="0" lvl="0" indent="0" algn="ctr" defTabSz="1466850">
+            <a:lnSpc>
+              <a:spcPct val="90000"/>
+            </a:lnSpc>
+            <a:spcBef>
+              <a:spcPct val="0"/>
+            </a:spcBef>
+            <a:spcAft>
+              <a:spcPct val="35000"/>
+            </a:spcAft>
+            <a:buNone/>
+          </a:pPr>
+          <a:r>
+            <a:rPr lang="en-US" sz="3300" kern="1200"/>
+            <a:t>Broader Implications</a:t>
+          </a:r>
+        </a:p>
+      </dsp:txBody>
+      <dsp:txXfrm>
+        <a:off x="57945" y="2552484"/>
+        <a:ext cx="3384761" cy="1071129"/>
+      </dsp:txXfrm>
+    </dsp:sp>
+  </dsp:spTree>
+</dsp:drawing>
+</file>
+
 <file path=ppt/diagrams/layout1.xml><?xml version="1.0" encoding="utf-8"?>
 <dgm:layoutDef xmlns:dgm="http://schemas.openxmlformats.org/drawingml/2006/diagram" xmlns:a="http://schemas.openxmlformats.org/drawingml/2006/main" uniqueId="urn:microsoft.com/office/officeart/2005/8/layout/default">
   <dgm:title val=""/>
@@ -14939,6 +16688,239 @@
 </dgm:layoutDef>
 </file>
 
+<file path=ppt/diagrams/layout7.xml><?xml version="1.0" encoding="utf-8"?>
+<dgm:layoutDef xmlns:dgm="http://schemas.openxmlformats.org/drawingml/2006/diagram" xmlns:a="http://schemas.openxmlformats.org/drawingml/2006/main" uniqueId="urn:microsoft.com/office/officeart/2005/8/layout/vList5">
+  <dgm:title val=""/>
+  <dgm:desc val=""/>
+  <dgm:catLst>
+    <dgm:cat type="list" pri="15000"/>
+    <dgm:cat type="convert" pri="2000"/>
+  </dgm:catLst>
+  <dgm:sampData>
+    <dgm:dataModel>
+      <dgm:ptLst>
+        <dgm:pt modelId="0" type="doc"/>
+        <dgm:pt modelId="1">
+          <dgm:prSet phldr="1"/>
+        </dgm:pt>
+        <dgm:pt modelId="11">
+          <dgm:prSet phldr="1"/>
+        </dgm:pt>
+        <dgm:pt modelId="12">
+          <dgm:prSet phldr="1"/>
+        </dgm:pt>
+        <dgm:pt modelId="2">
+          <dgm:prSet phldr="1"/>
+        </dgm:pt>
+        <dgm:pt modelId="21">
+          <dgm:prSet phldr="1"/>
+        </dgm:pt>
+        <dgm:pt modelId="22">
+          <dgm:prSet phldr="1"/>
+        </dgm:pt>
+        <dgm:pt modelId="3">
+          <dgm:prSet phldr="1"/>
+        </dgm:pt>
+        <dgm:pt modelId="31">
+          <dgm:prSet phldr="1"/>
+        </dgm:pt>
+        <dgm:pt modelId="32">
+          <dgm:prSet phldr="1"/>
+        </dgm:pt>
+      </dgm:ptLst>
+      <dgm:cxnLst>
+        <dgm:cxn modelId="4" srcId="0" destId="1" srcOrd="0" destOrd="0"/>
+        <dgm:cxn modelId="5" srcId="0" destId="2" srcOrd="1" destOrd="0"/>
+        <dgm:cxn modelId="6" srcId="0" destId="3" srcOrd="2" destOrd="0"/>
+        <dgm:cxn modelId="13" srcId="1" destId="11" srcOrd="0" destOrd="0"/>
+        <dgm:cxn modelId="14" srcId="1" destId="12" srcOrd="1" destOrd="0"/>
+        <dgm:cxn modelId="23" srcId="2" destId="21" srcOrd="0" destOrd="0"/>
+        <dgm:cxn modelId="24" srcId="2" destId="22" srcOrd="1" destOrd="0"/>
+        <dgm:cxn modelId="33" srcId="3" destId="31" srcOrd="0" destOrd="0"/>
+        <dgm:cxn modelId="34" srcId="3" destId="32" srcOrd="1" destOrd="0"/>
+      </dgm:cxnLst>
+      <dgm:bg/>
+      <dgm:whole/>
+    </dgm:dataModel>
+  </dgm:sampData>
+  <dgm:styleData>
+    <dgm:dataModel>
+      <dgm:ptLst>
+        <dgm:pt modelId="0" type="doc"/>
+        <dgm:pt modelId="1"/>
+        <dgm:pt modelId="11"/>
+        <dgm:pt modelId="2"/>
+        <dgm:pt modelId="21"/>
+      </dgm:ptLst>
+      <dgm:cxnLst>
+        <dgm:cxn modelId="4" srcId="0" destId="1" srcOrd="0" destOrd="0"/>
+        <dgm:cxn modelId="5" srcId="0" destId="2" srcOrd="1" destOrd="0"/>
+        <dgm:cxn modelId="13" srcId="1" destId="11" srcOrd="0" destOrd="0"/>
+        <dgm:cxn modelId="23" srcId="2" destId="21" srcOrd="0" destOrd="0"/>
+      </dgm:cxnLst>
+      <dgm:bg/>
+      <dgm:whole/>
+    </dgm:dataModel>
+  </dgm:styleData>
+  <dgm:clrData>
+    <dgm:dataModel>
+      <dgm:ptLst>
+        <dgm:pt modelId="0" type="doc"/>
+        <dgm:pt modelId="1"/>
+        <dgm:pt modelId="11"/>
+        <dgm:pt modelId="2"/>
+        <dgm:pt modelId="21"/>
+        <dgm:pt modelId="3"/>
+        <dgm:pt modelId="31"/>
+        <dgm:pt modelId="4"/>
+        <dgm:pt modelId="41"/>
+      </dgm:ptLst>
+      <dgm:cxnLst>
+        <dgm:cxn modelId="5" srcId="0" destId="1" srcOrd="0" destOrd="0"/>
+        <dgm:cxn modelId="6" srcId="0" destId="2" srcOrd="1" destOrd="0"/>
+        <dgm:cxn modelId="7" srcId="0" destId="3" srcOrd="2" destOrd="0"/>
+        <dgm:cxn modelId="8" srcId="0" destId="4" srcOrd="3" destOrd="0"/>
+        <dgm:cxn modelId="13" srcId="1" destId="11" srcOrd="0" destOrd="0"/>
+        <dgm:cxn modelId="23" srcId="2" destId="21" srcOrd="0" destOrd="0"/>
+        <dgm:cxn modelId="33" srcId="3" destId="31" srcOrd="0" destOrd="0"/>
+        <dgm:cxn modelId="43" srcId="4" destId="41" srcOrd="0" destOrd="0"/>
+      </dgm:cxnLst>
+      <dgm:bg/>
+      <dgm:whole/>
+    </dgm:dataModel>
+  </dgm:clrData>
+  <dgm:layoutNode name="Name0">
+    <dgm:varLst>
+      <dgm:dir/>
+      <dgm:animLvl val="lvl"/>
+      <dgm:resizeHandles val="exact"/>
+    </dgm:varLst>
+    <dgm:choose name="Name1">
+      <dgm:if name="Name2" func="var" arg="dir" op="equ" val="norm">
+        <dgm:alg type="lin">
+          <dgm:param type="linDir" val="fromT"/>
+          <dgm:param type="nodeHorzAlign" val="l"/>
+        </dgm:alg>
+      </dgm:if>
+      <dgm:else name="Name3">
+        <dgm:alg type="lin">
+          <dgm:param type="linDir" val="fromT"/>
+          <dgm:param type="nodeHorzAlign" val="r"/>
+        </dgm:alg>
+      </dgm:else>
+    </dgm:choose>
+    <dgm:shape xmlns:r="http://schemas.openxmlformats.org/officeDocument/2006/relationships" r:blip="">
+      <dgm:adjLst/>
+    </dgm:shape>
+    <dgm:presOf/>
+    <dgm:constrLst>
+      <dgm:constr type="h" for="ch" forName="linNode" refType="h"/>
+      <dgm:constr type="w" for="ch" forName="linNode" refType="w"/>
+      <dgm:constr type="h" for="ch" forName="sp" refType="h" fact="0.05"/>
+      <dgm:constr type="primFontSz" for="des" forName="parentText" op="equ" val="65"/>
+      <dgm:constr type="secFontSz" for="des" forName="descendantText" op="equ"/>
+    </dgm:constrLst>
+    <dgm:ruleLst/>
+    <dgm:forEach name="Name4" axis="ch" ptType="node">
+      <dgm:layoutNode name="linNode">
+        <dgm:choose name="Name5">
+          <dgm:if name="Name6" func="var" arg="dir" op="equ" val="norm">
+            <dgm:alg type="lin">
+              <dgm:param type="linDir" val="fromL"/>
+            </dgm:alg>
+          </dgm:if>
+          <dgm:else name="Name7">
+            <dgm:alg type="lin">
+              <dgm:param type="linDir" val="fromR"/>
+            </dgm:alg>
+          </dgm:else>
+        </dgm:choose>
+        <dgm:shape xmlns:r="http://schemas.openxmlformats.org/officeDocument/2006/relationships" r:blip="">
+          <dgm:adjLst/>
+        </dgm:shape>
+        <dgm:presOf/>
+        <dgm:constrLst>
+          <dgm:constr type="w" for="ch" forName="parentText" refType="w" fact="0.36"/>
+          <dgm:constr type="w" for="ch" forName="descendantText" refType="w" fact="0.64"/>
+          <dgm:constr type="h" for="ch" forName="parentText" refType="h"/>
+          <dgm:constr type="h" for="ch" forName="descendantText" refType="h" refFor="ch" refForName="parentText" fact="0.8"/>
+        </dgm:constrLst>
+        <dgm:ruleLst/>
+        <dgm:layoutNode name="parentText">
+          <dgm:varLst>
+            <dgm:chMax val="1"/>
+            <dgm:bulletEnabled val="1"/>
+          </dgm:varLst>
+          <dgm:alg type="tx"/>
+          <dgm:shape xmlns:r="http://schemas.openxmlformats.org/officeDocument/2006/relationships" type="roundRect" r:blip="" zOrderOff="3">
+            <dgm:adjLst/>
+          </dgm:shape>
+          <dgm:presOf axis="self" ptType="node"/>
+          <dgm:constrLst>
+            <dgm:constr type="tMarg" refType="primFontSz" fact="0.15"/>
+            <dgm:constr type="bMarg" refType="primFontSz" fact="0.15"/>
+            <dgm:constr type="lMarg" refType="primFontSz" fact="0.3"/>
+            <dgm:constr type="rMarg" refType="primFontSz" fact="0.3"/>
+          </dgm:constrLst>
+          <dgm:ruleLst>
+            <dgm:rule type="primFontSz" val="5" fact="NaN" max="NaN"/>
+          </dgm:ruleLst>
+        </dgm:layoutNode>
+        <dgm:choose name="Name8">
+          <dgm:if name="Name9" axis="ch" ptType="node" func="cnt" op="gte" val="1">
+            <dgm:layoutNode name="descendantText" styleLbl="alignAccFollowNode1">
+              <dgm:varLst>
+                <dgm:bulletEnabled val="1"/>
+              </dgm:varLst>
+              <dgm:alg type="tx">
+                <dgm:param type="stBulletLvl" val="1"/>
+                <dgm:param type="txAnchorVertCh" val="mid"/>
+              </dgm:alg>
+              <dgm:choose name="Name10">
+                <dgm:if name="Name11" func="var" arg="dir" op="equ" val="norm">
+                  <dgm:shape xmlns:r="http://schemas.openxmlformats.org/officeDocument/2006/relationships" rot="90" type="round2SameRect" r:blip="">
+                    <dgm:adjLst/>
+                  </dgm:shape>
+                </dgm:if>
+                <dgm:else name="Name12">
+                  <dgm:shape xmlns:r="http://schemas.openxmlformats.org/officeDocument/2006/relationships" rot="-90" type="round2SameRect" r:blip="">
+                    <dgm:adjLst/>
+                  </dgm:shape>
+                </dgm:else>
+              </dgm:choose>
+              <dgm:presOf axis="des" ptType="node"/>
+              <dgm:constrLst>
+                <dgm:constr type="secFontSz" val="65"/>
+                <dgm:constr type="primFontSz" refType="secFontSz"/>
+                <dgm:constr type="lMarg" refType="secFontSz" fact="0.3"/>
+                <dgm:constr type="rMarg" refType="secFontSz" fact="0.3"/>
+                <dgm:constr type="tMarg" refType="secFontSz" fact="0.15"/>
+                <dgm:constr type="bMarg" refType="secFontSz" fact="0.15"/>
+              </dgm:constrLst>
+              <dgm:ruleLst>
+                <dgm:rule type="secFontSz" val="5" fact="NaN" max="NaN"/>
+              </dgm:ruleLst>
+            </dgm:layoutNode>
+          </dgm:if>
+          <dgm:else name="Name13"/>
+        </dgm:choose>
+      </dgm:layoutNode>
+      <dgm:forEach name="Name14" axis="followSib" ptType="sibTrans" cnt="1">
+        <dgm:layoutNode name="sp">
+          <dgm:alg type="sp"/>
+          <dgm:shape xmlns:r="http://schemas.openxmlformats.org/officeDocument/2006/relationships" r:blip="">
+            <dgm:adjLst/>
+          </dgm:shape>
+          <dgm:presOf/>
+          <dgm:constrLst/>
+          <dgm:ruleLst/>
+        </dgm:layoutNode>
+      </dgm:forEach>
+    </dgm:forEach>
+  </dgm:layoutNode>
+</dgm:layoutDef>
+</file>
+
 <file path=ppt/diagrams/quickStyle1.xml><?xml version="1.0" encoding="utf-8"?>
 <dgm:styleDef xmlns:dgm="http://schemas.openxmlformats.org/drawingml/2006/diagram" xmlns:a="http://schemas.openxmlformats.org/drawingml/2006/main" uniqueId="urn:microsoft.com/office/officeart/2005/8/quickstyle/simple1">
   <dgm:title val=""/>
@@ -20110,6 +22092,1040 @@
 </file>
 
 <file path=ppt/diagrams/quickStyle6.xml><?xml version="1.0" encoding="utf-8"?>
+<dgm:styleDef xmlns:dgm="http://schemas.openxmlformats.org/drawingml/2006/diagram" xmlns:a="http://schemas.openxmlformats.org/drawingml/2006/main" uniqueId="urn:microsoft.com/office/officeart/2005/8/quickstyle/simple1">
+  <dgm:title val=""/>
+  <dgm:desc val=""/>
+  <dgm:catLst>
+    <dgm:cat type="simple" pri="10100"/>
+  </dgm:catLst>
+  <dgm:scene3d>
+    <a:camera prst="orthographicFront"/>
+    <a:lightRig rig="threePt" dir="t"/>
+  </dgm:scene3d>
+  <dgm:styleLbl name="node0">
+    <dgm:scene3d>
+      <a:camera prst="orthographicFront"/>
+      <a:lightRig rig="threePt" dir="t"/>
+    </dgm:scene3d>
+    <dgm:sp3d/>
+    <dgm:txPr/>
+    <dgm:style>
+      <a:lnRef idx="2">
+        <a:scrgbClr r="0" g="0" b="0"/>
+      </a:lnRef>
+      <a:fillRef idx="1">
+        <a:scrgbClr r="0" g="0" b="0"/>
+      </a:fillRef>
+      <a:effectRef idx="0">
+        <a:scrgbClr r="0" g="0" b="0"/>
+      </a:effectRef>
+      <a:fontRef idx="minor">
+        <a:schemeClr val="lt1"/>
+      </a:fontRef>
+    </dgm:style>
+  </dgm:styleLbl>
+  <dgm:styleLbl name="lnNode1">
+    <dgm:scene3d>
+      <a:camera prst="orthographicFront"/>
+      <a:lightRig rig="threePt" dir="t"/>
+    </dgm:scene3d>
+    <dgm:sp3d/>
+    <dgm:txPr/>
+    <dgm:style>
+      <a:lnRef idx="2">
+        <a:scrgbClr r="0" g="0" b="0"/>
+      </a:lnRef>
+      <a:fillRef idx="1">
+        <a:scrgbClr r="0" g="0" b="0"/>
+      </a:fillRef>
+      <a:effectRef idx="0">
+        <a:scrgbClr r="0" g="0" b="0"/>
+      </a:effectRef>
+      <a:fontRef idx="minor">
+        <a:schemeClr val="lt1"/>
+      </a:fontRef>
+    </dgm:style>
+  </dgm:styleLbl>
+  <dgm:styleLbl name="vennNode1">
+    <dgm:scene3d>
+      <a:camera prst="orthographicFront"/>
+      <a:lightRig rig="threePt" dir="t"/>
+    </dgm:scene3d>
+    <dgm:sp3d/>
+    <dgm:txPr/>
+    <dgm:style>
+      <a:lnRef idx="2">
+        <a:scrgbClr r="0" g="0" b="0"/>
+      </a:lnRef>
+      <a:fillRef idx="1">
+        <a:scrgbClr r="0" g="0" b="0"/>
+      </a:fillRef>
+      <a:effectRef idx="0">
+        <a:scrgbClr r="0" g="0" b="0"/>
+      </a:effectRef>
+      <a:fontRef idx="minor">
+        <a:schemeClr val="tx1"/>
+      </a:fontRef>
+    </dgm:style>
+  </dgm:styleLbl>
+  <dgm:styleLbl name="alignNode1">
+    <dgm:scene3d>
+      <a:camera prst="orthographicFront"/>
+      <a:lightRig rig="threePt" dir="t"/>
+    </dgm:scene3d>
+    <dgm:sp3d/>
+    <dgm:txPr/>
+    <dgm:style>
+      <a:lnRef idx="2">
+        <a:scrgbClr r="0" g="0" b="0"/>
+      </a:lnRef>
+      <a:fillRef idx="1">
+        <a:scrgbClr r="0" g="0" b="0"/>
+      </a:fillRef>
+      <a:effectRef idx="0">
+        <a:scrgbClr r="0" g="0" b="0"/>
+      </a:effectRef>
+      <a:fontRef idx="minor">
+        <a:schemeClr val="lt1"/>
+      </a:fontRef>
+    </dgm:style>
+  </dgm:styleLbl>
+  <dgm:styleLbl name="node1">
+    <dgm:scene3d>
+      <a:camera prst="orthographicFront"/>
+      <a:lightRig rig="threePt" dir="t"/>
+    </dgm:scene3d>
+    <dgm:sp3d/>
+    <dgm:txPr/>
+    <dgm:style>
+      <a:lnRef idx="2">
+        <a:scrgbClr r="0" g="0" b="0"/>
+      </a:lnRef>
+      <a:fillRef idx="1">
+        <a:scrgbClr r="0" g="0" b="0"/>
+      </a:fillRef>
+      <a:effectRef idx="0">
+        <a:scrgbClr r="0" g="0" b="0"/>
+      </a:effectRef>
+      <a:fontRef idx="minor">
+        <a:schemeClr val="lt1"/>
+      </a:fontRef>
+    </dgm:style>
+  </dgm:styleLbl>
+  <dgm:styleLbl name="node2">
+    <dgm:scene3d>
+      <a:camera prst="orthographicFront"/>
+      <a:lightRig rig="threePt" dir="t"/>
+    </dgm:scene3d>
+    <dgm:sp3d/>
+    <dgm:txPr/>
+    <dgm:style>
+      <a:lnRef idx="2">
+        <a:scrgbClr r="0" g="0" b="0"/>
+      </a:lnRef>
+      <a:fillRef idx="1">
+        <a:scrgbClr r="0" g="0" b="0"/>
+      </a:fillRef>
+      <a:effectRef idx="0">
+        <a:scrgbClr r="0" g="0" b="0"/>
+      </a:effectRef>
+      <a:fontRef idx="minor">
+        <a:schemeClr val="lt1"/>
+      </a:fontRef>
+    </dgm:style>
+  </dgm:styleLbl>
+  <dgm:styleLbl name="node3">
+    <dgm:scene3d>
+      <a:camera prst="orthographicFront"/>
+      <a:lightRig rig="threePt" dir="t"/>
+    </dgm:scene3d>
+    <dgm:sp3d/>
+    <dgm:txPr/>
+    <dgm:style>
+      <a:lnRef idx="2">
+        <a:scrgbClr r="0" g="0" b="0"/>
+      </a:lnRef>
+      <a:fillRef idx="1">
+        <a:scrgbClr r="0" g="0" b="0"/>
+      </a:fillRef>
+      <a:effectRef idx="0">
+        <a:scrgbClr r="0" g="0" b="0"/>
+      </a:effectRef>
+      <a:fontRef idx="minor">
+        <a:schemeClr val="lt1"/>
+      </a:fontRef>
+    </dgm:style>
+  </dgm:styleLbl>
+  <dgm:styleLbl name="node4">
+    <dgm:scene3d>
+      <a:camera prst="orthographicFront"/>
+      <a:lightRig rig="threePt" dir="t"/>
+    </dgm:scene3d>
+    <dgm:sp3d/>
+    <dgm:txPr/>
+    <dgm:style>
+      <a:lnRef idx="2">
+        <a:scrgbClr r="0" g="0" b="0"/>
+      </a:lnRef>
+      <a:fillRef idx="1">
+        <a:scrgbClr r="0" g="0" b="0"/>
+      </a:fillRef>
+      <a:effectRef idx="0">
+        <a:scrgbClr r="0" g="0" b="0"/>
+      </a:effectRef>
+      <a:fontRef idx="minor">
+        <a:schemeClr val="lt1"/>
+      </a:fontRef>
+    </dgm:style>
+  </dgm:styleLbl>
+  <dgm:styleLbl name="fgImgPlace1">
+    <dgm:scene3d>
+      <a:camera prst="orthographicFront"/>
+      <a:lightRig rig="threePt" dir="t"/>
+    </dgm:scene3d>
+    <dgm:sp3d/>
+    <dgm:txPr/>
+    <dgm:style>
+      <a:lnRef idx="2">
+        <a:scrgbClr r="0" g="0" b="0"/>
+      </a:lnRef>
+      <a:fillRef idx="1">
+        <a:scrgbClr r="0" g="0" b="0"/>
+      </a:fillRef>
+      <a:effectRef idx="0">
+        <a:scrgbClr r="0" g="0" b="0"/>
+      </a:effectRef>
+      <a:fontRef idx="minor"/>
+    </dgm:style>
+  </dgm:styleLbl>
+  <dgm:styleLbl name="alignImgPlace1">
+    <dgm:scene3d>
+      <a:camera prst="orthographicFront"/>
+      <a:lightRig rig="threePt" dir="t"/>
+    </dgm:scene3d>
+    <dgm:sp3d/>
+    <dgm:txPr/>
+    <dgm:style>
+      <a:lnRef idx="2">
+        <a:scrgbClr r="0" g="0" b="0"/>
+      </a:lnRef>
+      <a:fillRef idx="1">
+        <a:scrgbClr r="0" g="0" b="0"/>
+      </a:fillRef>
+      <a:effectRef idx="0">
+        <a:scrgbClr r="0" g="0" b="0"/>
+      </a:effectRef>
+      <a:fontRef idx="minor"/>
+    </dgm:style>
+  </dgm:styleLbl>
+  <dgm:styleLbl name="bgImgPlace1">
+    <dgm:scene3d>
+      <a:camera prst="orthographicFront"/>
+      <a:lightRig rig="threePt" dir="t"/>
+    </dgm:scene3d>
+    <dgm:sp3d/>
+    <dgm:txPr/>
+    <dgm:style>
+      <a:lnRef idx="2">
+        <a:scrgbClr r="0" g="0" b="0"/>
+      </a:lnRef>
+      <a:fillRef idx="1">
+        <a:scrgbClr r="0" g="0" b="0"/>
+      </a:fillRef>
+      <a:effectRef idx="0">
+        <a:scrgbClr r="0" g="0" b="0"/>
+      </a:effectRef>
+      <a:fontRef idx="minor"/>
+    </dgm:style>
+  </dgm:styleLbl>
+  <dgm:styleLbl name="sibTrans2D1">
+    <dgm:scene3d>
+      <a:camera prst="orthographicFront"/>
+      <a:lightRig rig="threePt" dir="t"/>
+    </dgm:scene3d>
+    <dgm:sp3d/>
+    <dgm:txPr/>
+    <dgm:style>
+      <a:lnRef idx="0">
+        <a:scrgbClr r="0" g="0" b="0"/>
+      </a:lnRef>
+      <a:fillRef idx="1">
+        <a:scrgbClr r="0" g="0" b="0"/>
+      </a:fillRef>
+      <a:effectRef idx="0">
+        <a:scrgbClr r="0" g="0" b="0"/>
+      </a:effectRef>
+      <a:fontRef idx="minor">
+        <a:schemeClr val="lt1"/>
+      </a:fontRef>
+    </dgm:style>
+  </dgm:styleLbl>
+  <dgm:styleLbl name="fgSibTrans2D1">
+    <dgm:scene3d>
+      <a:camera prst="orthographicFront"/>
+      <a:lightRig rig="threePt" dir="t"/>
+    </dgm:scene3d>
+    <dgm:sp3d/>
+    <dgm:txPr/>
+    <dgm:style>
+      <a:lnRef idx="0">
+        <a:scrgbClr r="0" g="0" b="0"/>
+      </a:lnRef>
+      <a:fillRef idx="1">
+        <a:scrgbClr r="0" g="0" b="0"/>
+      </a:fillRef>
+      <a:effectRef idx="0">
+        <a:scrgbClr r="0" g="0" b="0"/>
+      </a:effectRef>
+      <a:fontRef idx="minor">
+        <a:schemeClr val="lt1"/>
+      </a:fontRef>
+    </dgm:style>
+  </dgm:styleLbl>
+  <dgm:styleLbl name="bgSibTrans2D1">
+    <dgm:scene3d>
+      <a:camera prst="orthographicFront"/>
+      <a:lightRig rig="threePt" dir="t"/>
+    </dgm:scene3d>
+    <dgm:sp3d/>
+    <dgm:txPr/>
+    <dgm:style>
+      <a:lnRef idx="0">
+        <a:scrgbClr r="0" g="0" b="0"/>
+      </a:lnRef>
+      <a:fillRef idx="1">
+        <a:scrgbClr r="0" g="0" b="0"/>
+      </a:fillRef>
+      <a:effectRef idx="0">
+        <a:scrgbClr r="0" g="0" b="0"/>
+      </a:effectRef>
+      <a:fontRef idx="minor">
+        <a:schemeClr val="lt1"/>
+      </a:fontRef>
+    </dgm:style>
+  </dgm:styleLbl>
+  <dgm:styleLbl name="sibTrans1D1">
+    <dgm:scene3d>
+      <a:camera prst="orthographicFront"/>
+      <a:lightRig rig="threePt" dir="t"/>
+    </dgm:scene3d>
+    <dgm:sp3d/>
+    <dgm:txPr/>
+    <dgm:style>
+      <a:lnRef idx="1">
+        <a:scrgbClr r="0" g="0" b="0"/>
+      </a:lnRef>
+      <a:fillRef idx="0">
+        <a:scrgbClr r="0" g="0" b="0"/>
+      </a:fillRef>
+      <a:effectRef idx="0">
+        <a:scrgbClr r="0" g="0" b="0"/>
+      </a:effectRef>
+      <a:fontRef idx="minor"/>
+    </dgm:style>
+  </dgm:styleLbl>
+  <dgm:styleLbl name="callout">
+    <dgm:scene3d>
+      <a:camera prst="orthographicFront"/>
+      <a:lightRig rig="threePt" dir="t"/>
+    </dgm:scene3d>
+    <dgm:sp3d/>
+    <dgm:txPr/>
+    <dgm:style>
+      <a:lnRef idx="2">
+        <a:scrgbClr r="0" g="0" b="0"/>
+      </a:lnRef>
+      <a:fillRef idx="1">
+        <a:scrgbClr r="0" g="0" b="0"/>
+      </a:fillRef>
+      <a:effectRef idx="0">
+        <a:scrgbClr r="0" g="0" b="0"/>
+      </a:effectRef>
+      <a:fontRef idx="minor"/>
+    </dgm:style>
+  </dgm:styleLbl>
+  <dgm:styleLbl name="asst0">
+    <dgm:scene3d>
+      <a:camera prst="orthographicFront"/>
+      <a:lightRig rig="threePt" dir="t"/>
+    </dgm:scene3d>
+    <dgm:sp3d/>
+    <dgm:txPr/>
+    <dgm:style>
+      <a:lnRef idx="2">
+        <a:scrgbClr r="0" g="0" b="0"/>
+      </a:lnRef>
+      <a:fillRef idx="1">
+        <a:scrgbClr r="0" g="0" b="0"/>
+      </a:fillRef>
+      <a:effectRef idx="0">
+        <a:scrgbClr r="0" g="0" b="0"/>
+      </a:effectRef>
+      <a:fontRef idx="minor">
+        <a:schemeClr val="lt1"/>
+      </a:fontRef>
+    </dgm:style>
+  </dgm:styleLbl>
+  <dgm:styleLbl name="asst1">
+    <dgm:scene3d>
+      <a:camera prst="orthographicFront"/>
+      <a:lightRig rig="threePt" dir="t"/>
+    </dgm:scene3d>
+    <dgm:sp3d/>
+    <dgm:txPr/>
+    <dgm:style>
+      <a:lnRef idx="2">
+        <a:scrgbClr r="0" g="0" b="0"/>
+      </a:lnRef>
+      <a:fillRef idx="1">
+        <a:scrgbClr r="0" g="0" b="0"/>
+      </a:fillRef>
+      <a:effectRef idx="0">
+        <a:scrgbClr r="0" g="0" b="0"/>
+      </a:effectRef>
+      <a:fontRef idx="minor">
+        <a:schemeClr val="lt1"/>
+      </a:fontRef>
+    </dgm:style>
+  </dgm:styleLbl>
+  <dgm:styleLbl name="asst2">
+    <dgm:scene3d>
+      <a:camera prst="orthographicFront"/>
+      <a:lightRig rig="threePt" dir="t"/>
+    </dgm:scene3d>
+    <dgm:sp3d/>
+    <dgm:txPr/>
+    <dgm:style>
+      <a:lnRef idx="2">
+        <a:scrgbClr r="0" g="0" b="0"/>
+      </a:lnRef>
+      <a:fillRef idx="1">
+        <a:scrgbClr r="0" g="0" b="0"/>
+      </a:fillRef>
+      <a:effectRef idx="0">
+        <a:scrgbClr r="0" g="0" b="0"/>
+      </a:effectRef>
+      <a:fontRef idx="minor">
+        <a:schemeClr val="lt1"/>
+      </a:fontRef>
+    </dgm:style>
+  </dgm:styleLbl>
+  <dgm:styleLbl name="asst3">
+    <dgm:scene3d>
+      <a:camera prst="orthographicFront"/>
+      <a:lightRig rig="threePt" dir="t"/>
+    </dgm:scene3d>
+    <dgm:sp3d/>
+    <dgm:txPr/>
+    <dgm:style>
+      <a:lnRef idx="2">
+        <a:scrgbClr r="0" g="0" b="0"/>
+      </a:lnRef>
+      <a:fillRef idx="1">
+        <a:scrgbClr r="0" g="0" b="0"/>
+      </a:fillRef>
+      <a:effectRef idx="0">
+        <a:scrgbClr r="0" g="0" b="0"/>
+      </a:effectRef>
+      <a:fontRef idx="minor">
+        <a:schemeClr val="lt1"/>
+      </a:fontRef>
+    </dgm:style>
+  </dgm:styleLbl>
+  <dgm:styleLbl name="asst4">
+    <dgm:scene3d>
+      <a:camera prst="orthographicFront"/>
+      <a:lightRig rig="threePt" dir="t"/>
+    </dgm:scene3d>
+    <dgm:sp3d/>
+    <dgm:txPr/>
+    <dgm:style>
+      <a:lnRef idx="2">
+        <a:scrgbClr r="0" g="0" b="0"/>
+      </a:lnRef>
+      <a:fillRef idx="1">
+        <a:scrgbClr r="0" g="0" b="0"/>
+      </a:fillRef>
+      <a:effectRef idx="0">
+        <a:scrgbClr r="0" g="0" b="0"/>
+      </a:effectRef>
+      <a:fontRef idx="minor">
+        <a:schemeClr val="lt1"/>
+      </a:fontRef>
+    </dgm:style>
+  </dgm:styleLbl>
+  <dgm:styleLbl name="parChTrans2D1">
+    <dgm:scene3d>
+      <a:camera prst="orthographicFront"/>
+      <a:lightRig rig="threePt" dir="t"/>
+    </dgm:scene3d>
+    <dgm:sp3d/>
+    <dgm:txPr/>
+    <dgm:style>
+      <a:lnRef idx="2">
+        <a:scrgbClr r="0" g="0" b="0"/>
+      </a:lnRef>
+      <a:fillRef idx="1">
+        <a:scrgbClr r="0" g="0" b="0"/>
+      </a:fillRef>
+      <a:effectRef idx="0">
+        <a:scrgbClr r="0" g="0" b="0"/>
+      </a:effectRef>
+      <a:fontRef idx="minor">
+        <a:schemeClr val="lt1"/>
+      </a:fontRef>
+    </dgm:style>
+  </dgm:styleLbl>
+  <dgm:styleLbl name="parChTrans2D2">
+    <dgm:scene3d>
+      <a:camera prst="orthographicFront"/>
+      <a:lightRig rig="threePt" dir="t"/>
+    </dgm:scene3d>
+    <dgm:sp3d/>
+    <dgm:txPr/>
+    <dgm:style>
+      <a:lnRef idx="2">
+        <a:scrgbClr r="0" g="0" b="0"/>
+      </a:lnRef>
+      <a:fillRef idx="1">
+        <a:scrgbClr r="0" g="0" b="0"/>
+      </a:fillRef>
+      <a:effectRef idx="0">
+        <a:scrgbClr r="0" g="0" b="0"/>
+      </a:effectRef>
+      <a:fontRef idx="minor">
+        <a:schemeClr val="lt1"/>
+      </a:fontRef>
+    </dgm:style>
+  </dgm:styleLbl>
+  <dgm:styleLbl name="parChTrans2D3">
+    <dgm:scene3d>
+      <a:camera prst="orthographicFront"/>
+      <a:lightRig rig="threePt" dir="t"/>
+    </dgm:scene3d>
+    <dgm:sp3d/>
+    <dgm:txPr/>
+    <dgm:style>
+      <a:lnRef idx="2">
+        <a:scrgbClr r="0" g="0" b="0"/>
+      </a:lnRef>
+      <a:fillRef idx="1">
+        <a:scrgbClr r="0" g="0" b="0"/>
+      </a:fillRef>
+      <a:effectRef idx="0">
+        <a:scrgbClr r="0" g="0" b="0"/>
+      </a:effectRef>
+      <a:fontRef idx="minor">
+        <a:schemeClr val="lt1"/>
+      </a:fontRef>
+    </dgm:style>
+  </dgm:styleLbl>
+  <dgm:styleLbl name="parChTrans2D4">
+    <dgm:scene3d>
+      <a:camera prst="orthographicFront"/>
+      <a:lightRig rig="threePt" dir="t"/>
+    </dgm:scene3d>
+    <dgm:sp3d/>
+    <dgm:txPr/>
+    <dgm:style>
+      <a:lnRef idx="2">
+        <a:scrgbClr r="0" g="0" b="0"/>
+      </a:lnRef>
+      <a:fillRef idx="1">
+        <a:scrgbClr r="0" g="0" b="0"/>
+      </a:fillRef>
+      <a:effectRef idx="0">
+        <a:scrgbClr r="0" g="0" b="0"/>
+      </a:effectRef>
+      <a:fontRef idx="minor">
+        <a:schemeClr val="lt1"/>
+      </a:fontRef>
+    </dgm:style>
+  </dgm:styleLbl>
+  <dgm:styleLbl name="parChTrans1D1">
+    <dgm:scene3d>
+      <a:camera prst="orthographicFront"/>
+      <a:lightRig rig="threePt" dir="t"/>
+    </dgm:scene3d>
+    <dgm:sp3d/>
+    <dgm:txPr/>
+    <dgm:style>
+      <a:lnRef idx="2">
+        <a:scrgbClr r="0" g="0" b="0"/>
+      </a:lnRef>
+      <a:fillRef idx="0">
+        <a:scrgbClr r="0" g="0" b="0"/>
+      </a:fillRef>
+      <a:effectRef idx="0">
+        <a:scrgbClr r="0" g="0" b="0"/>
+      </a:effectRef>
+      <a:fontRef idx="minor"/>
+    </dgm:style>
+  </dgm:styleLbl>
+  <dgm:styleLbl name="parChTrans1D2">
+    <dgm:scene3d>
+      <a:camera prst="orthographicFront"/>
+      <a:lightRig rig="threePt" dir="t"/>
+    </dgm:scene3d>
+    <dgm:sp3d/>
+    <dgm:txPr/>
+    <dgm:style>
+      <a:lnRef idx="2">
+        <a:scrgbClr r="0" g="0" b="0"/>
+      </a:lnRef>
+      <a:fillRef idx="0">
+        <a:scrgbClr r="0" g="0" b="0"/>
+      </a:fillRef>
+      <a:effectRef idx="0">
+        <a:scrgbClr r="0" g="0" b="0"/>
+      </a:effectRef>
+      <a:fontRef idx="minor"/>
+    </dgm:style>
+  </dgm:styleLbl>
+  <dgm:styleLbl name="parChTrans1D3">
+    <dgm:scene3d>
+      <a:camera prst="orthographicFront"/>
+      <a:lightRig rig="threePt" dir="t"/>
+    </dgm:scene3d>
+    <dgm:sp3d/>
+    <dgm:txPr/>
+    <dgm:style>
+      <a:lnRef idx="2">
+        <a:scrgbClr r="0" g="0" b="0"/>
+      </a:lnRef>
+      <a:fillRef idx="0">
+        <a:scrgbClr r="0" g="0" b="0"/>
+      </a:fillRef>
+      <a:effectRef idx="0">
+        <a:scrgbClr r="0" g="0" b="0"/>
+      </a:effectRef>
+      <a:fontRef idx="minor"/>
+    </dgm:style>
+  </dgm:styleLbl>
+  <dgm:styleLbl name="parChTrans1D4">
+    <dgm:scene3d>
+      <a:camera prst="orthographicFront"/>
+      <a:lightRig rig="threePt" dir="t"/>
+    </dgm:scene3d>
+    <dgm:sp3d/>
+    <dgm:txPr/>
+    <dgm:style>
+      <a:lnRef idx="2">
+        <a:scrgbClr r="0" g="0" b="0"/>
+      </a:lnRef>
+      <a:fillRef idx="0">
+        <a:scrgbClr r="0" g="0" b="0"/>
+      </a:fillRef>
+      <a:effectRef idx="0">
+        <a:scrgbClr r="0" g="0" b="0"/>
+      </a:effectRef>
+      <a:fontRef idx="minor"/>
+    </dgm:style>
+  </dgm:styleLbl>
+  <dgm:styleLbl name="fgAcc1">
+    <dgm:scene3d>
+      <a:camera prst="orthographicFront"/>
+      <a:lightRig rig="threePt" dir="t"/>
+    </dgm:scene3d>
+    <dgm:sp3d/>
+    <dgm:txPr/>
+    <dgm:style>
+      <a:lnRef idx="2">
+        <a:scrgbClr r="0" g="0" b="0"/>
+      </a:lnRef>
+      <a:fillRef idx="1">
+        <a:scrgbClr r="0" g="0" b="0"/>
+      </a:fillRef>
+      <a:effectRef idx="0">
+        <a:scrgbClr r="0" g="0" b="0"/>
+      </a:effectRef>
+      <a:fontRef idx="minor"/>
+    </dgm:style>
+  </dgm:styleLbl>
+  <dgm:styleLbl name="conFgAcc1">
+    <dgm:scene3d>
+      <a:camera prst="orthographicFront"/>
+      <a:lightRig rig="threePt" dir="t"/>
+    </dgm:scene3d>
+    <dgm:sp3d/>
+    <dgm:txPr/>
+    <dgm:style>
+      <a:lnRef idx="2">
+        <a:scrgbClr r="0" g="0" b="0"/>
+      </a:lnRef>
+      <a:fillRef idx="1">
+        <a:scrgbClr r="0" g="0" b="0"/>
+      </a:fillRef>
+      <a:effectRef idx="0">
+        <a:scrgbClr r="0" g="0" b="0"/>
+      </a:effectRef>
+      <a:fontRef idx="minor"/>
+    </dgm:style>
+  </dgm:styleLbl>
+  <dgm:styleLbl name="alignAcc1">
+    <dgm:scene3d>
+      <a:camera prst="orthographicFront"/>
+      <a:lightRig rig="threePt" dir="t"/>
+    </dgm:scene3d>
+    <dgm:sp3d/>
+    <dgm:txPr/>
+    <dgm:style>
+      <a:lnRef idx="2">
+        <a:scrgbClr r="0" g="0" b="0"/>
+      </a:lnRef>
+      <a:fillRef idx="1">
+        <a:scrgbClr r="0" g="0" b="0"/>
+      </a:fillRef>
+      <a:effectRef idx="0">
+        <a:scrgbClr r="0" g="0" b="0"/>
+      </a:effectRef>
+      <a:fontRef idx="minor"/>
+    </dgm:style>
+  </dgm:styleLbl>
+  <dgm:styleLbl name="trAlignAcc1">
+    <dgm:scene3d>
+      <a:camera prst="orthographicFront"/>
+      <a:lightRig rig="threePt" dir="t"/>
+    </dgm:scene3d>
+    <dgm:sp3d/>
+    <dgm:txPr/>
+    <dgm:style>
+      <a:lnRef idx="1">
+        <a:scrgbClr r="0" g="0" b="0"/>
+      </a:lnRef>
+      <a:fillRef idx="1">
+        <a:scrgbClr r="0" g="0" b="0"/>
+      </a:fillRef>
+      <a:effectRef idx="0">
+        <a:scrgbClr r="0" g="0" b="0"/>
+      </a:effectRef>
+      <a:fontRef idx="minor"/>
+    </dgm:style>
+  </dgm:styleLbl>
+  <dgm:styleLbl name="bgAcc1">
+    <dgm:scene3d>
+      <a:camera prst="orthographicFront"/>
+      <a:lightRig rig="threePt" dir="t"/>
+    </dgm:scene3d>
+    <dgm:sp3d/>
+    <dgm:txPr/>
+    <dgm:style>
+      <a:lnRef idx="2">
+        <a:scrgbClr r="0" g="0" b="0"/>
+      </a:lnRef>
+      <a:fillRef idx="1">
+        <a:scrgbClr r="0" g="0" b="0"/>
+      </a:fillRef>
+      <a:effectRef idx="0">
+        <a:scrgbClr r="0" g="0" b="0"/>
+      </a:effectRef>
+      <a:fontRef idx="minor"/>
+    </dgm:style>
+  </dgm:styleLbl>
+  <dgm:styleLbl name="solidFgAcc1">
+    <dgm:scene3d>
+      <a:camera prst="orthographicFront"/>
+      <a:lightRig rig="threePt" dir="t"/>
+    </dgm:scene3d>
+    <dgm:sp3d/>
+    <dgm:txPr/>
+    <dgm:style>
+      <a:lnRef idx="2">
+        <a:scrgbClr r="0" g="0" b="0"/>
+      </a:lnRef>
+      <a:fillRef idx="1">
+        <a:scrgbClr r="0" g="0" b="0"/>
+      </a:fillRef>
+      <a:effectRef idx="0">
+        <a:scrgbClr r="0" g="0" b="0"/>
+      </a:effectRef>
+      <a:fontRef idx="minor"/>
+    </dgm:style>
+  </dgm:styleLbl>
+  <dgm:styleLbl name="solidAlignAcc1">
+    <dgm:scene3d>
+      <a:camera prst="orthographicFront"/>
+      <a:lightRig rig="threePt" dir="t"/>
+    </dgm:scene3d>
+    <dgm:sp3d/>
+    <dgm:txPr/>
+    <dgm:style>
+      <a:lnRef idx="2">
+        <a:scrgbClr r="0" g="0" b="0"/>
+      </a:lnRef>
+      <a:fillRef idx="1">
+        <a:scrgbClr r="0" g="0" b="0"/>
+      </a:fillRef>
+      <a:effectRef idx="0">
+        <a:scrgbClr r="0" g="0" b="0"/>
+      </a:effectRef>
+      <a:fontRef idx="minor"/>
+    </dgm:style>
+  </dgm:styleLbl>
+  <dgm:styleLbl name="solidBgAcc1">
+    <dgm:scene3d>
+      <a:camera prst="orthographicFront"/>
+      <a:lightRig rig="threePt" dir="t"/>
+    </dgm:scene3d>
+    <dgm:sp3d/>
+    <dgm:txPr/>
+    <dgm:style>
+      <a:lnRef idx="2">
+        <a:scrgbClr r="0" g="0" b="0"/>
+      </a:lnRef>
+      <a:fillRef idx="1">
+        <a:scrgbClr r="0" g="0" b="0"/>
+      </a:fillRef>
+      <a:effectRef idx="0">
+        <a:scrgbClr r="0" g="0" b="0"/>
+      </a:effectRef>
+      <a:fontRef idx="minor"/>
+    </dgm:style>
+  </dgm:styleLbl>
+  <dgm:styleLbl name="fgAccFollowNode1">
+    <dgm:scene3d>
+      <a:camera prst="orthographicFront"/>
+      <a:lightRig rig="threePt" dir="t"/>
+    </dgm:scene3d>
+    <dgm:sp3d/>
+    <dgm:txPr/>
+    <dgm:style>
+      <a:lnRef idx="2">
+        <a:scrgbClr r="0" g="0" b="0"/>
+      </a:lnRef>
+      <a:fillRef idx="1">
+        <a:scrgbClr r="0" g="0" b="0"/>
+      </a:fillRef>
+      <a:effectRef idx="0">
+        <a:scrgbClr r="0" g="0" b="0"/>
+      </a:effectRef>
+      <a:fontRef idx="minor"/>
+    </dgm:style>
+  </dgm:styleLbl>
+  <dgm:styleLbl name="alignAccFollowNode1">
+    <dgm:scene3d>
+      <a:camera prst="orthographicFront"/>
+      <a:lightRig rig="threePt" dir="t"/>
+    </dgm:scene3d>
+    <dgm:sp3d/>
+    <dgm:txPr/>
+    <dgm:style>
+      <a:lnRef idx="2">
+        <a:scrgbClr r="0" g="0" b="0"/>
+      </a:lnRef>
+      <a:fillRef idx="1">
+        <a:scrgbClr r="0" g="0" b="0"/>
+      </a:fillRef>
+      <a:effectRef idx="0">
+        <a:scrgbClr r="0" g="0" b="0"/>
+      </a:effectRef>
+      <a:fontRef idx="minor"/>
+    </dgm:style>
+  </dgm:styleLbl>
+  <dgm:styleLbl name="bgAccFollowNode1">
+    <dgm:scene3d>
+      <a:camera prst="orthographicFront"/>
+      <a:lightRig rig="threePt" dir="t"/>
+    </dgm:scene3d>
+    <dgm:sp3d/>
+    <dgm:txPr/>
+    <dgm:style>
+      <a:lnRef idx="2">
+        <a:scrgbClr r="0" g="0" b="0"/>
+      </a:lnRef>
+      <a:fillRef idx="1">
+        <a:scrgbClr r="0" g="0" b="0"/>
+      </a:fillRef>
+      <a:effectRef idx="0">
+        <a:scrgbClr r="0" g="0" b="0"/>
+      </a:effectRef>
+      <a:fontRef idx="minor"/>
+    </dgm:style>
+  </dgm:styleLbl>
+  <dgm:styleLbl name="fgAcc0">
+    <dgm:scene3d>
+      <a:camera prst="orthographicFront"/>
+      <a:lightRig rig="threePt" dir="t"/>
+    </dgm:scene3d>
+    <dgm:sp3d/>
+    <dgm:txPr/>
+    <dgm:style>
+      <a:lnRef idx="2">
+        <a:scrgbClr r="0" g="0" b="0"/>
+      </a:lnRef>
+      <a:fillRef idx="1">
+        <a:scrgbClr r="0" g="0" b="0"/>
+      </a:fillRef>
+      <a:effectRef idx="0">
+        <a:scrgbClr r="0" g="0" b="0"/>
+      </a:effectRef>
+      <a:fontRef idx="minor"/>
+    </dgm:style>
+  </dgm:styleLbl>
+  <dgm:styleLbl name="fgAcc2">
+    <dgm:scene3d>
+      <a:camera prst="orthographicFront"/>
+      <a:lightRig rig="threePt" dir="t"/>
+    </dgm:scene3d>
+    <dgm:sp3d/>
+    <dgm:txPr/>
+    <dgm:style>
+      <a:lnRef idx="2">
+        <a:scrgbClr r="0" g="0" b="0"/>
+      </a:lnRef>
+      <a:fillRef idx="1">
+        <a:scrgbClr r="0" g="0" b="0"/>
+      </a:fillRef>
+      <a:effectRef idx="0">
+        <a:scrgbClr r="0" g="0" b="0"/>
+      </a:effectRef>
+      <a:fontRef idx="minor"/>
+    </dgm:style>
+  </dgm:styleLbl>
+  <dgm:styleLbl name="fgAcc3">
+    <dgm:scene3d>
+      <a:camera prst="orthographicFront"/>
+      <a:lightRig rig="threePt" dir="t"/>
+    </dgm:scene3d>
+    <dgm:sp3d/>
+    <dgm:txPr/>
+    <dgm:style>
+      <a:lnRef idx="2">
+        <a:scrgbClr r="0" g="0" b="0"/>
+      </a:lnRef>
+      <a:fillRef idx="1">
+        <a:scrgbClr r="0" g="0" b="0"/>
+      </a:fillRef>
+      <a:effectRef idx="0">
+        <a:scrgbClr r="0" g="0" b="0"/>
+      </a:effectRef>
+      <a:fontRef idx="minor"/>
+    </dgm:style>
+  </dgm:styleLbl>
+  <dgm:styleLbl name="fgAcc4">
+    <dgm:scene3d>
+      <a:camera prst="orthographicFront"/>
+      <a:lightRig rig="threePt" dir="t"/>
+    </dgm:scene3d>
+    <dgm:sp3d/>
+    <dgm:txPr/>
+    <dgm:style>
+      <a:lnRef idx="2">
+        <a:scrgbClr r="0" g="0" b="0"/>
+      </a:lnRef>
+      <a:fillRef idx="1">
+        <a:scrgbClr r="0" g="0" b="0"/>
+      </a:fillRef>
+      <a:effectRef idx="0">
+        <a:scrgbClr r="0" g="0" b="0"/>
+      </a:effectRef>
+      <a:fontRef idx="minor"/>
+    </dgm:style>
+  </dgm:styleLbl>
+  <dgm:styleLbl name="bgShp">
+    <dgm:scene3d>
+      <a:camera prst="orthographicFront"/>
+      <a:lightRig rig="threePt" dir="t"/>
+    </dgm:scene3d>
+    <dgm:sp3d/>
+    <dgm:txPr/>
+    <dgm:style>
+      <a:lnRef idx="0">
+        <a:scrgbClr r="0" g="0" b="0"/>
+      </a:lnRef>
+      <a:fillRef idx="1">
+        <a:scrgbClr r="0" g="0" b="0"/>
+      </a:fillRef>
+      <a:effectRef idx="0">
+        <a:scrgbClr r="0" g="0" b="0"/>
+      </a:effectRef>
+      <a:fontRef idx="minor"/>
+    </dgm:style>
+  </dgm:styleLbl>
+  <dgm:styleLbl name="dkBgShp">
+    <dgm:scene3d>
+      <a:camera prst="orthographicFront"/>
+      <a:lightRig rig="threePt" dir="t"/>
+    </dgm:scene3d>
+    <dgm:sp3d/>
+    <dgm:txPr/>
+    <dgm:style>
+      <a:lnRef idx="0">
+        <a:scrgbClr r="0" g="0" b="0"/>
+      </a:lnRef>
+      <a:fillRef idx="1">
+        <a:scrgbClr r="0" g="0" b="0"/>
+      </a:fillRef>
+      <a:effectRef idx="0">
+        <a:scrgbClr r="0" g="0" b="0"/>
+      </a:effectRef>
+      <a:fontRef idx="minor"/>
+    </dgm:style>
+  </dgm:styleLbl>
+  <dgm:styleLbl name="trBgShp">
+    <dgm:scene3d>
+      <a:camera prst="orthographicFront"/>
+      <a:lightRig rig="threePt" dir="t"/>
+    </dgm:scene3d>
+    <dgm:sp3d/>
+    <dgm:txPr/>
+    <dgm:style>
+      <a:lnRef idx="0">
+        <a:scrgbClr r="0" g="0" b="0"/>
+      </a:lnRef>
+      <a:fillRef idx="1">
+        <a:scrgbClr r="0" g="0" b="0"/>
+      </a:fillRef>
+      <a:effectRef idx="0">
+        <a:scrgbClr r="0" g="0" b="0"/>
+      </a:effectRef>
+      <a:fontRef idx="minor"/>
+    </dgm:style>
+  </dgm:styleLbl>
+  <dgm:styleLbl name="fgShp">
+    <dgm:scene3d>
+      <a:camera prst="orthographicFront"/>
+      <a:lightRig rig="threePt" dir="t"/>
+    </dgm:scene3d>
+    <dgm:sp3d/>
+    <dgm:txPr/>
+    <dgm:style>
+      <a:lnRef idx="2">
+        <a:scrgbClr r="0" g="0" b="0"/>
+      </a:lnRef>
+      <a:fillRef idx="1">
+        <a:scrgbClr r="0" g="0" b="0"/>
+      </a:fillRef>
+      <a:effectRef idx="0">
+        <a:scrgbClr r="0" g="0" b="0"/>
+      </a:effectRef>
+      <a:fontRef idx="minor"/>
+    </dgm:style>
+  </dgm:styleLbl>
+  <dgm:styleLbl name="revTx">
+    <dgm:scene3d>
+      <a:camera prst="orthographicFront"/>
+      <a:lightRig rig="threePt" dir="t"/>
+    </dgm:scene3d>
+    <dgm:sp3d/>
+    <dgm:txPr/>
+    <dgm:style>
+      <a:lnRef idx="0">
+        <a:scrgbClr r="0" g="0" b="0"/>
+      </a:lnRef>
+      <a:fillRef idx="0">
+        <a:scrgbClr r="0" g="0" b="0"/>
+      </a:fillRef>
+      <a:effectRef idx="0">
+        <a:scrgbClr r="0" g="0" b="0"/>
+      </a:effectRef>
+      <a:fontRef idx="minor"/>
+    </dgm:style>
+  </dgm:styleLbl>
+</dgm:styleDef>
+</file>
+
+<file path=ppt/diagrams/quickStyle7.xml><?xml version="1.0" encoding="utf-8"?>
 <dgm:styleDef xmlns:dgm="http://schemas.openxmlformats.org/drawingml/2006/diagram" xmlns:a="http://schemas.openxmlformats.org/drawingml/2006/main" uniqueId="urn:microsoft.com/office/officeart/2005/8/quickstyle/simple1">
   <dgm:title val=""/>
   <dgm:desc val=""/>
@@ -21225,7 +24241,7 @@
           <a:p>
             <a:fld id="{F431B212-0EDE-4AA1-8ED7-07378ABC31E6}" type="datetimeFigureOut">
               <a:rPr lang="en-US" smtClean="0"/>
-              <a:t>8/6/2025</a:t>
+              <a:t>8/7/2025</a:t>
             </a:fld>
             <a:endParaRPr lang="en-US"/>
           </a:p>
@@ -21644,6 +24660,117 @@
   <p:cSld>
     <p:spTree>
       <p:nvGrpSpPr>
+        <p:cNvPr id="1" name="">
+          <a:extLst>
+            <a:ext uri="{FF2B5EF4-FFF2-40B4-BE49-F238E27FC236}">
+              <a16:creationId xmlns:a16="http://schemas.microsoft.com/office/drawing/2014/main" id="{75FD3E38-3C4B-FE4B-EA4F-962BCBC83B12}"/>
+            </a:ext>
+          </a:extLst>
+        </p:cNvPr>
+        <p:cNvGrpSpPr/>
+        <p:nvPr/>
+      </p:nvGrpSpPr>
+      <p:grpSpPr>
+        <a:xfrm>
+          <a:off x="0" y="0"/>
+          <a:ext cx="0" cy="0"/>
+          <a:chOff x="0" y="0"/>
+          <a:chExt cx="0" cy="0"/>
+        </a:xfrm>
+      </p:grpSpPr>
+      <p:sp>
+        <p:nvSpPr>
+          <p:cNvPr id="2" name="Slide Image Placeholder 1">
+            <a:extLst>
+              <a:ext uri="{FF2B5EF4-FFF2-40B4-BE49-F238E27FC236}">
+                <a16:creationId xmlns:a16="http://schemas.microsoft.com/office/drawing/2014/main" id="{F90C4970-6052-CF48-5A1B-B6B86AD2CBB7}"/>
+              </a:ext>
+            </a:extLst>
+          </p:cNvPr>
+          <p:cNvSpPr>
+            <a:spLocks noGrp="1" noRot="1" noChangeAspect="1"/>
+          </p:cNvSpPr>
+          <p:nvPr>
+            <p:ph type="sldImg"/>
+          </p:nvPr>
+        </p:nvSpPr>
+        <p:spPr/>
+      </p:sp>
+      <p:sp>
+        <p:nvSpPr>
+          <p:cNvPr id="3" name="Notes Placeholder 2">
+            <a:extLst>
+              <a:ext uri="{FF2B5EF4-FFF2-40B4-BE49-F238E27FC236}">
+                <a16:creationId xmlns:a16="http://schemas.microsoft.com/office/drawing/2014/main" id="{D6905108-2116-3E84-969B-19756930E790}"/>
+              </a:ext>
+            </a:extLst>
+          </p:cNvPr>
+          <p:cNvSpPr>
+            <a:spLocks noGrp="1"/>
+          </p:cNvSpPr>
+          <p:nvPr>
+            <p:ph type="body" idx="1"/>
+          </p:nvPr>
+        </p:nvSpPr>
+        <p:spPr/>
+        <p:txBody>
+          <a:bodyPr/>
+          <a:lstStyle/>
+          <a:p>
+            <a:r>
+              <a:rPr lang="en-US" dirty="0"/>
+              <a:t>We first developed a parameter grid. This was done for a few different reasons. A parameter grid allows for collaboration and error-proofing by rigidly organizing and structuring the parameters for each model. This allows team members to experiment in concert without creating noise in the working file or potentially altering code elsewhere by accident. It also allows for easier comparison of the hyperparameters for each model against one another. This allowed the team to manually iterate and gain an understanding for how the models performance was impacted by changing parameters before a later step of systematic optimization. </a:t>
+            </a:r>
+          </a:p>
+        </p:txBody>
+      </p:sp>
+      <p:sp>
+        <p:nvSpPr>
+          <p:cNvPr id="4" name="Slide Number Placeholder 3">
+            <a:extLst>
+              <a:ext uri="{FF2B5EF4-FFF2-40B4-BE49-F238E27FC236}">
+                <a16:creationId xmlns:a16="http://schemas.microsoft.com/office/drawing/2014/main" id="{B53115DB-60DD-D427-FF4B-731FC42A5170}"/>
+              </a:ext>
+            </a:extLst>
+          </p:cNvPr>
+          <p:cNvSpPr>
+            <a:spLocks noGrp="1"/>
+          </p:cNvSpPr>
+          <p:nvPr>
+            <p:ph type="sldNum" sz="quarter" idx="5"/>
+          </p:nvPr>
+        </p:nvSpPr>
+        <p:spPr/>
+        <p:txBody>
+          <a:bodyPr/>
+          <a:lstStyle/>
+          <a:p>
+            <a:fld id="{2C89EA2E-ADA5-4051-9BE1-7010ABEF2B1E}" type="slidenum">
+              <a:rPr lang="en-US" smtClean="0"/>
+              <a:t>14</a:t>
+            </a:fld>
+            <a:endParaRPr lang="en-US"/>
+          </a:p>
+        </p:txBody>
+      </p:sp>
+    </p:spTree>
+    <p:extLst>
+      <p:ext uri="{BB962C8B-B14F-4D97-AF65-F5344CB8AC3E}">
+        <p14:creationId xmlns:p14="http://schemas.microsoft.com/office/powerpoint/2010/main" val="2618193902"/>
+      </p:ext>
+    </p:extLst>
+  </p:cSld>
+  <p:clrMapOvr>
+    <a:masterClrMapping/>
+  </p:clrMapOvr>
+</p:notes>
+</file>
+
+<file path=ppt/notesSlides/notesSlide11.xml><?xml version="1.0" encoding="utf-8"?>
+<p:notes xmlns:a="http://schemas.openxmlformats.org/drawingml/2006/main" xmlns:r="http://schemas.openxmlformats.org/officeDocument/2006/relationships" xmlns:p="http://schemas.openxmlformats.org/presentationml/2006/main">
+  <p:cSld>
+    <p:spTree>
+      <p:nvGrpSpPr>
         <p:cNvPr id="1" name=""/>
         <p:cNvGrpSpPr/>
         <p:nvPr/>
@@ -21710,10 +24837,8 @@
                 <a:ea typeface="+mn-ea"/>
                 <a:cs typeface="+mn-cs"/>
               </a:rPr>
-              <a:t>Modeling 2. Within the tuning phase we followed a similar process of defining a pipeline structure, this time incorporating a parameter grid for hyperparameter optimization. Once again, this setup was organized with flexibility to make adjustments easy to implement. Behind the scenes, the code selected the best model within the tuning process, but in this scenario the configurations did not outperform the standard algorithm. At this point we can benchmark the logistic regression model as the most ideal model candidate, however, additional tuning efforts were made, and we cannot make a conclusion until further improvements are officially ruled out or exceed the current model. </a:t>
+              <a:t>Behind the scenes, our code was formatted to select the best performing model based on optimal parameters, and in this case, the decision tree was the best tuned model with 5 samples split and a max depth of 5. However, for our primary objective—predicting the likelihood of an arrest, the logistic regression model proved to be a better fit. This aligns with the assumption that key features linearly influence arrest outcomes. While ensemble models like random forest or gradient boosting worked to capture hidden patterns, their performance suggests there were no significant nonlinear interactions in the data. In conclusion, logistic regression was the most reliable model for this classification task and would be the recommended choice for real world implementation. </a:t>
             </a:r>
-          </a:p>
-          <a:p>
             <a:endParaRPr lang="en-US" dirty="0"/>
           </a:p>
         </p:txBody>
@@ -21754,7 +24879,7 @@
 </p:notes>
 </file>
 
-<file path=ppt/notesSlides/notesSlide11.xml><?xml version="1.0" encoding="utf-8"?>
+<file path=ppt/notesSlides/notesSlide12.xml><?xml version="1.0" encoding="utf-8"?>
 <p:notes xmlns:a="http://schemas.openxmlformats.org/drawingml/2006/main" xmlns:r="http://schemas.openxmlformats.org/officeDocument/2006/relationships" xmlns:p="http://schemas.openxmlformats.org/presentationml/2006/main">
   <p:cSld>
     <p:spTree>
@@ -21798,54 +24923,38 @@
           <a:bodyPr/>
           <a:lstStyle/>
           <a:p>
-            <a:pPr marL="171450" indent="-171450">
-              <a:buFont typeface="Arial" panose="020B0604020202020204" pitchFamily="34" charset="0"/>
-              <a:buChar char="•"/>
+            <a:pPr marL="0" marR="0" lvl="0" indent="0" algn="l" defTabSz="914400" rtl="0" eaLnBrk="1" fontAlgn="auto" latinLnBrk="0" hangingPunct="1">
+              <a:lnSpc>
+                <a:spcPct val="100000"/>
+              </a:lnSpc>
+              <a:spcBef>
+                <a:spcPts val="0"/>
+              </a:spcBef>
+              <a:spcAft>
+                <a:spcPts val="0"/>
+              </a:spcAft>
+              <a:buClrTx/>
+              <a:buSzTx/>
+              <a:buFontTx/>
+              <a:buNone/>
+              <a:tabLst/>
+              <a:defRPr/>
             </a:pPr>
             <a:r>
-              <a:rPr lang="en-US" dirty="0"/>
-              <a:t>Discuss what worked</a:t>
+              <a:rPr lang="en-US" sz="1200" kern="1200" dirty="0">
+                <a:solidFill>
+                  <a:schemeClr val="tx1"/>
+                </a:solidFill>
+                <a:effectLst/>
+                <a:latin typeface="+mn-lt"/>
+                <a:ea typeface="+mn-ea"/>
+                <a:cs typeface="+mn-cs"/>
+              </a:rPr>
+              <a:t>Identifying arrest causes and patterns is a complex, yet well suited challenge for predictive modeling, which can provide valuable guidance for improving safety and police resource allocation. Despite exploring advanced machine learning algorithms, we learned that simple models should not be overlooked. For future machine learning projects, modular pipelines will remain a core practice not only for interpretability purposes but also for flexibility in making modifications efficiently. Beyond predictive modeling, the real-world context of this problem is eye-opening. Since 2016, one in every six Chicago police officers has left the force. In 2018 alone, over 19,000 people were wounded in shootings, yet only 1,200 arrests have been made in connection with those incidents. We’re not just classifying outcomes; we’re aiming to guide proactive strategies in crime prevention. Our purpose for this assignment was not just about building a model but building a foundation which could support data-driven decisions and potentially save lives. </a:t>
             </a:r>
           </a:p>
           <a:p>
-            <a:pPr marL="171450" indent="-171450">
-              <a:buFont typeface="Arial" panose="020B0604020202020204" pitchFamily="34" charset="0"/>
-              <a:buChar char="•"/>
-            </a:pPr>
-            <a:r>
-              <a:rPr lang="en-US" dirty="0"/>
-              <a:t>Discuss what did not work</a:t>
-            </a:r>
-          </a:p>
-          <a:p>
-            <a:pPr marL="171450" indent="-171450">
-              <a:buFont typeface="Arial" panose="020B0604020202020204" pitchFamily="34" charset="0"/>
-              <a:buChar char="•"/>
-            </a:pPr>
-            <a:r>
-              <a:rPr lang="en-US" dirty="0"/>
-              <a:t>Assumptions</a:t>
-            </a:r>
-          </a:p>
-          <a:p>
-            <a:pPr marL="171450" indent="-171450">
-              <a:buFont typeface="Arial" panose="020B0604020202020204" pitchFamily="34" charset="0"/>
-              <a:buChar char="•"/>
-            </a:pPr>
-            <a:r>
-              <a:rPr lang="en-US" dirty="0"/>
-              <a:t>Surprises</a:t>
-            </a:r>
-          </a:p>
-          <a:p>
-            <a:pPr marL="171450" indent="-171450">
-              <a:buFont typeface="Arial" panose="020B0604020202020204" pitchFamily="34" charset="0"/>
-              <a:buChar char="•"/>
-            </a:pPr>
-            <a:r>
-              <a:rPr lang="en-US" dirty="0"/>
-              <a:t>Limitations</a:t>
-            </a:r>
+            <a:endParaRPr lang="en-US" dirty="0"/>
           </a:p>
         </p:txBody>
       </p:sp>
@@ -21866,7 +24975,7 @@
           <a:p>
             <a:fld id="{2C89EA2E-ADA5-4051-9BE1-7010ABEF2B1E}" type="slidenum">
               <a:rPr lang="en-US" smtClean="0"/>
-              <a:t>17</a:t>
+              <a:t>16</a:t>
             </a:fld>
             <a:endParaRPr lang="en-US"/>
           </a:p>
@@ -21875,7 +24984,7 @@
     </p:spTree>
     <p:extLst>
       <p:ext uri="{BB962C8B-B14F-4D97-AF65-F5344CB8AC3E}">
-        <p14:creationId xmlns:p14="http://schemas.microsoft.com/office/powerpoint/2010/main" val="3953088068"/>
+        <p14:creationId xmlns:p14="http://schemas.microsoft.com/office/powerpoint/2010/main" val="3344453298"/>
       </p:ext>
     </p:extLst>
   </p:cSld>
@@ -21929,7 +25038,49 @@
           <a:bodyPr/>
           <a:lstStyle/>
           <a:p>
-            <a:endParaRPr lang="en-US" dirty="0"/>
+            <a:r>
+              <a:rPr lang="en-US" b="0" dirty="0"/>
+              <a:t>To get the dataset ready for modeling, we followed a thorough data wrangling process.</a:t>
+            </a:r>
+          </a:p>
+          <a:p>
+            <a:r>
+              <a:rPr lang="en-US" b="0" dirty="0"/>
+              <a:t>First, we dropped unnecessary columns like ‘Year’, which was redundant since all records were from 2016, and others like ‘Case Number’ and ‘X Coordinate’ that didn’t add value to our model.</a:t>
+            </a:r>
+          </a:p>
+          <a:p>
+            <a:r>
+              <a:rPr lang="en-US" b="0" dirty="0"/>
+              <a:t>Next, we updated data types to match the context. Fields like 'District' and 'Ward' were stored as floats but were changed to integers, and the 'Date' field was converted from an object to a proper datetime format.</a:t>
+            </a:r>
+          </a:p>
+          <a:p>
+            <a:r>
+              <a:rPr lang="en-US" b="0" dirty="0"/>
+              <a:t>We then removed rows with missing values, primarily those missing latitude, longitude, or location descriptions. These made up just over 5% of the dataset and didn’t have an obvious way to be imputed, so we dropped them to maintain the quality of the data.</a:t>
+            </a:r>
+          </a:p>
+          <a:p>
+            <a:r>
+              <a:rPr lang="en-US" b="0" dirty="0"/>
+              <a:t>After that, we worked on binning several variables to simplify the dataset while preserving meaning. For example, we grouped 127 unique location descriptions into 10 broader categories, reduced 31 crime types to 13, and binned hours of the day, days of the week, and seasons to observe patterns in when crimes occur.</a:t>
+            </a:r>
+          </a:p>
+          <a:p>
+            <a:r>
+              <a:rPr lang="en-US" b="0" dirty="0"/>
+              <a:t>Once the data was clean, we split it into training and testing sets, using 75% for training and 25% for testing. Because of the dataset’s large size, this split still left us with a robust test set, and we used a random state of 42 to keep it consistent.</a:t>
+            </a:r>
+          </a:p>
+          <a:p>
+            <a:r>
+              <a:rPr lang="en-US" b="0" dirty="0"/>
+              <a:t>Finally, we used data visualization throughout to guide decisions. Visuals helped identify trends, such as peak crime hours and the arrest likelihood by district or crime type, which helped inform both feature engineering and model building.</a:t>
+            </a:r>
+          </a:p>
+          <a:p>
+            <a:endParaRPr lang="en-US" b="0" dirty="0"/>
           </a:p>
         </p:txBody>
       </p:sp>
@@ -22100,7 +25251,7 @@
                 <a:ea typeface="+mn-ea"/>
                 <a:cs typeface="+mn-cs"/>
               </a:rPr>
-              <a:t>EDA 1. Looking into the breakdown of violent and non-violent crimes, we began with a basic bar chart to help gain a general overview of the variable. The “arrests by type” chart showed most crimes do not result in arrests, non-violent crimes have the most volume, and violent crimes have the highest arrest rates. We then created a second chart to break down crime frequencies—non-violent crimes in blue and violent crimes in orange. This helped the group gain a deeper understanding of specific crimes that are most common, while reinforcing the previous finding that most arrests for crimes are non-violent. </a:t>
+              <a:t>Looking into the breakdown of violent and non-violent crimes, we began with a basic bar chart to help gain a general overview of the variable. The “arrests by type” chart showed most crimes do not result in arrests, non-violent crimes have the most volume, and violent crimes have the highest arrest rates. We then created a second chart to break down crime frequencies—non-violent crimes in blue and violent crimes in orange. This helped the group gain a deeper understanding of specific crimes that are most common, while reinforcing the previous finding that most arrests for crimes are non-violent. </a:t>
             </a:r>
           </a:p>
           <a:p>
@@ -22293,7 +25444,7 @@
                 <a:ea typeface="+mn-ea"/>
                 <a:cs typeface="+mn-cs"/>
               </a:rPr>
-              <a:t>EDA 2. Continuing with the </a:t>
+              <a:t>Continuing with the </a:t>
             </a:r>
             <a:r>
               <a:rPr lang="en-US" sz="1200" kern="1200" dirty="0" err="1">
@@ -22804,6 +25955,30 @@
           <a:bodyPr/>
           <a:lstStyle/>
           <a:p>
+            <a:r>
+              <a:rPr lang="en-US" dirty="0"/>
+              <a:t>After building our four models, we evaluated each one using three key metrics: accuracy, AUC, and F1 score.</a:t>
+            </a:r>
+          </a:p>
+          <a:p>
+            <a:r>
+              <a:rPr lang="en-US" dirty="0"/>
+              <a:t>Logistic regression performed the strongest overall. It had the highest AUC and F1 score, which told us it was not only good at distinguishing between arrests and non-arrests, but also balanced precision and recall well.</a:t>
+            </a:r>
+          </a:p>
+          <a:p>
+            <a:r>
+              <a:rPr lang="en-US" dirty="0"/>
+              <a:t>The decision tree had the lowest performance across all metrics, likely due to overfitting and its limited ability to generalize.</a:t>
+            </a:r>
+          </a:p>
+          <a:p>
+            <a:r>
+              <a:rPr lang="en-US" dirty="0"/>
+              <a:t>Random forest performed about the same as the logistic model but still didn’t surpass logistic regression in AUC.</a:t>
+            </a:r>
+          </a:p>
+          <a:p>
             <a:pPr marL="0" marR="0" lvl="0" indent="0" algn="l" defTabSz="914400" rtl="0" eaLnBrk="1" fontAlgn="auto" latinLnBrk="0" hangingPunct="1">
               <a:lnSpc>
                 <a:spcPct val="100000"/>
@@ -22822,20 +25997,15 @@
               <a:defRPr/>
             </a:pPr>
             <a:r>
-              <a:rPr lang="en-US" sz="1200" kern="1200" dirty="0">
-                <a:solidFill>
-                  <a:schemeClr val="tx1"/>
-                </a:solidFill>
-                <a:effectLst/>
-                <a:latin typeface="+mn-lt"/>
-                <a:ea typeface="+mn-ea"/>
-                <a:cs typeface="+mn-cs"/>
-              </a:rPr>
-              <a:t>Modeling 1. First, we defined features by dropping columns that lacked predictive value and established arrest as our target variable. Next, we defined the train test split using 25% of the data for training and ensuring our random state was set to 42 for reproducibility. From there we established a preprocessing pipeline to ensure data preservation and proper conversion into a machine-readable format. Similarly, we also established a model pipeline to highlight how the models naturally fit the data before tuning. With this structure, we let the data speak for itself and enable room for modifications should we decide to make changes.  Upon examination of the results, we see that logistic regression was the best model overall, however, none of these models were tuned, therefore, we cannot say with certainty this was the best model until tuning efforts are made. </a:t>
+              <a:rPr lang="en-US" dirty="0"/>
+              <a:t>Gradient boosting had roughly the same accuracy, but its F1 score was lower for true cases, indicating it wasn’t as reliable for predicting whether an arrest occurred.</a:t>
             </a:r>
           </a:p>
           <a:p>
-            <a:endParaRPr lang="en-US" dirty="0"/>
+            <a:r>
+              <a:rPr lang="en-US" dirty="0"/>
+              <a:t>These results suggested that simpler models, like logistic regression, could be more effective with this dataset, especially considering the relationships in the data appear to be largely linear.</a:t>
+            </a:r>
           </a:p>
         </p:txBody>
       </p:sp>
@@ -22880,13 +26050,7 @@
   <p:cSld>
     <p:spTree>
       <p:nvGrpSpPr>
-        <p:cNvPr id="1" name="">
-          <a:extLst>
-            <a:ext uri="{FF2B5EF4-FFF2-40B4-BE49-F238E27FC236}">
-              <a16:creationId xmlns:a16="http://schemas.microsoft.com/office/drawing/2014/main" id="{75FD3E38-3C4B-FE4B-EA4F-962BCBC83B12}"/>
-            </a:ext>
-          </a:extLst>
-        </p:cNvPr>
+        <p:cNvPr id="1" name=""/>
         <p:cNvGrpSpPr/>
         <p:nvPr/>
       </p:nvGrpSpPr>
@@ -22900,13 +26064,7 @@
       </p:grpSpPr>
       <p:sp>
         <p:nvSpPr>
-          <p:cNvPr id="2" name="Slide Image Placeholder 1">
-            <a:extLst>
-              <a:ext uri="{FF2B5EF4-FFF2-40B4-BE49-F238E27FC236}">
-                <a16:creationId xmlns:a16="http://schemas.microsoft.com/office/drawing/2014/main" id="{F90C4970-6052-CF48-5A1B-B6B86AD2CBB7}"/>
-              </a:ext>
-            </a:extLst>
-          </p:cNvPr>
+          <p:cNvPr id="2" name="Slide Image Placeholder 1"/>
           <p:cNvSpPr>
             <a:spLocks noGrp="1" noRot="1" noChangeAspect="1"/>
           </p:cNvSpPr>
@@ -22918,13 +26076,7 @@
       </p:sp>
       <p:sp>
         <p:nvSpPr>
-          <p:cNvPr id="3" name="Notes Placeholder 2">
-            <a:extLst>
-              <a:ext uri="{FF2B5EF4-FFF2-40B4-BE49-F238E27FC236}">
-                <a16:creationId xmlns:a16="http://schemas.microsoft.com/office/drawing/2014/main" id="{D6905108-2116-3E84-969B-19756930E790}"/>
-              </a:ext>
-            </a:extLst>
-          </p:cNvPr>
+          <p:cNvPr id="3" name="Notes Placeholder 2"/>
           <p:cNvSpPr>
             <a:spLocks noGrp="1"/>
           </p:cNvSpPr>
@@ -22938,21 +26090,53 @@
           <a:lstStyle/>
           <a:p>
             <a:r>
-              <a:rPr lang="en-US" dirty="0"/>
-              <a:t>We first developed a parameter grid. This was done for a few different reasons. A parameter grid allows for collaboration and error-proofing by rigidly organizing and structuring the parameters for each model. This allows team members to experiment in concert without creating noise in the working file or potentially altering code elsewhere by accident. It also allows for easier comparison of the hyperparameters for each model against one another. This allowed the team to manually iterate and gain an understanding for how the models performance was impacted by changing parameters before a later step of systematic optimization. </a:t>
+              <a:rPr lang="en-US" b="0" dirty="0"/>
+              <a:t>After evaluating how our models performed, we analyzed which features had the greatest impact on prediction accuracy.</a:t>
             </a:r>
+          </a:p>
+          <a:p>
+            <a:r>
+              <a:rPr lang="en-US" b="0" dirty="0"/>
+              <a:t>The most influential feature was Primary Type, particularly the binned category representing Narcotics offenses. This category alone had the strongest influence on whether an arrest was predicted.</a:t>
+            </a:r>
+          </a:p>
+          <a:p>
+            <a:r>
+              <a:rPr lang="en-US" b="0" dirty="0"/>
+              <a:t>On top of this, Primary Type appeared four times in the top five features, showing just how much the type of crime shapes arrest likelihood in the models.</a:t>
+            </a:r>
+          </a:p>
+          <a:p>
+            <a:r>
+              <a:rPr lang="en-US" b="0" dirty="0"/>
+              <a:t>The Description variable ranked as the second most important feature, proving that aside from Narcotics, it was the most influential feature on our models.</a:t>
+            </a:r>
+          </a:p>
+          <a:p>
+            <a:r>
+              <a:rPr lang="en-US" b="0" dirty="0"/>
+              <a:t>After the fifth feature, we noticed another drop in importance, meaning most of the predictive power was concentrated in just a few key variables.</a:t>
+            </a:r>
+          </a:p>
+          <a:p>
+            <a:r>
+              <a:rPr lang="en-US" b="0" dirty="0"/>
+              <a:t>These results confirmed that both the type and context of a crime are crucial when predicting arrests and helped guide how we prioritized features in the next step of model </a:t>
+            </a:r>
+            <a:r>
+              <a:rPr lang="en-US" b="0"/>
+              <a:t>tuning.</a:t>
+            </a:r>
+            <a:endParaRPr lang="en-US" b="0" dirty="0"/>
+          </a:p>
+          <a:p>
+            <a:endParaRPr lang="en-US" b="0" dirty="0"/>
           </a:p>
         </p:txBody>
       </p:sp>
       <p:sp>
         <p:nvSpPr>
-          <p:cNvPr id="4" name="Slide Number Placeholder 3">
-            <a:extLst>
-              <a:ext uri="{FF2B5EF4-FFF2-40B4-BE49-F238E27FC236}">
-                <a16:creationId xmlns:a16="http://schemas.microsoft.com/office/drawing/2014/main" id="{B53115DB-60DD-D427-FF4B-731FC42A5170}"/>
-              </a:ext>
-            </a:extLst>
-          </p:cNvPr>
+          <p:cNvPr id="4" name="Slide Number Placeholder 3"/>
           <p:cNvSpPr>
             <a:spLocks noGrp="1"/>
           </p:cNvSpPr>
@@ -22967,7 +26151,7 @@
           <a:p>
             <a:fld id="{2C89EA2E-ADA5-4051-9BE1-7010ABEF2B1E}" type="slidenum">
               <a:rPr lang="en-US" smtClean="0"/>
-              <a:t>14</a:t>
+              <a:t>13</a:t>
             </a:fld>
             <a:endParaRPr lang="en-US"/>
           </a:p>
@@ -22976,7 +26160,7 @@
     </p:spTree>
     <p:extLst>
       <p:ext uri="{BB962C8B-B14F-4D97-AF65-F5344CB8AC3E}">
-        <p14:creationId xmlns:p14="http://schemas.microsoft.com/office/powerpoint/2010/main" val="2618193902"/>
+        <p14:creationId xmlns:p14="http://schemas.microsoft.com/office/powerpoint/2010/main" val="1797672951"/>
       </p:ext>
     </p:extLst>
   </p:cSld>
@@ -23133,7 +26317,7 @@
           <a:p>
             <a:fld id="{957081E2-E7FF-419A-A8C5-3A16374CC1CB}" type="datetimeFigureOut">
               <a:rPr lang="en-US" smtClean="0"/>
-              <a:t>8/6/2025</a:t>
+              <a:t>8/7/2025</a:t>
             </a:fld>
             <a:endParaRPr lang="en-US"/>
           </a:p>
@@ -23331,7 +26515,7 @@
           <a:p>
             <a:fld id="{957081E2-E7FF-419A-A8C5-3A16374CC1CB}" type="datetimeFigureOut">
               <a:rPr lang="en-US" smtClean="0"/>
-              <a:t>8/6/2025</a:t>
+              <a:t>8/7/2025</a:t>
             </a:fld>
             <a:endParaRPr lang="en-US"/>
           </a:p>
@@ -23539,7 +26723,7 @@
           <a:p>
             <a:fld id="{957081E2-E7FF-419A-A8C5-3A16374CC1CB}" type="datetimeFigureOut">
               <a:rPr lang="en-US" smtClean="0"/>
-              <a:t>8/6/2025</a:t>
+              <a:t>8/7/2025</a:t>
             </a:fld>
             <a:endParaRPr lang="en-US"/>
           </a:p>
@@ -23737,7 +26921,7 @@
           <a:p>
             <a:fld id="{957081E2-E7FF-419A-A8C5-3A16374CC1CB}" type="datetimeFigureOut">
               <a:rPr lang="en-US" smtClean="0"/>
-              <a:t>8/6/2025</a:t>
+              <a:t>8/7/2025</a:t>
             </a:fld>
             <a:endParaRPr lang="en-US"/>
           </a:p>
@@ -24012,7 +27196,7 @@
           <a:p>
             <a:fld id="{957081E2-E7FF-419A-A8C5-3A16374CC1CB}" type="datetimeFigureOut">
               <a:rPr lang="en-US" smtClean="0"/>
-              <a:t>8/6/2025</a:t>
+              <a:t>8/7/2025</a:t>
             </a:fld>
             <a:endParaRPr lang="en-US"/>
           </a:p>
@@ -24277,7 +27461,7 @@
           <a:p>
             <a:fld id="{957081E2-E7FF-419A-A8C5-3A16374CC1CB}" type="datetimeFigureOut">
               <a:rPr lang="en-US" smtClean="0"/>
-              <a:t>8/6/2025</a:t>
+              <a:t>8/7/2025</a:t>
             </a:fld>
             <a:endParaRPr lang="en-US"/>
           </a:p>
@@ -24689,7 +27873,7 @@
           <a:p>
             <a:fld id="{957081E2-E7FF-419A-A8C5-3A16374CC1CB}" type="datetimeFigureOut">
               <a:rPr lang="en-US" smtClean="0"/>
-              <a:t>8/6/2025</a:t>
+              <a:t>8/7/2025</a:t>
             </a:fld>
             <a:endParaRPr lang="en-US"/>
           </a:p>
@@ -24830,7 +28014,7 @@
           <a:p>
             <a:fld id="{957081E2-E7FF-419A-A8C5-3A16374CC1CB}" type="datetimeFigureOut">
               <a:rPr lang="en-US" smtClean="0"/>
-              <a:t>8/6/2025</a:t>
+              <a:t>8/7/2025</a:t>
             </a:fld>
             <a:endParaRPr lang="en-US"/>
           </a:p>
@@ -24943,7 +28127,7 @@
           <a:p>
             <a:fld id="{957081E2-E7FF-419A-A8C5-3A16374CC1CB}" type="datetimeFigureOut">
               <a:rPr lang="en-US" smtClean="0"/>
-              <a:t>8/6/2025</a:t>
+              <a:t>8/7/2025</a:t>
             </a:fld>
             <a:endParaRPr lang="en-US"/>
           </a:p>
@@ -25254,7 +28438,7 @@
           <a:p>
             <a:fld id="{957081E2-E7FF-419A-A8C5-3A16374CC1CB}" type="datetimeFigureOut">
               <a:rPr lang="en-US" smtClean="0"/>
-              <a:t>8/6/2025</a:t>
+              <a:t>8/7/2025</a:t>
             </a:fld>
             <a:endParaRPr lang="en-US"/>
           </a:p>
@@ -25542,7 +28726,7 @@
           <a:p>
             <a:fld id="{957081E2-E7FF-419A-A8C5-3A16374CC1CB}" type="datetimeFigureOut">
               <a:rPr lang="en-US" smtClean="0"/>
-              <a:t>8/6/2025</a:t>
+              <a:t>8/7/2025</a:t>
             </a:fld>
             <a:endParaRPr lang="en-US"/>
           </a:p>
@@ -25783,7 +28967,7 @@
           <a:p>
             <a:fld id="{957081E2-E7FF-419A-A8C5-3A16374CC1CB}" type="datetimeFigureOut">
               <a:rPr lang="en-US" smtClean="0"/>
-              <a:t>8/6/2025</a:t>
+              <a:t>8/7/2025</a:t>
             </a:fld>
             <a:endParaRPr lang="en-US"/>
           </a:p>
@@ -28610,7 +31794,7 @@
           <p:nvPr/>
         </p:nvPicPr>
         <p:blipFill>
-          <a:blip r:embed="rId2">
+          <a:blip r:embed="rId3">
             <a:extLst>
               <a:ext uri="{28A0092B-C50C-407E-A947-70E740481C1C}">
                 <a14:useLocalDpi xmlns:a14="http://schemas.microsoft.com/office/drawing/2010/main" val="0"/>
@@ -29388,7 +32572,7 @@
           <a:lstStyle/>
           <a:p>
             <a:r>
-              <a:rPr lang="en-US" sz="4000"/>
+              <a:rPr lang="en-US" sz="4000" dirty="0"/>
               <a:t>Modeling</a:t>
             </a:r>
           </a:p>
@@ -29439,16 +32623,17 @@
               <a:defRPr/>
             </a:pPr>
             <a:r>
-              <a:rPr kumimoji="0" lang="en-US" sz="1600" b="0" i="0" u="none" strike="noStrike" cap="none" spc="0" normalizeH="0" baseline="0" noProof="0">
-                <a:ln>
-                  <a:noFill/>
-                </a:ln>
-                <a:effectLst/>
-                <a:uLnTx/>
-                <a:uFillTx/>
-              </a:rPr>
-              <a:t>Tuning Phase Structure</a:t>
+              <a:rPr lang="en-US" sz="1600" dirty="0"/>
+              <a:t>Model Selection</a:t>
             </a:r>
+            <a:endParaRPr kumimoji="0" lang="en-US" sz="1600" b="0" i="0" u="none" strike="noStrike" cap="none" spc="0" normalizeH="0" baseline="0" noProof="0" dirty="0">
+              <a:ln>
+                <a:noFill/>
+              </a:ln>
+              <a:effectLst/>
+              <a:uLnTx/>
+              <a:uFillTx/>
+            </a:endParaRPr>
           </a:p>
           <a:p>
             <a:pPr marL="742950" marR="0" lvl="1" indent="-228600" fontAlgn="auto">
@@ -29469,97 +32654,7 @@
               <a:defRPr/>
             </a:pPr>
             <a:r>
-              <a:rPr kumimoji="0" lang="en-US" sz="1600" b="0" i="0" u="none" strike="noStrike" cap="none" spc="0" normalizeH="0" baseline="0" noProof="0">
-                <a:ln>
-                  <a:noFill/>
-                </a:ln>
-                <a:effectLst/>
-                <a:uLnTx/>
-                <a:uFillTx/>
-              </a:rPr>
-              <a:t>Design and implement parameter grid</a:t>
-            </a:r>
-          </a:p>
-          <a:p>
-            <a:pPr marL="742950" marR="0" lvl="1" indent="-228600" fontAlgn="auto">
-              <a:lnSpc>
-                <a:spcPct val="90000"/>
-              </a:lnSpc>
-              <a:spcBef>
-                <a:spcPts val="0"/>
-              </a:spcBef>
-              <a:spcAft>
-                <a:spcPts val="600"/>
-              </a:spcAft>
-              <a:buClrTx/>
-              <a:buSzTx/>
-              <a:buFont typeface="Arial" panose="020B0604020202020204" pitchFamily="34" charset="0"/>
-              <a:buChar char="•"/>
-              <a:tabLst/>
-              <a:defRPr/>
-            </a:pPr>
-            <a:r>
-              <a:rPr kumimoji="0" lang="en-US" sz="1600" b="0" i="0" u="none" strike="noStrike" cap="none" spc="0" normalizeH="0" baseline="0" noProof="0">
-                <a:ln>
-                  <a:noFill/>
-                </a:ln>
-                <a:effectLst/>
-                <a:uLnTx/>
-                <a:uFillTx/>
-              </a:rPr>
-              <a:t>Allows flexible hyperparameter optimization</a:t>
-            </a:r>
-          </a:p>
-          <a:p>
-            <a:pPr marL="285750" marR="0" lvl="0" indent="-228600" fontAlgn="auto">
-              <a:lnSpc>
-                <a:spcPct val="90000"/>
-              </a:lnSpc>
-              <a:spcBef>
-                <a:spcPts val="0"/>
-              </a:spcBef>
-              <a:spcAft>
-                <a:spcPts val="600"/>
-              </a:spcAft>
-              <a:buClrTx/>
-              <a:buSzTx/>
-              <a:buFont typeface="Arial" panose="020B0604020202020204" pitchFamily="34" charset="0"/>
-              <a:buChar char="•"/>
-              <a:tabLst/>
-              <a:defRPr/>
-            </a:pPr>
-            <a:r>
-              <a:rPr kumimoji="0" lang="en-US" sz="1600" b="0" i="0" u="none" strike="noStrike" cap="none" spc="0" normalizeH="0" baseline="0" noProof="0">
-                <a:ln>
-                  <a:noFill/>
-                </a:ln>
-                <a:effectLst/>
-                <a:uLnTx/>
-                <a:uFillTx/>
-              </a:rPr>
-              <a:t>Model Selection</a:t>
-            </a:r>
-          </a:p>
-          <a:p>
-            <a:pPr marL="742950" marR="0" lvl="1" indent="-228600" fontAlgn="auto">
-              <a:lnSpc>
-                <a:spcPct val="90000"/>
-              </a:lnSpc>
-              <a:spcBef>
-                <a:spcPts val="0"/>
-              </a:spcBef>
-              <a:spcAft>
-                <a:spcPts val="600"/>
-              </a:spcAft>
-              <a:buClrTx/>
-              <a:buSzTx/>
-              <a:buFont typeface="Arial" panose="020B0604020202020204" pitchFamily="34" charset="0"/>
-              <a:buChar char="•"/>
-              <a:tabLst/>
-              <a:defRPr/>
-            </a:pPr>
-            <a:r>
-              <a:rPr kumimoji="0" lang="en-US" sz="1600" b="0" i="0" u="none" strike="noStrike" cap="none" spc="0" normalizeH="0" baseline="0" noProof="0">
+              <a:rPr kumimoji="0" lang="en-US" sz="1600" b="0" i="0" u="none" strike="noStrike" cap="none" spc="0" normalizeH="0" baseline="0" noProof="0" dirty="0">
                 <a:ln>
                   <a:noFill/>
                 </a:ln>
@@ -29589,37 +32684,101 @@
               <a:defRPr/>
             </a:pPr>
             <a:r>
-              <a:rPr kumimoji="0" lang="en-US" sz="1600" b="0" i="0" u="none" strike="noStrike" cap="none" spc="0" normalizeH="0" baseline="0" noProof="0">
-                <a:ln>
-                  <a:noFill/>
-                </a:ln>
-                <a:effectLst/>
-                <a:uLnTx/>
-                <a:uFillTx/>
-              </a:rPr>
-              <a:t>Tuned configurations </a:t>
+              <a:rPr lang="en-US" sz="1600" dirty="0"/>
+              <a:t>Tuned decision tree performed best</a:t>
             </a:r>
+            <a:endParaRPr kumimoji="0" lang="en-US" sz="1600" b="0" i="0" u="none" strike="noStrike" cap="none" spc="0" normalizeH="0" baseline="0" noProof="0" dirty="0">
+              <a:ln>
+                <a:noFill/>
+              </a:ln>
+              <a:effectLst/>
+              <a:uLnTx/>
+              <a:uFillTx/>
+            </a:endParaRPr>
+          </a:p>
+          <a:p>
+            <a:pPr marL="285750" marR="0" lvl="0" indent="-228600" fontAlgn="auto">
+              <a:lnSpc>
+                <a:spcPct val="90000"/>
+              </a:lnSpc>
+              <a:spcBef>
+                <a:spcPts val="0"/>
+              </a:spcBef>
+              <a:spcAft>
+                <a:spcPts val="600"/>
+              </a:spcAft>
+              <a:buClrTx/>
+              <a:buSzTx/>
+              <a:buFont typeface="Arial" panose="020B0604020202020204" pitchFamily="34" charset="0"/>
+              <a:buChar char="•"/>
+              <a:tabLst/>
+              <a:defRPr/>
+            </a:pPr>
             <a:r>
-              <a:rPr kumimoji="0" lang="en-US" sz="1600" b="1" i="0" u="none" strike="noStrike" cap="none" spc="0" normalizeH="0" baseline="0" noProof="0">
-                <a:ln>
-                  <a:noFill/>
-                </a:ln>
-                <a:effectLst/>
-                <a:uLnTx/>
-                <a:uFillTx/>
-              </a:rPr>
-              <a:t>did not </a:t>
+              <a:rPr lang="en-US" sz="1600" dirty="0"/>
+              <a:t>Logistic Regression Evaluation</a:t>
             </a:r>
+            <a:endParaRPr kumimoji="0" lang="en-US" sz="1600" b="0" i="0" u="none" strike="noStrike" cap="none" spc="0" normalizeH="0" baseline="0" noProof="0" dirty="0">
+              <a:ln>
+                <a:noFill/>
+              </a:ln>
+              <a:effectLst/>
+              <a:uLnTx/>
+              <a:uFillTx/>
+            </a:endParaRPr>
+          </a:p>
+          <a:p>
+            <a:pPr marL="742950" marR="0" lvl="1" indent="-228600" fontAlgn="auto">
+              <a:lnSpc>
+                <a:spcPct val="90000"/>
+              </a:lnSpc>
+              <a:spcBef>
+                <a:spcPts val="0"/>
+              </a:spcBef>
+              <a:spcAft>
+                <a:spcPts val="600"/>
+              </a:spcAft>
+              <a:buClrTx/>
+              <a:buSzTx/>
+              <a:buFont typeface="Arial" panose="020B0604020202020204" pitchFamily="34" charset="0"/>
+              <a:buChar char="•"/>
+              <a:tabLst/>
+              <a:defRPr/>
+            </a:pPr>
             <a:r>
-              <a:rPr kumimoji="0" lang="en-US" sz="1600" b="0" i="0" u="none" strike="noStrike" cap="none" spc="0" normalizeH="0" baseline="0" noProof="0">
-                <a:ln>
-                  <a:noFill/>
-                </a:ln>
-                <a:effectLst/>
-                <a:uLnTx/>
-                <a:uFillTx/>
-              </a:rPr>
-              <a:t>outperform standard algorithms</a:t>
+              <a:rPr lang="en-US" sz="1600" dirty="0"/>
+              <a:t>Strongest fit for predicting arrest likelihood</a:t>
+            </a:r>
+            <a:endParaRPr kumimoji="0" lang="en-US" sz="1600" b="0" i="0" u="none" strike="noStrike" cap="none" spc="0" normalizeH="0" baseline="0" noProof="0" dirty="0">
+              <a:ln>
+                <a:noFill/>
+              </a:ln>
+              <a:effectLst/>
+              <a:uLnTx/>
+              <a:uFillTx/>
+            </a:endParaRPr>
+          </a:p>
+          <a:p>
+            <a:pPr marL="742950" marR="0" lvl="1" indent="-228600" fontAlgn="auto">
+              <a:lnSpc>
+                <a:spcPct val="90000"/>
+              </a:lnSpc>
+              <a:spcBef>
+                <a:spcPts val="0"/>
+              </a:spcBef>
+              <a:spcAft>
+                <a:spcPts val="600"/>
+              </a:spcAft>
+              <a:buClrTx/>
+              <a:buSzTx/>
+              <a:buFont typeface="Arial" panose="020B0604020202020204" pitchFamily="34" charset="0"/>
+              <a:buChar char="•"/>
+              <a:tabLst/>
+              <a:defRPr/>
+            </a:pPr>
+            <a:r>
+              <a:rPr lang="en-US" sz="1600" dirty="0"/>
+              <a:t>Assumes linear relationships, matching data structure</a:t>
             </a:r>
           </a:p>
           <a:p>
@@ -29641,15 +32800,8 @@
               <a:defRPr/>
             </a:pPr>
             <a:r>
-              <a:rPr kumimoji="0" lang="en-US" sz="1600" b="0" i="0" u="none" strike="noStrike" cap="none" spc="0" normalizeH="0" baseline="0" noProof="0">
-                <a:ln>
-                  <a:noFill/>
-                </a:ln>
-                <a:effectLst/>
-                <a:uLnTx/>
-                <a:uFillTx/>
-              </a:rPr>
-              <a:t>Key Insights</a:t>
+              <a:rPr lang="en-US" sz="1600" dirty="0"/>
+              <a:t>Conclusion</a:t>
             </a:r>
           </a:p>
           <a:p>
@@ -29671,15 +32823,8 @@
               <a:defRPr/>
             </a:pPr>
             <a:r>
-              <a:rPr kumimoji="0" lang="en-US" sz="1600" b="0" i="0" u="none" strike="noStrike" cap="none" spc="0" normalizeH="0" baseline="0" noProof="0">
-                <a:ln>
-                  <a:noFill/>
-                </a:ln>
-                <a:effectLst/>
-                <a:uLnTx/>
-                <a:uFillTx/>
-              </a:rPr>
-              <a:t>Logistic Regression remains most promising model</a:t>
+              <a:rPr lang="en-US" sz="1600" dirty="0"/>
+              <a:t>Ensemble models did not outperform logistic regression—limited nonlinear complexities</a:t>
             </a:r>
           </a:p>
           <a:p>
@@ -29701,16 +32846,34 @@
               <a:defRPr/>
             </a:pPr>
             <a:r>
-              <a:rPr kumimoji="0" lang="en-US" sz="1600" b="0" i="0" u="none" strike="noStrike" cap="none" spc="0" normalizeH="0" baseline="0" noProof="0">
-                <a:ln>
-                  <a:noFill/>
-                </a:ln>
-                <a:effectLst/>
-                <a:uLnTx/>
-                <a:uFillTx/>
-              </a:rPr>
-              <a:t>Final Model selection pending additional tuning efforts</a:t>
+              <a:rPr lang="en-US" sz="1600" dirty="0"/>
+              <a:t>Logistic regression recommended for real world implementation</a:t>
             </a:r>
+          </a:p>
+          <a:p>
+            <a:pPr marL="514350" marR="0" lvl="1" fontAlgn="auto">
+              <a:lnSpc>
+                <a:spcPct val="90000"/>
+              </a:lnSpc>
+              <a:spcBef>
+                <a:spcPts val="0"/>
+              </a:spcBef>
+              <a:spcAft>
+                <a:spcPts val="600"/>
+              </a:spcAft>
+              <a:buClrTx/>
+              <a:buSzTx/>
+              <a:tabLst/>
+              <a:defRPr/>
+            </a:pPr>
+            <a:endParaRPr kumimoji="0" lang="en-US" sz="1600" b="0" i="0" u="none" strike="noStrike" cap="none" spc="0" normalizeH="0" baseline="0" noProof="0" dirty="0">
+              <a:ln>
+                <a:noFill/>
+              </a:ln>
+              <a:effectLst/>
+              <a:uLnTx/>
+              <a:uFillTx/>
+            </a:endParaRPr>
           </a:p>
         </p:txBody>
       </p:sp>
@@ -30377,41 +33540,32 @@
           </a:p>
         </p:txBody>
       </p:sp>
-      <p:sp>
-        <p:nvSpPr>
-          <p:cNvPr id="3" name="Content Placeholder 2">
+      <p:graphicFrame>
+        <p:nvGraphicFramePr>
+          <p:cNvPr id="18" name="Content Placeholder 2">
             <a:extLst>
               <a:ext uri="{FF2B5EF4-FFF2-40B4-BE49-F238E27FC236}">
-                <a16:creationId xmlns:a16="http://schemas.microsoft.com/office/drawing/2014/main" id="{851DEC0B-BE60-15EF-AEB3-2AFB7AE5447E}"/>
+                <a16:creationId xmlns:a16="http://schemas.microsoft.com/office/drawing/2014/main" id="{33272AF7-F0B8-04E2-5140-23ED5ECCC948}"/>
               </a:ext>
             </a:extLst>
           </p:cNvPr>
-          <p:cNvSpPr>
-            <a:spLocks noGrp="1"/>
-          </p:cNvSpPr>
+          <p:cNvGraphicFramePr>
+            <a:graphicFrameLocks noGrp="1"/>
+          </p:cNvGraphicFramePr>
           <p:nvPr>
             <p:ph idx="1"/>
           </p:nvPr>
-        </p:nvSpPr>
-        <p:spPr>
-          <a:xfrm>
-            <a:off x="1371599" y="2318197"/>
-            <a:ext cx="9724031" cy="3683358"/>
-          </a:xfrm>
-        </p:spPr>
-        <p:txBody>
-          <a:bodyPr anchor="ctr">
-            <a:normAutofit/>
-          </a:bodyPr>
-          <a:lstStyle/>
-          <a:p>
-            <a:r>
-              <a:rPr lang="en-US" sz="2000" dirty="0"/>
-              <a:t>[Include data visualization (graphs, charts, etc.) into our observations]</a:t>
-            </a:r>
-          </a:p>
-        </p:txBody>
-      </p:sp>
+        </p:nvGraphicFramePr>
+        <p:xfrm>
+          <a:off x="1371599" y="2318197"/>
+          <a:ext cx="9724031" cy="3683358"/>
+        </p:xfrm>
+        <a:graphic>
+          <a:graphicData uri="http://schemas.openxmlformats.org/drawingml/2006/diagram">
+            <dgm:relIds xmlns:dgm="http://schemas.openxmlformats.org/drawingml/2006/diagram" xmlns:r="http://schemas.openxmlformats.org/officeDocument/2006/relationships" r:dm="rId3" r:lo="rId4" r:qs="rId5" r:cs="rId6"/>
+          </a:graphicData>
+        </a:graphic>
+      </p:graphicFrame>
     </p:spTree>
     <p:extLst>
       <p:ext uri="{BB962C8B-B14F-4D97-AF65-F5344CB8AC3E}">
@@ -30422,104 +33576,20 @@
   <p:clrMapOvr>
     <a:masterClrMapping/>
   </p:clrMapOvr>
-  <p:timing>
-    <p:tnLst>
-      <p:par>
-        <p:cTn id="1" dur="indefinite" restart="never" nodeType="tmRoot">
-          <p:childTnLst>
-            <p:seq concurrent="1" nextAc="seek">
-              <p:cTn id="2" dur="indefinite" nodeType="mainSeq">
-                <p:childTnLst>
-                  <p:par>
-                    <p:cTn id="3" fill="hold">
-                      <p:stCondLst>
-                        <p:cond delay="indefinite"/>
-                        <p:cond evt="onBegin" delay="0">
-                          <p:tn val="2"/>
-                        </p:cond>
-                      </p:stCondLst>
-                      <p:childTnLst>
-                        <p:par>
-                          <p:cTn id="4" fill="hold">
-                            <p:stCondLst>
-                              <p:cond delay="0"/>
-                            </p:stCondLst>
-                            <p:childTnLst>
-                              <p:par>
-                                <p:cTn id="5" presetID="10" presetClass="entr" presetSubtype="0" fill="hold" grpId="0" nodeType="withEffect">
-                                  <p:stCondLst>
-                                    <p:cond delay="500"/>
-                                  </p:stCondLst>
-                                  <p:iterate type="lt">
-                                    <p:tmPct val="10000"/>
-                                  </p:iterate>
-                                  <p:childTnLst>
-                                    <p:set>
-                                      <p:cBhvr>
-                                        <p:cTn id="6" dur="1" fill="hold">
-                                          <p:stCondLst>
-                                            <p:cond delay="0"/>
-                                          </p:stCondLst>
-                                        </p:cTn>
-                                        <p:tgtEl>
-                                          <p:spTgt spid="2"/>
-                                        </p:tgtEl>
-                                        <p:attrNameLst>
-                                          <p:attrName>style.visibility</p:attrName>
-                                        </p:attrNameLst>
-                                      </p:cBhvr>
-                                      <p:to>
-                                        <p:strVal val="visible"/>
-                                      </p:to>
-                                    </p:set>
-                                    <p:animEffect transition="in" filter="fade">
-                                      <p:cBhvr>
-                                        <p:cTn id="7" dur="400"/>
-                                        <p:tgtEl>
-                                          <p:spTgt spid="2"/>
-                                        </p:tgtEl>
-                                      </p:cBhvr>
-                                    </p:animEffect>
-                                  </p:childTnLst>
-                                </p:cTn>
-                              </p:par>
-                            </p:childTnLst>
-                          </p:cTn>
-                        </p:par>
-                      </p:childTnLst>
-                    </p:cTn>
-                  </p:par>
-                </p:childTnLst>
-              </p:cTn>
-              <p:prevCondLst>
-                <p:cond evt="onPrev" delay="0">
-                  <p:tgtEl>
-                    <p:sldTgt/>
-                  </p:tgtEl>
-                </p:cond>
-              </p:prevCondLst>
-              <p:nextCondLst>
-                <p:cond evt="onNext" delay="0">
-                  <p:tgtEl>
-                    <p:sldTgt/>
-                  </p:tgtEl>
-                </p:cond>
-              </p:nextCondLst>
-            </p:seq>
-          </p:childTnLst>
-        </p:cTn>
-      </p:par>
-    </p:tnLst>
-    <p:bldLst>
-      <p:bldP spid="2" grpId="0"/>
-    </p:bldLst>
-  </p:timing>
 </p:sld>
 </file>
 
 <file path=ppt/slides/slide17.xml><?xml version="1.0" encoding="utf-8"?>
 <p:sld xmlns:a="http://schemas.openxmlformats.org/drawingml/2006/main" xmlns:r="http://schemas.openxmlformats.org/officeDocument/2006/relationships" xmlns:p="http://schemas.openxmlformats.org/presentationml/2006/main">
   <p:cSld>
+    <p:bg>
+      <p:bgPr>
+        <a:solidFill>
+          <a:schemeClr val="bg1"/>
+        </a:solidFill>
+        <a:effectLst/>
+      </p:bgPr>
+    </p:bg>
     <p:spTree>
       <p:nvGrpSpPr>
         <p:cNvPr id="1" name=""/>
@@ -30534,12 +33604,634 @@
           <a:chExt cx="0" cy="0"/>
         </a:xfrm>
       </p:grpSpPr>
+      <p:sp useBgFill="1">
+        <p:nvSpPr>
+          <p:cNvPr id="8" name="Rectangle 7">
+            <a:extLst>
+              <a:ext uri="{FF2B5EF4-FFF2-40B4-BE49-F238E27FC236}">
+                <a16:creationId xmlns:a16="http://schemas.microsoft.com/office/drawing/2014/main" id="{09588DA8-065E-4F6F-8EFD-43104AB2E0CF}"/>
+              </a:ext>
+              <a:ext uri="{C183D7F6-B498-43B3-948B-1728B52AA6E4}">
+                <adec:decorative xmlns:adec="http://schemas.microsoft.com/office/drawing/2017/decorative" val="1"/>
+              </a:ext>
+            </a:extLst>
+          </p:cNvPr>
+          <p:cNvSpPr>
+            <a:spLocks noGrp="1" noRot="1" noChangeAspect="1" noMove="1" noResize="1" noEditPoints="1" noAdjustHandles="1" noChangeArrowheads="1" noChangeShapeType="1" noTextEdit="1"/>
+          </p:cNvSpPr>
+          <p:nvPr>
+            <p:extLst>
+              <p:ext uri="{386F3935-93C4-4BCD-93E2-E3B085C9AB24}">
+                <p16:designElem xmlns:p16="http://schemas.microsoft.com/office/powerpoint/2015/main" val="1"/>
+              </p:ext>
+            </p:extLst>
+          </p:nvPr>
+        </p:nvSpPr>
+        <p:spPr>
+          <a:xfrm>
+            <a:off x="0" y="0"/>
+            <a:ext cx="12192000" cy="6858000"/>
+          </a:xfrm>
+          <a:prstGeom prst="rect">
+            <a:avLst/>
+          </a:prstGeom>
+          <a:ln w="12700" cap="flat" cmpd="sng" algn="ctr">
+            <a:noFill/>
+            <a:prstDash val="solid"/>
+            <a:miter lim="800000"/>
+          </a:ln>
+          <a:effectLst/>
+          <a:extLst>
+            <a:ext uri="{91240B29-F687-4F45-9708-019B960494DF}">
+              <a14:hiddenLine xmlns:a14="http://schemas.microsoft.com/office/drawing/2010/main" w="12700" cap="flat" cmpd="sng" algn="ctr">
+                <a:solidFill>
+                  <a:schemeClr val="accent1">
+                    <a:shade val="50000"/>
+                  </a:schemeClr>
+                </a:solidFill>
+                <a:prstDash val="solid"/>
+                <a:miter lim="800000"/>
+              </a14:hiddenLine>
+            </a:ext>
+          </a:extLst>
+        </p:spPr>
+        <p:style>
+          <a:lnRef idx="2">
+            <a:schemeClr val="accent1">
+              <a:shade val="50000"/>
+            </a:schemeClr>
+          </a:lnRef>
+          <a:fillRef idx="1">
+            <a:schemeClr val="accent1"/>
+          </a:fillRef>
+          <a:effectRef idx="0">
+            <a:schemeClr val="accent1"/>
+          </a:effectRef>
+          <a:fontRef idx="minor">
+            <a:schemeClr val="lt1"/>
+          </a:fontRef>
+        </p:style>
+        <p:txBody>
+          <a:bodyPr rtlCol="0" anchor="ctr"/>
+          <a:lstStyle/>
+          <a:p>
+            <a:pPr algn="ctr"/>
+            <a:endParaRPr lang="en-US"/>
+          </a:p>
+        </p:txBody>
+      </p:sp>
+      <p:sp useBgFill="1">
+        <p:nvSpPr>
+          <p:cNvPr id="10" name="Rectangle 9">
+            <a:extLst>
+              <a:ext uri="{FF2B5EF4-FFF2-40B4-BE49-F238E27FC236}">
+                <a16:creationId xmlns:a16="http://schemas.microsoft.com/office/drawing/2014/main" id="{C4285719-470E-454C-AF62-8323075F1F5B}"/>
+              </a:ext>
+              <a:ext uri="{C183D7F6-B498-43B3-948B-1728B52AA6E4}">
+                <adec:decorative xmlns:adec="http://schemas.microsoft.com/office/drawing/2017/decorative" val="1"/>
+              </a:ext>
+            </a:extLst>
+          </p:cNvPr>
+          <p:cNvSpPr>
+            <a:spLocks noGrp="1" noRot="1" noChangeAspect="1" noMove="1" noResize="1" noEditPoints="1" noAdjustHandles="1" noChangeArrowheads="1" noChangeShapeType="1" noTextEdit="1"/>
+          </p:cNvSpPr>
+          <p:nvPr>
+            <p:extLst>
+              <p:ext uri="{386F3935-93C4-4BCD-93E2-E3B085C9AB24}">
+                <p16:designElem xmlns:p16="http://schemas.microsoft.com/office/powerpoint/2015/main" val="1"/>
+              </p:ext>
+            </p:extLst>
+          </p:nvPr>
+        </p:nvSpPr>
+        <p:spPr>
+          <a:xfrm>
+            <a:off x="0" y="0"/>
+            <a:ext cx="12188952" cy="6858000"/>
+          </a:xfrm>
+          <a:prstGeom prst="rect">
+            <a:avLst/>
+          </a:prstGeom>
+          <a:ln w="12700" cap="flat" cmpd="sng" algn="ctr">
+            <a:noFill/>
+            <a:prstDash val="solid"/>
+            <a:miter lim="800000"/>
+          </a:ln>
+          <a:effectLst/>
+          <a:extLst>
+            <a:ext uri="{91240B29-F687-4F45-9708-019B960494DF}">
+              <a14:hiddenLine xmlns:a14="http://schemas.microsoft.com/office/drawing/2010/main" w="12700" cap="flat" cmpd="sng" algn="ctr">
+                <a:solidFill>
+                  <a:schemeClr val="accent1">
+                    <a:shade val="50000"/>
+                  </a:schemeClr>
+                </a:solidFill>
+                <a:prstDash val="solid"/>
+                <a:miter lim="800000"/>
+              </a14:hiddenLine>
+            </a:ext>
+          </a:extLst>
+        </p:spPr>
+        <p:style>
+          <a:lnRef idx="2">
+            <a:schemeClr val="accent1">
+              <a:shade val="50000"/>
+            </a:schemeClr>
+          </a:lnRef>
+          <a:fillRef idx="1">
+            <a:schemeClr val="accent1"/>
+          </a:fillRef>
+          <a:effectRef idx="0">
+            <a:schemeClr val="accent1"/>
+          </a:effectRef>
+          <a:fontRef idx="minor">
+            <a:schemeClr val="lt1"/>
+          </a:fontRef>
+        </p:style>
+        <p:txBody>
+          <a:bodyPr rtlCol="0" anchor="ctr"/>
+          <a:lstStyle/>
+          <a:p>
+            <a:pPr algn="ctr"/>
+            <a:endParaRPr lang="en-US"/>
+          </a:p>
+        </p:txBody>
+      </p:sp>
+      <p:sp>
+        <p:nvSpPr>
+          <p:cNvPr id="12" name="Rectangle 11">
+            <a:extLst>
+              <a:ext uri="{FF2B5EF4-FFF2-40B4-BE49-F238E27FC236}">
+                <a16:creationId xmlns:a16="http://schemas.microsoft.com/office/drawing/2014/main" id="{CD9FE4EF-C4D8-49A0-B2FF-81D8DB7D8A24}"/>
+              </a:ext>
+              <a:ext uri="{C183D7F6-B498-43B3-948B-1728B52AA6E4}">
+                <adec:decorative xmlns:adec="http://schemas.microsoft.com/office/drawing/2017/decorative" val="1"/>
+              </a:ext>
+            </a:extLst>
+          </p:cNvPr>
+          <p:cNvSpPr>
+            <a:spLocks noGrp="1" noRot="1" noChangeAspect="1" noMove="1" noResize="1" noEditPoints="1" noAdjustHandles="1" noChangeArrowheads="1" noChangeShapeType="1" noTextEdit="1"/>
+          </p:cNvSpPr>
+          <p:nvPr>
+            <p:extLst>
+              <p:ext uri="{386F3935-93C4-4BCD-93E2-E3B085C9AB24}">
+                <p16:designElem xmlns:p16="http://schemas.microsoft.com/office/powerpoint/2015/main" val="1"/>
+              </p:ext>
+            </p:extLst>
+          </p:nvPr>
+        </p:nvSpPr>
+        <p:spPr>
+          <a:xfrm rot="5400000" flipH="1">
+            <a:off x="-1410084" y="1410082"/>
+            <a:ext cx="6858000" cy="4037836"/>
+          </a:xfrm>
+          <a:prstGeom prst="rect">
+            <a:avLst/>
+          </a:prstGeom>
+          <a:gradFill>
+            <a:gsLst>
+              <a:gs pos="8000">
+                <a:srgbClr val="000000"/>
+              </a:gs>
+              <a:gs pos="100000">
+                <a:schemeClr val="accent1">
+                  <a:lumMod val="75000"/>
+                </a:schemeClr>
+              </a:gs>
+            </a:gsLst>
+            <a:lin ang="3000000" scaled="0"/>
+          </a:gradFill>
+          <a:ln>
+            <a:noFill/>
+          </a:ln>
+        </p:spPr>
+        <p:style>
+          <a:lnRef idx="2">
+            <a:schemeClr val="accent1">
+              <a:shade val="50000"/>
+            </a:schemeClr>
+          </a:lnRef>
+          <a:fillRef idx="1">
+            <a:schemeClr val="accent1"/>
+          </a:fillRef>
+          <a:effectRef idx="0">
+            <a:schemeClr val="accent1"/>
+          </a:effectRef>
+          <a:fontRef idx="minor">
+            <a:schemeClr val="lt1"/>
+          </a:fontRef>
+        </p:style>
+        <p:txBody>
+          <a:bodyPr rtlCol="0" anchor="ctr"/>
+          <a:lstStyle/>
+          <a:p>
+            <a:pPr algn="ctr"/>
+            <a:endParaRPr lang="en-US"/>
+          </a:p>
+        </p:txBody>
+      </p:sp>
+      <p:sp>
+        <p:nvSpPr>
+          <p:cNvPr id="14" name="Rectangle 13">
+            <a:extLst>
+              <a:ext uri="{FF2B5EF4-FFF2-40B4-BE49-F238E27FC236}">
+                <a16:creationId xmlns:a16="http://schemas.microsoft.com/office/drawing/2014/main" id="{4300840D-0A0B-4512-BACA-B439D5B9C57C}"/>
+              </a:ext>
+              <a:ext uri="{C183D7F6-B498-43B3-948B-1728B52AA6E4}">
+                <adec:decorative xmlns:adec="http://schemas.microsoft.com/office/drawing/2017/decorative" val="1"/>
+              </a:ext>
+            </a:extLst>
+          </p:cNvPr>
+          <p:cNvSpPr>
+            <a:spLocks noGrp="1" noRot="1" noChangeAspect="1" noMove="1" noResize="1" noEditPoints="1" noAdjustHandles="1" noChangeArrowheads="1" noChangeShapeType="1" noTextEdit="1"/>
+          </p:cNvSpPr>
+          <p:nvPr>
+            <p:extLst>
+              <p:ext uri="{386F3935-93C4-4BCD-93E2-E3B085C9AB24}">
+                <p16:designElem xmlns:p16="http://schemas.microsoft.com/office/powerpoint/2015/main" val="1"/>
+              </p:ext>
+            </p:extLst>
+          </p:nvPr>
+        </p:nvSpPr>
+        <p:spPr>
+          <a:xfrm rot="5400000" flipH="1">
+            <a:off x="-1410085" y="1420219"/>
+            <a:ext cx="6857999" cy="4037839"/>
+          </a:xfrm>
+          <a:prstGeom prst="rect">
+            <a:avLst/>
+          </a:prstGeom>
+          <a:gradFill>
+            <a:gsLst>
+              <a:gs pos="0">
+                <a:srgbClr val="000000">
+                  <a:alpha val="0"/>
+                </a:srgbClr>
+              </a:gs>
+              <a:gs pos="99000">
+                <a:schemeClr val="accent1">
+                  <a:alpha val="46000"/>
+                </a:schemeClr>
+              </a:gs>
+            </a:gsLst>
+            <a:lin ang="1800000" scaled="0"/>
+          </a:gradFill>
+          <a:ln>
+            <a:noFill/>
+          </a:ln>
+        </p:spPr>
+        <p:style>
+          <a:lnRef idx="2">
+            <a:schemeClr val="accent1">
+              <a:shade val="50000"/>
+            </a:schemeClr>
+          </a:lnRef>
+          <a:fillRef idx="1">
+            <a:schemeClr val="accent1"/>
+          </a:fillRef>
+          <a:effectRef idx="0">
+            <a:schemeClr val="accent1"/>
+          </a:effectRef>
+          <a:fontRef idx="minor">
+            <a:schemeClr val="lt1"/>
+          </a:fontRef>
+        </p:style>
+        <p:txBody>
+          <a:bodyPr rtlCol="0" anchor="ctr"/>
+          <a:lstStyle/>
+          <a:p>
+            <a:pPr algn="ctr"/>
+            <a:endParaRPr lang="en-US"/>
+          </a:p>
+        </p:txBody>
+      </p:sp>
+      <p:sp>
+        <p:nvSpPr>
+          <p:cNvPr id="16" name="Rectangle 15">
+            <a:extLst>
+              <a:ext uri="{FF2B5EF4-FFF2-40B4-BE49-F238E27FC236}">
+                <a16:creationId xmlns:a16="http://schemas.microsoft.com/office/drawing/2014/main" id="{D2B78728-A580-49A7-84F9-6EF6F583ADE0}"/>
+              </a:ext>
+              <a:ext uri="{C183D7F6-B498-43B3-948B-1728B52AA6E4}">
+                <adec:decorative xmlns:adec="http://schemas.microsoft.com/office/drawing/2017/decorative" val="1"/>
+              </a:ext>
+            </a:extLst>
+          </p:cNvPr>
+          <p:cNvSpPr>
+            <a:spLocks noGrp="1" noRot="1" noChangeAspect="1" noMove="1" noResize="1" noEditPoints="1" noAdjustHandles="1" noChangeArrowheads="1" noChangeShapeType="1" noTextEdit="1"/>
+          </p:cNvSpPr>
+          <p:nvPr>
+            <p:extLst>
+              <p:ext uri="{386F3935-93C4-4BCD-93E2-E3B085C9AB24}">
+                <p16:designElem xmlns:p16="http://schemas.microsoft.com/office/powerpoint/2015/main" val="1"/>
+              </p:ext>
+            </p:extLst>
+          </p:nvPr>
+        </p:nvSpPr>
+        <p:spPr>
+          <a:xfrm rot="5400000" flipH="1">
+            <a:off x="767923" y="3588085"/>
+            <a:ext cx="2501979" cy="4037841"/>
+          </a:xfrm>
+          <a:prstGeom prst="rect">
+            <a:avLst/>
+          </a:prstGeom>
+          <a:gradFill>
+            <a:gsLst>
+              <a:gs pos="2000">
+                <a:schemeClr val="accent1">
+                  <a:alpha val="29000"/>
+                </a:schemeClr>
+              </a:gs>
+              <a:gs pos="100000">
+                <a:srgbClr val="000000">
+                  <a:alpha val="30000"/>
+                </a:srgbClr>
+              </a:gs>
+            </a:gsLst>
+            <a:lin ang="7800000" scaled="0"/>
+          </a:gradFill>
+          <a:ln>
+            <a:noFill/>
+          </a:ln>
+        </p:spPr>
+        <p:style>
+          <a:lnRef idx="2">
+            <a:schemeClr val="accent1">
+              <a:shade val="50000"/>
+            </a:schemeClr>
+          </a:lnRef>
+          <a:fillRef idx="1">
+            <a:schemeClr val="accent1"/>
+          </a:fillRef>
+          <a:effectRef idx="0">
+            <a:schemeClr val="accent1"/>
+          </a:effectRef>
+          <a:fontRef idx="minor">
+            <a:schemeClr val="lt1"/>
+          </a:fontRef>
+        </p:style>
+        <p:txBody>
+          <a:bodyPr rtlCol="0" anchor="ctr"/>
+          <a:lstStyle/>
+          <a:p>
+            <a:pPr algn="ctr"/>
+            <a:endParaRPr lang="en-US" dirty="0"/>
+          </a:p>
+        </p:txBody>
+      </p:sp>
+      <p:sp>
+        <p:nvSpPr>
+          <p:cNvPr id="18" name="Freeform: Shape 17">
+            <a:extLst>
+              <a:ext uri="{FF2B5EF4-FFF2-40B4-BE49-F238E27FC236}">
+                <a16:creationId xmlns:a16="http://schemas.microsoft.com/office/drawing/2014/main" id="{38FAA1A1-D861-433F-88FA-1E9D6FD31D11}"/>
+              </a:ext>
+              <a:ext uri="{C183D7F6-B498-43B3-948B-1728B52AA6E4}">
+                <adec:decorative xmlns:adec="http://schemas.microsoft.com/office/drawing/2017/decorative" val="1"/>
+              </a:ext>
+            </a:extLst>
+          </p:cNvPr>
+          <p:cNvSpPr>
+            <a:spLocks noGrp="1" noRot="1" noChangeAspect="1" noMove="1" noResize="1" noEditPoints="1" noAdjustHandles="1" noChangeArrowheads="1" noChangeShapeType="1" noTextEdit="1"/>
+          </p:cNvSpPr>
+          <p:nvPr>
+            <p:extLst>
+              <p:ext uri="{386F3935-93C4-4BCD-93E2-E3B085C9AB24}">
+                <p16:designElem xmlns:p16="http://schemas.microsoft.com/office/powerpoint/2015/main" val="1"/>
+              </p:ext>
+            </p:extLst>
+          </p:nvPr>
+        </p:nvSpPr>
+        <p:spPr>
+          <a:xfrm rot="20635413">
+            <a:off x="-501737" y="969718"/>
+            <a:ext cx="3900357" cy="4178958"/>
+          </a:xfrm>
+          <a:custGeom>
+            <a:avLst/>
+            <a:gdLst>
+              <a:gd name="connsiteX0" fmla="*/ 2432225 w 3900357"/>
+              <a:gd name="connsiteY0" fmla="*/ 93939 h 4178958"/>
+              <a:gd name="connsiteX1" fmla="*/ 3900357 w 3900357"/>
+              <a:gd name="connsiteY1" fmla="*/ 2089479 h 4178958"/>
+              <a:gd name="connsiteX2" fmla="*/ 1810878 w 3900357"/>
+              <a:gd name="connsiteY2" fmla="*/ 4178958 h 4178958"/>
+              <a:gd name="connsiteX3" fmla="*/ 78249 w 3900357"/>
+              <a:gd name="connsiteY3" fmla="*/ 3257727 h 4178958"/>
+              <a:gd name="connsiteX4" fmla="*/ 0 w 3900357"/>
+              <a:gd name="connsiteY4" fmla="*/ 3128923 h 4178958"/>
+              <a:gd name="connsiteX5" fmla="*/ 831324 w 3900357"/>
+              <a:gd name="connsiteY5" fmla="*/ 244281 h 4178958"/>
+              <a:gd name="connsiteX6" fmla="*/ 997559 w 3900357"/>
+              <a:gd name="connsiteY6" fmla="*/ 164202 h 4178958"/>
+              <a:gd name="connsiteX7" fmla="*/ 1810878 w 3900357"/>
+              <a:gd name="connsiteY7" fmla="*/ 0 h 4178958"/>
+              <a:gd name="connsiteX8" fmla="*/ 2432225 w 3900357"/>
+              <a:gd name="connsiteY8" fmla="*/ 93939 h 4178958"/>
+            </a:gdLst>
+            <a:ahLst/>
+            <a:cxnLst>
+              <a:cxn ang="0">
+                <a:pos x="connsiteX0" y="connsiteY0"/>
+              </a:cxn>
+              <a:cxn ang="0">
+                <a:pos x="connsiteX1" y="connsiteY1"/>
+              </a:cxn>
+              <a:cxn ang="0">
+                <a:pos x="connsiteX2" y="connsiteY2"/>
+              </a:cxn>
+              <a:cxn ang="0">
+                <a:pos x="connsiteX3" y="connsiteY3"/>
+              </a:cxn>
+              <a:cxn ang="0">
+                <a:pos x="connsiteX4" y="connsiteY4"/>
+              </a:cxn>
+              <a:cxn ang="0">
+                <a:pos x="connsiteX5" y="connsiteY5"/>
+              </a:cxn>
+              <a:cxn ang="0">
+                <a:pos x="connsiteX6" y="connsiteY6"/>
+              </a:cxn>
+              <a:cxn ang="0">
+                <a:pos x="connsiteX7" y="connsiteY7"/>
+              </a:cxn>
+              <a:cxn ang="0">
+                <a:pos x="connsiteX8" y="connsiteY8"/>
+              </a:cxn>
+            </a:cxnLst>
+            <a:rect l="l" t="t" r="r" b="b"/>
+            <a:pathLst>
+              <a:path w="3900357" h="4178958">
+                <a:moveTo>
+                  <a:pt x="2432225" y="93939"/>
+                </a:moveTo>
+                <a:cubicBezTo>
+                  <a:pt x="3282786" y="358491"/>
+                  <a:pt x="3900357" y="1151865"/>
+                  <a:pt x="3900357" y="2089479"/>
+                </a:cubicBezTo>
+                <a:cubicBezTo>
+                  <a:pt x="3900357" y="3243466"/>
+                  <a:pt x="2964865" y="4178958"/>
+                  <a:pt x="1810878" y="4178958"/>
+                </a:cubicBezTo>
+                <a:cubicBezTo>
+                  <a:pt x="1089636" y="4178958"/>
+                  <a:pt x="453744" y="3813531"/>
+                  <a:pt x="78249" y="3257727"/>
+                </a:cubicBezTo>
+                <a:lnTo>
+                  <a:pt x="0" y="3128923"/>
+                </a:lnTo>
+                <a:lnTo>
+                  <a:pt x="831324" y="244281"/>
+                </a:lnTo>
+                <a:lnTo>
+                  <a:pt x="997559" y="164202"/>
+                </a:lnTo>
+                <a:cubicBezTo>
+                  <a:pt x="1247540" y="58468"/>
+                  <a:pt x="1522381" y="0"/>
+                  <a:pt x="1810878" y="0"/>
+                </a:cubicBezTo>
+                <a:cubicBezTo>
+                  <a:pt x="2027251" y="0"/>
+                  <a:pt x="2235942" y="32888"/>
+                  <a:pt x="2432225" y="93939"/>
+                </a:cubicBezTo>
+                <a:close/>
+              </a:path>
+            </a:pathLst>
+          </a:custGeom>
+          <a:gradFill>
+            <a:gsLst>
+              <a:gs pos="29000">
+                <a:srgbClr val="000000">
+                  <a:alpha val="0"/>
+                </a:srgbClr>
+              </a:gs>
+              <a:gs pos="100000">
+                <a:schemeClr val="accent1">
+                  <a:alpha val="43000"/>
+                </a:schemeClr>
+              </a:gs>
+            </a:gsLst>
+            <a:lin ang="1800000" scaled="0"/>
+          </a:gradFill>
+          <a:ln>
+            <a:noFill/>
+          </a:ln>
+        </p:spPr>
+        <p:style>
+          <a:lnRef idx="2">
+            <a:schemeClr val="accent1">
+              <a:shade val="50000"/>
+            </a:schemeClr>
+          </a:lnRef>
+          <a:fillRef idx="1">
+            <a:schemeClr val="accent1"/>
+          </a:fillRef>
+          <a:effectRef idx="0">
+            <a:schemeClr val="accent1"/>
+          </a:effectRef>
+          <a:fontRef idx="minor">
+            <a:schemeClr val="lt1"/>
+          </a:fontRef>
+        </p:style>
+        <p:txBody>
+          <a:bodyPr wrap="square" rtlCol="0" anchor="ctr">
+            <a:noAutofit/>
+          </a:bodyPr>
+          <a:lstStyle/>
+          <a:p>
+            <a:pPr algn="ctr"/>
+            <a:endParaRPr lang="en-US" dirty="0"/>
+          </a:p>
+        </p:txBody>
+      </p:sp>
+      <p:sp>
+        <p:nvSpPr>
+          <p:cNvPr id="20" name="Rectangle 19">
+            <a:extLst>
+              <a:ext uri="{FF2B5EF4-FFF2-40B4-BE49-F238E27FC236}">
+                <a16:creationId xmlns:a16="http://schemas.microsoft.com/office/drawing/2014/main" id="{8D71EDA1-87BF-4D5D-AB79-F346FD19278A}"/>
+              </a:ext>
+              <a:ext uri="{C183D7F6-B498-43B3-948B-1728B52AA6E4}">
+                <adec:decorative xmlns:adec="http://schemas.microsoft.com/office/drawing/2017/decorative" val="1"/>
+              </a:ext>
+            </a:extLst>
+          </p:cNvPr>
+          <p:cNvSpPr>
+            <a:spLocks noGrp="1" noRot="1" noChangeAspect="1" noMove="1" noResize="1" noEditPoints="1" noAdjustHandles="1" noChangeArrowheads="1" noChangeShapeType="1" noTextEdit="1"/>
+          </p:cNvSpPr>
+          <p:nvPr>
+            <p:extLst>
+              <p:ext uri="{386F3935-93C4-4BCD-93E2-E3B085C9AB24}">
+                <p16:designElem xmlns:p16="http://schemas.microsoft.com/office/powerpoint/2015/main" val="1"/>
+              </p:ext>
+            </p:extLst>
+          </p:nvPr>
+        </p:nvSpPr>
+        <p:spPr>
+          <a:xfrm rot="5400000" flipH="1">
+            <a:off x="-1410093" y="1399943"/>
+            <a:ext cx="6858003" cy="4037835"/>
+          </a:xfrm>
+          <a:prstGeom prst="rect">
+            <a:avLst/>
+          </a:prstGeom>
+          <a:gradFill>
+            <a:gsLst>
+              <a:gs pos="0">
+                <a:srgbClr val="000000">
+                  <a:alpha val="0"/>
+                </a:srgbClr>
+              </a:gs>
+              <a:gs pos="99000">
+                <a:schemeClr val="accent1">
+                  <a:lumMod val="60000"/>
+                  <a:lumOff val="40000"/>
+                  <a:alpha val="11000"/>
+                </a:schemeClr>
+              </a:gs>
+            </a:gsLst>
+            <a:lin ang="7200000" scaled="0"/>
+          </a:gradFill>
+          <a:ln>
+            <a:noFill/>
+          </a:ln>
+        </p:spPr>
+        <p:style>
+          <a:lnRef idx="2">
+            <a:schemeClr val="accent1">
+              <a:shade val="50000"/>
+            </a:schemeClr>
+          </a:lnRef>
+          <a:fillRef idx="1">
+            <a:schemeClr val="accent1"/>
+          </a:fillRef>
+          <a:effectRef idx="0">
+            <a:schemeClr val="accent1"/>
+          </a:effectRef>
+          <a:fontRef idx="minor">
+            <a:schemeClr val="lt1"/>
+          </a:fontRef>
+        </p:style>
+        <p:txBody>
+          <a:bodyPr rtlCol="0" anchor="ctr"/>
+          <a:lstStyle/>
+          <a:p>
+            <a:pPr algn="ctr"/>
+            <a:endParaRPr lang="en-US"/>
+          </a:p>
+        </p:txBody>
+      </p:sp>
       <p:sp>
         <p:nvSpPr>
           <p:cNvPr id="2" name="Title 1">
             <a:extLst>
               <a:ext uri="{FF2B5EF4-FFF2-40B4-BE49-F238E27FC236}">
-                <a16:creationId xmlns:a16="http://schemas.microsoft.com/office/drawing/2014/main" id="{D2BBFBE7-C567-7B62-52C7-009EA7D63C23}"/>
+                <a16:creationId xmlns:a16="http://schemas.microsoft.com/office/drawing/2014/main" id="{3DD42D15-FF2E-DA5A-581E-FB409FE889A0}"/>
               </a:ext>
             </a:extLst>
           </p:cNvPr>
@@ -30550,14 +34242,26 @@
             <p:ph type="title"/>
           </p:nvPr>
         </p:nvSpPr>
-        <p:spPr/>
+        <p:spPr>
+          <a:xfrm>
+            <a:off x="466722" y="586855"/>
+            <a:ext cx="3201366" cy="3387497"/>
+          </a:xfrm>
+        </p:spPr>
         <p:txBody>
-          <a:bodyPr/>
+          <a:bodyPr anchor="b">
+            <a:normAutofit/>
+          </a:bodyPr>
           <a:lstStyle/>
           <a:p>
+            <a:pPr algn="r"/>
             <a:r>
-              <a:rPr lang="en-US" dirty="0"/>
-              <a:t>Interesting Facts</a:t>
+              <a:rPr lang="en-US" sz="4000">
+                <a:solidFill>
+                  <a:srgbClr val="FFFFFF"/>
+                </a:solidFill>
+              </a:rPr>
+              <a:t>Citations </a:t>
             </a:r>
           </a:p>
         </p:txBody>
@@ -30567,7 +34271,7 @@
           <p:cNvPr id="3" name="Content Placeholder 2">
             <a:extLst>
               <a:ext uri="{FF2B5EF4-FFF2-40B4-BE49-F238E27FC236}">
-                <a16:creationId xmlns:a16="http://schemas.microsoft.com/office/drawing/2014/main" id="{BE44B921-5260-C21D-87DA-0AEE33F067AF}"/>
+                <a16:creationId xmlns:a16="http://schemas.microsoft.com/office/drawing/2014/main" id="{DDA51287-0AE9-7854-5187-5D18506F0D0C}"/>
               </a:ext>
             </a:extLst>
           </p:cNvPr>
@@ -30578,22 +34282,193 @@
             <p:ph idx="1"/>
           </p:nvPr>
         </p:nvSpPr>
-        <p:spPr/>
+        <p:spPr>
+          <a:xfrm>
+            <a:off x="4835711" y="1201328"/>
+            <a:ext cx="6555347" cy="5546047"/>
+          </a:xfrm>
+        </p:spPr>
         <p:txBody>
-          <a:bodyPr/>
+          <a:bodyPr anchor="ctr">
+            <a:normAutofit fontScale="92500" lnSpcReduction="20000"/>
+          </a:bodyPr>
           <a:lstStyle/>
           <a:p>
             <a:r>
-              <a:rPr lang="en-US" dirty="0"/>
-              <a:t>[What worked, what did not work, assumptions, surprises, limitations, etc.]</a:t>
+              <a:rPr lang="en-US" sz="2000" dirty="0" err="1"/>
+              <a:t>Ibm</a:t>
             </a:r>
+            <a:r>
+              <a:rPr lang="en-US" sz="2000" dirty="0"/>
+              <a:t>. (2025, June 4). </a:t>
+            </a:r>
+            <a:r>
+              <a:rPr lang="en-US" sz="2000" i="1" dirty="0"/>
+              <a:t>What is Random Forest?</a:t>
+            </a:r>
+            <a:r>
+              <a:rPr lang="en-US" sz="2000" dirty="0"/>
+              <a:t>. IBM. </a:t>
+            </a:r>
+            <a:r>
+              <a:rPr lang="en-US" sz="2000" dirty="0">
+                <a:hlinkClick r:id="rId2"/>
+              </a:rPr>
+              <a:t>https://www.ibm.com/think/topics/random-forest</a:t>
+            </a:r>
+            <a:r>
+              <a:rPr lang="en-US" sz="2000" dirty="0"/>
+              <a:t>  </a:t>
+            </a:r>
+          </a:p>
+          <a:p>
+            <a:r>
+              <a:rPr lang="en-US" sz="2000" dirty="0"/>
+              <a:t>Lee, F. (2025, July 29). </a:t>
+            </a:r>
+            <a:r>
+              <a:rPr lang="en-US" sz="2000" i="1" dirty="0"/>
+              <a:t>What is logistic regression?</a:t>
+            </a:r>
+            <a:r>
+              <a:rPr lang="en-US" sz="2000" dirty="0"/>
+              <a:t>. IBM. </a:t>
+            </a:r>
+            <a:r>
+              <a:rPr lang="en-US" sz="2000" dirty="0">
+                <a:hlinkClick r:id="rId3"/>
+              </a:rPr>
+              <a:t>https://www.ibm.com/think/topics/logistic-regression</a:t>
+            </a:r>
+            <a:r>
+              <a:rPr lang="en-US" sz="2000" dirty="0"/>
+              <a:t>  </a:t>
+            </a:r>
+          </a:p>
+          <a:p>
+            <a:r>
+              <a:rPr lang="en-US" sz="2000" dirty="0"/>
+              <a:t>scikit-learn developers . (n.d.). </a:t>
+            </a:r>
+            <a:r>
+              <a:rPr lang="en-US" sz="2000" i="1" dirty="0"/>
+              <a:t>1.10. decision trees</a:t>
+            </a:r>
+            <a:r>
+              <a:rPr lang="en-US" sz="2000" dirty="0"/>
+              <a:t>. scikit learn. </a:t>
+            </a:r>
+            <a:r>
+              <a:rPr lang="en-US" sz="2000" dirty="0">
+                <a:hlinkClick r:id="rId4"/>
+              </a:rPr>
+              <a:t>https://scikit-learn.org/stable/modules/tree.html</a:t>
+            </a:r>
+            <a:r>
+              <a:rPr lang="en-US" sz="2000" dirty="0"/>
+              <a:t>  </a:t>
+            </a:r>
+          </a:p>
+          <a:p>
+            <a:r>
+              <a:rPr lang="en-US" sz="2000" dirty="0"/>
+              <a:t>scikit-learn developers . (n.d.-c). </a:t>
+            </a:r>
+            <a:r>
+              <a:rPr lang="en-US" sz="2000" i="1" dirty="0" err="1"/>
+              <a:t>Gradientboostingclassifier</a:t>
+            </a:r>
+            <a:r>
+              <a:rPr lang="en-US" sz="2000" dirty="0"/>
+              <a:t>. scikit. </a:t>
+            </a:r>
+            <a:r>
+              <a:rPr lang="en-US" sz="2000" dirty="0">
+                <a:hlinkClick r:id="rId5"/>
+              </a:rPr>
+              <a:t>https://scikit-learn.org/stable/modules/generated/sklearn.ensemble.GradientBoostingClassifier.html</a:t>
+            </a:r>
+            <a:r>
+              <a:rPr lang="en-US" sz="2000" dirty="0"/>
+              <a:t>  </a:t>
+            </a:r>
+          </a:p>
+          <a:p>
+            <a:r>
+              <a:rPr lang="en-US" sz="2000" dirty="0"/>
+              <a:t>Grimm, A., </a:t>
+            </a:r>
+            <a:r>
+              <a:rPr lang="en-US" sz="2000" dirty="0" err="1"/>
+              <a:t>Schuba</a:t>
+            </a:r>
+            <a:r>
+              <a:rPr lang="en-US" sz="2000" dirty="0"/>
+              <a:t>, T., &amp; Boyle, A. (2025, March 14). </a:t>
+            </a:r>
+            <a:r>
+              <a:rPr lang="en-US" sz="2000" i="1" dirty="0"/>
+              <a:t>“where’s my justice?” Only 6% of Chicago shootings lead to arrests, Sun-Times finds</a:t>
+            </a:r>
+            <a:r>
+              <a:rPr lang="en-US" sz="2000" dirty="0"/>
+              <a:t>. Times. </a:t>
+            </a:r>
+            <a:r>
+              <a:rPr lang="en-US" sz="2000" dirty="0">
+                <a:hlinkClick r:id="rId6"/>
+              </a:rPr>
+              <a:t>https://chicago.suntimes.com/the-watchdogs/2025/03/14/non-fatal-shootings-clearance-rate-chicago-police-cpd-statistics</a:t>
+            </a:r>
+            <a:endParaRPr lang="en-US" sz="2000" dirty="0"/>
+          </a:p>
+          <a:p>
+            <a:r>
+              <a:rPr lang="en-US" sz="2000" dirty="0"/>
+              <a:t>Main, F., &amp; </a:t>
+            </a:r>
+            <a:r>
+              <a:rPr lang="en-US" sz="2000" dirty="0" err="1"/>
+              <a:t>Schuba</a:t>
+            </a:r>
+            <a:r>
+              <a:rPr lang="en-US" sz="2000" dirty="0"/>
+              <a:t>, T. (2024, October 25). </a:t>
+            </a:r>
+            <a:r>
+              <a:rPr lang="en-US" sz="2000" i="1" dirty="0"/>
+              <a:t>Chicago Police Department Exodus: New Cops are leaving in droves, Sun-Times Investigation finds</a:t>
+            </a:r>
+            <a:r>
+              <a:rPr lang="en-US" sz="2000" dirty="0"/>
+              <a:t>. Times. </a:t>
+            </a:r>
+            <a:r>
+              <a:rPr lang="en-US" sz="2000" dirty="0">
+                <a:hlinkClick r:id="rId7"/>
+              </a:rPr>
+              <a:t>https://chicago.suntimes.com/the-watchdogs/2024/10/25/chicago-police-department-exodus-suburbs-recruiting</a:t>
+            </a:r>
+            <a:r>
+              <a:rPr lang="en-US" sz="2000" dirty="0"/>
+              <a:t> </a:t>
+            </a:r>
+          </a:p>
+          <a:p>
+            <a:endParaRPr lang="en-US" sz="2000" dirty="0"/>
+          </a:p>
+          <a:p>
+            <a:endParaRPr lang="en-US" sz="2000" dirty="0"/>
+          </a:p>
+          <a:p>
+            <a:endParaRPr lang="en-US" sz="2000" dirty="0"/>
           </a:p>
         </p:txBody>
       </p:sp>
     </p:spTree>
     <p:extLst>
       <p:ext uri="{BB962C8B-B14F-4D97-AF65-F5344CB8AC3E}">
-        <p14:creationId xmlns:p14="http://schemas.microsoft.com/office/powerpoint/2010/main" val="1110763002"/>
+        <p14:creationId xmlns:p14="http://schemas.microsoft.com/office/powerpoint/2010/main" val="2528896629"/>
       </p:ext>
     </p:extLst>
   </p:cSld>
